--- a/試用期間終了.pptx
+++ b/試用期間終了.pptx
@@ -5,23 +5,32 @@
     <p:sldMasterId id="2147483648" r:id="rId1"/>
   </p:sldMasterIdLst>
   <p:notesMasterIdLst>
-    <p:notesMasterId r:id="rId13"/>
+    <p:notesMasterId r:id="rId22"/>
   </p:notesMasterIdLst>
   <p:handoutMasterIdLst>
-    <p:handoutMasterId r:id="rId14"/>
+    <p:handoutMasterId r:id="rId23"/>
   </p:handoutMasterIdLst>
   <p:sldIdLst>
     <p:sldId id="256" r:id="rId2"/>
     <p:sldId id="271" r:id="rId3"/>
     <p:sldId id="265" r:id="rId4"/>
-    <p:sldId id="266" r:id="rId5"/>
-    <p:sldId id="267" r:id="rId6"/>
-    <p:sldId id="272" r:id="rId7"/>
-    <p:sldId id="269" r:id="rId8"/>
-    <p:sldId id="264" r:id="rId9"/>
-    <p:sldId id="273" r:id="rId10"/>
-    <p:sldId id="270" r:id="rId11"/>
-    <p:sldId id="262" r:id="rId12"/>
+    <p:sldId id="286" r:id="rId5"/>
+    <p:sldId id="279" r:id="rId6"/>
+    <p:sldId id="287" r:id="rId7"/>
+    <p:sldId id="266" r:id="rId8"/>
+    <p:sldId id="288" r:id="rId9"/>
+    <p:sldId id="280" r:id="rId10"/>
+    <p:sldId id="289" r:id="rId11"/>
+    <p:sldId id="281" r:id="rId12"/>
+    <p:sldId id="290" r:id="rId13"/>
+    <p:sldId id="267" r:id="rId14"/>
+    <p:sldId id="283" r:id="rId15"/>
+    <p:sldId id="274" r:id="rId16"/>
+    <p:sldId id="285" r:id="rId17"/>
+    <p:sldId id="269" r:id="rId18"/>
+    <p:sldId id="275" r:id="rId19"/>
+    <p:sldId id="270" r:id="rId20"/>
+    <p:sldId id="262" r:id="rId21"/>
   </p:sldIdLst>
   <p:sldSz cx="9144000" cy="5143500" type="screen16x9"/>
   <p:notesSz cx="6858000" cy="9144000"/>
@@ -206,7 +215,7 @@
             <a:fld id="{09902969-8EA2-4B78-B0D9-FDE746F3C635}" type="datetimeFigureOut">
               <a:rPr kumimoji="1" lang="ja-JP" altLang="en-US" smtClean="0"/>
               <a:pPr/>
-              <a:t>2014/9/29</a:t>
+              <a:t>2014/9/30</a:t>
             </a:fld>
             <a:endParaRPr kumimoji="1" lang="ja-JP" altLang="en-US"/>
           </a:p>
@@ -368,7 +377,7 @@
             <a:fld id="{EFFCD70E-D74B-41C4-B089-A0008BD299E5}" type="datetimeFigureOut">
               <a:rPr kumimoji="1" lang="ja-JP" altLang="en-US" smtClean="0"/>
               <a:pPr/>
-              <a:t>2014/9/29</a:t>
+              <a:t>2014/9/30</a:t>
             </a:fld>
             <a:endParaRPr kumimoji="1" lang="ja-JP" altLang="en-US"/>
           </a:p>
@@ -1025,7 +1034,7 @@
             <a:fld id="{FC7AB2BD-E9B7-45BF-89F9-A3C60FAD2BB8}" type="datetime2">
               <a:rPr lang="en-US" altLang="ja-JP" smtClean="0"/>
               <a:pPr/>
-              <a:t>Monday, September 29, 2014</a:t>
+              <a:t>Tuesday, September 30, 2014</a:t>
             </a:fld>
             <a:endParaRPr lang="ja-JP" altLang="en-US" dirty="0"/>
           </a:p>
@@ -1205,7 +1214,7 @@
             <a:fld id="{B4E2A91E-6B0C-4B33-AAB5-037D70AF86BA}" type="datetime2">
               <a:rPr kumimoji="1" lang="en-US" altLang="ja-JP" smtClean="0"/>
               <a:pPr/>
-              <a:t>Monday, September 29, 2014</a:t>
+              <a:t>Tuesday, September 30, 2014</a:t>
             </a:fld>
             <a:endParaRPr kumimoji="1" lang="ja-JP" altLang="en-US"/>
           </a:p>
@@ -1414,7 +1423,7 @@
             <a:fld id="{1BB10FAF-3726-4CE3-B6D2-14C840FBFB57}" type="datetime2">
               <a:rPr kumimoji="1" lang="en-US" altLang="ja-JP" smtClean="0"/>
               <a:pPr/>
-              <a:t>Monday, September 29, 2014</a:t>
+              <a:t>Tuesday, September 30, 2014</a:t>
             </a:fld>
             <a:endParaRPr kumimoji="1" lang="ja-JP" altLang="en-US"/>
           </a:p>
@@ -1809,7 +1818,7 @@
             <a:fld id="{FC7AB2BD-E9B7-45BF-89F9-A3C60FAD2BB8}" type="datetime2">
               <a:rPr lang="en-US" altLang="ja-JP" smtClean="0"/>
               <a:pPr/>
-              <a:t>Monday, September 29, 2014</a:t>
+              <a:t>Tuesday, September 30, 2014</a:t>
             </a:fld>
             <a:endParaRPr lang="ja-JP" altLang="en-US" dirty="0"/>
           </a:p>
@@ -2033,7 +2042,7 @@
             <a:fld id="{E35D96F4-C1E1-4A33-8344-D7895618D7B6}" type="datetime2">
               <a:rPr kumimoji="1" lang="en-US" altLang="ja-JP" smtClean="0"/>
               <a:pPr/>
-              <a:t>Monday, September 29, 2014</a:t>
+              <a:t>Tuesday, September 30, 2014</a:t>
             </a:fld>
             <a:endParaRPr kumimoji="1" lang="ja-JP" altLang="en-US"/>
           </a:p>
@@ -2283,7 +2292,7 @@
                 <a:tabLst/>
                 <a:defRPr/>
               </a:pPr>
-              <a:t>Monday, September 29, 2014</a:t>
+              <a:t>Tuesday, September 30, 2014</a:t>
             </a:fld>
             <a:endParaRPr kumimoji="1" lang="ja-JP" altLang="en-US" sz="1200" b="0" i="0" u="none" strike="noStrike" kern="1200" cap="none" spc="0" normalizeH="0" baseline="0" noProof="0" dirty="0" smtClean="0">
               <a:ln>
@@ -2730,7 +2739,7 @@
             <a:fld id="{B2CF2B60-817F-4E26-8A2B-A15036D66D24}" type="datetime2">
               <a:rPr kumimoji="1" lang="en-US" altLang="ja-JP" smtClean="0"/>
               <a:pPr/>
-              <a:t>Monday, September 29, 2014</a:t>
+              <a:t>Tuesday, September 30, 2014</a:t>
             </a:fld>
             <a:endParaRPr kumimoji="1" lang="ja-JP" altLang="en-US"/>
           </a:p>
@@ -2980,7 +2989,7 @@
                 <a:tabLst/>
                 <a:defRPr/>
               </a:pPr>
-              <a:t>Monday, September 29, 2014</a:t>
+              <a:t>Tuesday, September 30, 2014</a:t>
             </a:fld>
             <a:endParaRPr kumimoji="1" lang="ja-JP" altLang="en-US" sz="1200" b="0" i="0" u="none" strike="noStrike" kern="1200" cap="none" spc="0" normalizeH="0" baseline="0" noProof="0" dirty="0" smtClean="0">
               <a:ln>
@@ -3561,7 +3570,7 @@
             <a:fld id="{C8622B67-4E86-4E80-B4C6-75318AD24683}" type="datetime2">
               <a:rPr kumimoji="1" lang="en-US" altLang="ja-JP" smtClean="0"/>
               <a:pPr/>
-              <a:t>Monday, September 29, 2014</a:t>
+              <a:t>Tuesday, September 30, 2014</a:t>
             </a:fld>
             <a:endParaRPr kumimoji="1" lang="ja-JP" altLang="en-US"/>
           </a:p>
@@ -3811,7 +3820,7 @@
                 <a:tabLst/>
                 <a:defRPr/>
               </a:pPr>
-              <a:t>Monday, September 29, 2014</a:t>
+              <a:t>Tuesday, September 30, 2014</a:t>
             </a:fld>
             <a:endParaRPr kumimoji="1" lang="ja-JP" altLang="en-US" sz="1200" b="0" i="0" u="none" strike="noStrike" kern="1200" cap="none" spc="0" normalizeH="0" baseline="0" noProof="0" dirty="0" smtClean="0">
               <a:ln>
@@ -4019,7 +4028,7 @@
             <a:fld id="{D4E8DA51-BD75-476D-A825-EC2911528B23}" type="datetime2">
               <a:rPr kumimoji="1" lang="en-US" altLang="ja-JP" smtClean="0"/>
               <a:pPr/>
-              <a:t>Monday, September 29, 2014</a:t>
+              <a:t>Tuesday, September 30, 2014</a:t>
             </a:fld>
             <a:endParaRPr kumimoji="1" lang="ja-JP" altLang="en-US"/>
           </a:p>
@@ -4111,7 +4120,7 @@
             <a:fld id="{A615053B-5793-4DA9-8131-8C0AA660C9B6}" type="datetime2">
               <a:rPr kumimoji="1" lang="en-US" altLang="ja-JP" smtClean="0"/>
               <a:pPr/>
-              <a:t>Monday, September 29, 2014</a:t>
+              <a:t>Tuesday, September 30, 2014</a:t>
             </a:fld>
             <a:endParaRPr kumimoji="1" lang="ja-JP" altLang="en-US"/>
           </a:p>
@@ -4417,7 +4426,7 @@
             <a:fld id="{7B1CA221-F8CF-4901-B4FB-042FEBB0C6AF}" type="datetime2">
               <a:rPr kumimoji="1" lang="en-US" altLang="ja-JP" smtClean="0"/>
               <a:pPr/>
-              <a:t>Monday, September 29, 2014</a:t>
+              <a:t>Tuesday, September 30, 2014</a:t>
             </a:fld>
             <a:endParaRPr kumimoji="1" lang="ja-JP" altLang="en-US"/>
           </a:p>
@@ -4667,7 +4676,7 @@
             <a:fld id="{312C6ED6-4AA5-4252-A959-4C650D1A19F8}" type="datetime2">
               <a:rPr kumimoji="1" lang="en-US" altLang="ja-JP" smtClean="0"/>
               <a:pPr/>
-              <a:t>Monday, September 29, 2014</a:t>
+              <a:t>Tuesday, September 30, 2014</a:t>
             </a:fld>
             <a:endParaRPr kumimoji="1" lang="ja-JP" altLang="en-US"/>
           </a:p>
@@ -4909,7 +4918,7 @@
             <a:fld id="{54C61FCD-60E5-462E-93A1-B7DC4EE591FE}" type="datetime2">
               <a:rPr kumimoji="1" lang="en-US" altLang="ja-JP" smtClean="0"/>
               <a:pPr/>
-              <a:t>Monday, September 29, 2014</a:t>
+              <a:t>Tuesday, September 30, 2014</a:t>
             </a:fld>
             <a:endParaRPr kumimoji="1" lang="ja-JP" altLang="en-US"/>
           </a:p>
@@ -5351,7 +5360,7 @@
             <a:fld id="{FC7AB2BD-E9B7-45BF-89F9-A3C60FAD2BB8}" type="datetime2">
               <a:rPr lang="en-US" altLang="ja-JP" smtClean="0"/>
               <a:pPr/>
-              <a:t>Monday, September 29, 2014</a:t>
+              <a:t>Tuesday, September 30, 2014</a:t>
             </a:fld>
             <a:endParaRPr lang="ja-JP" altLang="en-US" dirty="0"/>
           </a:p>
@@ -5407,7 +5416,7 @@
             <a:fld id="{FC7AB2BD-E9B7-45BF-89F9-A3C60FAD2BB8}" type="datetime2">
               <a:rPr lang="en-US" altLang="ja-JP" smtClean="0"/>
               <a:pPr/>
-              <a:t>Monday, September 29, 2014</a:t>
+              <a:t>Tuesday, September 30, 2014</a:t>
             </a:fld>
             <a:endParaRPr lang="ja-JP" altLang="en-US" dirty="0"/>
           </a:p>
@@ -5477,8 +5486,16 @@
           <a:lstStyle/>
           <a:p>
             <a:r>
-              <a:rPr kumimoji="1" lang="en-US" altLang="ja-JP" dirty="0" smtClean="0"/>
-              <a:t>UAF</a:t>
+              <a:rPr kumimoji="1" lang="ja-JP" altLang="en-US" dirty="0" smtClean="0"/>
+              <a:t>学んだこと</a:t>
+            </a:r>
+            <a:endParaRPr kumimoji="1" lang="en-US" altLang="ja-JP" dirty="0" smtClean="0"/>
+          </a:p>
+          <a:p>
+            <a:pPr lvl="1"/>
+            <a:r>
+              <a:rPr kumimoji="1" lang="ja-JP" altLang="en-US" dirty="0" smtClean="0"/>
+              <a:t>ドキュメントを作る</a:t>
             </a:r>
             <a:endParaRPr kumimoji="1" lang="ja-JP" altLang="en-US" dirty="0"/>
           </a:p>
@@ -5494,8 +5511,8 @@
         </p:nvSpPr>
         <p:spPr>
           <a:xfrm>
-            <a:off x="179512" y="555525"/>
-            <a:ext cx="3384376" cy="507703"/>
+            <a:off x="5724128" y="555526"/>
+            <a:ext cx="3312368" cy="507703"/>
           </a:xfrm>
           <a:prstGeom prst="rect">
             <a:avLst/>
@@ -5507,18 +5524,63 @@
           </a:bodyPr>
           <a:lstStyle/>
           <a:p>
-            <a:pPr lvl="0">
+            <a:pPr marL="0" marR="0" lvl="0" indent="0" algn="l" defTabSz="914400" rtl="0" eaLnBrk="1" fontAlgn="auto" latinLnBrk="0" hangingPunct="1">
+              <a:lnSpc>
+                <a:spcPct val="100000"/>
+              </a:lnSpc>
               <a:spcBef>
                 <a:spcPct val="0"/>
               </a:spcBef>
+              <a:spcAft>
+                <a:spcPts val="0"/>
+              </a:spcAft>
+              <a:buClrTx/>
+              <a:buSzTx/>
+              <a:buFontTx/>
+              <a:buNone/>
+              <a:tabLst/>
+              <a:defRPr/>
             </a:pPr>
             <a:r>
-              <a:rPr lang="en-US" altLang="ja-JP" sz="2800" dirty="0" smtClean="0"/>
-              <a:t>3.</a:t>
-            </a:r>
-            <a:r>
-              <a:rPr lang="ja-JP" altLang="en-US" sz="2800" dirty="0" smtClean="0"/>
-              <a:t>これからのこと</a:t>
+              <a:rPr kumimoji="1" lang="en-US" altLang="ja-JP" sz="2800" b="0" i="0" u="none" strike="noStrike" kern="1200" cap="none" spc="0" normalizeH="0" baseline="0" noProof="0" dirty="0" smtClean="0">
+                <a:ln>
+                  <a:noFill/>
+                </a:ln>
+                <a:solidFill>
+                  <a:schemeClr val="tx1"/>
+                </a:solidFill>
+                <a:effectLst/>
+                <a:uLnTx/>
+                <a:uFillTx/>
+                <a:latin typeface="+mj-lt"/>
+                <a:ea typeface="+mj-ea"/>
+                <a:cs typeface="+mj-cs"/>
+              </a:rPr>
+              <a:t>LS4</a:t>
+            </a:r>
+            <a:r>
+              <a:rPr lang="en-US" altLang="ja-JP" sz="2800" dirty="0" smtClean="0">
+                <a:latin typeface="+mj-lt"/>
+                <a:ea typeface="+mj-ea"/>
+                <a:cs typeface="+mj-cs"/>
+              </a:rPr>
+              <a:t>(</a:t>
+            </a:r>
+            <a:r>
+              <a:rPr lang="en-US" altLang="ja-JP" sz="2800" dirty="0" err="1" smtClean="0">
+                <a:latin typeface="+mj-lt"/>
+                <a:ea typeface="+mj-ea"/>
+                <a:cs typeface="+mj-cs"/>
+              </a:rPr>
+              <a:t>SetupXBoxOne</a:t>
+            </a:r>
+            <a:r>
+              <a:rPr lang="en-US" altLang="ja-JP" sz="2800" dirty="0" smtClean="0">
+                <a:latin typeface="+mj-lt"/>
+                <a:ea typeface="+mj-ea"/>
+                <a:cs typeface="+mj-cs"/>
+              </a:rPr>
+              <a:t>)</a:t>
             </a:r>
             <a:endParaRPr kumimoji="1" lang="ja-JP" altLang="en-US" sz="2800" b="0" i="0" u="none" strike="noStrike" kern="1200" cap="none" spc="0" normalizeH="0" baseline="0" noProof="0" dirty="0">
               <a:ln>
@@ -5534,6 +5596,87 @@
               <a:ea typeface="+mj-ea"/>
               <a:cs typeface="+mj-cs"/>
             </a:endParaRPr>
+          </a:p>
+        </p:txBody>
+      </p:sp>
+      <p:sp>
+        <p:nvSpPr>
+          <p:cNvPr id="7" name="正方形/長方形 6"/>
+          <p:cNvSpPr/>
+          <p:nvPr/>
+        </p:nvSpPr>
+        <p:spPr>
+          <a:xfrm>
+            <a:off x="5616624" y="1059583"/>
+            <a:ext cx="3527376" cy="72007"/>
+          </a:xfrm>
+          <a:prstGeom prst="rect">
+            <a:avLst/>
+          </a:prstGeom>
+          <a:solidFill>
+            <a:srgbClr val="FFC000"/>
+          </a:solidFill>
+          <a:ln>
+            <a:noFill/>
+          </a:ln>
+        </p:spPr>
+        <p:style>
+          <a:lnRef idx="2">
+            <a:schemeClr val="accent1">
+              <a:shade val="50000"/>
+            </a:schemeClr>
+          </a:lnRef>
+          <a:fillRef idx="1">
+            <a:schemeClr val="accent1"/>
+          </a:fillRef>
+          <a:effectRef idx="0">
+            <a:schemeClr val="accent1"/>
+          </a:effectRef>
+          <a:fontRef idx="minor">
+            <a:schemeClr val="lt1"/>
+          </a:fontRef>
+        </p:style>
+        <p:txBody>
+          <a:bodyPr rtlCol="0" anchor="ctr"/>
+          <a:lstStyle/>
+          <a:p>
+            <a:pPr algn="ctr"/>
+            <a:endParaRPr kumimoji="1" lang="ja-JP" altLang="en-US"/>
+          </a:p>
+        </p:txBody>
+      </p:sp>
+      <p:sp>
+        <p:nvSpPr>
+          <p:cNvPr id="10" name="タイトル 1"/>
+          <p:cNvSpPr>
+            <a:spLocks noGrp="1"/>
+          </p:cNvSpPr>
+          <p:nvPr>
+            <p:ph type="title"/>
+          </p:nvPr>
+        </p:nvSpPr>
+        <p:spPr>
+          <a:xfrm>
+            <a:off x="179512" y="555525"/>
+            <a:ext cx="3384376" cy="507703"/>
+          </a:xfrm>
+        </p:spPr>
+        <p:txBody>
+          <a:bodyPr>
+            <a:noAutofit/>
+          </a:bodyPr>
+          <a:lstStyle/>
+          <a:p>
+            <a:pPr algn="l"/>
+            <a:r>
+              <a:rPr lang="en-US" altLang="ja-JP" sz="2800" dirty="0" smtClean="0"/>
+              <a:t>1.</a:t>
+            </a:r>
+            <a:r>
+              <a:rPr lang="ja-JP" altLang="en-US" sz="2800" dirty="0" smtClean="0"/>
+              <a:t>入社からこれまで</a:t>
+            </a:r>
+            <a:endParaRPr kumimoji="1" lang="ja-JP" altLang="en-US" sz="2800" dirty="0"/>
           </a:p>
         </p:txBody>
       </p:sp>
@@ -5571,6 +5714,768 @@
       </p:grpSpPr>
       <p:sp>
         <p:nvSpPr>
+          <p:cNvPr id="4" name="日付プレースホルダ 3"/>
+          <p:cNvSpPr>
+            <a:spLocks noGrp="1"/>
+          </p:cNvSpPr>
+          <p:nvPr>
+            <p:ph type="dt" sz="half" idx="10"/>
+          </p:nvPr>
+        </p:nvSpPr>
+        <p:spPr/>
+        <p:txBody>
+          <a:bodyPr/>
+          <a:lstStyle/>
+          <a:p>
+            <a:fld id="{FC7AB2BD-E9B7-45BF-89F9-A3C60FAD2BB8}" type="datetime2">
+              <a:rPr lang="en-US" altLang="ja-JP" smtClean="0"/>
+              <a:pPr/>
+              <a:t>Tuesday, September 30, 2014</a:t>
+            </a:fld>
+            <a:endParaRPr lang="ja-JP" altLang="en-US" dirty="0"/>
+          </a:p>
+        </p:txBody>
+      </p:sp>
+      <p:sp>
+        <p:nvSpPr>
+          <p:cNvPr id="5" name="正方形/長方形 4"/>
+          <p:cNvSpPr/>
+          <p:nvPr/>
+        </p:nvSpPr>
+        <p:spPr>
+          <a:xfrm>
+            <a:off x="0" y="1059582"/>
+            <a:ext cx="3563888" cy="72008"/>
+          </a:xfrm>
+          <a:prstGeom prst="rect">
+            <a:avLst/>
+          </a:prstGeom>
+          <a:solidFill>
+            <a:schemeClr val="accent1">
+              <a:lumMod val="75000"/>
+            </a:schemeClr>
+          </a:solidFill>
+          <a:ln>
+            <a:noFill/>
+          </a:ln>
+        </p:spPr>
+        <p:style>
+          <a:lnRef idx="2">
+            <a:schemeClr val="accent1">
+              <a:shade val="50000"/>
+            </a:schemeClr>
+          </a:lnRef>
+          <a:fillRef idx="1">
+            <a:schemeClr val="accent1"/>
+          </a:fillRef>
+          <a:effectRef idx="0">
+            <a:schemeClr val="accent1"/>
+          </a:effectRef>
+          <a:fontRef idx="minor">
+            <a:schemeClr val="lt1"/>
+          </a:fontRef>
+        </p:style>
+        <p:txBody>
+          <a:bodyPr rtlCol="0" anchor="ctr"/>
+          <a:lstStyle/>
+          <a:p>
+            <a:pPr algn="ctr"/>
+            <a:endParaRPr kumimoji="1" lang="ja-JP" altLang="en-US"/>
+          </a:p>
+        </p:txBody>
+      </p:sp>
+      <p:sp>
+        <p:nvSpPr>
+          <p:cNvPr id="12" name="コンテンツ プレースホルダ 11"/>
+          <p:cNvSpPr>
+            <a:spLocks noGrp="1"/>
+          </p:cNvSpPr>
+          <p:nvPr>
+            <p:ph idx="1"/>
+          </p:nvPr>
+        </p:nvSpPr>
+        <p:spPr>
+          <a:xfrm>
+            <a:off x="4067944" y="2283718"/>
+            <a:ext cx="648072" cy="1008112"/>
+          </a:xfrm>
+        </p:spPr>
+        <p:txBody>
+          <a:bodyPr>
+            <a:normAutofit fontScale="92500" lnSpcReduction="20000"/>
+          </a:bodyPr>
+          <a:lstStyle/>
+          <a:p>
+            <a:pPr>
+              <a:buNone/>
+            </a:pPr>
+            <a:r>
+              <a:rPr lang="en-US" altLang="ja-JP" sz="7200" dirty="0" smtClean="0"/>
+              <a:t>x</a:t>
+            </a:r>
+            <a:endParaRPr kumimoji="1" lang="ja-JP" altLang="en-US" sz="7200" dirty="0"/>
+          </a:p>
+        </p:txBody>
+      </p:sp>
+      <p:sp>
+        <p:nvSpPr>
+          <p:cNvPr id="6" name="タイトル 1"/>
+          <p:cNvSpPr txBox="1">
+            <a:spLocks/>
+          </p:cNvSpPr>
+          <p:nvPr/>
+        </p:nvSpPr>
+        <p:spPr>
+          <a:xfrm>
+            <a:off x="5724128" y="555526"/>
+            <a:ext cx="3312368" cy="507703"/>
+          </a:xfrm>
+          <a:prstGeom prst="rect">
+            <a:avLst/>
+          </a:prstGeom>
+        </p:spPr>
+        <p:txBody>
+          <a:bodyPr vert="horz" lIns="91440" tIns="45720" rIns="91440" bIns="45720" rtlCol="0" anchor="ctr">
+            <a:noAutofit/>
+          </a:bodyPr>
+          <a:lstStyle/>
+          <a:p>
+            <a:pPr marL="0" marR="0" lvl="0" indent="0" algn="l" defTabSz="914400" rtl="0" eaLnBrk="1" fontAlgn="auto" latinLnBrk="0" hangingPunct="1">
+              <a:lnSpc>
+                <a:spcPct val="100000"/>
+              </a:lnSpc>
+              <a:spcBef>
+                <a:spcPct val="0"/>
+              </a:spcBef>
+              <a:spcAft>
+                <a:spcPts val="0"/>
+              </a:spcAft>
+              <a:buClrTx/>
+              <a:buSzTx/>
+              <a:buFontTx/>
+              <a:buNone/>
+              <a:tabLst/>
+              <a:defRPr/>
+            </a:pPr>
+            <a:r>
+              <a:rPr kumimoji="1" lang="en-US" altLang="ja-JP" sz="2800" b="0" i="0" u="none" strike="noStrike" kern="1200" cap="none" spc="0" normalizeH="0" baseline="0" noProof="0" dirty="0" smtClean="0">
+                <a:ln>
+                  <a:noFill/>
+                </a:ln>
+                <a:solidFill>
+                  <a:schemeClr val="tx1"/>
+                </a:solidFill>
+                <a:effectLst/>
+                <a:uLnTx/>
+                <a:uFillTx/>
+                <a:latin typeface="+mj-lt"/>
+                <a:ea typeface="+mj-ea"/>
+                <a:cs typeface="+mj-cs"/>
+              </a:rPr>
+              <a:t>LS4 </a:t>
+            </a:r>
+            <a:r>
+              <a:rPr lang="en-US" altLang="ja-JP" sz="2800" dirty="0" smtClean="0">
+                <a:latin typeface="+mj-lt"/>
+                <a:ea typeface="+mj-ea"/>
+                <a:cs typeface="+mj-cs"/>
+              </a:rPr>
+              <a:t>(</a:t>
+            </a:r>
+            <a:r>
+              <a:rPr kumimoji="1" lang="en-US" altLang="ja-JP" sz="2800" b="0" i="0" u="none" strike="noStrike" kern="1200" cap="none" spc="0" normalizeH="0" noProof="0" dirty="0" err="1" smtClean="0">
+                <a:ln>
+                  <a:noFill/>
+                </a:ln>
+                <a:solidFill>
+                  <a:schemeClr val="tx1"/>
+                </a:solidFill>
+                <a:effectLst/>
+                <a:uLnTx/>
+                <a:uFillTx/>
+                <a:latin typeface="+mj-lt"/>
+                <a:ea typeface="+mj-ea"/>
+                <a:cs typeface="+mj-cs"/>
+              </a:rPr>
+              <a:t>UnityConsole</a:t>
+            </a:r>
+            <a:r>
+              <a:rPr kumimoji="1" lang="en-US" altLang="ja-JP" sz="2800" b="0" i="0" u="none" strike="noStrike" kern="1200" cap="none" spc="0" normalizeH="0" noProof="0" dirty="0" smtClean="0">
+                <a:ln>
+                  <a:noFill/>
+                </a:ln>
+                <a:solidFill>
+                  <a:schemeClr val="tx1"/>
+                </a:solidFill>
+                <a:effectLst/>
+                <a:uLnTx/>
+                <a:uFillTx/>
+                <a:latin typeface="+mj-lt"/>
+                <a:ea typeface="+mj-ea"/>
+                <a:cs typeface="+mj-cs"/>
+              </a:rPr>
+              <a:t>)</a:t>
+            </a:r>
+            <a:endParaRPr kumimoji="1" lang="ja-JP" altLang="en-US" sz="2800" b="0" i="0" u="none" strike="noStrike" kern="1200" cap="none" spc="0" normalizeH="0" baseline="0" noProof="0" dirty="0">
+              <a:ln>
+                <a:noFill/>
+              </a:ln>
+              <a:solidFill>
+                <a:schemeClr val="tx1"/>
+              </a:solidFill>
+              <a:effectLst/>
+              <a:uLnTx/>
+              <a:uFillTx/>
+              <a:latin typeface="+mj-lt"/>
+              <a:ea typeface="+mj-ea"/>
+              <a:cs typeface="+mj-cs"/>
+            </a:endParaRPr>
+          </a:p>
+        </p:txBody>
+      </p:sp>
+      <p:sp>
+        <p:nvSpPr>
+          <p:cNvPr id="7" name="正方形/長方形 6"/>
+          <p:cNvSpPr/>
+          <p:nvPr/>
+        </p:nvSpPr>
+        <p:spPr>
+          <a:xfrm>
+            <a:off x="5616624" y="1059583"/>
+            <a:ext cx="3527376" cy="72007"/>
+          </a:xfrm>
+          <a:prstGeom prst="rect">
+            <a:avLst/>
+          </a:prstGeom>
+          <a:solidFill>
+            <a:srgbClr val="FFC000"/>
+          </a:solidFill>
+          <a:ln>
+            <a:noFill/>
+          </a:ln>
+        </p:spPr>
+        <p:style>
+          <a:lnRef idx="2">
+            <a:schemeClr val="accent1">
+              <a:shade val="50000"/>
+            </a:schemeClr>
+          </a:lnRef>
+          <a:fillRef idx="1">
+            <a:schemeClr val="accent1"/>
+          </a:fillRef>
+          <a:effectRef idx="0">
+            <a:schemeClr val="accent1"/>
+          </a:effectRef>
+          <a:fontRef idx="minor">
+            <a:schemeClr val="lt1"/>
+          </a:fontRef>
+        </p:style>
+        <p:txBody>
+          <a:bodyPr rtlCol="0" anchor="ctr"/>
+          <a:lstStyle/>
+          <a:p>
+            <a:pPr algn="ctr"/>
+            <a:endParaRPr kumimoji="1" lang="ja-JP" altLang="en-US"/>
+          </a:p>
+        </p:txBody>
+      </p:sp>
+      <p:sp>
+        <p:nvSpPr>
+          <p:cNvPr id="10" name="タイトル 1"/>
+          <p:cNvSpPr>
+            <a:spLocks noGrp="1"/>
+          </p:cNvSpPr>
+          <p:nvPr>
+            <p:ph type="title"/>
+          </p:nvPr>
+        </p:nvSpPr>
+        <p:spPr>
+          <a:xfrm>
+            <a:off x="179512" y="555525"/>
+            <a:ext cx="3384376" cy="507703"/>
+          </a:xfrm>
+        </p:spPr>
+        <p:txBody>
+          <a:bodyPr>
+            <a:noAutofit/>
+          </a:bodyPr>
+          <a:lstStyle/>
+          <a:p>
+            <a:pPr algn="l"/>
+            <a:r>
+              <a:rPr lang="en-US" altLang="ja-JP" sz="2800" dirty="0" smtClean="0"/>
+              <a:t>1.</a:t>
+            </a:r>
+            <a:r>
+              <a:rPr lang="ja-JP" altLang="en-US" sz="2800" dirty="0" smtClean="0"/>
+              <a:t>入社からこれまで</a:t>
+            </a:r>
+            <a:endParaRPr kumimoji="1" lang="ja-JP" altLang="en-US" sz="2800" dirty="0"/>
+          </a:p>
+        </p:txBody>
+      </p:sp>
+      <p:pic>
+        <p:nvPicPr>
+          <p:cNvPr id="8" name="Picture 2" descr="C:\Users\a-koyama\Desktop\試用期間終了\tumblr_static_130522_xboxone1.jpg"/>
+          <p:cNvPicPr>
+            <a:picLocks noChangeAspect="1" noChangeArrowheads="1"/>
+          </p:cNvPicPr>
+          <p:nvPr/>
+        </p:nvPicPr>
+        <p:blipFill>
+          <a:blip r:embed="rId2" cstate="print"/>
+          <a:srcRect/>
+          <a:stretch>
+            <a:fillRect/>
+          </a:stretch>
+        </p:blipFill>
+        <p:spPr bwMode="auto">
+          <a:xfrm>
+            <a:off x="5364088" y="1779662"/>
+            <a:ext cx="3456384" cy="1944216"/>
+          </a:xfrm>
+          <a:prstGeom prst="rect">
+            <a:avLst/>
+          </a:prstGeom>
+          <a:solidFill>
+            <a:srgbClr val="FFFFFF">
+              <a:shade val="85000"/>
+            </a:srgbClr>
+          </a:solidFill>
+          <a:ln w="190500" cap="rnd">
+            <a:solidFill>
+              <a:srgbClr val="FFFFFF"/>
+            </a:solidFill>
+          </a:ln>
+          <a:effectLst>
+            <a:outerShdw blurRad="50000" algn="tl" rotWithShape="0">
+              <a:srgbClr val="000000">
+                <a:alpha val="41000"/>
+              </a:srgbClr>
+            </a:outerShdw>
+          </a:effectLst>
+          <a:scene3d>
+            <a:camera prst="orthographicFront"/>
+            <a:lightRig rig="twoPt" dir="t">
+              <a:rot lat="0" lon="0" rev="7800000"/>
+            </a:lightRig>
+          </a:scene3d>
+          <a:sp3d contourW="6350">
+            <a:bevelT w="50800" h="16510"/>
+            <a:contourClr>
+              <a:srgbClr val="C0C0C0"/>
+            </a:contourClr>
+          </a:sp3d>
+        </p:spPr>
+      </p:pic>
+      <p:pic>
+        <p:nvPicPr>
+          <p:cNvPr id="3074" name="Picture 2" descr="C:\Users\a-koyama\Desktop\試用期間終了\unity-icon-big.jpg"/>
+          <p:cNvPicPr>
+            <a:picLocks noChangeAspect="1" noChangeArrowheads="1"/>
+          </p:cNvPicPr>
+          <p:nvPr/>
+        </p:nvPicPr>
+        <p:blipFill>
+          <a:blip r:embed="rId3" cstate="print"/>
+          <a:srcRect/>
+          <a:stretch>
+            <a:fillRect/>
+          </a:stretch>
+        </p:blipFill>
+        <p:spPr bwMode="auto">
+          <a:xfrm>
+            <a:off x="467544" y="1851670"/>
+            <a:ext cx="2857500" cy="1857375"/>
+          </a:xfrm>
+          <a:prstGeom prst="rect">
+            <a:avLst/>
+          </a:prstGeom>
+          <a:solidFill>
+            <a:srgbClr val="FFFFFF">
+              <a:shade val="85000"/>
+            </a:srgbClr>
+          </a:solidFill>
+          <a:ln w="190500" cap="rnd">
+            <a:solidFill>
+              <a:srgbClr val="FFFFFF"/>
+            </a:solidFill>
+          </a:ln>
+          <a:effectLst>
+            <a:outerShdw blurRad="50000" algn="tl" rotWithShape="0">
+              <a:srgbClr val="000000">
+                <a:alpha val="41000"/>
+              </a:srgbClr>
+            </a:outerShdw>
+          </a:effectLst>
+          <a:scene3d>
+            <a:camera prst="orthographicFront"/>
+            <a:lightRig rig="twoPt" dir="t">
+              <a:rot lat="0" lon="0" rev="7800000"/>
+            </a:lightRig>
+          </a:scene3d>
+          <a:sp3d contourW="6350">
+            <a:bevelT w="50800" h="16510"/>
+            <a:contourClr>
+              <a:srgbClr val="C0C0C0"/>
+            </a:contourClr>
+          </a:sp3d>
+        </p:spPr>
+      </p:pic>
+    </p:spTree>
+  </p:cSld>
+  <p:clrMapOvr>
+    <a:masterClrMapping/>
+  </p:clrMapOvr>
+  <p:timing>
+    <p:tnLst>
+      <p:par>
+        <p:cTn id="1" dur="indefinite" restart="never" nodeType="tmRoot"/>
+      </p:par>
+    </p:tnLst>
+  </p:timing>
+</p:sld>
+</file>
+
+<file path=ppt/slides/slide12.xml><?xml version="1.0" encoding="utf-8"?>
+<p:sld xmlns:a="http://schemas.openxmlformats.org/drawingml/2006/main" xmlns:r="http://schemas.openxmlformats.org/officeDocument/2006/relationships" xmlns:p="http://schemas.openxmlformats.org/presentationml/2006/main">
+  <p:cSld>
+    <p:spTree>
+      <p:nvGrpSpPr>
+        <p:cNvPr id="1" name=""/>
+        <p:cNvGrpSpPr/>
+        <p:nvPr/>
+      </p:nvGrpSpPr>
+      <p:grpSpPr>
+        <a:xfrm>
+          <a:off x="0" y="0"/>
+          <a:ext cx="0" cy="0"/>
+          <a:chOff x="0" y="0"/>
+          <a:chExt cx="0" cy="0"/>
+        </a:xfrm>
+      </p:grpSpPr>
+      <p:sp>
+        <p:nvSpPr>
+          <p:cNvPr id="4" name="日付プレースホルダ 3"/>
+          <p:cNvSpPr>
+            <a:spLocks noGrp="1"/>
+          </p:cNvSpPr>
+          <p:nvPr>
+            <p:ph type="dt" sz="half" idx="10"/>
+          </p:nvPr>
+        </p:nvSpPr>
+        <p:spPr/>
+        <p:txBody>
+          <a:bodyPr/>
+          <a:lstStyle/>
+          <a:p>
+            <a:fld id="{FC7AB2BD-E9B7-45BF-89F9-A3C60FAD2BB8}" type="datetime2">
+              <a:rPr lang="en-US" altLang="ja-JP" smtClean="0"/>
+              <a:pPr/>
+              <a:t>Tuesday, September 30, 2014</a:t>
+            </a:fld>
+            <a:endParaRPr lang="ja-JP" altLang="en-US" dirty="0"/>
+          </a:p>
+        </p:txBody>
+      </p:sp>
+      <p:sp>
+        <p:nvSpPr>
+          <p:cNvPr id="5" name="正方形/長方形 4"/>
+          <p:cNvSpPr/>
+          <p:nvPr/>
+        </p:nvSpPr>
+        <p:spPr>
+          <a:xfrm>
+            <a:off x="0" y="1059582"/>
+            <a:ext cx="3563888" cy="72008"/>
+          </a:xfrm>
+          <a:prstGeom prst="rect">
+            <a:avLst/>
+          </a:prstGeom>
+          <a:solidFill>
+            <a:schemeClr val="accent1">
+              <a:lumMod val="75000"/>
+            </a:schemeClr>
+          </a:solidFill>
+          <a:ln>
+            <a:noFill/>
+          </a:ln>
+        </p:spPr>
+        <p:style>
+          <a:lnRef idx="2">
+            <a:schemeClr val="accent1">
+              <a:shade val="50000"/>
+            </a:schemeClr>
+          </a:lnRef>
+          <a:fillRef idx="1">
+            <a:schemeClr val="accent1"/>
+          </a:fillRef>
+          <a:effectRef idx="0">
+            <a:schemeClr val="accent1"/>
+          </a:effectRef>
+          <a:fontRef idx="minor">
+            <a:schemeClr val="lt1"/>
+          </a:fontRef>
+        </p:style>
+        <p:txBody>
+          <a:bodyPr rtlCol="0" anchor="ctr"/>
+          <a:lstStyle/>
+          <a:p>
+            <a:pPr algn="ctr"/>
+            <a:endParaRPr kumimoji="1" lang="ja-JP" altLang="en-US"/>
+          </a:p>
+        </p:txBody>
+      </p:sp>
+      <p:sp>
+        <p:nvSpPr>
+          <p:cNvPr id="6" name="タイトル 1"/>
+          <p:cNvSpPr txBox="1">
+            <a:spLocks/>
+          </p:cNvSpPr>
+          <p:nvPr/>
+        </p:nvSpPr>
+        <p:spPr>
+          <a:xfrm>
+            <a:off x="5724128" y="555526"/>
+            <a:ext cx="3312368" cy="507703"/>
+          </a:xfrm>
+          <a:prstGeom prst="rect">
+            <a:avLst/>
+          </a:prstGeom>
+        </p:spPr>
+        <p:txBody>
+          <a:bodyPr vert="horz" lIns="91440" tIns="45720" rIns="91440" bIns="45720" rtlCol="0" anchor="ctr">
+            <a:noAutofit/>
+          </a:bodyPr>
+          <a:lstStyle/>
+          <a:p>
+            <a:pPr marL="0" marR="0" lvl="0" indent="0" algn="l" defTabSz="914400" rtl="0" eaLnBrk="1" fontAlgn="auto" latinLnBrk="0" hangingPunct="1">
+              <a:lnSpc>
+                <a:spcPct val="100000"/>
+              </a:lnSpc>
+              <a:spcBef>
+                <a:spcPct val="0"/>
+              </a:spcBef>
+              <a:spcAft>
+                <a:spcPts val="0"/>
+              </a:spcAft>
+              <a:buClrTx/>
+              <a:buSzTx/>
+              <a:buFontTx/>
+              <a:buNone/>
+              <a:tabLst/>
+              <a:defRPr/>
+            </a:pPr>
+            <a:r>
+              <a:rPr kumimoji="1" lang="en-US" altLang="ja-JP" sz="2800" b="0" i="0" u="none" strike="noStrike" kern="1200" cap="none" spc="0" normalizeH="0" baseline="0" noProof="0" dirty="0" smtClean="0">
+                <a:ln>
+                  <a:noFill/>
+                </a:ln>
+                <a:solidFill>
+                  <a:schemeClr val="tx1"/>
+                </a:solidFill>
+                <a:effectLst/>
+                <a:uLnTx/>
+                <a:uFillTx/>
+                <a:latin typeface="+mj-lt"/>
+                <a:ea typeface="+mj-ea"/>
+                <a:cs typeface="+mj-cs"/>
+              </a:rPr>
+              <a:t>LS4 </a:t>
+            </a:r>
+            <a:r>
+              <a:rPr lang="en-US" altLang="ja-JP" sz="2800" dirty="0" smtClean="0">
+                <a:latin typeface="+mj-lt"/>
+                <a:ea typeface="+mj-ea"/>
+                <a:cs typeface="+mj-cs"/>
+              </a:rPr>
+              <a:t>(</a:t>
+            </a:r>
+            <a:r>
+              <a:rPr kumimoji="1" lang="en-US" altLang="ja-JP" sz="2800" b="0" i="0" u="none" strike="noStrike" kern="1200" cap="none" spc="0" normalizeH="0" noProof="0" dirty="0" err="1" smtClean="0">
+                <a:ln>
+                  <a:noFill/>
+                </a:ln>
+                <a:solidFill>
+                  <a:schemeClr val="tx1"/>
+                </a:solidFill>
+                <a:effectLst/>
+                <a:uLnTx/>
+                <a:uFillTx/>
+                <a:latin typeface="+mj-lt"/>
+                <a:ea typeface="+mj-ea"/>
+                <a:cs typeface="+mj-cs"/>
+              </a:rPr>
+              <a:t>UnityConsole</a:t>
+            </a:r>
+            <a:r>
+              <a:rPr kumimoji="1" lang="en-US" altLang="ja-JP" sz="2800" b="0" i="0" u="none" strike="noStrike" kern="1200" cap="none" spc="0" normalizeH="0" noProof="0" dirty="0" smtClean="0">
+                <a:ln>
+                  <a:noFill/>
+                </a:ln>
+                <a:solidFill>
+                  <a:schemeClr val="tx1"/>
+                </a:solidFill>
+                <a:effectLst/>
+                <a:uLnTx/>
+                <a:uFillTx/>
+                <a:latin typeface="+mj-lt"/>
+                <a:ea typeface="+mj-ea"/>
+                <a:cs typeface="+mj-cs"/>
+              </a:rPr>
+              <a:t>)</a:t>
+            </a:r>
+            <a:endParaRPr kumimoji="1" lang="ja-JP" altLang="en-US" sz="2800" b="0" i="0" u="none" strike="noStrike" kern="1200" cap="none" spc="0" normalizeH="0" baseline="0" noProof="0" dirty="0">
+              <a:ln>
+                <a:noFill/>
+              </a:ln>
+              <a:solidFill>
+                <a:schemeClr val="tx1"/>
+              </a:solidFill>
+              <a:effectLst/>
+              <a:uLnTx/>
+              <a:uFillTx/>
+              <a:latin typeface="+mj-lt"/>
+              <a:ea typeface="+mj-ea"/>
+              <a:cs typeface="+mj-cs"/>
+            </a:endParaRPr>
+          </a:p>
+        </p:txBody>
+      </p:sp>
+      <p:sp>
+        <p:nvSpPr>
+          <p:cNvPr id="7" name="正方形/長方形 6"/>
+          <p:cNvSpPr/>
+          <p:nvPr/>
+        </p:nvSpPr>
+        <p:spPr>
+          <a:xfrm>
+            <a:off x="5616624" y="1059583"/>
+            <a:ext cx="3527376" cy="72007"/>
+          </a:xfrm>
+          <a:prstGeom prst="rect">
+            <a:avLst/>
+          </a:prstGeom>
+          <a:solidFill>
+            <a:srgbClr val="FFC000"/>
+          </a:solidFill>
+          <a:ln>
+            <a:noFill/>
+          </a:ln>
+        </p:spPr>
+        <p:style>
+          <a:lnRef idx="2">
+            <a:schemeClr val="accent1">
+              <a:shade val="50000"/>
+            </a:schemeClr>
+          </a:lnRef>
+          <a:fillRef idx="1">
+            <a:schemeClr val="accent1"/>
+          </a:fillRef>
+          <a:effectRef idx="0">
+            <a:schemeClr val="accent1"/>
+          </a:effectRef>
+          <a:fontRef idx="minor">
+            <a:schemeClr val="lt1"/>
+          </a:fontRef>
+        </p:style>
+        <p:txBody>
+          <a:bodyPr rtlCol="0" anchor="ctr"/>
+          <a:lstStyle/>
+          <a:p>
+            <a:pPr algn="ctr"/>
+            <a:endParaRPr kumimoji="1" lang="ja-JP" altLang="en-US"/>
+          </a:p>
+        </p:txBody>
+      </p:sp>
+      <p:sp>
+        <p:nvSpPr>
+          <p:cNvPr id="10" name="タイトル 1"/>
+          <p:cNvSpPr>
+            <a:spLocks noGrp="1"/>
+          </p:cNvSpPr>
+          <p:nvPr>
+            <p:ph type="title"/>
+          </p:nvPr>
+        </p:nvSpPr>
+        <p:spPr>
+          <a:xfrm>
+            <a:off x="179512" y="555525"/>
+            <a:ext cx="3384376" cy="507703"/>
+          </a:xfrm>
+        </p:spPr>
+        <p:txBody>
+          <a:bodyPr>
+            <a:noAutofit/>
+          </a:bodyPr>
+          <a:lstStyle/>
+          <a:p>
+            <a:pPr algn="l"/>
+            <a:r>
+              <a:rPr lang="en-US" altLang="ja-JP" sz="2800" dirty="0" smtClean="0"/>
+              <a:t>1.</a:t>
+            </a:r>
+            <a:r>
+              <a:rPr lang="ja-JP" altLang="en-US" sz="2800" dirty="0" smtClean="0"/>
+              <a:t>入社からこれまで</a:t>
+            </a:r>
+            <a:endParaRPr kumimoji="1" lang="ja-JP" altLang="en-US" sz="2800" dirty="0"/>
+          </a:p>
+        </p:txBody>
+      </p:sp>
+      <p:sp>
+        <p:nvSpPr>
+          <p:cNvPr id="11" name="コンテンツ プレースホルダ 10"/>
+          <p:cNvSpPr>
+            <a:spLocks noGrp="1"/>
+          </p:cNvSpPr>
+          <p:nvPr>
+            <p:ph idx="1"/>
+          </p:nvPr>
+        </p:nvSpPr>
+        <p:spPr/>
+        <p:txBody>
+          <a:bodyPr/>
+          <a:lstStyle/>
+          <a:p>
+            <a:endParaRPr kumimoji="1" lang="ja-JP" altLang="en-US" dirty="0"/>
+          </a:p>
+        </p:txBody>
+      </p:sp>
+    </p:spTree>
+  </p:cSld>
+  <p:clrMapOvr>
+    <a:masterClrMapping/>
+  </p:clrMapOvr>
+  <p:timing>
+    <p:tnLst>
+      <p:par>
+        <p:cTn id="1" dur="indefinite" restart="never" nodeType="tmRoot"/>
+      </p:par>
+    </p:tnLst>
+  </p:timing>
+</p:sld>
+</file>
+
+<file path=ppt/slides/slide13.xml><?xml version="1.0" encoding="utf-8"?>
+<p:sld xmlns:a="http://schemas.openxmlformats.org/drawingml/2006/main" xmlns:r="http://schemas.openxmlformats.org/officeDocument/2006/relationships" xmlns:p="http://schemas.openxmlformats.org/presentationml/2006/main">
+  <p:cSld>
+    <p:spTree>
+      <p:nvGrpSpPr>
+        <p:cNvPr id="1" name=""/>
+        <p:cNvGrpSpPr/>
+        <p:nvPr/>
+      </p:nvGrpSpPr>
+      <p:grpSpPr>
+        <a:xfrm>
+          <a:off x="0" y="0"/>
+          <a:ext cx="0" cy="0"/>
+          <a:chOff x="0" y="0"/>
+          <a:chExt cx="0" cy="0"/>
+        </a:xfrm>
+      </p:grpSpPr>
+      <p:sp>
+        <p:nvSpPr>
           <p:cNvPr id="2" name="タイトル 1"/>
           <p:cNvSpPr>
             <a:spLocks noGrp="1"/>
@@ -5579,14 +6484,780 @@
             <p:ph type="title"/>
           </p:nvPr>
         </p:nvSpPr>
+        <p:spPr>
+          <a:xfrm>
+            <a:off x="179512" y="555525"/>
+            <a:ext cx="3384376" cy="507703"/>
+          </a:xfrm>
+        </p:spPr>
+        <p:txBody>
+          <a:bodyPr>
+            <a:noAutofit/>
+          </a:bodyPr>
+          <a:lstStyle/>
+          <a:p>
+            <a:pPr algn="l"/>
+            <a:r>
+              <a:rPr lang="en-US" altLang="ja-JP" sz="2800" dirty="0" smtClean="0"/>
+              <a:t>1.</a:t>
+            </a:r>
+            <a:r>
+              <a:rPr lang="ja-JP" altLang="en-US" sz="2800" dirty="0" smtClean="0"/>
+              <a:t>入社からこれまで</a:t>
+            </a:r>
+            <a:endParaRPr kumimoji="1" lang="ja-JP" altLang="en-US" sz="2800" dirty="0"/>
+          </a:p>
+        </p:txBody>
+      </p:sp>
+      <p:sp>
+        <p:nvSpPr>
+          <p:cNvPr id="4" name="日付プレースホルダ 3"/>
+          <p:cNvSpPr>
+            <a:spLocks noGrp="1"/>
+          </p:cNvSpPr>
+          <p:nvPr>
+            <p:ph type="dt" sz="half" idx="10"/>
+          </p:nvPr>
+        </p:nvSpPr>
         <p:spPr/>
+        <p:txBody>
+          <a:bodyPr/>
+          <a:lstStyle/>
+          <a:p>
+            <a:fld id="{FC7AB2BD-E9B7-45BF-89F9-A3C60FAD2BB8}" type="datetime2">
+              <a:rPr lang="en-US" altLang="ja-JP" smtClean="0"/>
+              <a:pPr/>
+              <a:t>Tuesday, September 30, 2014</a:t>
+            </a:fld>
+            <a:endParaRPr lang="ja-JP" altLang="en-US" dirty="0"/>
+          </a:p>
+        </p:txBody>
+      </p:sp>
+      <p:sp>
+        <p:nvSpPr>
+          <p:cNvPr id="5" name="正方形/長方形 4"/>
+          <p:cNvSpPr/>
+          <p:nvPr/>
+        </p:nvSpPr>
+        <p:spPr>
+          <a:xfrm>
+            <a:off x="0" y="1059582"/>
+            <a:ext cx="3563888" cy="72008"/>
+          </a:xfrm>
+          <a:prstGeom prst="rect">
+            <a:avLst/>
+          </a:prstGeom>
+          <a:solidFill>
+            <a:schemeClr val="accent1">
+              <a:lumMod val="75000"/>
+            </a:schemeClr>
+          </a:solidFill>
+          <a:ln>
+            <a:noFill/>
+          </a:ln>
+        </p:spPr>
+        <p:style>
+          <a:lnRef idx="2">
+            <a:schemeClr val="accent1">
+              <a:shade val="50000"/>
+            </a:schemeClr>
+          </a:lnRef>
+          <a:fillRef idx="1">
+            <a:schemeClr val="accent1"/>
+          </a:fillRef>
+          <a:effectRef idx="0">
+            <a:schemeClr val="accent1"/>
+          </a:effectRef>
+          <a:fontRef idx="minor">
+            <a:schemeClr val="lt1"/>
+          </a:fontRef>
+        </p:style>
+        <p:txBody>
+          <a:bodyPr rtlCol="0" anchor="ctr"/>
+          <a:lstStyle/>
+          <a:p>
+            <a:pPr algn="ctr"/>
+            <a:endParaRPr kumimoji="1" lang="ja-JP" altLang="en-US"/>
+          </a:p>
+        </p:txBody>
+      </p:sp>
+      <p:pic>
+        <p:nvPicPr>
+          <p:cNvPr id="7" name="図 6" descr="screen_02tcm2149947.jpg"/>
+          <p:cNvPicPr>
+            <a:picLocks noChangeAspect="1"/>
+          </p:cNvPicPr>
+          <p:nvPr/>
+        </p:nvPicPr>
+        <p:blipFill>
+          <a:blip r:embed="rId2" cstate="print"/>
+          <a:stretch>
+            <a:fillRect/>
+          </a:stretch>
+        </p:blipFill>
+        <p:spPr>
+          <a:xfrm>
+            <a:off x="683568" y="1995686"/>
+            <a:ext cx="4313087" cy="2424797"/>
+          </a:xfrm>
+          <a:prstGeom prst="rect">
+            <a:avLst/>
+          </a:prstGeom>
+          <a:solidFill>
+            <a:srgbClr val="FFFFFF">
+              <a:shade val="85000"/>
+            </a:srgbClr>
+          </a:solidFill>
+          <a:ln w="190500" cap="rnd">
+            <a:solidFill>
+              <a:srgbClr val="FFFFFF"/>
+            </a:solidFill>
+          </a:ln>
+          <a:effectLst>
+            <a:outerShdw blurRad="50000" algn="tl" rotWithShape="0">
+              <a:srgbClr val="000000">
+                <a:alpha val="41000"/>
+              </a:srgbClr>
+            </a:outerShdw>
+          </a:effectLst>
+          <a:scene3d>
+            <a:camera prst="orthographicFront"/>
+            <a:lightRig rig="twoPt" dir="t">
+              <a:rot lat="0" lon="0" rev="7800000"/>
+            </a:lightRig>
+          </a:scene3d>
+          <a:sp3d contourW="6350">
+            <a:bevelT w="50800" h="16510"/>
+            <a:contourClr>
+              <a:srgbClr val="C0C0C0"/>
+            </a:contourClr>
+          </a:sp3d>
+        </p:spPr>
+      </p:pic>
+      <p:pic>
+        <p:nvPicPr>
+          <p:cNvPr id="8" name="図 7" descr="child-of-light-wallpapers1.jpg"/>
+          <p:cNvPicPr>
+            <a:picLocks noChangeAspect="1"/>
+          </p:cNvPicPr>
+          <p:nvPr/>
+        </p:nvPicPr>
+        <p:blipFill>
+          <a:blip r:embed="rId3" cstate="print"/>
+          <a:stretch>
+            <a:fillRect/>
+          </a:stretch>
+        </p:blipFill>
+        <p:spPr>
+          <a:xfrm>
+            <a:off x="4572000" y="1635646"/>
+            <a:ext cx="4227547" cy="2378217"/>
+          </a:xfrm>
+          <a:prstGeom prst="rect">
+            <a:avLst/>
+          </a:prstGeom>
+          <a:solidFill>
+            <a:srgbClr val="FFFFFF">
+              <a:shade val="85000"/>
+            </a:srgbClr>
+          </a:solidFill>
+          <a:ln w="190500" cap="rnd">
+            <a:solidFill>
+              <a:srgbClr val="FFFFFF"/>
+            </a:solidFill>
+          </a:ln>
+          <a:effectLst>
+            <a:outerShdw blurRad="50000" algn="tl" rotWithShape="0">
+              <a:srgbClr val="000000">
+                <a:alpha val="41000"/>
+              </a:srgbClr>
+            </a:outerShdw>
+          </a:effectLst>
+          <a:scene3d>
+            <a:camera prst="orthographicFront"/>
+            <a:lightRig rig="twoPt" dir="t">
+              <a:rot lat="0" lon="0" rev="7800000"/>
+            </a:lightRig>
+          </a:scene3d>
+          <a:sp3d contourW="6350">
+            <a:bevelT w="50800" h="16510"/>
+            <a:contourClr>
+              <a:srgbClr val="C0C0C0"/>
+            </a:contourClr>
+          </a:sp3d>
+        </p:spPr>
+      </p:pic>
+      <p:sp>
+        <p:nvSpPr>
+          <p:cNvPr id="11" name="タイトル 1"/>
+          <p:cNvSpPr txBox="1">
+            <a:spLocks/>
+          </p:cNvSpPr>
+          <p:nvPr/>
+        </p:nvSpPr>
+        <p:spPr>
+          <a:xfrm>
+            <a:off x="5364088" y="555526"/>
+            <a:ext cx="3779912" cy="507703"/>
+          </a:xfrm>
+          <a:prstGeom prst="rect">
+            <a:avLst/>
+          </a:prstGeom>
+        </p:spPr>
+        <p:txBody>
+          <a:bodyPr vert="horz" lIns="91440" tIns="45720" rIns="91440" bIns="45720" rtlCol="0" anchor="ctr">
+            <a:noAutofit/>
+          </a:bodyPr>
+          <a:lstStyle/>
+          <a:p>
+            <a:pPr lvl="0">
+              <a:spcBef>
+                <a:spcPct val="0"/>
+              </a:spcBef>
+              <a:defRPr/>
+            </a:pPr>
+            <a:r>
+              <a:rPr lang="en-US" altLang="ja-JP" sz="2800" dirty="0" smtClean="0"/>
+              <a:t>LS4(</a:t>
+            </a:r>
+            <a:r>
+              <a:rPr kumimoji="1" lang="en-US" altLang="ja-JP" sz="2800" b="0" i="0" u="none" strike="noStrike" kern="1200" cap="none" spc="0" normalizeH="0" baseline="0" noProof="0" dirty="0" err="1" smtClean="0">
+                <a:ln>
+                  <a:noFill/>
+                </a:ln>
+                <a:solidFill>
+                  <a:schemeClr val="tx1"/>
+                </a:solidFill>
+                <a:effectLst/>
+                <a:uLnTx/>
+                <a:uFillTx/>
+                <a:latin typeface="+mj-lt"/>
+                <a:ea typeface="+mj-ea"/>
+                <a:cs typeface="+mj-cs"/>
+              </a:rPr>
+              <a:t>UbiArtFramework</a:t>
+            </a:r>
+            <a:r>
+              <a:rPr kumimoji="1" lang="en-US" altLang="ja-JP" sz="2800" b="0" i="0" u="none" strike="noStrike" kern="1200" cap="none" spc="0" normalizeH="0" baseline="0" noProof="0" dirty="0" smtClean="0">
+                <a:ln>
+                  <a:noFill/>
+                </a:ln>
+                <a:solidFill>
+                  <a:schemeClr val="tx1"/>
+                </a:solidFill>
+                <a:effectLst/>
+                <a:uLnTx/>
+                <a:uFillTx/>
+                <a:latin typeface="+mj-lt"/>
+                <a:ea typeface="+mj-ea"/>
+                <a:cs typeface="+mj-cs"/>
+              </a:rPr>
+              <a:t>)</a:t>
+            </a:r>
+            <a:endParaRPr kumimoji="1" lang="ja-JP" altLang="en-US" sz="2800" b="0" i="0" u="none" strike="noStrike" kern="1200" cap="none" spc="0" normalizeH="0" baseline="0" noProof="0" dirty="0">
+              <a:ln>
+                <a:noFill/>
+              </a:ln>
+              <a:solidFill>
+                <a:schemeClr val="tx1"/>
+              </a:solidFill>
+              <a:effectLst/>
+              <a:uLnTx/>
+              <a:uFillTx/>
+              <a:latin typeface="+mj-lt"/>
+              <a:ea typeface="+mj-ea"/>
+              <a:cs typeface="+mj-cs"/>
+            </a:endParaRPr>
+          </a:p>
+        </p:txBody>
+      </p:sp>
+      <p:sp>
+        <p:nvSpPr>
+          <p:cNvPr id="13" name="正方形/長方形 12"/>
+          <p:cNvSpPr/>
+          <p:nvPr/>
+        </p:nvSpPr>
+        <p:spPr>
+          <a:xfrm>
+            <a:off x="5436096" y="1059583"/>
+            <a:ext cx="3707904" cy="72008"/>
+          </a:xfrm>
+          <a:prstGeom prst="rect">
+            <a:avLst/>
+          </a:prstGeom>
+          <a:solidFill>
+            <a:srgbClr val="FFC000"/>
+          </a:solidFill>
+          <a:ln>
+            <a:noFill/>
+          </a:ln>
+        </p:spPr>
+        <p:style>
+          <a:lnRef idx="2">
+            <a:schemeClr val="accent1">
+              <a:shade val="50000"/>
+            </a:schemeClr>
+          </a:lnRef>
+          <a:fillRef idx="1">
+            <a:schemeClr val="accent1"/>
+          </a:fillRef>
+          <a:effectRef idx="0">
+            <a:schemeClr val="accent1"/>
+          </a:effectRef>
+          <a:fontRef idx="minor">
+            <a:schemeClr val="lt1"/>
+          </a:fontRef>
+        </p:style>
+        <p:txBody>
+          <a:bodyPr rtlCol="0" anchor="ctr"/>
+          <a:lstStyle/>
+          <a:p>
+            <a:pPr algn="ctr"/>
+            <a:endParaRPr kumimoji="1" lang="ja-JP" altLang="en-US"/>
+          </a:p>
+        </p:txBody>
+      </p:sp>
+    </p:spTree>
+  </p:cSld>
+  <p:clrMapOvr>
+    <a:masterClrMapping/>
+  </p:clrMapOvr>
+  <p:timing>
+    <p:tnLst>
+      <p:par>
+        <p:cTn id="1" dur="indefinite" restart="never" nodeType="tmRoot"/>
+      </p:par>
+    </p:tnLst>
+  </p:timing>
+</p:sld>
+</file>
+
+<file path=ppt/slides/slide14.xml><?xml version="1.0" encoding="utf-8"?>
+<p:sld xmlns:a="http://schemas.openxmlformats.org/drawingml/2006/main" xmlns:r="http://schemas.openxmlformats.org/officeDocument/2006/relationships" xmlns:p="http://schemas.openxmlformats.org/presentationml/2006/main">
+  <p:cSld>
+    <p:spTree>
+      <p:nvGrpSpPr>
+        <p:cNvPr id="1" name=""/>
+        <p:cNvGrpSpPr/>
+        <p:nvPr/>
+      </p:nvGrpSpPr>
+      <p:grpSpPr>
+        <a:xfrm>
+          <a:off x="0" y="0"/>
+          <a:ext cx="0" cy="0"/>
+          <a:chOff x="0" y="0"/>
+          <a:chExt cx="0" cy="0"/>
+        </a:xfrm>
+      </p:grpSpPr>
+      <p:sp>
+        <p:nvSpPr>
+          <p:cNvPr id="2" name="タイトル 1"/>
+          <p:cNvSpPr>
+            <a:spLocks noGrp="1"/>
+          </p:cNvSpPr>
+          <p:nvPr>
+            <p:ph type="title"/>
+          </p:nvPr>
+        </p:nvSpPr>
+        <p:spPr>
+          <a:xfrm>
+            <a:off x="179512" y="555525"/>
+            <a:ext cx="3384376" cy="507703"/>
+          </a:xfrm>
+        </p:spPr>
+        <p:txBody>
+          <a:bodyPr>
+            <a:noAutofit/>
+          </a:bodyPr>
+          <a:lstStyle/>
+          <a:p>
+            <a:pPr algn="l"/>
+            <a:r>
+              <a:rPr lang="en-US" altLang="ja-JP" sz="2800" dirty="0" smtClean="0"/>
+              <a:t>1.</a:t>
+            </a:r>
+            <a:r>
+              <a:rPr lang="ja-JP" altLang="en-US" sz="2800" dirty="0" smtClean="0"/>
+              <a:t>入社からこれまで</a:t>
+            </a:r>
+            <a:endParaRPr kumimoji="1" lang="ja-JP" altLang="en-US" sz="2800" dirty="0"/>
+          </a:p>
+        </p:txBody>
+      </p:sp>
+      <p:sp>
+        <p:nvSpPr>
+          <p:cNvPr id="4" name="日付プレースホルダ 3"/>
+          <p:cNvSpPr>
+            <a:spLocks noGrp="1"/>
+          </p:cNvSpPr>
+          <p:nvPr>
+            <p:ph type="dt" sz="half" idx="10"/>
+          </p:nvPr>
+        </p:nvSpPr>
+        <p:spPr/>
+        <p:txBody>
+          <a:bodyPr/>
+          <a:lstStyle/>
+          <a:p>
+            <a:fld id="{FC7AB2BD-E9B7-45BF-89F9-A3C60FAD2BB8}" type="datetime2">
+              <a:rPr lang="en-US" altLang="ja-JP" smtClean="0"/>
+              <a:pPr/>
+              <a:t>Tuesday, September 30, 2014</a:t>
+            </a:fld>
+            <a:endParaRPr lang="ja-JP" altLang="en-US" dirty="0"/>
+          </a:p>
+        </p:txBody>
+      </p:sp>
+      <p:sp>
+        <p:nvSpPr>
+          <p:cNvPr id="5" name="正方形/長方形 4"/>
+          <p:cNvSpPr/>
+          <p:nvPr/>
+        </p:nvSpPr>
+        <p:spPr>
+          <a:xfrm>
+            <a:off x="0" y="1059582"/>
+            <a:ext cx="3563888" cy="72008"/>
+          </a:xfrm>
+          <a:prstGeom prst="rect">
+            <a:avLst/>
+          </a:prstGeom>
+          <a:solidFill>
+            <a:schemeClr val="accent1">
+              <a:lumMod val="75000"/>
+            </a:schemeClr>
+          </a:solidFill>
+          <a:ln>
+            <a:noFill/>
+          </a:ln>
+        </p:spPr>
+        <p:style>
+          <a:lnRef idx="2">
+            <a:schemeClr val="accent1">
+              <a:shade val="50000"/>
+            </a:schemeClr>
+          </a:lnRef>
+          <a:fillRef idx="1">
+            <a:schemeClr val="accent1"/>
+          </a:fillRef>
+          <a:effectRef idx="0">
+            <a:schemeClr val="accent1"/>
+          </a:effectRef>
+          <a:fontRef idx="minor">
+            <a:schemeClr val="lt1"/>
+          </a:fontRef>
+        </p:style>
+        <p:txBody>
+          <a:bodyPr rtlCol="0" anchor="ctr"/>
+          <a:lstStyle/>
+          <a:p>
+            <a:pPr algn="ctr"/>
+            <a:endParaRPr kumimoji="1" lang="ja-JP" altLang="en-US"/>
+          </a:p>
+        </p:txBody>
+      </p:sp>
+      <p:sp>
+        <p:nvSpPr>
+          <p:cNvPr id="11" name="タイトル 1"/>
+          <p:cNvSpPr txBox="1">
+            <a:spLocks/>
+          </p:cNvSpPr>
+          <p:nvPr/>
+        </p:nvSpPr>
+        <p:spPr>
+          <a:xfrm>
+            <a:off x="5724128" y="555526"/>
+            <a:ext cx="3106688" cy="507703"/>
+          </a:xfrm>
+          <a:prstGeom prst="rect">
+            <a:avLst/>
+          </a:prstGeom>
+        </p:spPr>
+        <p:txBody>
+          <a:bodyPr vert="horz" lIns="91440" tIns="45720" rIns="91440" bIns="45720" rtlCol="0" anchor="ctr">
+            <a:noAutofit/>
+          </a:bodyPr>
+          <a:lstStyle/>
+          <a:p>
+            <a:pPr marL="0" marR="0" lvl="0" indent="0" algn="l" defTabSz="914400" rtl="0" eaLnBrk="1" fontAlgn="auto" latinLnBrk="0" hangingPunct="1">
+              <a:lnSpc>
+                <a:spcPct val="100000"/>
+              </a:lnSpc>
+              <a:spcBef>
+                <a:spcPct val="0"/>
+              </a:spcBef>
+              <a:spcAft>
+                <a:spcPts val="0"/>
+              </a:spcAft>
+              <a:buClrTx/>
+              <a:buSzTx/>
+              <a:buFontTx/>
+              <a:buNone/>
+              <a:tabLst/>
+              <a:defRPr/>
+            </a:pPr>
+            <a:r>
+              <a:rPr kumimoji="1" lang="en-US" altLang="ja-JP" sz="2800" b="0" i="0" u="none" strike="noStrike" kern="1200" cap="none" spc="0" normalizeH="0" baseline="0" noProof="0" dirty="0" err="1" smtClean="0">
+                <a:ln>
+                  <a:noFill/>
+                </a:ln>
+                <a:solidFill>
+                  <a:schemeClr val="tx1"/>
+                </a:solidFill>
+                <a:effectLst/>
+                <a:uLnTx/>
+                <a:uFillTx/>
+                <a:latin typeface="+mj-lt"/>
+                <a:ea typeface="+mj-ea"/>
+                <a:cs typeface="+mj-cs"/>
+              </a:rPr>
+              <a:t>UbiArtFramework</a:t>
+            </a:r>
+            <a:endParaRPr kumimoji="1" lang="ja-JP" altLang="en-US" sz="2800" b="0" i="0" u="none" strike="noStrike" kern="1200" cap="none" spc="0" normalizeH="0" baseline="0" noProof="0" dirty="0">
+              <a:ln>
+                <a:noFill/>
+              </a:ln>
+              <a:solidFill>
+                <a:schemeClr val="tx1"/>
+              </a:solidFill>
+              <a:effectLst/>
+              <a:uLnTx/>
+              <a:uFillTx/>
+              <a:latin typeface="+mj-lt"/>
+              <a:ea typeface="+mj-ea"/>
+              <a:cs typeface="+mj-cs"/>
+            </a:endParaRPr>
+          </a:p>
+        </p:txBody>
+      </p:sp>
+      <p:sp>
+        <p:nvSpPr>
+          <p:cNvPr id="13" name="正方形/長方形 12"/>
+          <p:cNvSpPr/>
+          <p:nvPr/>
+        </p:nvSpPr>
+        <p:spPr>
+          <a:xfrm>
+            <a:off x="5616624" y="1059583"/>
+            <a:ext cx="3527376" cy="72007"/>
+          </a:xfrm>
+          <a:prstGeom prst="rect">
+            <a:avLst/>
+          </a:prstGeom>
+          <a:solidFill>
+            <a:srgbClr val="FFC000"/>
+          </a:solidFill>
+          <a:ln>
+            <a:noFill/>
+          </a:ln>
+        </p:spPr>
+        <p:style>
+          <a:lnRef idx="2">
+            <a:schemeClr val="accent1">
+              <a:shade val="50000"/>
+            </a:schemeClr>
+          </a:lnRef>
+          <a:fillRef idx="1">
+            <a:schemeClr val="accent1"/>
+          </a:fillRef>
+          <a:effectRef idx="0">
+            <a:schemeClr val="accent1"/>
+          </a:effectRef>
+          <a:fontRef idx="minor">
+            <a:schemeClr val="lt1"/>
+          </a:fontRef>
+        </p:style>
+        <p:txBody>
+          <a:bodyPr rtlCol="0" anchor="ctr"/>
+          <a:lstStyle/>
+          <a:p>
+            <a:pPr algn="ctr"/>
+            <a:endParaRPr kumimoji="1" lang="ja-JP" altLang="en-US"/>
+          </a:p>
+        </p:txBody>
+      </p:sp>
+      <p:pic>
+        <p:nvPicPr>
+          <p:cNvPr id="9" name="bandicam 2014-09-30 16-25-53-704.avi">
+            <a:hlinkClick r:id="" action="ppaction://media"/>
+          </p:cNvPr>
+          <p:cNvPicPr>
+            <a:picLocks noGrp="1" noRot="1" noChangeAspect="1"/>
+          </p:cNvPicPr>
+          <p:nvPr>
+            <p:ph idx="1"/>
+            <a:videoFile r:link="rId1"/>
+          </p:nvPr>
+        </p:nvPicPr>
+        <p:blipFill>
+          <a:blip r:embed="rId3" cstate="print"/>
+          <a:stretch>
+            <a:fillRect/>
+          </a:stretch>
+        </p:blipFill>
+        <p:spPr>
+          <a:xfrm>
+            <a:off x="1691680" y="1347614"/>
+            <a:ext cx="5591944" cy="3145470"/>
+          </a:xfrm>
+          <a:prstGeom prst="rect">
+            <a:avLst/>
+          </a:prstGeom>
+        </p:spPr>
+      </p:pic>
+    </p:spTree>
+  </p:cSld>
+  <p:clrMapOvr>
+    <a:masterClrMapping/>
+  </p:clrMapOvr>
+  <p:timing>
+    <p:tnLst>
+      <p:par>
+        <p:cTn id="1" dur="indefinite" restart="never" nodeType="tmRoot">
+          <p:childTnLst>
+            <p:seq concurrent="1" nextAc="seek">
+              <p:cTn id="2" restart="whenNotActive" fill="hold" evtFilter="cancelBubble" nodeType="interactiveSeq">
+                <p:stCondLst>
+                  <p:cond evt="onClick" delay="0">
+                    <p:tgtEl>
+                      <p:spTgt spid="9"/>
+                    </p:tgtEl>
+                  </p:cond>
+                </p:stCondLst>
+                <p:endSync evt="end" delay="0">
+                  <p:rtn val="all"/>
+                </p:endSync>
+                <p:childTnLst>
+                  <p:par>
+                    <p:cTn id="3" fill="hold">
+                      <p:stCondLst>
+                        <p:cond delay="0"/>
+                      </p:stCondLst>
+                      <p:childTnLst>
+                        <p:par>
+                          <p:cTn id="4" fill="hold">
+                            <p:stCondLst>
+                              <p:cond delay="0"/>
+                            </p:stCondLst>
+                            <p:childTnLst>
+                              <p:par>
+                                <p:cTn id="5" presetID="2" presetClass="mediacall" presetSubtype="0" fill="hold" nodeType="clickEffect">
+                                  <p:stCondLst>
+                                    <p:cond delay="0"/>
+                                  </p:stCondLst>
+                                  <p:childTnLst>
+                                    <p:cmd type="call" cmd="togglePause">
+                                      <p:cBhvr>
+                                        <p:cTn id="6" dur="1" fill="hold"/>
+                                        <p:tgtEl>
+                                          <p:spTgt spid="9"/>
+                                        </p:tgtEl>
+                                      </p:cBhvr>
+                                    </p:cmd>
+                                  </p:childTnLst>
+                                </p:cTn>
+                              </p:par>
+                            </p:childTnLst>
+                          </p:cTn>
+                        </p:par>
+                      </p:childTnLst>
+                    </p:cTn>
+                  </p:par>
+                </p:childTnLst>
+              </p:cTn>
+              <p:nextCondLst>
+                <p:cond evt="onClick" delay="0">
+                  <p:tgtEl>
+                    <p:spTgt spid="9"/>
+                  </p:tgtEl>
+                </p:cond>
+              </p:nextCondLst>
+            </p:seq>
+            <p:video>
+              <p:cMediaNode>
+                <p:cTn id="7" fill="hold" display="0">
+                  <p:stCondLst>
+                    <p:cond delay="indefinite"/>
+                  </p:stCondLst>
+                  <p:endCondLst>
+                    <p:cond evt="onNext" delay="0">
+                      <p:tgtEl>
+                        <p:sldTgt/>
+                      </p:tgtEl>
+                    </p:cond>
+                    <p:cond evt="onPrev" delay="0">
+                      <p:tgtEl>
+                        <p:sldTgt/>
+                      </p:tgtEl>
+                    </p:cond>
+                  </p:endCondLst>
+                </p:cTn>
+                <p:tgtEl>
+                  <p:spTgt spid="9"/>
+                </p:tgtEl>
+              </p:cMediaNode>
+            </p:video>
+          </p:childTnLst>
+        </p:cTn>
+      </p:par>
+    </p:tnLst>
+  </p:timing>
+</p:sld>
+</file>
+
+<file path=ppt/slides/slide15.xml><?xml version="1.0" encoding="utf-8"?>
+<p:sld xmlns:a="http://schemas.openxmlformats.org/drawingml/2006/main" xmlns:r="http://schemas.openxmlformats.org/officeDocument/2006/relationships" xmlns:p="http://schemas.openxmlformats.org/presentationml/2006/main">
+  <p:cSld>
+    <p:spTree>
+      <p:nvGrpSpPr>
+        <p:cNvPr id="1" name=""/>
+        <p:cNvGrpSpPr/>
+        <p:nvPr/>
+      </p:nvGrpSpPr>
+      <p:grpSpPr>
+        <a:xfrm>
+          <a:off x="0" y="0"/>
+          <a:ext cx="0" cy="0"/>
+          <a:chOff x="0" y="0"/>
+          <a:chExt cx="0" cy="0"/>
+        </a:xfrm>
+      </p:grpSpPr>
+      <p:sp>
+        <p:nvSpPr>
+          <p:cNvPr id="2" name="タイトル 1"/>
+          <p:cNvSpPr>
+            <a:spLocks noGrp="1"/>
+          </p:cNvSpPr>
+          <p:nvPr>
+            <p:ph type="title"/>
+          </p:nvPr>
+        </p:nvSpPr>
+        <p:spPr>
+          <a:xfrm>
+            <a:off x="179512" y="555525"/>
+            <a:ext cx="2448272" cy="507703"/>
+          </a:xfrm>
+        </p:spPr>
         <p:txBody>
           <a:bodyPr>
             <a:normAutofit fontScale="90000"/>
           </a:bodyPr>
           <a:lstStyle/>
           <a:p>
-            <a:endParaRPr kumimoji="1" lang="ja-JP" altLang="en-US"/>
+            <a:pPr algn="l"/>
+            <a:r>
+              <a:rPr kumimoji="1" lang="en-US" altLang="ja-JP" dirty="0" smtClean="0">
+                <a:latin typeface="Segoe UI" pitchFamily="34" charset="0"/>
+                <a:ea typeface="Segoe UI" pitchFamily="34" charset="0"/>
+                <a:cs typeface="Segoe UI" pitchFamily="34" charset="0"/>
+              </a:rPr>
+              <a:t>Contents</a:t>
+            </a:r>
+            <a:endParaRPr kumimoji="1" lang="ja-JP" altLang="en-US" dirty="0">
+              <a:latin typeface="Segoe UI" pitchFamily="34" charset="0"/>
+              <a:ea typeface="Meiryo UI" pitchFamily="50" charset="-128"/>
+              <a:cs typeface="Segoe UI" pitchFamily="34" charset="0"/>
+            </a:endParaRPr>
           </a:p>
         </p:txBody>
       </p:sp>
@@ -5600,12 +7271,68 @@
             <p:ph idx="1"/>
           </p:nvPr>
         </p:nvSpPr>
-        <p:spPr/>
+        <p:spPr>
+          <a:xfrm>
+            <a:off x="4345632" y="1203597"/>
+            <a:ext cx="6131024" cy="3391025"/>
+          </a:xfrm>
+        </p:spPr>
         <p:txBody>
           <a:bodyPr/>
           <a:lstStyle/>
           <a:p>
-            <a:endParaRPr kumimoji="1" lang="ja-JP" altLang="en-US"/>
+            <a:pPr algn="just">
+              <a:buNone/>
+            </a:pPr>
+            <a:r>
+              <a:rPr kumimoji="1" lang="en-US" altLang="ja-JP" dirty="0" smtClean="0"/>
+              <a:t>1.</a:t>
+            </a:r>
+            <a:r>
+              <a:rPr lang="ja-JP" altLang="en-US" dirty="0" smtClean="0"/>
+              <a:t>入社からこれまで</a:t>
+            </a:r>
+            <a:endParaRPr lang="en-US" altLang="ja-JP" dirty="0" smtClean="0"/>
+          </a:p>
+          <a:p>
+            <a:pPr algn="just">
+              <a:buNone/>
+            </a:pPr>
+            <a:endParaRPr kumimoji="1" lang="en-US" altLang="ja-JP" dirty="0" smtClean="0"/>
+          </a:p>
+          <a:p>
+            <a:pPr algn="just">
+              <a:buNone/>
+            </a:pPr>
+            <a:r>
+              <a:rPr lang="en-US" altLang="ja-JP" dirty="0" smtClean="0"/>
+              <a:t>2.</a:t>
+            </a:r>
+            <a:r>
+              <a:rPr lang="ja-JP" altLang="en-US" dirty="0" smtClean="0"/>
+              <a:t>学んだこと</a:t>
+            </a:r>
+            <a:endParaRPr lang="en-US" altLang="ja-JP" dirty="0" smtClean="0"/>
+          </a:p>
+          <a:p>
+            <a:pPr algn="just">
+              <a:buNone/>
+            </a:pPr>
+            <a:endParaRPr lang="en-US" altLang="ja-JP" dirty="0" smtClean="0"/>
+          </a:p>
+          <a:p>
+            <a:pPr algn="just">
+              <a:buNone/>
+            </a:pPr>
+            <a:r>
+              <a:rPr kumimoji="1" lang="en-US" altLang="ja-JP" dirty="0" smtClean="0"/>
+              <a:t>3.</a:t>
+            </a:r>
+            <a:r>
+              <a:rPr kumimoji="1" lang="ja-JP" altLang="en-US" dirty="0" smtClean="0"/>
+              <a:t>これからのこと</a:t>
+            </a:r>
+            <a:endParaRPr kumimoji="1" lang="en-US" altLang="ja-JP" dirty="0" smtClean="0"/>
           </a:p>
         </p:txBody>
       </p:sp>
@@ -5627,9 +7354,1479 @@
             <a:fld id="{FC7AB2BD-E9B7-45BF-89F9-A3C60FAD2BB8}" type="datetime2">
               <a:rPr lang="en-US" altLang="ja-JP" smtClean="0"/>
               <a:pPr/>
-              <a:t>Monday, September 29, 2014</a:t>
+              <a:t>Tuesday, September 30, 2014</a:t>
             </a:fld>
             <a:endParaRPr lang="ja-JP" altLang="en-US" dirty="0"/>
+          </a:p>
+        </p:txBody>
+      </p:sp>
+      <p:sp>
+        <p:nvSpPr>
+          <p:cNvPr id="5" name="正方形/長方形 4"/>
+          <p:cNvSpPr/>
+          <p:nvPr/>
+        </p:nvSpPr>
+        <p:spPr>
+          <a:xfrm>
+            <a:off x="0" y="1059582"/>
+            <a:ext cx="2555776" cy="72008"/>
+          </a:xfrm>
+          <a:prstGeom prst="rect">
+            <a:avLst/>
+          </a:prstGeom>
+          <a:solidFill>
+            <a:schemeClr val="accent1">
+              <a:lumMod val="75000"/>
+            </a:schemeClr>
+          </a:solidFill>
+          <a:ln>
+            <a:noFill/>
+          </a:ln>
+        </p:spPr>
+        <p:style>
+          <a:lnRef idx="2">
+            <a:schemeClr val="accent1">
+              <a:shade val="50000"/>
+            </a:schemeClr>
+          </a:lnRef>
+          <a:fillRef idx="1">
+            <a:schemeClr val="accent1"/>
+          </a:fillRef>
+          <a:effectRef idx="0">
+            <a:schemeClr val="accent1"/>
+          </a:effectRef>
+          <a:fontRef idx="minor">
+            <a:schemeClr val="lt1"/>
+          </a:fontRef>
+        </p:style>
+        <p:txBody>
+          <a:bodyPr rtlCol="0" anchor="ctr"/>
+          <a:lstStyle/>
+          <a:p>
+            <a:pPr algn="ctr"/>
+            <a:endParaRPr kumimoji="1" lang="ja-JP" altLang="en-US"/>
+          </a:p>
+        </p:txBody>
+      </p:sp>
+      <p:grpSp>
+        <p:nvGrpSpPr>
+          <p:cNvPr id="6" name="グループ化 11"/>
+          <p:cNvGrpSpPr/>
+          <p:nvPr/>
+        </p:nvGrpSpPr>
+        <p:grpSpPr>
+          <a:xfrm>
+            <a:off x="4211960" y="1707654"/>
+            <a:ext cx="4943542" cy="2376264"/>
+            <a:chOff x="4211960" y="1707654"/>
+            <a:chExt cx="4943542" cy="2376264"/>
+          </a:xfrm>
+        </p:grpSpPr>
+        <p:sp>
+          <p:nvSpPr>
+            <p:cNvPr id="7" name="正方形/長方形 6"/>
+            <p:cNvSpPr/>
+            <p:nvPr/>
+          </p:nvSpPr>
+          <p:spPr>
+            <a:xfrm>
+              <a:off x="4211960" y="1707654"/>
+              <a:ext cx="4943542" cy="72008"/>
+            </a:xfrm>
+            <a:prstGeom prst="rect">
+              <a:avLst/>
+            </a:prstGeom>
+            <a:solidFill>
+              <a:schemeClr val="accent1">
+                <a:lumMod val="50000"/>
+              </a:schemeClr>
+            </a:solidFill>
+            <a:ln>
+              <a:noFill/>
+            </a:ln>
+          </p:spPr>
+          <p:style>
+            <a:lnRef idx="2">
+              <a:schemeClr val="accent1">
+                <a:shade val="50000"/>
+              </a:schemeClr>
+            </a:lnRef>
+            <a:fillRef idx="1">
+              <a:schemeClr val="accent1"/>
+            </a:fillRef>
+            <a:effectRef idx="0">
+              <a:schemeClr val="accent1"/>
+            </a:effectRef>
+            <a:fontRef idx="minor">
+              <a:schemeClr val="lt1"/>
+            </a:fontRef>
+          </p:style>
+          <p:txBody>
+            <a:bodyPr rtlCol="0" anchor="ctr"/>
+            <a:lstStyle/>
+            <a:p>
+              <a:pPr algn="ctr"/>
+              <a:endParaRPr kumimoji="1" lang="ja-JP" altLang="en-US"/>
+            </a:p>
+          </p:txBody>
+        </p:sp>
+        <p:sp>
+          <p:nvSpPr>
+            <p:cNvPr id="8" name="正方形/長方形 7"/>
+            <p:cNvSpPr/>
+            <p:nvPr/>
+          </p:nvSpPr>
+          <p:spPr>
+            <a:xfrm>
+              <a:off x="4211960" y="4011910"/>
+              <a:ext cx="4943542" cy="72008"/>
+            </a:xfrm>
+            <a:prstGeom prst="rect">
+              <a:avLst/>
+            </a:prstGeom>
+            <a:solidFill>
+              <a:schemeClr val="tx2">
+                <a:lumMod val="75000"/>
+              </a:schemeClr>
+            </a:solidFill>
+            <a:ln>
+              <a:noFill/>
+            </a:ln>
+          </p:spPr>
+          <p:style>
+            <a:lnRef idx="2">
+              <a:schemeClr val="accent1">
+                <a:shade val="50000"/>
+              </a:schemeClr>
+            </a:lnRef>
+            <a:fillRef idx="1">
+              <a:schemeClr val="accent1"/>
+            </a:fillRef>
+            <a:effectRef idx="0">
+              <a:schemeClr val="accent1"/>
+            </a:effectRef>
+            <a:fontRef idx="minor">
+              <a:schemeClr val="lt1"/>
+            </a:fontRef>
+          </p:style>
+          <p:txBody>
+            <a:bodyPr rtlCol="0" anchor="ctr"/>
+            <a:lstStyle/>
+            <a:p>
+              <a:pPr algn="ctr"/>
+              <a:endParaRPr kumimoji="1" lang="ja-JP" altLang="en-US"/>
+            </a:p>
+          </p:txBody>
+        </p:sp>
+        <p:sp>
+          <p:nvSpPr>
+            <p:cNvPr id="9" name="正方形/長方形 8"/>
+            <p:cNvSpPr/>
+            <p:nvPr/>
+          </p:nvSpPr>
+          <p:spPr>
+            <a:xfrm>
+              <a:off x="4211960" y="2859782"/>
+              <a:ext cx="4943542" cy="72008"/>
+            </a:xfrm>
+            <a:prstGeom prst="rect">
+              <a:avLst/>
+            </a:prstGeom>
+            <a:solidFill>
+              <a:srgbClr val="00B0F0"/>
+            </a:solidFill>
+            <a:ln>
+              <a:noFill/>
+            </a:ln>
+          </p:spPr>
+          <p:style>
+            <a:lnRef idx="2">
+              <a:schemeClr val="accent1">
+                <a:shade val="50000"/>
+              </a:schemeClr>
+            </a:lnRef>
+            <a:fillRef idx="1">
+              <a:schemeClr val="accent1"/>
+            </a:fillRef>
+            <a:effectRef idx="0">
+              <a:schemeClr val="accent1"/>
+            </a:effectRef>
+            <a:fontRef idx="minor">
+              <a:schemeClr val="lt1"/>
+            </a:fontRef>
+          </p:style>
+          <p:txBody>
+            <a:bodyPr rtlCol="0" anchor="ctr"/>
+            <a:lstStyle/>
+            <a:p>
+              <a:pPr algn="ctr"/>
+              <a:endParaRPr kumimoji="1" lang="ja-JP" altLang="en-US"/>
+            </a:p>
+          </p:txBody>
+        </p:sp>
+      </p:grpSp>
+    </p:spTree>
+  </p:cSld>
+  <p:clrMapOvr>
+    <a:masterClrMapping/>
+  </p:clrMapOvr>
+  <p:timing>
+    <p:tnLst>
+      <p:par>
+        <p:cTn id="1" dur="indefinite" restart="never" nodeType="tmRoot"/>
+      </p:par>
+    </p:tnLst>
+  </p:timing>
+</p:sld>
+</file>
+
+<file path=ppt/slides/slide16.xml><?xml version="1.0" encoding="utf-8"?>
+<p:sld xmlns:a="http://schemas.openxmlformats.org/drawingml/2006/main" xmlns:r="http://schemas.openxmlformats.org/officeDocument/2006/relationships" xmlns:p="http://schemas.openxmlformats.org/presentationml/2006/main">
+  <p:cSld>
+    <p:spTree>
+      <p:nvGrpSpPr>
+        <p:cNvPr id="1" name=""/>
+        <p:cNvGrpSpPr/>
+        <p:nvPr/>
+      </p:nvGrpSpPr>
+      <p:grpSpPr>
+        <a:xfrm>
+          <a:off x="0" y="0"/>
+          <a:ext cx="0" cy="0"/>
+          <a:chOff x="0" y="0"/>
+          <a:chExt cx="0" cy="0"/>
+        </a:xfrm>
+      </p:grpSpPr>
+      <p:sp>
+        <p:nvSpPr>
+          <p:cNvPr id="4" name="日付プレースホルダ 3"/>
+          <p:cNvSpPr>
+            <a:spLocks noGrp="1"/>
+          </p:cNvSpPr>
+          <p:nvPr>
+            <p:ph type="dt" sz="half" idx="10"/>
+          </p:nvPr>
+        </p:nvSpPr>
+        <p:spPr/>
+        <p:txBody>
+          <a:bodyPr/>
+          <a:lstStyle/>
+          <a:p>
+            <a:fld id="{FC7AB2BD-E9B7-45BF-89F9-A3C60FAD2BB8}" type="datetime2">
+              <a:rPr lang="en-US" altLang="ja-JP" smtClean="0"/>
+              <a:pPr/>
+              <a:t>Tuesday, September 30, 2014</a:t>
+            </a:fld>
+            <a:endParaRPr lang="ja-JP" altLang="en-US" dirty="0"/>
+          </a:p>
+        </p:txBody>
+      </p:sp>
+      <p:sp>
+        <p:nvSpPr>
+          <p:cNvPr id="5" name="正方形/長方形 4"/>
+          <p:cNvSpPr/>
+          <p:nvPr/>
+        </p:nvSpPr>
+        <p:spPr>
+          <a:xfrm>
+            <a:off x="0" y="1059582"/>
+            <a:ext cx="3563888" cy="72008"/>
+          </a:xfrm>
+          <a:prstGeom prst="rect">
+            <a:avLst/>
+          </a:prstGeom>
+          <a:solidFill>
+            <a:schemeClr val="accent1">
+              <a:lumMod val="75000"/>
+            </a:schemeClr>
+          </a:solidFill>
+          <a:ln>
+            <a:noFill/>
+          </a:ln>
+        </p:spPr>
+        <p:style>
+          <a:lnRef idx="2">
+            <a:schemeClr val="accent1">
+              <a:shade val="50000"/>
+            </a:schemeClr>
+          </a:lnRef>
+          <a:fillRef idx="1">
+            <a:schemeClr val="accent1"/>
+          </a:fillRef>
+          <a:effectRef idx="0">
+            <a:schemeClr val="accent1"/>
+          </a:effectRef>
+          <a:fontRef idx="minor">
+            <a:schemeClr val="lt1"/>
+          </a:fontRef>
+        </p:style>
+        <p:txBody>
+          <a:bodyPr rtlCol="0" anchor="ctr"/>
+          <a:lstStyle/>
+          <a:p>
+            <a:pPr algn="ctr"/>
+            <a:endParaRPr kumimoji="1" lang="ja-JP" altLang="en-US"/>
+          </a:p>
+        </p:txBody>
+      </p:sp>
+      <p:sp>
+        <p:nvSpPr>
+          <p:cNvPr id="12" name="コンテンツ プレースホルダ 11"/>
+          <p:cNvSpPr>
+            <a:spLocks noGrp="1"/>
+          </p:cNvSpPr>
+          <p:nvPr>
+            <p:ph idx="1"/>
+          </p:nvPr>
+        </p:nvSpPr>
+        <p:spPr/>
+        <p:txBody>
+          <a:bodyPr>
+            <a:normAutofit/>
+          </a:bodyPr>
+          <a:lstStyle/>
+          <a:p>
+            <a:r>
+              <a:rPr lang="ja-JP" altLang="en-US" dirty="0" smtClean="0"/>
+              <a:t>ドキュメントを作る</a:t>
+            </a:r>
+            <a:endParaRPr lang="en-US" altLang="ja-JP" dirty="0" smtClean="0"/>
+          </a:p>
+          <a:p>
+            <a:endParaRPr lang="en-US" altLang="ja-JP" dirty="0" smtClean="0"/>
+          </a:p>
+          <a:p>
+            <a:r>
+              <a:rPr lang="ja-JP" altLang="en-US" dirty="0" smtClean="0"/>
+              <a:t>説明することを前提に作る</a:t>
+            </a:r>
+            <a:endParaRPr lang="en-US" altLang="ja-JP" dirty="0" smtClean="0"/>
+          </a:p>
+          <a:p>
+            <a:endParaRPr lang="en-US" altLang="ja-JP" dirty="0" smtClean="0"/>
+          </a:p>
+          <a:p>
+            <a:r>
+              <a:rPr lang="ja-JP" altLang="en-US" sz="4400" b="1" dirty="0" smtClean="0"/>
+              <a:t>調子に乗りすぎない</a:t>
+            </a:r>
+            <a:endParaRPr lang="en-US" altLang="ja-JP" sz="4400" b="1" dirty="0" smtClean="0"/>
+          </a:p>
+          <a:p>
+            <a:endParaRPr lang="en-US" altLang="ja-JP" dirty="0" smtClean="0"/>
+          </a:p>
+        </p:txBody>
+      </p:sp>
+      <p:sp>
+        <p:nvSpPr>
+          <p:cNvPr id="6" name="タイトル 1"/>
+          <p:cNvSpPr txBox="1">
+            <a:spLocks/>
+          </p:cNvSpPr>
+          <p:nvPr/>
+        </p:nvSpPr>
+        <p:spPr>
+          <a:xfrm>
+            <a:off x="179512" y="555525"/>
+            <a:ext cx="3384376" cy="507703"/>
+          </a:xfrm>
+          <a:prstGeom prst="rect">
+            <a:avLst/>
+          </a:prstGeom>
+        </p:spPr>
+        <p:txBody>
+          <a:bodyPr vert="horz" lIns="91440" tIns="45720" rIns="91440" bIns="45720" rtlCol="0" anchor="ctr">
+            <a:noAutofit/>
+          </a:bodyPr>
+          <a:lstStyle/>
+          <a:p>
+            <a:pPr lvl="0">
+              <a:spcBef>
+                <a:spcPct val="0"/>
+              </a:spcBef>
+            </a:pPr>
+            <a:r>
+              <a:rPr lang="en-US" altLang="ja-JP" sz="2800" dirty="0" smtClean="0"/>
+              <a:t>2.</a:t>
+            </a:r>
+            <a:r>
+              <a:rPr lang="ja-JP" altLang="en-US" sz="2800" dirty="0" smtClean="0"/>
+              <a:t>学んだこと</a:t>
+            </a:r>
+            <a:endParaRPr kumimoji="1" lang="ja-JP" altLang="en-US" sz="2800" b="0" i="0" u="none" strike="noStrike" kern="1200" cap="none" spc="0" normalizeH="0" baseline="0" noProof="0" dirty="0">
+              <a:ln>
+                <a:noFill/>
+              </a:ln>
+              <a:solidFill>
+                <a:schemeClr val="tx1"/>
+              </a:solidFill>
+              <a:effectLst/>
+              <a:uLnTx/>
+              <a:uFillTx/>
+              <a:latin typeface="+mj-lt"/>
+              <a:ea typeface="+mj-ea"/>
+              <a:cs typeface="+mj-cs"/>
+            </a:endParaRPr>
+          </a:p>
+        </p:txBody>
+      </p:sp>
+    </p:spTree>
+  </p:cSld>
+  <p:clrMapOvr>
+    <a:masterClrMapping/>
+  </p:clrMapOvr>
+  <p:timing>
+    <p:tnLst>
+      <p:par>
+        <p:cTn id="1" dur="indefinite" restart="never" nodeType="tmRoot"/>
+      </p:par>
+    </p:tnLst>
+  </p:timing>
+</p:sld>
+</file>
+
+<file path=ppt/slides/slide17.xml><?xml version="1.0" encoding="utf-8"?>
+<p:sld xmlns:a="http://schemas.openxmlformats.org/drawingml/2006/main" xmlns:r="http://schemas.openxmlformats.org/officeDocument/2006/relationships" xmlns:p="http://schemas.openxmlformats.org/presentationml/2006/main">
+  <p:cSld>
+    <p:spTree>
+      <p:nvGrpSpPr>
+        <p:cNvPr id="1" name=""/>
+        <p:cNvGrpSpPr/>
+        <p:nvPr/>
+      </p:nvGrpSpPr>
+      <p:grpSpPr>
+        <a:xfrm>
+          <a:off x="0" y="0"/>
+          <a:ext cx="0" cy="0"/>
+          <a:chOff x="0" y="0"/>
+          <a:chExt cx="0" cy="0"/>
+        </a:xfrm>
+      </p:grpSpPr>
+      <p:sp>
+        <p:nvSpPr>
+          <p:cNvPr id="4" name="日付プレースホルダ 3"/>
+          <p:cNvSpPr>
+            <a:spLocks noGrp="1"/>
+          </p:cNvSpPr>
+          <p:nvPr>
+            <p:ph type="dt" sz="half" idx="10"/>
+          </p:nvPr>
+        </p:nvSpPr>
+        <p:spPr/>
+        <p:txBody>
+          <a:bodyPr/>
+          <a:lstStyle/>
+          <a:p>
+            <a:fld id="{FC7AB2BD-E9B7-45BF-89F9-A3C60FAD2BB8}" type="datetime2">
+              <a:rPr lang="en-US" altLang="ja-JP" smtClean="0"/>
+              <a:pPr/>
+              <a:t>Tuesday, September 30, 2014</a:t>
+            </a:fld>
+            <a:endParaRPr lang="ja-JP" altLang="en-US" dirty="0"/>
+          </a:p>
+        </p:txBody>
+      </p:sp>
+      <p:sp>
+        <p:nvSpPr>
+          <p:cNvPr id="5" name="正方形/長方形 4"/>
+          <p:cNvSpPr/>
+          <p:nvPr/>
+        </p:nvSpPr>
+        <p:spPr>
+          <a:xfrm>
+            <a:off x="0" y="1059582"/>
+            <a:ext cx="3563888" cy="72008"/>
+          </a:xfrm>
+          <a:prstGeom prst="rect">
+            <a:avLst/>
+          </a:prstGeom>
+          <a:solidFill>
+            <a:schemeClr val="accent1">
+              <a:lumMod val="75000"/>
+            </a:schemeClr>
+          </a:solidFill>
+          <a:ln>
+            <a:noFill/>
+          </a:ln>
+        </p:spPr>
+        <p:style>
+          <a:lnRef idx="2">
+            <a:schemeClr val="accent1">
+              <a:shade val="50000"/>
+            </a:schemeClr>
+          </a:lnRef>
+          <a:fillRef idx="1">
+            <a:schemeClr val="accent1"/>
+          </a:fillRef>
+          <a:effectRef idx="0">
+            <a:schemeClr val="accent1"/>
+          </a:effectRef>
+          <a:fontRef idx="minor">
+            <a:schemeClr val="lt1"/>
+          </a:fontRef>
+        </p:style>
+        <p:txBody>
+          <a:bodyPr rtlCol="0" anchor="ctr"/>
+          <a:lstStyle/>
+          <a:p>
+            <a:pPr algn="ctr"/>
+            <a:endParaRPr kumimoji="1" lang="ja-JP" altLang="en-US"/>
+          </a:p>
+        </p:txBody>
+      </p:sp>
+      <p:sp>
+        <p:nvSpPr>
+          <p:cNvPr id="12" name="コンテンツ プレースホルダ 11"/>
+          <p:cNvSpPr>
+            <a:spLocks noGrp="1"/>
+          </p:cNvSpPr>
+          <p:nvPr>
+            <p:ph idx="1"/>
+          </p:nvPr>
+        </p:nvSpPr>
+        <p:spPr>
+          <a:xfrm>
+            <a:off x="0" y="1200151"/>
+            <a:ext cx="8964488" cy="2307703"/>
+          </a:xfrm>
+        </p:spPr>
+        <p:txBody>
+          <a:bodyPr>
+            <a:normAutofit/>
+          </a:bodyPr>
+          <a:lstStyle/>
+          <a:p>
+            <a:pPr>
+              <a:buNone/>
+            </a:pPr>
+            <a:r>
+              <a:rPr lang="ja-JP" altLang="en-US" sz="4400" b="1" dirty="0" smtClean="0"/>
+              <a:t>調子に乗りすぎない</a:t>
+            </a:r>
+            <a:endParaRPr lang="en-US" altLang="ja-JP" sz="4400" b="1" dirty="0" smtClean="0"/>
+          </a:p>
+          <a:p>
+            <a:pPr lvl="1"/>
+            <a:r>
+              <a:rPr lang="en-US" altLang="ja-JP" dirty="0" smtClean="0"/>
+              <a:t>LS4</a:t>
+            </a:r>
+            <a:r>
+              <a:rPr lang="ja-JP" altLang="en-US" dirty="0" smtClean="0"/>
+              <a:t>にアサインされて</a:t>
+            </a:r>
+            <a:r>
+              <a:rPr lang="en-US" altLang="ja-JP" dirty="0" smtClean="0"/>
+              <a:t>2</a:t>
+            </a:r>
+            <a:r>
+              <a:rPr lang="ja-JP" altLang="en-US" dirty="0" smtClean="0"/>
+              <a:t>週間ぐらいの時。</a:t>
+            </a:r>
+            <a:endParaRPr lang="en-US" altLang="ja-JP" dirty="0" smtClean="0"/>
+          </a:p>
+          <a:p>
+            <a:pPr lvl="1"/>
+            <a:r>
+              <a:rPr lang="ja-JP" altLang="en-US" dirty="0" smtClean="0"/>
+              <a:t>「</a:t>
+            </a:r>
+            <a:r>
+              <a:rPr lang="ja-JP" altLang="en-US" b="1" dirty="0" smtClean="0">
+                <a:solidFill>
+                  <a:srgbClr val="FF0000"/>
+                </a:solidFill>
+              </a:rPr>
+              <a:t>今日の</a:t>
+            </a:r>
+            <a:r>
+              <a:rPr lang="en-US" altLang="ja-JP" b="1" dirty="0" smtClean="0">
+                <a:solidFill>
+                  <a:srgbClr val="FF0000"/>
+                </a:solidFill>
+              </a:rPr>
+              <a:t>7</a:t>
+            </a:r>
+            <a:r>
+              <a:rPr lang="ja-JP" altLang="en-US" b="1" dirty="0" smtClean="0">
+                <a:solidFill>
+                  <a:srgbClr val="FF0000"/>
+                </a:solidFill>
+              </a:rPr>
+              <a:t>時</a:t>
+            </a:r>
+            <a:r>
+              <a:rPr lang="ja-JP" altLang="en-US" dirty="0" smtClean="0"/>
+              <a:t>くらいには終わらせてみせますよ！」</a:t>
+            </a:r>
+            <a:endParaRPr lang="en-US" altLang="ja-JP" dirty="0" smtClean="0"/>
+          </a:p>
+          <a:p>
+            <a:pPr lvl="1"/>
+            <a:r>
+              <a:rPr lang="ja-JP" altLang="en-US" dirty="0" smtClean="0"/>
+              <a:t>実際終わったのは</a:t>
+            </a:r>
+            <a:r>
+              <a:rPr lang="en-US" altLang="ja-JP" b="1" dirty="0" smtClean="0">
+                <a:solidFill>
+                  <a:srgbClr val="FF0000"/>
+                </a:solidFill>
+              </a:rPr>
+              <a:t>1</a:t>
+            </a:r>
+            <a:r>
+              <a:rPr lang="ja-JP" altLang="en-US" b="1" dirty="0" smtClean="0">
+                <a:solidFill>
+                  <a:srgbClr val="FF0000"/>
+                </a:solidFill>
+              </a:rPr>
+              <a:t>週間後</a:t>
+            </a:r>
+            <a:r>
+              <a:rPr lang="ja-JP" altLang="en-US" dirty="0" smtClean="0"/>
+              <a:t>・・・</a:t>
+            </a:r>
+            <a:endParaRPr lang="en-US" altLang="ja-JP" dirty="0" smtClean="0"/>
+          </a:p>
+        </p:txBody>
+      </p:sp>
+      <p:sp>
+        <p:nvSpPr>
+          <p:cNvPr id="6" name="タイトル 1"/>
+          <p:cNvSpPr txBox="1">
+            <a:spLocks/>
+          </p:cNvSpPr>
+          <p:nvPr/>
+        </p:nvSpPr>
+        <p:spPr>
+          <a:xfrm>
+            <a:off x="179512" y="555525"/>
+            <a:ext cx="3384376" cy="507703"/>
+          </a:xfrm>
+          <a:prstGeom prst="rect">
+            <a:avLst/>
+          </a:prstGeom>
+        </p:spPr>
+        <p:txBody>
+          <a:bodyPr vert="horz" lIns="91440" tIns="45720" rIns="91440" bIns="45720" rtlCol="0" anchor="ctr">
+            <a:noAutofit/>
+          </a:bodyPr>
+          <a:lstStyle/>
+          <a:p>
+            <a:pPr lvl="0">
+              <a:spcBef>
+                <a:spcPct val="0"/>
+              </a:spcBef>
+            </a:pPr>
+            <a:r>
+              <a:rPr lang="en-US" altLang="ja-JP" sz="2800" dirty="0" smtClean="0"/>
+              <a:t>2.</a:t>
+            </a:r>
+            <a:r>
+              <a:rPr lang="ja-JP" altLang="en-US" sz="2800" dirty="0" smtClean="0"/>
+              <a:t>学んだこと</a:t>
+            </a:r>
+            <a:endParaRPr kumimoji="1" lang="ja-JP" altLang="en-US" sz="2800" b="0" i="0" u="none" strike="noStrike" kern="1200" cap="none" spc="0" normalizeH="0" baseline="0" noProof="0" dirty="0">
+              <a:ln>
+                <a:noFill/>
+              </a:ln>
+              <a:solidFill>
+                <a:schemeClr val="tx1"/>
+              </a:solidFill>
+              <a:effectLst/>
+              <a:uLnTx/>
+              <a:uFillTx/>
+              <a:latin typeface="+mj-lt"/>
+              <a:ea typeface="+mj-ea"/>
+              <a:cs typeface="+mj-cs"/>
+            </a:endParaRPr>
+          </a:p>
+        </p:txBody>
+      </p:sp>
+    </p:spTree>
+  </p:cSld>
+  <p:clrMapOvr>
+    <a:masterClrMapping/>
+  </p:clrMapOvr>
+  <p:timing>
+    <p:tnLst>
+      <p:par>
+        <p:cTn id="1" dur="indefinite" restart="never" nodeType="tmRoot">
+          <p:childTnLst>
+            <p:seq concurrent="1" nextAc="seek">
+              <p:cTn id="2" dur="indefinite" nodeType="mainSeq">
+                <p:childTnLst>
+                  <p:par>
+                    <p:cTn id="3" fill="hold">
+                      <p:stCondLst>
+                        <p:cond delay="indefinite"/>
+                      </p:stCondLst>
+                      <p:childTnLst>
+                        <p:par>
+                          <p:cTn id="4" fill="hold">
+                            <p:stCondLst>
+                              <p:cond delay="0"/>
+                            </p:stCondLst>
+                            <p:childTnLst>
+                              <p:par>
+                                <p:cTn id="5" presetID="18" presetClass="entr" presetSubtype="12" fill="hold" grpId="0" nodeType="clickEffect">
+                                  <p:stCondLst>
+                                    <p:cond delay="0"/>
+                                  </p:stCondLst>
+                                  <p:childTnLst>
+                                    <p:set>
+                                      <p:cBhvr>
+                                        <p:cTn id="6" dur="1" fill="hold">
+                                          <p:stCondLst>
+                                            <p:cond delay="0"/>
+                                          </p:stCondLst>
+                                        </p:cTn>
+                                        <p:tgtEl>
+                                          <p:spTgt spid="12">
+                                            <p:txEl>
+                                              <p:pRg st="1" end="1"/>
+                                            </p:txEl>
+                                          </p:spTgt>
+                                        </p:tgtEl>
+                                        <p:attrNameLst>
+                                          <p:attrName>style.visibility</p:attrName>
+                                        </p:attrNameLst>
+                                      </p:cBhvr>
+                                      <p:to>
+                                        <p:strVal val="visible"/>
+                                      </p:to>
+                                    </p:set>
+                                    <p:animEffect transition="in" filter="strips(downLeft)">
+                                      <p:cBhvr>
+                                        <p:cTn id="7" dur="500"/>
+                                        <p:tgtEl>
+                                          <p:spTgt spid="12">
+                                            <p:txEl>
+                                              <p:pRg st="1" end="1"/>
+                                            </p:txEl>
+                                          </p:spTgt>
+                                        </p:tgtEl>
+                                      </p:cBhvr>
+                                    </p:animEffect>
+                                  </p:childTnLst>
+                                </p:cTn>
+                              </p:par>
+                            </p:childTnLst>
+                          </p:cTn>
+                        </p:par>
+                      </p:childTnLst>
+                    </p:cTn>
+                  </p:par>
+                  <p:par>
+                    <p:cTn id="8" fill="hold">
+                      <p:stCondLst>
+                        <p:cond delay="indefinite"/>
+                      </p:stCondLst>
+                      <p:childTnLst>
+                        <p:par>
+                          <p:cTn id="9" fill="hold">
+                            <p:stCondLst>
+                              <p:cond delay="0"/>
+                            </p:stCondLst>
+                            <p:childTnLst>
+                              <p:par>
+                                <p:cTn id="10" presetID="18" presetClass="entr" presetSubtype="12" fill="hold" grpId="0" nodeType="clickEffect">
+                                  <p:stCondLst>
+                                    <p:cond delay="0"/>
+                                  </p:stCondLst>
+                                  <p:childTnLst>
+                                    <p:set>
+                                      <p:cBhvr>
+                                        <p:cTn id="11" dur="1" fill="hold">
+                                          <p:stCondLst>
+                                            <p:cond delay="0"/>
+                                          </p:stCondLst>
+                                        </p:cTn>
+                                        <p:tgtEl>
+                                          <p:spTgt spid="12">
+                                            <p:txEl>
+                                              <p:pRg st="2" end="2"/>
+                                            </p:txEl>
+                                          </p:spTgt>
+                                        </p:tgtEl>
+                                        <p:attrNameLst>
+                                          <p:attrName>style.visibility</p:attrName>
+                                        </p:attrNameLst>
+                                      </p:cBhvr>
+                                      <p:to>
+                                        <p:strVal val="visible"/>
+                                      </p:to>
+                                    </p:set>
+                                    <p:animEffect transition="in" filter="strips(downLeft)">
+                                      <p:cBhvr>
+                                        <p:cTn id="12" dur="500"/>
+                                        <p:tgtEl>
+                                          <p:spTgt spid="12">
+                                            <p:txEl>
+                                              <p:pRg st="2" end="2"/>
+                                            </p:txEl>
+                                          </p:spTgt>
+                                        </p:tgtEl>
+                                      </p:cBhvr>
+                                    </p:animEffect>
+                                  </p:childTnLst>
+                                </p:cTn>
+                              </p:par>
+                            </p:childTnLst>
+                          </p:cTn>
+                        </p:par>
+                      </p:childTnLst>
+                    </p:cTn>
+                  </p:par>
+                  <p:par>
+                    <p:cTn id="13" fill="hold">
+                      <p:stCondLst>
+                        <p:cond delay="indefinite"/>
+                      </p:stCondLst>
+                      <p:childTnLst>
+                        <p:par>
+                          <p:cTn id="14" fill="hold">
+                            <p:stCondLst>
+                              <p:cond delay="0"/>
+                            </p:stCondLst>
+                            <p:childTnLst>
+                              <p:par>
+                                <p:cTn id="15" presetID="18" presetClass="entr" presetSubtype="12" fill="hold" grpId="0" nodeType="clickEffect">
+                                  <p:stCondLst>
+                                    <p:cond delay="0"/>
+                                  </p:stCondLst>
+                                  <p:childTnLst>
+                                    <p:set>
+                                      <p:cBhvr>
+                                        <p:cTn id="16" dur="1" fill="hold">
+                                          <p:stCondLst>
+                                            <p:cond delay="0"/>
+                                          </p:stCondLst>
+                                        </p:cTn>
+                                        <p:tgtEl>
+                                          <p:spTgt spid="12">
+                                            <p:txEl>
+                                              <p:pRg st="3" end="3"/>
+                                            </p:txEl>
+                                          </p:spTgt>
+                                        </p:tgtEl>
+                                        <p:attrNameLst>
+                                          <p:attrName>style.visibility</p:attrName>
+                                        </p:attrNameLst>
+                                      </p:cBhvr>
+                                      <p:to>
+                                        <p:strVal val="visible"/>
+                                      </p:to>
+                                    </p:set>
+                                    <p:animEffect transition="in" filter="strips(downLeft)">
+                                      <p:cBhvr>
+                                        <p:cTn id="17" dur="500"/>
+                                        <p:tgtEl>
+                                          <p:spTgt spid="12">
+                                            <p:txEl>
+                                              <p:pRg st="3" end="3"/>
+                                            </p:txEl>
+                                          </p:spTgt>
+                                        </p:tgtEl>
+                                      </p:cBhvr>
+                                    </p:animEffect>
+                                  </p:childTnLst>
+                                </p:cTn>
+                              </p:par>
+                            </p:childTnLst>
+                          </p:cTn>
+                        </p:par>
+                      </p:childTnLst>
+                    </p:cTn>
+                  </p:par>
+                </p:childTnLst>
+              </p:cTn>
+              <p:prevCondLst>
+                <p:cond evt="onPrev" delay="0">
+                  <p:tgtEl>
+                    <p:sldTgt/>
+                  </p:tgtEl>
+                </p:cond>
+              </p:prevCondLst>
+              <p:nextCondLst>
+                <p:cond evt="onNext" delay="0">
+                  <p:tgtEl>
+                    <p:sldTgt/>
+                  </p:tgtEl>
+                </p:cond>
+              </p:nextCondLst>
+            </p:seq>
+          </p:childTnLst>
+        </p:cTn>
+      </p:par>
+    </p:tnLst>
+    <p:bldLst>
+      <p:bldP spid="12" grpId="0" uiExpand="1" build="p"/>
+    </p:bldLst>
+  </p:timing>
+</p:sld>
+</file>
+
+<file path=ppt/slides/slide18.xml><?xml version="1.0" encoding="utf-8"?>
+<p:sld xmlns:a="http://schemas.openxmlformats.org/drawingml/2006/main" xmlns:r="http://schemas.openxmlformats.org/officeDocument/2006/relationships" xmlns:p="http://schemas.openxmlformats.org/presentationml/2006/main">
+  <p:cSld>
+    <p:spTree>
+      <p:nvGrpSpPr>
+        <p:cNvPr id="1" name=""/>
+        <p:cNvGrpSpPr/>
+        <p:nvPr/>
+      </p:nvGrpSpPr>
+      <p:grpSpPr>
+        <a:xfrm>
+          <a:off x="0" y="0"/>
+          <a:ext cx="0" cy="0"/>
+          <a:chOff x="0" y="0"/>
+          <a:chExt cx="0" cy="0"/>
+        </a:xfrm>
+      </p:grpSpPr>
+      <p:sp>
+        <p:nvSpPr>
+          <p:cNvPr id="2" name="タイトル 1"/>
+          <p:cNvSpPr>
+            <a:spLocks noGrp="1"/>
+          </p:cNvSpPr>
+          <p:nvPr>
+            <p:ph type="title"/>
+          </p:nvPr>
+        </p:nvSpPr>
+        <p:spPr>
+          <a:xfrm>
+            <a:off x="179512" y="555525"/>
+            <a:ext cx="2448272" cy="507703"/>
+          </a:xfrm>
+        </p:spPr>
+        <p:txBody>
+          <a:bodyPr>
+            <a:normAutofit fontScale="90000"/>
+          </a:bodyPr>
+          <a:lstStyle/>
+          <a:p>
+            <a:pPr algn="l"/>
+            <a:r>
+              <a:rPr kumimoji="1" lang="en-US" altLang="ja-JP" dirty="0" smtClean="0">
+                <a:latin typeface="Segoe UI" pitchFamily="34" charset="0"/>
+                <a:ea typeface="Segoe UI" pitchFamily="34" charset="0"/>
+                <a:cs typeface="Segoe UI" pitchFamily="34" charset="0"/>
+              </a:rPr>
+              <a:t>Contents</a:t>
+            </a:r>
+            <a:endParaRPr kumimoji="1" lang="ja-JP" altLang="en-US" dirty="0">
+              <a:latin typeface="Segoe UI" pitchFamily="34" charset="0"/>
+              <a:ea typeface="Meiryo UI" pitchFamily="50" charset="-128"/>
+              <a:cs typeface="Segoe UI" pitchFamily="34" charset="0"/>
+            </a:endParaRPr>
+          </a:p>
+        </p:txBody>
+      </p:sp>
+      <p:sp>
+        <p:nvSpPr>
+          <p:cNvPr id="3" name="コンテンツ プレースホルダ 2"/>
+          <p:cNvSpPr>
+            <a:spLocks noGrp="1"/>
+          </p:cNvSpPr>
+          <p:nvPr>
+            <p:ph idx="1"/>
+          </p:nvPr>
+        </p:nvSpPr>
+        <p:spPr>
+          <a:xfrm>
+            <a:off x="4345632" y="1203597"/>
+            <a:ext cx="6131024" cy="3391025"/>
+          </a:xfrm>
+        </p:spPr>
+        <p:txBody>
+          <a:bodyPr/>
+          <a:lstStyle/>
+          <a:p>
+            <a:pPr algn="just">
+              <a:buNone/>
+            </a:pPr>
+            <a:r>
+              <a:rPr kumimoji="1" lang="en-US" altLang="ja-JP" dirty="0" smtClean="0"/>
+              <a:t>1.</a:t>
+            </a:r>
+            <a:r>
+              <a:rPr lang="ja-JP" altLang="en-US" dirty="0" smtClean="0"/>
+              <a:t>入社からこれまで</a:t>
+            </a:r>
+            <a:endParaRPr lang="en-US" altLang="ja-JP" dirty="0" smtClean="0"/>
+          </a:p>
+          <a:p>
+            <a:pPr algn="just">
+              <a:buNone/>
+            </a:pPr>
+            <a:endParaRPr kumimoji="1" lang="en-US" altLang="ja-JP" dirty="0" smtClean="0"/>
+          </a:p>
+          <a:p>
+            <a:pPr algn="just">
+              <a:buNone/>
+            </a:pPr>
+            <a:r>
+              <a:rPr lang="en-US" altLang="ja-JP" dirty="0" smtClean="0"/>
+              <a:t>2.</a:t>
+            </a:r>
+            <a:r>
+              <a:rPr lang="ja-JP" altLang="en-US" dirty="0" smtClean="0"/>
+              <a:t>学んだこと</a:t>
+            </a:r>
+            <a:endParaRPr lang="en-US" altLang="ja-JP" dirty="0" smtClean="0"/>
+          </a:p>
+          <a:p>
+            <a:pPr algn="just">
+              <a:buNone/>
+            </a:pPr>
+            <a:endParaRPr lang="en-US" altLang="ja-JP" dirty="0" smtClean="0"/>
+          </a:p>
+          <a:p>
+            <a:pPr algn="just">
+              <a:buNone/>
+            </a:pPr>
+            <a:r>
+              <a:rPr kumimoji="1" lang="en-US" altLang="ja-JP" dirty="0" smtClean="0"/>
+              <a:t>3.</a:t>
+            </a:r>
+            <a:r>
+              <a:rPr kumimoji="1" lang="ja-JP" altLang="en-US" dirty="0" smtClean="0"/>
+              <a:t>これからのこと</a:t>
+            </a:r>
+            <a:endParaRPr kumimoji="1" lang="en-US" altLang="ja-JP" dirty="0" smtClean="0"/>
+          </a:p>
+        </p:txBody>
+      </p:sp>
+      <p:sp>
+        <p:nvSpPr>
+          <p:cNvPr id="4" name="日付プレースホルダ 3"/>
+          <p:cNvSpPr>
+            <a:spLocks noGrp="1"/>
+          </p:cNvSpPr>
+          <p:nvPr>
+            <p:ph type="dt" sz="half" idx="10"/>
+          </p:nvPr>
+        </p:nvSpPr>
+        <p:spPr/>
+        <p:txBody>
+          <a:bodyPr/>
+          <a:lstStyle/>
+          <a:p>
+            <a:fld id="{FC7AB2BD-E9B7-45BF-89F9-A3C60FAD2BB8}" type="datetime2">
+              <a:rPr lang="en-US" altLang="ja-JP" smtClean="0"/>
+              <a:pPr/>
+              <a:t>Tuesday, September 30, 2014</a:t>
+            </a:fld>
+            <a:endParaRPr lang="ja-JP" altLang="en-US" dirty="0"/>
+          </a:p>
+        </p:txBody>
+      </p:sp>
+      <p:sp>
+        <p:nvSpPr>
+          <p:cNvPr id="5" name="正方形/長方形 4"/>
+          <p:cNvSpPr/>
+          <p:nvPr/>
+        </p:nvSpPr>
+        <p:spPr>
+          <a:xfrm>
+            <a:off x="0" y="1059582"/>
+            <a:ext cx="2555776" cy="72008"/>
+          </a:xfrm>
+          <a:prstGeom prst="rect">
+            <a:avLst/>
+          </a:prstGeom>
+          <a:solidFill>
+            <a:schemeClr val="accent1">
+              <a:lumMod val="75000"/>
+            </a:schemeClr>
+          </a:solidFill>
+          <a:ln>
+            <a:noFill/>
+          </a:ln>
+        </p:spPr>
+        <p:style>
+          <a:lnRef idx="2">
+            <a:schemeClr val="accent1">
+              <a:shade val="50000"/>
+            </a:schemeClr>
+          </a:lnRef>
+          <a:fillRef idx="1">
+            <a:schemeClr val="accent1"/>
+          </a:fillRef>
+          <a:effectRef idx="0">
+            <a:schemeClr val="accent1"/>
+          </a:effectRef>
+          <a:fontRef idx="minor">
+            <a:schemeClr val="lt1"/>
+          </a:fontRef>
+        </p:style>
+        <p:txBody>
+          <a:bodyPr rtlCol="0" anchor="ctr"/>
+          <a:lstStyle/>
+          <a:p>
+            <a:pPr algn="ctr"/>
+            <a:endParaRPr kumimoji="1" lang="ja-JP" altLang="en-US"/>
+          </a:p>
+        </p:txBody>
+      </p:sp>
+      <p:grpSp>
+        <p:nvGrpSpPr>
+          <p:cNvPr id="6" name="グループ化 11"/>
+          <p:cNvGrpSpPr/>
+          <p:nvPr/>
+        </p:nvGrpSpPr>
+        <p:grpSpPr>
+          <a:xfrm>
+            <a:off x="4211960" y="1707654"/>
+            <a:ext cx="4943542" cy="2376264"/>
+            <a:chOff x="4211960" y="1707654"/>
+            <a:chExt cx="4943542" cy="2376264"/>
+          </a:xfrm>
+        </p:grpSpPr>
+        <p:sp>
+          <p:nvSpPr>
+            <p:cNvPr id="7" name="正方形/長方形 6"/>
+            <p:cNvSpPr/>
+            <p:nvPr/>
+          </p:nvSpPr>
+          <p:spPr>
+            <a:xfrm>
+              <a:off x="4211960" y="1707654"/>
+              <a:ext cx="4943542" cy="72008"/>
+            </a:xfrm>
+            <a:prstGeom prst="rect">
+              <a:avLst/>
+            </a:prstGeom>
+            <a:solidFill>
+              <a:schemeClr val="tx2">
+                <a:lumMod val="75000"/>
+              </a:schemeClr>
+            </a:solidFill>
+            <a:ln>
+              <a:noFill/>
+            </a:ln>
+          </p:spPr>
+          <p:style>
+            <a:lnRef idx="2">
+              <a:schemeClr val="accent1">
+                <a:shade val="50000"/>
+              </a:schemeClr>
+            </a:lnRef>
+            <a:fillRef idx="1">
+              <a:schemeClr val="accent1"/>
+            </a:fillRef>
+            <a:effectRef idx="0">
+              <a:schemeClr val="accent1"/>
+            </a:effectRef>
+            <a:fontRef idx="minor">
+              <a:schemeClr val="lt1"/>
+            </a:fontRef>
+          </p:style>
+          <p:txBody>
+            <a:bodyPr rtlCol="0" anchor="ctr"/>
+            <a:lstStyle/>
+            <a:p>
+              <a:pPr algn="ctr"/>
+              <a:endParaRPr kumimoji="1" lang="ja-JP" altLang="en-US"/>
+            </a:p>
+          </p:txBody>
+        </p:sp>
+        <p:sp>
+          <p:nvSpPr>
+            <p:cNvPr id="8" name="正方形/長方形 7"/>
+            <p:cNvSpPr/>
+            <p:nvPr/>
+          </p:nvSpPr>
+          <p:spPr>
+            <a:xfrm>
+              <a:off x="4211960" y="4011910"/>
+              <a:ext cx="4943542" cy="72008"/>
+            </a:xfrm>
+            <a:prstGeom prst="rect">
+              <a:avLst/>
+            </a:prstGeom>
+            <a:solidFill>
+              <a:srgbClr val="00B0F0"/>
+            </a:solidFill>
+            <a:ln>
+              <a:noFill/>
+            </a:ln>
+          </p:spPr>
+          <p:style>
+            <a:lnRef idx="2">
+              <a:schemeClr val="accent1">
+                <a:shade val="50000"/>
+              </a:schemeClr>
+            </a:lnRef>
+            <a:fillRef idx="1">
+              <a:schemeClr val="accent1"/>
+            </a:fillRef>
+            <a:effectRef idx="0">
+              <a:schemeClr val="accent1"/>
+            </a:effectRef>
+            <a:fontRef idx="minor">
+              <a:schemeClr val="lt1"/>
+            </a:fontRef>
+          </p:style>
+          <p:txBody>
+            <a:bodyPr rtlCol="0" anchor="ctr"/>
+            <a:lstStyle/>
+            <a:p>
+              <a:pPr algn="ctr"/>
+              <a:endParaRPr kumimoji="1" lang="ja-JP" altLang="en-US"/>
+            </a:p>
+          </p:txBody>
+        </p:sp>
+        <p:sp>
+          <p:nvSpPr>
+            <p:cNvPr id="9" name="正方形/長方形 8"/>
+            <p:cNvSpPr/>
+            <p:nvPr/>
+          </p:nvSpPr>
+          <p:spPr>
+            <a:xfrm>
+              <a:off x="4211960" y="2859782"/>
+              <a:ext cx="4943542" cy="72008"/>
+            </a:xfrm>
+            <a:prstGeom prst="rect">
+              <a:avLst/>
+            </a:prstGeom>
+            <a:solidFill>
+              <a:schemeClr val="tx2">
+                <a:lumMod val="75000"/>
+              </a:schemeClr>
+            </a:solidFill>
+            <a:ln>
+              <a:noFill/>
+            </a:ln>
+          </p:spPr>
+          <p:style>
+            <a:lnRef idx="2">
+              <a:schemeClr val="accent1">
+                <a:shade val="50000"/>
+              </a:schemeClr>
+            </a:lnRef>
+            <a:fillRef idx="1">
+              <a:schemeClr val="accent1"/>
+            </a:fillRef>
+            <a:effectRef idx="0">
+              <a:schemeClr val="accent1"/>
+            </a:effectRef>
+            <a:fontRef idx="minor">
+              <a:schemeClr val="lt1"/>
+            </a:fontRef>
+          </p:style>
+          <p:txBody>
+            <a:bodyPr rtlCol="0" anchor="ctr"/>
+            <a:lstStyle/>
+            <a:p>
+              <a:pPr algn="ctr"/>
+              <a:endParaRPr kumimoji="1" lang="ja-JP" altLang="en-US"/>
+            </a:p>
+          </p:txBody>
+        </p:sp>
+      </p:grpSp>
+    </p:spTree>
+  </p:cSld>
+  <p:clrMapOvr>
+    <a:masterClrMapping/>
+  </p:clrMapOvr>
+  <p:timing>
+    <p:tnLst>
+      <p:par>
+        <p:cTn id="1" dur="indefinite" restart="never" nodeType="tmRoot"/>
+      </p:par>
+    </p:tnLst>
+  </p:timing>
+</p:sld>
+</file>
+
+<file path=ppt/slides/slide19.xml><?xml version="1.0" encoding="utf-8"?>
+<p:sld xmlns:a="http://schemas.openxmlformats.org/drawingml/2006/main" xmlns:r="http://schemas.openxmlformats.org/officeDocument/2006/relationships" xmlns:p="http://schemas.openxmlformats.org/presentationml/2006/main">
+  <p:cSld>
+    <p:spTree>
+      <p:nvGrpSpPr>
+        <p:cNvPr id="1" name=""/>
+        <p:cNvGrpSpPr/>
+        <p:nvPr/>
+      </p:nvGrpSpPr>
+      <p:grpSpPr>
+        <a:xfrm>
+          <a:off x="0" y="0"/>
+          <a:ext cx="0" cy="0"/>
+          <a:chOff x="0" y="0"/>
+          <a:chExt cx="0" cy="0"/>
+        </a:xfrm>
+      </p:grpSpPr>
+      <p:sp>
+        <p:nvSpPr>
+          <p:cNvPr id="4" name="日付プレースホルダ 3"/>
+          <p:cNvSpPr>
+            <a:spLocks noGrp="1"/>
+          </p:cNvSpPr>
+          <p:nvPr>
+            <p:ph type="dt" sz="half" idx="10"/>
+          </p:nvPr>
+        </p:nvSpPr>
+        <p:spPr/>
+        <p:txBody>
+          <a:bodyPr/>
+          <a:lstStyle/>
+          <a:p>
+            <a:fld id="{FC7AB2BD-E9B7-45BF-89F9-A3C60FAD2BB8}" type="datetime2">
+              <a:rPr lang="en-US" altLang="ja-JP" smtClean="0"/>
+              <a:pPr/>
+              <a:t>Tuesday, September 30, 2014</a:t>
+            </a:fld>
+            <a:endParaRPr lang="ja-JP" altLang="en-US" dirty="0"/>
+          </a:p>
+        </p:txBody>
+      </p:sp>
+      <p:sp>
+        <p:nvSpPr>
+          <p:cNvPr id="5" name="正方形/長方形 4"/>
+          <p:cNvSpPr/>
+          <p:nvPr/>
+        </p:nvSpPr>
+        <p:spPr>
+          <a:xfrm>
+            <a:off x="0" y="1059582"/>
+            <a:ext cx="3563888" cy="72008"/>
+          </a:xfrm>
+          <a:prstGeom prst="rect">
+            <a:avLst/>
+          </a:prstGeom>
+          <a:solidFill>
+            <a:schemeClr val="accent1">
+              <a:lumMod val="75000"/>
+            </a:schemeClr>
+          </a:solidFill>
+          <a:ln>
+            <a:noFill/>
+          </a:ln>
+        </p:spPr>
+        <p:style>
+          <a:lnRef idx="2">
+            <a:schemeClr val="accent1">
+              <a:shade val="50000"/>
+            </a:schemeClr>
+          </a:lnRef>
+          <a:fillRef idx="1">
+            <a:schemeClr val="accent1"/>
+          </a:fillRef>
+          <a:effectRef idx="0">
+            <a:schemeClr val="accent1"/>
+          </a:effectRef>
+          <a:fontRef idx="minor">
+            <a:schemeClr val="lt1"/>
+          </a:fontRef>
+        </p:style>
+        <p:txBody>
+          <a:bodyPr rtlCol="0" anchor="ctr"/>
+          <a:lstStyle/>
+          <a:p>
+            <a:pPr algn="ctr"/>
+            <a:endParaRPr kumimoji="1" lang="ja-JP" altLang="en-US"/>
+          </a:p>
+        </p:txBody>
+      </p:sp>
+      <p:sp>
+        <p:nvSpPr>
+          <p:cNvPr id="12" name="コンテンツ プレースホルダ 11"/>
+          <p:cNvSpPr>
+            <a:spLocks noGrp="1"/>
+          </p:cNvSpPr>
+          <p:nvPr>
+            <p:ph idx="1"/>
+          </p:nvPr>
+        </p:nvSpPr>
+        <p:spPr>
+          <a:xfrm>
+            <a:off x="457200" y="1625550"/>
+            <a:ext cx="8229600" cy="3394472"/>
+          </a:xfrm>
+        </p:spPr>
+        <p:txBody>
+          <a:bodyPr/>
+          <a:lstStyle/>
+          <a:p>
+            <a:pPr algn="ctr">
+              <a:buNone/>
+            </a:pPr>
+            <a:r>
+              <a:rPr kumimoji="1" lang="ja-JP" altLang="en-US" sz="5400" b="1" dirty="0" smtClean="0"/>
+              <a:t>武器を作る！</a:t>
+            </a:r>
+            <a:endParaRPr kumimoji="1" lang="en-US" altLang="ja-JP" sz="5400" b="1" dirty="0" smtClean="0"/>
+          </a:p>
+          <a:p>
+            <a:pPr algn="ctr"/>
+            <a:endParaRPr lang="en-US" altLang="ja-JP" dirty="0" smtClean="0"/>
+          </a:p>
+          <a:p>
+            <a:pPr algn="ctr">
+              <a:buNone/>
+            </a:pPr>
+            <a:r>
+              <a:rPr kumimoji="1" lang="ja-JP" altLang="en-US" sz="4400" b="1" dirty="0" smtClean="0"/>
+              <a:t>ニックさんの負担を減らす！</a:t>
+            </a:r>
+            <a:endParaRPr kumimoji="1" lang="en-US" altLang="ja-JP" sz="4400" b="1" dirty="0" smtClean="0"/>
+          </a:p>
+        </p:txBody>
+      </p:sp>
+      <p:sp>
+        <p:nvSpPr>
+          <p:cNvPr id="6" name="タイトル 1"/>
+          <p:cNvSpPr txBox="1">
+            <a:spLocks/>
+          </p:cNvSpPr>
+          <p:nvPr/>
+        </p:nvSpPr>
+        <p:spPr>
+          <a:xfrm>
+            <a:off x="179512" y="555525"/>
+            <a:ext cx="3384376" cy="507703"/>
+          </a:xfrm>
+          <a:prstGeom prst="rect">
+            <a:avLst/>
+          </a:prstGeom>
+        </p:spPr>
+        <p:txBody>
+          <a:bodyPr vert="horz" lIns="91440" tIns="45720" rIns="91440" bIns="45720" rtlCol="0" anchor="ctr">
+            <a:noAutofit/>
+          </a:bodyPr>
+          <a:lstStyle/>
+          <a:p>
+            <a:pPr lvl="0">
+              <a:spcBef>
+                <a:spcPct val="0"/>
+              </a:spcBef>
+            </a:pPr>
+            <a:r>
+              <a:rPr lang="en-US" altLang="ja-JP" sz="2800" dirty="0" smtClean="0"/>
+              <a:t>3.</a:t>
+            </a:r>
+            <a:r>
+              <a:rPr lang="ja-JP" altLang="en-US" sz="2800" dirty="0" smtClean="0"/>
+              <a:t>これからのこと</a:t>
+            </a:r>
+            <a:endParaRPr kumimoji="1" lang="ja-JP" altLang="en-US" sz="2800" b="0" i="0" u="none" strike="noStrike" kern="1200" cap="none" spc="0" normalizeH="0" baseline="0" noProof="0" dirty="0">
+              <a:ln>
+                <a:noFill/>
+              </a:ln>
+              <a:solidFill>
+                <a:schemeClr val="tx1"/>
+              </a:solidFill>
+              <a:effectLst/>
+              <a:uLnTx/>
+              <a:uFillTx/>
+              <a:latin typeface="+mj-lt"/>
+              <a:ea typeface="+mj-ea"/>
+              <a:cs typeface="+mj-cs"/>
+            </a:endParaRPr>
           </a:p>
         </p:txBody>
       </p:sp>
@@ -5735,48 +8932,33 @@
               <a:rPr lang="ja-JP" altLang="en-US" dirty="0" smtClean="0"/>
               <a:t>入社からこれまで</a:t>
             </a:r>
-            <a:endParaRPr kumimoji="1" lang="en-US" altLang="ja-JP" dirty="0" smtClean="0"/>
+            <a:endParaRPr lang="en-US" altLang="ja-JP" dirty="0" smtClean="0"/>
           </a:p>
           <a:p>
             <a:pPr algn="just">
               <a:buNone/>
             </a:pPr>
-            <a:r>
-              <a:rPr lang="en-US" altLang="ja-JP" dirty="0" smtClean="0"/>
-              <a:t>2.</a:t>
-            </a:r>
-            <a:r>
-              <a:rPr lang="ja-JP" altLang="en-US" dirty="0" smtClean="0"/>
-              <a:t>覚えたこと</a:t>
-            </a:r>
-            <a:endParaRPr lang="en-US" altLang="ja-JP" dirty="0" smtClean="0"/>
+            <a:endParaRPr kumimoji="1" lang="en-US" altLang="ja-JP" dirty="0" smtClean="0"/>
           </a:p>
           <a:p>
             <a:pPr algn="just">
               <a:buNone/>
             </a:pPr>
             <a:r>
-              <a:rPr kumimoji="1" lang="en-US" altLang="ja-JP" dirty="0" smtClean="0"/>
-              <a:t>3.</a:t>
-            </a:r>
-            <a:r>
-              <a:rPr kumimoji="1" lang="ja-JP" altLang="en-US" dirty="0" smtClean="0"/>
-              <a:t>これからのこと</a:t>
-            </a:r>
-            <a:endParaRPr kumimoji="1" lang="en-US" altLang="ja-JP" dirty="0" smtClean="0"/>
+              <a:rPr lang="en-US" altLang="ja-JP" dirty="0" smtClean="0"/>
+              <a:t>2.</a:t>
+            </a:r>
+            <a:r>
+              <a:rPr lang="ja-JP" altLang="en-US" dirty="0" smtClean="0"/>
+              <a:t>学んだこと</a:t>
+            </a:r>
+            <a:endParaRPr lang="en-US" altLang="ja-JP" dirty="0" smtClean="0"/>
           </a:p>
           <a:p>
             <a:pPr algn="just">
               <a:buNone/>
             </a:pPr>
-            <a:r>
-              <a:rPr lang="en-US" altLang="ja-JP" dirty="0" smtClean="0"/>
-              <a:t>4</a:t>
-            </a:r>
-            <a:r>
-              <a:rPr lang="en-US" altLang="ja-JP" dirty="0" smtClean="0"/>
-              <a:t>.</a:t>
-            </a:r>
+            <a:endParaRPr lang="en-US" altLang="ja-JP" dirty="0" smtClean="0"/>
           </a:p>
           <a:p>
             <a:pPr algn="just">
@@ -5784,9 +8966,13 @@
             </a:pPr>
             <a:r>
               <a:rPr kumimoji="1" lang="en-US" altLang="ja-JP" dirty="0" smtClean="0"/>
-              <a:t>5.</a:t>
-            </a:r>
-            <a:endParaRPr kumimoji="1" lang="ja-JP" altLang="en-US" dirty="0"/>
+              <a:t>3.</a:t>
+            </a:r>
+            <a:r>
+              <a:rPr kumimoji="1" lang="ja-JP" altLang="en-US" dirty="0" smtClean="0"/>
+              <a:t>これからのこと</a:t>
+            </a:r>
+            <a:endParaRPr kumimoji="1" lang="en-US" altLang="ja-JP" dirty="0" smtClean="0"/>
           </a:p>
         </p:txBody>
       </p:sp>
@@ -5808,7 +8994,7 @@
             <a:fld id="{FC7AB2BD-E9B7-45BF-89F9-A3C60FAD2BB8}" type="datetime2">
               <a:rPr lang="en-US" altLang="ja-JP" smtClean="0"/>
               <a:pPr/>
-              <a:t>Monday, September 29, 2014</a:t>
+              <a:t>Tuesday, September 30, 2014</a:t>
             </a:fld>
             <a:endParaRPr lang="ja-JP" altLang="en-US" dirty="0"/>
           </a:p>
@@ -5930,7 +9116,7 @@
           </p:nvSpPr>
           <p:spPr>
             <a:xfrm>
-              <a:off x="4211960" y="2283718"/>
+              <a:off x="4211960" y="4011910"/>
               <a:ext cx="4943542" cy="72008"/>
             </a:xfrm>
             <a:prstGeom prst="rect">
@@ -6018,103 +9204,93 @@
             </a:p>
           </p:txBody>
         </p:sp>
-        <p:sp>
-          <p:nvSpPr>
-            <p:cNvPr id="10" name="正方形/長方形 9"/>
-            <p:cNvSpPr/>
-            <p:nvPr/>
-          </p:nvSpPr>
-          <p:spPr>
-            <a:xfrm>
-              <a:off x="4211960" y="3435846"/>
-              <a:ext cx="4943542" cy="72008"/>
-            </a:xfrm>
-            <a:prstGeom prst="rect">
-              <a:avLst/>
-            </a:prstGeom>
-            <a:solidFill>
-              <a:schemeClr val="tx2">
-                <a:lumMod val="75000"/>
-              </a:schemeClr>
-            </a:solidFill>
-            <a:ln>
-              <a:noFill/>
-            </a:ln>
-          </p:spPr>
-          <p:style>
-            <a:lnRef idx="2">
-              <a:schemeClr val="accent1">
-                <a:shade val="50000"/>
-              </a:schemeClr>
-            </a:lnRef>
-            <a:fillRef idx="1">
-              <a:schemeClr val="accent1"/>
-            </a:fillRef>
-            <a:effectRef idx="0">
-              <a:schemeClr val="accent1"/>
-            </a:effectRef>
-            <a:fontRef idx="minor">
-              <a:schemeClr val="lt1"/>
-            </a:fontRef>
-          </p:style>
-          <p:txBody>
-            <a:bodyPr rtlCol="0" anchor="ctr"/>
-            <a:lstStyle/>
-            <a:p>
-              <a:pPr algn="ctr"/>
-              <a:endParaRPr kumimoji="1" lang="ja-JP" altLang="en-US"/>
-            </a:p>
-          </p:txBody>
-        </p:sp>
-        <p:sp>
-          <p:nvSpPr>
-            <p:cNvPr id="11" name="正方形/長方形 10"/>
-            <p:cNvSpPr/>
-            <p:nvPr/>
-          </p:nvSpPr>
-          <p:spPr>
-            <a:xfrm>
-              <a:off x="4211960" y="4011910"/>
-              <a:ext cx="4943542" cy="72008"/>
-            </a:xfrm>
-            <a:prstGeom prst="rect">
-              <a:avLst/>
-            </a:prstGeom>
-            <a:solidFill>
-              <a:schemeClr val="tx2">
-                <a:lumMod val="75000"/>
-              </a:schemeClr>
-            </a:solidFill>
-            <a:ln>
-              <a:noFill/>
-            </a:ln>
-          </p:spPr>
-          <p:style>
-            <a:lnRef idx="2">
-              <a:schemeClr val="accent1">
-                <a:shade val="50000"/>
-              </a:schemeClr>
-            </a:lnRef>
-            <a:fillRef idx="1">
-              <a:schemeClr val="accent1"/>
-            </a:fillRef>
-            <a:effectRef idx="0">
-              <a:schemeClr val="accent1"/>
-            </a:effectRef>
-            <a:fontRef idx="minor">
-              <a:schemeClr val="lt1"/>
-            </a:fontRef>
-          </p:style>
-          <p:txBody>
-            <a:bodyPr rtlCol="0" anchor="ctr"/>
-            <a:lstStyle/>
-            <a:p>
-              <a:pPr algn="ctr"/>
-              <a:endParaRPr kumimoji="1" lang="ja-JP" altLang="en-US"/>
-            </a:p>
-          </p:txBody>
-        </p:sp>
       </p:grpSp>
+    </p:spTree>
+  </p:cSld>
+  <p:clrMapOvr>
+    <a:masterClrMapping/>
+  </p:clrMapOvr>
+  <p:timing>
+    <p:tnLst>
+      <p:par>
+        <p:cTn id="1" dur="indefinite" restart="never" nodeType="tmRoot"/>
+      </p:par>
+    </p:tnLst>
+  </p:timing>
+</p:sld>
+</file>
+
+<file path=ppt/slides/slide20.xml><?xml version="1.0" encoding="utf-8"?>
+<p:sld xmlns:a="http://schemas.openxmlformats.org/drawingml/2006/main" xmlns:r="http://schemas.openxmlformats.org/officeDocument/2006/relationships" xmlns:p="http://schemas.openxmlformats.org/presentationml/2006/main">
+  <p:cSld>
+    <p:spTree>
+      <p:nvGrpSpPr>
+        <p:cNvPr id="1" name=""/>
+        <p:cNvGrpSpPr/>
+        <p:nvPr/>
+      </p:nvGrpSpPr>
+      <p:grpSpPr>
+        <a:xfrm>
+          <a:off x="0" y="0"/>
+          <a:ext cx="0" cy="0"/>
+          <a:chOff x="0" y="0"/>
+          <a:chExt cx="0" cy="0"/>
+        </a:xfrm>
+      </p:grpSpPr>
+      <p:sp>
+        <p:nvSpPr>
+          <p:cNvPr id="2" name="タイトル 1"/>
+          <p:cNvSpPr>
+            <a:spLocks noGrp="1"/>
+          </p:cNvSpPr>
+          <p:nvPr>
+            <p:ph type="title"/>
+          </p:nvPr>
+        </p:nvSpPr>
+        <p:spPr>
+          <a:xfrm>
+            <a:off x="457200" y="2280071"/>
+            <a:ext cx="8229600" cy="507703"/>
+          </a:xfrm>
+        </p:spPr>
+        <p:txBody>
+          <a:bodyPr>
+            <a:normAutofit fontScale="90000"/>
+          </a:bodyPr>
+          <a:lstStyle/>
+          <a:p>
+            <a:r>
+              <a:rPr kumimoji="1" lang="ja-JP" altLang="en-US" sz="4800" b="1" dirty="0" smtClean="0"/>
+              <a:t>ご静聴ありがとうございました。</a:t>
+            </a:r>
+            <a:endParaRPr kumimoji="1" lang="ja-JP" altLang="en-US" sz="4800" b="1" dirty="0"/>
+          </a:p>
+        </p:txBody>
+      </p:sp>
+      <p:sp>
+        <p:nvSpPr>
+          <p:cNvPr id="4" name="日付プレースホルダ 3"/>
+          <p:cNvSpPr>
+            <a:spLocks noGrp="1"/>
+          </p:cNvSpPr>
+          <p:nvPr>
+            <p:ph type="dt" sz="half" idx="10"/>
+          </p:nvPr>
+        </p:nvSpPr>
+        <p:spPr/>
+        <p:txBody>
+          <a:bodyPr/>
+          <a:lstStyle/>
+          <a:p>
+            <a:fld id="{FC7AB2BD-E9B7-45BF-89F9-A3C60FAD2BB8}" type="datetime2">
+              <a:rPr lang="en-US" altLang="ja-JP" smtClean="0"/>
+              <a:pPr/>
+              <a:t>Tuesday, September 30, 2014</a:t>
+            </a:fld>
+            <a:endParaRPr lang="ja-JP" altLang="en-US" dirty="0"/>
+          </a:p>
+        </p:txBody>
+      </p:sp>
     </p:spTree>
   </p:cSld>
   <p:clrMapOvr>
@@ -6176,15 +9352,7 @@
             </a:r>
             <a:r>
               <a:rPr lang="ja-JP" altLang="en-US" sz="2800" dirty="0" smtClean="0"/>
-              <a:t>入社</a:t>
-            </a:r>
-            <a:r>
-              <a:rPr lang="ja-JP" altLang="en-US" sz="2800" dirty="0" smtClean="0"/>
-              <a:t>からこれ</a:t>
-            </a:r>
-            <a:r>
-              <a:rPr lang="ja-JP" altLang="en-US" sz="2800" dirty="0" smtClean="0"/>
-              <a:t>まで</a:t>
+              <a:t>入社からこれまで</a:t>
             </a:r>
             <a:endParaRPr kumimoji="1" lang="ja-JP" altLang="en-US" sz="2800" dirty="0"/>
           </a:p>
@@ -6208,7 +9376,7 @@
             <a:fld id="{FC7AB2BD-E9B7-45BF-89F9-A3C60FAD2BB8}" type="datetime2">
               <a:rPr lang="en-US" altLang="ja-JP" smtClean="0"/>
               <a:pPr/>
-              <a:t>Monday, September 29, 2014</a:t>
+              <a:t>Tuesday, September 30, 2014</a:t>
             </a:fld>
             <a:endParaRPr lang="ja-JP" altLang="en-US" dirty="0"/>
           </a:p>
@@ -6272,7 +9440,12 @@
             <p:ph idx="1"/>
           </p:nvPr>
         </p:nvSpPr>
-        <p:spPr/>
+        <p:spPr>
+          <a:xfrm>
+            <a:off x="457200" y="1200151"/>
+            <a:ext cx="5554960" cy="3394472"/>
+          </a:xfrm>
+        </p:spPr>
         <p:txBody>
           <a:bodyPr/>
           <a:lstStyle/>
@@ -6280,7 +9453,82 @@
             <a:pPr>
               <a:buNone/>
             </a:pPr>
-            <a:endParaRPr kumimoji="1" lang="ja-JP" altLang="en-US" dirty="0"/>
+            <a:r>
+              <a:rPr lang="ja-JP" altLang="en-US" dirty="0" smtClean="0"/>
+              <a:t>・ブロック崩し</a:t>
+            </a:r>
+            <a:endParaRPr lang="en-US" altLang="ja-JP" dirty="0" smtClean="0"/>
+          </a:p>
+          <a:p>
+            <a:pPr>
+              <a:buNone/>
+            </a:pPr>
+            <a:r>
+              <a:rPr lang="en-US" altLang="ja-JP" dirty="0" smtClean="0"/>
+              <a:t>	-</a:t>
+            </a:r>
+            <a:r>
+              <a:rPr lang="ja-JP" altLang="en-US" dirty="0" smtClean="0"/>
+              <a:t>指導者</a:t>
+            </a:r>
+            <a:r>
+              <a:rPr lang="en-US" altLang="ja-JP" dirty="0" smtClean="0"/>
+              <a:t>:</a:t>
+            </a:r>
+            <a:r>
+              <a:rPr lang="ja-JP" altLang="en-US" dirty="0" smtClean="0"/>
+              <a:t>岡田さん</a:t>
+            </a:r>
+            <a:endParaRPr lang="en-US" altLang="ja-JP" dirty="0" smtClean="0"/>
+          </a:p>
+          <a:p>
+            <a:pPr>
+              <a:buNone/>
+            </a:pPr>
+            <a:r>
+              <a:rPr kumimoji="1" lang="en-US" altLang="ja-JP" dirty="0" smtClean="0"/>
+              <a:t>	</a:t>
+            </a:r>
+          </a:p>
+          <a:p>
+            <a:pPr>
+              <a:buNone/>
+            </a:pPr>
+            <a:r>
+              <a:rPr lang="en-US" altLang="ja-JP" dirty="0" smtClean="0"/>
+              <a:t>	</a:t>
+            </a:r>
+            <a:r>
+              <a:rPr kumimoji="1" lang="en-US" altLang="ja-JP" dirty="0" smtClean="0"/>
+              <a:t>-</a:t>
+            </a:r>
+            <a:r>
+              <a:rPr kumimoji="1" lang="ja-JP" altLang="en-US" dirty="0" smtClean="0"/>
+              <a:t>期間</a:t>
+            </a:r>
+            <a:r>
+              <a:rPr kumimoji="1" lang="en-US" altLang="ja-JP" dirty="0" smtClean="0"/>
+              <a:t>:</a:t>
+            </a:r>
+            <a:r>
+              <a:rPr lang="en-US" altLang="ja-JP" dirty="0" smtClean="0"/>
+              <a:t>5</a:t>
+            </a:r>
+            <a:r>
+              <a:rPr lang="ja-JP" altLang="en-US" dirty="0" smtClean="0"/>
+              <a:t>月～６月</a:t>
+            </a:r>
+            <a:endParaRPr kumimoji="1" lang="en-US" altLang="ja-JP" dirty="0" smtClean="0"/>
+          </a:p>
+          <a:p>
+            <a:pPr>
+              <a:buNone/>
+            </a:pPr>
+            <a:r>
+              <a:rPr lang="en-US" altLang="ja-JP" dirty="0" smtClean="0"/>
+              <a:t>	</a:t>
+            </a:r>
+            <a:endParaRPr kumimoji="1" lang="en-US" altLang="ja-JP" dirty="0" smtClean="0"/>
           </a:p>
         </p:txBody>
       </p:sp>
@@ -6339,7 +9587,7 @@
                 <a:ea typeface="+mj-ea"/>
                 <a:cs typeface="+mj-cs"/>
               </a:rPr>
-              <a:t>ブロック崩し</a:t>
+              <a:t>社内研修</a:t>
             </a:r>
             <a:endParaRPr kumimoji="1" lang="ja-JP" altLang="en-US" sz="2800" b="0" i="0" u="none" strike="noStrike" kern="1200" cap="none" spc="0" normalizeH="0" baseline="0" noProof="0" dirty="0">
               <a:ln>
@@ -6404,6 +9652,58 @@
           </a:p>
         </p:txBody>
       </p:sp>
+      <p:pic>
+        <p:nvPicPr>
+          <p:cNvPr id="1028" name="Picture 4" descr="C:\Users\a-koyama\Desktop\Image\5.png"/>
+          <p:cNvPicPr>
+            <a:picLocks noChangeAspect="1" noChangeArrowheads="1"/>
+          </p:cNvPicPr>
+          <p:nvPr/>
+        </p:nvPicPr>
+        <p:blipFill>
+          <a:blip r:embed="rId2" cstate="print"/>
+          <a:srcRect/>
+          <a:stretch>
+            <a:fillRect/>
+          </a:stretch>
+        </p:blipFill>
+        <p:spPr bwMode="auto">
+          <a:xfrm>
+            <a:off x="6084168" y="1275606"/>
+            <a:ext cx="2371584" cy="1872208"/>
+          </a:xfrm>
+          <a:prstGeom prst="rect">
+            <a:avLst/>
+          </a:prstGeom>
+          <a:noFill/>
+        </p:spPr>
+      </p:pic>
+      <p:pic>
+        <p:nvPicPr>
+          <p:cNvPr id="1027" name="Picture 3" descr="C:\Users\a-koyama\Desktop\Image\6.png"/>
+          <p:cNvPicPr>
+            <a:picLocks noChangeAspect="1" noChangeArrowheads="1"/>
+          </p:cNvPicPr>
+          <p:nvPr/>
+        </p:nvPicPr>
+        <p:blipFill>
+          <a:blip r:embed="rId3" cstate="print"/>
+          <a:srcRect/>
+          <a:stretch>
+            <a:fillRect/>
+          </a:stretch>
+        </p:blipFill>
+        <p:spPr bwMode="auto">
+          <a:xfrm>
+            <a:off x="4355976" y="2499742"/>
+            <a:ext cx="2462798" cy="1944216"/>
+          </a:xfrm>
+          <a:prstGeom prst="rect">
+            <a:avLst/>
+          </a:prstGeom>
+          <a:noFill/>
+        </p:spPr>
+      </p:pic>
     </p:spTree>
   </p:cSld>
   <p:clrMapOvr>
@@ -6438,6 +9738,41 @@
       </p:grpSpPr>
       <p:sp>
         <p:nvSpPr>
+          <p:cNvPr id="2" name="タイトル 1"/>
+          <p:cNvSpPr>
+            <a:spLocks noGrp="1"/>
+          </p:cNvSpPr>
+          <p:nvPr>
+            <p:ph type="title"/>
+          </p:nvPr>
+        </p:nvSpPr>
+        <p:spPr>
+          <a:xfrm>
+            <a:off x="179512" y="555525"/>
+            <a:ext cx="3528392" cy="507703"/>
+          </a:xfrm>
+        </p:spPr>
+        <p:txBody>
+          <a:bodyPr>
+            <a:noAutofit/>
+          </a:bodyPr>
+          <a:lstStyle/>
+          <a:p>
+            <a:pPr algn="l"/>
+            <a:r>
+              <a:rPr lang="en-US" altLang="ja-JP" sz="2800" dirty="0" smtClean="0"/>
+              <a:t>1.</a:t>
+            </a:r>
+            <a:r>
+              <a:rPr lang="ja-JP" altLang="en-US" sz="2800" dirty="0" smtClean="0"/>
+              <a:t>入社からこれまで</a:t>
+            </a:r>
+            <a:endParaRPr kumimoji="1" lang="ja-JP" altLang="en-US" sz="2800" dirty="0"/>
+          </a:p>
+        </p:txBody>
+      </p:sp>
+      <p:sp>
+        <p:nvSpPr>
           <p:cNvPr id="4" name="日付プレースホルダ 3"/>
           <p:cNvSpPr>
             <a:spLocks noGrp="1"/>
@@ -6454,7 +9789,7 @@
             <a:fld id="{FC7AB2BD-E9B7-45BF-89F9-A3C60FAD2BB8}" type="datetime2">
               <a:rPr lang="en-US" altLang="ja-JP" smtClean="0"/>
               <a:pPr/>
-              <a:t>Monday, September 29, 2014</a:t>
+              <a:t>Tuesday, September 30, 2014</a:t>
             </a:fld>
             <a:endParaRPr lang="ja-JP" altLang="en-US" dirty="0"/>
           </a:p>
@@ -6518,18 +9853,34 @@
             <p:ph idx="1"/>
           </p:nvPr>
         </p:nvSpPr>
-        <p:spPr/>
+        <p:spPr>
+          <a:xfrm>
+            <a:off x="457200" y="1200151"/>
+            <a:ext cx="5554960" cy="3394472"/>
+          </a:xfrm>
+        </p:spPr>
         <p:txBody>
           <a:bodyPr/>
           <a:lstStyle/>
           <a:p>
-            <a:endParaRPr kumimoji="1" lang="ja-JP" altLang="en-US" dirty="0"/>
-          </a:p>
-        </p:txBody>
-      </p:sp>
-      <p:sp>
-        <p:nvSpPr>
-          <p:cNvPr id="6" name="タイトル 1"/>
+            <a:pPr>
+              <a:buNone/>
+            </a:pPr>
+            <a:r>
+              <a:rPr lang="ja-JP" altLang="en-US" dirty="0" smtClean="0"/>
+              <a:t>・</a:t>
+            </a:r>
+            <a:r>
+              <a:rPr lang="en-US" altLang="ja-JP" dirty="0" smtClean="0"/>
+              <a:t>	</a:t>
+            </a:r>
+            <a:endParaRPr kumimoji="1" lang="en-US" altLang="ja-JP" dirty="0" smtClean="0"/>
+          </a:p>
+        </p:txBody>
+      </p:sp>
+      <p:sp>
+        <p:nvSpPr>
+          <p:cNvPr id="13" name="タイトル 1"/>
           <p:cNvSpPr txBox="1">
             <a:spLocks/>
           </p:cNvSpPr>
@@ -6538,7 +9889,7 @@
         <p:spPr>
           <a:xfrm>
             <a:off x="5724128" y="555526"/>
-            <a:ext cx="3312368" cy="507703"/>
+            <a:ext cx="3106688" cy="507703"/>
           </a:xfrm>
           <a:prstGeom prst="rect">
             <a:avLst/>
@@ -6568,7 +9919,7 @@
               <a:defRPr/>
             </a:pPr>
             <a:r>
-              <a:rPr kumimoji="1" lang="en-US" altLang="ja-JP" sz="2800" b="0" i="0" u="none" strike="noStrike" kern="1200" cap="none" spc="0" normalizeH="0" baseline="0" noProof="0" dirty="0" smtClean="0">
+              <a:rPr kumimoji="1" lang="ja-JP" altLang="en-US" sz="2800" b="0" i="0" u="none" strike="noStrike" kern="1200" cap="none" spc="0" normalizeH="0" baseline="0" noProof="0" dirty="0" smtClean="0">
                 <a:ln>
                   <a:noFill/>
                 </a:ln>
@@ -6582,41 +9933,7 @@
                 <a:ea typeface="+mj-ea"/>
                 <a:cs typeface="+mj-cs"/>
               </a:rPr>
-              <a:t>LS4 for</a:t>
-            </a:r>
-            <a:r>
-              <a:rPr kumimoji="1" lang="en-US" altLang="ja-JP" sz="2800" b="0" i="0" u="none" strike="noStrike" kern="1200" cap="none" spc="0" normalizeH="0" noProof="0" dirty="0" smtClean="0">
-                <a:ln>
-                  <a:noFill/>
-                </a:ln>
-                <a:solidFill>
-                  <a:schemeClr val="tx1"/>
-                </a:solidFill>
-                <a:effectLst/>
-                <a:uLnTx/>
-                <a:uFillTx/>
-                <a:latin typeface="+mj-lt"/>
-                <a:ea typeface="+mj-ea"/>
-                <a:cs typeface="+mj-cs"/>
-              </a:rPr>
-              <a:t> </a:t>
-            </a:r>
-            <a:r>
-              <a:rPr kumimoji="1" lang="en-US" altLang="ja-JP" sz="2800" b="0" i="0" u="none" strike="noStrike" kern="1200" cap="none" spc="0" normalizeH="0" noProof="0" dirty="0" err="1" smtClean="0">
-                <a:ln>
-                  <a:noFill/>
-                </a:ln>
-                <a:solidFill>
-                  <a:schemeClr val="tx1"/>
-                </a:solidFill>
-                <a:effectLst/>
-                <a:uLnTx/>
-                <a:uFillTx/>
-                <a:latin typeface="+mj-lt"/>
-                <a:ea typeface="+mj-ea"/>
-                <a:cs typeface="+mj-cs"/>
-              </a:rPr>
-              <a:t>UnityConsole</a:t>
+              <a:t>社内研修</a:t>
             </a:r>
             <a:endParaRPr kumimoji="1" lang="ja-JP" altLang="en-US" sz="2800" b="0" i="0" u="none" strike="noStrike" kern="1200" cap="none" spc="0" normalizeH="0" baseline="0" noProof="0" dirty="0">
               <a:ln>
@@ -6637,7 +9954,7 @@
       </p:sp>
       <p:sp>
         <p:nvSpPr>
-          <p:cNvPr id="7" name="正方形/長方形 6"/>
+          <p:cNvPr id="14" name="正方形/長方形 13"/>
           <p:cNvSpPr/>
           <p:nvPr/>
         </p:nvSpPr>
@@ -6681,9 +9998,41 @@
           </a:p>
         </p:txBody>
       </p:sp>
-      <p:sp>
-        <p:nvSpPr>
-          <p:cNvPr id="10" name="タイトル 1"/>
+    </p:spTree>
+  </p:cSld>
+  <p:clrMapOvr>
+    <a:masterClrMapping/>
+  </p:clrMapOvr>
+  <p:timing>
+    <p:tnLst>
+      <p:par>
+        <p:cTn id="1" dur="indefinite" restart="never" nodeType="tmRoot"/>
+      </p:par>
+    </p:tnLst>
+  </p:timing>
+</p:sld>
+</file>
+
+<file path=ppt/slides/slide5.xml><?xml version="1.0" encoding="utf-8"?>
+<p:sld xmlns:a="http://schemas.openxmlformats.org/drawingml/2006/main" xmlns:r="http://schemas.openxmlformats.org/officeDocument/2006/relationships" xmlns:p="http://schemas.openxmlformats.org/presentationml/2006/main">
+  <p:cSld>
+    <p:spTree>
+      <p:nvGrpSpPr>
+        <p:cNvPr id="1" name=""/>
+        <p:cNvGrpSpPr/>
+        <p:nvPr/>
+      </p:nvGrpSpPr>
+      <p:grpSpPr>
+        <a:xfrm>
+          <a:off x="0" y="0"/>
+          <a:ext cx="0" cy="0"/>
+          <a:chOff x="0" y="0"/>
+          <a:chExt cx="0" cy="0"/>
+        </a:xfrm>
+      </p:grpSpPr>
+      <p:sp>
+        <p:nvSpPr>
+          <p:cNvPr id="2" name="タイトル 1"/>
           <p:cNvSpPr>
             <a:spLocks noGrp="1"/>
           </p:cNvSpPr>
@@ -6694,7 +10043,7 @@
         <p:spPr>
           <a:xfrm>
             <a:off x="179512" y="555525"/>
-            <a:ext cx="3384376" cy="507703"/>
+            <a:ext cx="3528392" cy="507703"/>
           </a:xfrm>
         </p:spPr>
         <p:txBody>
@@ -6710,15 +10059,810 @@
             </a:r>
             <a:r>
               <a:rPr lang="ja-JP" altLang="en-US" sz="2800" dirty="0" smtClean="0"/>
-              <a:t>入社</a:t>
+              <a:t>入社からこれまで</a:t>
+            </a:r>
+            <a:endParaRPr kumimoji="1" lang="ja-JP" altLang="en-US" sz="2800" dirty="0"/>
+          </a:p>
+        </p:txBody>
+      </p:sp>
+      <p:sp>
+        <p:nvSpPr>
+          <p:cNvPr id="4" name="日付プレースホルダ 3"/>
+          <p:cNvSpPr>
+            <a:spLocks noGrp="1"/>
+          </p:cNvSpPr>
+          <p:nvPr>
+            <p:ph type="dt" sz="half" idx="10"/>
+          </p:nvPr>
+        </p:nvSpPr>
+        <p:spPr/>
+        <p:txBody>
+          <a:bodyPr/>
+          <a:lstStyle/>
+          <a:p>
+            <a:fld id="{FC7AB2BD-E9B7-45BF-89F9-A3C60FAD2BB8}" type="datetime2">
+              <a:rPr lang="en-US" altLang="ja-JP" smtClean="0"/>
+              <a:pPr/>
+              <a:t>Tuesday, September 30, 2014</a:t>
+            </a:fld>
+            <a:endParaRPr lang="ja-JP" altLang="en-US" dirty="0"/>
+          </a:p>
+        </p:txBody>
+      </p:sp>
+      <p:sp>
+        <p:nvSpPr>
+          <p:cNvPr id="5" name="正方形/長方形 4"/>
+          <p:cNvSpPr/>
+          <p:nvPr/>
+        </p:nvSpPr>
+        <p:spPr>
+          <a:xfrm>
+            <a:off x="0" y="1059582"/>
+            <a:ext cx="3563888" cy="72008"/>
+          </a:xfrm>
+          <a:prstGeom prst="rect">
+            <a:avLst/>
+          </a:prstGeom>
+          <a:solidFill>
+            <a:schemeClr val="accent1">
+              <a:lumMod val="75000"/>
+            </a:schemeClr>
+          </a:solidFill>
+          <a:ln>
+            <a:noFill/>
+          </a:ln>
+        </p:spPr>
+        <p:style>
+          <a:lnRef idx="2">
+            <a:schemeClr val="accent1">
+              <a:shade val="50000"/>
+            </a:schemeClr>
+          </a:lnRef>
+          <a:fillRef idx="1">
+            <a:schemeClr val="accent1"/>
+          </a:fillRef>
+          <a:effectRef idx="0">
+            <a:schemeClr val="accent1"/>
+          </a:effectRef>
+          <a:fontRef idx="minor">
+            <a:schemeClr val="lt1"/>
+          </a:fontRef>
+        </p:style>
+        <p:txBody>
+          <a:bodyPr rtlCol="0" anchor="ctr"/>
+          <a:lstStyle/>
+          <a:p>
+            <a:pPr algn="ctr"/>
+            <a:endParaRPr kumimoji="1" lang="ja-JP" altLang="en-US"/>
+          </a:p>
+        </p:txBody>
+      </p:sp>
+      <p:sp>
+        <p:nvSpPr>
+          <p:cNvPr id="12" name="コンテンツ プレースホルダ 11"/>
+          <p:cNvSpPr>
+            <a:spLocks noGrp="1"/>
+          </p:cNvSpPr>
+          <p:nvPr>
+            <p:ph idx="1"/>
+          </p:nvPr>
+        </p:nvSpPr>
+        <p:spPr>
+          <a:xfrm>
+            <a:off x="0" y="2427734"/>
+            <a:ext cx="9144000" cy="576064"/>
+          </a:xfrm>
+        </p:spPr>
+        <p:txBody>
+          <a:bodyPr>
+            <a:normAutofit lnSpcReduction="10000"/>
+          </a:bodyPr>
+          <a:lstStyle/>
+          <a:p>
+            <a:pPr algn="ctr">
+              <a:buNone/>
+            </a:pPr>
+            <a:r>
+              <a:rPr lang="ja-JP" altLang="en-US" b="1" dirty="0" smtClean="0">
+                <a:latin typeface="Batang" pitchFamily="18" charset="-127"/>
+                <a:ea typeface="Batang" pitchFamily="18" charset="-127"/>
+              </a:rPr>
+              <a:t>実演</a:t>
+            </a:r>
+            <a:endParaRPr kumimoji="1" lang="en-US" altLang="ja-JP" b="1" dirty="0" smtClean="0">
+              <a:latin typeface="Batang" pitchFamily="18" charset="-127"/>
+              <a:ea typeface="Batang" pitchFamily="18" charset="-127"/>
+            </a:endParaRPr>
+          </a:p>
+        </p:txBody>
+      </p:sp>
+      <p:sp>
+        <p:nvSpPr>
+          <p:cNvPr id="13" name="タイトル 1"/>
+          <p:cNvSpPr txBox="1">
+            <a:spLocks/>
+          </p:cNvSpPr>
+          <p:nvPr/>
+        </p:nvSpPr>
+        <p:spPr>
+          <a:xfrm>
+            <a:off x="5724128" y="555526"/>
+            <a:ext cx="3106688" cy="507703"/>
+          </a:xfrm>
+          <a:prstGeom prst="rect">
+            <a:avLst/>
+          </a:prstGeom>
+        </p:spPr>
+        <p:txBody>
+          <a:bodyPr vert="horz" lIns="91440" tIns="45720" rIns="91440" bIns="45720" rtlCol="0" anchor="ctr">
+            <a:noAutofit/>
+          </a:bodyPr>
+          <a:lstStyle/>
+          <a:p>
+            <a:pPr marL="0" marR="0" lvl="0" indent="0" algn="l" defTabSz="914400" rtl="0" eaLnBrk="1" fontAlgn="auto" latinLnBrk="0" hangingPunct="1">
+              <a:lnSpc>
+                <a:spcPct val="100000"/>
+              </a:lnSpc>
+              <a:spcBef>
+                <a:spcPct val="0"/>
+              </a:spcBef>
+              <a:spcAft>
+                <a:spcPts val="0"/>
+              </a:spcAft>
+              <a:buClrTx/>
+              <a:buSzTx/>
+              <a:buFontTx/>
+              <a:buNone/>
+              <a:tabLst/>
+              <a:defRPr/>
+            </a:pPr>
+            <a:r>
+              <a:rPr kumimoji="1" lang="ja-JP" altLang="en-US" sz="2800" b="0" i="0" u="none" strike="noStrike" kern="1200" cap="none" spc="0" normalizeH="0" baseline="0" noProof="0" dirty="0" smtClean="0">
+                <a:ln>
+                  <a:noFill/>
+                </a:ln>
+                <a:solidFill>
+                  <a:schemeClr val="tx1"/>
+                </a:solidFill>
+                <a:effectLst/>
+                <a:uLnTx/>
+                <a:uFillTx/>
+                <a:latin typeface="+mj-lt"/>
+                <a:ea typeface="+mj-ea"/>
+                <a:cs typeface="+mj-cs"/>
+              </a:rPr>
+              <a:t>社内研修</a:t>
+            </a:r>
+            <a:endParaRPr kumimoji="1" lang="ja-JP" altLang="en-US" sz="2800" b="0" i="0" u="none" strike="noStrike" kern="1200" cap="none" spc="0" normalizeH="0" baseline="0" noProof="0" dirty="0">
+              <a:ln>
+                <a:noFill/>
+              </a:ln>
+              <a:solidFill>
+                <a:schemeClr val="tx1"/>
+              </a:solidFill>
+              <a:effectLst/>
+              <a:uLnTx/>
+              <a:uFillTx/>
+              <a:latin typeface="+mj-lt"/>
+              <a:ea typeface="+mj-ea"/>
+              <a:cs typeface="+mj-cs"/>
+            </a:endParaRPr>
+          </a:p>
+        </p:txBody>
+      </p:sp>
+      <p:sp>
+        <p:nvSpPr>
+          <p:cNvPr id="14" name="正方形/長方形 13"/>
+          <p:cNvSpPr/>
+          <p:nvPr/>
+        </p:nvSpPr>
+        <p:spPr>
+          <a:xfrm>
+            <a:off x="5616624" y="1059583"/>
+            <a:ext cx="3527376" cy="72007"/>
+          </a:xfrm>
+          <a:prstGeom prst="rect">
+            <a:avLst/>
+          </a:prstGeom>
+          <a:solidFill>
+            <a:srgbClr val="FFC000"/>
+          </a:solidFill>
+          <a:ln>
+            <a:noFill/>
+          </a:ln>
+        </p:spPr>
+        <p:style>
+          <a:lnRef idx="2">
+            <a:schemeClr val="accent1">
+              <a:shade val="50000"/>
+            </a:schemeClr>
+          </a:lnRef>
+          <a:fillRef idx="1">
+            <a:schemeClr val="accent1"/>
+          </a:fillRef>
+          <a:effectRef idx="0">
+            <a:schemeClr val="accent1"/>
+          </a:effectRef>
+          <a:fontRef idx="minor">
+            <a:schemeClr val="lt1"/>
+          </a:fontRef>
+        </p:style>
+        <p:txBody>
+          <a:bodyPr rtlCol="0" anchor="ctr"/>
+          <a:lstStyle/>
+          <a:p>
+            <a:pPr algn="ctr"/>
+            <a:endParaRPr kumimoji="1" lang="ja-JP" altLang="en-US"/>
+          </a:p>
+        </p:txBody>
+      </p:sp>
+    </p:spTree>
+  </p:cSld>
+  <p:clrMapOvr>
+    <a:masterClrMapping/>
+  </p:clrMapOvr>
+  <p:timing>
+    <p:tnLst>
+      <p:par>
+        <p:cTn id="1" dur="indefinite" restart="never" nodeType="tmRoot"/>
+      </p:par>
+    </p:tnLst>
+  </p:timing>
+</p:sld>
+</file>
+
+<file path=ppt/slides/slide6.xml><?xml version="1.0" encoding="utf-8"?>
+<p:sld xmlns:a="http://schemas.openxmlformats.org/drawingml/2006/main" xmlns:r="http://schemas.openxmlformats.org/officeDocument/2006/relationships" xmlns:p="http://schemas.openxmlformats.org/presentationml/2006/main">
+  <p:cSld>
+    <p:spTree>
+      <p:nvGrpSpPr>
+        <p:cNvPr id="1" name=""/>
+        <p:cNvGrpSpPr/>
+        <p:nvPr/>
+      </p:nvGrpSpPr>
+      <p:grpSpPr>
+        <a:xfrm>
+          <a:off x="0" y="0"/>
+          <a:ext cx="0" cy="0"/>
+          <a:chOff x="0" y="0"/>
+          <a:chExt cx="0" cy="0"/>
+        </a:xfrm>
+      </p:grpSpPr>
+      <p:sp>
+        <p:nvSpPr>
+          <p:cNvPr id="2" name="タイトル 1"/>
+          <p:cNvSpPr>
+            <a:spLocks noGrp="1"/>
+          </p:cNvSpPr>
+          <p:nvPr>
+            <p:ph type="title"/>
+          </p:nvPr>
+        </p:nvSpPr>
+        <p:spPr>
+          <a:xfrm>
+            <a:off x="179512" y="555525"/>
+            <a:ext cx="3528392" cy="507703"/>
+          </a:xfrm>
+        </p:spPr>
+        <p:txBody>
+          <a:bodyPr>
+            <a:noAutofit/>
+          </a:bodyPr>
+          <a:lstStyle/>
+          <a:p>
+            <a:pPr algn="l"/>
+            <a:r>
+              <a:rPr lang="en-US" altLang="ja-JP" sz="2800" dirty="0" smtClean="0"/>
+              <a:t>1.</a:t>
             </a:r>
             <a:r>
               <a:rPr lang="ja-JP" altLang="en-US" sz="2800" dirty="0" smtClean="0"/>
-              <a:t>からこれ</a:t>
+              <a:t>入社からこれまで</a:t>
+            </a:r>
+            <a:endParaRPr kumimoji="1" lang="ja-JP" altLang="en-US" sz="2800" dirty="0"/>
+          </a:p>
+        </p:txBody>
+      </p:sp>
+      <p:sp>
+        <p:nvSpPr>
+          <p:cNvPr id="4" name="日付プレースホルダ 3"/>
+          <p:cNvSpPr>
+            <a:spLocks noGrp="1"/>
+          </p:cNvSpPr>
+          <p:nvPr>
+            <p:ph type="dt" sz="half" idx="10"/>
+          </p:nvPr>
+        </p:nvSpPr>
+        <p:spPr/>
+        <p:txBody>
+          <a:bodyPr/>
+          <a:lstStyle/>
+          <a:p>
+            <a:fld id="{FC7AB2BD-E9B7-45BF-89F9-A3C60FAD2BB8}" type="datetime2">
+              <a:rPr lang="en-US" altLang="ja-JP" smtClean="0"/>
+              <a:pPr/>
+              <a:t>Tuesday, September 30, 2014</a:t>
+            </a:fld>
+            <a:endParaRPr lang="ja-JP" altLang="en-US" dirty="0"/>
+          </a:p>
+        </p:txBody>
+      </p:sp>
+      <p:sp>
+        <p:nvSpPr>
+          <p:cNvPr id="5" name="正方形/長方形 4"/>
+          <p:cNvSpPr/>
+          <p:nvPr/>
+        </p:nvSpPr>
+        <p:spPr>
+          <a:xfrm>
+            <a:off x="0" y="1059582"/>
+            <a:ext cx="3563888" cy="72008"/>
+          </a:xfrm>
+          <a:prstGeom prst="rect">
+            <a:avLst/>
+          </a:prstGeom>
+          <a:solidFill>
+            <a:schemeClr val="accent1">
+              <a:lumMod val="75000"/>
+            </a:schemeClr>
+          </a:solidFill>
+          <a:ln>
+            <a:noFill/>
+          </a:ln>
+        </p:spPr>
+        <p:style>
+          <a:lnRef idx="2">
+            <a:schemeClr val="accent1">
+              <a:shade val="50000"/>
+            </a:schemeClr>
+          </a:lnRef>
+          <a:fillRef idx="1">
+            <a:schemeClr val="accent1"/>
+          </a:fillRef>
+          <a:effectRef idx="0">
+            <a:schemeClr val="accent1"/>
+          </a:effectRef>
+          <a:fontRef idx="minor">
+            <a:schemeClr val="lt1"/>
+          </a:fontRef>
+        </p:style>
+        <p:txBody>
+          <a:bodyPr rtlCol="0" anchor="ctr"/>
+          <a:lstStyle/>
+          <a:p>
+            <a:pPr algn="ctr"/>
+            <a:endParaRPr kumimoji="1" lang="ja-JP" altLang="en-US"/>
+          </a:p>
+        </p:txBody>
+      </p:sp>
+      <p:sp>
+        <p:nvSpPr>
+          <p:cNvPr id="12" name="コンテンツ プレースホルダ 11"/>
+          <p:cNvSpPr>
+            <a:spLocks noGrp="1"/>
+          </p:cNvSpPr>
+          <p:nvPr>
+            <p:ph idx="1"/>
+          </p:nvPr>
+        </p:nvSpPr>
+        <p:spPr>
+          <a:xfrm>
+            <a:off x="457200" y="1200151"/>
+            <a:ext cx="5554960" cy="3394472"/>
+          </a:xfrm>
+        </p:spPr>
+        <p:txBody>
+          <a:bodyPr/>
+          <a:lstStyle/>
+          <a:p>
+            <a:pPr>
+              <a:buNone/>
+            </a:pPr>
+            <a:r>
+              <a:rPr lang="ja-JP" altLang="en-US" dirty="0" smtClean="0"/>
+              <a:t>・</a:t>
+            </a:r>
+            <a:r>
+              <a:rPr lang="en-US" altLang="ja-JP" dirty="0" smtClean="0"/>
+              <a:t>	</a:t>
+            </a:r>
+            <a:endParaRPr kumimoji="1" lang="en-US" altLang="ja-JP" dirty="0" smtClean="0"/>
+          </a:p>
+        </p:txBody>
+      </p:sp>
+      <p:sp>
+        <p:nvSpPr>
+          <p:cNvPr id="13" name="タイトル 1"/>
+          <p:cNvSpPr txBox="1">
+            <a:spLocks/>
+          </p:cNvSpPr>
+          <p:nvPr/>
+        </p:nvSpPr>
+        <p:spPr>
+          <a:xfrm>
+            <a:off x="5724128" y="555526"/>
+            <a:ext cx="3106688" cy="507703"/>
+          </a:xfrm>
+          <a:prstGeom prst="rect">
+            <a:avLst/>
+          </a:prstGeom>
+        </p:spPr>
+        <p:txBody>
+          <a:bodyPr vert="horz" lIns="91440" tIns="45720" rIns="91440" bIns="45720" rtlCol="0" anchor="ctr">
+            <a:noAutofit/>
+          </a:bodyPr>
+          <a:lstStyle/>
+          <a:p>
+            <a:pPr marL="0" marR="0" lvl="0" indent="0" algn="l" defTabSz="914400" rtl="0" eaLnBrk="1" fontAlgn="auto" latinLnBrk="0" hangingPunct="1">
+              <a:lnSpc>
+                <a:spcPct val="100000"/>
+              </a:lnSpc>
+              <a:spcBef>
+                <a:spcPct val="0"/>
+              </a:spcBef>
+              <a:spcAft>
+                <a:spcPts val="0"/>
+              </a:spcAft>
+              <a:buClrTx/>
+              <a:buSzTx/>
+              <a:buFontTx/>
+              <a:buNone/>
+              <a:tabLst/>
+              <a:defRPr/>
+            </a:pPr>
+            <a:r>
+              <a:rPr kumimoji="1" lang="ja-JP" altLang="en-US" sz="2800" b="0" i="0" u="none" strike="noStrike" kern="1200" cap="none" spc="0" normalizeH="0" baseline="0" noProof="0" dirty="0" smtClean="0">
+                <a:ln>
+                  <a:noFill/>
+                </a:ln>
+                <a:solidFill>
+                  <a:schemeClr val="tx1"/>
+                </a:solidFill>
+                <a:effectLst/>
+                <a:uLnTx/>
+                <a:uFillTx/>
+                <a:latin typeface="+mj-lt"/>
+                <a:ea typeface="+mj-ea"/>
+                <a:cs typeface="+mj-cs"/>
+              </a:rPr>
+              <a:t>社内研修</a:t>
+            </a:r>
+            <a:endParaRPr kumimoji="1" lang="ja-JP" altLang="en-US" sz="2800" b="0" i="0" u="none" strike="noStrike" kern="1200" cap="none" spc="0" normalizeH="0" baseline="0" noProof="0" dirty="0">
+              <a:ln>
+                <a:noFill/>
+              </a:ln>
+              <a:solidFill>
+                <a:schemeClr val="tx1"/>
+              </a:solidFill>
+              <a:effectLst/>
+              <a:uLnTx/>
+              <a:uFillTx/>
+              <a:latin typeface="+mj-lt"/>
+              <a:ea typeface="+mj-ea"/>
+              <a:cs typeface="+mj-cs"/>
+            </a:endParaRPr>
+          </a:p>
+        </p:txBody>
+      </p:sp>
+      <p:sp>
+        <p:nvSpPr>
+          <p:cNvPr id="14" name="正方形/長方形 13"/>
+          <p:cNvSpPr/>
+          <p:nvPr/>
+        </p:nvSpPr>
+        <p:spPr>
+          <a:xfrm>
+            <a:off x="5616624" y="1059583"/>
+            <a:ext cx="3527376" cy="72007"/>
+          </a:xfrm>
+          <a:prstGeom prst="rect">
+            <a:avLst/>
+          </a:prstGeom>
+          <a:solidFill>
+            <a:srgbClr val="FFC000"/>
+          </a:solidFill>
+          <a:ln>
+            <a:noFill/>
+          </a:ln>
+        </p:spPr>
+        <p:style>
+          <a:lnRef idx="2">
+            <a:schemeClr val="accent1">
+              <a:shade val="50000"/>
+            </a:schemeClr>
+          </a:lnRef>
+          <a:fillRef idx="1">
+            <a:schemeClr val="accent1"/>
+          </a:fillRef>
+          <a:effectRef idx="0">
+            <a:schemeClr val="accent1"/>
+          </a:effectRef>
+          <a:fontRef idx="minor">
+            <a:schemeClr val="lt1"/>
+          </a:fontRef>
+        </p:style>
+        <p:txBody>
+          <a:bodyPr rtlCol="0" anchor="ctr"/>
+          <a:lstStyle/>
+          <a:p>
+            <a:pPr algn="ctr"/>
+            <a:endParaRPr kumimoji="1" lang="ja-JP" altLang="en-US"/>
+          </a:p>
+        </p:txBody>
+      </p:sp>
+    </p:spTree>
+  </p:cSld>
+  <p:clrMapOvr>
+    <a:masterClrMapping/>
+  </p:clrMapOvr>
+  <p:timing>
+    <p:tnLst>
+      <p:par>
+        <p:cTn id="1" dur="indefinite" restart="never" nodeType="tmRoot"/>
+      </p:par>
+    </p:tnLst>
+  </p:timing>
+</p:sld>
+</file>
+
+<file path=ppt/slides/slide7.xml><?xml version="1.0" encoding="utf-8"?>
+<p:sld xmlns:a="http://schemas.openxmlformats.org/drawingml/2006/main" xmlns:r="http://schemas.openxmlformats.org/officeDocument/2006/relationships" xmlns:p="http://schemas.openxmlformats.org/presentationml/2006/main">
+  <p:cSld>
+    <p:spTree>
+      <p:nvGrpSpPr>
+        <p:cNvPr id="1" name=""/>
+        <p:cNvGrpSpPr/>
+        <p:nvPr/>
+      </p:nvGrpSpPr>
+      <p:grpSpPr>
+        <a:xfrm>
+          <a:off x="0" y="0"/>
+          <a:ext cx="0" cy="0"/>
+          <a:chOff x="0" y="0"/>
+          <a:chExt cx="0" cy="0"/>
+        </a:xfrm>
+      </p:grpSpPr>
+      <p:sp>
+        <p:nvSpPr>
+          <p:cNvPr id="4" name="日付プレースホルダ 3"/>
+          <p:cNvSpPr>
+            <a:spLocks noGrp="1"/>
+          </p:cNvSpPr>
+          <p:nvPr>
+            <p:ph type="dt" sz="half" idx="10"/>
+          </p:nvPr>
+        </p:nvSpPr>
+        <p:spPr/>
+        <p:txBody>
+          <a:bodyPr/>
+          <a:lstStyle/>
+          <a:p>
+            <a:fld id="{FC7AB2BD-E9B7-45BF-89F9-A3C60FAD2BB8}" type="datetime2">
+              <a:rPr lang="en-US" altLang="ja-JP" smtClean="0"/>
+              <a:pPr/>
+              <a:t>Tuesday, September 30, 2014</a:t>
+            </a:fld>
+            <a:endParaRPr lang="ja-JP" altLang="en-US" dirty="0"/>
+          </a:p>
+        </p:txBody>
+      </p:sp>
+      <p:sp>
+        <p:nvSpPr>
+          <p:cNvPr id="5" name="正方形/長方形 4"/>
+          <p:cNvSpPr/>
+          <p:nvPr/>
+        </p:nvSpPr>
+        <p:spPr>
+          <a:xfrm>
+            <a:off x="0" y="1059582"/>
+            <a:ext cx="3563888" cy="72008"/>
+          </a:xfrm>
+          <a:prstGeom prst="rect">
+            <a:avLst/>
+          </a:prstGeom>
+          <a:solidFill>
+            <a:schemeClr val="accent1">
+              <a:lumMod val="75000"/>
+            </a:schemeClr>
+          </a:solidFill>
+          <a:ln>
+            <a:noFill/>
+          </a:ln>
+        </p:spPr>
+        <p:style>
+          <a:lnRef idx="2">
+            <a:schemeClr val="accent1">
+              <a:shade val="50000"/>
+            </a:schemeClr>
+          </a:lnRef>
+          <a:fillRef idx="1">
+            <a:schemeClr val="accent1"/>
+          </a:fillRef>
+          <a:effectRef idx="0">
+            <a:schemeClr val="accent1"/>
+          </a:effectRef>
+          <a:fontRef idx="minor">
+            <a:schemeClr val="lt1"/>
+          </a:fontRef>
+        </p:style>
+        <p:txBody>
+          <a:bodyPr rtlCol="0" anchor="ctr"/>
+          <a:lstStyle/>
+          <a:p>
+            <a:pPr algn="ctr"/>
+            <a:endParaRPr kumimoji="1" lang="ja-JP" altLang="en-US"/>
+          </a:p>
+        </p:txBody>
+      </p:sp>
+      <p:sp>
+        <p:nvSpPr>
+          <p:cNvPr id="12" name="コンテンツ プレースホルダ 11"/>
+          <p:cNvSpPr>
+            <a:spLocks noGrp="1"/>
+          </p:cNvSpPr>
+          <p:nvPr>
+            <p:ph idx="1"/>
+          </p:nvPr>
+        </p:nvSpPr>
+        <p:spPr/>
+        <p:txBody>
+          <a:bodyPr/>
+          <a:lstStyle/>
+          <a:p>
+            <a:endParaRPr kumimoji="1" lang="ja-JP" altLang="en-US" dirty="0"/>
+          </a:p>
+        </p:txBody>
+      </p:sp>
+      <p:sp>
+        <p:nvSpPr>
+          <p:cNvPr id="6" name="タイトル 1"/>
+          <p:cNvSpPr txBox="1">
+            <a:spLocks/>
+          </p:cNvSpPr>
+          <p:nvPr/>
+        </p:nvSpPr>
+        <p:spPr>
+          <a:xfrm>
+            <a:off x="5724128" y="555526"/>
+            <a:ext cx="3312368" cy="507703"/>
+          </a:xfrm>
+          <a:prstGeom prst="rect">
+            <a:avLst/>
+          </a:prstGeom>
+        </p:spPr>
+        <p:txBody>
+          <a:bodyPr vert="horz" lIns="91440" tIns="45720" rIns="91440" bIns="45720" rtlCol="0" anchor="ctr">
+            <a:noAutofit/>
+          </a:bodyPr>
+          <a:lstStyle/>
+          <a:p>
+            <a:pPr marL="0" marR="0" lvl="0" indent="0" algn="l" defTabSz="914400" rtl="0" eaLnBrk="1" fontAlgn="auto" latinLnBrk="0" hangingPunct="1">
+              <a:lnSpc>
+                <a:spcPct val="100000"/>
+              </a:lnSpc>
+              <a:spcBef>
+                <a:spcPct val="0"/>
+              </a:spcBef>
+              <a:spcAft>
+                <a:spcPts val="0"/>
+              </a:spcAft>
+              <a:buClrTx/>
+              <a:buSzTx/>
+              <a:buFontTx/>
+              <a:buNone/>
+              <a:tabLst/>
+              <a:defRPr/>
+            </a:pPr>
+            <a:r>
+              <a:rPr kumimoji="1" lang="en-US" altLang="ja-JP" sz="2800" b="0" i="0" u="none" strike="noStrike" kern="1200" cap="none" spc="0" normalizeH="0" baseline="0" noProof="0" dirty="0" smtClean="0">
+                <a:ln>
+                  <a:noFill/>
+                </a:ln>
+                <a:solidFill>
+                  <a:schemeClr val="tx1"/>
+                </a:solidFill>
+                <a:effectLst/>
+                <a:uLnTx/>
+                <a:uFillTx/>
+                <a:latin typeface="+mj-lt"/>
+                <a:ea typeface="+mj-ea"/>
+                <a:cs typeface="+mj-cs"/>
+              </a:rPr>
+              <a:t>LS4</a:t>
+            </a:r>
+            <a:endParaRPr kumimoji="1" lang="ja-JP" altLang="en-US" sz="2800" b="0" i="0" u="none" strike="noStrike" kern="1200" cap="none" spc="0" normalizeH="0" baseline="0" noProof="0" dirty="0">
+              <a:ln>
+                <a:noFill/>
+              </a:ln>
+              <a:solidFill>
+                <a:schemeClr val="tx1"/>
+              </a:solidFill>
+              <a:effectLst/>
+              <a:uLnTx/>
+              <a:uFillTx/>
+              <a:latin typeface="+mj-lt"/>
+              <a:ea typeface="+mj-ea"/>
+              <a:cs typeface="+mj-cs"/>
+            </a:endParaRPr>
+          </a:p>
+        </p:txBody>
+      </p:sp>
+      <p:sp>
+        <p:nvSpPr>
+          <p:cNvPr id="7" name="正方形/長方形 6"/>
+          <p:cNvSpPr/>
+          <p:nvPr/>
+        </p:nvSpPr>
+        <p:spPr>
+          <a:xfrm>
+            <a:off x="5616624" y="1059583"/>
+            <a:ext cx="3527376" cy="72007"/>
+          </a:xfrm>
+          <a:prstGeom prst="rect">
+            <a:avLst/>
+          </a:prstGeom>
+          <a:solidFill>
+            <a:srgbClr val="FFC000"/>
+          </a:solidFill>
+          <a:ln>
+            <a:noFill/>
+          </a:ln>
+        </p:spPr>
+        <p:style>
+          <a:lnRef idx="2">
+            <a:schemeClr val="accent1">
+              <a:shade val="50000"/>
+            </a:schemeClr>
+          </a:lnRef>
+          <a:fillRef idx="1">
+            <a:schemeClr val="accent1"/>
+          </a:fillRef>
+          <a:effectRef idx="0">
+            <a:schemeClr val="accent1"/>
+          </a:effectRef>
+          <a:fontRef idx="minor">
+            <a:schemeClr val="lt1"/>
+          </a:fontRef>
+        </p:style>
+        <p:txBody>
+          <a:bodyPr rtlCol="0" anchor="ctr"/>
+          <a:lstStyle/>
+          <a:p>
+            <a:pPr algn="ctr"/>
+            <a:endParaRPr kumimoji="1" lang="ja-JP" altLang="en-US"/>
+          </a:p>
+        </p:txBody>
+      </p:sp>
+      <p:sp>
+        <p:nvSpPr>
+          <p:cNvPr id="10" name="タイトル 1"/>
+          <p:cNvSpPr>
+            <a:spLocks noGrp="1"/>
+          </p:cNvSpPr>
+          <p:nvPr>
+            <p:ph type="title"/>
+          </p:nvPr>
+        </p:nvSpPr>
+        <p:spPr>
+          <a:xfrm>
+            <a:off x="179512" y="555525"/>
+            <a:ext cx="3384376" cy="507703"/>
+          </a:xfrm>
+        </p:spPr>
+        <p:txBody>
+          <a:bodyPr>
+            <a:noAutofit/>
+          </a:bodyPr>
+          <a:lstStyle/>
+          <a:p>
+            <a:pPr algn="l"/>
+            <a:r>
+              <a:rPr lang="en-US" altLang="ja-JP" sz="2800" dirty="0" smtClean="0"/>
+              <a:t>1.</a:t>
             </a:r>
             <a:r>
               <a:rPr lang="ja-JP" altLang="en-US" sz="2800" dirty="0" smtClean="0"/>
-              <a:t>まで</a:t>
+              <a:t>入社からこれまで</a:t>
             </a:r>
             <a:endParaRPr kumimoji="1" lang="ja-JP" altLang="en-US" sz="2800" dirty="0"/>
           </a:p>
@@ -6792,7 +10936,7 @@
 </p:sld>
 </file>
 
-<file path=ppt/slides/slide5.xml><?xml version="1.0" encoding="utf-8"?>
+<file path=ppt/slides/slide8.xml><?xml version="1.0" encoding="utf-8"?>
 <p:sld xmlns:a="http://schemas.openxmlformats.org/drawingml/2006/main" xmlns:r="http://schemas.openxmlformats.org/officeDocument/2006/relationships" xmlns:p="http://schemas.openxmlformats.org/presentationml/2006/main">
   <p:cSld>
     <p:spTree>
@@ -6811,49 +10955,6 @@
       </p:grpSpPr>
       <p:sp>
         <p:nvSpPr>
-          <p:cNvPr id="2" name="タイトル 1"/>
-          <p:cNvSpPr>
-            <a:spLocks noGrp="1"/>
-          </p:cNvSpPr>
-          <p:nvPr>
-            <p:ph type="title"/>
-          </p:nvPr>
-        </p:nvSpPr>
-        <p:spPr>
-          <a:xfrm>
-            <a:off x="179512" y="555525"/>
-            <a:ext cx="3384376" cy="507703"/>
-          </a:xfrm>
-        </p:spPr>
-        <p:txBody>
-          <a:bodyPr>
-            <a:noAutofit/>
-          </a:bodyPr>
-          <a:lstStyle/>
-          <a:p>
-            <a:pPr algn="l"/>
-            <a:r>
-              <a:rPr lang="en-US" altLang="ja-JP" sz="2800" dirty="0" smtClean="0"/>
-              <a:t>1.</a:t>
-            </a:r>
-            <a:r>
-              <a:rPr lang="ja-JP" altLang="en-US" sz="2800" dirty="0" smtClean="0"/>
-              <a:t>入社</a:t>
-            </a:r>
-            <a:r>
-              <a:rPr lang="ja-JP" altLang="en-US" sz="2800" dirty="0" smtClean="0"/>
-              <a:t>からこれ</a:t>
-            </a:r>
-            <a:r>
-              <a:rPr lang="ja-JP" altLang="en-US" sz="2800" dirty="0" smtClean="0"/>
-              <a:t>まで</a:t>
-            </a:r>
-            <a:endParaRPr kumimoji="1" lang="ja-JP" altLang="en-US" sz="2800" dirty="0"/>
-          </a:p>
-        </p:txBody>
-      </p:sp>
-      <p:sp>
-        <p:nvSpPr>
           <p:cNvPr id="4" name="日付プレースホルダ 3"/>
           <p:cNvSpPr>
             <a:spLocks noGrp="1"/>
@@ -6870,7 +10971,7 @@
             <a:fld id="{FC7AB2BD-E9B7-45BF-89F9-A3C60FAD2BB8}" type="datetime2">
               <a:rPr lang="en-US" altLang="ja-JP" smtClean="0"/>
               <a:pPr/>
-              <a:t>Monday, September 29, 2014</a:t>
+              <a:t>Tuesday, September 30, 2014</a:t>
             </a:fld>
             <a:endParaRPr lang="ja-JP" altLang="en-US" dirty="0"/>
           </a:p>
@@ -6924,24 +11025,501 @@
           </a:p>
         </p:txBody>
       </p:sp>
+      <p:sp>
+        <p:nvSpPr>
+          <p:cNvPr id="12" name="コンテンツ プレースホルダ 11"/>
+          <p:cNvSpPr>
+            <a:spLocks noGrp="1"/>
+          </p:cNvSpPr>
+          <p:nvPr>
+            <p:ph idx="1"/>
+          </p:nvPr>
+        </p:nvSpPr>
+        <p:spPr/>
+        <p:txBody>
+          <a:bodyPr/>
+          <a:lstStyle/>
+          <a:p>
+            <a:endParaRPr kumimoji="1" lang="ja-JP" altLang="en-US" dirty="0"/>
+          </a:p>
+        </p:txBody>
+      </p:sp>
+      <p:sp>
+        <p:nvSpPr>
+          <p:cNvPr id="6" name="タイトル 1"/>
+          <p:cNvSpPr txBox="1">
+            <a:spLocks/>
+          </p:cNvSpPr>
+          <p:nvPr/>
+        </p:nvSpPr>
+        <p:spPr>
+          <a:xfrm>
+            <a:off x="5724128" y="555526"/>
+            <a:ext cx="3312368" cy="507703"/>
+          </a:xfrm>
+          <a:prstGeom prst="rect">
+            <a:avLst/>
+          </a:prstGeom>
+        </p:spPr>
+        <p:txBody>
+          <a:bodyPr vert="horz" lIns="91440" tIns="45720" rIns="91440" bIns="45720" rtlCol="0" anchor="ctr">
+            <a:noAutofit/>
+          </a:bodyPr>
+          <a:lstStyle/>
+          <a:p>
+            <a:pPr marL="0" marR="0" lvl="0" indent="0" algn="l" defTabSz="914400" rtl="0" eaLnBrk="1" fontAlgn="auto" latinLnBrk="0" hangingPunct="1">
+              <a:lnSpc>
+                <a:spcPct val="100000"/>
+              </a:lnSpc>
+              <a:spcBef>
+                <a:spcPct val="0"/>
+              </a:spcBef>
+              <a:spcAft>
+                <a:spcPts val="0"/>
+              </a:spcAft>
+              <a:buClrTx/>
+              <a:buSzTx/>
+              <a:buFontTx/>
+              <a:buNone/>
+              <a:tabLst/>
+              <a:defRPr/>
+            </a:pPr>
+            <a:r>
+              <a:rPr kumimoji="1" lang="en-US" altLang="ja-JP" sz="2800" b="0" i="0" u="none" strike="noStrike" kern="1200" cap="none" spc="0" normalizeH="0" baseline="0" noProof="0" dirty="0" smtClean="0">
+                <a:ln>
+                  <a:noFill/>
+                </a:ln>
+                <a:solidFill>
+                  <a:schemeClr val="tx1"/>
+                </a:solidFill>
+                <a:effectLst/>
+                <a:uLnTx/>
+                <a:uFillTx/>
+                <a:latin typeface="+mj-lt"/>
+                <a:ea typeface="+mj-ea"/>
+                <a:cs typeface="+mj-cs"/>
+              </a:rPr>
+              <a:t>LS4</a:t>
+            </a:r>
+            <a:endParaRPr kumimoji="1" lang="ja-JP" altLang="en-US" sz="2800" b="0" i="0" u="none" strike="noStrike" kern="1200" cap="none" spc="0" normalizeH="0" baseline="0" noProof="0" dirty="0">
+              <a:ln>
+                <a:noFill/>
+              </a:ln>
+              <a:solidFill>
+                <a:schemeClr val="tx1"/>
+              </a:solidFill>
+              <a:effectLst/>
+              <a:uLnTx/>
+              <a:uFillTx/>
+              <a:latin typeface="+mj-lt"/>
+              <a:ea typeface="+mj-ea"/>
+              <a:cs typeface="+mj-cs"/>
+            </a:endParaRPr>
+          </a:p>
+        </p:txBody>
+      </p:sp>
+      <p:sp>
+        <p:nvSpPr>
+          <p:cNvPr id="7" name="正方形/長方形 6"/>
+          <p:cNvSpPr/>
+          <p:nvPr/>
+        </p:nvSpPr>
+        <p:spPr>
+          <a:xfrm>
+            <a:off x="5616624" y="1059583"/>
+            <a:ext cx="3527376" cy="72007"/>
+          </a:xfrm>
+          <a:prstGeom prst="rect">
+            <a:avLst/>
+          </a:prstGeom>
+          <a:solidFill>
+            <a:srgbClr val="FFC000"/>
+          </a:solidFill>
+          <a:ln>
+            <a:noFill/>
+          </a:ln>
+        </p:spPr>
+        <p:style>
+          <a:lnRef idx="2">
+            <a:schemeClr val="accent1">
+              <a:shade val="50000"/>
+            </a:schemeClr>
+          </a:lnRef>
+          <a:fillRef idx="1">
+            <a:schemeClr val="accent1"/>
+          </a:fillRef>
+          <a:effectRef idx="0">
+            <a:schemeClr val="accent1"/>
+          </a:effectRef>
+          <a:fontRef idx="minor">
+            <a:schemeClr val="lt1"/>
+          </a:fontRef>
+        </p:style>
+        <p:txBody>
+          <a:bodyPr rtlCol="0" anchor="ctr"/>
+          <a:lstStyle/>
+          <a:p>
+            <a:pPr algn="ctr"/>
+            <a:endParaRPr kumimoji="1" lang="ja-JP" altLang="en-US"/>
+          </a:p>
+        </p:txBody>
+      </p:sp>
+      <p:sp>
+        <p:nvSpPr>
+          <p:cNvPr id="10" name="タイトル 1"/>
+          <p:cNvSpPr>
+            <a:spLocks noGrp="1"/>
+          </p:cNvSpPr>
+          <p:nvPr>
+            <p:ph type="title"/>
+          </p:nvPr>
+        </p:nvSpPr>
+        <p:spPr>
+          <a:xfrm>
+            <a:off x="179512" y="555525"/>
+            <a:ext cx="3384376" cy="507703"/>
+          </a:xfrm>
+        </p:spPr>
+        <p:txBody>
+          <a:bodyPr>
+            <a:noAutofit/>
+          </a:bodyPr>
+          <a:lstStyle/>
+          <a:p>
+            <a:pPr algn="l"/>
+            <a:r>
+              <a:rPr lang="en-US" altLang="ja-JP" sz="2800" dirty="0" smtClean="0"/>
+              <a:t>1.</a:t>
+            </a:r>
+            <a:r>
+              <a:rPr lang="ja-JP" altLang="en-US" sz="2800" dirty="0" smtClean="0"/>
+              <a:t>入社からこれまで</a:t>
+            </a:r>
+            <a:endParaRPr kumimoji="1" lang="ja-JP" altLang="en-US" sz="2800" dirty="0"/>
+          </a:p>
+        </p:txBody>
+      </p:sp>
+    </p:spTree>
+  </p:cSld>
+  <p:clrMapOvr>
+    <a:masterClrMapping/>
+  </p:clrMapOvr>
+  <p:timing>
+    <p:tnLst>
+      <p:par>
+        <p:cTn id="1" dur="indefinite" restart="never" nodeType="tmRoot"/>
+      </p:par>
+    </p:tnLst>
+  </p:timing>
+</p:sld>
+</file>
+
+<file path=ppt/slides/slide9.xml><?xml version="1.0" encoding="utf-8"?>
+<p:sld xmlns:a="http://schemas.openxmlformats.org/drawingml/2006/main" xmlns:r="http://schemas.openxmlformats.org/officeDocument/2006/relationships" xmlns:p="http://schemas.openxmlformats.org/presentationml/2006/main">
+  <p:cSld>
+    <p:spTree>
+      <p:nvGrpSpPr>
+        <p:cNvPr id="1" name=""/>
+        <p:cNvGrpSpPr/>
+        <p:nvPr/>
+      </p:nvGrpSpPr>
+      <p:grpSpPr>
+        <a:xfrm>
+          <a:off x="0" y="0"/>
+          <a:ext cx="0" cy="0"/>
+          <a:chOff x="0" y="0"/>
+          <a:chExt cx="0" cy="0"/>
+        </a:xfrm>
+      </p:grpSpPr>
+      <p:sp>
+        <p:nvSpPr>
+          <p:cNvPr id="4" name="日付プレースホルダ 3"/>
+          <p:cNvSpPr>
+            <a:spLocks noGrp="1"/>
+          </p:cNvSpPr>
+          <p:nvPr>
+            <p:ph type="dt" sz="half" idx="10"/>
+          </p:nvPr>
+        </p:nvSpPr>
+        <p:spPr/>
+        <p:txBody>
+          <a:bodyPr/>
+          <a:lstStyle/>
+          <a:p>
+            <a:fld id="{FC7AB2BD-E9B7-45BF-89F9-A3C60FAD2BB8}" type="datetime2">
+              <a:rPr lang="en-US" altLang="ja-JP" smtClean="0"/>
+              <a:pPr/>
+              <a:t>Tuesday, September 30, 2014</a:t>
+            </a:fld>
+            <a:endParaRPr lang="ja-JP" altLang="en-US" dirty="0"/>
+          </a:p>
+        </p:txBody>
+      </p:sp>
+      <p:sp>
+        <p:nvSpPr>
+          <p:cNvPr id="5" name="正方形/長方形 4"/>
+          <p:cNvSpPr/>
+          <p:nvPr/>
+        </p:nvSpPr>
+        <p:spPr>
+          <a:xfrm>
+            <a:off x="0" y="1059582"/>
+            <a:ext cx="3563888" cy="72008"/>
+          </a:xfrm>
+          <a:prstGeom prst="rect">
+            <a:avLst/>
+          </a:prstGeom>
+          <a:solidFill>
+            <a:schemeClr val="accent1">
+              <a:lumMod val="75000"/>
+            </a:schemeClr>
+          </a:solidFill>
+          <a:ln>
+            <a:noFill/>
+          </a:ln>
+        </p:spPr>
+        <p:style>
+          <a:lnRef idx="2">
+            <a:schemeClr val="accent1">
+              <a:shade val="50000"/>
+            </a:schemeClr>
+          </a:lnRef>
+          <a:fillRef idx="1">
+            <a:schemeClr val="accent1"/>
+          </a:fillRef>
+          <a:effectRef idx="0">
+            <a:schemeClr val="accent1"/>
+          </a:effectRef>
+          <a:fontRef idx="minor">
+            <a:schemeClr val="lt1"/>
+          </a:fontRef>
+        </p:style>
+        <p:txBody>
+          <a:bodyPr rtlCol="0" anchor="ctr"/>
+          <a:lstStyle/>
+          <a:p>
+            <a:pPr algn="ctr"/>
+            <a:endParaRPr kumimoji="1" lang="ja-JP" altLang="en-US"/>
+          </a:p>
+        </p:txBody>
+      </p:sp>
+      <p:sp>
+        <p:nvSpPr>
+          <p:cNvPr id="12" name="コンテンツ プレースホルダ 11"/>
+          <p:cNvSpPr>
+            <a:spLocks noGrp="1"/>
+          </p:cNvSpPr>
+          <p:nvPr>
+            <p:ph idx="1"/>
+          </p:nvPr>
+        </p:nvSpPr>
+        <p:spPr/>
+        <p:txBody>
+          <a:bodyPr/>
+          <a:lstStyle/>
+          <a:p>
+            <a:endParaRPr kumimoji="1" lang="ja-JP" altLang="en-US" dirty="0"/>
+          </a:p>
+        </p:txBody>
+      </p:sp>
+      <p:sp>
+        <p:nvSpPr>
+          <p:cNvPr id="6" name="タイトル 1"/>
+          <p:cNvSpPr txBox="1">
+            <a:spLocks/>
+          </p:cNvSpPr>
+          <p:nvPr/>
+        </p:nvSpPr>
+        <p:spPr>
+          <a:xfrm>
+            <a:off x="5724128" y="555526"/>
+            <a:ext cx="3312368" cy="507703"/>
+          </a:xfrm>
+          <a:prstGeom prst="rect">
+            <a:avLst/>
+          </a:prstGeom>
+        </p:spPr>
+        <p:txBody>
+          <a:bodyPr vert="horz" lIns="91440" tIns="45720" rIns="91440" bIns="45720" rtlCol="0" anchor="ctr">
+            <a:noAutofit/>
+          </a:bodyPr>
+          <a:lstStyle/>
+          <a:p>
+            <a:pPr marL="0" marR="0" lvl="0" indent="0" algn="l" defTabSz="914400" rtl="0" eaLnBrk="1" fontAlgn="auto" latinLnBrk="0" hangingPunct="1">
+              <a:lnSpc>
+                <a:spcPct val="100000"/>
+              </a:lnSpc>
+              <a:spcBef>
+                <a:spcPct val="0"/>
+              </a:spcBef>
+              <a:spcAft>
+                <a:spcPts val="0"/>
+              </a:spcAft>
+              <a:buClrTx/>
+              <a:buSzTx/>
+              <a:buFontTx/>
+              <a:buNone/>
+              <a:tabLst/>
+              <a:defRPr/>
+            </a:pPr>
+            <a:r>
+              <a:rPr kumimoji="1" lang="en-US" altLang="ja-JP" sz="2800" b="0" i="0" u="none" strike="noStrike" kern="1200" cap="none" spc="0" normalizeH="0" baseline="0" noProof="0" dirty="0" smtClean="0">
+                <a:ln>
+                  <a:noFill/>
+                </a:ln>
+                <a:solidFill>
+                  <a:schemeClr val="tx1"/>
+                </a:solidFill>
+                <a:effectLst/>
+                <a:uLnTx/>
+                <a:uFillTx/>
+                <a:latin typeface="+mj-lt"/>
+                <a:ea typeface="+mj-ea"/>
+                <a:cs typeface="+mj-cs"/>
+              </a:rPr>
+              <a:t>LS4</a:t>
+            </a:r>
+            <a:r>
+              <a:rPr lang="en-US" altLang="ja-JP" sz="2800" dirty="0" smtClean="0">
+                <a:latin typeface="+mj-lt"/>
+                <a:ea typeface="+mj-ea"/>
+                <a:cs typeface="+mj-cs"/>
+              </a:rPr>
+              <a:t>(</a:t>
+            </a:r>
+            <a:r>
+              <a:rPr lang="en-US" altLang="ja-JP" sz="2800" dirty="0" err="1" smtClean="0">
+                <a:latin typeface="+mj-lt"/>
+                <a:ea typeface="+mj-ea"/>
+                <a:cs typeface="+mj-cs"/>
+              </a:rPr>
+              <a:t>SetupXBoxOne</a:t>
+            </a:r>
+            <a:r>
+              <a:rPr lang="en-US" altLang="ja-JP" sz="2800" dirty="0" smtClean="0">
+                <a:latin typeface="+mj-lt"/>
+                <a:ea typeface="+mj-ea"/>
+                <a:cs typeface="+mj-cs"/>
+              </a:rPr>
+              <a:t>)</a:t>
+            </a:r>
+            <a:endParaRPr kumimoji="1" lang="ja-JP" altLang="en-US" sz="2800" b="0" i="0" u="none" strike="noStrike" kern="1200" cap="none" spc="0" normalizeH="0" baseline="0" noProof="0" dirty="0">
+              <a:ln>
+                <a:noFill/>
+              </a:ln>
+              <a:solidFill>
+                <a:schemeClr val="tx1"/>
+              </a:solidFill>
+              <a:effectLst/>
+              <a:uLnTx/>
+              <a:uFillTx/>
+              <a:latin typeface="+mj-lt"/>
+              <a:ea typeface="+mj-ea"/>
+              <a:cs typeface="+mj-cs"/>
+            </a:endParaRPr>
+          </a:p>
+        </p:txBody>
+      </p:sp>
+      <p:sp>
+        <p:nvSpPr>
+          <p:cNvPr id="7" name="正方形/長方形 6"/>
+          <p:cNvSpPr/>
+          <p:nvPr/>
+        </p:nvSpPr>
+        <p:spPr>
+          <a:xfrm>
+            <a:off x="5616624" y="1059583"/>
+            <a:ext cx="3527376" cy="72007"/>
+          </a:xfrm>
+          <a:prstGeom prst="rect">
+            <a:avLst/>
+          </a:prstGeom>
+          <a:solidFill>
+            <a:srgbClr val="FFC000"/>
+          </a:solidFill>
+          <a:ln>
+            <a:noFill/>
+          </a:ln>
+        </p:spPr>
+        <p:style>
+          <a:lnRef idx="2">
+            <a:schemeClr val="accent1">
+              <a:shade val="50000"/>
+            </a:schemeClr>
+          </a:lnRef>
+          <a:fillRef idx="1">
+            <a:schemeClr val="accent1"/>
+          </a:fillRef>
+          <a:effectRef idx="0">
+            <a:schemeClr val="accent1"/>
+          </a:effectRef>
+          <a:fontRef idx="minor">
+            <a:schemeClr val="lt1"/>
+          </a:fontRef>
+        </p:style>
+        <p:txBody>
+          <a:bodyPr rtlCol="0" anchor="ctr"/>
+          <a:lstStyle/>
+          <a:p>
+            <a:pPr algn="ctr"/>
+            <a:endParaRPr kumimoji="1" lang="ja-JP" altLang="en-US"/>
+          </a:p>
+        </p:txBody>
+      </p:sp>
+      <p:sp>
+        <p:nvSpPr>
+          <p:cNvPr id="10" name="タイトル 1"/>
+          <p:cNvSpPr>
+            <a:spLocks noGrp="1"/>
+          </p:cNvSpPr>
+          <p:nvPr>
+            <p:ph type="title"/>
+          </p:nvPr>
+        </p:nvSpPr>
+        <p:spPr>
+          <a:xfrm>
+            <a:off x="179512" y="555525"/>
+            <a:ext cx="3384376" cy="507703"/>
+          </a:xfrm>
+        </p:spPr>
+        <p:txBody>
+          <a:bodyPr>
+            <a:noAutofit/>
+          </a:bodyPr>
+          <a:lstStyle/>
+          <a:p>
+            <a:pPr algn="l"/>
+            <a:r>
+              <a:rPr lang="en-US" altLang="ja-JP" sz="2800" dirty="0" smtClean="0"/>
+              <a:t>1.</a:t>
+            </a:r>
+            <a:r>
+              <a:rPr lang="ja-JP" altLang="en-US" sz="2800" dirty="0" smtClean="0"/>
+              <a:t>入社からこれまで</a:t>
+            </a:r>
+            <a:endParaRPr kumimoji="1" lang="ja-JP" altLang="en-US" sz="2800" dirty="0"/>
+          </a:p>
+        </p:txBody>
+      </p:sp>
       <p:pic>
         <p:nvPicPr>
-          <p:cNvPr id="7" name="図 6" descr="screen_02tcm2149947.jpg"/>
+          <p:cNvPr id="2050" name="Picture 2" descr="C:\Users\a-koyama\Desktop\試用期間終了\tumblr_static_130522_xboxone1.jpg"/>
           <p:cNvPicPr>
-            <a:picLocks noChangeAspect="1"/>
+            <a:picLocks noChangeAspect="1" noChangeArrowheads="1"/>
           </p:cNvPicPr>
           <p:nvPr/>
         </p:nvPicPr>
         <p:blipFill>
           <a:blip r:embed="rId2" cstate="print"/>
+          <a:srcRect/>
           <a:stretch>
             <a:fillRect/>
           </a:stretch>
         </p:blipFill>
-        <p:spPr>
-          <a:xfrm>
-            <a:off x="683568" y="1995686"/>
-            <a:ext cx="4313087" cy="2424797"/>
+        <p:spPr bwMode="auto">
+          <a:xfrm>
+            <a:off x="1691680" y="1275606"/>
+            <a:ext cx="5519936" cy="3104964"/>
           </a:xfrm>
           <a:prstGeom prst="rect">
             <a:avLst/>
@@ -6977,1415 +11555,6 @@
           </a:sp3d>
         </p:spPr>
       </p:pic>
-      <p:pic>
-        <p:nvPicPr>
-          <p:cNvPr id="8" name="図 7" descr="child-of-light-wallpapers1.jpg"/>
-          <p:cNvPicPr>
-            <a:picLocks noChangeAspect="1"/>
-          </p:cNvPicPr>
-          <p:nvPr/>
-        </p:nvPicPr>
-        <p:blipFill>
-          <a:blip r:embed="rId3" cstate="print"/>
-          <a:stretch>
-            <a:fillRect/>
-          </a:stretch>
-        </p:blipFill>
-        <p:spPr>
-          <a:xfrm>
-            <a:off x="4572000" y="1635646"/>
-            <a:ext cx="4227547" cy="2378217"/>
-          </a:xfrm>
-          <a:prstGeom prst="rect">
-            <a:avLst/>
-          </a:prstGeom>
-          <a:solidFill>
-            <a:srgbClr val="FFFFFF">
-              <a:shade val="85000"/>
-            </a:srgbClr>
-          </a:solidFill>
-          <a:ln w="190500" cap="rnd">
-            <a:solidFill>
-              <a:srgbClr val="FFFFFF"/>
-            </a:solidFill>
-          </a:ln>
-          <a:effectLst>
-            <a:outerShdw blurRad="50000" algn="tl" rotWithShape="0">
-              <a:srgbClr val="000000">
-                <a:alpha val="41000"/>
-              </a:srgbClr>
-            </a:outerShdw>
-          </a:effectLst>
-          <a:scene3d>
-            <a:camera prst="orthographicFront"/>
-            <a:lightRig rig="twoPt" dir="t">
-              <a:rot lat="0" lon="0" rev="7800000"/>
-            </a:lightRig>
-          </a:scene3d>
-          <a:sp3d contourW="6350">
-            <a:bevelT w="50800" h="16510"/>
-            <a:contourClr>
-              <a:srgbClr val="C0C0C0"/>
-            </a:contourClr>
-          </a:sp3d>
-        </p:spPr>
-      </p:pic>
-      <p:sp>
-        <p:nvSpPr>
-          <p:cNvPr id="11" name="タイトル 1"/>
-          <p:cNvSpPr txBox="1">
-            <a:spLocks/>
-          </p:cNvSpPr>
-          <p:nvPr/>
-        </p:nvSpPr>
-        <p:spPr>
-          <a:xfrm>
-            <a:off x="5724128" y="555526"/>
-            <a:ext cx="3106688" cy="507703"/>
-          </a:xfrm>
-          <a:prstGeom prst="rect">
-            <a:avLst/>
-          </a:prstGeom>
-        </p:spPr>
-        <p:txBody>
-          <a:bodyPr vert="horz" lIns="91440" tIns="45720" rIns="91440" bIns="45720" rtlCol="0" anchor="ctr">
-            <a:noAutofit/>
-          </a:bodyPr>
-          <a:lstStyle/>
-          <a:p>
-            <a:pPr marL="0" marR="0" lvl="0" indent="0" algn="l" defTabSz="914400" rtl="0" eaLnBrk="1" fontAlgn="auto" latinLnBrk="0" hangingPunct="1">
-              <a:lnSpc>
-                <a:spcPct val="100000"/>
-              </a:lnSpc>
-              <a:spcBef>
-                <a:spcPct val="0"/>
-              </a:spcBef>
-              <a:spcAft>
-                <a:spcPts val="0"/>
-              </a:spcAft>
-              <a:buClrTx/>
-              <a:buSzTx/>
-              <a:buFontTx/>
-              <a:buNone/>
-              <a:tabLst/>
-              <a:defRPr/>
-            </a:pPr>
-            <a:r>
-              <a:rPr kumimoji="1" lang="en-US" altLang="ja-JP" sz="2800" b="0" i="0" u="none" strike="noStrike" kern="1200" cap="none" spc="0" normalizeH="0" baseline="0" noProof="0" dirty="0" err="1" smtClean="0">
-                <a:ln>
-                  <a:noFill/>
-                </a:ln>
-                <a:solidFill>
-                  <a:schemeClr val="tx1"/>
-                </a:solidFill>
-                <a:effectLst/>
-                <a:uLnTx/>
-                <a:uFillTx/>
-                <a:latin typeface="+mj-lt"/>
-                <a:ea typeface="+mj-ea"/>
-                <a:cs typeface="+mj-cs"/>
-              </a:rPr>
-              <a:t>UbiArtFramework</a:t>
-            </a:r>
-            <a:endParaRPr kumimoji="1" lang="ja-JP" altLang="en-US" sz="2800" b="0" i="0" u="none" strike="noStrike" kern="1200" cap="none" spc="0" normalizeH="0" baseline="0" noProof="0" dirty="0">
-              <a:ln>
-                <a:noFill/>
-              </a:ln>
-              <a:solidFill>
-                <a:schemeClr val="tx1"/>
-              </a:solidFill>
-              <a:effectLst/>
-              <a:uLnTx/>
-              <a:uFillTx/>
-              <a:latin typeface="+mj-lt"/>
-              <a:ea typeface="+mj-ea"/>
-              <a:cs typeface="+mj-cs"/>
-            </a:endParaRPr>
-          </a:p>
-        </p:txBody>
-      </p:sp>
-      <p:sp>
-        <p:nvSpPr>
-          <p:cNvPr id="13" name="正方形/長方形 12"/>
-          <p:cNvSpPr/>
-          <p:nvPr/>
-        </p:nvSpPr>
-        <p:spPr>
-          <a:xfrm>
-            <a:off x="5616624" y="1059583"/>
-            <a:ext cx="3527376" cy="72007"/>
-          </a:xfrm>
-          <a:prstGeom prst="rect">
-            <a:avLst/>
-          </a:prstGeom>
-          <a:solidFill>
-            <a:srgbClr val="FFC000"/>
-          </a:solidFill>
-          <a:ln>
-            <a:noFill/>
-          </a:ln>
-        </p:spPr>
-        <p:style>
-          <a:lnRef idx="2">
-            <a:schemeClr val="accent1">
-              <a:shade val="50000"/>
-            </a:schemeClr>
-          </a:lnRef>
-          <a:fillRef idx="1">
-            <a:schemeClr val="accent1"/>
-          </a:fillRef>
-          <a:effectRef idx="0">
-            <a:schemeClr val="accent1"/>
-          </a:effectRef>
-          <a:fontRef idx="minor">
-            <a:schemeClr val="lt1"/>
-          </a:fontRef>
-        </p:style>
-        <p:txBody>
-          <a:bodyPr rtlCol="0" anchor="ctr"/>
-          <a:lstStyle/>
-          <a:p>
-            <a:pPr algn="ctr"/>
-            <a:endParaRPr kumimoji="1" lang="ja-JP" altLang="en-US"/>
-          </a:p>
-        </p:txBody>
-      </p:sp>
-    </p:spTree>
-  </p:cSld>
-  <p:clrMapOvr>
-    <a:masterClrMapping/>
-  </p:clrMapOvr>
-  <p:timing>
-    <p:tnLst>
-      <p:par>
-        <p:cTn id="1" dur="indefinite" restart="never" nodeType="tmRoot"/>
-      </p:par>
-    </p:tnLst>
-  </p:timing>
-</p:sld>
-</file>
-
-<file path=ppt/slides/slide6.xml><?xml version="1.0" encoding="utf-8"?>
-<p:sld xmlns:a="http://schemas.openxmlformats.org/drawingml/2006/main" xmlns:r="http://schemas.openxmlformats.org/officeDocument/2006/relationships" xmlns:p="http://schemas.openxmlformats.org/presentationml/2006/main">
-  <p:cSld>
-    <p:spTree>
-      <p:nvGrpSpPr>
-        <p:cNvPr id="1" name=""/>
-        <p:cNvGrpSpPr/>
-        <p:nvPr/>
-      </p:nvGrpSpPr>
-      <p:grpSpPr>
-        <a:xfrm>
-          <a:off x="0" y="0"/>
-          <a:ext cx="0" cy="0"/>
-          <a:chOff x="0" y="0"/>
-          <a:chExt cx="0" cy="0"/>
-        </a:xfrm>
-      </p:grpSpPr>
-      <p:sp>
-        <p:nvSpPr>
-          <p:cNvPr id="2" name="タイトル 1"/>
-          <p:cNvSpPr>
-            <a:spLocks noGrp="1"/>
-          </p:cNvSpPr>
-          <p:nvPr>
-            <p:ph type="title"/>
-          </p:nvPr>
-        </p:nvSpPr>
-        <p:spPr>
-          <a:xfrm>
-            <a:off x="179512" y="555525"/>
-            <a:ext cx="2448272" cy="507703"/>
-          </a:xfrm>
-        </p:spPr>
-        <p:txBody>
-          <a:bodyPr>
-            <a:normAutofit fontScale="90000"/>
-          </a:bodyPr>
-          <a:lstStyle/>
-          <a:p>
-            <a:pPr algn="l"/>
-            <a:r>
-              <a:rPr kumimoji="1" lang="en-US" altLang="ja-JP" dirty="0" smtClean="0">
-                <a:latin typeface="Segoe UI" pitchFamily="34" charset="0"/>
-                <a:ea typeface="Segoe UI" pitchFamily="34" charset="0"/>
-                <a:cs typeface="Segoe UI" pitchFamily="34" charset="0"/>
-              </a:rPr>
-              <a:t>Contents</a:t>
-            </a:r>
-            <a:endParaRPr kumimoji="1" lang="ja-JP" altLang="en-US" dirty="0">
-              <a:latin typeface="Segoe UI" pitchFamily="34" charset="0"/>
-              <a:ea typeface="Meiryo UI" pitchFamily="50" charset="-128"/>
-              <a:cs typeface="Segoe UI" pitchFamily="34" charset="0"/>
-            </a:endParaRPr>
-          </a:p>
-        </p:txBody>
-      </p:sp>
-      <p:sp>
-        <p:nvSpPr>
-          <p:cNvPr id="3" name="コンテンツ プレースホルダ 2"/>
-          <p:cNvSpPr>
-            <a:spLocks noGrp="1"/>
-          </p:cNvSpPr>
-          <p:nvPr>
-            <p:ph idx="1"/>
-          </p:nvPr>
-        </p:nvSpPr>
-        <p:spPr>
-          <a:xfrm>
-            <a:off x="4345632" y="1203597"/>
-            <a:ext cx="6131024" cy="3391025"/>
-          </a:xfrm>
-        </p:spPr>
-        <p:txBody>
-          <a:bodyPr/>
-          <a:lstStyle/>
-          <a:p>
-            <a:pPr algn="just">
-              <a:buNone/>
-            </a:pPr>
-            <a:r>
-              <a:rPr kumimoji="1" lang="en-US" altLang="ja-JP" dirty="0" smtClean="0"/>
-              <a:t>1.</a:t>
-            </a:r>
-            <a:r>
-              <a:rPr lang="ja-JP" altLang="en-US" dirty="0" smtClean="0"/>
-              <a:t>入社からこれまで</a:t>
-            </a:r>
-            <a:endParaRPr kumimoji="1" lang="en-US" altLang="ja-JP" dirty="0" smtClean="0"/>
-          </a:p>
-          <a:p>
-            <a:pPr algn="just">
-              <a:buNone/>
-            </a:pPr>
-            <a:r>
-              <a:rPr lang="en-US" altLang="ja-JP" dirty="0" smtClean="0"/>
-              <a:t>2.</a:t>
-            </a:r>
-            <a:r>
-              <a:rPr lang="ja-JP" altLang="en-US" dirty="0" smtClean="0"/>
-              <a:t>覚えたこと</a:t>
-            </a:r>
-            <a:endParaRPr lang="en-US" altLang="ja-JP" dirty="0" smtClean="0"/>
-          </a:p>
-          <a:p>
-            <a:pPr algn="just">
-              <a:buNone/>
-            </a:pPr>
-            <a:r>
-              <a:rPr kumimoji="1" lang="en-US" altLang="ja-JP" dirty="0" smtClean="0"/>
-              <a:t>3.</a:t>
-            </a:r>
-            <a:r>
-              <a:rPr lang="ja-JP" altLang="en-US" dirty="0" smtClean="0"/>
-              <a:t>これからのこと</a:t>
-            </a:r>
-            <a:endParaRPr kumimoji="1" lang="en-US" altLang="ja-JP" dirty="0" smtClean="0"/>
-          </a:p>
-          <a:p>
-            <a:pPr algn="just">
-              <a:buNone/>
-            </a:pPr>
-            <a:r>
-              <a:rPr lang="en-US" altLang="ja-JP" dirty="0" smtClean="0"/>
-              <a:t>4</a:t>
-            </a:r>
-            <a:r>
-              <a:rPr lang="en-US" altLang="ja-JP" dirty="0" smtClean="0"/>
-              <a:t>.</a:t>
-            </a:r>
-          </a:p>
-          <a:p>
-            <a:pPr algn="just">
-              <a:buNone/>
-            </a:pPr>
-            <a:r>
-              <a:rPr kumimoji="1" lang="en-US" altLang="ja-JP" dirty="0" smtClean="0"/>
-              <a:t>5.</a:t>
-            </a:r>
-            <a:endParaRPr kumimoji="1" lang="ja-JP" altLang="en-US" dirty="0"/>
-          </a:p>
-        </p:txBody>
-      </p:sp>
-      <p:sp>
-        <p:nvSpPr>
-          <p:cNvPr id="4" name="日付プレースホルダ 3"/>
-          <p:cNvSpPr>
-            <a:spLocks noGrp="1"/>
-          </p:cNvSpPr>
-          <p:nvPr>
-            <p:ph type="dt" sz="half" idx="10"/>
-          </p:nvPr>
-        </p:nvSpPr>
-        <p:spPr/>
-        <p:txBody>
-          <a:bodyPr/>
-          <a:lstStyle/>
-          <a:p>
-            <a:fld id="{FC7AB2BD-E9B7-45BF-89F9-A3C60FAD2BB8}" type="datetime2">
-              <a:rPr lang="en-US" altLang="ja-JP" smtClean="0"/>
-              <a:pPr/>
-              <a:t>Monday, September 29, 2014</a:t>
-            </a:fld>
-            <a:endParaRPr lang="ja-JP" altLang="en-US" dirty="0"/>
-          </a:p>
-        </p:txBody>
-      </p:sp>
-      <p:sp>
-        <p:nvSpPr>
-          <p:cNvPr id="5" name="正方形/長方形 4"/>
-          <p:cNvSpPr/>
-          <p:nvPr/>
-        </p:nvSpPr>
-        <p:spPr>
-          <a:xfrm>
-            <a:off x="0" y="1059582"/>
-            <a:ext cx="2555776" cy="72008"/>
-          </a:xfrm>
-          <a:prstGeom prst="rect">
-            <a:avLst/>
-          </a:prstGeom>
-          <a:solidFill>
-            <a:schemeClr val="accent1">
-              <a:lumMod val="75000"/>
-            </a:schemeClr>
-          </a:solidFill>
-          <a:ln>
-            <a:noFill/>
-          </a:ln>
-        </p:spPr>
-        <p:style>
-          <a:lnRef idx="2">
-            <a:schemeClr val="accent1">
-              <a:shade val="50000"/>
-            </a:schemeClr>
-          </a:lnRef>
-          <a:fillRef idx="1">
-            <a:schemeClr val="accent1"/>
-          </a:fillRef>
-          <a:effectRef idx="0">
-            <a:schemeClr val="accent1"/>
-          </a:effectRef>
-          <a:fontRef idx="minor">
-            <a:schemeClr val="lt1"/>
-          </a:fontRef>
-        </p:style>
-        <p:txBody>
-          <a:bodyPr rtlCol="0" anchor="ctr"/>
-          <a:lstStyle/>
-          <a:p>
-            <a:pPr algn="ctr"/>
-            <a:endParaRPr kumimoji="1" lang="ja-JP" altLang="en-US"/>
-          </a:p>
-        </p:txBody>
-      </p:sp>
-      <p:grpSp>
-        <p:nvGrpSpPr>
-          <p:cNvPr id="6" name="グループ化 11"/>
-          <p:cNvGrpSpPr/>
-          <p:nvPr/>
-        </p:nvGrpSpPr>
-        <p:grpSpPr>
-          <a:xfrm>
-            <a:off x="4211960" y="1707654"/>
-            <a:ext cx="4943542" cy="2376264"/>
-            <a:chOff x="4211960" y="1707654"/>
-            <a:chExt cx="4943542" cy="2376264"/>
-          </a:xfrm>
-        </p:grpSpPr>
-        <p:sp>
-          <p:nvSpPr>
-            <p:cNvPr id="7" name="正方形/長方形 6"/>
-            <p:cNvSpPr/>
-            <p:nvPr/>
-          </p:nvSpPr>
-          <p:spPr>
-            <a:xfrm>
-              <a:off x="4211960" y="1707654"/>
-              <a:ext cx="4943542" cy="72008"/>
-            </a:xfrm>
-            <a:prstGeom prst="rect">
-              <a:avLst/>
-            </a:prstGeom>
-            <a:solidFill>
-              <a:schemeClr val="tx2">
-                <a:lumMod val="75000"/>
-              </a:schemeClr>
-            </a:solidFill>
-            <a:ln>
-              <a:noFill/>
-            </a:ln>
-          </p:spPr>
-          <p:style>
-            <a:lnRef idx="2">
-              <a:schemeClr val="accent1">
-                <a:shade val="50000"/>
-              </a:schemeClr>
-            </a:lnRef>
-            <a:fillRef idx="1">
-              <a:schemeClr val="accent1"/>
-            </a:fillRef>
-            <a:effectRef idx="0">
-              <a:schemeClr val="accent1"/>
-            </a:effectRef>
-            <a:fontRef idx="minor">
-              <a:schemeClr val="lt1"/>
-            </a:fontRef>
-          </p:style>
-          <p:txBody>
-            <a:bodyPr rtlCol="0" anchor="ctr"/>
-            <a:lstStyle/>
-            <a:p>
-              <a:pPr algn="ctr"/>
-              <a:endParaRPr kumimoji="1" lang="ja-JP" altLang="en-US"/>
-            </a:p>
-          </p:txBody>
-        </p:sp>
-        <p:sp>
-          <p:nvSpPr>
-            <p:cNvPr id="8" name="正方形/長方形 7"/>
-            <p:cNvSpPr/>
-            <p:nvPr/>
-          </p:nvSpPr>
-          <p:spPr>
-            <a:xfrm>
-              <a:off x="4211960" y="2283718"/>
-              <a:ext cx="4943542" cy="72008"/>
-            </a:xfrm>
-            <a:prstGeom prst="rect">
-              <a:avLst/>
-            </a:prstGeom>
-            <a:solidFill>
-              <a:srgbClr val="00B0F0"/>
-            </a:solidFill>
-            <a:ln>
-              <a:noFill/>
-            </a:ln>
-          </p:spPr>
-          <p:style>
-            <a:lnRef idx="2">
-              <a:schemeClr val="accent1">
-                <a:shade val="50000"/>
-              </a:schemeClr>
-            </a:lnRef>
-            <a:fillRef idx="1">
-              <a:schemeClr val="accent1"/>
-            </a:fillRef>
-            <a:effectRef idx="0">
-              <a:schemeClr val="accent1"/>
-            </a:effectRef>
-            <a:fontRef idx="minor">
-              <a:schemeClr val="lt1"/>
-            </a:fontRef>
-          </p:style>
-          <p:txBody>
-            <a:bodyPr rtlCol="0" anchor="ctr"/>
-            <a:lstStyle/>
-            <a:p>
-              <a:pPr algn="ctr"/>
-              <a:endParaRPr kumimoji="1" lang="ja-JP" altLang="en-US"/>
-            </a:p>
-          </p:txBody>
-        </p:sp>
-        <p:sp>
-          <p:nvSpPr>
-            <p:cNvPr id="9" name="正方形/長方形 8"/>
-            <p:cNvSpPr/>
-            <p:nvPr/>
-          </p:nvSpPr>
-          <p:spPr>
-            <a:xfrm>
-              <a:off x="4211960" y="2859782"/>
-              <a:ext cx="4943542" cy="72008"/>
-            </a:xfrm>
-            <a:prstGeom prst="rect">
-              <a:avLst/>
-            </a:prstGeom>
-            <a:solidFill>
-              <a:schemeClr val="tx2">
-                <a:lumMod val="75000"/>
-              </a:schemeClr>
-            </a:solidFill>
-            <a:ln>
-              <a:noFill/>
-            </a:ln>
-          </p:spPr>
-          <p:style>
-            <a:lnRef idx="2">
-              <a:schemeClr val="accent1">
-                <a:shade val="50000"/>
-              </a:schemeClr>
-            </a:lnRef>
-            <a:fillRef idx="1">
-              <a:schemeClr val="accent1"/>
-            </a:fillRef>
-            <a:effectRef idx="0">
-              <a:schemeClr val="accent1"/>
-            </a:effectRef>
-            <a:fontRef idx="minor">
-              <a:schemeClr val="lt1"/>
-            </a:fontRef>
-          </p:style>
-          <p:txBody>
-            <a:bodyPr rtlCol="0" anchor="ctr"/>
-            <a:lstStyle/>
-            <a:p>
-              <a:pPr algn="ctr"/>
-              <a:endParaRPr kumimoji="1" lang="ja-JP" altLang="en-US"/>
-            </a:p>
-          </p:txBody>
-        </p:sp>
-        <p:sp>
-          <p:nvSpPr>
-            <p:cNvPr id="10" name="正方形/長方形 9"/>
-            <p:cNvSpPr/>
-            <p:nvPr/>
-          </p:nvSpPr>
-          <p:spPr>
-            <a:xfrm>
-              <a:off x="4211960" y="3435846"/>
-              <a:ext cx="4943542" cy="72008"/>
-            </a:xfrm>
-            <a:prstGeom prst="rect">
-              <a:avLst/>
-            </a:prstGeom>
-            <a:solidFill>
-              <a:schemeClr val="tx2">
-                <a:lumMod val="75000"/>
-              </a:schemeClr>
-            </a:solidFill>
-            <a:ln>
-              <a:noFill/>
-            </a:ln>
-          </p:spPr>
-          <p:style>
-            <a:lnRef idx="2">
-              <a:schemeClr val="accent1">
-                <a:shade val="50000"/>
-              </a:schemeClr>
-            </a:lnRef>
-            <a:fillRef idx="1">
-              <a:schemeClr val="accent1"/>
-            </a:fillRef>
-            <a:effectRef idx="0">
-              <a:schemeClr val="accent1"/>
-            </a:effectRef>
-            <a:fontRef idx="minor">
-              <a:schemeClr val="lt1"/>
-            </a:fontRef>
-          </p:style>
-          <p:txBody>
-            <a:bodyPr rtlCol="0" anchor="ctr"/>
-            <a:lstStyle/>
-            <a:p>
-              <a:pPr algn="ctr"/>
-              <a:endParaRPr kumimoji="1" lang="ja-JP" altLang="en-US"/>
-            </a:p>
-          </p:txBody>
-        </p:sp>
-        <p:sp>
-          <p:nvSpPr>
-            <p:cNvPr id="11" name="正方形/長方形 10"/>
-            <p:cNvSpPr/>
-            <p:nvPr/>
-          </p:nvSpPr>
-          <p:spPr>
-            <a:xfrm>
-              <a:off x="4211960" y="4011910"/>
-              <a:ext cx="4943542" cy="72008"/>
-            </a:xfrm>
-            <a:prstGeom prst="rect">
-              <a:avLst/>
-            </a:prstGeom>
-            <a:solidFill>
-              <a:schemeClr val="tx2">
-                <a:lumMod val="75000"/>
-              </a:schemeClr>
-            </a:solidFill>
-            <a:ln>
-              <a:noFill/>
-            </a:ln>
-          </p:spPr>
-          <p:style>
-            <a:lnRef idx="2">
-              <a:schemeClr val="accent1">
-                <a:shade val="50000"/>
-              </a:schemeClr>
-            </a:lnRef>
-            <a:fillRef idx="1">
-              <a:schemeClr val="accent1"/>
-            </a:fillRef>
-            <a:effectRef idx="0">
-              <a:schemeClr val="accent1"/>
-            </a:effectRef>
-            <a:fontRef idx="minor">
-              <a:schemeClr val="lt1"/>
-            </a:fontRef>
-          </p:style>
-          <p:txBody>
-            <a:bodyPr rtlCol="0" anchor="ctr"/>
-            <a:lstStyle/>
-            <a:p>
-              <a:pPr algn="ctr"/>
-              <a:endParaRPr kumimoji="1" lang="ja-JP" altLang="en-US"/>
-            </a:p>
-          </p:txBody>
-        </p:sp>
-      </p:grpSp>
-    </p:spTree>
-  </p:cSld>
-  <p:clrMapOvr>
-    <a:masterClrMapping/>
-  </p:clrMapOvr>
-  <p:timing>
-    <p:tnLst>
-      <p:par>
-        <p:cTn id="1" dur="indefinite" restart="never" nodeType="tmRoot"/>
-      </p:par>
-    </p:tnLst>
-  </p:timing>
-</p:sld>
-</file>
-
-<file path=ppt/slides/slide7.xml><?xml version="1.0" encoding="utf-8"?>
-<p:sld xmlns:a="http://schemas.openxmlformats.org/drawingml/2006/main" xmlns:r="http://schemas.openxmlformats.org/officeDocument/2006/relationships" xmlns:p="http://schemas.openxmlformats.org/presentationml/2006/main">
-  <p:cSld>
-    <p:spTree>
-      <p:nvGrpSpPr>
-        <p:cNvPr id="1" name=""/>
-        <p:cNvGrpSpPr/>
-        <p:nvPr/>
-      </p:nvGrpSpPr>
-      <p:grpSpPr>
-        <a:xfrm>
-          <a:off x="0" y="0"/>
-          <a:ext cx="0" cy="0"/>
-          <a:chOff x="0" y="0"/>
-          <a:chExt cx="0" cy="0"/>
-        </a:xfrm>
-      </p:grpSpPr>
-      <p:sp>
-        <p:nvSpPr>
-          <p:cNvPr id="4" name="日付プレースホルダ 3"/>
-          <p:cNvSpPr>
-            <a:spLocks noGrp="1"/>
-          </p:cNvSpPr>
-          <p:nvPr>
-            <p:ph type="dt" sz="half" idx="10"/>
-          </p:nvPr>
-        </p:nvSpPr>
-        <p:spPr/>
-        <p:txBody>
-          <a:bodyPr/>
-          <a:lstStyle/>
-          <a:p>
-            <a:fld id="{FC7AB2BD-E9B7-45BF-89F9-A3C60FAD2BB8}" type="datetime2">
-              <a:rPr lang="en-US" altLang="ja-JP" smtClean="0"/>
-              <a:pPr/>
-              <a:t>Monday, September 29, 2014</a:t>
-            </a:fld>
-            <a:endParaRPr lang="ja-JP" altLang="en-US" dirty="0"/>
-          </a:p>
-        </p:txBody>
-      </p:sp>
-      <p:sp>
-        <p:nvSpPr>
-          <p:cNvPr id="5" name="正方形/長方形 4"/>
-          <p:cNvSpPr/>
-          <p:nvPr/>
-        </p:nvSpPr>
-        <p:spPr>
-          <a:xfrm>
-            <a:off x="0" y="1059582"/>
-            <a:ext cx="3563888" cy="72008"/>
-          </a:xfrm>
-          <a:prstGeom prst="rect">
-            <a:avLst/>
-          </a:prstGeom>
-          <a:solidFill>
-            <a:schemeClr val="accent1">
-              <a:lumMod val="75000"/>
-            </a:schemeClr>
-          </a:solidFill>
-          <a:ln>
-            <a:noFill/>
-          </a:ln>
-        </p:spPr>
-        <p:style>
-          <a:lnRef idx="2">
-            <a:schemeClr val="accent1">
-              <a:shade val="50000"/>
-            </a:schemeClr>
-          </a:lnRef>
-          <a:fillRef idx="1">
-            <a:schemeClr val="accent1"/>
-          </a:fillRef>
-          <a:effectRef idx="0">
-            <a:schemeClr val="accent1"/>
-          </a:effectRef>
-          <a:fontRef idx="minor">
-            <a:schemeClr val="lt1"/>
-          </a:fontRef>
-        </p:style>
-        <p:txBody>
-          <a:bodyPr rtlCol="0" anchor="ctr"/>
-          <a:lstStyle/>
-          <a:p>
-            <a:pPr algn="ctr"/>
-            <a:endParaRPr kumimoji="1" lang="ja-JP" altLang="en-US"/>
-          </a:p>
-        </p:txBody>
-      </p:sp>
-      <p:sp>
-        <p:nvSpPr>
-          <p:cNvPr id="12" name="コンテンツ プレースホルダ 11"/>
-          <p:cNvSpPr>
-            <a:spLocks noGrp="1"/>
-          </p:cNvSpPr>
-          <p:nvPr>
-            <p:ph idx="1"/>
-          </p:nvPr>
-        </p:nvSpPr>
-        <p:spPr/>
-        <p:txBody>
-          <a:bodyPr/>
-          <a:lstStyle/>
-          <a:p>
-            <a:endParaRPr kumimoji="1" lang="ja-JP" altLang="en-US" dirty="0"/>
-          </a:p>
-        </p:txBody>
-      </p:sp>
-      <p:sp>
-        <p:nvSpPr>
-          <p:cNvPr id="6" name="タイトル 1"/>
-          <p:cNvSpPr txBox="1">
-            <a:spLocks/>
-          </p:cNvSpPr>
-          <p:nvPr/>
-        </p:nvSpPr>
-        <p:spPr>
-          <a:xfrm>
-            <a:off x="179512" y="555525"/>
-            <a:ext cx="3384376" cy="507703"/>
-          </a:xfrm>
-          <a:prstGeom prst="rect">
-            <a:avLst/>
-          </a:prstGeom>
-        </p:spPr>
-        <p:txBody>
-          <a:bodyPr vert="horz" lIns="91440" tIns="45720" rIns="91440" bIns="45720" rtlCol="0" anchor="ctr">
-            <a:noAutofit/>
-          </a:bodyPr>
-          <a:lstStyle/>
-          <a:p>
-            <a:pPr lvl="0">
-              <a:spcBef>
-                <a:spcPct val="0"/>
-              </a:spcBef>
-            </a:pPr>
-            <a:r>
-              <a:rPr lang="en-US" altLang="ja-JP" sz="2800" dirty="0" smtClean="0"/>
-              <a:t>2.</a:t>
-            </a:r>
-            <a:r>
-              <a:rPr lang="ja-JP" altLang="en-US" sz="2800" dirty="0" smtClean="0"/>
-              <a:t>覚えたこと</a:t>
-            </a:r>
-            <a:endParaRPr kumimoji="1" lang="ja-JP" altLang="en-US" sz="2800" b="0" i="0" u="none" strike="noStrike" kern="1200" cap="none" spc="0" normalizeH="0" baseline="0" noProof="0" dirty="0">
-              <a:ln>
-                <a:noFill/>
-              </a:ln>
-              <a:solidFill>
-                <a:schemeClr val="tx1"/>
-              </a:solidFill>
-              <a:effectLst/>
-              <a:uLnTx/>
-              <a:uFillTx/>
-              <a:latin typeface="+mj-lt"/>
-              <a:ea typeface="+mj-ea"/>
-              <a:cs typeface="+mj-cs"/>
-            </a:endParaRPr>
-          </a:p>
-        </p:txBody>
-      </p:sp>
-    </p:spTree>
-  </p:cSld>
-  <p:clrMapOvr>
-    <a:masterClrMapping/>
-  </p:clrMapOvr>
-  <p:timing>
-    <p:tnLst>
-      <p:par>
-        <p:cTn id="1" dur="indefinite" restart="never" nodeType="tmRoot"/>
-      </p:par>
-    </p:tnLst>
-  </p:timing>
-</p:sld>
-</file>
-
-<file path=ppt/slides/slide8.xml><?xml version="1.0" encoding="utf-8"?>
-<p:sld xmlns:a="http://schemas.openxmlformats.org/drawingml/2006/main" xmlns:r="http://schemas.openxmlformats.org/officeDocument/2006/relationships" xmlns:p="http://schemas.openxmlformats.org/presentationml/2006/main">
-  <p:cSld>
-    <p:spTree>
-      <p:nvGrpSpPr>
-        <p:cNvPr id="1" name=""/>
-        <p:cNvGrpSpPr/>
-        <p:nvPr/>
-      </p:nvGrpSpPr>
-      <p:grpSpPr>
-        <a:xfrm>
-          <a:off x="0" y="0"/>
-          <a:ext cx="0" cy="0"/>
-          <a:chOff x="0" y="0"/>
-          <a:chExt cx="0" cy="0"/>
-        </a:xfrm>
-      </p:grpSpPr>
-      <p:sp>
-        <p:nvSpPr>
-          <p:cNvPr id="2" name="タイトル 1"/>
-          <p:cNvSpPr>
-            <a:spLocks noGrp="1"/>
-          </p:cNvSpPr>
-          <p:nvPr>
-            <p:ph type="title"/>
-          </p:nvPr>
-        </p:nvSpPr>
-        <p:spPr/>
-        <p:txBody>
-          <a:bodyPr>
-            <a:normAutofit fontScale="90000"/>
-          </a:bodyPr>
-          <a:lstStyle/>
-          <a:p>
-            <a:endParaRPr kumimoji="1" lang="ja-JP" altLang="en-US"/>
-          </a:p>
-        </p:txBody>
-      </p:sp>
-      <p:sp>
-        <p:nvSpPr>
-          <p:cNvPr id="3" name="コンテンツ プレースホルダ 2"/>
-          <p:cNvSpPr>
-            <a:spLocks noGrp="1"/>
-          </p:cNvSpPr>
-          <p:nvPr>
-            <p:ph idx="1"/>
-          </p:nvPr>
-        </p:nvSpPr>
-        <p:spPr/>
-        <p:txBody>
-          <a:bodyPr/>
-          <a:lstStyle/>
-          <a:p>
-            <a:endParaRPr kumimoji="1" lang="ja-JP" altLang="en-US"/>
-          </a:p>
-        </p:txBody>
-      </p:sp>
-      <p:sp>
-        <p:nvSpPr>
-          <p:cNvPr id="4" name="日付プレースホルダ 3"/>
-          <p:cNvSpPr>
-            <a:spLocks noGrp="1"/>
-          </p:cNvSpPr>
-          <p:nvPr>
-            <p:ph type="dt" sz="half" idx="10"/>
-          </p:nvPr>
-        </p:nvSpPr>
-        <p:spPr/>
-        <p:txBody>
-          <a:bodyPr/>
-          <a:lstStyle/>
-          <a:p>
-            <a:fld id="{FC7AB2BD-E9B7-45BF-89F9-A3C60FAD2BB8}" type="datetime2">
-              <a:rPr lang="en-US" altLang="ja-JP" smtClean="0"/>
-              <a:pPr/>
-              <a:t>Monday, September 29, 2014</a:t>
-            </a:fld>
-            <a:endParaRPr lang="ja-JP" altLang="en-US" dirty="0"/>
-          </a:p>
-        </p:txBody>
-      </p:sp>
-    </p:spTree>
-  </p:cSld>
-  <p:clrMapOvr>
-    <a:masterClrMapping/>
-  </p:clrMapOvr>
-  <p:timing>
-    <p:tnLst>
-      <p:par>
-        <p:cTn id="1" dur="indefinite" restart="never" nodeType="tmRoot"/>
-      </p:par>
-    </p:tnLst>
-  </p:timing>
-</p:sld>
-</file>
-
-<file path=ppt/slides/slide9.xml><?xml version="1.0" encoding="utf-8"?>
-<p:sld xmlns:a="http://schemas.openxmlformats.org/drawingml/2006/main" xmlns:r="http://schemas.openxmlformats.org/officeDocument/2006/relationships" xmlns:p="http://schemas.openxmlformats.org/presentationml/2006/main">
-  <p:cSld>
-    <p:spTree>
-      <p:nvGrpSpPr>
-        <p:cNvPr id="1" name=""/>
-        <p:cNvGrpSpPr/>
-        <p:nvPr/>
-      </p:nvGrpSpPr>
-      <p:grpSpPr>
-        <a:xfrm>
-          <a:off x="0" y="0"/>
-          <a:ext cx="0" cy="0"/>
-          <a:chOff x="0" y="0"/>
-          <a:chExt cx="0" cy="0"/>
-        </a:xfrm>
-      </p:grpSpPr>
-      <p:sp>
-        <p:nvSpPr>
-          <p:cNvPr id="2" name="タイトル 1"/>
-          <p:cNvSpPr>
-            <a:spLocks noGrp="1"/>
-          </p:cNvSpPr>
-          <p:nvPr>
-            <p:ph type="title"/>
-          </p:nvPr>
-        </p:nvSpPr>
-        <p:spPr>
-          <a:xfrm>
-            <a:off x="179512" y="555525"/>
-            <a:ext cx="2448272" cy="507703"/>
-          </a:xfrm>
-        </p:spPr>
-        <p:txBody>
-          <a:bodyPr>
-            <a:normAutofit fontScale="90000"/>
-          </a:bodyPr>
-          <a:lstStyle/>
-          <a:p>
-            <a:pPr algn="l"/>
-            <a:r>
-              <a:rPr kumimoji="1" lang="en-US" altLang="ja-JP" dirty="0" smtClean="0">
-                <a:latin typeface="Segoe UI" pitchFamily="34" charset="0"/>
-                <a:ea typeface="Segoe UI" pitchFamily="34" charset="0"/>
-                <a:cs typeface="Segoe UI" pitchFamily="34" charset="0"/>
-              </a:rPr>
-              <a:t>Contents</a:t>
-            </a:r>
-            <a:endParaRPr kumimoji="1" lang="ja-JP" altLang="en-US" dirty="0">
-              <a:latin typeface="Segoe UI" pitchFamily="34" charset="0"/>
-              <a:ea typeface="Meiryo UI" pitchFamily="50" charset="-128"/>
-              <a:cs typeface="Segoe UI" pitchFamily="34" charset="0"/>
-            </a:endParaRPr>
-          </a:p>
-        </p:txBody>
-      </p:sp>
-      <p:sp>
-        <p:nvSpPr>
-          <p:cNvPr id="3" name="コンテンツ プレースホルダ 2"/>
-          <p:cNvSpPr>
-            <a:spLocks noGrp="1"/>
-          </p:cNvSpPr>
-          <p:nvPr>
-            <p:ph idx="1"/>
-          </p:nvPr>
-        </p:nvSpPr>
-        <p:spPr>
-          <a:xfrm>
-            <a:off x="4345632" y="1203597"/>
-            <a:ext cx="6131024" cy="3391025"/>
-          </a:xfrm>
-        </p:spPr>
-        <p:txBody>
-          <a:bodyPr/>
-          <a:lstStyle/>
-          <a:p>
-            <a:pPr algn="just">
-              <a:buNone/>
-            </a:pPr>
-            <a:r>
-              <a:rPr kumimoji="1" lang="en-US" altLang="ja-JP" dirty="0" smtClean="0"/>
-              <a:t>1.</a:t>
-            </a:r>
-            <a:r>
-              <a:rPr lang="ja-JP" altLang="en-US" dirty="0" smtClean="0"/>
-              <a:t>入社からこれまで</a:t>
-            </a:r>
-            <a:endParaRPr kumimoji="1" lang="en-US" altLang="ja-JP" dirty="0" smtClean="0"/>
-          </a:p>
-          <a:p>
-            <a:pPr algn="just">
-              <a:buNone/>
-            </a:pPr>
-            <a:r>
-              <a:rPr lang="en-US" altLang="ja-JP" dirty="0" smtClean="0"/>
-              <a:t>2.</a:t>
-            </a:r>
-            <a:r>
-              <a:rPr lang="ja-JP" altLang="en-US" dirty="0" smtClean="0"/>
-              <a:t>覚えたこと</a:t>
-            </a:r>
-            <a:endParaRPr lang="en-US" altLang="ja-JP" dirty="0" smtClean="0"/>
-          </a:p>
-          <a:p>
-            <a:pPr algn="just">
-              <a:buNone/>
-            </a:pPr>
-            <a:r>
-              <a:rPr kumimoji="1" lang="en-US" altLang="ja-JP" dirty="0" smtClean="0"/>
-              <a:t>3.</a:t>
-            </a:r>
-            <a:r>
-              <a:rPr lang="ja-JP" altLang="en-US" dirty="0" smtClean="0"/>
-              <a:t>これからのこと</a:t>
-            </a:r>
-            <a:endParaRPr kumimoji="1" lang="en-US" altLang="ja-JP" dirty="0" smtClean="0"/>
-          </a:p>
-          <a:p>
-            <a:pPr algn="just">
-              <a:buNone/>
-            </a:pPr>
-            <a:r>
-              <a:rPr lang="en-US" altLang="ja-JP" dirty="0" smtClean="0"/>
-              <a:t>4</a:t>
-            </a:r>
-            <a:r>
-              <a:rPr lang="en-US" altLang="ja-JP" dirty="0" smtClean="0"/>
-              <a:t>.</a:t>
-            </a:r>
-          </a:p>
-          <a:p>
-            <a:pPr algn="just">
-              <a:buNone/>
-            </a:pPr>
-            <a:r>
-              <a:rPr kumimoji="1" lang="en-US" altLang="ja-JP" dirty="0" smtClean="0"/>
-              <a:t>5.</a:t>
-            </a:r>
-            <a:endParaRPr kumimoji="1" lang="ja-JP" altLang="en-US" dirty="0"/>
-          </a:p>
-        </p:txBody>
-      </p:sp>
-      <p:sp>
-        <p:nvSpPr>
-          <p:cNvPr id="4" name="日付プレースホルダ 3"/>
-          <p:cNvSpPr>
-            <a:spLocks noGrp="1"/>
-          </p:cNvSpPr>
-          <p:nvPr>
-            <p:ph type="dt" sz="half" idx="10"/>
-          </p:nvPr>
-        </p:nvSpPr>
-        <p:spPr/>
-        <p:txBody>
-          <a:bodyPr/>
-          <a:lstStyle/>
-          <a:p>
-            <a:fld id="{FC7AB2BD-E9B7-45BF-89F9-A3C60FAD2BB8}" type="datetime2">
-              <a:rPr lang="en-US" altLang="ja-JP" smtClean="0"/>
-              <a:pPr/>
-              <a:t>Monday, September 29, 2014</a:t>
-            </a:fld>
-            <a:endParaRPr lang="ja-JP" altLang="en-US" dirty="0"/>
-          </a:p>
-        </p:txBody>
-      </p:sp>
-      <p:sp>
-        <p:nvSpPr>
-          <p:cNvPr id="5" name="正方形/長方形 4"/>
-          <p:cNvSpPr/>
-          <p:nvPr/>
-        </p:nvSpPr>
-        <p:spPr>
-          <a:xfrm>
-            <a:off x="0" y="1059582"/>
-            <a:ext cx="2555776" cy="72008"/>
-          </a:xfrm>
-          <a:prstGeom prst="rect">
-            <a:avLst/>
-          </a:prstGeom>
-          <a:solidFill>
-            <a:schemeClr val="accent1">
-              <a:lumMod val="75000"/>
-            </a:schemeClr>
-          </a:solidFill>
-          <a:ln>
-            <a:noFill/>
-          </a:ln>
-        </p:spPr>
-        <p:style>
-          <a:lnRef idx="2">
-            <a:schemeClr val="accent1">
-              <a:shade val="50000"/>
-            </a:schemeClr>
-          </a:lnRef>
-          <a:fillRef idx="1">
-            <a:schemeClr val="accent1"/>
-          </a:fillRef>
-          <a:effectRef idx="0">
-            <a:schemeClr val="accent1"/>
-          </a:effectRef>
-          <a:fontRef idx="minor">
-            <a:schemeClr val="lt1"/>
-          </a:fontRef>
-        </p:style>
-        <p:txBody>
-          <a:bodyPr rtlCol="0" anchor="ctr"/>
-          <a:lstStyle/>
-          <a:p>
-            <a:pPr algn="ctr"/>
-            <a:endParaRPr kumimoji="1" lang="ja-JP" altLang="en-US"/>
-          </a:p>
-        </p:txBody>
-      </p:sp>
-      <p:grpSp>
-        <p:nvGrpSpPr>
-          <p:cNvPr id="6" name="グループ化 11"/>
-          <p:cNvGrpSpPr/>
-          <p:nvPr/>
-        </p:nvGrpSpPr>
-        <p:grpSpPr>
-          <a:xfrm>
-            <a:off x="4211960" y="1707654"/>
-            <a:ext cx="4943542" cy="2376264"/>
-            <a:chOff x="4211960" y="1707654"/>
-            <a:chExt cx="4943542" cy="2376264"/>
-          </a:xfrm>
-        </p:grpSpPr>
-        <p:sp>
-          <p:nvSpPr>
-            <p:cNvPr id="7" name="正方形/長方形 6"/>
-            <p:cNvSpPr/>
-            <p:nvPr/>
-          </p:nvSpPr>
-          <p:spPr>
-            <a:xfrm>
-              <a:off x="4211960" y="1707654"/>
-              <a:ext cx="4943542" cy="72008"/>
-            </a:xfrm>
-            <a:prstGeom prst="rect">
-              <a:avLst/>
-            </a:prstGeom>
-            <a:solidFill>
-              <a:schemeClr val="tx2">
-                <a:lumMod val="75000"/>
-              </a:schemeClr>
-            </a:solidFill>
-            <a:ln>
-              <a:noFill/>
-            </a:ln>
-          </p:spPr>
-          <p:style>
-            <a:lnRef idx="2">
-              <a:schemeClr val="accent1">
-                <a:shade val="50000"/>
-              </a:schemeClr>
-            </a:lnRef>
-            <a:fillRef idx="1">
-              <a:schemeClr val="accent1"/>
-            </a:fillRef>
-            <a:effectRef idx="0">
-              <a:schemeClr val="accent1"/>
-            </a:effectRef>
-            <a:fontRef idx="minor">
-              <a:schemeClr val="lt1"/>
-            </a:fontRef>
-          </p:style>
-          <p:txBody>
-            <a:bodyPr rtlCol="0" anchor="ctr"/>
-            <a:lstStyle/>
-            <a:p>
-              <a:pPr algn="ctr"/>
-              <a:endParaRPr kumimoji="1" lang="ja-JP" altLang="en-US"/>
-            </a:p>
-          </p:txBody>
-        </p:sp>
-        <p:sp>
-          <p:nvSpPr>
-            <p:cNvPr id="8" name="正方形/長方形 7"/>
-            <p:cNvSpPr/>
-            <p:nvPr/>
-          </p:nvSpPr>
-          <p:spPr>
-            <a:xfrm>
-              <a:off x="4211960" y="2283718"/>
-              <a:ext cx="4943542" cy="72008"/>
-            </a:xfrm>
-            <a:prstGeom prst="rect">
-              <a:avLst/>
-            </a:prstGeom>
-            <a:solidFill>
-              <a:schemeClr val="tx2">
-                <a:lumMod val="75000"/>
-              </a:schemeClr>
-            </a:solidFill>
-            <a:ln>
-              <a:noFill/>
-            </a:ln>
-          </p:spPr>
-          <p:style>
-            <a:lnRef idx="2">
-              <a:schemeClr val="accent1">
-                <a:shade val="50000"/>
-              </a:schemeClr>
-            </a:lnRef>
-            <a:fillRef idx="1">
-              <a:schemeClr val="accent1"/>
-            </a:fillRef>
-            <a:effectRef idx="0">
-              <a:schemeClr val="accent1"/>
-            </a:effectRef>
-            <a:fontRef idx="minor">
-              <a:schemeClr val="lt1"/>
-            </a:fontRef>
-          </p:style>
-          <p:txBody>
-            <a:bodyPr rtlCol="0" anchor="ctr"/>
-            <a:lstStyle/>
-            <a:p>
-              <a:pPr algn="ctr"/>
-              <a:endParaRPr kumimoji="1" lang="ja-JP" altLang="en-US"/>
-            </a:p>
-          </p:txBody>
-        </p:sp>
-        <p:sp>
-          <p:nvSpPr>
-            <p:cNvPr id="9" name="正方形/長方形 8"/>
-            <p:cNvSpPr/>
-            <p:nvPr/>
-          </p:nvSpPr>
-          <p:spPr>
-            <a:xfrm>
-              <a:off x="4211960" y="2859782"/>
-              <a:ext cx="4943542" cy="72008"/>
-            </a:xfrm>
-            <a:prstGeom prst="rect">
-              <a:avLst/>
-            </a:prstGeom>
-            <a:solidFill>
-              <a:srgbClr val="00B0F0"/>
-            </a:solidFill>
-            <a:ln>
-              <a:noFill/>
-            </a:ln>
-          </p:spPr>
-          <p:style>
-            <a:lnRef idx="2">
-              <a:schemeClr val="accent1">
-                <a:shade val="50000"/>
-              </a:schemeClr>
-            </a:lnRef>
-            <a:fillRef idx="1">
-              <a:schemeClr val="accent1"/>
-            </a:fillRef>
-            <a:effectRef idx="0">
-              <a:schemeClr val="accent1"/>
-            </a:effectRef>
-            <a:fontRef idx="minor">
-              <a:schemeClr val="lt1"/>
-            </a:fontRef>
-          </p:style>
-          <p:txBody>
-            <a:bodyPr rtlCol="0" anchor="ctr"/>
-            <a:lstStyle/>
-            <a:p>
-              <a:pPr algn="ctr"/>
-              <a:endParaRPr kumimoji="1" lang="ja-JP" altLang="en-US"/>
-            </a:p>
-          </p:txBody>
-        </p:sp>
-        <p:sp>
-          <p:nvSpPr>
-            <p:cNvPr id="10" name="正方形/長方形 9"/>
-            <p:cNvSpPr/>
-            <p:nvPr/>
-          </p:nvSpPr>
-          <p:spPr>
-            <a:xfrm>
-              <a:off x="4211960" y="3435846"/>
-              <a:ext cx="4943542" cy="72008"/>
-            </a:xfrm>
-            <a:prstGeom prst="rect">
-              <a:avLst/>
-            </a:prstGeom>
-            <a:solidFill>
-              <a:schemeClr val="tx2">
-                <a:lumMod val="75000"/>
-              </a:schemeClr>
-            </a:solidFill>
-            <a:ln>
-              <a:noFill/>
-            </a:ln>
-          </p:spPr>
-          <p:style>
-            <a:lnRef idx="2">
-              <a:schemeClr val="accent1">
-                <a:shade val="50000"/>
-              </a:schemeClr>
-            </a:lnRef>
-            <a:fillRef idx="1">
-              <a:schemeClr val="accent1"/>
-            </a:fillRef>
-            <a:effectRef idx="0">
-              <a:schemeClr val="accent1"/>
-            </a:effectRef>
-            <a:fontRef idx="minor">
-              <a:schemeClr val="lt1"/>
-            </a:fontRef>
-          </p:style>
-          <p:txBody>
-            <a:bodyPr rtlCol="0" anchor="ctr"/>
-            <a:lstStyle/>
-            <a:p>
-              <a:pPr algn="ctr"/>
-              <a:endParaRPr kumimoji="1" lang="ja-JP" altLang="en-US"/>
-            </a:p>
-          </p:txBody>
-        </p:sp>
-        <p:sp>
-          <p:nvSpPr>
-            <p:cNvPr id="11" name="正方形/長方形 10"/>
-            <p:cNvSpPr/>
-            <p:nvPr/>
-          </p:nvSpPr>
-          <p:spPr>
-            <a:xfrm>
-              <a:off x="4211960" y="4011910"/>
-              <a:ext cx="4943542" cy="72008"/>
-            </a:xfrm>
-            <a:prstGeom prst="rect">
-              <a:avLst/>
-            </a:prstGeom>
-            <a:solidFill>
-              <a:schemeClr val="tx2">
-                <a:lumMod val="75000"/>
-              </a:schemeClr>
-            </a:solidFill>
-            <a:ln>
-              <a:noFill/>
-            </a:ln>
-          </p:spPr>
-          <p:style>
-            <a:lnRef idx="2">
-              <a:schemeClr val="accent1">
-                <a:shade val="50000"/>
-              </a:schemeClr>
-            </a:lnRef>
-            <a:fillRef idx="1">
-              <a:schemeClr val="accent1"/>
-            </a:fillRef>
-            <a:effectRef idx="0">
-              <a:schemeClr val="accent1"/>
-            </a:effectRef>
-            <a:fontRef idx="minor">
-              <a:schemeClr val="lt1"/>
-            </a:fontRef>
-          </p:style>
-          <p:txBody>
-            <a:bodyPr rtlCol="0" anchor="ctr"/>
-            <a:lstStyle/>
-            <a:p>
-              <a:pPr algn="ctr"/>
-              <a:endParaRPr kumimoji="1" lang="ja-JP" altLang="en-US"/>
-            </a:p>
-          </p:txBody>
-        </p:sp>
-      </p:grpSp>
     </p:spTree>
   </p:cSld>
   <p:clrMapOvr>

--- a/試用期間終了.pptx
+++ b/試用期間終了.pptx
@@ -5,16 +5,16 @@
     <p:sldMasterId id="2147483648" r:id="rId1"/>
   </p:sldMasterIdLst>
   <p:notesMasterIdLst>
-    <p:notesMasterId r:id="rId22"/>
+    <p:notesMasterId r:id="rId23"/>
   </p:notesMasterIdLst>
   <p:handoutMasterIdLst>
-    <p:handoutMasterId r:id="rId23"/>
+    <p:handoutMasterId r:id="rId24"/>
   </p:handoutMasterIdLst>
   <p:sldIdLst>
     <p:sldId id="256" r:id="rId2"/>
     <p:sldId id="271" r:id="rId3"/>
     <p:sldId id="265" r:id="rId4"/>
-    <p:sldId id="286" r:id="rId5"/>
+    <p:sldId id="295" r:id="rId5"/>
     <p:sldId id="279" r:id="rId6"/>
     <p:sldId id="287" r:id="rId7"/>
     <p:sldId id="266" r:id="rId8"/>
@@ -23,14 +23,15 @@
     <p:sldId id="289" r:id="rId11"/>
     <p:sldId id="281" r:id="rId12"/>
     <p:sldId id="290" r:id="rId13"/>
-    <p:sldId id="267" r:id="rId14"/>
-    <p:sldId id="283" r:id="rId15"/>
-    <p:sldId id="274" r:id="rId16"/>
-    <p:sldId id="285" r:id="rId17"/>
-    <p:sldId id="269" r:id="rId18"/>
-    <p:sldId id="275" r:id="rId19"/>
-    <p:sldId id="270" r:id="rId20"/>
-    <p:sldId id="262" r:id="rId21"/>
+    <p:sldId id="269" r:id="rId14"/>
+    <p:sldId id="267" r:id="rId15"/>
+    <p:sldId id="283" r:id="rId16"/>
+    <p:sldId id="294" r:id="rId17"/>
+    <p:sldId id="291" r:id="rId18"/>
+    <p:sldId id="270" r:id="rId19"/>
+    <p:sldId id="292" r:id="rId20"/>
+    <p:sldId id="296" r:id="rId21"/>
+    <p:sldId id="262" r:id="rId22"/>
   </p:sldIdLst>
   <p:sldSz cx="9144000" cy="5143500" type="screen16x9"/>
   <p:notesSz cx="6858000" cy="9144000"/>
@@ -215,7 +216,7 @@
             <a:fld id="{09902969-8EA2-4B78-B0D9-FDE746F3C635}" type="datetimeFigureOut">
               <a:rPr kumimoji="1" lang="ja-JP" altLang="en-US" smtClean="0"/>
               <a:pPr/>
-              <a:t>2014/9/30</a:t>
+              <a:t>2014/10/1</a:t>
             </a:fld>
             <a:endParaRPr kumimoji="1" lang="ja-JP" altLang="en-US"/>
           </a:p>
@@ -377,7 +378,7 @@
             <a:fld id="{EFFCD70E-D74B-41C4-B089-A0008BD299E5}" type="datetimeFigureOut">
               <a:rPr kumimoji="1" lang="ja-JP" altLang="en-US" smtClean="0"/>
               <a:pPr/>
-              <a:t>2014/9/30</a:t>
+              <a:t>2014/10/1</a:t>
             </a:fld>
             <a:endParaRPr kumimoji="1" lang="ja-JP" altLang="en-US"/>
           </a:p>
@@ -1034,7 +1035,7 @@
             <a:fld id="{FC7AB2BD-E9B7-45BF-89F9-A3C60FAD2BB8}" type="datetime2">
               <a:rPr lang="en-US" altLang="ja-JP" smtClean="0"/>
               <a:pPr/>
-              <a:t>Tuesday, September 30, 2014</a:t>
+              <a:t>Wednesday, October 01, 2014</a:t>
             </a:fld>
             <a:endParaRPr lang="ja-JP" altLang="en-US" dirty="0"/>
           </a:p>
@@ -1214,7 +1215,7 @@
             <a:fld id="{B4E2A91E-6B0C-4B33-AAB5-037D70AF86BA}" type="datetime2">
               <a:rPr kumimoji="1" lang="en-US" altLang="ja-JP" smtClean="0"/>
               <a:pPr/>
-              <a:t>Tuesday, September 30, 2014</a:t>
+              <a:t>Wednesday, October 01, 2014</a:t>
             </a:fld>
             <a:endParaRPr kumimoji="1" lang="ja-JP" altLang="en-US"/>
           </a:p>
@@ -1423,7 +1424,7 @@
             <a:fld id="{1BB10FAF-3726-4CE3-B6D2-14C840FBFB57}" type="datetime2">
               <a:rPr kumimoji="1" lang="en-US" altLang="ja-JP" smtClean="0"/>
               <a:pPr/>
-              <a:t>Tuesday, September 30, 2014</a:t>
+              <a:t>Wednesday, October 01, 2014</a:t>
             </a:fld>
             <a:endParaRPr kumimoji="1" lang="ja-JP" altLang="en-US"/>
           </a:p>
@@ -1818,7 +1819,7 @@
             <a:fld id="{FC7AB2BD-E9B7-45BF-89F9-A3C60FAD2BB8}" type="datetime2">
               <a:rPr lang="en-US" altLang="ja-JP" smtClean="0"/>
               <a:pPr/>
-              <a:t>Tuesday, September 30, 2014</a:t>
+              <a:t>Wednesday, October 01, 2014</a:t>
             </a:fld>
             <a:endParaRPr lang="ja-JP" altLang="en-US" dirty="0"/>
           </a:p>
@@ -2042,7 +2043,7 @@
             <a:fld id="{E35D96F4-C1E1-4A33-8344-D7895618D7B6}" type="datetime2">
               <a:rPr kumimoji="1" lang="en-US" altLang="ja-JP" smtClean="0"/>
               <a:pPr/>
-              <a:t>Tuesday, September 30, 2014</a:t>
+              <a:t>Wednesday, October 01, 2014</a:t>
             </a:fld>
             <a:endParaRPr kumimoji="1" lang="ja-JP" altLang="en-US"/>
           </a:p>
@@ -2292,7 +2293,7 @@
                 <a:tabLst/>
                 <a:defRPr/>
               </a:pPr>
-              <a:t>Tuesday, September 30, 2014</a:t>
+              <a:t>Wednesday, October 01, 2014</a:t>
             </a:fld>
             <a:endParaRPr kumimoji="1" lang="ja-JP" altLang="en-US" sz="1200" b="0" i="0" u="none" strike="noStrike" kern="1200" cap="none" spc="0" normalizeH="0" baseline="0" noProof="0" dirty="0" smtClean="0">
               <a:ln>
@@ -2739,7 +2740,7 @@
             <a:fld id="{B2CF2B60-817F-4E26-8A2B-A15036D66D24}" type="datetime2">
               <a:rPr kumimoji="1" lang="en-US" altLang="ja-JP" smtClean="0"/>
               <a:pPr/>
-              <a:t>Tuesday, September 30, 2014</a:t>
+              <a:t>Wednesday, October 01, 2014</a:t>
             </a:fld>
             <a:endParaRPr kumimoji="1" lang="ja-JP" altLang="en-US"/>
           </a:p>
@@ -2989,7 +2990,7 @@
                 <a:tabLst/>
                 <a:defRPr/>
               </a:pPr>
-              <a:t>Tuesday, September 30, 2014</a:t>
+              <a:t>Wednesday, October 01, 2014</a:t>
             </a:fld>
             <a:endParaRPr kumimoji="1" lang="ja-JP" altLang="en-US" sz="1200" b="0" i="0" u="none" strike="noStrike" kern="1200" cap="none" spc="0" normalizeH="0" baseline="0" noProof="0" dirty="0" smtClean="0">
               <a:ln>
@@ -3570,7 +3571,7 @@
             <a:fld id="{C8622B67-4E86-4E80-B4C6-75318AD24683}" type="datetime2">
               <a:rPr kumimoji="1" lang="en-US" altLang="ja-JP" smtClean="0"/>
               <a:pPr/>
-              <a:t>Tuesday, September 30, 2014</a:t>
+              <a:t>Wednesday, October 01, 2014</a:t>
             </a:fld>
             <a:endParaRPr kumimoji="1" lang="ja-JP" altLang="en-US"/>
           </a:p>
@@ -3820,7 +3821,7 @@
                 <a:tabLst/>
                 <a:defRPr/>
               </a:pPr>
-              <a:t>Tuesday, September 30, 2014</a:t>
+              <a:t>Wednesday, October 01, 2014</a:t>
             </a:fld>
             <a:endParaRPr kumimoji="1" lang="ja-JP" altLang="en-US" sz="1200" b="0" i="0" u="none" strike="noStrike" kern="1200" cap="none" spc="0" normalizeH="0" baseline="0" noProof="0" dirty="0" smtClean="0">
               <a:ln>
@@ -4028,7 +4029,7 @@
             <a:fld id="{D4E8DA51-BD75-476D-A825-EC2911528B23}" type="datetime2">
               <a:rPr kumimoji="1" lang="en-US" altLang="ja-JP" smtClean="0"/>
               <a:pPr/>
-              <a:t>Tuesday, September 30, 2014</a:t>
+              <a:t>Wednesday, October 01, 2014</a:t>
             </a:fld>
             <a:endParaRPr kumimoji="1" lang="ja-JP" altLang="en-US"/>
           </a:p>
@@ -4120,7 +4121,7 @@
             <a:fld id="{A615053B-5793-4DA9-8131-8C0AA660C9B6}" type="datetime2">
               <a:rPr kumimoji="1" lang="en-US" altLang="ja-JP" smtClean="0"/>
               <a:pPr/>
-              <a:t>Tuesday, September 30, 2014</a:t>
+              <a:t>Wednesday, October 01, 2014</a:t>
             </a:fld>
             <a:endParaRPr kumimoji="1" lang="ja-JP" altLang="en-US"/>
           </a:p>
@@ -4426,7 +4427,7 @@
             <a:fld id="{7B1CA221-F8CF-4901-B4FB-042FEBB0C6AF}" type="datetime2">
               <a:rPr kumimoji="1" lang="en-US" altLang="ja-JP" smtClean="0"/>
               <a:pPr/>
-              <a:t>Tuesday, September 30, 2014</a:t>
+              <a:t>Wednesday, October 01, 2014</a:t>
             </a:fld>
             <a:endParaRPr kumimoji="1" lang="ja-JP" altLang="en-US"/>
           </a:p>
@@ -4676,7 +4677,7 @@
             <a:fld id="{312C6ED6-4AA5-4252-A959-4C650D1A19F8}" type="datetime2">
               <a:rPr kumimoji="1" lang="en-US" altLang="ja-JP" smtClean="0"/>
               <a:pPr/>
-              <a:t>Tuesday, September 30, 2014</a:t>
+              <a:t>Wednesday, October 01, 2014</a:t>
             </a:fld>
             <a:endParaRPr kumimoji="1" lang="ja-JP" altLang="en-US"/>
           </a:p>
@@ -4918,7 +4919,7 @@
             <a:fld id="{54C61FCD-60E5-462E-93A1-B7DC4EE591FE}" type="datetime2">
               <a:rPr kumimoji="1" lang="en-US" altLang="ja-JP" smtClean="0"/>
               <a:pPr/>
-              <a:t>Tuesday, September 30, 2014</a:t>
+              <a:t>Wednesday, October 01, 2014</a:t>
             </a:fld>
             <a:endParaRPr kumimoji="1" lang="ja-JP" altLang="en-US"/>
           </a:p>
@@ -5360,7 +5361,7 @@
             <a:fld id="{FC7AB2BD-E9B7-45BF-89F9-A3C60FAD2BB8}" type="datetime2">
               <a:rPr lang="en-US" altLang="ja-JP" smtClean="0"/>
               <a:pPr/>
-              <a:t>Tuesday, September 30, 2014</a:t>
+              <a:t>Wednesday, October 01, 2014</a:t>
             </a:fld>
             <a:endParaRPr lang="ja-JP" altLang="en-US" dirty="0"/>
           </a:p>
@@ -5416,7 +5417,7 @@
             <a:fld id="{FC7AB2BD-E9B7-45BF-89F9-A3C60FAD2BB8}" type="datetime2">
               <a:rPr lang="en-US" altLang="ja-JP" smtClean="0"/>
               <a:pPr/>
-              <a:t>Tuesday, September 30, 2014</a:t>
+              <a:t>Wednesday, October 01, 2014</a:t>
             </a:fld>
             <a:endParaRPr lang="ja-JP" altLang="en-US" dirty="0"/>
           </a:p>
@@ -5480,24 +5481,40 @@
             <p:ph idx="1"/>
           </p:nvPr>
         </p:nvSpPr>
-        <p:spPr/>
-        <p:txBody>
-          <a:bodyPr/>
-          <a:lstStyle/>
-          <a:p>
-            <a:r>
-              <a:rPr kumimoji="1" lang="ja-JP" altLang="en-US" dirty="0" smtClean="0"/>
-              <a:t>学んだこと</a:t>
-            </a:r>
-            <a:endParaRPr kumimoji="1" lang="en-US" altLang="ja-JP" dirty="0" smtClean="0"/>
-          </a:p>
-          <a:p>
-            <a:pPr lvl="1"/>
-            <a:r>
-              <a:rPr kumimoji="1" lang="ja-JP" altLang="en-US" dirty="0" smtClean="0"/>
-              <a:t>ドキュメントを作る</a:t>
-            </a:r>
-            <a:endParaRPr kumimoji="1" lang="ja-JP" altLang="en-US" dirty="0"/>
+        <p:spPr>
+          <a:xfrm>
+            <a:off x="323528" y="2273622"/>
+            <a:ext cx="8579296" cy="1954312"/>
+          </a:xfrm>
+        </p:spPr>
+        <p:txBody>
+          <a:bodyPr>
+            <a:normAutofit lnSpcReduction="10000"/>
+          </a:bodyPr>
+          <a:lstStyle/>
+          <a:p>
+            <a:pPr algn="ctr">
+              <a:buNone/>
+            </a:pPr>
+            <a:r>
+              <a:rPr kumimoji="1" lang="ja-JP" altLang="en-US" sz="6000" dirty="0" smtClean="0"/>
+              <a:t>ドキュメントを</a:t>
+            </a:r>
+            <a:r>
+              <a:rPr lang="ja-JP" altLang="en-US" sz="6000" dirty="0" smtClean="0"/>
+              <a:t>作って</a:t>
+            </a:r>
+            <a:endParaRPr lang="en-US" altLang="ja-JP" sz="6000" dirty="0" smtClean="0"/>
+          </a:p>
+          <a:p>
+            <a:pPr algn="ctr">
+              <a:buNone/>
+            </a:pPr>
+            <a:r>
+              <a:rPr lang="ja-JP" altLang="en-US" sz="6000" dirty="0" smtClean="0"/>
+              <a:t>共有できるようにする</a:t>
+            </a:r>
+            <a:endParaRPr kumimoji="1" lang="ja-JP" altLang="en-US" sz="6000" dirty="0"/>
           </a:p>
         </p:txBody>
       </p:sp>
@@ -5677,6 +5694,43 @@
               <a:t>入社からこれまで</a:t>
             </a:r>
             <a:endParaRPr kumimoji="1" lang="ja-JP" altLang="en-US" sz="2800" dirty="0"/>
+          </a:p>
+        </p:txBody>
+      </p:sp>
+      <p:sp>
+        <p:nvSpPr>
+          <p:cNvPr id="8" name="テキスト ボックス 7"/>
+          <p:cNvSpPr txBox="1"/>
+          <p:nvPr/>
+        </p:nvSpPr>
+        <p:spPr>
+          <a:xfrm>
+            <a:off x="2051720" y="1275606"/>
+            <a:ext cx="5256584" cy="1015663"/>
+          </a:xfrm>
+          <a:prstGeom prst="rect">
+            <a:avLst/>
+          </a:prstGeom>
+          <a:noFill/>
+        </p:spPr>
+        <p:txBody>
+          <a:bodyPr wrap="square" rtlCol="0">
+            <a:spAutoFit/>
+          </a:bodyPr>
+          <a:lstStyle/>
+          <a:p>
+            <a:pPr algn="ctr"/>
+            <a:r>
+              <a:rPr kumimoji="1" lang="ja-JP" altLang="en-US" sz="6000" b="1" dirty="0" smtClean="0">
+                <a:latin typeface="HGP行書体" pitchFamily="66" charset="-128"/>
+                <a:ea typeface="HGP行書体" pitchFamily="66" charset="-128"/>
+              </a:rPr>
+              <a:t>教訓</a:t>
+            </a:r>
+            <a:endParaRPr kumimoji="1" lang="ja-JP" altLang="en-US" sz="6000" b="1" dirty="0">
+              <a:latin typeface="HGP行書体" pitchFamily="66" charset="-128"/>
+              <a:ea typeface="HGP行書体" pitchFamily="66" charset="-128"/>
+            </a:endParaRPr>
           </a:p>
         </p:txBody>
       </p:sp>
@@ -5730,7 +5784,7 @@
             <a:fld id="{FC7AB2BD-E9B7-45BF-89F9-A3C60FAD2BB8}" type="datetime2">
               <a:rPr lang="en-US" altLang="ja-JP" smtClean="0"/>
               <a:pPr/>
-              <a:t>Tuesday, September 30, 2014</a:t>
+              <a:t>Wednesday, October 01, 2014</a:t>
             </a:fld>
             <a:endParaRPr lang="ja-JP" altLang="en-US" dirty="0"/>
           </a:p>
@@ -6172,7 +6226,7 @@
             <a:fld id="{FC7AB2BD-E9B7-45BF-89F9-A3C60FAD2BB8}" type="datetime2">
               <a:rPr lang="en-US" altLang="ja-JP" smtClean="0"/>
               <a:pPr/>
-              <a:t>Tuesday, September 30, 2014</a:t>
+              <a:t>Wednesday, October 01, 2014</a:t>
             </a:fld>
             <a:endParaRPr lang="ja-JP" altLang="en-US" dirty="0"/>
           </a:p>
@@ -6438,6 +6492,35 @@
           <a:bodyPr/>
           <a:lstStyle/>
           <a:p>
+            <a:r>
+              <a:rPr kumimoji="1" lang="ja-JP" altLang="en-US" dirty="0" smtClean="0"/>
+              <a:t>ほぼ初</a:t>
+            </a:r>
+            <a:r>
+              <a:rPr kumimoji="1" lang="en-US" altLang="ja-JP" dirty="0" smtClean="0"/>
+              <a:t>Unity</a:t>
+            </a:r>
+          </a:p>
+          <a:p>
+            <a:r>
+              <a:rPr kumimoji="1" lang="ja-JP" altLang="en-US" dirty="0" smtClean="0"/>
+              <a:t>初実機開発</a:t>
+            </a:r>
+            <a:endParaRPr kumimoji="1" lang="en-US" altLang="ja-JP" dirty="0" smtClean="0"/>
+          </a:p>
+          <a:p>
+            <a:r>
+              <a:rPr lang="ja-JP" altLang="en-US" dirty="0" smtClean="0"/>
+              <a:t>約</a:t>
+            </a:r>
+            <a:r>
+              <a:rPr lang="en-US" altLang="ja-JP" dirty="0" smtClean="0"/>
+              <a:t>1</a:t>
+            </a:r>
+            <a:r>
+              <a:rPr lang="ja-JP" altLang="en-US" dirty="0" smtClean="0"/>
+              <a:t>ヶ月</a:t>
+            </a:r>
             <a:endParaRPr kumimoji="1" lang="ja-JP" altLang="en-US" dirty="0"/>
           </a:p>
         </p:txBody>
@@ -6476,6 +6559,770 @@
       </p:grpSpPr>
       <p:sp>
         <p:nvSpPr>
+          <p:cNvPr id="4" name="日付プレースホルダ 3"/>
+          <p:cNvSpPr>
+            <a:spLocks noGrp="1"/>
+          </p:cNvSpPr>
+          <p:nvPr>
+            <p:ph type="dt" sz="half" idx="10"/>
+          </p:nvPr>
+        </p:nvSpPr>
+        <p:spPr/>
+        <p:txBody>
+          <a:bodyPr/>
+          <a:lstStyle/>
+          <a:p>
+            <a:fld id="{FC7AB2BD-E9B7-45BF-89F9-A3C60FAD2BB8}" type="datetime2">
+              <a:rPr lang="en-US" altLang="ja-JP" smtClean="0"/>
+              <a:pPr/>
+              <a:t>Wednesday, October 01, 2014</a:t>
+            </a:fld>
+            <a:endParaRPr lang="ja-JP" altLang="en-US" dirty="0"/>
+          </a:p>
+        </p:txBody>
+      </p:sp>
+      <p:sp>
+        <p:nvSpPr>
+          <p:cNvPr id="12" name="コンテンツ プレースホルダ 11"/>
+          <p:cNvSpPr>
+            <a:spLocks noGrp="1"/>
+          </p:cNvSpPr>
+          <p:nvPr>
+            <p:ph idx="1"/>
+          </p:nvPr>
+        </p:nvSpPr>
+        <p:spPr>
+          <a:xfrm>
+            <a:off x="0" y="1923678"/>
+            <a:ext cx="9144000" cy="1584176"/>
+          </a:xfrm>
+        </p:spPr>
+        <p:txBody>
+          <a:bodyPr>
+            <a:normAutofit lnSpcReduction="10000"/>
+          </a:bodyPr>
+          <a:lstStyle/>
+          <a:p>
+            <a:pPr algn="ctr">
+              <a:buNone/>
+            </a:pPr>
+            <a:r>
+              <a:rPr lang="en-US" altLang="ja-JP" sz="3000" dirty="0" smtClean="0"/>
+              <a:t>LS4</a:t>
+            </a:r>
+            <a:r>
+              <a:rPr lang="ja-JP" altLang="en-US" sz="3000" dirty="0" smtClean="0"/>
+              <a:t>にアサインされて</a:t>
+            </a:r>
+            <a:r>
+              <a:rPr lang="en-US" altLang="ja-JP" sz="3000" dirty="0" smtClean="0"/>
+              <a:t>2</a:t>
+            </a:r>
+            <a:r>
+              <a:rPr lang="ja-JP" altLang="en-US" sz="3000" dirty="0" smtClean="0"/>
+              <a:t>週間ぐらいの時</a:t>
+            </a:r>
+            <a:r>
+              <a:rPr lang="ja-JP" altLang="en-US" sz="3000" dirty="0" smtClean="0"/>
+              <a:t>。</a:t>
+            </a:r>
+            <a:endParaRPr lang="en-US" altLang="ja-JP" sz="3000" dirty="0" smtClean="0"/>
+          </a:p>
+          <a:p>
+            <a:pPr algn="ctr">
+              <a:buNone/>
+            </a:pPr>
+            <a:r>
+              <a:rPr lang="ja-JP" altLang="en-US" sz="3000" dirty="0" smtClean="0"/>
+              <a:t>「</a:t>
+            </a:r>
+            <a:r>
+              <a:rPr lang="ja-JP" altLang="en-US" sz="3000" b="1" dirty="0" smtClean="0">
+                <a:solidFill>
+                  <a:srgbClr val="FF0000"/>
+                </a:solidFill>
+              </a:rPr>
+              <a:t>今日の</a:t>
+            </a:r>
+            <a:r>
+              <a:rPr lang="en-US" altLang="ja-JP" sz="3000" b="1" dirty="0" smtClean="0">
+                <a:solidFill>
+                  <a:srgbClr val="FF0000"/>
+                </a:solidFill>
+              </a:rPr>
+              <a:t>7</a:t>
+            </a:r>
+            <a:r>
+              <a:rPr lang="ja-JP" altLang="en-US" sz="3000" b="1" dirty="0" smtClean="0">
+                <a:solidFill>
+                  <a:srgbClr val="FF0000"/>
+                </a:solidFill>
+              </a:rPr>
+              <a:t>時</a:t>
+            </a:r>
+            <a:r>
+              <a:rPr lang="ja-JP" altLang="en-US" sz="3000" dirty="0" smtClean="0"/>
+              <a:t>くらいには終わらせてみせますよ！</a:t>
+            </a:r>
+            <a:r>
+              <a:rPr lang="ja-JP" altLang="en-US" sz="3000" dirty="0" smtClean="0"/>
+              <a:t>」</a:t>
+            </a:r>
+            <a:endParaRPr lang="en-US" altLang="ja-JP" sz="3000" dirty="0" smtClean="0"/>
+          </a:p>
+          <a:p>
+            <a:pPr algn="ctr">
+              <a:buNone/>
+            </a:pPr>
+            <a:r>
+              <a:rPr lang="ja-JP" altLang="en-US" sz="3000" dirty="0" smtClean="0"/>
+              <a:t>実際</a:t>
+            </a:r>
+            <a:r>
+              <a:rPr lang="ja-JP" altLang="en-US" sz="3000" dirty="0" smtClean="0"/>
+              <a:t>終わったのは</a:t>
+            </a:r>
+            <a:r>
+              <a:rPr lang="en-US" altLang="ja-JP" sz="3000" b="1" dirty="0" smtClean="0">
+                <a:solidFill>
+                  <a:srgbClr val="FF0000"/>
+                </a:solidFill>
+              </a:rPr>
+              <a:t>1</a:t>
+            </a:r>
+            <a:r>
+              <a:rPr lang="ja-JP" altLang="en-US" sz="3000" b="1" dirty="0" smtClean="0">
+                <a:solidFill>
+                  <a:srgbClr val="FF0000"/>
+                </a:solidFill>
+              </a:rPr>
+              <a:t>週間後</a:t>
+            </a:r>
+            <a:r>
+              <a:rPr lang="ja-JP" altLang="en-US" sz="3000" dirty="0" smtClean="0"/>
+              <a:t>・・・</a:t>
+            </a:r>
+            <a:endParaRPr lang="en-US" altLang="ja-JP" sz="3000" dirty="0" smtClean="0"/>
+          </a:p>
+        </p:txBody>
+      </p:sp>
+      <p:sp>
+        <p:nvSpPr>
+          <p:cNvPr id="7" name="正方形/長方形 6"/>
+          <p:cNvSpPr/>
+          <p:nvPr/>
+        </p:nvSpPr>
+        <p:spPr>
+          <a:xfrm>
+            <a:off x="0" y="1059582"/>
+            <a:ext cx="3563888" cy="72008"/>
+          </a:xfrm>
+          <a:prstGeom prst="rect">
+            <a:avLst/>
+          </a:prstGeom>
+          <a:solidFill>
+            <a:schemeClr val="accent1">
+              <a:lumMod val="75000"/>
+            </a:schemeClr>
+          </a:solidFill>
+          <a:ln>
+            <a:noFill/>
+          </a:ln>
+        </p:spPr>
+        <p:style>
+          <a:lnRef idx="2">
+            <a:schemeClr val="accent1">
+              <a:shade val="50000"/>
+            </a:schemeClr>
+          </a:lnRef>
+          <a:fillRef idx="1">
+            <a:schemeClr val="accent1"/>
+          </a:fillRef>
+          <a:effectRef idx="0">
+            <a:schemeClr val="accent1"/>
+          </a:effectRef>
+          <a:fontRef idx="minor">
+            <a:schemeClr val="lt1"/>
+          </a:fontRef>
+        </p:style>
+        <p:txBody>
+          <a:bodyPr rtlCol="0" anchor="ctr"/>
+          <a:lstStyle/>
+          <a:p>
+            <a:pPr algn="ctr"/>
+            <a:endParaRPr kumimoji="1" lang="ja-JP" altLang="en-US"/>
+          </a:p>
+        </p:txBody>
+      </p:sp>
+      <p:sp>
+        <p:nvSpPr>
+          <p:cNvPr id="8" name="タイトル 1"/>
+          <p:cNvSpPr>
+            <a:spLocks noGrp="1"/>
+          </p:cNvSpPr>
+          <p:nvPr>
+            <p:ph type="title"/>
+          </p:nvPr>
+        </p:nvSpPr>
+        <p:spPr>
+          <a:xfrm>
+            <a:off x="179512" y="555525"/>
+            <a:ext cx="3384376" cy="507703"/>
+          </a:xfrm>
+        </p:spPr>
+        <p:txBody>
+          <a:bodyPr>
+            <a:noAutofit/>
+          </a:bodyPr>
+          <a:lstStyle/>
+          <a:p>
+            <a:pPr algn="l"/>
+            <a:r>
+              <a:rPr lang="en-US" altLang="ja-JP" sz="2800" dirty="0" smtClean="0"/>
+              <a:t>1.</a:t>
+            </a:r>
+            <a:r>
+              <a:rPr lang="ja-JP" altLang="en-US" sz="2800" dirty="0" smtClean="0"/>
+              <a:t>入社からこれまで</a:t>
+            </a:r>
+            <a:endParaRPr kumimoji="1" lang="ja-JP" altLang="en-US" sz="2800" dirty="0"/>
+          </a:p>
+        </p:txBody>
+      </p:sp>
+      <p:sp>
+        <p:nvSpPr>
+          <p:cNvPr id="9" name="タイトル 1"/>
+          <p:cNvSpPr txBox="1">
+            <a:spLocks/>
+          </p:cNvSpPr>
+          <p:nvPr/>
+        </p:nvSpPr>
+        <p:spPr>
+          <a:xfrm>
+            <a:off x="5724128" y="555526"/>
+            <a:ext cx="3312368" cy="507703"/>
+          </a:xfrm>
+          <a:prstGeom prst="rect">
+            <a:avLst/>
+          </a:prstGeom>
+        </p:spPr>
+        <p:txBody>
+          <a:bodyPr vert="horz" lIns="91440" tIns="45720" rIns="91440" bIns="45720" rtlCol="0" anchor="ctr">
+            <a:noAutofit/>
+          </a:bodyPr>
+          <a:lstStyle/>
+          <a:p>
+            <a:pPr marL="0" marR="0" lvl="0" indent="0" algn="l" defTabSz="914400" rtl="0" eaLnBrk="1" fontAlgn="auto" latinLnBrk="0" hangingPunct="1">
+              <a:lnSpc>
+                <a:spcPct val="100000"/>
+              </a:lnSpc>
+              <a:spcBef>
+                <a:spcPct val="0"/>
+              </a:spcBef>
+              <a:spcAft>
+                <a:spcPts val="0"/>
+              </a:spcAft>
+              <a:buClrTx/>
+              <a:buSzTx/>
+              <a:buFontTx/>
+              <a:buNone/>
+              <a:tabLst/>
+              <a:defRPr/>
+            </a:pPr>
+            <a:r>
+              <a:rPr kumimoji="1" lang="en-US" altLang="ja-JP" sz="2800" b="0" i="0" u="none" strike="noStrike" kern="1200" cap="none" spc="0" normalizeH="0" baseline="0" noProof="0" dirty="0" smtClean="0">
+                <a:ln>
+                  <a:noFill/>
+                </a:ln>
+                <a:solidFill>
+                  <a:schemeClr val="tx1"/>
+                </a:solidFill>
+                <a:effectLst/>
+                <a:uLnTx/>
+                <a:uFillTx/>
+                <a:latin typeface="+mj-lt"/>
+                <a:ea typeface="+mj-ea"/>
+                <a:cs typeface="+mj-cs"/>
+              </a:rPr>
+              <a:t>LS4 </a:t>
+            </a:r>
+            <a:r>
+              <a:rPr lang="en-US" altLang="ja-JP" sz="2800" dirty="0" smtClean="0">
+                <a:latin typeface="+mj-lt"/>
+                <a:ea typeface="+mj-ea"/>
+                <a:cs typeface="+mj-cs"/>
+              </a:rPr>
+              <a:t>(</a:t>
+            </a:r>
+            <a:r>
+              <a:rPr kumimoji="1" lang="en-US" altLang="ja-JP" sz="2800" b="0" i="0" u="none" strike="noStrike" kern="1200" cap="none" spc="0" normalizeH="0" noProof="0" dirty="0" err="1" smtClean="0">
+                <a:ln>
+                  <a:noFill/>
+                </a:ln>
+                <a:solidFill>
+                  <a:schemeClr val="tx1"/>
+                </a:solidFill>
+                <a:effectLst/>
+                <a:uLnTx/>
+                <a:uFillTx/>
+                <a:latin typeface="+mj-lt"/>
+                <a:ea typeface="+mj-ea"/>
+                <a:cs typeface="+mj-cs"/>
+              </a:rPr>
+              <a:t>UnityConsole</a:t>
+            </a:r>
+            <a:r>
+              <a:rPr kumimoji="1" lang="en-US" altLang="ja-JP" sz="2800" b="0" i="0" u="none" strike="noStrike" kern="1200" cap="none" spc="0" normalizeH="0" noProof="0" dirty="0" smtClean="0">
+                <a:ln>
+                  <a:noFill/>
+                </a:ln>
+                <a:solidFill>
+                  <a:schemeClr val="tx1"/>
+                </a:solidFill>
+                <a:effectLst/>
+                <a:uLnTx/>
+                <a:uFillTx/>
+                <a:latin typeface="+mj-lt"/>
+                <a:ea typeface="+mj-ea"/>
+                <a:cs typeface="+mj-cs"/>
+              </a:rPr>
+              <a:t>)</a:t>
+            </a:r>
+            <a:endParaRPr kumimoji="1" lang="ja-JP" altLang="en-US" sz="2800" b="0" i="0" u="none" strike="noStrike" kern="1200" cap="none" spc="0" normalizeH="0" baseline="0" noProof="0" dirty="0">
+              <a:ln>
+                <a:noFill/>
+              </a:ln>
+              <a:solidFill>
+                <a:schemeClr val="tx1"/>
+              </a:solidFill>
+              <a:effectLst/>
+              <a:uLnTx/>
+              <a:uFillTx/>
+              <a:latin typeface="+mj-lt"/>
+              <a:ea typeface="+mj-ea"/>
+              <a:cs typeface="+mj-cs"/>
+            </a:endParaRPr>
+          </a:p>
+        </p:txBody>
+      </p:sp>
+      <p:sp>
+        <p:nvSpPr>
+          <p:cNvPr id="10" name="正方形/長方形 9"/>
+          <p:cNvSpPr/>
+          <p:nvPr/>
+        </p:nvSpPr>
+        <p:spPr>
+          <a:xfrm>
+            <a:off x="5616624" y="1059583"/>
+            <a:ext cx="3527376" cy="72007"/>
+          </a:xfrm>
+          <a:prstGeom prst="rect">
+            <a:avLst/>
+          </a:prstGeom>
+          <a:solidFill>
+            <a:srgbClr val="FFC000"/>
+          </a:solidFill>
+          <a:ln>
+            <a:noFill/>
+          </a:ln>
+        </p:spPr>
+        <p:style>
+          <a:lnRef idx="2">
+            <a:schemeClr val="accent1">
+              <a:shade val="50000"/>
+            </a:schemeClr>
+          </a:lnRef>
+          <a:fillRef idx="1">
+            <a:schemeClr val="accent1"/>
+          </a:fillRef>
+          <a:effectRef idx="0">
+            <a:schemeClr val="accent1"/>
+          </a:effectRef>
+          <a:fontRef idx="minor">
+            <a:schemeClr val="lt1"/>
+          </a:fontRef>
+        </p:style>
+        <p:txBody>
+          <a:bodyPr rtlCol="0" anchor="ctr"/>
+          <a:lstStyle/>
+          <a:p>
+            <a:pPr algn="ctr"/>
+            <a:endParaRPr kumimoji="1" lang="ja-JP" altLang="en-US"/>
+          </a:p>
+        </p:txBody>
+      </p:sp>
+      <p:sp>
+        <p:nvSpPr>
+          <p:cNvPr id="11" name="テキスト ボックス 10"/>
+          <p:cNvSpPr txBox="1"/>
+          <p:nvPr/>
+        </p:nvSpPr>
+        <p:spPr>
+          <a:xfrm>
+            <a:off x="1475656" y="3363838"/>
+            <a:ext cx="6408712" cy="1569660"/>
+          </a:xfrm>
+          <a:prstGeom prst="rect">
+            <a:avLst/>
+          </a:prstGeom>
+          <a:noFill/>
+        </p:spPr>
+        <p:txBody>
+          <a:bodyPr wrap="square" rtlCol="0">
+            <a:spAutoFit/>
+          </a:bodyPr>
+          <a:lstStyle/>
+          <a:p>
+            <a:pPr algn="ctr"/>
+            <a:r>
+              <a:rPr kumimoji="1" lang="ja-JP" altLang="en-US" sz="9600" b="1" dirty="0" smtClean="0">
+                <a:solidFill>
+                  <a:srgbClr val="FF0000"/>
+                </a:solidFill>
+              </a:rPr>
+              <a:t>報連相</a:t>
+            </a:r>
+            <a:endParaRPr kumimoji="1" lang="ja-JP" altLang="en-US" sz="9600" b="1" dirty="0">
+              <a:solidFill>
+                <a:srgbClr val="FF0000"/>
+              </a:solidFill>
+            </a:endParaRPr>
+          </a:p>
+        </p:txBody>
+      </p:sp>
+      <p:sp>
+        <p:nvSpPr>
+          <p:cNvPr id="13" name="テキスト ボックス 12"/>
+          <p:cNvSpPr txBox="1"/>
+          <p:nvPr/>
+        </p:nvSpPr>
+        <p:spPr>
+          <a:xfrm>
+            <a:off x="2051720" y="987574"/>
+            <a:ext cx="5256584" cy="1015663"/>
+          </a:xfrm>
+          <a:prstGeom prst="rect">
+            <a:avLst/>
+          </a:prstGeom>
+          <a:noFill/>
+        </p:spPr>
+        <p:txBody>
+          <a:bodyPr wrap="square" rtlCol="0">
+            <a:spAutoFit/>
+          </a:bodyPr>
+          <a:lstStyle/>
+          <a:p>
+            <a:pPr algn="ctr"/>
+            <a:r>
+              <a:rPr kumimoji="1" lang="ja-JP" altLang="en-US" sz="6000" b="1" dirty="0" smtClean="0">
+                <a:latin typeface="HGP行書体" pitchFamily="66" charset="-128"/>
+                <a:ea typeface="HGP行書体" pitchFamily="66" charset="-128"/>
+              </a:rPr>
+              <a:t>教訓</a:t>
+            </a:r>
+            <a:endParaRPr kumimoji="1" lang="ja-JP" altLang="en-US" sz="6000" b="1" dirty="0">
+              <a:latin typeface="HGP行書体" pitchFamily="66" charset="-128"/>
+              <a:ea typeface="HGP行書体" pitchFamily="66" charset="-128"/>
+            </a:endParaRPr>
+          </a:p>
+        </p:txBody>
+      </p:sp>
+    </p:spTree>
+  </p:cSld>
+  <p:clrMapOvr>
+    <a:masterClrMapping/>
+  </p:clrMapOvr>
+  <p:timing>
+    <p:tnLst>
+      <p:par>
+        <p:cTn id="1" dur="indefinite" restart="never" nodeType="tmRoot">
+          <p:childTnLst>
+            <p:seq concurrent="1" nextAc="seek">
+              <p:cTn id="2" dur="indefinite" nodeType="mainSeq">
+                <p:childTnLst>
+                  <p:par>
+                    <p:cTn id="3" fill="hold">
+                      <p:stCondLst>
+                        <p:cond delay="indefinite"/>
+                      </p:stCondLst>
+                      <p:childTnLst>
+                        <p:par>
+                          <p:cTn id="4" fill="hold">
+                            <p:stCondLst>
+                              <p:cond delay="0"/>
+                            </p:stCondLst>
+                            <p:childTnLst>
+                              <p:par>
+                                <p:cTn id="5" presetID="18" presetClass="entr" presetSubtype="12" fill="hold" nodeType="clickEffect">
+                                  <p:stCondLst>
+                                    <p:cond delay="0"/>
+                                  </p:stCondLst>
+                                  <p:childTnLst>
+                                    <p:set>
+                                      <p:cBhvr>
+                                        <p:cTn id="6" dur="1" fill="hold">
+                                          <p:stCondLst>
+                                            <p:cond delay="0"/>
+                                          </p:stCondLst>
+                                        </p:cTn>
+                                        <p:tgtEl>
+                                          <p:spTgt spid="12">
+                                            <p:txEl>
+                                              <p:pRg st="0" end="0"/>
+                                            </p:txEl>
+                                          </p:spTgt>
+                                        </p:tgtEl>
+                                        <p:attrNameLst>
+                                          <p:attrName>style.visibility</p:attrName>
+                                        </p:attrNameLst>
+                                      </p:cBhvr>
+                                      <p:to>
+                                        <p:strVal val="visible"/>
+                                      </p:to>
+                                    </p:set>
+                                    <p:animEffect transition="in" filter="strips(downLeft)">
+                                      <p:cBhvr>
+                                        <p:cTn id="7" dur="500"/>
+                                        <p:tgtEl>
+                                          <p:spTgt spid="12">
+                                            <p:txEl>
+                                              <p:pRg st="0" end="0"/>
+                                            </p:txEl>
+                                          </p:spTgt>
+                                        </p:tgtEl>
+                                      </p:cBhvr>
+                                    </p:animEffect>
+                                  </p:childTnLst>
+                                </p:cTn>
+                              </p:par>
+                            </p:childTnLst>
+                          </p:cTn>
+                        </p:par>
+                      </p:childTnLst>
+                    </p:cTn>
+                  </p:par>
+                  <p:par>
+                    <p:cTn id="8" fill="hold">
+                      <p:stCondLst>
+                        <p:cond delay="indefinite"/>
+                      </p:stCondLst>
+                      <p:childTnLst>
+                        <p:par>
+                          <p:cTn id="9" fill="hold">
+                            <p:stCondLst>
+                              <p:cond delay="0"/>
+                            </p:stCondLst>
+                            <p:childTnLst>
+                              <p:par>
+                                <p:cTn id="10" presetID="18" presetClass="entr" presetSubtype="12" fill="hold" nodeType="clickEffect">
+                                  <p:stCondLst>
+                                    <p:cond delay="0"/>
+                                  </p:stCondLst>
+                                  <p:childTnLst>
+                                    <p:set>
+                                      <p:cBhvr>
+                                        <p:cTn id="11" dur="1" fill="hold">
+                                          <p:stCondLst>
+                                            <p:cond delay="0"/>
+                                          </p:stCondLst>
+                                        </p:cTn>
+                                        <p:tgtEl>
+                                          <p:spTgt spid="12">
+                                            <p:txEl>
+                                              <p:pRg st="1" end="1"/>
+                                            </p:txEl>
+                                          </p:spTgt>
+                                        </p:tgtEl>
+                                        <p:attrNameLst>
+                                          <p:attrName>style.visibility</p:attrName>
+                                        </p:attrNameLst>
+                                      </p:cBhvr>
+                                      <p:to>
+                                        <p:strVal val="visible"/>
+                                      </p:to>
+                                    </p:set>
+                                    <p:animEffect transition="in" filter="strips(downLeft)">
+                                      <p:cBhvr>
+                                        <p:cTn id="12" dur="500"/>
+                                        <p:tgtEl>
+                                          <p:spTgt spid="12">
+                                            <p:txEl>
+                                              <p:pRg st="1" end="1"/>
+                                            </p:txEl>
+                                          </p:spTgt>
+                                        </p:tgtEl>
+                                      </p:cBhvr>
+                                    </p:animEffect>
+                                  </p:childTnLst>
+                                </p:cTn>
+                              </p:par>
+                            </p:childTnLst>
+                          </p:cTn>
+                        </p:par>
+                      </p:childTnLst>
+                    </p:cTn>
+                  </p:par>
+                  <p:par>
+                    <p:cTn id="13" fill="hold">
+                      <p:stCondLst>
+                        <p:cond delay="indefinite"/>
+                      </p:stCondLst>
+                      <p:childTnLst>
+                        <p:par>
+                          <p:cTn id="14" fill="hold">
+                            <p:stCondLst>
+                              <p:cond delay="0"/>
+                            </p:stCondLst>
+                            <p:childTnLst>
+                              <p:par>
+                                <p:cTn id="15" presetID="18" presetClass="entr" presetSubtype="12" fill="hold" nodeType="clickEffect">
+                                  <p:stCondLst>
+                                    <p:cond delay="0"/>
+                                  </p:stCondLst>
+                                  <p:childTnLst>
+                                    <p:set>
+                                      <p:cBhvr>
+                                        <p:cTn id="16" dur="1" fill="hold">
+                                          <p:stCondLst>
+                                            <p:cond delay="0"/>
+                                          </p:stCondLst>
+                                        </p:cTn>
+                                        <p:tgtEl>
+                                          <p:spTgt spid="12">
+                                            <p:txEl>
+                                              <p:pRg st="2" end="2"/>
+                                            </p:txEl>
+                                          </p:spTgt>
+                                        </p:tgtEl>
+                                        <p:attrNameLst>
+                                          <p:attrName>style.visibility</p:attrName>
+                                        </p:attrNameLst>
+                                      </p:cBhvr>
+                                      <p:to>
+                                        <p:strVal val="visible"/>
+                                      </p:to>
+                                    </p:set>
+                                    <p:animEffect transition="in" filter="strips(downLeft)">
+                                      <p:cBhvr>
+                                        <p:cTn id="17" dur="500"/>
+                                        <p:tgtEl>
+                                          <p:spTgt spid="12">
+                                            <p:txEl>
+                                              <p:pRg st="2" end="2"/>
+                                            </p:txEl>
+                                          </p:spTgt>
+                                        </p:tgtEl>
+                                      </p:cBhvr>
+                                    </p:animEffect>
+                                  </p:childTnLst>
+                                </p:cTn>
+                              </p:par>
+                            </p:childTnLst>
+                          </p:cTn>
+                        </p:par>
+                      </p:childTnLst>
+                    </p:cTn>
+                  </p:par>
+                  <p:par>
+                    <p:cTn id="18" fill="hold">
+                      <p:stCondLst>
+                        <p:cond delay="indefinite"/>
+                      </p:stCondLst>
+                      <p:childTnLst>
+                        <p:par>
+                          <p:cTn id="19" fill="hold">
+                            <p:stCondLst>
+                              <p:cond delay="0"/>
+                            </p:stCondLst>
+                            <p:childTnLst>
+                              <p:par>
+                                <p:cTn id="20" presetID="18" presetClass="entr" presetSubtype="12" fill="hold" grpId="0" nodeType="clickEffect">
+                                  <p:stCondLst>
+                                    <p:cond delay="0"/>
+                                  </p:stCondLst>
+                                  <p:childTnLst>
+                                    <p:set>
+                                      <p:cBhvr>
+                                        <p:cTn id="21" dur="1" fill="hold">
+                                          <p:stCondLst>
+                                            <p:cond delay="0"/>
+                                          </p:stCondLst>
+                                        </p:cTn>
+                                        <p:tgtEl>
+                                          <p:spTgt spid="11"/>
+                                        </p:tgtEl>
+                                        <p:attrNameLst>
+                                          <p:attrName>style.visibility</p:attrName>
+                                        </p:attrNameLst>
+                                      </p:cBhvr>
+                                      <p:to>
+                                        <p:strVal val="visible"/>
+                                      </p:to>
+                                    </p:set>
+                                    <p:animEffect transition="in" filter="strips(downLeft)">
+                                      <p:cBhvr>
+                                        <p:cTn id="22" dur="500"/>
+                                        <p:tgtEl>
+                                          <p:spTgt spid="11"/>
+                                        </p:tgtEl>
+                                      </p:cBhvr>
+                                    </p:animEffect>
+                                  </p:childTnLst>
+                                </p:cTn>
+                              </p:par>
+                            </p:childTnLst>
+                          </p:cTn>
+                        </p:par>
+                      </p:childTnLst>
+                    </p:cTn>
+                  </p:par>
+                </p:childTnLst>
+              </p:cTn>
+              <p:prevCondLst>
+                <p:cond evt="onPrev" delay="0">
+                  <p:tgtEl>
+                    <p:sldTgt/>
+                  </p:tgtEl>
+                </p:cond>
+              </p:prevCondLst>
+              <p:nextCondLst>
+                <p:cond evt="onNext" delay="0">
+                  <p:tgtEl>
+                    <p:sldTgt/>
+                  </p:tgtEl>
+                </p:cond>
+              </p:nextCondLst>
+            </p:seq>
+          </p:childTnLst>
+        </p:cTn>
+      </p:par>
+    </p:tnLst>
+    <p:bldLst>
+      <p:bldP spid="11" grpId="0"/>
+    </p:bldLst>
+  </p:timing>
+</p:sld>
+</file>
+
+<file path=ppt/slides/slide14.xml><?xml version="1.0" encoding="utf-8"?>
+<p:sld xmlns:a="http://schemas.openxmlformats.org/drawingml/2006/main" xmlns:r="http://schemas.openxmlformats.org/officeDocument/2006/relationships" xmlns:p="http://schemas.openxmlformats.org/presentationml/2006/main">
+  <p:cSld>
+    <p:spTree>
+      <p:nvGrpSpPr>
+        <p:cNvPr id="1" name=""/>
+        <p:cNvGrpSpPr/>
+        <p:nvPr/>
+      </p:nvGrpSpPr>
+      <p:grpSpPr>
+        <a:xfrm>
+          <a:off x="0" y="0"/>
+          <a:ext cx="0" cy="0"/>
+          <a:chOff x="0" y="0"/>
+          <a:chExt cx="0" cy="0"/>
+        </a:xfrm>
+      </p:grpSpPr>
+      <p:sp>
+        <p:nvSpPr>
           <p:cNvPr id="2" name="タイトル 1"/>
           <p:cNvSpPr>
             <a:spLocks noGrp="1"/>
@@ -6527,7 +7374,7 @@
             <a:fld id="{FC7AB2BD-E9B7-45BF-89F9-A3C60FAD2BB8}" type="datetime2">
               <a:rPr lang="en-US" altLang="ja-JP" smtClean="0"/>
               <a:pPr/>
-              <a:t>Tuesday, September 30, 2014</a:t>
+              <a:t>Wednesday, October 01, 2014</a:t>
             </a:fld>
             <a:endParaRPr lang="ja-JP" altLang="en-US" dirty="0"/>
           </a:p>
@@ -6687,41 +7534,88 @@
           </a:sp3d>
         </p:spPr>
       </p:pic>
-      <p:sp>
-        <p:nvSpPr>
-          <p:cNvPr id="11" name="タイトル 1"/>
-          <p:cNvSpPr txBox="1">
-            <a:spLocks/>
-          </p:cNvSpPr>
+      <p:grpSp>
+        <p:nvGrpSpPr>
+          <p:cNvPr id="9" name="グループ化 8"/>
+          <p:cNvGrpSpPr/>
           <p:nvPr/>
-        </p:nvSpPr>
-        <p:spPr>
+        </p:nvGrpSpPr>
+        <p:grpSpPr>
           <a:xfrm>
             <a:off x="5364088" y="555526"/>
-            <a:ext cx="3779912" cy="507703"/>
-          </a:xfrm>
-          <a:prstGeom prst="rect">
-            <a:avLst/>
-          </a:prstGeom>
-        </p:spPr>
-        <p:txBody>
-          <a:bodyPr vert="horz" lIns="91440" tIns="45720" rIns="91440" bIns="45720" rtlCol="0" anchor="ctr">
-            <a:noAutofit/>
-          </a:bodyPr>
-          <a:lstStyle/>
-          <a:p>
-            <a:pPr lvl="0">
-              <a:spcBef>
-                <a:spcPct val="0"/>
-              </a:spcBef>
-              <a:defRPr/>
-            </a:pPr>
-            <a:r>
-              <a:rPr lang="en-US" altLang="ja-JP" sz="2800" dirty="0" smtClean="0"/>
-              <a:t>LS4(</a:t>
-            </a:r>
-            <a:r>
-              <a:rPr kumimoji="1" lang="en-US" altLang="ja-JP" sz="2800" b="0" i="0" u="none" strike="noStrike" kern="1200" cap="none" spc="0" normalizeH="0" baseline="0" noProof="0" dirty="0" err="1" smtClean="0">
+            <a:ext cx="3779912" cy="576065"/>
+            <a:chOff x="5364088" y="555526"/>
+            <a:chExt cx="3779912" cy="576065"/>
+          </a:xfrm>
+        </p:grpSpPr>
+        <p:sp>
+          <p:nvSpPr>
+            <p:cNvPr id="11" name="タイトル 1"/>
+            <p:cNvSpPr txBox="1">
+              <a:spLocks/>
+            </p:cNvSpPr>
+            <p:nvPr/>
+          </p:nvSpPr>
+          <p:spPr>
+            <a:xfrm>
+              <a:off x="5364088" y="555526"/>
+              <a:ext cx="3779912" cy="507703"/>
+            </a:xfrm>
+            <a:prstGeom prst="rect">
+              <a:avLst/>
+            </a:prstGeom>
+          </p:spPr>
+          <p:txBody>
+            <a:bodyPr vert="horz" lIns="91440" tIns="45720" rIns="91440" bIns="45720" rtlCol="0" anchor="ctr">
+              <a:noAutofit/>
+            </a:bodyPr>
+            <a:lstStyle/>
+            <a:p>
+              <a:pPr lvl="0">
+                <a:spcBef>
+                  <a:spcPct val="0"/>
+                </a:spcBef>
+                <a:defRPr/>
+              </a:pPr>
+              <a:r>
+                <a:rPr lang="en-US" altLang="ja-JP" sz="2800" dirty="0" smtClean="0"/>
+                <a:t>LS4(</a:t>
+              </a:r>
+              <a:r>
+                <a:rPr kumimoji="1" lang="en-US" altLang="ja-JP" sz="2800" b="0" i="0" u="none" strike="noStrike" kern="1200" cap="none" spc="0" normalizeH="0" baseline="0" noProof="0" dirty="0" err="1" smtClean="0">
+                  <a:ln>
+                    <a:noFill/>
+                  </a:ln>
+                  <a:solidFill>
+                    <a:schemeClr val="tx1"/>
+                  </a:solidFill>
+                  <a:effectLst/>
+                  <a:uLnTx/>
+                  <a:uFillTx/>
+                  <a:latin typeface="+mj-lt"/>
+                  <a:ea typeface="+mj-ea"/>
+                  <a:cs typeface="+mj-cs"/>
+                </a:rPr>
+                <a:t>UbiArtFramework</a:t>
+              </a:r>
+              <a:r>
+                <a:rPr kumimoji="1" lang="en-US" altLang="ja-JP" sz="2800" b="0" i="0" u="none" strike="noStrike" kern="1200" cap="none" spc="0" normalizeH="0" baseline="0" noProof="0" dirty="0" smtClean="0">
+                  <a:ln>
+                    <a:noFill/>
+                  </a:ln>
+                  <a:solidFill>
+                    <a:schemeClr val="tx1"/>
+                  </a:solidFill>
+                  <a:effectLst/>
+                  <a:uLnTx/>
+                  <a:uFillTx/>
+                  <a:latin typeface="+mj-lt"/>
+                  <a:ea typeface="+mj-ea"/>
+                  <a:cs typeface="+mj-cs"/>
+                </a:rPr>
+                <a:t>)</a:t>
+              </a:r>
+              <a:endParaRPr kumimoji="1" lang="ja-JP" altLang="en-US" sz="2800" b="0" i="0" u="none" strike="noStrike" kern="1200" cap="none" spc="0" normalizeH="0" baseline="0" noProof="0" dirty="0">
                 <a:ln>
                   <a:noFill/>
                 </a:ln>
@@ -6734,89 +7628,57 @@
                 <a:latin typeface="+mj-lt"/>
                 <a:ea typeface="+mj-ea"/>
                 <a:cs typeface="+mj-cs"/>
-              </a:rPr>
-              <a:t>UbiArtFramework</a:t>
-            </a:r>
-            <a:r>
-              <a:rPr kumimoji="1" lang="en-US" altLang="ja-JP" sz="2800" b="0" i="0" u="none" strike="noStrike" kern="1200" cap="none" spc="0" normalizeH="0" baseline="0" noProof="0" dirty="0" smtClean="0">
-                <a:ln>
-                  <a:noFill/>
-                </a:ln>
-                <a:solidFill>
-                  <a:schemeClr val="tx1"/>
-                </a:solidFill>
-                <a:effectLst/>
-                <a:uLnTx/>
-                <a:uFillTx/>
-                <a:latin typeface="+mj-lt"/>
-                <a:ea typeface="+mj-ea"/>
-                <a:cs typeface="+mj-cs"/>
-              </a:rPr>
-              <a:t>)</a:t>
-            </a:r>
-            <a:endParaRPr kumimoji="1" lang="ja-JP" altLang="en-US" sz="2800" b="0" i="0" u="none" strike="noStrike" kern="1200" cap="none" spc="0" normalizeH="0" baseline="0" noProof="0" dirty="0">
-              <a:ln>
-                <a:noFill/>
-              </a:ln>
-              <a:solidFill>
-                <a:schemeClr val="tx1"/>
-              </a:solidFill>
-              <a:effectLst/>
-              <a:uLnTx/>
-              <a:uFillTx/>
-              <a:latin typeface="+mj-lt"/>
-              <a:ea typeface="+mj-ea"/>
-              <a:cs typeface="+mj-cs"/>
-            </a:endParaRPr>
-          </a:p>
-        </p:txBody>
-      </p:sp>
-      <p:sp>
-        <p:nvSpPr>
-          <p:cNvPr id="13" name="正方形/長方形 12"/>
-          <p:cNvSpPr/>
-          <p:nvPr/>
-        </p:nvSpPr>
-        <p:spPr>
-          <a:xfrm>
-            <a:off x="5436096" y="1059583"/>
-            <a:ext cx="3707904" cy="72008"/>
-          </a:xfrm>
-          <a:prstGeom prst="rect">
-            <a:avLst/>
-          </a:prstGeom>
-          <a:solidFill>
-            <a:srgbClr val="FFC000"/>
-          </a:solidFill>
-          <a:ln>
-            <a:noFill/>
-          </a:ln>
-        </p:spPr>
-        <p:style>
-          <a:lnRef idx="2">
-            <a:schemeClr val="accent1">
-              <a:shade val="50000"/>
-            </a:schemeClr>
-          </a:lnRef>
-          <a:fillRef idx="1">
-            <a:schemeClr val="accent1"/>
-          </a:fillRef>
-          <a:effectRef idx="0">
-            <a:schemeClr val="accent1"/>
-          </a:effectRef>
-          <a:fontRef idx="minor">
-            <a:schemeClr val="lt1"/>
-          </a:fontRef>
-        </p:style>
-        <p:txBody>
-          <a:bodyPr rtlCol="0" anchor="ctr"/>
-          <a:lstStyle/>
-          <a:p>
-            <a:pPr algn="ctr"/>
-            <a:endParaRPr kumimoji="1" lang="ja-JP" altLang="en-US"/>
-          </a:p>
-        </p:txBody>
-      </p:sp>
+              </a:endParaRPr>
+            </a:p>
+          </p:txBody>
+        </p:sp>
+        <p:sp>
+          <p:nvSpPr>
+            <p:cNvPr id="13" name="正方形/長方形 12"/>
+            <p:cNvSpPr/>
+            <p:nvPr/>
+          </p:nvSpPr>
+          <p:spPr>
+            <a:xfrm>
+              <a:off x="5436096" y="1059583"/>
+              <a:ext cx="3707904" cy="72008"/>
+            </a:xfrm>
+            <a:prstGeom prst="rect">
+              <a:avLst/>
+            </a:prstGeom>
+            <a:solidFill>
+              <a:srgbClr val="FFC000"/>
+            </a:solidFill>
+            <a:ln>
+              <a:noFill/>
+            </a:ln>
+          </p:spPr>
+          <p:style>
+            <a:lnRef idx="2">
+              <a:schemeClr val="accent1">
+                <a:shade val="50000"/>
+              </a:schemeClr>
+            </a:lnRef>
+            <a:fillRef idx="1">
+              <a:schemeClr val="accent1"/>
+            </a:fillRef>
+            <a:effectRef idx="0">
+              <a:schemeClr val="accent1"/>
+            </a:effectRef>
+            <a:fontRef idx="minor">
+              <a:schemeClr val="lt1"/>
+            </a:fontRef>
+          </p:style>
+          <p:txBody>
+            <a:bodyPr rtlCol="0" anchor="ctr"/>
+            <a:lstStyle/>
+            <a:p>
+              <a:pPr algn="ctr"/>
+              <a:endParaRPr kumimoji="1" lang="ja-JP" altLang="en-US"/>
+            </a:p>
+          </p:txBody>
+        </p:sp>
+      </p:grpSp>
     </p:spTree>
   </p:cSld>
   <p:clrMapOvr>
@@ -6832,7 +7694,7 @@
 </p:sld>
 </file>
 
-<file path=ppt/slides/slide14.xml><?xml version="1.0" encoding="utf-8"?>
+<file path=ppt/slides/slide15.xml><?xml version="1.0" encoding="utf-8"?>
 <p:sld xmlns:a="http://schemas.openxmlformats.org/drawingml/2006/main" xmlns:r="http://schemas.openxmlformats.org/officeDocument/2006/relationships" xmlns:p="http://schemas.openxmlformats.org/presentationml/2006/main">
   <p:cSld>
     <p:spTree>
@@ -6902,7 +7764,7 @@
             <a:fld id="{FC7AB2BD-E9B7-45BF-89F9-A3C60FAD2BB8}" type="datetime2">
               <a:rPr lang="en-US" altLang="ja-JP" smtClean="0"/>
               <a:pPr/>
-              <a:t>Tuesday, September 30, 2014</a:t>
+              <a:t>Wednesday, October 01, 2014</a:t>
             </a:fld>
             <a:endParaRPr lang="ja-JP" altLang="en-US" dirty="0"/>
           </a:p>
@@ -6926,126 +7788,6 @@
             <a:schemeClr val="accent1">
               <a:lumMod val="75000"/>
             </a:schemeClr>
-          </a:solidFill>
-          <a:ln>
-            <a:noFill/>
-          </a:ln>
-        </p:spPr>
-        <p:style>
-          <a:lnRef idx="2">
-            <a:schemeClr val="accent1">
-              <a:shade val="50000"/>
-            </a:schemeClr>
-          </a:lnRef>
-          <a:fillRef idx="1">
-            <a:schemeClr val="accent1"/>
-          </a:fillRef>
-          <a:effectRef idx="0">
-            <a:schemeClr val="accent1"/>
-          </a:effectRef>
-          <a:fontRef idx="minor">
-            <a:schemeClr val="lt1"/>
-          </a:fontRef>
-        </p:style>
-        <p:txBody>
-          <a:bodyPr rtlCol="0" anchor="ctr"/>
-          <a:lstStyle/>
-          <a:p>
-            <a:pPr algn="ctr"/>
-            <a:endParaRPr kumimoji="1" lang="ja-JP" altLang="en-US"/>
-          </a:p>
-        </p:txBody>
-      </p:sp>
-      <p:sp>
-        <p:nvSpPr>
-          <p:cNvPr id="11" name="タイトル 1"/>
-          <p:cNvSpPr txBox="1">
-            <a:spLocks/>
-          </p:cNvSpPr>
-          <p:nvPr/>
-        </p:nvSpPr>
-        <p:spPr>
-          <a:xfrm>
-            <a:off x="5724128" y="555526"/>
-            <a:ext cx="3106688" cy="507703"/>
-          </a:xfrm>
-          <a:prstGeom prst="rect">
-            <a:avLst/>
-          </a:prstGeom>
-        </p:spPr>
-        <p:txBody>
-          <a:bodyPr vert="horz" lIns="91440" tIns="45720" rIns="91440" bIns="45720" rtlCol="0" anchor="ctr">
-            <a:noAutofit/>
-          </a:bodyPr>
-          <a:lstStyle/>
-          <a:p>
-            <a:pPr marL="0" marR="0" lvl="0" indent="0" algn="l" defTabSz="914400" rtl="0" eaLnBrk="1" fontAlgn="auto" latinLnBrk="0" hangingPunct="1">
-              <a:lnSpc>
-                <a:spcPct val="100000"/>
-              </a:lnSpc>
-              <a:spcBef>
-                <a:spcPct val="0"/>
-              </a:spcBef>
-              <a:spcAft>
-                <a:spcPts val="0"/>
-              </a:spcAft>
-              <a:buClrTx/>
-              <a:buSzTx/>
-              <a:buFontTx/>
-              <a:buNone/>
-              <a:tabLst/>
-              <a:defRPr/>
-            </a:pPr>
-            <a:r>
-              <a:rPr kumimoji="1" lang="en-US" altLang="ja-JP" sz="2800" b="0" i="0" u="none" strike="noStrike" kern="1200" cap="none" spc="0" normalizeH="0" baseline="0" noProof="0" dirty="0" err="1" smtClean="0">
-                <a:ln>
-                  <a:noFill/>
-                </a:ln>
-                <a:solidFill>
-                  <a:schemeClr val="tx1"/>
-                </a:solidFill>
-                <a:effectLst/>
-                <a:uLnTx/>
-                <a:uFillTx/>
-                <a:latin typeface="+mj-lt"/>
-                <a:ea typeface="+mj-ea"/>
-                <a:cs typeface="+mj-cs"/>
-              </a:rPr>
-              <a:t>UbiArtFramework</a:t>
-            </a:r>
-            <a:endParaRPr kumimoji="1" lang="ja-JP" altLang="en-US" sz="2800" b="0" i="0" u="none" strike="noStrike" kern="1200" cap="none" spc="0" normalizeH="0" baseline="0" noProof="0" dirty="0">
-              <a:ln>
-                <a:noFill/>
-              </a:ln>
-              <a:solidFill>
-                <a:schemeClr val="tx1"/>
-              </a:solidFill>
-              <a:effectLst/>
-              <a:uLnTx/>
-              <a:uFillTx/>
-              <a:latin typeface="+mj-lt"/>
-              <a:ea typeface="+mj-ea"/>
-              <a:cs typeface="+mj-cs"/>
-            </a:endParaRPr>
-          </a:p>
-        </p:txBody>
-      </p:sp>
-      <p:sp>
-        <p:nvSpPr>
-          <p:cNvPr id="13" name="正方形/長方形 12"/>
-          <p:cNvSpPr/>
-          <p:nvPr/>
-        </p:nvSpPr>
-        <p:spPr>
-          <a:xfrm>
-            <a:off x="5616624" y="1059583"/>
-            <a:ext cx="3527376" cy="72007"/>
-          </a:xfrm>
-          <a:prstGeom prst="rect">
-            <a:avLst/>
-          </a:prstGeom>
-          <a:solidFill>
-            <a:srgbClr val="FFC000"/>
           </a:solidFill>
           <a:ln>
             <a:noFill/>
@@ -7105,6 +7847,151 @@
           </a:prstGeom>
         </p:spPr>
       </p:pic>
+      <p:grpSp>
+        <p:nvGrpSpPr>
+          <p:cNvPr id="8" name="グループ化 7"/>
+          <p:cNvGrpSpPr/>
+          <p:nvPr/>
+        </p:nvGrpSpPr>
+        <p:grpSpPr>
+          <a:xfrm>
+            <a:off x="5364088" y="555526"/>
+            <a:ext cx="3779912" cy="576065"/>
+            <a:chOff x="5364088" y="555526"/>
+            <a:chExt cx="3779912" cy="576065"/>
+          </a:xfrm>
+        </p:grpSpPr>
+        <p:sp>
+          <p:nvSpPr>
+            <p:cNvPr id="10" name="タイトル 1"/>
+            <p:cNvSpPr txBox="1">
+              <a:spLocks/>
+            </p:cNvSpPr>
+            <p:nvPr/>
+          </p:nvSpPr>
+          <p:spPr>
+            <a:xfrm>
+              <a:off x="5364088" y="555526"/>
+              <a:ext cx="3779912" cy="507703"/>
+            </a:xfrm>
+            <a:prstGeom prst="rect">
+              <a:avLst/>
+            </a:prstGeom>
+          </p:spPr>
+          <p:txBody>
+            <a:bodyPr vert="horz" lIns="91440" tIns="45720" rIns="91440" bIns="45720" rtlCol="0" anchor="ctr">
+              <a:noAutofit/>
+            </a:bodyPr>
+            <a:lstStyle/>
+            <a:p>
+              <a:pPr lvl="0">
+                <a:spcBef>
+                  <a:spcPct val="0"/>
+                </a:spcBef>
+                <a:defRPr/>
+              </a:pPr>
+              <a:r>
+                <a:rPr lang="en-US" altLang="ja-JP" sz="2800" dirty="0" smtClean="0"/>
+                <a:t>LS4(</a:t>
+              </a:r>
+              <a:r>
+                <a:rPr kumimoji="1" lang="en-US" altLang="ja-JP" sz="2800" b="0" i="0" u="none" strike="noStrike" kern="1200" cap="none" spc="0" normalizeH="0" baseline="0" noProof="0" dirty="0" err="1" smtClean="0">
+                  <a:ln>
+                    <a:noFill/>
+                  </a:ln>
+                  <a:solidFill>
+                    <a:schemeClr val="tx1"/>
+                  </a:solidFill>
+                  <a:effectLst/>
+                  <a:uLnTx/>
+                  <a:uFillTx/>
+                  <a:latin typeface="+mj-lt"/>
+                  <a:ea typeface="+mj-ea"/>
+                  <a:cs typeface="+mj-cs"/>
+                </a:rPr>
+                <a:t>UbiArtFramework</a:t>
+              </a:r>
+              <a:r>
+                <a:rPr kumimoji="1" lang="en-US" altLang="ja-JP" sz="2800" b="0" i="0" u="none" strike="noStrike" kern="1200" cap="none" spc="0" normalizeH="0" baseline="0" noProof="0" dirty="0" smtClean="0">
+                  <a:ln>
+                    <a:noFill/>
+                  </a:ln>
+                  <a:solidFill>
+                    <a:schemeClr val="tx1"/>
+                  </a:solidFill>
+                  <a:effectLst/>
+                  <a:uLnTx/>
+                  <a:uFillTx/>
+                  <a:latin typeface="+mj-lt"/>
+                  <a:ea typeface="+mj-ea"/>
+                  <a:cs typeface="+mj-cs"/>
+                </a:rPr>
+                <a:t>)</a:t>
+              </a:r>
+              <a:endParaRPr kumimoji="1" lang="ja-JP" altLang="en-US" sz="2800" b="0" i="0" u="none" strike="noStrike" kern="1200" cap="none" spc="0" normalizeH="0" baseline="0" noProof="0" dirty="0">
+                <a:ln>
+                  <a:noFill/>
+                </a:ln>
+                <a:solidFill>
+                  <a:schemeClr val="tx1"/>
+                </a:solidFill>
+                <a:effectLst/>
+                <a:uLnTx/>
+                <a:uFillTx/>
+                <a:latin typeface="+mj-lt"/>
+                <a:ea typeface="+mj-ea"/>
+                <a:cs typeface="+mj-cs"/>
+              </a:endParaRPr>
+            </a:p>
+          </p:txBody>
+        </p:sp>
+        <p:sp>
+          <p:nvSpPr>
+            <p:cNvPr id="12" name="正方形/長方形 11"/>
+            <p:cNvSpPr/>
+            <p:nvPr/>
+          </p:nvSpPr>
+          <p:spPr>
+            <a:xfrm>
+              <a:off x="5436096" y="1059583"/>
+              <a:ext cx="3707904" cy="72008"/>
+            </a:xfrm>
+            <a:prstGeom prst="rect">
+              <a:avLst/>
+            </a:prstGeom>
+            <a:solidFill>
+              <a:srgbClr val="FFC000"/>
+            </a:solidFill>
+            <a:ln>
+              <a:noFill/>
+            </a:ln>
+          </p:spPr>
+          <p:style>
+            <a:lnRef idx="2">
+              <a:schemeClr val="accent1">
+                <a:shade val="50000"/>
+              </a:schemeClr>
+            </a:lnRef>
+            <a:fillRef idx="1">
+              <a:schemeClr val="accent1"/>
+            </a:fillRef>
+            <a:effectRef idx="0">
+              <a:schemeClr val="accent1"/>
+            </a:effectRef>
+            <a:fontRef idx="minor">
+              <a:schemeClr val="lt1"/>
+            </a:fontRef>
+          </p:style>
+          <p:txBody>
+            <a:bodyPr rtlCol="0" anchor="ctr"/>
+            <a:lstStyle/>
+            <a:p>
+              <a:pPr algn="ctr"/>
+              <a:endParaRPr kumimoji="1" lang="ja-JP" altLang="en-US"/>
+            </a:p>
+          </p:txBody>
+        </p:sp>
+      </p:grpSp>
     </p:spTree>
   </p:cSld>
   <p:clrMapOvr>
@@ -7205,7 +8092,7 @@
 </p:sld>
 </file>
 
-<file path=ppt/slides/slide15.xml><?xml version="1.0" encoding="utf-8"?>
+<file path=ppt/slides/slide16.xml><?xml version="1.0" encoding="utf-8"?>
 <p:sld xmlns:a="http://schemas.openxmlformats.org/drawingml/2006/main" xmlns:r="http://schemas.openxmlformats.org/officeDocument/2006/relationships" xmlns:p="http://schemas.openxmlformats.org/presentationml/2006/main">
   <p:cSld>
     <p:spTree>
@@ -7235,104 +8122,25 @@
         <p:spPr>
           <a:xfrm>
             <a:off x="179512" y="555525"/>
-            <a:ext cx="2448272" cy="507703"/>
+            <a:ext cx="3384376" cy="507703"/>
           </a:xfrm>
         </p:spPr>
         <p:txBody>
           <a:bodyPr>
-            <a:normAutofit fontScale="90000"/>
+            <a:noAutofit/>
           </a:bodyPr>
           <a:lstStyle/>
           <a:p>
             <a:pPr algn="l"/>
             <a:r>
-              <a:rPr kumimoji="1" lang="en-US" altLang="ja-JP" dirty="0" smtClean="0">
-                <a:latin typeface="Segoe UI" pitchFamily="34" charset="0"/>
-                <a:ea typeface="Segoe UI" pitchFamily="34" charset="0"/>
-                <a:cs typeface="Segoe UI" pitchFamily="34" charset="0"/>
-              </a:rPr>
-              <a:t>Contents</a:t>
-            </a:r>
-            <a:endParaRPr kumimoji="1" lang="ja-JP" altLang="en-US" dirty="0">
-              <a:latin typeface="Segoe UI" pitchFamily="34" charset="0"/>
-              <a:ea typeface="Meiryo UI" pitchFamily="50" charset="-128"/>
-              <a:cs typeface="Segoe UI" pitchFamily="34" charset="0"/>
-            </a:endParaRPr>
-          </a:p>
-        </p:txBody>
-      </p:sp>
-      <p:sp>
-        <p:nvSpPr>
-          <p:cNvPr id="3" name="コンテンツ プレースホルダ 2"/>
-          <p:cNvSpPr>
-            <a:spLocks noGrp="1"/>
-          </p:cNvSpPr>
-          <p:nvPr>
-            <p:ph idx="1"/>
-          </p:nvPr>
-        </p:nvSpPr>
-        <p:spPr>
-          <a:xfrm>
-            <a:off x="4345632" y="1203597"/>
-            <a:ext cx="6131024" cy="3391025"/>
-          </a:xfrm>
-        </p:spPr>
-        <p:txBody>
-          <a:bodyPr/>
-          <a:lstStyle/>
-          <a:p>
-            <a:pPr algn="just">
-              <a:buNone/>
-            </a:pPr>
-            <a:r>
-              <a:rPr kumimoji="1" lang="en-US" altLang="ja-JP" dirty="0" smtClean="0"/>
+              <a:rPr lang="en-US" altLang="ja-JP" sz="2800" dirty="0" smtClean="0"/>
               <a:t>1.</a:t>
             </a:r>
             <a:r>
-              <a:rPr lang="ja-JP" altLang="en-US" dirty="0" smtClean="0"/>
+              <a:rPr lang="ja-JP" altLang="en-US" sz="2800" dirty="0" smtClean="0"/>
               <a:t>入社からこれまで</a:t>
             </a:r>
-            <a:endParaRPr lang="en-US" altLang="ja-JP" dirty="0" smtClean="0"/>
-          </a:p>
-          <a:p>
-            <a:pPr algn="just">
-              <a:buNone/>
-            </a:pPr>
-            <a:endParaRPr kumimoji="1" lang="en-US" altLang="ja-JP" dirty="0" smtClean="0"/>
-          </a:p>
-          <a:p>
-            <a:pPr algn="just">
-              <a:buNone/>
-            </a:pPr>
-            <a:r>
-              <a:rPr lang="en-US" altLang="ja-JP" dirty="0" smtClean="0"/>
-              <a:t>2.</a:t>
-            </a:r>
-            <a:r>
-              <a:rPr lang="ja-JP" altLang="en-US" dirty="0" smtClean="0"/>
-              <a:t>学んだこと</a:t>
-            </a:r>
-            <a:endParaRPr lang="en-US" altLang="ja-JP" dirty="0" smtClean="0"/>
-          </a:p>
-          <a:p>
-            <a:pPr algn="just">
-              <a:buNone/>
-            </a:pPr>
-            <a:endParaRPr lang="en-US" altLang="ja-JP" dirty="0" smtClean="0"/>
-          </a:p>
-          <a:p>
-            <a:pPr algn="just">
-              <a:buNone/>
-            </a:pPr>
-            <a:r>
-              <a:rPr kumimoji="1" lang="en-US" altLang="ja-JP" dirty="0" smtClean="0"/>
-              <a:t>3.</a:t>
-            </a:r>
-            <a:r>
-              <a:rPr kumimoji="1" lang="ja-JP" altLang="en-US" dirty="0" smtClean="0"/>
-              <a:t>これからのこと</a:t>
-            </a:r>
-            <a:endParaRPr kumimoji="1" lang="en-US" altLang="ja-JP" dirty="0" smtClean="0"/>
+            <a:endParaRPr kumimoji="1" lang="ja-JP" altLang="en-US" sz="2800" dirty="0"/>
           </a:p>
         </p:txBody>
       </p:sp>
@@ -7354,7 +8162,7 @@
             <a:fld id="{FC7AB2BD-E9B7-45BF-89F9-A3C60FAD2BB8}" type="datetime2">
               <a:rPr lang="en-US" altLang="ja-JP" smtClean="0"/>
               <a:pPr/>
-              <a:t>Tuesday, September 30, 2014</a:t>
+              <a:t>Wednesday, October 01, 2014</a:t>
             </a:fld>
             <a:endParaRPr lang="ja-JP" altLang="en-US" dirty="0"/>
           </a:p>
@@ -7369,7 +8177,7 @@
         <p:spPr>
           <a:xfrm>
             <a:off x="0" y="1059582"/>
-            <a:ext cx="2555776" cy="72008"/>
+            <a:ext cx="3563888" cy="72008"/>
           </a:xfrm>
           <a:prstGeom prst="rect">
             <a:avLst/>
@@ -7408,6 +8216,435 @@
           </a:p>
         </p:txBody>
       </p:sp>
+      <p:sp>
+        <p:nvSpPr>
+          <p:cNvPr id="8" name="コンテンツ プレースホルダ 7"/>
+          <p:cNvSpPr>
+            <a:spLocks noGrp="1"/>
+          </p:cNvSpPr>
+          <p:nvPr>
+            <p:ph idx="1"/>
+          </p:nvPr>
+        </p:nvSpPr>
+        <p:spPr/>
+        <p:txBody>
+          <a:bodyPr/>
+          <a:lstStyle/>
+          <a:p>
+            <a:r>
+              <a:rPr lang="en-US" altLang="ja-JP" dirty="0" smtClean="0"/>
+              <a:t>Unity</a:t>
+            </a:r>
+            <a:r>
+              <a:rPr lang="ja-JP" altLang="en-US" dirty="0" smtClean="0"/>
+              <a:t>と比べて</a:t>
+            </a:r>
+            <a:r>
+              <a:rPr lang="en-US" altLang="ja-JP" dirty="0" smtClean="0"/>
+              <a:t>UAF</a:t>
+            </a:r>
+            <a:r>
+              <a:rPr lang="ja-JP" altLang="en-US" dirty="0" err="1" smtClean="0"/>
+              <a:t>で</a:t>
+            </a:r>
+            <a:r>
+              <a:rPr lang="ja-JP" altLang="en-US" dirty="0" smtClean="0"/>
+              <a:t>したいこと</a:t>
+            </a:r>
+            <a:endParaRPr lang="en-US" altLang="ja-JP" dirty="0" smtClean="0"/>
+          </a:p>
+          <a:p>
+            <a:pPr lvl="1"/>
+            <a:r>
+              <a:rPr lang="en-US" altLang="ja-JP" dirty="0" smtClean="0"/>
+              <a:t>Tool</a:t>
+            </a:r>
+            <a:r>
+              <a:rPr lang="ja-JP" altLang="en-US" dirty="0" smtClean="0"/>
+              <a:t>安全性上げる。</a:t>
+            </a:r>
+            <a:endParaRPr lang="en-US" altLang="ja-JP" dirty="0" smtClean="0"/>
+          </a:p>
+          <a:p>
+            <a:pPr lvl="1"/>
+            <a:r>
+              <a:rPr lang="ja-JP" altLang="en-US" dirty="0" smtClean="0"/>
+              <a:t>ドキュメントの</a:t>
+            </a:r>
+            <a:r>
+              <a:rPr lang="ja-JP" altLang="en-US" dirty="0" smtClean="0"/>
+              <a:t>充実させる。</a:t>
+            </a:r>
+            <a:endParaRPr lang="en-US" altLang="ja-JP" dirty="0" smtClean="0"/>
+          </a:p>
+          <a:p>
+            <a:pPr lvl="1"/>
+            <a:r>
+              <a:rPr lang="ja-JP" altLang="en-US" dirty="0" smtClean="0"/>
+              <a:t>ヒューマンエラーを減らす。</a:t>
+            </a:r>
+            <a:endParaRPr lang="en-US" altLang="ja-JP" dirty="0" smtClean="0"/>
+          </a:p>
+          <a:p>
+            <a:endParaRPr kumimoji="1" lang="en-US" altLang="ja-JP" dirty="0" smtClean="0"/>
+          </a:p>
+          <a:p>
+            <a:pPr lvl="1"/>
+            <a:endParaRPr kumimoji="1" lang="ja-JP" altLang="en-US" dirty="0"/>
+          </a:p>
+        </p:txBody>
+      </p:sp>
+      <p:grpSp>
+        <p:nvGrpSpPr>
+          <p:cNvPr id="10" name="グループ化 9"/>
+          <p:cNvGrpSpPr/>
+          <p:nvPr/>
+        </p:nvGrpSpPr>
+        <p:grpSpPr>
+          <a:xfrm>
+            <a:off x="5364088" y="555526"/>
+            <a:ext cx="3779912" cy="576065"/>
+            <a:chOff x="5364088" y="555526"/>
+            <a:chExt cx="3779912" cy="576065"/>
+          </a:xfrm>
+        </p:grpSpPr>
+        <p:sp>
+          <p:nvSpPr>
+            <p:cNvPr id="12" name="タイトル 1"/>
+            <p:cNvSpPr txBox="1">
+              <a:spLocks/>
+            </p:cNvSpPr>
+            <p:nvPr/>
+          </p:nvSpPr>
+          <p:spPr>
+            <a:xfrm>
+              <a:off x="5364088" y="555526"/>
+              <a:ext cx="3779912" cy="507703"/>
+            </a:xfrm>
+            <a:prstGeom prst="rect">
+              <a:avLst/>
+            </a:prstGeom>
+          </p:spPr>
+          <p:txBody>
+            <a:bodyPr vert="horz" lIns="91440" tIns="45720" rIns="91440" bIns="45720" rtlCol="0" anchor="ctr">
+              <a:noAutofit/>
+            </a:bodyPr>
+            <a:lstStyle/>
+            <a:p>
+              <a:pPr lvl="0">
+                <a:spcBef>
+                  <a:spcPct val="0"/>
+                </a:spcBef>
+                <a:defRPr/>
+              </a:pPr>
+              <a:r>
+                <a:rPr lang="en-US" altLang="ja-JP" sz="2800" dirty="0" smtClean="0"/>
+                <a:t>LS4(</a:t>
+              </a:r>
+              <a:r>
+                <a:rPr kumimoji="1" lang="en-US" altLang="ja-JP" sz="2800" b="0" i="0" u="none" strike="noStrike" kern="1200" cap="none" spc="0" normalizeH="0" baseline="0" noProof="0" dirty="0" err="1" smtClean="0">
+                  <a:ln>
+                    <a:noFill/>
+                  </a:ln>
+                  <a:solidFill>
+                    <a:schemeClr val="tx1"/>
+                  </a:solidFill>
+                  <a:effectLst/>
+                  <a:uLnTx/>
+                  <a:uFillTx/>
+                  <a:latin typeface="+mj-lt"/>
+                  <a:ea typeface="+mj-ea"/>
+                  <a:cs typeface="+mj-cs"/>
+                </a:rPr>
+                <a:t>UbiArtFramework</a:t>
+              </a:r>
+              <a:r>
+                <a:rPr kumimoji="1" lang="en-US" altLang="ja-JP" sz="2800" b="0" i="0" u="none" strike="noStrike" kern="1200" cap="none" spc="0" normalizeH="0" baseline="0" noProof="0" dirty="0" smtClean="0">
+                  <a:ln>
+                    <a:noFill/>
+                  </a:ln>
+                  <a:solidFill>
+                    <a:schemeClr val="tx1"/>
+                  </a:solidFill>
+                  <a:effectLst/>
+                  <a:uLnTx/>
+                  <a:uFillTx/>
+                  <a:latin typeface="+mj-lt"/>
+                  <a:ea typeface="+mj-ea"/>
+                  <a:cs typeface="+mj-cs"/>
+                </a:rPr>
+                <a:t>)</a:t>
+              </a:r>
+              <a:endParaRPr kumimoji="1" lang="ja-JP" altLang="en-US" sz="2800" b="0" i="0" u="none" strike="noStrike" kern="1200" cap="none" spc="0" normalizeH="0" baseline="0" noProof="0" dirty="0">
+                <a:ln>
+                  <a:noFill/>
+                </a:ln>
+                <a:solidFill>
+                  <a:schemeClr val="tx1"/>
+                </a:solidFill>
+                <a:effectLst/>
+                <a:uLnTx/>
+                <a:uFillTx/>
+                <a:latin typeface="+mj-lt"/>
+                <a:ea typeface="+mj-ea"/>
+                <a:cs typeface="+mj-cs"/>
+              </a:endParaRPr>
+            </a:p>
+          </p:txBody>
+        </p:sp>
+        <p:sp>
+          <p:nvSpPr>
+            <p:cNvPr id="14" name="正方形/長方形 13"/>
+            <p:cNvSpPr/>
+            <p:nvPr/>
+          </p:nvSpPr>
+          <p:spPr>
+            <a:xfrm>
+              <a:off x="5436096" y="1059583"/>
+              <a:ext cx="3707904" cy="72008"/>
+            </a:xfrm>
+            <a:prstGeom prst="rect">
+              <a:avLst/>
+            </a:prstGeom>
+            <a:solidFill>
+              <a:srgbClr val="FFC000"/>
+            </a:solidFill>
+            <a:ln>
+              <a:noFill/>
+            </a:ln>
+          </p:spPr>
+          <p:style>
+            <a:lnRef idx="2">
+              <a:schemeClr val="accent1">
+                <a:shade val="50000"/>
+              </a:schemeClr>
+            </a:lnRef>
+            <a:fillRef idx="1">
+              <a:schemeClr val="accent1"/>
+            </a:fillRef>
+            <a:effectRef idx="0">
+              <a:schemeClr val="accent1"/>
+            </a:effectRef>
+            <a:fontRef idx="minor">
+              <a:schemeClr val="lt1"/>
+            </a:fontRef>
+          </p:style>
+          <p:txBody>
+            <a:bodyPr rtlCol="0" anchor="ctr"/>
+            <a:lstStyle/>
+            <a:p>
+              <a:pPr algn="ctr"/>
+              <a:endParaRPr kumimoji="1" lang="ja-JP" altLang="en-US"/>
+            </a:p>
+          </p:txBody>
+        </p:sp>
+      </p:grpSp>
+    </p:spTree>
+  </p:cSld>
+  <p:clrMapOvr>
+    <a:masterClrMapping/>
+  </p:clrMapOvr>
+  <p:timing>
+    <p:tnLst>
+      <p:par>
+        <p:cTn id="1" dur="indefinite" restart="never" nodeType="tmRoot"/>
+      </p:par>
+    </p:tnLst>
+  </p:timing>
+</p:sld>
+</file>
+
+<file path=ppt/slides/slide17.xml><?xml version="1.0" encoding="utf-8"?>
+<p:sld xmlns:a="http://schemas.openxmlformats.org/drawingml/2006/main" xmlns:r="http://schemas.openxmlformats.org/officeDocument/2006/relationships" xmlns:p="http://schemas.openxmlformats.org/presentationml/2006/main">
+  <p:cSld>
+    <p:spTree>
+      <p:nvGrpSpPr>
+        <p:cNvPr id="1" name=""/>
+        <p:cNvGrpSpPr/>
+        <p:nvPr/>
+      </p:nvGrpSpPr>
+      <p:grpSpPr>
+        <a:xfrm>
+          <a:off x="0" y="0"/>
+          <a:ext cx="0" cy="0"/>
+          <a:chOff x="0" y="0"/>
+          <a:chExt cx="0" cy="0"/>
+        </a:xfrm>
+      </p:grpSpPr>
+      <p:sp>
+        <p:nvSpPr>
+          <p:cNvPr id="2" name="タイトル 1"/>
+          <p:cNvSpPr>
+            <a:spLocks noGrp="1"/>
+          </p:cNvSpPr>
+          <p:nvPr>
+            <p:ph type="title"/>
+          </p:nvPr>
+        </p:nvSpPr>
+        <p:spPr>
+          <a:xfrm>
+            <a:off x="179512" y="555525"/>
+            <a:ext cx="2448272" cy="507703"/>
+          </a:xfrm>
+        </p:spPr>
+        <p:txBody>
+          <a:bodyPr>
+            <a:normAutofit fontScale="90000"/>
+          </a:bodyPr>
+          <a:lstStyle/>
+          <a:p>
+            <a:pPr algn="l"/>
+            <a:r>
+              <a:rPr kumimoji="1" lang="en-US" altLang="ja-JP" dirty="0" smtClean="0">
+                <a:latin typeface="Segoe UI" pitchFamily="34" charset="0"/>
+                <a:ea typeface="Segoe UI" pitchFamily="34" charset="0"/>
+                <a:cs typeface="Segoe UI" pitchFamily="34" charset="0"/>
+              </a:rPr>
+              <a:t>Contents</a:t>
+            </a:r>
+            <a:endParaRPr kumimoji="1" lang="ja-JP" altLang="en-US" dirty="0">
+              <a:latin typeface="Segoe UI" pitchFamily="34" charset="0"/>
+              <a:ea typeface="Meiryo UI" pitchFamily="50" charset="-128"/>
+              <a:cs typeface="Segoe UI" pitchFamily="34" charset="0"/>
+            </a:endParaRPr>
+          </a:p>
+        </p:txBody>
+      </p:sp>
+      <p:sp>
+        <p:nvSpPr>
+          <p:cNvPr id="3" name="コンテンツ プレースホルダ 2"/>
+          <p:cNvSpPr>
+            <a:spLocks noGrp="1"/>
+          </p:cNvSpPr>
+          <p:nvPr>
+            <p:ph idx="1"/>
+          </p:nvPr>
+        </p:nvSpPr>
+        <p:spPr>
+          <a:xfrm>
+            <a:off x="4345632" y="1635646"/>
+            <a:ext cx="6131024" cy="2958976"/>
+          </a:xfrm>
+        </p:spPr>
+        <p:txBody>
+          <a:bodyPr/>
+          <a:lstStyle/>
+          <a:p>
+            <a:pPr algn="just">
+              <a:buNone/>
+            </a:pPr>
+            <a:r>
+              <a:rPr kumimoji="1" lang="en-US" altLang="ja-JP" dirty="0" smtClean="0"/>
+              <a:t>1.</a:t>
+            </a:r>
+            <a:r>
+              <a:rPr lang="ja-JP" altLang="en-US" dirty="0" smtClean="0"/>
+              <a:t>入社からこれ</a:t>
+            </a:r>
+            <a:r>
+              <a:rPr lang="ja-JP" altLang="en-US" dirty="0" smtClean="0"/>
+              <a:t>まで</a:t>
+            </a:r>
+            <a:endParaRPr kumimoji="1" lang="en-US" altLang="ja-JP" dirty="0" smtClean="0"/>
+          </a:p>
+          <a:p>
+            <a:pPr algn="just">
+              <a:buNone/>
+            </a:pPr>
+            <a:endParaRPr lang="en-US" altLang="ja-JP" dirty="0" smtClean="0"/>
+          </a:p>
+          <a:p>
+            <a:pPr algn="just">
+              <a:buNone/>
+            </a:pPr>
+            <a:r>
+              <a:rPr lang="en-US" altLang="ja-JP" dirty="0" smtClean="0"/>
+              <a:t>2</a:t>
+            </a:r>
+            <a:r>
+              <a:rPr kumimoji="1" lang="en-US" altLang="ja-JP" dirty="0" smtClean="0"/>
+              <a:t>.</a:t>
+            </a:r>
+            <a:r>
+              <a:rPr kumimoji="1" lang="ja-JP" altLang="en-US" dirty="0" smtClean="0"/>
+              <a:t>これからのこと</a:t>
+            </a:r>
+            <a:endParaRPr kumimoji="1" lang="en-US" altLang="ja-JP" dirty="0" smtClean="0"/>
+          </a:p>
+        </p:txBody>
+      </p:sp>
+      <p:sp>
+        <p:nvSpPr>
+          <p:cNvPr id="4" name="日付プレースホルダ 3"/>
+          <p:cNvSpPr>
+            <a:spLocks noGrp="1"/>
+          </p:cNvSpPr>
+          <p:nvPr>
+            <p:ph type="dt" sz="half" idx="10"/>
+          </p:nvPr>
+        </p:nvSpPr>
+        <p:spPr/>
+        <p:txBody>
+          <a:bodyPr/>
+          <a:lstStyle/>
+          <a:p>
+            <a:fld id="{FC7AB2BD-E9B7-45BF-89F9-A3C60FAD2BB8}" type="datetime2">
+              <a:rPr lang="en-US" altLang="ja-JP" smtClean="0"/>
+              <a:pPr/>
+              <a:t>Wednesday, October 01, 2014</a:t>
+            </a:fld>
+            <a:endParaRPr lang="ja-JP" altLang="en-US" dirty="0"/>
+          </a:p>
+        </p:txBody>
+      </p:sp>
+      <p:sp>
+        <p:nvSpPr>
+          <p:cNvPr id="5" name="正方形/長方形 4"/>
+          <p:cNvSpPr/>
+          <p:nvPr/>
+        </p:nvSpPr>
+        <p:spPr>
+          <a:xfrm>
+            <a:off x="0" y="1059582"/>
+            <a:ext cx="2555776" cy="72008"/>
+          </a:xfrm>
+          <a:prstGeom prst="rect">
+            <a:avLst/>
+          </a:prstGeom>
+          <a:solidFill>
+            <a:schemeClr val="accent1">
+              <a:lumMod val="75000"/>
+            </a:schemeClr>
+          </a:solidFill>
+          <a:ln>
+            <a:noFill/>
+          </a:ln>
+        </p:spPr>
+        <p:style>
+          <a:lnRef idx="2">
+            <a:schemeClr val="accent1">
+              <a:shade val="50000"/>
+            </a:schemeClr>
+          </a:lnRef>
+          <a:fillRef idx="1">
+            <a:schemeClr val="accent1"/>
+          </a:fillRef>
+          <a:effectRef idx="0">
+            <a:schemeClr val="accent1"/>
+          </a:effectRef>
+          <a:fontRef idx="minor">
+            <a:schemeClr val="lt1"/>
+          </a:fontRef>
+        </p:style>
+        <p:txBody>
+          <a:bodyPr rtlCol="0" anchor="ctr"/>
+          <a:lstStyle/>
+          <a:p>
+            <a:pPr algn="ctr"/>
+            <a:endParaRPr kumimoji="1" lang="ja-JP" altLang="en-US"/>
+          </a:p>
+        </p:txBody>
+      </p:sp>
       <p:grpSp>
         <p:nvGrpSpPr>
           <p:cNvPr id="6" name="グループ化 11"/>
@@ -7416,10 +8653,10 @@
         </p:nvGrpSpPr>
         <p:grpSpPr>
           <a:xfrm>
-            <a:off x="4211960" y="1707654"/>
-            <a:ext cx="4943542" cy="2376264"/>
-            <a:chOff x="4211960" y="1707654"/>
-            <a:chExt cx="4943542" cy="2376264"/>
+            <a:off x="4211960" y="2139702"/>
+            <a:ext cx="4943542" cy="1296144"/>
+            <a:chOff x="4211960" y="2283718"/>
+            <a:chExt cx="4943542" cy="1296144"/>
           </a:xfrm>
         </p:grpSpPr>
         <p:sp>
@@ -7430,16 +8667,14 @@
           </p:nvSpPr>
           <p:spPr>
             <a:xfrm>
-              <a:off x="4211960" y="1707654"/>
+              <a:off x="4211960" y="2283718"/>
               <a:ext cx="4943542" cy="72008"/>
             </a:xfrm>
             <a:prstGeom prst="rect">
               <a:avLst/>
             </a:prstGeom>
             <a:solidFill>
-              <a:schemeClr val="accent1">
-                <a:lumMod val="50000"/>
-              </a:schemeClr>
+              <a:srgbClr val="002060"/>
             </a:solidFill>
             <a:ln>
               <a:noFill/>
@@ -7478,55 +8713,7 @@
           </p:nvSpPr>
           <p:spPr>
             <a:xfrm>
-              <a:off x="4211960" y="4011910"/>
-              <a:ext cx="4943542" cy="72008"/>
-            </a:xfrm>
-            <a:prstGeom prst="rect">
-              <a:avLst/>
-            </a:prstGeom>
-            <a:solidFill>
-              <a:schemeClr val="tx2">
-                <a:lumMod val="75000"/>
-              </a:schemeClr>
-            </a:solidFill>
-            <a:ln>
-              <a:noFill/>
-            </a:ln>
-          </p:spPr>
-          <p:style>
-            <a:lnRef idx="2">
-              <a:schemeClr val="accent1">
-                <a:shade val="50000"/>
-              </a:schemeClr>
-            </a:lnRef>
-            <a:fillRef idx="1">
-              <a:schemeClr val="accent1"/>
-            </a:fillRef>
-            <a:effectRef idx="0">
-              <a:schemeClr val="accent1"/>
-            </a:effectRef>
-            <a:fontRef idx="minor">
-              <a:schemeClr val="lt1"/>
-            </a:fontRef>
-          </p:style>
-          <p:txBody>
-            <a:bodyPr rtlCol="0" anchor="ctr"/>
-            <a:lstStyle/>
-            <a:p>
-              <a:pPr algn="ctr"/>
-              <a:endParaRPr kumimoji="1" lang="ja-JP" altLang="en-US"/>
-            </a:p>
-          </p:txBody>
-        </p:sp>
-        <p:sp>
-          <p:nvSpPr>
-            <p:cNvPr id="9" name="正方形/長方形 8"/>
-            <p:cNvSpPr/>
-            <p:nvPr/>
-          </p:nvSpPr>
-          <p:spPr>
-            <a:xfrm>
-              <a:off x="4211960" y="2859782"/>
+              <a:off x="4211960" y="3507854"/>
               <a:ext cx="4943542" cy="72008"/>
             </a:xfrm>
             <a:prstGeom prst="rect">
@@ -7580,694 +8767,6 @@
 </p:sld>
 </file>
 
-<file path=ppt/slides/slide16.xml><?xml version="1.0" encoding="utf-8"?>
-<p:sld xmlns:a="http://schemas.openxmlformats.org/drawingml/2006/main" xmlns:r="http://schemas.openxmlformats.org/officeDocument/2006/relationships" xmlns:p="http://schemas.openxmlformats.org/presentationml/2006/main">
-  <p:cSld>
-    <p:spTree>
-      <p:nvGrpSpPr>
-        <p:cNvPr id="1" name=""/>
-        <p:cNvGrpSpPr/>
-        <p:nvPr/>
-      </p:nvGrpSpPr>
-      <p:grpSpPr>
-        <a:xfrm>
-          <a:off x="0" y="0"/>
-          <a:ext cx="0" cy="0"/>
-          <a:chOff x="0" y="0"/>
-          <a:chExt cx="0" cy="0"/>
-        </a:xfrm>
-      </p:grpSpPr>
-      <p:sp>
-        <p:nvSpPr>
-          <p:cNvPr id="4" name="日付プレースホルダ 3"/>
-          <p:cNvSpPr>
-            <a:spLocks noGrp="1"/>
-          </p:cNvSpPr>
-          <p:nvPr>
-            <p:ph type="dt" sz="half" idx="10"/>
-          </p:nvPr>
-        </p:nvSpPr>
-        <p:spPr/>
-        <p:txBody>
-          <a:bodyPr/>
-          <a:lstStyle/>
-          <a:p>
-            <a:fld id="{FC7AB2BD-E9B7-45BF-89F9-A3C60FAD2BB8}" type="datetime2">
-              <a:rPr lang="en-US" altLang="ja-JP" smtClean="0"/>
-              <a:pPr/>
-              <a:t>Tuesday, September 30, 2014</a:t>
-            </a:fld>
-            <a:endParaRPr lang="ja-JP" altLang="en-US" dirty="0"/>
-          </a:p>
-        </p:txBody>
-      </p:sp>
-      <p:sp>
-        <p:nvSpPr>
-          <p:cNvPr id="5" name="正方形/長方形 4"/>
-          <p:cNvSpPr/>
-          <p:nvPr/>
-        </p:nvSpPr>
-        <p:spPr>
-          <a:xfrm>
-            <a:off x="0" y="1059582"/>
-            <a:ext cx="3563888" cy="72008"/>
-          </a:xfrm>
-          <a:prstGeom prst="rect">
-            <a:avLst/>
-          </a:prstGeom>
-          <a:solidFill>
-            <a:schemeClr val="accent1">
-              <a:lumMod val="75000"/>
-            </a:schemeClr>
-          </a:solidFill>
-          <a:ln>
-            <a:noFill/>
-          </a:ln>
-        </p:spPr>
-        <p:style>
-          <a:lnRef idx="2">
-            <a:schemeClr val="accent1">
-              <a:shade val="50000"/>
-            </a:schemeClr>
-          </a:lnRef>
-          <a:fillRef idx="1">
-            <a:schemeClr val="accent1"/>
-          </a:fillRef>
-          <a:effectRef idx="0">
-            <a:schemeClr val="accent1"/>
-          </a:effectRef>
-          <a:fontRef idx="minor">
-            <a:schemeClr val="lt1"/>
-          </a:fontRef>
-        </p:style>
-        <p:txBody>
-          <a:bodyPr rtlCol="0" anchor="ctr"/>
-          <a:lstStyle/>
-          <a:p>
-            <a:pPr algn="ctr"/>
-            <a:endParaRPr kumimoji="1" lang="ja-JP" altLang="en-US"/>
-          </a:p>
-        </p:txBody>
-      </p:sp>
-      <p:sp>
-        <p:nvSpPr>
-          <p:cNvPr id="12" name="コンテンツ プレースホルダ 11"/>
-          <p:cNvSpPr>
-            <a:spLocks noGrp="1"/>
-          </p:cNvSpPr>
-          <p:nvPr>
-            <p:ph idx="1"/>
-          </p:nvPr>
-        </p:nvSpPr>
-        <p:spPr/>
-        <p:txBody>
-          <a:bodyPr>
-            <a:normAutofit/>
-          </a:bodyPr>
-          <a:lstStyle/>
-          <a:p>
-            <a:r>
-              <a:rPr lang="ja-JP" altLang="en-US" dirty="0" smtClean="0"/>
-              <a:t>ドキュメントを作る</a:t>
-            </a:r>
-            <a:endParaRPr lang="en-US" altLang="ja-JP" dirty="0" smtClean="0"/>
-          </a:p>
-          <a:p>
-            <a:endParaRPr lang="en-US" altLang="ja-JP" dirty="0" smtClean="0"/>
-          </a:p>
-          <a:p>
-            <a:r>
-              <a:rPr lang="ja-JP" altLang="en-US" dirty="0" smtClean="0"/>
-              <a:t>説明することを前提に作る</a:t>
-            </a:r>
-            <a:endParaRPr lang="en-US" altLang="ja-JP" dirty="0" smtClean="0"/>
-          </a:p>
-          <a:p>
-            <a:endParaRPr lang="en-US" altLang="ja-JP" dirty="0" smtClean="0"/>
-          </a:p>
-          <a:p>
-            <a:r>
-              <a:rPr lang="ja-JP" altLang="en-US" sz="4400" b="1" dirty="0" smtClean="0"/>
-              <a:t>調子に乗りすぎない</a:t>
-            </a:r>
-            <a:endParaRPr lang="en-US" altLang="ja-JP" sz="4400" b="1" dirty="0" smtClean="0"/>
-          </a:p>
-          <a:p>
-            <a:endParaRPr lang="en-US" altLang="ja-JP" dirty="0" smtClean="0"/>
-          </a:p>
-        </p:txBody>
-      </p:sp>
-      <p:sp>
-        <p:nvSpPr>
-          <p:cNvPr id="6" name="タイトル 1"/>
-          <p:cNvSpPr txBox="1">
-            <a:spLocks/>
-          </p:cNvSpPr>
-          <p:nvPr/>
-        </p:nvSpPr>
-        <p:spPr>
-          <a:xfrm>
-            <a:off x="179512" y="555525"/>
-            <a:ext cx="3384376" cy="507703"/>
-          </a:xfrm>
-          <a:prstGeom prst="rect">
-            <a:avLst/>
-          </a:prstGeom>
-        </p:spPr>
-        <p:txBody>
-          <a:bodyPr vert="horz" lIns="91440" tIns="45720" rIns="91440" bIns="45720" rtlCol="0" anchor="ctr">
-            <a:noAutofit/>
-          </a:bodyPr>
-          <a:lstStyle/>
-          <a:p>
-            <a:pPr lvl="0">
-              <a:spcBef>
-                <a:spcPct val="0"/>
-              </a:spcBef>
-            </a:pPr>
-            <a:r>
-              <a:rPr lang="en-US" altLang="ja-JP" sz="2800" dirty="0" smtClean="0"/>
-              <a:t>2.</a:t>
-            </a:r>
-            <a:r>
-              <a:rPr lang="ja-JP" altLang="en-US" sz="2800" dirty="0" smtClean="0"/>
-              <a:t>学んだこと</a:t>
-            </a:r>
-            <a:endParaRPr kumimoji="1" lang="ja-JP" altLang="en-US" sz="2800" b="0" i="0" u="none" strike="noStrike" kern="1200" cap="none" spc="0" normalizeH="0" baseline="0" noProof="0" dirty="0">
-              <a:ln>
-                <a:noFill/>
-              </a:ln>
-              <a:solidFill>
-                <a:schemeClr val="tx1"/>
-              </a:solidFill>
-              <a:effectLst/>
-              <a:uLnTx/>
-              <a:uFillTx/>
-              <a:latin typeface="+mj-lt"/>
-              <a:ea typeface="+mj-ea"/>
-              <a:cs typeface="+mj-cs"/>
-            </a:endParaRPr>
-          </a:p>
-        </p:txBody>
-      </p:sp>
-    </p:spTree>
-  </p:cSld>
-  <p:clrMapOvr>
-    <a:masterClrMapping/>
-  </p:clrMapOvr>
-  <p:timing>
-    <p:tnLst>
-      <p:par>
-        <p:cTn id="1" dur="indefinite" restart="never" nodeType="tmRoot"/>
-      </p:par>
-    </p:tnLst>
-  </p:timing>
-</p:sld>
-</file>
-
-<file path=ppt/slides/slide17.xml><?xml version="1.0" encoding="utf-8"?>
-<p:sld xmlns:a="http://schemas.openxmlformats.org/drawingml/2006/main" xmlns:r="http://schemas.openxmlformats.org/officeDocument/2006/relationships" xmlns:p="http://schemas.openxmlformats.org/presentationml/2006/main">
-  <p:cSld>
-    <p:spTree>
-      <p:nvGrpSpPr>
-        <p:cNvPr id="1" name=""/>
-        <p:cNvGrpSpPr/>
-        <p:nvPr/>
-      </p:nvGrpSpPr>
-      <p:grpSpPr>
-        <a:xfrm>
-          <a:off x="0" y="0"/>
-          <a:ext cx="0" cy="0"/>
-          <a:chOff x="0" y="0"/>
-          <a:chExt cx="0" cy="0"/>
-        </a:xfrm>
-      </p:grpSpPr>
-      <p:sp>
-        <p:nvSpPr>
-          <p:cNvPr id="4" name="日付プレースホルダ 3"/>
-          <p:cNvSpPr>
-            <a:spLocks noGrp="1"/>
-          </p:cNvSpPr>
-          <p:nvPr>
-            <p:ph type="dt" sz="half" idx="10"/>
-          </p:nvPr>
-        </p:nvSpPr>
-        <p:spPr/>
-        <p:txBody>
-          <a:bodyPr/>
-          <a:lstStyle/>
-          <a:p>
-            <a:fld id="{FC7AB2BD-E9B7-45BF-89F9-A3C60FAD2BB8}" type="datetime2">
-              <a:rPr lang="en-US" altLang="ja-JP" smtClean="0"/>
-              <a:pPr/>
-              <a:t>Tuesday, September 30, 2014</a:t>
-            </a:fld>
-            <a:endParaRPr lang="ja-JP" altLang="en-US" dirty="0"/>
-          </a:p>
-        </p:txBody>
-      </p:sp>
-      <p:sp>
-        <p:nvSpPr>
-          <p:cNvPr id="5" name="正方形/長方形 4"/>
-          <p:cNvSpPr/>
-          <p:nvPr/>
-        </p:nvSpPr>
-        <p:spPr>
-          <a:xfrm>
-            <a:off x="0" y="1059582"/>
-            <a:ext cx="3563888" cy="72008"/>
-          </a:xfrm>
-          <a:prstGeom prst="rect">
-            <a:avLst/>
-          </a:prstGeom>
-          <a:solidFill>
-            <a:schemeClr val="accent1">
-              <a:lumMod val="75000"/>
-            </a:schemeClr>
-          </a:solidFill>
-          <a:ln>
-            <a:noFill/>
-          </a:ln>
-        </p:spPr>
-        <p:style>
-          <a:lnRef idx="2">
-            <a:schemeClr val="accent1">
-              <a:shade val="50000"/>
-            </a:schemeClr>
-          </a:lnRef>
-          <a:fillRef idx="1">
-            <a:schemeClr val="accent1"/>
-          </a:fillRef>
-          <a:effectRef idx="0">
-            <a:schemeClr val="accent1"/>
-          </a:effectRef>
-          <a:fontRef idx="minor">
-            <a:schemeClr val="lt1"/>
-          </a:fontRef>
-        </p:style>
-        <p:txBody>
-          <a:bodyPr rtlCol="0" anchor="ctr"/>
-          <a:lstStyle/>
-          <a:p>
-            <a:pPr algn="ctr"/>
-            <a:endParaRPr kumimoji="1" lang="ja-JP" altLang="en-US"/>
-          </a:p>
-        </p:txBody>
-      </p:sp>
-      <p:sp>
-        <p:nvSpPr>
-          <p:cNvPr id="12" name="コンテンツ プレースホルダ 11"/>
-          <p:cNvSpPr>
-            <a:spLocks noGrp="1"/>
-          </p:cNvSpPr>
-          <p:nvPr>
-            <p:ph idx="1"/>
-          </p:nvPr>
-        </p:nvSpPr>
-        <p:spPr>
-          <a:xfrm>
-            <a:off x="0" y="1200151"/>
-            <a:ext cx="8964488" cy="2307703"/>
-          </a:xfrm>
-        </p:spPr>
-        <p:txBody>
-          <a:bodyPr>
-            <a:normAutofit/>
-          </a:bodyPr>
-          <a:lstStyle/>
-          <a:p>
-            <a:pPr>
-              <a:buNone/>
-            </a:pPr>
-            <a:r>
-              <a:rPr lang="ja-JP" altLang="en-US" sz="4400" b="1" dirty="0" smtClean="0"/>
-              <a:t>調子に乗りすぎない</a:t>
-            </a:r>
-            <a:endParaRPr lang="en-US" altLang="ja-JP" sz="4400" b="1" dirty="0" smtClean="0"/>
-          </a:p>
-          <a:p>
-            <a:pPr lvl="1"/>
-            <a:r>
-              <a:rPr lang="en-US" altLang="ja-JP" dirty="0" smtClean="0"/>
-              <a:t>LS4</a:t>
-            </a:r>
-            <a:r>
-              <a:rPr lang="ja-JP" altLang="en-US" dirty="0" smtClean="0"/>
-              <a:t>にアサインされて</a:t>
-            </a:r>
-            <a:r>
-              <a:rPr lang="en-US" altLang="ja-JP" dirty="0" smtClean="0"/>
-              <a:t>2</a:t>
-            </a:r>
-            <a:r>
-              <a:rPr lang="ja-JP" altLang="en-US" dirty="0" smtClean="0"/>
-              <a:t>週間ぐらいの時。</a:t>
-            </a:r>
-            <a:endParaRPr lang="en-US" altLang="ja-JP" dirty="0" smtClean="0"/>
-          </a:p>
-          <a:p>
-            <a:pPr lvl="1"/>
-            <a:r>
-              <a:rPr lang="ja-JP" altLang="en-US" dirty="0" smtClean="0"/>
-              <a:t>「</a:t>
-            </a:r>
-            <a:r>
-              <a:rPr lang="ja-JP" altLang="en-US" b="1" dirty="0" smtClean="0">
-                <a:solidFill>
-                  <a:srgbClr val="FF0000"/>
-                </a:solidFill>
-              </a:rPr>
-              <a:t>今日の</a:t>
-            </a:r>
-            <a:r>
-              <a:rPr lang="en-US" altLang="ja-JP" b="1" dirty="0" smtClean="0">
-                <a:solidFill>
-                  <a:srgbClr val="FF0000"/>
-                </a:solidFill>
-              </a:rPr>
-              <a:t>7</a:t>
-            </a:r>
-            <a:r>
-              <a:rPr lang="ja-JP" altLang="en-US" b="1" dirty="0" smtClean="0">
-                <a:solidFill>
-                  <a:srgbClr val="FF0000"/>
-                </a:solidFill>
-              </a:rPr>
-              <a:t>時</a:t>
-            </a:r>
-            <a:r>
-              <a:rPr lang="ja-JP" altLang="en-US" dirty="0" smtClean="0"/>
-              <a:t>くらいには終わらせてみせますよ！」</a:t>
-            </a:r>
-            <a:endParaRPr lang="en-US" altLang="ja-JP" dirty="0" smtClean="0"/>
-          </a:p>
-          <a:p>
-            <a:pPr lvl="1"/>
-            <a:r>
-              <a:rPr lang="ja-JP" altLang="en-US" dirty="0" smtClean="0"/>
-              <a:t>実際終わったのは</a:t>
-            </a:r>
-            <a:r>
-              <a:rPr lang="en-US" altLang="ja-JP" b="1" dirty="0" smtClean="0">
-                <a:solidFill>
-                  <a:srgbClr val="FF0000"/>
-                </a:solidFill>
-              </a:rPr>
-              <a:t>1</a:t>
-            </a:r>
-            <a:r>
-              <a:rPr lang="ja-JP" altLang="en-US" b="1" dirty="0" smtClean="0">
-                <a:solidFill>
-                  <a:srgbClr val="FF0000"/>
-                </a:solidFill>
-              </a:rPr>
-              <a:t>週間後</a:t>
-            </a:r>
-            <a:r>
-              <a:rPr lang="ja-JP" altLang="en-US" dirty="0" smtClean="0"/>
-              <a:t>・・・</a:t>
-            </a:r>
-            <a:endParaRPr lang="en-US" altLang="ja-JP" dirty="0" smtClean="0"/>
-          </a:p>
-        </p:txBody>
-      </p:sp>
-      <p:sp>
-        <p:nvSpPr>
-          <p:cNvPr id="6" name="タイトル 1"/>
-          <p:cNvSpPr txBox="1">
-            <a:spLocks/>
-          </p:cNvSpPr>
-          <p:nvPr/>
-        </p:nvSpPr>
-        <p:spPr>
-          <a:xfrm>
-            <a:off x="179512" y="555525"/>
-            <a:ext cx="3384376" cy="507703"/>
-          </a:xfrm>
-          <a:prstGeom prst="rect">
-            <a:avLst/>
-          </a:prstGeom>
-        </p:spPr>
-        <p:txBody>
-          <a:bodyPr vert="horz" lIns="91440" tIns="45720" rIns="91440" bIns="45720" rtlCol="0" anchor="ctr">
-            <a:noAutofit/>
-          </a:bodyPr>
-          <a:lstStyle/>
-          <a:p>
-            <a:pPr lvl="0">
-              <a:spcBef>
-                <a:spcPct val="0"/>
-              </a:spcBef>
-            </a:pPr>
-            <a:r>
-              <a:rPr lang="en-US" altLang="ja-JP" sz="2800" dirty="0" smtClean="0"/>
-              <a:t>2.</a:t>
-            </a:r>
-            <a:r>
-              <a:rPr lang="ja-JP" altLang="en-US" sz="2800" dirty="0" smtClean="0"/>
-              <a:t>学んだこと</a:t>
-            </a:r>
-            <a:endParaRPr kumimoji="1" lang="ja-JP" altLang="en-US" sz="2800" b="0" i="0" u="none" strike="noStrike" kern="1200" cap="none" spc="0" normalizeH="0" baseline="0" noProof="0" dirty="0">
-              <a:ln>
-                <a:noFill/>
-              </a:ln>
-              <a:solidFill>
-                <a:schemeClr val="tx1"/>
-              </a:solidFill>
-              <a:effectLst/>
-              <a:uLnTx/>
-              <a:uFillTx/>
-              <a:latin typeface="+mj-lt"/>
-              <a:ea typeface="+mj-ea"/>
-              <a:cs typeface="+mj-cs"/>
-            </a:endParaRPr>
-          </a:p>
-        </p:txBody>
-      </p:sp>
-    </p:spTree>
-  </p:cSld>
-  <p:clrMapOvr>
-    <a:masterClrMapping/>
-  </p:clrMapOvr>
-  <p:timing>
-    <p:tnLst>
-      <p:par>
-        <p:cTn id="1" dur="indefinite" restart="never" nodeType="tmRoot">
-          <p:childTnLst>
-            <p:seq concurrent="1" nextAc="seek">
-              <p:cTn id="2" dur="indefinite" nodeType="mainSeq">
-                <p:childTnLst>
-                  <p:par>
-                    <p:cTn id="3" fill="hold">
-                      <p:stCondLst>
-                        <p:cond delay="indefinite"/>
-                      </p:stCondLst>
-                      <p:childTnLst>
-                        <p:par>
-                          <p:cTn id="4" fill="hold">
-                            <p:stCondLst>
-                              <p:cond delay="0"/>
-                            </p:stCondLst>
-                            <p:childTnLst>
-                              <p:par>
-                                <p:cTn id="5" presetID="18" presetClass="entr" presetSubtype="12" fill="hold" grpId="0" nodeType="clickEffect">
-                                  <p:stCondLst>
-                                    <p:cond delay="0"/>
-                                  </p:stCondLst>
-                                  <p:childTnLst>
-                                    <p:set>
-                                      <p:cBhvr>
-                                        <p:cTn id="6" dur="1" fill="hold">
-                                          <p:stCondLst>
-                                            <p:cond delay="0"/>
-                                          </p:stCondLst>
-                                        </p:cTn>
-                                        <p:tgtEl>
-                                          <p:spTgt spid="12">
-                                            <p:txEl>
-                                              <p:pRg st="1" end="1"/>
-                                            </p:txEl>
-                                          </p:spTgt>
-                                        </p:tgtEl>
-                                        <p:attrNameLst>
-                                          <p:attrName>style.visibility</p:attrName>
-                                        </p:attrNameLst>
-                                      </p:cBhvr>
-                                      <p:to>
-                                        <p:strVal val="visible"/>
-                                      </p:to>
-                                    </p:set>
-                                    <p:animEffect transition="in" filter="strips(downLeft)">
-                                      <p:cBhvr>
-                                        <p:cTn id="7" dur="500"/>
-                                        <p:tgtEl>
-                                          <p:spTgt spid="12">
-                                            <p:txEl>
-                                              <p:pRg st="1" end="1"/>
-                                            </p:txEl>
-                                          </p:spTgt>
-                                        </p:tgtEl>
-                                      </p:cBhvr>
-                                    </p:animEffect>
-                                  </p:childTnLst>
-                                </p:cTn>
-                              </p:par>
-                            </p:childTnLst>
-                          </p:cTn>
-                        </p:par>
-                      </p:childTnLst>
-                    </p:cTn>
-                  </p:par>
-                  <p:par>
-                    <p:cTn id="8" fill="hold">
-                      <p:stCondLst>
-                        <p:cond delay="indefinite"/>
-                      </p:stCondLst>
-                      <p:childTnLst>
-                        <p:par>
-                          <p:cTn id="9" fill="hold">
-                            <p:stCondLst>
-                              <p:cond delay="0"/>
-                            </p:stCondLst>
-                            <p:childTnLst>
-                              <p:par>
-                                <p:cTn id="10" presetID="18" presetClass="entr" presetSubtype="12" fill="hold" grpId="0" nodeType="clickEffect">
-                                  <p:stCondLst>
-                                    <p:cond delay="0"/>
-                                  </p:stCondLst>
-                                  <p:childTnLst>
-                                    <p:set>
-                                      <p:cBhvr>
-                                        <p:cTn id="11" dur="1" fill="hold">
-                                          <p:stCondLst>
-                                            <p:cond delay="0"/>
-                                          </p:stCondLst>
-                                        </p:cTn>
-                                        <p:tgtEl>
-                                          <p:spTgt spid="12">
-                                            <p:txEl>
-                                              <p:pRg st="2" end="2"/>
-                                            </p:txEl>
-                                          </p:spTgt>
-                                        </p:tgtEl>
-                                        <p:attrNameLst>
-                                          <p:attrName>style.visibility</p:attrName>
-                                        </p:attrNameLst>
-                                      </p:cBhvr>
-                                      <p:to>
-                                        <p:strVal val="visible"/>
-                                      </p:to>
-                                    </p:set>
-                                    <p:animEffect transition="in" filter="strips(downLeft)">
-                                      <p:cBhvr>
-                                        <p:cTn id="12" dur="500"/>
-                                        <p:tgtEl>
-                                          <p:spTgt spid="12">
-                                            <p:txEl>
-                                              <p:pRg st="2" end="2"/>
-                                            </p:txEl>
-                                          </p:spTgt>
-                                        </p:tgtEl>
-                                      </p:cBhvr>
-                                    </p:animEffect>
-                                  </p:childTnLst>
-                                </p:cTn>
-                              </p:par>
-                            </p:childTnLst>
-                          </p:cTn>
-                        </p:par>
-                      </p:childTnLst>
-                    </p:cTn>
-                  </p:par>
-                  <p:par>
-                    <p:cTn id="13" fill="hold">
-                      <p:stCondLst>
-                        <p:cond delay="indefinite"/>
-                      </p:stCondLst>
-                      <p:childTnLst>
-                        <p:par>
-                          <p:cTn id="14" fill="hold">
-                            <p:stCondLst>
-                              <p:cond delay="0"/>
-                            </p:stCondLst>
-                            <p:childTnLst>
-                              <p:par>
-                                <p:cTn id="15" presetID="18" presetClass="entr" presetSubtype="12" fill="hold" grpId="0" nodeType="clickEffect">
-                                  <p:stCondLst>
-                                    <p:cond delay="0"/>
-                                  </p:stCondLst>
-                                  <p:childTnLst>
-                                    <p:set>
-                                      <p:cBhvr>
-                                        <p:cTn id="16" dur="1" fill="hold">
-                                          <p:stCondLst>
-                                            <p:cond delay="0"/>
-                                          </p:stCondLst>
-                                        </p:cTn>
-                                        <p:tgtEl>
-                                          <p:spTgt spid="12">
-                                            <p:txEl>
-                                              <p:pRg st="3" end="3"/>
-                                            </p:txEl>
-                                          </p:spTgt>
-                                        </p:tgtEl>
-                                        <p:attrNameLst>
-                                          <p:attrName>style.visibility</p:attrName>
-                                        </p:attrNameLst>
-                                      </p:cBhvr>
-                                      <p:to>
-                                        <p:strVal val="visible"/>
-                                      </p:to>
-                                    </p:set>
-                                    <p:animEffect transition="in" filter="strips(downLeft)">
-                                      <p:cBhvr>
-                                        <p:cTn id="17" dur="500"/>
-                                        <p:tgtEl>
-                                          <p:spTgt spid="12">
-                                            <p:txEl>
-                                              <p:pRg st="3" end="3"/>
-                                            </p:txEl>
-                                          </p:spTgt>
-                                        </p:tgtEl>
-                                      </p:cBhvr>
-                                    </p:animEffect>
-                                  </p:childTnLst>
-                                </p:cTn>
-                              </p:par>
-                            </p:childTnLst>
-                          </p:cTn>
-                        </p:par>
-                      </p:childTnLst>
-                    </p:cTn>
-                  </p:par>
-                </p:childTnLst>
-              </p:cTn>
-              <p:prevCondLst>
-                <p:cond evt="onPrev" delay="0">
-                  <p:tgtEl>
-                    <p:sldTgt/>
-                  </p:tgtEl>
-                </p:cond>
-              </p:prevCondLst>
-              <p:nextCondLst>
-                <p:cond evt="onNext" delay="0">
-                  <p:tgtEl>
-                    <p:sldTgt/>
-                  </p:tgtEl>
-                </p:cond>
-              </p:nextCondLst>
-            </p:seq>
-          </p:childTnLst>
-        </p:cTn>
-      </p:par>
-    </p:tnLst>
-    <p:bldLst>
-      <p:bldP spid="12" grpId="0" uiExpand="1" build="p"/>
-    </p:bldLst>
-  </p:timing>
-</p:sld>
-</file>
-
 <file path=ppt/slides/slide18.xml><?xml version="1.0" encoding="utf-8"?>
 <p:sld xmlns:a="http://schemas.openxmlformats.org/drawingml/2006/main" xmlns:r="http://schemas.openxmlformats.org/officeDocument/2006/relationships" xmlns:p="http://schemas.openxmlformats.org/presentationml/2006/main">
   <p:cSld>
@@ -8287,120 +8786,6 @@
       </p:grpSpPr>
       <p:sp>
         <p:nvSpPr>
-          <p:cNvPr id="2" name="タイトル 1"/>
-          <p:cNvSpPr>
-            <a:spLocks noGrp="1"/>
-          </p:cNvSpPr>
-          <p:nvPr>
-            <p:ph type="title"/>
-          </p:nvPr>
-        </p:nvSpPr>
-        <p:spPr>
-          <a:xfrm>
-            <a:off x="179512" y="555525"/>
-            <a:ext cx="2448272" cy="507703"/>
-          </a:xfrm>
-        </p:spPr>
-        <p:txBody>
-          <a:bodyPr>
-            <a:normAutofit fontScale="90000"/>
-          </a:bodyPr>
-          <a:lstStyle/>
-          <a:p>
-            <a:pPr algn="l"/>
-            <a:r>
-              <a:rPr kumimoji="1" lang="en-US" altLang="ja-JP" dirty="0" smtClean="0">
-                <a:latin typeface="Segoe UI" pitchFamily="34" charset="0"/>
-                <a:ea typeface="Segoe UI" pitchFamily="34" charset="0"/>
-                <a:cs typeface="Segoe UI" pitchFamily="34" charset="0"/>
-              </a:rPr>
-              <a:t>Contents</a:t>
-            </a:r>
-            <a:endParaRPr kumimoji="1" lang="ja-JP" altLang="en-US" dirty="0">
-              <a:latin typeface="Segoe UI" pitchFamily="34" charset="0"/>
-              <a:ea typeface="Meiryo UI" pitchFamily="50" charset="-128"/>
-              <a:cs typeface="Segoe UI" pitchFamily="34" charset="0"/>
-            </a:endParaRPr>
-          </a:p>
-        </p:txBody>
-      </p:sp>
-      <p:sp>
-        <p:nvSpPr>
-          <p:cNvPr id="3" name="コンテンツ プレースホルダ 2"/>
-          <p:cNvSpPr>
-            <a:spLocks noGrp="1"/>
-          </p:cNvSpPr>
-          <p:nvPr>
-            <p:ph idx="1"/>
-          </p:nvPr>
-        </p:nvSpPr>
-        <p:spPr>
-          <a:xfrm>
-            <a:off x="4345632" y="1203597"/>
-            <a:ext cx="6131024" cy="3391025"/>
-          </a:xfrm>
-        </p:spPr>
-        <p:txBody>
-          <a:bodyPr/>
-          <a:lstStyle/>
-          <a:p>
-            <a:pPr algn="just">
-              <a:buNone/>
-            </a:pPr>
-            <a:r>
-              <a:rPr kumimoji="1" lang="en-US" altLang="ja-JP" dirty="0" smtClean="0"/>
-              <a:t>1.</a:t>
-            </a:r>
-            <a:r>
-              <a:rPr lang="ja-JP" altLang="en-US" dirty="0" smtClean="0"/>
-              <a:t>入社からこれまで</a:t>
-            </a:r>
-            <a:endParaRPr lang="en-US" altLang="ja-JP" dirty="0" smtClean="0"/>
-          </a:p>
-          <a:p>
-            <a:pPr algn="just">
-              <a:buNone/>
-            </a:pPr>
-            <a:endParaRPr kumimoji="1" lang="en-US" altLang="ja-JP" dirty="0" smtClean="0"/>
-          </a:p>
-          <a:p>
-            <a:pPr algn="just">
-              <a:buNone/>
-            </a:pPr>
-            <a:r>
-              <a:rPr lang="en-US" altLang="ja-JP" dirty="0" smtClean="0"/>
-              <a:t>2.</a:t>
-            </a:r>
-            <a:r>
-              <a:rPr lang="ja-JP" altLang="en-US" dirty="0" smtClean="0"/>
-              <a:t>学んだこと</a:t>
-            </a:r>
-            <a:endParaRPr lang="en-US" altLang="ja-JP" dirty="0" smtClean="0"/>
-          </a:p>
-          <a:p>
-            <a:pPr algn="just">
-              <a:buNone/>
-            </a:pPr>
-            <a:endParaRPr lang="en-US" altLang="ja-JP" dirty="0" smtClean="0"/>
-          </a:p>
-          <a:p>
-            <a:pPr algn="just">
-              <a:buNone/>
-            </a:pPr>
-            <a:r>
-              <a:rPr kumimoji="1" lang="en-US" altLang="ja-JP" dirty="0" smtClean="0"/>
-              <a:t>3.</a:t>
-            </a:r>
-            <a:r>
-              <a:rPr kumimoji="1" lang="ja-JP" altLang="en-US" dirty="0" smtClean="0"/>
-              <a:t>これからのこと</a:t>
-            </a:r>
-            <a:endParaRPr kumimoji="1" lang="en-US" altLang="ja-JP" dirty="0" smtClean="0"/>
-          </a:p>
-        </p:txBody>
-      </p:sp>
-      <p:sp>
-        <p:nvSpPr>
           <p:cNvPr id="4" name="日付プレースホルダ 3"/>
           <p:cNvSpPr>
             <a:spLocks noGrp="1"/>
@@ -8417,7 +8802,7 @@
             <a:fld id="{FC7AB2BD-E9B7-45BF-89F9-A3C60FAD2BB8}" type="datetime2">
               <a:rPr lang="en-US" altLang="ja-JP" smtClean="0"/>
               <a:pPr/>
-              <a:t>Tuesday, September 30, 2014</a:t>
+              <a:t>Wednesday, October 01, 2014</a:t>
             </a:fld>
             <a:endParaRPr lang="ja-JP" altLang="en-US" dirty="0"/>
           </a:p>
@@ -8432,7 +8817,7 @@
         <p:spPr>
           <a:xfrm>
             <a:off x="0" y="1059582"/>
-            <a:ext cx="2555776" cy="72008"/>
+            <a:ext cx="3563888" cy="72008"/>
           </a:xfrm>
           <a:prstGeom prst="rect">
             <a:avLst/>
@@ -8471,36 +8856,204 @@
           </a:p>
         </p:txBody>
       </p:sp>
+      <p:sp>
+        <p:nvSpPr>
+          <p:cNvPr id="12" name="コンテンツ プレースホルダ 11"/>
+          <p:cNvSpPr>
+            <a:spLocks noGrp="1"/>
+          </p:cNvSpPr>
+          <p:nvPr>
+            <p:ph idx="1"/>
+          </p:nvPr>
+        </p:nvSpPr>
+        <p:spPr>
+          <a:xfrm>
+            <a:off x="457200" y="1625550"/>
+            <a:ext cx="8229600" cy="3394472"/>
+          </a:xfrm>
+        </p:spPr>
+        <p:txBody>
+          <a:bodyPr/>
+          <a:lstStyle/>
+          <a:p>
+            <a:pPr algn="ctr">
+              <a:buNone/>
+            </a:pPr>
+            <a:r>
+              <a:rPr kumimoji="1" lang="ja-JP" altLang="en-US" sz="4400" b="1" dirty="0" smtClean="0"/>
+              <a:t>ニック</a:t>
+            </a:r>
+            <a:r>
+              <a:rPr kumimoji="1" lang="ja-JP" altLang="en-US" sz="4400" b="1" dirty="0" smtClean="0"/>
+              <a:t>さんの負担を減らす</a:t>
+            </a:r>
+            <a:r>
+              <a:rPr kumimoji="1" lang="ja-JP" altLang="en-US" sz="4400" b="1" dirty="0" smtClean="0"/>
+              <a:t>！</a:t>
+            </a:r>
+            <a:endParaRPr kumimoji="1" lang="en-US" altLang="ja-JP" sz="4400" b="1" dirty="0" smtClean="0"/>
+          </a:p>
+          <a:p>
+            <a:pPr algn="ctr">
+              <a:buNone/>
+            </a:pPr>
+            <a:endParaRPr lang="en-US" altLang="ja-JP" sz="4400" b="1" dirty="0" smtClean="0"/>
+          </a:p>
+          <a:p>
+            <a:pPr algn="ctr">
+              <a:buNone/>
+            </a:pPr>
+            <a:r>
+              <a:rPr lang="ja-JP" altLang="en-US" sz="4400" b="1" dirty="0" smtClean="0"/>
+              <a:t>武器を作る！</a:t>
+            </a:r>
+            <a:endParaRPr kumimoji="1" lang="en-US" altLang="ja-JP" sz="4400" b="1" dirty="0" smtClean="0"/>
+          </a:p>
+        </p:txBody>
+      </p:sp>
+      <p:sp>
+        <p:nvSpPr>
+          <p:cNvPr id="6" name="タイトル 1"/>
+          <p:cNvSpPr txBox="1">
+            <a:spLocks/>
+          </p:cNvSpPr>
+          <p:nvPr/>
+        </p:nvSpPr>
+        <p:spPr>
+          <a:xfrm>
+            <a:off x="179512" y="555525"/>
+            <a:ext cx="3384376" cy="507703"/>
+          </a:xfrm>
+          <a:prstGeom prst="rect">
+            <a:avLst/>
+          </a:prstGeom>
+        </p:spPr>
+        <p:txBody>
+          <a:bodyPr vert="horz" lIns="91440" tIns="45720" rIns="91440" bIns="45720" rtlCol="0" anchor="ctr">
+            <a:noAutofit/>
+          </a:bodyPr>
+          <a:lstStyle/>
+          <a:p>
+            <a:pPr lvl="0">
+              <a:spcBef>
+                <a:spcPct val="0"/>
+              </a:spcBef>
+            </a:pPr>
+            <a:r>
+              <a:rPr lang="en-US" altLang="ja-JP" sz="2800" dirty="0" smtClean="0"/>
+              <a:t>2</a:t>
+            </a:r>
+            <a:r>
+              <a:rPr lang="en-US" altLang="ja-JP" sz="2800" dirty="0" smtClean="0"/>
+              <a:t>.</a:t>
+            </a:r>
+            <a:r>
+              <a:rPr lang="ja-JP" altLang="en-US" sz="2800" dirty="0" smtClean="0"/>
+              <a:t>これからのこと</a:t>
+            </a:r>
+            <a:endParaRPr kumimoji="1" lang="ja-JP" altLang="en-US" sz="2800" b="0" i="0" u="none" strike="noStrike" kern="1200" cap="none" spc="0" normalizeH="0" baseline="0" noProof="0" dirty="0">
+              <a:ln>
+                <a:noFill/>
+              </a:ln>
+              <a:solidFill>
+                <a:schemeClr val="tx1"/>
+              </a:solidFill>
+              <a:effectLst/>
+              <a:uLnTx/>
+              <a:uFillTx/>
+              <a:latin typeface="+mj-lt"/>
+              <a:ea typeface="+mj-ea"/>
+              <a:cs typeface="+mj-cs"/>
+            </a:endParaRPr>
+          </a:p>
+        </p:txBody>
+      </p:sp>
+    </p:spTree>
+  </p:cSld>
+  <p:clrMapOvr>
+    <a:masterClrMapping/>
+  </p:clrMapOvr>
+  <p:timing>
+    <p:tnLst>
+      <p:par>
+        <p:cTn id="1" dur="indefinite" restart="never" nodeType="tmRoot"/>
+      </p:par>
+    </p:tnLst>
+  </p:timing>
+</p:sld>
+</file>
+
+<file path=ppt/slides/slide19.xml><?xml version="1.0" encoding="utf-8"?>
+<p:sld xmlns:a="http://schemas.openxmlformats.org/drawingml/2006/main" xmlns:r="http://schemas.openxmlformats.org/officeDocument/2006/relationships" xmlns:p="http://schemas.openxmlformats.org/presentationml/2006/main">
+  <p:cSld>
+    <p:spTree>
+      <p:nvGrpSpPr>
+        <p:cNvPr id="1" name=""/>
+        <p:cNvGrpSpPr/>
+        <p:nvPr/>
+      </p:nvGrpSpPr>
+      <p:grpSpPr>
+        <a:xfrm>
+          <a:off x="0" y="0"/>
+          <a:ext cx="0" cy="0"/>
+          <a:chOff x="0" y="0"/>
+          <a:chExt cx="0" cy="0"/>
+        </a:xfrm>
+      </p:grpSpPr>
+      <p:sp>
+        <p:nvSpPr>
+          <p:cNvPr id="4" name="日付プレースホルダ 3"/>
+          <p:cNvSpPr>
+            <a:spLocks noGrp="1"/>
+          </p:cNvSpPr>
+          <p:nvPr>
+            <p:ph type="dt" sz="half" idx="10"/>
+          </p:nvPr>
+        </p:nvSpPr>
+        <p:spPr/>
+        <p:txBody>
+          <a:bodyPr/>
+          <a:lstStyle/>
+          <a:p>
+            <a:fld id="{FC7AB2BD-E9B7-45BF-89F9-A3C60FAD2BB8}" type="datetime2">
+              <a:rPr lang="en-US" altLang="ja-JP" smtClean="0"/>
+              <a:pPr/>
+              <a:t>Wednesday, October 01, 2014</a:t>
+            </a:fld>
+            <a:endParaRPr lang="ja-JP" altLang="en-US" dirty="0"/>
+          </a:p>
+        </p:txBody>
+      </p:sp>
       <p:grpSp>
         <p:nvGrpSpPr>
-          <p:cNvPr id="6" name="グループ化 11"/>
+          <p:cNvPr id="21" name="グループ化 20"/>
           <p:cNvGrpSpPr/>
           <p:nvPr/>
         </p:nvGrpSpPr>
         <p:grpSpPr>
           <a:xfrm>
-            <a:off x="4211960" y="1707654"/>
-            <a:ext cx="4943542" cy="2376264"/>
-            <a:chOff x="4211960" y="1707654"/>
-            <a:chExt cx="4943542" cy="2376264"/>
+            <a:off x="0" y="555525"/>
+            <a:ext cx="3563888" cy="576065"/>
+            <a:chOff x="0" y="555525"/>
+            <a:chExt cx="3563888" cy="576065"/>
           </a:xfrm>
         </p:grpSpPr>
         <p:sp>
           <p:nvSpPr>
-            <p:cNvPr id="7" name="正方形/長方形 6"/>
+            <p:cNvPr id="5" name="正方形/長方形 4"/>
             <p:cNvSpPr/>
             <p:nvPr/>
           </p:nvSpPr>
           <p:spPr>
             <a:xfrm>
-              <a:off x="4211960" y="1707654"/>
-              <a:ext cx="4943542" cy="72008"/>
+              <a:off x="0" y="1059582"/>
+              <a:ext cx="3563888" cy="72008"/>
             </a:xfrm>
             <a:prstGeom prst="rect">
               <a:avLst/>
             </a:prstGeom>
             <a:solidFill>
-              <a:schemeClr val="tx2">
+              <a:schemeClr val="accent1">
                 <a:lumMod val="75000"/>
               </a:schemeClr>
             </a:solidFill>
@@ -8535,14 +9088,262 @@
         </p:sp>
         <p:sp>
           <p:nvSpPr>
-            <p:cNvPr id="8" name="正方形/長方形 7"/>
+            <p:cNvPr id="6" name="タイトル 1"/>
+            <p:cNvSpPr txBox="1">
+              <a:spLocks/>
+            </p:cNvSpPr>
+            <p:nvPr/>
+          </p:nvSpPr>
+          <p:spPr>
+            <a:xfrm>
+              <a:off x="179512" y="555525"/>
+              <a:ext cx="3384376" cy="507703"/>
+            </a:xfrm>
+            <a:prstGeom prst="rect">
+              <a:avLst/>
+            </a:prstGeom>
+          </p:spPr>
+          <p:txBody>
+            <a:bodyPr vert="horz" lIns="91440" tIns="45720" rIns="91440" bIns="45720" rtlCol="0" anchor="ctr">
+              <a:noAutofit/>
+            </a:bodyPr>
+            <a:lstStyle/>
+            <a:p>
+              <a:pPr lvl="0">
+                <a:spcBef>
+                  <a:spcPct val="0"/>
+                </a:spcBef>
+              </a:pPr>
+              <a:r>
+                <a:rPr lang="en-US" altLang="ja-JP" sz="2800" dirty="0" smtClean="0"/>
+                <a:t>2</a:t>
+              </a:r>
+              <a:r>
+                <a:rPr lang="en-US" altLang="ja-JP" sz="2800" dirty="0" smtClean="0"/>
+                <a:t>.</a:t>
+              </a:r>
+              <a:r>
+                <a:rPr lang="ja-JP" altLang="en-US" sz="2800" dirty="0" smtClean="0"/>
+                <a:t>これからのこと</a:t>
+              </a:r>
+              <a:endParaRPr kumimoji="1" lang="ja-JP" altLang="en-US" sz="2800" b="0" i="0" u="none" strike="noStrike" kern="1200" cap="none" spc="0" normalizeH="0" baseline="0" noProof="0" dirty="0">
+                <a:ln>
+                  <a:noFill/>
+                </a:ln>
+                <a:solidFill>
+                  <a:schemeClr val="tx1"/>
+                </a:solidFill>
+                <a:effectLst/>
+                <a:uLnTx/>
+                <a:uFillTx/>
+                <a:latin typeface="+mj-lt"/>
+                <a:ea typeface="+mj-ea"/>
+                <a:cs typeface="+mj-cs"/>
+              </a:endParaRPr>
+            </a:p>
+          </p:txBody>
+        </p:sp>
+      </p:grpSp>
+      <p:grpSp>
+        <p:nvGrpSpPr>
+          <p:cNvPr id="7" name="グループ化 6"/>
+          <p:cNvGrpSpPr/>
+          <p:nvPr/>
+        </p:nvGrpSpPr>
+        <p:grpSpPr>
+          <a:xfrm>
+            <a:off x="5868144" y="555526"/>
+            <a:ext cx="3275856" cy="576065"/>
+            <a:chOff x="5364088" y="555526"/>
+            <a:chExt cx="3779912" cy="576065"/>
+          </a:xfrm>
+        </p:grpSpPr>
+        <p:sp>
+          <p:nvSpPr>
+            <p:cNvPr id="8" name="タイトル 1"/>
+            <p:cNvSpPr txBox="1">
+              <a:spLocks/>
+            </p:cNvSpPr>
+            <p:nvPr/>
+          </p:nvSpPr>
+          <p:spPr>
+            <a:xfrm>
+              <a:off x="5364088" y="555526"/>
+              <a:ext cx="3779912" cy="507703"/>
+            </a:xfrm>
+            <a:prstGeom prst="rect">
+              <a:avLst/>
+            </a:prstGeom>
+          </p:spPr>
+          <p:txBody>
+            <a:bodyPr vert="horz" lIns="91440" tIns="45720" rIns="91440" bIns="45720" rtlCol="0" anchor="ctr">
+              <a:noAutofit/>
+            </a:bodyPr>
+            <a:lstStyle/>
+            <a:p>
+              <a:pPr>
+                <a:spcBef>
+                  <a:spcPct val="0"/>
+                </a:spcBef>
+                <a:defRPr/>
+              </a:pPr>
+              <a:r>
+                <a:rPr lang="ja-JP" altLang="en-US" sz="2800" b="1" dirty="0" smtClean="0"/>
+                <a:t>武器を作る</a:t>
+              </a:r>
+              <a:r>
+                <a:rPr lang="ja-JP" altLang="en-US" sz="2800" b="1" dirty="0" smtClean="0"/>
+                <a:t>！</a:t>
+              </a:r>
+              <a:endParaRPr lang="en-US" altLang="ja-JP" sz="2800" b="1" dirty="0" smtClean="0"/>
+            </a:p>
+          </p:txBody>
+        </p:sp>
+        <p:sp>
+          <p:nvSpPr>
+            <p:cNvPr id="9" name="正方形/長方形 8"/>
             <p:cNvSpPr/>
             <p:nvPr/>
           </p:nvSpPr>
           <p:spPr>
             <a:xfrm>
-              <a:off x="4211960" y="4011910"/>
-              <a:ext cx="4943542" cy="72008"/>
+              <a:off x="5436096" y="1059583"/>
+              <a:ext cx="3707904" cy="72008"/>
+            </a:xfrm>
+            <a:prstGeom prst="rect">
+              <a:avLst/>
+            </a:prstGeom>
+            <a:solidFill>
+              <a:srgbClr val="FFC000"/>
+            </a:solidFill>
+            <a:ln>
+              <a:noFill/>
+            </a:ln>
+          </p:spPr>
+          <p:style>
+            <a:lnRef idx="2">
+              <a:schemeClr val="accent1">
+                <a:shade val="50000"/>
+              </a:schemeClr>
+            </a:lnRef>
+            <a:fillRef idx="1">
+              <a:schemeClr val="accent1"/>
+            </a:fillRef>
+            <a:effectRef idx="0">
+              <a:schemeClr val="accent1"/>
+            </a:effectRef>
+            <a:fontRef idx="minor">
+              <a:schemeClr val="lt1"/>
+            </a:fontRef>
+          </p:style>
+          <p:txBody>
+            <a:bodyPr rtlCol="0" anchor="ctr"/>
+            <a:lstStyle/>
+            <a:p>
+              <a:pPr algn="ctr"/>
+              <a:endParaRPr kumimoji="1" lang="ja-JP" altLang="en-US"/>
+            </a:p>
+          </p:txBody>
+        </p:sp>
+      </p:grpSp>
+      <p:grpSp>
+        <p:nvGrpSpPr>
+          <p:cNvPr id="16" name="グループ化 15"/>
+          <p:cNvGrpSpPr/>
+          <p:nvPr/>
+        </p:nvGrpSpPr>
+        <p:grpSpPr>
+          <a:xfrm>
+            <a:off x="611560" y="1347614"/>
+            <a:ext cx="8280920" cy="1088831"/>
+            <a:chOff x="611560" y="1347614"/>
+            <a:chExt cx="8280920" cy="1088831"/>
+          </a:xfrm>
+        </p:grpSpPr>
+        <p:sp>
+          <p:nvSpPr>
+            <p:cNvPr id="11" name="テキスト ボックス 10"/>
+            <p:cNvSpPr txBox="1"/>
+            <p:nvPr/>
+          </p:nvSpPr>
+          <p:spPr>
+            <a:xfrm>
+              <a:off x="611560" y="1347614"/>
+              <a:ext cx="3240360" cy="461665"/>
+            </a:xfrm>
+            <a:prstGeom prst="rect">
+              <a:avLst/>
+            </a:prstGeom>
+            <a:noFill/>
+            <a:ln w="28575">
+              <a:solidFill>
+                <a:srgbClr val="00B0F0"/>
+              </a:solidFill>
+            </a:ln>
+          </p:spPr>
+          <p:txBody>
+            <a:bodyPr wrap="square" rtlCol="0">
+              <a:spAutoFit/>
+            </a:bodyPr>
+            <a:lstStyle/>
+            <a:p>
+              <a:pPr algn="ctr"/>
+              <a:r>
+                <a:rPr kumimoji="1" lang="ja-JP" altLang="en-US" sz="2400" b="1" dirty="0" smtClean="0"/>
+                <a:t>元々やりたかったこと</a:t>
+              </a:r>
+              <a:endParaRPr kumimoji="1" lang="ja-JP" altLang="en-US" sz="2400" b="1" dirty="0"/>
+            </a:p>
+          </p:txBody>
+        </p:sp>
+        <p:sp>
+          <p:nvSpPr>
+            <p:cNvPr id="13" name="テキスト ボックス 12"/>
+            <p:cNvSpPr txBox="1"/>
+            <p:nvPr/>
+          </p:nvSpPr>
+          <p:spPr>
+            <a:xfrm>
+              <a:off x="899592" y="1851670"/>
+              <a:ext cx="7992888" cy="584775"/>
+            </a:xfrm>
+            <a:prstGeom prst="rect">
+              <a:avLst/>
+            </a:prstGeom>
+            <a:noFill/>
+          </p:spPr>
+          <p:txBody>
+            <a:bodyPr wrap="square" rtlCol="0">
+              <a:spAutoFit/>
+            </a:bodyPr>
+            <a:lstStyle/>
+            <a:p>
+              <a:r>
+                <a:rPr kumimoji="1" lang="ja-JP" altLang="en-US" sz="3200" b="1" dirty="0" smtClean="0"/>
+                <a:t>エンジン</a:t>
+              </a:r>
+              <a:r>
+                <a:rPr kumimoji="1" lang="ja-JP" altLang="en-US" sz="3200" dirty="0" smtClean="0"/>
+                <a:t>側。</a:t>
+              </a:r>
+              <a:r>
+                <a:rPr kumimoji="1" lang="ja-JP" altLang="en-US" sz="3200" b="1" dirty="0" smtClean="0"/>
+                <a:t>特にグラフィクスプログラム</a:t>
+              </a:r>
+              <a:endParaRPr kumimoji="1" lang="ja-JP" altLang="en-US" sz="3200" b="1" dirty="0"/>
+            </a:p>
+          </p:txBody>
+        </p:sp>
+        <p:sp>
+          <p:nvSpPr>
+            <p:cNvPr id="14" name="正方形/長方形 13"/>
+            <p:cNvSpPr/>
+            <p:nvPr/>
+          </p:nvSpPr>
+          <p:spPr>
+            <a:xfrm>
+              <a:off x="971600" y="2355726"/>
+              <a:ext cx="7776864" cy="45719"/>
             </a:xfrm>
             <a:prstGeom prst="rect">
               <a:avLst/>
@@ -8579,24 +9380,111 @@
             </a:p>
           </p:txBody>
         </p:sp>
+      </p:grpSp>
+      <p:grpSp>
+        <p:nvGrpSpPr>
+          <p:cNvPr id="17" name="グループ化 16"/>
+          <p:cNvGrpSpPr/>
+          <p:nvPr/>
+        </p:nvGrpSpPr>
+        <p:grpSpPr>
+          <a:xfrm>
+            <a:off x="611560" y="2707055"/>
+            <a:ext cx="8280920" cy="1088831"/>
+            <a:chOff x="611560" y="1347614"/>
+            <a:chExt cx="8280920" cy="1088831"/>
+          </a:xfrm>
+        </p:grpSpPr>
         <p:sp>
           <p:nvSpPr>
-            <p:cNvPr id="9" name="正方形/長方形 8"/>
+            <p:cNvPr id="18" name="テキスト ボックス 17"/>
+            <p:cNvSpPr txBox="1"/>
+            <p:nvPr/>
+          </p:nvSpPr>
+          <p:spPr>
+            <a:xfrm>
+              <a:off x="611560" y="1347614"/>
+              <a:ext cx="3240360" cy="461665"/>
+            </a:xfrm>
+            <a:prstGeom prst="rect">
+              <a:avLst/>
+            </a:prstGeom>
+            <a:noFill/>
+            <a:ln w="28575">
+              <a:solidFill>
+                <a:srgbClr val="FFC000"/>
+              </a:solidFill>
+            </a:ln>
+          </p:spPr>
+          <p:txBody>
+            <a:bodyPr wrap="square" rtlCol="0">
+              <a:spAutoFit/>
+            </a:bodyPr>
+            <a:lstStyle/>
+            <a:p>
+              <a:pPr algn="ctr"/>
+              <a:r>
+                <a:rPr kumimoji="1" lang="ja-JP" altLang="en-US" sz="2400" b="1" dirty="0" smtClean="0"/>
+                <a:t>最近やっていること</a:t>
+              </a:r>
+              <a:endParaRPr kumimoji="1" lang="ja-JP" altLang="en-US" sz="2400" b="1" dirty="0"/>
+            </a:p>
+          </p:txBody>
+        </p:sp>
+        <p:sp>
+          <p:nvSpPr>
+            <p:cNvPr id="19" name="テキスト ボックス 18"/>
+            <p:cNvSpPr txBox="1"/>
+            <p:nvPr/>
+          </p:nvSpPr>
+          <p:spPr>
+            <a:xfrm>
+              <a:off x="899592" y="1851670"/>
+              <a:ext cx="7992888" cy="584775"/>
+            </a:xfrm>
+            <a:prstGeom prst="rect">
+              <a:avLst/>
+            </a:prstGeom>
+            <a:noFill/>
+          </p:spPr>
+          <p:txBody>
+            <a:bodyPr wrap="square" rtlCol="0">
+              <a:spAutoFit/>
+            </a:bodyPr>
+            <a:lstStyle/>
+            <a:p>
+              <a:r>
+                <a:rPr kumimoji="1" lang="ja-JP" altLang="en-US" sz="3200" b="1" dirty="0" smtClean="0"/>
+                <a:t>エンジン</a:t>
+              </a:r>
+              <a:r>
+                <a:rPr kumimoji="1" lang="ja-JP" altLang="en-US" sz="3200" dirty="0" smtClean="0"/>
+                <a:t>側。</a:t>
+              </a:r>
+              <a:r>
+                <a:rPr kumimoji="1" lang="ja-JP" altLang="en-US" sz="3200" b="1" dirty="0" smtClean="0"/>
+                <a:t>サウンドプログラム。</a:t>
+              </a:r>
+              <a:endParaRPr kumimoji="1" lang="ja-JP" altLang="en-US" sz="3200" b="1" dirty="0"/>
+            </a:p>
+          </p:txBody>
+        </p:sp>
+        <p:sp>
+          <p:nvSpPr>
+            <p:cNvPr id="20" name="正方形/長方形 19"/>
             <p:cNvSpPr/>
             <p:nvPr/>
           </p:nvSpPr>
           <p:spPr>
             <a:xfrm>
-              <a:off x="4211960" y="2859782"/>
-              <a:ext cx="4943542" cy="72008"/>
+              <a:off x="971600" y="2355726"/>
+              <a:ext cx="7776864" cy="45719"/>
             </a:xfrm>
             <a:prstGeom prst="rect">
               <a:avLst/>
             </a:prstGeom>
             <a:solidFill>
-              <a:schemeClr val="tx2">
-                <a:lumMod val="75000"/>
-              </a:schemeClr>
+              <a:srgbClr val="FFC000"/>
             </a:solidFill>
             <a:ln>
               <a:noFill/>
@@ -8643,208 +9531,6 @@
 </p:sld>
 </file>
 
-<file path=ppt/slides/slide19.xml><?xml version="1.0" encoding="utf-8"?>
-<p:sld xmlns:a="http://schemas.openxmlformats.org/drawingml/2006/main" xmlns:r="http://schemas.openxmlformats.org/officeDocument/2006/relationships" xmlns:p="http://schemas.openxmlformats.org/presentationml/2006/main">
-  <p:cSld>
-    <p:spTree>
-      <p:nvGrpSpPr>
-        <p:cNvPr id="1" name=""/>
-        <p:cNvGrpSpPr/>
-        <p:nvPr/>
-      </p:nvGrpSpPr>
-      <p:grpSpPr>
-        <a:xfrm>
-          <a:off x="0" y="0"/>
-          <a:ext cx="0" cy="0"/>
-          <a:chOff x="0" y="0"/>
-          <a:chExt cx="0" cy="0"/>
-        </a:xfrm>
-      </p:grpSpPr>
-      <p:sp>
-        <p:nvSpPr>
-          <p:cNvPr id="4" name="日付プレースホルダ 3"/>
-          <p:cNvSpPr>
-            <a:spLocks noGrp="1"/>
-          </p:cNvSpPr>
-          <p:nvPr>
-            <p:ph type="dt" sz="half" idx="10"/>
-          </p:nvPr>
-        </p:nvSpPr>
-        <p:spPr/>
-        <p:txBody>
-          <a:bodyPr/>
-          <a:lstStyle/>
-          <a:p>
-            <a:fld id="{FC7AB2BD-E9B7-45BF-89F9-A3C60FAD2BB8}" type="datetime2">
-              <a:rPr lang="en-US" altLang="ja-JP" smtClean="0"/>
-              <a:pPr/>
-              <a:t>Tuesday, September 30, 2014</a:t>
-            </a:fld>
-            <a:endParaRPr lang="ja-JP" altLang="en-US" dirty="0"/>
-          </a:p>
-        </p:txBody>
-      </p:sp>
-      <p:sp>
-        <p:nvSpPr>
-          <p:cNvPr id="5" name="正方形/長方形 4"/>
-          <p:cNvSpPr/>
-          <p:nvPr/>
-        </p:nvSpPr>
-        <p:spPr>
-          <a:xfrm>
-            <a:off x="0" y="1059582"/>
-            <a:ext cx="3563888" cy="72008"/>
-          </a:xfrm>
-          <a:prstGeom prst="rect">
-            <a:avLst/>
-          </a:prstGeom>
-          <a:solidFill>
-            <a:schemeClr val="accent1">
-              <a:lumMod val="75000"/>
-            </a:schemeClr>
-          </a:solidFill>
-          <a:ln>
-            <a:noFill/>
-          </a:ln>
-        </p:spPr>
-        <p:style>
-          <a:lnRef idx="2">
-            <a:schemeClr val="accent1">
-              <a:shade val="50000"/>
-            </a:schemeClr>
-          </a:lnRef>
-          <a:fillRef idx="1">
-            <a:schemeClr val="accent1"/>
-          </a:fillRef>
-          <a:effectRef idx="0">
-            <a:schemeClr val="accent1"/>
-          </a:effectRef>
-          <a:fontRef idx="minor">
-            <a:schemeClr val="lt1"/>
-          </a:fontRef>
-        </p:style>
-        <p:txBody>
-          <a:bodyPr rtlCol="0" anchor="ctr"/>
-          <a:lstStyle/>
-          <a:p>
-            <a:pPr algn="ctr"/>
-            <a:endParaRPr kumimoji="1" lang="ja-JP" altLang="en-US"/>
-          </a:p>
-        </p:txBody>
-      </p:sp>
-      <p:sp>
-        <p:nvSpPr>
-          <p:cNvPr id="12" name="コンテンツ プレースホルダ 11"/>
-          <p:cNvSpPr>
-            <a:spLocks noGrp="1"/>
-          </p:cNvSpPr>
-          <p:nvPr>
-            <p:ph idx="1"/>
-          </p:nvPr>
-        </p:nvSpPr>
-        <p:spPr>
-          <a:xfrm>
-            <a:off x="457200" y="1625550"/>
-            <a:ext cx="8229600" cy="3394472"/>
-          </a:xfrm>
-        </p:spPr>
-        <p:txBody>
-          <a:bodyPr/>
-          <a:lstStyle/>
-          <a:p>
-            <a:pPr algn="ctr">
-              <a:buNone/>
-            </a:pPr>
-            <a:r>
-              <a:rPr kumimoji="1" lang="ja-JP" altLang="en-US" sz="5400" b="1" dirty="0" smtClean="0"/>
-              <a:t>武器を作る！</a:t>
-            </a:r>
-            <a:endParaRPr kumimoji="1" lang="en-US" altLang="ja-JP" sz="5400" b="1" dirty="0" smtClean="0"/>
-          </a:p>
-          <a:p>
-            <a:pPr algn="ctr"/>
-            <a:endParaRPr lang="en-US" altLang="ja-JP" dirty="0" smtClean="0"/>
-          </a:p>
-          <a:p>
-            <a:pPr algn="ctr">
-              <a:buNone/>
-            </a:pPr>
-            <a:r>
-              <a:rPr kumimoji="1" lang="ja-JP" altLang="en-US" sz="4400" b="1" dirty="0" smtClean="0"/>
-              <a:t>ニックさんの負担を減らす！</a:t>
-            </a:r>
-            <a:endParaRPr kumimoji="1" lang="en-US" altLang="ja-JP" sz="4400" b="1" dirty="0" smtClean="0"/>
-          </a:p>
-        </p:txBody>
-      </p:sp>
-      <p:sp>
-        <p:nvSpPr>
-          <p:cNvPr id="6" name="タイトル 1"/>
-          <p:cNvSpPr txBox="1">
-            <a:spLocks/>
-          </p:cNvSpPr>
-          <p:nvPr/>
-        </p:nvSpPr>
-        <p:spPr>
-          <a:xfrm>
-            <a:off x="179512" y="555525"/>
-            <a:ext cx="3384376" cy="507703"/>
-          </a:xfrm>
-          <a:prstGeom prst="rect">
-            <a:avLst/>
-          </a:prstGeom>
-        </p:spPr>
-        <p:txBody>
-          <a:bodyPr vert="horz" lIns="91440" tIns="45720" rIns="91440" bIns="45720" rtlCol="0" anchor="ctr">
-            <a:noAutofit/>
-          </a:bodyPr>
-          <a:lstStyle/>
-          <a:p>
-            <a:pPr lvl="0">
-              <a:spcBef>
-                <a:spcPct val="0"/>
-              </a:spcBef>
-            </a:pPr>
-            <a:r>
-              <a:rPr lang="en-US" altLang="ja-JP" sz="2800" dirty="0" smtClean="0"/>
-              <a:t>3.</a:t>
-            </a:r>
-            <a:r>
-              <a:rPr lang="ja-JP" altLang="en-US" sz="2800" dirty="0" smtClean="0"/>
-              <a:t>これからのこと</a:t>
-            </a:r>
-            <a:endParaRPr kumimoji="1" lang="ja-JP" altLang="en-US" sz="2800" b="0" i="0" u="none" strike="noStrike" kern="1200" cap="none" spc="0" normalizeH="0" baseline="0" noProof="0" dirty="0">
-              <a:ln>
-                <a:noFill/>
-              </a:ln>
-              <a:solidFill>
-                <a:schemeClr val="tx1"/>
-              </a:solidFill>
-              <a:effectLst/>
-              <a:uLnTx/>
-              <a:uFillTx/>
-              <a:latin typeface="+mj-lt"/>
-              <a:ea typeface="+mj-ea"/>
-              <a:cs typeface="+mj-cs"/>
-            </a:endParaRPr>
-          </a:p>
-        </p:txBody>
-      </p:sp>
-    </p:spTree>
-  </p:cSld>
-  <p:clrMapOvr>
-    <a:masterClrMapping/>
-  </p:clrMapOvr>
-  <p:timing>
-    <p:tnLst>
-      <p:par>
-        <p:cTn id="1" dur="indefinite" restart="never" nodeType="tmRoot"/>
-      </p:par>
-    </p:tnLst>
-  </p:timing>
-</p:sld>
-</file>
-
 <file path=ppt/slides/slide2.xml><?xml version="1.0" encoding="utf-8"?>
 <p:sld xmlns:a="http://schemas.openxmlformats.org/drawingml/2006/main" xmlns:r="http://schemas.openxmlformats.org/officeDocument/2006/relationships" xmlns:p="http://schemas.openxmlformats.org/presentationml/2006/main">
   <p:cSld>
@@ -8913,8 +9599,8 @@
         </p:nvSpPr>
         <p:spPr>
           <a:xfrm>
-            <a:off x="4345632" y="1203597"/>
-            <a:ext cx="6131024" cy="3391025"/>
+            <a:off x="4345632" y="1635646"/>
+            <a:ext cx="6131024" cy="2958976"/>
           </a:xfrm>
         </p:spPr>
         <p:txBody>
@@ -8930,29 +9616,13 @@
             </a:r>
             <a:r>
               <a:rPr lang="ja-JP" altLang="en-US" dirty="0" smtClean="0"/>
-              <a:t>入社からこれまで</a:t>
-            </a:r>
-            <a:endParaRPr lang="en-US" altLang="ja-JP" dirty="0" smtClean="0"/>
-          </a:p>
-          <a:p>
-            <a:pPr algn="just">
-              <a:buNone/>
-            </a:pPr>
+              <a:t>入社からこれ</a:t>
+            </a:r>
+            <a:r>
+              <a:rPr lang="ja-JP" altLang="en-US" dirty="0" smtClean="0"/>
+              <a:t>まで</a:t>
+            </a:r>
             <a:endParaRPr kumimoji="1" lang="en-US" altLang="ja-JP" dirty="0" smtClean="0"/>
-          </a:p>
-          <a:p>
-            <a:pPr algn="just">
-              <a:buNone/>
-            </a:pPr>
-            <a:r>
-              <a:rPr lang="en-US" altLang="ja-JP" dirty="0" smtClean="0"/>
-              <a:t>2.</a:t>
-            </a:r>
-            <a:r>
-              <a:rPr lang="ja-JP" altLang="en-US" dirty="0" smtClean="0"/>
-              <a:t>学んだこと</a:t>
-            </a:r>
-            <a:endParaRPr lang="en-US" altLang="ja-JP" dirty="0" smtClean="0"/>
           </a:p>
           <a:p>
             <a:pPr algn="just">
@@ -8965,8 +9635,12 @@
               <a:buNone/>
             </a:pPr>
             <a:r>
+              <a:rPr lang="en-US" altLang="ja-JP" dirty="0" smtClean="0"/>
+              <a:t>2</a:t>
+            </a:r>
+            <a:r>
               <a:rPr kumimoji="1" lang="en-US" altLang="ja-JP" dirty="0" smtClean="0"/>
-              <a:t>3.</a:t>
+              <a:t>.</a:t>
             </a:r>
             <a:r>
               <a:rPr kumimoji="1" lang="ja-JP" altLang="en-US" dirty="0" smtClean="0"/>
@@ -8994,7 +9668,7 @@
             <a:fld id="{FC7AB2BD-E9B7-45BF-89F9-A3C60FAD2BB8}" type="datetime2">
               <a:rPr lang="en-US" altLang="ja-JP" smtClean="0"/>
               <a:pPr/>
-              <a:t>Tuesday, September 30, 2014</a:t>
+              <a:t>Wednesday, October 01, 2014</a:t>
             </a:fld>
             <a:endParaRPr lang="ja-JP" altLang="en-US" dirty="0"/>
           </a:p>
@@ -9056,10 +9730,10 @@
         </p:nvGrpSpPr>
         <p:grpSpPr>
           <a:xfrm>
-            <a:off x="4211960" y="1707654"/>
-            <a:ext cx="4943542" cy="2376264"/>
-            <a:chOff x="4211960" y="1707654"/>
-            <a:chExt cx="4943542" cy="2376264"/>
+            <a:off x="4211960" y="2139702"/>
+            <a:ext cx="4943542" cy="1296144"/>
+            <a:chOff x="4211960" y="2283718"/>
+            <a:chExt cx="4943542" cy="1296144"/>
           </a:xfrm>
         </p:grpSpPr>
         <p:sp>
@@ -9070,7 +9744,7 @@
           </p:nvSpPr>
           <p:spPr>
             <a:xfrm>
-              <a:off x="4211960" y="1707654"/>
+              <a:off x="4211960" y="2283718"/>
               <a:ext cx="4943542" cy="72008"/>
             </a:xfrm>
             <a:prstGeom prst="rect">
@@ -9116,55 +9790,7 @@
           </p:nvSpPr>
           <p:spPr>
             <a:xfrm>
-              <a:off x="4211960" y="4011910"/>
-              <a:ext cx="4943542" cy="72008"/>
-            </a:xfrm>
-            <a:prstGeom prst="rect">
-              <a:avLst/>
-            </a:prstGeom>
-            <a:solidFill>
-              <a:schemeClr val="tx2">
-                <a:lumMod val="75000"/>
-              </a:schemeClr>
-            </a:solidFill>
-            <a:ln>
-              <a:noFill/>
-            </a:ln>
-          </p:spPr>
-          <p:style>
-            <a:lnRef idx="2">
-              <a:schemeClr val="accent1">
-                <a:shade val="50000"/>
-              </a:schemeClr>
-            </a:lnRef>
-            <a:fillRef idx="1">
-              <a:schemeClr val="accent1"/>
-            </a:fillRef>
-            <a:effectRef idx="0">
-              <a:schemeClr val="accent1"/>
-            </a:effectRef>
-            <a:fontRef idx="minor">
-              <a:schemeClr val="lt1"/>
-            </a:fontRef>
-          </p:style>
-          <p:txBody>
-            <a:bodyPr rtlCol="0" anchor="ctr"/>
-            <a:lstStyle/>
-            <a:p>
-              <a:pPr algn="ctr"/>
-              <a:endParaRPr kumimoji="1" lang="ja-JP" altLang="en-US"/>
-            </a:p>
-          </p:txBody>
-        </p:sp>
-        <p:sp>
-          <p:nvSpPr>
-            <p:cNvPr id="9" name="正方形/長方形 8"/>
-            <p:cNvSpPr/>
-            <p:nvPr/>
-          </p:nvSpPr>
-          <p:spPr>
-            <a:xfrm>
-              <a:off x="4211960" y="2859782"/>
+              <a:off x="4211960" y="3507854"/>
               <a:ext cx="4943542" cy="72008"/>
             </a:xfrm>
             <a:prstGeom prst="rect">
@@ -9249,8 +9875,8 @@
         </p:nvSpPr>
         <p:spPr>
           <a:xfrm>
-            <a:off x="457200" y="2280071"/>
-            <a:ext cx="8229600" cy="507703"/>
+            <a:off x="4247964" y="2644840"/>
+            <a:ext cx="648072" cy="507703"/>
           </a:xfrm>
         </p:spPr>
         <p:txBody>
@@ -9260,10 +9886,10 @@
           <a:lstStyle/>
           <a:p>
             <a:r>
-              <a:rPr kumimoji="1" lang="ja-JP" altLang="en-US" sz="4800" b="1" dirty="0" smtClean="0"/>
-              <a:t>ご静聴ありがとうございました。</a:t>
-            </a:r>
-            <a:endParaRPr kumimoji="1" lang="ja-JP" altLang="en-US" sz="4800" b="1" dirty="0"/>
+              <a:rPr kumimoji="1" lang="ja-JP" altLang="en-US" sz="4800" dirty="0" err="1" smtClean="0"/>
+              <a:t>ｘ</a:t>
+            </a:r>
+            <a:endParaRPr kumimoji="1" lang="ja-JP" altLang="en-US" sz="4800" dirty="0"/>
           </a:p>
         </p:txBody>
       </p:sp>
@@ -9285,7 +9911,377 @@
             <a:fld id="{FC7AB2BD-E9B7-45BF-89F9-A3C60FAD2BB8}" type="datetime2">
               <a:rPr lang="en-US" altLang="ja-JP" smtClean="0"/>
               <a:pPr/>
-              <a:t>Tuesday, September 30, 2014</a:t>
+              <a:t>Wednesday, October 01, 2014</a:t>
+            </a:fld>
+            <a:endParaRPr lang="ja-JP" altLang="en-US" dirty="0"/>
+          </a:p>
+        </p:txBody>
+      </p:sp>
+      <p:sp>
+        <p:nvSpPr>
+          <p:cNvPr id="5" name="テキスト ボックス 4"/>
+          <p:cNvSpPr txBox="1"/>
+          <p:nvPr/>
+        </p:nvSpPr>
+        <p:spPr>
+          <a:xfrm>
+            <a:off x="2269840" y="1524729"/>
+            <a:ext cx="4604320" cy="830997"/>
+          </a:xfrm>
+          <a:prstGeom prst="rect">
+            <a:avLst/>
+          </a:prstGeom>
+          <a:noFill/>
+        </p:spPr>
+        <p:txBody>
+          <a:bodyPr wrap="square" rtlCol="0">
+            <a:spAutoFit/>
+          </a:bodyPr>
+          <a:lstStyle/>
+          <a:p>
+            <a:pPr algn="ctr"/>
+            <a:r>
+              <a:rPr kumimoji="1" lang="ja-JP" altLang="en-US" sz="4800" b="1" dirty="0" smtClean="0"/>
+              <a:t>グラフィクス</a:t>
+            </a:r>
+            <a:endParaRPr kumimoji="1" lang="ja-JP" altLang="en-US" sz="4800" b="1" dirty="0"/>
+          </a:p>
+        </p:txBody>
+      </p:sp>
+      <p:sp>
+        <p:nvSpPr>
+          <p:cNvPr id="7" name="テキスト ボックス 6"/>
+          <p:cNvSpPr txBox="1"/>
+          <p:nvPr/>
+        </p:nvSpPr>
+        <p:spPr>
+          <a:xfrm>
+            <a:off x="3059832" y="3435846"/>
+            <a:ext cx="3024336" cy="830997"/>
+          </a:xfrm>
+          <a:prstGeom prst="rect">
+            <a:avLst/>
+          </a:prstGeom>
+          <a:noFill/>
+        </p:spPr>
+        <p:txBody>
+          <a:bodyPr wrap="square" rtlCol="0">
+            <a:spAutoFit/>
+          </a:bodyPr>
+          <a:lstStyle/>
+          <a:p>
+            <a:pPr algn="ctr"/>
+            <a:r>
+              <a:rPr lang="ja-JP" altLang="en-US" sz="4800" b="1" dirty="0" smtClean="0"/>
+              <a:t>サウンド</a:t>
+            </a:r>
+            <a:endParaRPr kumimoji="1" lang="ja-JP" altLang="en-US" sz="4800" b="1" dirty="0"/>
+          </a:p>
+        </p:txBody>
+      </p:sp>
+      <p:grpSp>
+        <p:nvGrpSpPr>
+          <p:cNvPr id="8" name="グループ化 7"/>
+          <p:cNvGrpSpPr/>
+          <p:nvPr/>
+        </p:nvGrpSpPr>
+        <p:grpSpPr>
+          <a:xfrm>
+            <a:off x="0" y="555525"/>
+            <a:ext cx="3563888" cy="576065"/>
+            <a:chOff x="0" y="555525"/>
+            <a:chExt cx="3563888" cy="576065"/>
+          </a:xfrm>
+        </p:grpSpPr>
+        <p:sp>
+          <p:nvSpPr>
+            <p:cNvPr id="9" name="正方形/長方形 8"/>
+            <p:cNvSpPr/>
+            <p:nvPr/>
+          </p:nvSpPr>
+          <p:spPr>
+            <a:xfrm>
+              <a:off x="0" y="1059582"/>
+              <a:ext cx="3563888" cy="72008"/>
+            </a:xfrm>
+            <a:prstGeom prst="rect">
+              <a:avLst/>
+            </a:prstGeom>
+            <a:solidFill>
+              <a:schemeClr val="accent1">
+                <a:lumMod val="75000"/>
+              </a:schemeClr>
+            </a:solidFill>
+            <a:ln>
+              <a:noFill/>
+            </a:ln>
+          </p:spPr>
+          <p:style>
+            <a:lnRef idx="2">
+              <a:schemeClr val="accent1">
+                <a:shade val="50000"/>
+              </a:schemeClr>
+            </a:lnRef>
+            <a:fillRef idx="1">
+              <a:schemeClr val="accent1"/>
+            </a:fillRef>
+            <a:effectRef idx="0">
+              <a:schemeClr val="accent1"/>
+            </a:effectRef>
+            <a:fontRef idx="minor">
+              <a:schemeClr val="lt1"/>
+            </a:fontRef>
+          </p:style>
+          <p:txBody>
+            <a:bodyPr rtlCol="0" anchor="ctr"/>
+            <a:lstStyle/>
+            <a:p>
+              <a:pPr algn="ctr"/>
+              <a:endParaRPr kumimoji="1" lang="ja-JP" altLang="en-US"/>
+            </a:p>
+          </p:txBody>
+        </p:sp>
+        <p:sp>
+          <p:nvSpPr>
+            <p:cNvPr id="10" name="タイトル 1"/>
+            <p:cNvSpPr txBox="1">
+              <a:spLocks/>
+            </p:cNvSpPr>
+            <p:nvPr/>
+          </p:nvSpPr>
+          <p:spPr>
+            <a:xfrm>
+              <a:off x="179512" y="555525"/>
+              <a:ext cx="3384376" cy="507703"/>
+            </a:xfrm>
+            <a:prstGeom prst="rect">
+              <a:avLst/>
+            </a:prstGeom>
+          </p:spPr>
+          <p:txBody>
+            <a:bodyPr vert="horz" lIns="91440" tIns="45720" rIns="91440" bIns="45720" rtlCol="0" anchor="ctr">
+              <a:noAutofit/>
+            </a:bodyPr>
+            <a:lstStyle/>
+            <a:p>
+              <a:pPr lvl="0">
+                <a:spcBef>
+                  <a:spcPct val="0"/>
+                </a:spcBef>
+              </a:pPr>
+              <a:r>
+                <a:rPr lang="en-US" altLang="ja-JP" sz="2800" dirty="0" smtClean="0"/>
+                <a:t>2</a:t>
+              </a:r>
+              <a:r>
+                <a:rPr lang="en-US" altLang="ja-JP" sz="2800" dirty="0" smtClean="0"/>
+                <a:t>.</a:t>
+              </a:r>
+              <a:r>
+                <a:rPr lang="ja-JP" altLang="en-US" sz="2800" dirty="0" smtClean="0"/>
+                <a:t>これからのこと</a:t>
+              </a:r>
+              <a:endParaRPr kumimoji="1" lang="ja-JP" altLang="en-US" sz="2800" b="0" i="0" u="none" strike="noStrike" kern="1200" cap="none" spc="0" normalizeH="0" baseline="0" noProof="0" dirty="0">
+                <a:ln>
+                  <a:noFill/>
+                </a:ln>
+                <a:solidFill>
+                  <a:schemeClr val="tx1"/>
+                </a:solidFill>
+                <a:effectLst/>
+                <a:uLnTx/>
+                <a:uFillTx/>
+                <a:latin typeface="+mj-lt"/>
+                <a:ea typeface="+mj-ea"/>
+                <a:cs typeface="+mj-cs"/>
+              </a:endParaRPr>
+            </a:p>
+          </p:txBody>
+        </p:sp>
+      </p:grpSp>
+      <p:grpSp>
+        <p:nvGrpSpPr>
+          <p:cNvPr id="11" name="グループ化 10"/>
+          <p:cNvGrpSpPr/>
+          <p:nvPr/>
+        </p:nvGrpSpPr>
+        <p:grpSpPr>
+          <a:xfrm>
+            <a:off x="5868144" y="555526"/>
+            <a:ext cx="3275856" cy="576065"/>
+            <a:chOff x="5364088" y="555526"/>
+            <a:chExt cx="3779912" cy="576065"/>
+          </a:xfrm>
+        </p:grpSpPr>
+        <p:sp>
+          <p:nvSpPr>
+            <p:cNvPr id="12" name="タイトル 1"/>
+            <p:cNvSpPr txBox="1">
+              <a:spLocks/>
+            </p:cNvSpPr>
+            <p:nvPr/>
+          </p:nvSpPr>
+          <p:spPr>
+            <a:xfrm>
+              <a:off x="5364088" y="555526"/>
+              <a:ext cx="3779912" cy="507703"/>
+            </a:xfrm>
+            <a:prstGeom prst="rect">
+              <a:avLst/>
+            </a:prstGeom>
+          </p:spPr>
+          <p:txBody>
+            <a:bodyPr vert="horz" lIns="91440" tIns="45720" rIns="91440" bIns="45720" rtlCol="0" anchor="ctr">
+              <a:noAutofit/>
+            </a:bodyPr>
+            <a:lstStyle/>
+            <a:p>
+              <a:pPr>
+                <a:spcBef>
+                  <a:spcPct val="0"/>
+                </a:spcBef>
+                <a:defRPr/>
+              </a:pPr>
+              <a:r>
+                <a:rPr lang="ja-JP" altLang="en-US" sz="2800" b="1" dirty="0" smtClean="0"/>
+                <a:t>武器を作る</a:t>
+              </a:r>
+              <a:r>
+                <a:rPr lang="ja-JP" altLang="en-US" sz="2800" b="1" dirty="0" smtClean="0"/>
+                <a:t>！</a:t>
+              </a:r>
+              <a:endParaRPr lang="en-US" altLang="ja-JP" sz="2800" b="1" dirty="0" smtClean="0"/>
+            </a:p>
+          </p:txBody>
+        </p:sp>
+        <p:sp>
+          <p:nvSpPr>
+            <p:cNvPr id="13" name="正方形/長方形 12"/>
+            <p:cNvSpPr/>
+            <p:nvPr/>
+          </p:nvSpPr>
+          <p:spPr>
+            <a:xfrm>
+              <a:off x="5436096" y="1059583"/>
+              <a:ext cx="3707904" cy="72008"/>
+            </a:xfrm>
+            <a:prstGeom prst="rect">
+              <a:avLst/>
+            </a:prstGeom>
+            <a:solidFill>
+              <a:srgbClr val="FFC000"/>
+            </a:solidFill>
+            <a:ln>
+              <a:noFill/>
+            </a:ln>
+          </p:spPr>
+          <p:style>
+            <a:lnRef idx="2">
+              <a:schemeClr val="accent1">
+                <a:shade val="50000"/>
+              </a:schemeClr>
+            </a:lnRef>
+            <a:fillRef idx="1">
+              <a:schemeClr val="accent1"/>
+            </a:fillRef>
+            <a:effectRef idx="0">
+              <a:schemeClr val="accent1"/>
+            </a:effectRef>
+            <a:fontRef idx="minor">
+              <a:schemeClr val="lt1"/>
+            </a:fontRef>
+          </p:style>
+          <p:txBody>
+            <a:bodyPr rtlCol="0" anchor="ctr"/>
+            <a:lstStyle/>
+            <a:p>
+              <a:pPr algn="ctr"/>
+              <a:endParaRPr kumimoji="1" lang="ja-JP" altLang="en-US"/>
+            </a:p>
+          </p:txBody>
+        </p:sp>
+      </p:grpSp>
+    </p:spTree>
+  </p:cSld>
+  <p:clrMapOvr>
+    <a:masterClrMapping/>
+  </p:clrMapOvr>
+  <p:timing>
+    <p:tnLst>
+      <p:par>
+        <p:cTn id="1" dur="indefinite" restart="never" nodeType="tmRoot"/>
+      </p:par>
+    </p:tnLst>
+  </p:timing>
+</p:sld>
+</file>
+
+<file path=ppt/slides/slide21.xml><?xml version="1.0" encoding="utf-8"?>
+<p:sld xmlns:a="http://schemas.openxmlformats.org/drawingml/2006/main" xmlns:r="http://schemas.openxmlformats.org/officeDocument/2006/relationships" xmlns:p="http://schemas.openxmlformats.org/presentationml/2006/main">
+  <p:cSld>
+    <p:spTree>
+      <p:nvGrpSpPr>
+        <p:cNvPr id="1" name=""/>
+        <p:cNvGrpSpPr/>
+        <p:nvPr/>
+      </p:nvGrpSpPr>
+      <p:grpSpPr>
+        <a:xfrm>
+          <a:off x="0" y="0"/>
+          <a:ext cx="0" cy="0"/>
+          <a:chOff x="0" y="0"/>
+          <a:chExt cx="0" cy="0"/>
+        </a:xfrm>
+      </p:grpSpPr>
+      <p:sp>
+        <p:nvSpPr>
+          <p:cNvPr id="2" name="タイトル 1"/>
+          <p:cNvSpPr>
+            <a:spLocks noGrp="1"/>
+          </p:cNvSpPr>
+          <p:nvPr>
+            <p:ph type="title"/>
+          </p:nvPr>
+        </p:nvSpPr>
+        <p:spPr>
+          <a:xfrm>
+            <a:off x="457200" y="2280071"/>
+            <a:ext cx="8229600" cy="507703"/>
+          </a:xfrm>
+        </p:spPr>
+        <p:txBody>
+          <a:bodyPr>
+            <a:normAutofit fontScale="90000"/>
+          </a:bodyPr>
+          <a:lstStyle/>
+          <a:p>
+            <a:r>
+              <a:rPr kumimoji="1" lang="ja-JP" altLang="en-US" sz="4800" b="1" dirty="0" smtClean="0"/>
+              <a:t>ご静聴ありがとうございました。</a:t>
+            </a:r>
+            <a:endParaRPr kumimoji="1" lang="ja-JP" altLang="en-US" sz="4800" b="1" dirty="0"/>
+          </a:p>
+        </p:txBody>
+      </p:sp>
+      <p:sp>
+        <p:nvSpPr>
+          <p:cNvPr id="4" name="日付プレースホルダ 3"/>
+          <p:cNvSpPr>
+            <a:spLocks noGrp="1"/>
+          </p:cNvSpPr>
+          <p:nvPr>
+            <p:ph type="dt" sz="half" idx="10"/>
+          </p:nvPr>
+        </p:nvSpPr>
+        <p:spPr/>
+        <p:txBody>
+          <a:bodyPr/>
+          <a:lstStyle/>
+          <a:p>
+            <a:fld id="{FC7AB2BD-E9B7-45BF-89F9-A3C60FAD2BB8}" type="datetime2">
+              <a:rPr lang="en-US" altLang="ja-JP" smtClean="0"/>
+              <a:pPr/>
+              <a:t>Wednesday, October 01, 2014</a:t>
             </a:fld>
             <a:endParaRPr lang="ja-JP" altLang="en-US" dirty="0"/>
           </a:p>
@@ -9376,7 +10372,7 @@
             <a:fld id="{FC7AB2BD-E9B7-45BF-89F9-A3C60FAD2BB8}" type="datetime2">
               <a:rPr lang="en-US" altLang="ja-JP" smtClean="0"/>
               <a:pPr/>
-              <a:t>Tuesday, September 30, 2014</a:t>
+              <a:t>Wednesday, October 01, 2014</a:t>
             </a:fld>
             <a:endParaRPr lang="ja-JP" altLang="en-US" dirty="0"/>
           </a:p>
@@ -9442,12 +10438,14 @@
         </p:nvSpPr>
         <p:spPr>
           <a:xfrm>
-            <a:off x="457200" y="1200151"/>
+            <a:off x="-36512" y="1200151"/>
             <a:ext cx="5554960" cy="3394472"/>
           </a:xfrm>
         </p:spPr>
         <p:txBody>
-          <a:bodyPr/>
+          <a:bodyPr>
+            <a:normAutofit fontScale="92500"/>
+          </a:bodyPr>
           <a:lstStyle/>
           <a:p>
             <a:pPr>
@@ -9455,7 +10453,11 @@
             </a:pPr>
             <a:r>
               <a:rPr lang="ja-JP" altLang="en-US" dirty="0" smtClean="0"/>
-              <a:t>・ブロック崩し</a:t>
+              <a:t>・ブロック</a:t>
+            </a:r>
+            <a:r>
+              <a:rPr lang="ja-JP" altLang="en-US" dirty="0" smtClean="0"/>
+              <a:t>崩し</a:t>
             </a:r>
             <a:endParaRPr lang="en-US" altLang="ja-JP" dirty="0" smtClean="0"/>
           </a:p>
@@ -9469,15 +10471,7 @@
             </a:r>
             <a:r>
               <a:rPr lang="ja-JP" altLang="en-US" dirty="0" smtClean="0"/>
-              <a:t>指導者</a:t>
-            </a:r>
-            <a:r>
-              <a:rPr lang="en-US" altLang="ja-JP" dirty="0" smtClean="0"/>
-              <a:t>:</a:t>
-            </a:r>
-            <a:r>
-              <a:rPr lang="ja-JP" altLang="en-US" dirty="0" smtClean="0"/>
-              <a:t>岡田さん</a:t>
+              <a:t>目的</a:t>
             </a:r>
             <a:endParaRPr lang="en-US" altLang="ja-JP" dirty="0" smtClean="0"/>
           </a:p>
@@ -9486,9 +10480,14 @@
               <a:buNone/>
             </a:pPr>
             <a:r>
-              <a:rPr kumimoji="1" lang="en-US" altLang="ja-JP" dirty="0" smtClean="0"/>
-              <a:t>	</a:t>
-            </a:r>
+              <a:rPr lang="en-US" altLang="ja-JP" dirty="0" smtClean="0"/>
+              <a:t>		</a:t>
+            </a:r>
+            <a:r>
+              <a:rPr lang="ja-JP" altLang="en-US" dirty="0" smtClean="0"/>
+              <a:t>能力を測るため</a:t>
+            </a:r>
+            <a:endParaRPr lang="en-US" altLang="ja-JP" dirty="0" smtClean="0"/>
           </a:p>
           <a:p>
             <a:pPr>
@@ -9496,29 +10495,17 @@
             </a:pPr>
             <a:r>
               <a:rPr lang="en-US" altLang="ja-JP" dirty="0" smtClean="0"/>
-              <a:t>	</a:t>
-            </a:r>
-            <a:r>
-              <a:rPr kumimoji="1" lang="en-US" altLang="ja-JP" dirty="0" smtClean="0"/>
-              <a:t>-</a:t>
-            </a:r>
-            <a:r>
-              <a:rPr kumimoji="1" lang="ja-JP" altLang="en-US" dirty="0" smtClean="0"/>
-              <a:t>期間</a:t>
-            </a:r>
-            <a:r>
-              <a:rPr kumimoji="1" lang="en-US" altLang="ja-JP" dirty="0" smtClean="0"/>
-              <a:t>:</a:t>
-            </a:r>
-            <a:r>
-              <a:rPr lang="en-US" altLang="ja-JP" dirty="0" smtClean="0"/>
-              <a:t>5</a:t>
+              <a:t>		</a:t>
             </a:r>
             <a:r>
               <a:rPr lang="ja-JP" altLang="en-US" dirty="0" smtClean="0"/>
-              <a:t>月～６月</a:t>
-            </a:r>
-            <a:endParaRPr kumimoji="1" lang="en-US" altLang="ja-JP" dirty="0" smtClean="0"/>
+              <a:t>仕事の仕方を教える</a:t>
+            </a:r>
+            <a:r>
+              <a:rPr lang="ja-JP" altLang="en-US" dirty="0" smtClean="0"/>
+              <a:t>ため</a:t>
+            </a:r>
+            <a:endParaRPr lang="en-US" altLang="ja-JP" dirty="0" smtClean="0"/>
           </a:p>
           <a:p>
             <a:pPr>
@@ -9526,9 +10513,59 @@
             </a:pPr>
             <a:r>
               <a:rPr lang="en-US" altLang="ja-JP" dirty="0" smtClean="0"/>
+              <a:t>	-</a:t>
+            </a:r>
+            <a:r>
+              <a:rPr lang="ja-JP" altLang="en-US" dirty="0" smtClean="0"/>
+              <a:t>指導者</a:t>
+            </a:r>
+            <a:r>
+              <a:rPr lang="en-US" altLang="ja-JP" dirty="0" smtClean="0"/>
+              <a:t>:</a:t>
+            </a:r>
+            <a:r>
+              <a:rPr lang="ja-JP" altLang="en-US" dirty="0" smtClean="0"/>
+              <a:t>岡田</a:t>
+            </a:r>
+            <a:r>
+              <a:rPr lang="ja-JP" altLang="en-US" dirty="0" smtClean="0"/>
+              <a:t>さん</a:t>
+            </a:r>
+            <a:endParaRPr kumimoji="1" lang="en-US" altLang="ja-JP" dirty="0" smtClean="0"/>
+          </a:p>
+          <a:p>
+            <a:pPr>
+              <a:buNone/>
+            </a:pPr>
+            <a:r>
+              <a:rPr lang="en-US" altLang="ja-JP" dirty="0" smtClean="0"/>
               <a:t>	</a:t>
             </a:r>
-            <a:endParaRPr kumimoji="1" lang="en-US" altLang="ja-JP" dirty="0" smtClean="0"/>
+            <a:r>
+              <a:rPr kumimoji="1" lang="en-US" altLang="ja-JP" dirty="0" smtClean="0"/>
+              <a:t>-</a:t>
+            </a:r>
+            <a:r>
+              <a:rPr kumimoji="1" lang="ja-JP" altLang="en-US" dirty="0" smtClean="0"/>
+              <a:t>期間</a:t>
+            </a:r>
+            <a:r>
+              <a:rPr kumimoji="1" lang="en-US" altLang="ja-JP" dirty="0" smtClean="0"/>
+              <a:t>:</a:t>
+            </a:r>
+            <a:r>
+              <a:rPr lang="en-US" altLang="ja-JP" dirty="0" smtClean="0"/>
+              <a:t>5</a:t>
+            </a:r>
+            <a:r>
+              <a:rPr lang="ja-JP" altLang="en-US" dirty="0" smtClean="0"/>
+              <a:t>月～</a:t>
+            </a:r>
+            <a:r>
+              <a:rPr lang="ja-JP" altLang="en-US" dirty="0" smtClean="0"/>
+              <a:t>６月</a:t>
+            </a:r>
+            <a:endParaRPr lang="en-US" altLang="ja-JP" dirty="0" smtClean="0"/>
           </a:p>
         </p:txBody>
       </p:sp>
@@ -9669,7 +10706,7 @@
         </p:blipFill>
         <p:spPr bwMode="auto">
           <a:xfrm>
-            <a:off x="6084168" y="1275606"/>
+            <a:off x="6448888" y="1275606"/>
             <a:ext cx="2371584" cy="1872208"/>
           </a:xfrm>
           <a:prstGeom prst="rect">
@@ -9695,7 +10732,7 @@
         </p:blipFill>
         <p:spPr bwMode="auto">
           <a:xfrm>
-            <a:off x="4355976" y="2499742"/>
+            <a:off x="5224752" y="2499742"/>
             <a:ext cx="2462798" cy="1944216"/>
           </a:xfrm>
           <a:prstGeom prst="rect">
@@ -9789,7 +10826,7 @@
             <a:fld id="{FC7AB2BD-E9B7-45BF-89F9-A3C60FAD2BB8}" type="datetime2">
               <a:rPr lang="en-US" altLang="ja-JP" smtClean="0"/>
               <a:pPr/>
-              <a:t>Tuesday, September 30, 2014</a:t>
+              <a:t>Wednesday, October 01, 2014</a:t>
             </a:fld>
             <a:endParaRPr lang="ja-JP" altLang="en-US" dirty="0"/>
           </a:p>
@@ -9840,41 +10877,6 @@
           <a:p>
             <a:pPr algn="ctr"/>
             <a:endParaRPr kumimoji="1" lang="ja-JP" altLang="en-US"/>
-          </a:p>
-        </p:txBody>
-      </p:sp>
-      <p:sp>
-        <p:nvSpPr>
-          <p:cNvPr id="12" name="コンテンツ プレースホルダ 11"/>
-          <p:cNvSpPr>
-            <a:spLocks noGrp="1"/>
-          </p:cNvSpPr>
-          <p:nvPr>
-            <p:ph idx="1"/>
-          </p:nvPr>
-        </p:nvSpPr>
-        <p:spPr>
-          <a:xfrm>
-            <a:off x="457200" y="1200151"/>
-            <a:ext cx="5554960" cy="3394472"/>
-          </a:xfrm>
-        </p:spPr>
-        <p:txBody>
-          <a:bodyPr/>
-          <a:lstStyle/>
-          <a:p>
-            <a:pPr>
-              <a:buNone/>
-            </a:pPr>
-            <a:r>
-              <a:rPr lang="ja-JP" altLang="en-US" dirty="0" smtClean="0"/>
-              <a:t>・</a:t>
-            </a:r>
-            <a:r>
-              <a:rPr lang="en-US" altLang="ja-JP" dirty="0" smtClean="0"/>
-              <a:t>	</a:t>
-            </a:r>
-            <a:endParaRPr kumimoji="1" lang="en-US" altLang="ja-JP" dirty="0" smtClean="0"/>
           </a:p>
         </p:txBody>
       </p:sp>
@@ -9998,6 +11000,429 @@
           </a:p>
         </p:txBody>
       </p:sp>
+      <p:grpSp>
+        <p:nvGrpSpPr>
+          <p:cNvPr id="6" name="グループ化 10"/>
+          <p:cNvGrpSpPr/>
+          <p:nvPr/>
+        </p:nvGrpSpPr>
+        <p:grpSpPr>
+          <a:xfrm flipH="1">
+            <a:off x="1475656" y="1353630"/>
+            <a:ext cx="360040" cy="3312368"/>
+            <a:chOff x="539552" y="1347614"/>
+            <a:chExt cx="360040" cy="3312368"/>
+          </a:xfrm>
+        </p:grpSpPr>
+        <p:sp>
+          <p:nvSpPr>
+            <p:cNvPr id="37" name="円/楕円 7"/>
+            <p:cNvSpPr/>
+            <p:nvPr/>
+          </p:nvSpPr>
+          <p:spPr>
+            <a:xfrm>
+              <a:off x="539552" y="1347614"/>
+              <a:ext cx="360040" cy="360040"/>
+            </a:xfrm>
+            <a:prstGeom prst="ellipse">
+              <a:avLst/>
+            </a:prstGeom>
+            <a:solidFill>
+              <a:srgbClr val="00B0F0"/>
+            </a:solidFill>
+            <a:ln>
+              <a:noFill/>
+            </a:ln>
+          </p:spPr>
+          <p:style>
+            <a:lnRef idx="2">
+              <a:schemeClr val="accent1">
+                <a:shade val="50000"/>
+              </a:schemeClr>
+            </a:lnRef>
+            <a:fillRef idx="1">
+              <a:schemeClr val="accent1"/>
+            </a:fillRef>
+            <a:effectRef idx="0">
+              <a:schemeClr val="accent1"/>
+            </a:effectRef>
+            <a:fontRef idx="minor">
+              <a:schemeClr val="lt1"/>
+            </a:fontRef>
+          </p:style>
+          <p:txBody>
+            <a:bodyPr rtlCol="0" anchor="ctr"/>
+            <a:lstStyle/>
+            <a:p>
+              <a:pPr algn="ctr"/>
+              <a:endParaRPr kumimoji="1" lang="ja-JP" altLang="en-US"/>
+            </a:p>
+          </p:txBody>
+        </p:sp>
+        <p:sp>
+          <p:nvSpPr>
+            <p:cNvPr id="38" name="正方形/長方形 8"/>
+            <p:cNvSpPr/>
+            <p:nvPr/>
+          </p:nvSpPr>
+          <p:spPr>
+            <a:xfrm>
+              <a:off x="696712" y="1707654"/>
+              <a:ext cx="45719" cy="2952328"/>
+            </a:xfrm>
+            <a:prstGeom prst="rect">
+              <a:avLst/>
+            </a:prstGeom>
+            <a:solidFill>
+              <a:srgbClr val="00B0F0"/>
+            </a:solidFill>
+            <a:ln>
+              <a:noFill/>
+            </a:ln>
+          </p:spPr>
+          <p:style>
+            <a:lnRef idx="2">
+              <a:schemeClr val="accent1">
+                <a:shade val="50000"/>
+              </a:schemeClr>
+            </a:lnRef>
+            <a:fillRef idx="1">
+              <a:schemeClr val="accent1"/>
+            </a:fillRef>
+            <a:effectRef idx="0">
+              <a:schemeClr val="accent1"/>
+            </a:effectRef>
+            <a:fontRef idx="minor">
+              <a:schemeClr val="lt1"/>
+            </a:fontRef>
+          </p:style>
+          <p:txBody>
+            <a:bodyPr rtlCol="0" anchor="ctr"/>
+            <a:lstStyle/>
+            <a:p>
+              <a:pPr algn="ctr"/>
+              <a:endParaRPr kumimoji="1" lang="ja-JP" altLang="en-US"/>
+            </a:p>
+          </p:txBody>
+        </p:sp>
+      </p:grpSp>
+      <p:grpSp>
+        <p:nvGrpSpPr>
+          <p:cNvPr id="60" name="グループ化 59"/>
+          <p:cNvGrpSpPr/>
+          <p:nvPr/>
+        </p:nvGrpSpPr>
+        <p:grpSpPr>
+          <a:xfrm>
+            <a:off x="755576" y="1851670"/>
+            <a:ext cx="6768752" cy="369332"/>
+            <a:chOff x="755576" y="1851670"/>
+            <a:chExt cx="6768752" cy="369332"/>
+          </a:xfrm>
+        </p:grpSpPr>
+        <p:sp>
+          <p:nvSpPr>
+            <p:cNvPr id="41" name="テキスト ボックス 40"/>
+            <p:cNvSpPr txBox="1"/>
+            <p:nvPr/>
+          </p:nvSpPr>
+          <p:spPr>
+            <a:xfrm>
+              <a:off x="755576" y="1851670"/>
+              <a:ext cx="864096" cy="369332"/>
+            </a:xfrm>
+            <a:prstGeom prst="rect">
+              <a:avLst/>
+            </a:prstGeom>
+            <a:noFill/>
+          </p:spPr>
+          <p:txBody>
+            <a:bodyPr wrap="square" rtlCol="0">
+              <a:spAutoFit/>
+            </a:bodyPr>
+            <a:lstStyle/>
+            <a:p>
+              <a:pPr algn="r"/>
+              <a:r>
+                <a:rPr kumimoji="1" lang="en-US" altLang="ja-JP" dirty="0" smtClean="0"/>
+                <a:t>05/07</a:t>
+              </a:r>
+              <a:endParaRPr kumimoji="1" lang="ja-JP" altLang="en-US" dirty="0"/>
+            </a:p>
+          </p:txBody>
+        </p:sp>
+        <p:sp>
+          <p:nvSpPr>
+            <p:cNvPr id="53" name="テキスト ボックス 52"/>
+            <p:cNvSpPr txBox="1"/>
+            <p:nvPr/>
+          </p:nvSpPr>
+          <p:spPr>
+            <a:xfrm>
+              <a:off x="1691680" y="1851670"/>
+              <a:ext cx="5832648" cy="369332"/>
+            </a:xfrm>
+            <a:prstGeom prst="rect">
+              <a:avLst/>
+            </a:prstGeom>
+            <a:noFill/>
+          </p:spPr>
+          <p:txBody>
+            <a:bodyPr wrap="square" rtlCol="0">
+              <a:spAutoFit/>
+            </a:bodyPr>
+            <a:lstStyle/>
+            <a:p>
+              <a:r>
+                <a:rPr kumimoji="1" lang="ja-JP" altLang="en-US" dirty="0" smtClean="0"/>
+                <a:t>ブロック崩し作成開始</a:t>
+              </a:r>
+              <a:endParaRPr kumimoji="1" lang="ja-JP" altLang="en-US" dirty="0"/>
+            </a:p>
+          </p:txBody>
+        </p:sp>
+      </p:grpSp>
+      <p:grpSp>
+        <p:nvGrpSpPr>
+          <p:cNvPr id="59" name="グループ化 58"/>
+          <p:cNvGrpSpPr/>
+          <p:nvPr/>
+        </p:nvGrpSpPr>
+        <p:grpSpPr>
+          <a:xfrm>
+            <a:off x="755576" y="2523745"/>
+            <a:ext cx="6768752" cy="369332"/>
+            <a:chOff x="755576" y="2396376"/>
+            <a:chExt cx="6768752" cy="369332"/>
+          </a:xfrm>
+        </p:grpSpPr>
+        <p:sp>
+          <p:nvSpPr>
+            <p:cNvPr id="47" name="テキスト ボックス 46"/>
+            <p:cNvSpPr txBox="1"/>
+            <p:nvPr/>
+          </p:nvSpPr>
+          <p:spPr>
+            <a:xfrm>
+              <a:off x="755576" y="2396376"/>
+              <a:ext cx="864096" cy="369332"/>
+            </a:xfrm>
+            <a:prstGeom prst="rect">
+              <a:avLst/>
+            </a:prstGeom>
+            <a:noFill/>
+          </p:spPr>
+          <p:txBody>
+            <a:bodyPr wrap="square" rtlCol="0">
+              <a:spAutoFit/>
+            </a:bodyPr>
+            <a:lstStyle/>
+            <a:p>
+              <a:pPr algn="r"/>
+              <a:r>
+                <a:rPr lang="en-US" altLang="ja-JP" dirty="0" smtClean="0"/>
+                <a:t>16</a:t>
+              </a:r>
+              <a:endParaRPr kumimoji="1" lang="ja-JP" altLang="en-US" dirty="0"/>
+            </a:p>
+          </p:txBody>
+        </p:sp>
+        <p:sp>
+          <p:nvSpPr>
+            <p:cNvPr id="54" name="テキスト ボックス 53"/>
+            <p:cNvSpPr txBox="1"/>
+            <p:nvPr/>
+          </p:nvSpPr>
+          <p:spPr>
+            <a:xfrm>
+              <a:off x="1691680" y="2396376"/>
+              <a:ext cx="5832648" cy="369332"/>
+            </a:xfrm>
+            <a:prstGeom prst="rect">
+              <a:avLst/>
+            </a:prstGeom>
+            <a:noFill/>
+          </p:spPr>
+          <p:txBody>
+            <a:bodyPr wrap="square" rtlCol="0">
+              <a:spAutoFit/>
+            </a:bodyPr>
+            <a:lstStyle/>
+            <a:p>
+              <a:r>
+                <a:rPr kumimoji="1" lang="ja-JP" altLang="en-US" dirty="0" smtClean="0"/>
+                <a:t>コードレビュー（岡田さん）</a:t>
+              </a:r>
+              <a:endParaRPr kumimoji="1" lang="ja-JP" altLang="en-US" dirty="0"/>
+            </a:p>
+          </p:txBody>
+        </p:sp>
+      </p:grpSp>
+      <p:grpSp>
+        <p:nvGrpSpPr>
+          <p:cNvPr id="58" name="グループ化 57"/>
+          <p:cNvGrpSpPr/>
+          <p:nvPr/>
+        </p:nvGrpSpPr>
+        <p:grpSpPr>
+          <a:xfrm>
+            <a:off x="755576" y="3195820"/>
+            <a:ext cx="8280920" cy="369332"/>
+            <a:chOff x="755576" y="3147814"/>
+            <a:chExt cx="8280920" cy="369332"/>
+          </a:xfrm>
+        </p:grpSpPr>
+        <p:sp>
+          <p:nvSpPr>
+            <p:cNvPr id="49" name="テキスト ボックス 48"/>
+            <p:cNvSpPr txBox="1"/>
+            <p:nvPr/>
+          </p:nvSpPr>
+          <p:spPr>
+            <a:xfrm>
+              <a:off x="755576" y="3147814"/>
+              <a:ext cx="864096" cy="369332"/>
+            </a:xfrm>
+            <a:prstGeom prst="rect">
+              <a:avLst/>
+            </a:prstGeom>
+            <a:noFill/>
+          </p:spPr>
+          <p:txBody>
+            <a:bodyPr wrap="square" rtlCol="0">
+              <a:spAutoFit/>
+            </a:bodyPr>
+            <a:lstStyle/>
+            <a:p>
+              <a:pPr algn="r"/>
+              <a:r>
+                <a:rPr kumimoji="1" lang="en-US" altLang="ja-JP" dirty="0" smtClean="0"/>
+                <a:t>06/06</a:t>
+              </a:r>
+              <a:endParaRPr kumimoji="1" lang="ja-JP" altLang="en-US" dirty="0"/>
+            </a:p>
+          </p:txBody>
+        </p:sp>
+        <p:sp>
+          <p:nvSpPr>
+            <p:cNvPr id="56" name="テキスト ボックス 55"/>
+            <p:cNvSpPr txBox="1"/>
+            <p:nvPr/>
+          </p:nvSpPr>
+          <p:spPr>
+            <a:xfrm>
+              <a:off x="1691680" y="3147814"/>
+              <a:ext cx="7344816" cy="369332"/>
+            </a:xfrm>
+            <a:prstGeom prst="rect">
+              <a:avLst/>
+            </a:prstGeom>
+            <a:noFill/>
+          </p:spPr>
+          <p:txBody>
+            <a:bodyPr wrap="square" rtlCol="0">
+              <a:spAutoFit/>
+            </a:bodyPr>
+            <a:lstStyle/>
+            <a:p>
+              <a:r>
+                <a:rPr kumimoji="1" lang="ja-JP" altLang="en-US" dirty="0" smtClean="0"/>
+                <a:t>コードレビュー（</a:t>
+              </a:r>
+              <a:r>
+                <a:rPr lang="en-US" altLang="ja-JP" dirty="0" err="1" smtClean="0"/>
+                <a:t>LeadProgrammer</a:t>
+              </a:r>
+              <a:r>
+                <a:rPr lang="ja-JP" altLang="en-US" dirty="0" smtClean="0"/>
+                <a:t>のみなさん</a:t>
+              </a:r>
+              <a:r>
+                <a:rPr kumimoji="1" lang="ja-JP" altLang="en-US" dirty="0" smtClean="0"/>
+                <a:t>）</a:t>
+              </a:r>
+              <a:endParaRPr kumimoji="1" lang="ja-JP" altLang="en-US" dirty="0"/>
+            </a:p>
+          </p:txBody>
+        </p:sp>
+      </p:grpSp>
+      <p:grpSp>
+        <p:nvGrpSpPr>
+          <p:cNvPr id="61" name="グループ化 60"/>
+          <p:cNvGrpSpPr/>
+          <p:nvPr/>
+        </p:nvGrpSpPr>
+        <p:grpSpPr>
+          <a:xfrm>
+            <a:off x="755576" y="3867894"/>
+            <a:ext cx="6768752" cy="369332"/>
+            <a:chOff x="755576" y="4096692"/>
+            <a:chExt cx="6768752" cy="369332"/>
+          </a:xfrm>
+        </p:grpSpPr>
+        <p:sp>
+          <p:nvSpPr>
+            <p:cNvPr id="50" name="テキスト ボックス 49"/>
+            <p:cNvSpPr txBox="1"/>
+            <p:nvPr/>
+          </p:nvSpPr>
+          <p:spPr>
+            <a:xfrm>
+              <a:off x="755576" y="4096692"/>
+              <a:ext cx="864096" cy="369332"/>
+            </a:xfrm>
+            <a:prstGeom prst="rect">
+              <a:avLst/>
+            </a:prstGeom>
+            <a:noFill/>
+          </p:spPr>
+          <p:txBody>
+            <a:bodyPr wrap="square" rtlCol="0">
+              <a:spAutoFit/>
+            </a:bodyPr>
+            <a:lstStyle/>
+            <a:p>
+              <a:pPr algn="r"/>
+              <a:r>
+                <a:rPr lang="en-US" altLang="ja-JP" dirty="0" smtClean="0"/>
+                <a:t>13</a:t>
+              </a:r>
+              <a:endParaRPr lang="ja-JP" altLang="en-US" dirty="0" smtClean="0"/>
+            </a:p>
+          </p:txBody>
+        </p:sp>
+        <p:sp>
+          <p:nvSpPr>
+            <p:cNvPr id="57" name="テキスト ボックス 56"/>
+            <p:cNvSpPr txBox="1"/>
+            <p:nvPr/>
+          </p:nvSpPr>
+          <p:spPr>
+            <a:xfrm>
+              <a:off x="1691680" y="4096692"/>
+              <a:ext cx="5832648" cy="369332"/>
+            </a:xfrm>
+            <a:prstGeom prst="rect">
+              <a:avLst/>
+            </a:prstGeom>
+            <a:noFill/>
+          </p:spPr>
+          <p:txBody>
+            <a:bodyPr wrap="square" rtlCol="0">
+              <a:spAutoFit/>
+            </a:bodyPr>
+            <a:lstStyle/>
+            <a:p>
+              <a:r>
+                <a:rPr kumimoji="1" lang="ja-JP" altLang="en-US" dirty="0" smtClean="0"/>
+                <a:t>研修終了</a:t>
+              </a:r>
+              <a:endParaRPr kumimoji="1" lang="ja-JP" altLang="en-US" dirty="0"/>
+            </a:p>
+          </p:txBody>
+        </p:sp>
+      </p:grpSp>
     </p:spTree>
   </p:cSld>
   <p:clrMapOvr>
@@ -10083,7 +11508,7 @@
             <a:fld id="{FC7AB2BD-E9B7-45BF-89F9-A3C60FAD2BB8}" type="datetime2">
               <a:rPr lang="en-US" altLang="ja-JP" smtClean="0"/>
               <a:pPr/>
-              <a:t>Tuesday, September 30, 2014</a:t>
+              <a:t>Wednesday, October 01, 2014</a:t>
             </a:fld>
             <a:endParaRPr lang="ja-JP" altLang="en-US" dirty="0"/>
           </a:p>
@@ -10381,7 +11806,7 @@
             <a:fld id="{FC7AB2BD-E9B7-45BF-89F9-A3C60FAD2BB8}" type="datetime2">
               <a:rPr lang="en-US" altLang="ja-JP" smtClean="0"/>
               <a:pPr/>
-              <a:t>Tuesday, September 30, 2014</a:t>
+              <a:t>Wednesday, October 01, 2014</a:t>
             </a:fld>
             <a:endParaRPr lang="ja-JP" altLang="en-US" dirty="0"/>
           </a:p>
@@ -10447,20 +11872,38 @@
         </p:nvSpPr>
         <p:spPr>
           <a:xfrm>
-            <a:off x="457200" y="1200151"/>
-            <a:ext cx="5554960" cy="3394472"/>
+            <a:off x="0" y="2349077"/>
+            <a:ext cx="9036496" cy="2814961"/>
           </a:xfrm>
         </p:spPr>
         <p:txBody>
           <a:bodyPr/>
           <a:lstStyle/>
           <a:p>
-            <a:pPr>
+            <a:pPr algn="ctr">
               <a:buNone/>
             </a:pPr>
             <a:r>
-              <a:rPr lang="ja-JP" altLang="en-US" dirty="0" smtClean="0"/>
-              <a:t>・</a:t>
+              <a:rPr lang="ja-JP" altLang="en-US" sz="6000" dirty="0" smtClean="0"/>
+              <a:t>説明</a:t>
+            </a:r>
+            <a:r>
+              <a:rPr lang="ja-JP" altLang="en-US" sz="6000" dirty="0" smtClean="0"/>
+              <a:t>をする</a:t>
+            </a:r>
+            <a:r>
+              <a:rPr lang="ja-JP" altLang="en-US" sz="6000" dirty="0" smtClean="0"/>
+              <a:t>ための</a:t>
+            </a:r>
+            <a:endParaRPr lang="en-US" altLang="ja-JP" sz="6000" dirty="0" smtClean="0"/>
+          </a:p>
+          <a:p>
+            <a:pPr algn="ctr">
+              <a:buNone/>
+            </a:pPr>
+            <a:r>
+              <a:rPr lang="ja-JP" altLang="en-US" sz="6000" dirty="0" smtClean="0"/>
+              <a:t>準備をする</a:t>
             </a:r>
             <a:r>
               <a:rPr lang="en-US" altLang="ja-JP" dirty="0" smtClean="0"/>
@@ -10587,6 +12030,43 @@
           <a:p>
             <a:pPr algn="ctr"/>
             <a:endParaRPr kumimoji="1" lang="ja-JP" altLang="en-US"/>
+          </a:p>
+        </p:txBody>
+      </p:sp>
+      <p:sp>
+        <p:nvSpPr>
+          <p:cNvPr id="8" name="テキスト ボックス 7"/>
+          <p:cNvSpPr txBox="1"/>
+          <p:nvPr/>
+        </p:nvSpPr>
+        <p:spPr>
+          <a:xfrm>
+            <a:off x="2051720" y="1275606"/>
+            <a:ext cx="5256584" cy="1015663"/>
+          </a:xfrm>
+          <a:prstGeom prst="rect">
+            <a:avLst/>
+          </a:prstGeom>
+          <a:noFill/>
+        </p:spPr>
+        <p:txBody>
+          <a:bodyPr wrap="square" rtlCol="0">
+            <a:spAutoFit/>
+          </a:bodyPr>
+          <a:lstStyle/>
+          <a:p>
+            <a:pPr algn="ctr"/>
+            <a:r>
+              <a:rPr kumimoji="1" lang="ja-JP" altLang="en-US" sz="6000" b="1" dirty="0" smtClean="0">
+                <a:latin typeface="HGP行書体" pitchFamily="66" charset="-128"/>
+                <a:ea typeface="HGP行書体" pitchFamily="66" charset="-128"/>
+              </a:rPr>
+              <a:t>教訓</a:t>
+            </a:r>
+            <a:endParaRPr kumimoji="1" lang="ja-JP" altLang="en-US" sz="6000" b="1" dirty="0">
+              <a:latin typeface="HGP行書体" pitchFamily="66" charset="-128"/>
+              <a:ea typeface="HGP行書体" pitchFamily="66" charset="-128"/>
+            </a:endParaRPr>
           </a:p>
         </p:txBody>
       </p:sp>
@@ -10640,7 +12120,7 @@
             <a:fld id="{FC7AB2BD-E9B7-45BF-89F9-A3C60FAD2BB8}" type="datetime2">
               <a:rPr lang="en-US" altLang="ja-JP" smtClean="0"/>
               <a:pPr/>
-              <a:t>Tuesday, September 30, 2014</a:t>
+              <a:t>Wednesday, October 01, 2014</a:t>
             </a:fld>
             <a:endParaRPr lang="ja-JP" altLang="en-US" dirty="0"/>
           </a:p>
@@ -10971,7 +12451,7 @@
             <a:fld id="{FC7AB2BD-E9B7-45BF-89F9-A3C60FAD2BB8}" type="datetime2">
               <a:rPr lang="en-US" altLang="ja-JP" smtClean="0"/>
               <a:pPr/>
-              <a:t>Tuesday, September 30, 2014</a:t>
+              <a:t>Wednesday, October 01, 2014</a:t>
             </a:fld>
             <a:endParaRPr lang="ja-JP" altLang="en-US" dirty="0"/>
           </a:p>
@@ -11035,12 +12515,104 @@
             <p:ph idx="1"/>
           </p:nvPr>
         </p:nvSpPr>
-        <p:spPr/>
-        <p:txBody>
-          <a:bodyPr/>
-          <a:lstStyle/>
-          <a:p>
-            <a:endParaRPr kumimoji="1" lang="ja-JP" altLang="en-US" dirty="0"/>
+        <p:spPr>
+          <a:xfrm>
+            <a:off x="179512" y="1200151"/>
+            <a:ext cx="8856984" cy="3394472"/>
+          </a:xfrm>
+        </p:spPr>
+        <p:txBody>
+          <a:bodyPr>
+            <a:normAutofit/>
+          </a:bodyPr>
+          <a:lstStyle/>
+          <a:p>
+            <a:pPr>
+              <a:buNone/>
+            </a:pPr>
+            <a:r>
+              <a:rPr lang="ja-JP" altLang="en-US" sz="2800" dirty="0" smtClean="0"/>
+              <a:t>アサイン時期：</a:t>
+            </a:r>
+            <a:r>
+              <a:rPr lang="en-US" altLang="ja-JP" sz="2800" dirty="0" smtClean="0"/>
+              <a:t>6/13</a:t>
+            </a:r>
+          </a:p>
+          <a:p>
+            <a:pPr>
+              <a:buNone/>
+            </a:pPr>
+            <a:endParaRPr lang="en-US" altLang="ja-JP" sz="2800" dirty="0" smtClean="0"/>
+          </a:p>
+          <a:p>
+            <a:pPr>
+              <a:buNone/>
+            </a:pPr>
+            <a:r>
+              <a:rPr lang="ja-JP" altLang="en-US" sz="2800" dirty="0" smtClean="0"/>
+              <a:t>クライアント：</a:t>
+            </a:r>
+            <a:r>
+              <a:rPr lang="en-US" altLang="ja-JP" dirty="0" err="1" smtClean="0"/>
+              <a:t>Ubisoft</a:t>
+            </a:r>
+            <a:endParaRPr lang="en-US" altLang="ja-JP" dirty="0" smtClean="0"/>
+          </a:p>
+          <a:p>
+            <a:pPr>
+              <a:buNone/>
+            </a:pPr>
+            <a:endParaRPr lang="en-US" altLang="ja-JP" dirty="0" smtClean="0"/>
+          </a:p>
+          <a:p>
+            <a:pPr>
+              <a:buNone/>
+            </a:pPr>
+            <a:r>
+              <a:rPr lang="ja-JP" altLang="en-US" dirty="0" smtClean="0"/>
+              <a:t>プラットフォーム</a:t>
+            </a:r>
+            <a:r>
+              <a:rPr lang="ja-JP" altLang="en-US" dirty="0" smtClean="0"/>
+              <a:t>：</a:t>
+            </a:r>
+            <a:endParaRPr lang="en-US" altLang="ja-JP" dirty="0" smtClean="0"/>
+          </a:p>
+          <a:p>
+            <a:pPr>
+              <a:buNone/>
+            </a:pPr>
+            <a:r>
+              <a:rPr lang="en-US" altLang="ja-JP" dirty="0" smtClean="0"/>
+              <a:t>		</a:t>
+            </a:r>
+            <a:r>
+              <a:rPr lang="en-US" altLang="ja-JP" dirty="0" err="1" smtClean="0"/>
+              <a:t>iPhone</a:t>
+            </a:r>
+            <a:r>
+              <a:rPr lang="en-US" altLang="ja-JP" dirty="0" smtClean="0"/>
+              <a:t> </a:t>
+            </a:r>
+            <a:r>
+              <a:rPr lang="en-US" altLang="ja-JP" dirty="0" smtClean="0"/>
+              <a:t>&amp; Android &amp; </a:t>
+            </a:r>
+            <a:r>
+              <a:rPr lang="en-US" altLang="ja-JP" dirty="0" err="1" smtClean="0"/>
+              <a:t>XBoxOne</a:t>
+            </a:r>
+            <a:r>
+              <a:rPr lang="en-US" altLang="ja-JP" dirty="0" smtClean="0"/>
+              <a:t> &amp; PS4</a:t>
+            </a:r>
+          </a:p>
+          <a:p>
+            <a:pPr>
+              <a:buNone/>
+            </a:pPr>
+            <a:endParaRPr lang="en-US" altLang="ja-JP" dirty="0" smtClean="0"/>
           </a:p>
         </p:txBody>
       </p:sp>
@@ -11249,7 +12821,7 @@
             <a:fld id="{FC7AB2BD-E9B7-45BF-89F9-A3C60FAD2BB8}" type="datetime2">
               <a:rPr lang="en-US" altLang="ja-JP" smtClean="0"/>
               <a:pPr/>
-              <a:t>Tuesday, September 30, 2014</a:t>
+              <a:t>Wednesday, October 01, 2014</a:t>
             </a:fld>
             <a:endParaRPr lang="ja-JP" altLang="en-US" dirty="0"/>
           </a:p>

--- a/試用期間終了.pptx
+++ b/試用期間終了.pptx
@@ -5,10 +5,10 @@
     <p:sldMasterId id="2147483648" r:id="rId1"/>
   </p:sldMasterIdLst>
   <p:notesMasterIdLst>
-    <p:notesMasterId r:id="rId23"/>
+    <p:notesMasterId r:id="rId25"/>
   </p:notesMasterIdLst>
   <p:handoutMasterIdLst>
-    <p:handoutMasterId r:id="rId24"/>
+    <p:handoutMasterId r:id="rId26"/>
   </p:handoutMasterIdLst>
   <p:sldIdLst>
     <p:sldId id="256" r:id="rId2"/>
@@ -16,22 +16,24 @@
     <p:sldId id="265" r:id="rId4"/>
     <p:sldId id="295" r:id="rId5"/>
     <p:sldId id="279" r:id="rId6"/>
-    <p:sldId id="287" r:id="rId7"/>
-    <p:sldId id="266" r:id="rId8"/>
-    <p:sldId id="288" r:id="rId9"/>
-    <p:sldId id="280" r:id="rId10"/>
-    <p:sldId id="289" r:id="rId11"/>
-    <p:sldId id="281" r:id="rId12"/>
-    <p:sldId id="290" r:id="rId13"/>
-    <p:sldId id="269" r:id="rId14"/>
-    <p:sldId id="267" r:id="rId15"/>
-    <p:sldId id="283" r:id="rId16"/>
-    <p:sldId id="294" r:id="rId17"/>
-    <p:sldId id="291" r:id="rId18"/>
-    <p:sldId id="270" r:id="rId19"/>
-    <p:sldId id="292" r:id="rId20"/>
-    <p:sldId id="296" r:id="rId21"/>
-    <p:sldId id="262" r:id="rId22"/>
+    <p:sldId id="298" r:id="rId7"/>
+    <p:sldId id="287" r:id="rId8"/>
+    <p:sldId id="266" r:id="rId9"/>
+    <p:sldId id="288" r:id="rId10"/>
+    <p:sldId id="280" r:id="rId11"/>
+    <p:sldId id="289" r:id="rId12"/>
+    <p:sldId id="299" r:id="rId13"/>
+    <p:sldId id="281" r:id="rId14"/>
+    <p:sldId id="290" r:id="rId15"/>
+    <p:sldId id="269" r:id="rId16"/>
+    <p:sldId id="267" r:id="rId17"/>
+    <p:sldId id="283" r:id="rId18"/>
+    <p:sldId id="294" r:id="rId19"/>
+    <p:sldId id="300" r:id="rId20"/>
+    <p:sldId id="270" r:id="rId21"/>
+    <p:sldId id="292" r:id="rId22"/>
+    <p:sldId id="296" r:id="rId23"/>
+    <p:sldId id="262" r:id="rId24"/>
   </p:sldIdLst>
   <p:sldSz cx="9144000" cy="5143500" type="screen16x9"/>
   <p:notesSz cx="6858000" cy="9144000"/>
@@ -216,7 +218,7 @@
             <a:fld id="{09902969-8EA2-4B78-B0D9-FDE746F3C635}" type="datetimeFigureOut">
               <a:rPr kumimoji="1" lang="ja-JP" altLang="en-US" smtClean="0"/>
               <a:pPr/>
-              <a:t>2014/10/1</a:t>
+              <a:t>2014/10/14</a:t>
             </a:fld>
             <a:endParaRPr kumimoji="1" lang="ja-JP" altLang="en-US"/>
           </a:p>
@@ -378,7 +380,7 @@
             <a:fld id="{EFFCD70E-D74B-41C4-B089-A0008BD299E5}" type="datetimeFigureOut">
               <a:rPr kumimoji="1" lang="ja-JP" altLang="en-US" smtClean="0"/>
               <a:pPr/>
-              <a:t>2014/10/1</a:t>
+              <a:t>2014/10/14</a:t>
             </a:fld>
             <a:endParaRPr kumimoji="1" lang="ja-JP" altLang="en-US"/>
           </a:p>
@@ -965,57 +967,22 @@
       </p:sp>
       <p:sp>
         <p:nvSpPr>
-          <p:cNvPr id="11" name="テキスト ボックス 10"/>
-          <p:cNvSpPr txBox="1"/>
-          <p:nvPr userDrawn="1"/>
-        </p:nvSpPr>
-        <p:spPr>
-          <a:xfrm>
-            <a:off x="214456" y="39822"/>
-            <a:ext cx="2629352" cy="369332"/>
+          <p:cNvPr id="12" name="日付プレースホルダ 3"/>
+          <p:cNvSpPr>
+            <a:spLocks noGrp="1"/>
+          </p:cNvSpPr>
+          <p:nvPr>
+            <p:ph type="dt" sz="half" idx="10"/>
+          </p:nvPr>
+        </p:nvSpPr>
+        <p:spPr>
+          <a:xfrm>
+            <a:off x="6372200" y="114370"/>
+            <a:ext cx="2448272" cy="273844"/>
           </a:xfrm>
           <a:prstGeom prst="rect">
             <a:avLst/>
           </a:prstGeom>
-          <a:noFill/>
-        </p:spPr>
-        <p:txBody>
-          <a:bodyPr wrap="square" rtlCol="0">
-            <a:spAutoFit/>
-          </a:bodyPr>
-          <a:lstStyle/>
-          <a:p>
-            <a:r>
-              <a:rPr kumimoji="1" lang="en-US" altLang="ja-JP" dirty="0" smtClean="0">
-                <a:solidFill>
-                  <a:srgbClr val="00B050"/>
-                </a:solidFill>
-              </a:rPr>
-              <a:t>Presentation</a:t>
-            </a:r>
-            <a:endParaRPr kumimoji="1" lang="ja-JP" altLang="en-US" dirty="0">
-              <a:solidFill>
-                <a:srgbClr val="00B050"/>
-              </a:solidFill>
-            </a:endParaRPr>
-          </a:p>
-        </p:txBody>
-      </p:sp>
-      <p:sp>
-        <p:nvSpPr>
-          <p:cNvPr id="12" name="日付プレースホルダ 3"/>
-          <p:cNvSpPr>
-            <a:spLocks noGrp="1"/>
-          </p:cNvSpPr>
-          <p:nvPr>
-            <p:ph type="dt" sz="half" idx="10"/>
-          </p:nvPr>
-        </p:nvSpPr>
-        <p:spPr>
-          <a:xfrm>
-            <a:off x="6372200" y="114370"/>
-            <a:ext cx="2448272" cy="273844"/>
-          </a:xfrm>
         </p:spPr>
         <p:txBody>
           <a:bodyPr/>
@@ -1035,7 +1002,7 @@
             <a:fld id="{FC7AB2BD-E9B7-45BF-89F9-A3C60FAD2BB8}" type="datetime2">
               <a:rPr lang="en-US" altLang="ja-JP" smtClean="0"/>
               <a:pPr/>
-              <a:t>Wednesday, October 01, 2014</a:t>
+              <a:t>Tuesday, October 14, 2014</a:t>
             </a:fld>
             <a:endParaRPr lang="ja-JP" altLang="en-US" dirty="0"/>
           </a:p>
@@ -1207,7 +1174,15 @@
             <p:ph type="dt" sz="half" idx="10"/>
           </p:nvPr>
         </p:nvSpPr>
-        <p:spPr/>
+        <p:spPr>
+          <a:xfrm>
+            <a:off x="457200" y="4767263"/>
+            <a:ext cx="2133600" cy="273844"/>
+          </a:xfrm>
+          <a:prstGeom prst="rect">
+            <a:avLst/>
+          </a:prstGeom>
+        </p:spPr>
         <p:txBody>
           <a:bodyPr/>
           <a:lstStyle/>
@@ -1215,7 +1190,7 @@
             <a:fld id="{B4E2A91E-6B0C-4B33-AAB5-037D70AF86BA}" type="datetime2">
               <a:rPr kumimoji="1" lang="en-US" altLang="ja-JP" smtClean="0"/>
               <a:pPr/>
-              <a:t>Wednesday, October 01, 2014</a:t>
+              <a:t>Tuesday, October 14, 2014</a:t>
             </a:fld>
             <a:endParaRPr kumimoji="1" lang="ja-JP" altLang="en-US"/>
           </a:p>
@@ -1416,7 +1391,15 @@
             <p:ph type="dt" sz="half" idx="10"/>
           </p:nvPr>
         </p:nvSpPr>
-        <p:spPr/>
+        <p:spPr>
+          <a:xfrm>
+            <a:off x="457200" y="4767263"/>
+            <a:ext cx="2133600" cy="273844"/>
+          </a:xfrm>
+          <a:prstGeom prst="rect">
+            <a:avLst/>
+          </a:prstGeom>
+        </p:spPr>
         <p:txBody>
           <a:bodyPr/>
           <a:lstStyle/>
@@ -1424,7 +1407,7 @@
             <a:fld id="{1BB10FAF-3726-4CE3-B6D2-14C840FBFB57}" type="datetime2">
               <a:rPr kumimoji="1" lang="en-US" altLang="ja-JP" smtClean="0"/>
               <a:pPr/>
-              <a:t>Wednesday, October 01, 2014</a:t>
+              <a:t>Tuesday, October 14, 2014</a:t>
             </a:fld>
             <a:endParaRPr kumimoji="1" lang="ja-JP" altLang="en-US"/>
           </a:p>
@@ -1506,7 +1489,7 @@
         </p:nvSpPr>
         <p:spPr>
           <a:xfrm>
-            <a:off x="-120" y="10704"/>
+            <a:off x="-120" y="-20538"/>
             <a:ext cx="9144000" cy="457572"/>
           </a:xfrm>
           <a:prstGeom prst="rect">
@@ -1534,7 +1517,7 @@
           <a:lstStyle/>
           <a:p>
             <a:pPr algn="ctr"/>
-            <a:endParaRPr kumimoji="1" lang="ja-JP" altLang="en-US"/>
+            <a:endParaRPr kumimoji="1" lang="ja-JP" altLang="en-US" dirty="0"/>
           </a:p>
         </p:txBody>
       </p:sp>
@@ -1744,84 +1727,6 @@
               <a:t>&lt;#&gt;</a:t>
             </a:fld>
             <a:endParaRPr lang="ja-JP" altLang="en-US"/>
-          </a:p>
-        </p:txBody>
-      </p:sp>
-      <p:sp>
-        <p:nvSpPr>
-          <p:cNvPr id="10" name="テキスト ボックス 9"/>
-          <p:cNvSpPr txBox="1"/>
-          <p:nvPr userDrawn="1"/>
-        </p:nvSpPr>
-        <p:spPr>
-          <a:xfrm>
-            <a:off x="214456" y="39822"/>
-            <a:ext cx="2629352" cy="369332"/>
-          </a:xfrm>
-          <a:prstGeom prst="rect">
-            <a:avLst/>
-          </a:prstGeom>
-          <a:noFill/>
-        </p:spPr>
-        <p:txBody>
-          <a:bodyPr wrap="square" rtlCol="0">
-            <a:spAutoFit/>
-          </a:bodyPr>
-          <a:lstStyle/>
-          <a:p>
-            <a:r>
-              <a:rPr kumimoji="1" lang="en-US" altLang="ja-JP" dirty="0" smtClean="0">
-                <a:solidFill>
-                  <a:srgbClr val="00B050"/>
-                </a:solidFill>
-              </a:rPr>
-              <a:t>Presentation</a:t>
-            </a:r>
-            <a:endParaRPr kumimoji="1" lang="ja-JP" altLang="en-US" dirty="0">
-              <a:solidFill>
-                <a:srgbClr val="00B050"/>
-              </a:solidFill>
-            </a:endParaRPr>
-          </a:p>
-        </p:txBody>
-      </p:sp>
-      <p:sp>
-        <p:nvSpPr>
-          <p:cNvPr id="12" name="日付プレースホルダ 3"/>
-          <p:cNvSpPr>
-            <a:spLocks noGrp="1"/>
-          </p:cNvSpPr>
-          <p:nvPr>
-            <p:ph type="dt" sz="half" idx="10"/>
-          </p:nvPr>
-        </p:nvSpPr>
-        <p:spPr>
-          <a:xfrm>
-            <a:off x="6372200" y="114370"/>
-            <a:ext cx="2448272" cy="273844"/>
-          </a:xfrm>
-        </p:spPr>
-        <p:txBody>
-          <a:bodyPr/>
-          <a:lstStyle>
-            <a:lvl1pPr>
-              <a:defRPr>
-                <a:solidFill>
-                  <a:schemeClr val="bg1">
-                    <a:lumMod val="95000"/>
-                  </a:schemeClr>
-                </a:solidFill>
-                <a:latin typeface="Georgia" pitchFamily="18" charset="0"/>
-              </a:defRPr>
-            </a:lvl1pPr>
-          </a:lstStyle>
-          <a:p>
-            <a:fld id="{FC7AB2BD-E9B7-45BF-89F9-A3C60FAD2BB8}" type="datetime2">
-              <a:rPr lang="en-US" altLang="ja-JP" smtClean="0"/>
-              <a:pPr/>
-              <a:t>Wednesday, October 01, 2014</a:t>
-            </a:fld>
-            <a:endParaRPr lang="ja-JP" altLang="en-US" dirty="0"/>
           </a:p>
         </p:txBody>
       </p:sp>
@@ -2035,7 +1940,15 @@
             <p:ph type="dt" sz="half" idx="10"/>
           </p:nvPr>
         </p:nvSpPr>
-        <p:spPr/>
+        <p:spPr>
+          <a:xfrm>
+            <a:off x="457200" y="4767263"/>
+            <a:ext cx="2133600" cy="273844"/>
+          </a:xfrm>
+          <a:prstGeom prst="rect">
+            <a:avLst/>
+          </a:prstGeom>
+        </p:spPr>
         <p:txBody>
           <a:bodyPr/>
           <a:lstStyle/>
@@ -2043,7 +1956,7 @@
             <a:fld id="{E35D96F4-C1E1-4A33-8344-D7895618D7B6}" type="datetime2">
               <a:rPr kumimoji="1" lang="en-US" altLang="ja-JP" smtClean="0"/>
               <a:pPr/>
-              <a:t>Wednesday, October 01, 2014</a:t>
+              <a:t>Tuesday, October 14, 2014</a:t>
             </a:fld>
             <a:endParaRPr kumimoji="1" lang="ja-JP" altLang="en-US"/>
           </a:p>
@@ -2169,148 +2082,6 @@
           <a:p>
             <a:pPr algn="ctr"/>
             <a:endParaRPr kumimoji="1" lang="ja-JP" altLang="en-US"/>
-          </a:p>
-        </p:txBody>
-      </p:sp>
-      <p:sp>
-        <p:nvSpPr>
-          <p:cNvPr id="13" name="テキスト ボックス 12"/>
-          <p:cNvSpPr txBox="1"/>
-          <p:nvPr userDrawn="1"/>
-        </p:nvSpPr>
-        <p:spPr>
-          <a:xfrm>
-            <a:off x="214456" y="39822"/>
-            <a:ext cx="2629352" cy="369332"/>
-          </a:xfrm>
-          <a:prstGeom prst="rect">
-            <a:avLst/>
-          </a:prstGeom>
-          <a:noFill/>
-        </p:spPr>
-        <p:txBody>
-          <a:bodyPr wrap="square" rtlCol="0">
-            <a:spAutoFit/>
-          </a:bodyPr>
-          <a:lstStyle/>
-          <a:p>
-            <a:r>
-              <a:rPr kumimoji="1" lang="en-US" altLang="ja-JP" dirty="0" smtClean="0">
-                <a:solidFill>
-                  <a:srgbClr val="00B050"/>
-                </a:solidFill>
-              </a:rPr>
-              <a:t>Presentation</a:t>
-            </a:r>
-            <a:endParaRPr kumimoji="1" lang="ja-JP" altLang="en-US" dirty="0">
-              <a:solidFill>
-                <a:srgbClr val="00B050"/>
-              </a:solidFill>
-            </a:endParaRPr>
-          </a:p>
-        </p:txBody>
-      </p:sp>
-      <p:sp>
-        <p:nvSpPr>
-          <p:cNvPr id="16" name="日付プレースホルダ 3"/>
-          <p:cNvSpPr txBox="1">
-            <a:spLocks/>
-          </p:cNvSpPr>
-          <p:nvPr userDrawn="1"/>
-        </p:nvSpPr>
-        <p:spPr>
-          <a:xfrm>
-            <a:off x="6372200" y="114370"/>
-            <a:ext cx="2448272" cy="273844"/>
-          </a:xfrm>
-          <a:prstGeom prst="rect">
-            <a:avLst/>
-          </a:prstGeom>
-        </p:spPr>
-        <p:txBody>
-          <a:bodyPr vert="horz" lIns="91440" tIns="45720" rIns="91440" bIns="45720" rtlCol="0" anchor="ctr"/>
-          <a:lstStyle>
-            <a:lvl1pPr>
-              <a:defRPr>
-                <a:solidFill>
-                  <a:schemeClr val="bg1">
-                    <a:lumMod val="95000"/>
-                  </a:schemeClr>
-                </a:solidFill>
-                <a:latin typeface="Georgia" pitchFamily="18" charset="0"/>
-              </a:defRPr>
-            </a:lvl1pPr>
-          </a:lstStyle>
-          <a:p>
-            <a:pPr marL="0" marR="0" lvl="0" indent="0" algn="l" defTabSz="914400" rtl="0" eaLnBrk="1" fontAlgn="auto" latinLnBrk="0" hangingPunct="1">
-              <a:lnSpc>
-                <a:spcPct val="100000"/>
-              </a:lnSpc>
-              <a:spcBef>
-                <a:spcPts val="0"/>
-              </a:spcBef>
-              <a:spcAft>
-                <a:spcPts val="0"/>
-              </a:spcAft>
-              <a:buClrTx/>
-              <a:buSzTx/>
-              <a:buFontTx/>
-              <a:buNone/>
-              <a:tabLst/>
-              <a:defRPr/>
-            </a:pPr>
-            <a:fld id="{FC7AB2BD-E9B7-45BF-89F9-A3C60FAD2BB8}" type="datetime2">
-              <a:rPr kumimoji="1" lang="en-US" altLang="ja-JP" sz="1200" b="0" i="0" u="none" strike="noStrike" kern="1200" cap="none" spc="0" normalizeH="0" baseline="0" noProof="0" smtClean="0">
-                <a:ln>
-                  <a:noFill/>
-                </a:ln>
-                <a:solidFill>
-                  <a:schemeClr val="bg1">
-                    <a:lumMod val="95000"/>
-                  </a:schemeClr>
-                </a:solidFill>
-                <a:effectLst/>
-                <a:uLnTx/>
-                <a:uFillTx/>
-                <a:latin typeface="Georgia" pitchFamily="18" charset="0"/>
-                <a:ea typeface="+mn-ea"/>
-                <a:cs typeface="+mn-cs"/>
-              </a:rPr>
-              <a:pPr marL="0" marR="0" lvl="0" indent="0" algn="l" defTabSz="914400" rtl="0" eaLnBrk="1" fontAlgn="auto" latinLnBrk="0" hangingPunct="1">
-                <a:lnSpc>
-                  <a:spcPct val="100000"/>
-                </a:lnSpc>
-                <a:spcBef>
-                  <a:spcPts val="0"/>
-                </a:spcBef>
-                <a:spcAft>
-                  <a:spcPts val="0"/>
-                </a:spcAft>
-                <a:buClrTx/>
-                <a:buSzTx/>
-                <a:buFontTx/>
-                <a:buNone/>
-                <a:tabLst/>
-                <a:defRPr/>
-              </a:pPr>
-              <a:t>Wednesday, October 01, 2014</a:t>
-            </a:fld>
-            <a:endParaRPr kumimoji="1" lang="ja-JP" altLang="en-US" sz="1200" b="0" i="0" u="none" strike="noStrike" kern="1200" cap="none" spc="0" normalizeH="0" baseline="0" noProof="0" dirty="0" smtClean="0">
-              <a:ln>
-                <a:noFill/>
-              </a:ln>
-              <a:solidFill>
-                <a:schemeClr val="bg1">
-                  <a:lumMod val="95000"/>
-                </a:schemeClr>
-              </a:solidFill>
-              <a:effectLst/>
-              <a:uLnTx/>
-              <a:uFillTx/>
-              <a:latin typeface="Georgia" pitchFamily="18" charset="0"/>
-              <a:ea typeface="+mn-ea"/>
-              <a:cs typeface="+mn-cs"/>
-            </a:endParaRPr>
           </a:p>
         </p:txBody>
       </p:sp>
@@ -2732,7 +2503,15 @@
             <p:ph type="dt" sz="half" idx="10"/>
           </p:nvPr>
         </p:nvSpPr>
-        <p:spPr/>
+        <p:spPr>
+          <a:xfrm>
+            <a:off x="457200" y="4767263"/>
+            <a:ext cx="2133600" cy="273844"/>
+          </a:xfrm>
+          <a:prstGeom prst="rect">
+            <a:avLst/>
+          </a:prstGeom>
+        </p:spPr>
         <p:txBody>
           <a:bodyPr/>
           <a:lstStyle/>
@@ -2740,7 +2519,7 @@
             <a:fld id="{B2CF2B60-817F-4E26-8A2B-A15036D66D24}" type="datetime2">
               <a:rPr kumimoji="1" lang="en-US" altLang="ja-JP" smtClean="0"/>
               <a:pPr/>
-              <a:t>Wednesday, October 01, 2014</a:t>
+              <a:t>Tuesday, October 14, 2014</a:t>
             </a:fld>
             <a:endParaRPr kumimoji="1" lang="ja-JP" altLang="en-US"/>
           </a:p>
@@ -2866,148 +2645,6 @@
           <a:p>
             <a:pPr algn="ctr"/>
             <a:endParaRPr kumimoji="1" lang="ja-JP" altLang="en-US"/>
-          </a:p>
-        </p:txBody>
-      </p:sp>
-      <p:sp>
-        <p:nvSpPr>
-          <p:cNvPr id="12" name="テキスト ボックス 11"/>
-          <p:cNvSpPr txBox="1"/>
-          <p:nvPr userDrawn="1"/>
-        </p:nvSpPr>
-        <p:spPr>
-          <a:xfrm>
-            <a:off x="214456" y="39822"/>
-            <a:ext cx="2629352" cy="369332"/>
-          </a:xfrm>
-          <a:prstGeom prst="rect">
-            <a:avLst/>
-          </a:prstGeom>
-          <a:noFill/>
-        </p:spPr>
-        <p:txBody>
-          <a:bodyPr wrap="square" rtlCol="0">
-            <a:spAutoFit/>
-          </a:bodyPr>
-          <a:lstStyle/>
-          <a:p>
-            <a:r>
-              <a:rPr kumimoji="1" lang="en-US" altLang="ja-JP" dirty="0" smtClean="0">
-                <a:solidFill>
-                  <a:srgbClr val="00B050"/>
-                </a:solidFill>
-              </a:rPr>
-              <a:t>Presentation</a:t>
-            </a:r>
-            <a:endParaRPr kumimoji="1" lang="ja-JP" altLang="en-US" dirty="0">
-              <a:solidFill>
-                <a:srgbClr val="00B050"/>
-              </a:solidFill>
-            </a:endParaRPr>
-          </a:p>
-        </p:txBody>
-      </p:sp>
-      <p:sp>
-        <p:nvSpPr>
-          <p:cNvPr id="15" name="日付プレースホルダ 3"/>
-          <p:cNvSpPr txBox="1">
-            <a:spLocks/>
-          </p:cNvSpPr>
-          <p:nvPr userDrawn="1"/>
-        </p:nvSpPr>
-        <p:spPr>
-          <a:xfrm>
-            <a:off x="6372200" y="114370"/>
-            <a:ext cx="2448272" cy="273844"/>
-          </a:xfrm>
-          <a:prstGeom prst="rect">
-            <a:avLst/>
-          </a:prstGeom>
-        </p:spPr>
-        <p:txBody>
-          <a:bodyPr vert="horz" lIns="91440" tIns="45720" rIns="91440" bIns="45720" rtlCol="0" anchor="ctr"/>
-          <a:lstStyle>
-            <a:lvl1pPr>
-              <a:defRPr>
-                <a:solidFill>
-                  <a:schemeClr val="bg1">
-                    <a:lumMod val="95000"/>
-                  </a:schemeClr>
-                </a:solidFill>
-                <a:latin typeface="Georgia" pitchFamily="18" charset="0"/>
-              </a:defRPr>
-            </a:lvl1pPr>
-          </a:lstStyle>
-          <a:p>
-            <a:pPr marL="0" marR="0" lvl="0" indent="0" algn="l" defTabSz="914400" rtl="0" eaLnBrk="1" fontAlgn="auto" latinLnBrk="0" hangingPunct="1">
-              <a:lnSpc>
-                <a:spcPct val="100000"/>
-              </a:lnSpc>
-              <a:spcBef>
-                <a:spcPts val="0"/>
-              </a:spcBef>
-              <a:spcAft>
-                <a:spcPts val="0"/>
-              </a:spcAft>
-              <a:buClrTx/>
-              <a:buSzTx/>
-              <a:buFontTx/>
-              <a:buNone/>
-              <a:tabLst/>
-              <a:defRPr/>
-            </a:pPr>
-            <a:fld id="{FC7AB2BD-E9B7-45BF-89F9-A3C60FAD2BB8}" type="datetime2">
-              <a:rPr kumimoji="1" lang="en-US" altLang="ja-JP" sz="1200" b="0" i="0" u="none" strike="noStrike" kern="1200" cap="none" spc="0" normalizeH="0" baseline="0" noProof="0" smtClean="0">
-                <a:ln>
-                  <a:noFill/>
-                </a:ln>
-                <a:solidFill>
-                  <a:schemeClr val="bg1">
-                    <a:lumMod val="95000"/>
-                  </a:schemeClr>
-                </a:solidFill>
-                <a:effectLst/>
-                <a:uLnTx/>
-                <a:uFillTx/>
-                <a:latin typeface="Georgia" pitchFamily="18" charset="0"/>
-                <a:ea typeface="+mn-ea"/>
-                <a:cs typeface="+mn-cs"/>
-              </a:rPr>
-              <a:pPr marL="0" marR="0" lvl="0" indent="0" algn="l" defTabSz="914400" rtl="0" eaLnBrk="1" fontAlgn="auto" latinLnBrk="0" hangingPunct="1">
-                <a:lnSpc>
-                  <a:spcPct val="100000"/>
-                </a:lnSpc>
-                <a:spcBef>
-                  <a:spcPts val="0"/>
-                </a:spcBef>
-                <a:spcAft>
-                  <a:spcPts val="0"/>
-                </a:spcAft>
-                <a:buClrTx/>
-                <a:buSzTx/>
-                <a:buFontTx/>
-                <a:buNone/>
-                <a:tabLst/>
-                <a:defRPr/>
-              </a:pPr>
-              <a:t>Wednesday, October 01, 2014</a:t>
-            </a:fld>
-            <a:endParaRPr kumimoji="1" lang="ja-JP" altLang="en-US" sz="1200" b="0" i="0" u="none" strike="noStrike" kern="1200" cap="none" spc="0" normalizeH="0" baseline="0" noProof="0" dirty="0" smtClean="0">
-              <a:ln>
-                <a:noFill/>
-              </a:ln>
-              <a:solidFill>
-                <a:schemeClr val="bg1">
-                  <a:lumMod val="95000"/>
-                </a:schemeClr>
-              </a:solidFill>
-              <a:effectLst/>
-              <a:uLnTx/>
-              <a:uFillTx/>
-              <a:latin typeface="Georgia" pitchFamily="18" charset="0"/>
-              <a:ea typeface="+mn-ea"/>
-              <a:cs typeface="+mn-cs"/>
-            </a:endParaRPr>
           </a:p>
         </p:txBody>
       </p:sp>
@@ -3563,7 +3200,15 @@
             <p:ph type="dt" sz="half" idx="10"/>
           </p:nvPr>
         </p:nvSpPr>
-        <p:spPr/>
+        <p:spPr>
+          <a:xfrm>
+            <a:off x="457200" y="4767263"/>
+            <a:ext cx="2133600" cy="273844"/>
+          </a:xfrm>
+          <a:prstGeom prst="rect">
+            <a:avLst/>
+          </a:prstGeom>
+        </p:spPr>
         <p:txBody>
           <a:bodyPr/>
           <a:lstStyle/>
@@ -3571,7 +3216,7 @@
             <a:fld id="{C8622B67-4E86-4E80-B4C6-75318AD24683}" type="datetime2">
               <a:rPr kumimoji="1" lang="en-US" altLang="ja-JP" smtClean="0"/>
               <a:pPr/>
-              <a:t>Wednesday, October 01, 2014</a:t>
+              <a:t>Tuesday, October 14, 2014</a:t>
             </a:fld>
             <a:endParaRPr kumimoji="1" lang="ja-JP" altLang="en-US"/>
           </a:p>
@@ -3697,148 +3342,6 @@
           <a:p>
             <a:pPr algn="ctr"/>
             <a:endParaRPr kumimoji="1" lang="ja-JP" altLang="en-US"/>
-          </a:p>
-        </p:txBody>
-      </p:sp>
-      <p:sp>
-        <p:nvSpPr>
-          <p:cNvPr id="14" name="テキスト ボックス 13"/>
-          <p:cNvSpPr txBox="1"/>
-          <p:nvPr userDrawn="1"/>
-        </p:nvSpPr>
-        <p:spPr>
-          <a:xfrm>
-            <a:off x="214456" y="39822"/>
-            <a:ext cx="2629352" cy="369332"/>
-          </a:xfrm>
-          <a:prstGeom prst="rect">
-            <a:avLst/>
-          </a:prstGeom>
-          <a:noFill/>
-        </p:spPr>
-        <p:txBody>
-          <a:bodyPr wrap="square" rtlCol="0">
-            <a:spAutoFit/>
-          </a:bodyPr>
-          <a:lstStyle/>
-          <a:p>
-            <a:r>
-              <a:rPr kumimoji="1" lang="en-US" altLang="ja-JP" dirty="0" smtClean="0">
-                <a:solidFill>
-                  <a:srgbClr val="00B050"/>
-                </a:solidFill>
-              </a:rPr>
-              <a:t>Presentation</a:t>
-            </a:r>
-            <a:endParaRPr kumimoji="1" lang="ja-JP" altLang="en-US" dirty="0">
-              <a:solidFill>
-                <a:srgbClr val="00B050"/>
-              </a:solidFill>
-            </a:endParaRPr>
-          </a:p>
-        </p:txBody>
-      </p:sp>
-      <p:sp>
-        <p:nvSpPr>
-          <p:cNvPr id="17" name="日付プレースホルダ 3"/>
-          <p:cNvSpPr txBox="1">
-            <a:spLocks/>
-          </p:cNvSpPr>
-          <p:nvPr userDrawn="1"/>
-        </p:nvSpPr>
-        <p:spPr>
-          <a:xfrm>
-            <a:off x="6372200" y="114370"/>
-            <a:ext cx="2448272" cy="273844"/>
-          </a:xfrm>
-          <a:prstGeom prst="rect">
-            <a:avLst/>
-          </a:prstGeom>
-        </p:spPr>
-        <p:txBody>
-          <a:bodyPr vert="horz" lIns="91440" tIns="45720" rIns="91440" bIns="45720" rtlCol="0" anchor="ctr"/>
-          <a:lstStyle>
-            <a:lvl1pPr>
-              <a:defRPr>
-                <a:solidFill>
-                  <a:schemeClr val="bg1">
-                    <a:lumMod val="95000"/>
-                  </a:schemeClr>
-                </a:solidFill>
-                <a:latin typeface="Georgia" pitchFamily="18" charset="0"/>
-              </a:defRPr>
-            </a:lvl1pPr>
-          </a:lstStyle>
-          <a:p>
-            <a:pPr marL="0" marR="0" lvl="0" indent="0" algn="l" defTabSz="914400" rtl="0" eaLnBrk="1" fontAlgn="auto" latinLnBrk="0" hangingPunct="1">
-              <a:lnSpc>
-                <a:spcPct val="100000"/>
-              </a:lnSpc>
-              <a:spcBef>
-                <a:spcPts val="0"/>
-              </a:spcBef>
-              <a:spcAft>
-                <a:spcPts val="0"/>
-              </a:spcAft>
-              <a:buClrTx/>
-              <a:buSzTx/>
-              <a:buFontTx/>
-              <a:buNone/>
-              <a:tabLst/>
-              <a:defRPr/>
-            </a:pPr>
-            <a:fld id="{FC7AB2BD-E9B7-45BF-89F9-A3C60FAD2BB8}" type="datetime2">
-              <a:rPr kumimoji="1" lang="en-US" altLang="ja-JP" sz="1200" b="0" i="0" u="none" strike="noStrike" kern="1200" cap="none" spc="0" normalizeH="0" baseline="0" noProof="0" smtClean="0">
-                <a:ln>
-                  <a:noFill/>
-                </a:ln>
-                <a:solidFill>
-                  <a:schemeClr val="bg1">
-                    <a:lumMod val="95000"/>
-                  </a:schemeClr>
-                </a:solidFill>
-                <a:effectLst/>
-                <a:uLnTx/>
-                <a:uFillTx/>
-                <a:latin typeface="Georgia" pitchFamily="18" charset="0"/>
-                <a:ea typeface="+mn-ea"/>
-                <a:cs typeface="+mn-cs"/>
-              </a:rPr>
-              <a:pPr marL="0" marR="0" lvl="0" indent="0" algn="l" defTabSz="914400" rtl="0" eaLnBrk="1" fontAlgn="auto" latinLnBrk="0" hangingPunct="1">
-                <a:lnSpc>
-                  <a:spcPct val="100000"/>
-                </a:lnSpc>
-                <a:spcBef>
-                  <a:spcPts val="0"/>
-                </a:spcBef>
-                <a:spcAft>
-                  <a:spcPts val="0"/>
-                </a:spcAft>
-                <a:buClrTx/>
-                <a:buSzTx/>
-                <a:buFontTx/>
-                <a:buNone/>
-                <a:tabLst/>
-                <a:defRPr/>
-              </a:pPr>
-              <a:t>Wednesday, October 01, 2014</a:t>
-            </a:fld>
-            <a:endParaRPr kumimoji="1" lang="ja-JP" altLang="en-US" sz="1200" b="0" i="0" u="none" strike="noStrike" kern="1200" cap="none" spc="0" normalizeH="0" baseline="0" noProof="0" dirty="0" smtClean="0">
-              <a:ln>
-                <a:noFill/>
-              </a:ln>
-              <a:solidFill>
-                <a:schemeClr val="bg1">
-                  <a:lumMod val="95000"/>
-                </a:schemeClr>
-              </a:solidFill>
-              <a:effectLst/>
-              <a:uLnTx/>
-              <a:uFillTx/>
-              <a:latin typeface="Georgia" pitchFamily="18" charset="0"/>
-              <a:ea typeface="+mn-ea"/>
-              <a:cs typeface="+mn-cs"/>
-            </a:endParaRPr>
           </a:p>
         </p:txBody>
       </p:sp>
@@ -4021,7 +3524,15 @@
             <p:ph type="dt" sz="half" idx="10"/>
           </p:nvPr>
         </p:nvSpPr>
-        <p:spPr/>
+        <p:spPr>
+          <a:xfrm>
+            <a:off x="457200" y="4767263"/>
+            <a:ext cx="2133600" cy="273844"/>
+          </a:xfrm>
+          <a:prstGeom prst="rect">
+            <a:avLst/>
+          </a:prstGeom>
+        </p:spPr>
         <p:txBody>
           <a:bodyPr/>
           <a:lstStyle/>
@@ -4029,7 +3540,7 @@
             <a:fld id="{D4E8DA51-BD75-476D-A825-EC2911528B23}" type="datetime2">
               <a:rPr kumimoji="1" lang="en-US" altLang="ja-JP" smtClean="0"/>
               <a:pPr/>
-              <a:t>Wednesday, October 01, 2014</a:t>
+              <a:t>Tuesday, October 14, 2014</a:t>
             </a:fld>
             <a:endParaRPr kumimoji="1" lang="ja-JP" altLang="en-US"/>
           </a:p>
@@ -4113,7 +3624,15 @@
             <p:ph type="dt" sz="half" idx="10"/>
           </p:nvPr>
         </p:nvSpPr>
-        <p:spPr/>
+        <p:spPr>
+          <a:xfrm>
+            <a:off x="457200" y="4767263"/>
+            <a:ext cx="2133600" cy="273844"/>
+          </a:xfrm>
+          <a:prstGeom prst="rect">
+            <a:avLst/>
+          </a:prstGeom>
+        </p:spPr>
         <p:txBody>
           <a:bodyPr/>
           <a:lstStyle/>
@@ -4121,7 +3640,7 @@
             <a:fld id="{A615053B-5793-4DA9-8131-8C0AA660C9B6}" type="datetime2">
               <a:rPr kumimoji="1" lang="en-US" altLang="ja-JP" smtClean="0"/>
               <a:pPr/>
-              <a:t>Wednesday, October 01, 2014</a:t>
+              <a:t>Tuesday, October 14, 2014</a:t>
             </a:fld>
             <a:endParaRPr kumimoji="1" lang="ja-JP" altLang="en-US"/>
           </a:p>
@@ -4419,7 +3938,15 @@
             <p:ph type="dt" sz="half" idx="10"/>
           </p:nvPr>
         </p:nvSpPr>
-        <p:spPr/>
+        <p:spPr>
+          <a:xfrm>
+            <a:off x="457200" y="4767263"/>
+            <a:ext cx="2133600" cy="273844"/>
+          </a:xfrm>
+          <a:prstGeom prst="rect">
+            <a:avLst/>
+          </a:prstGeom>
+        </p:spPr>
         <p:txBody>
           <a:bodyPr/>
           <a:lstStyle/>
@@ -4427,7 +3954,7 @@
             <a:fld id="{7B1CA221-F8CF-4901-B4FB-042FEBB0C6AF}" type="datetime2">
               <a:rPr kumimoji="1" lang="en-US" altLang="ja-JP" smtClean="0"/>
               <a:pPr/>
-              <a:t>Wednesday, October 01, 2014</a:t>
+              <a:t>Tuesday, October 14, 2014</a:t>
             </a:fld>
             <a:endParaRPr kumimoji="1" lang="ja-JP" altLang="en-US"/>
           </a:p>
@@ -4669,7 +4196,15 @@
             <p:ph type="dt" sz="half" idx="10"/>
           </p:nvPr>
         </p:nvSpPr>
-        <p:spPr/>
+        <p:spPr>
+          <a:xfrm>
+            <a:off x="457200" y="4767263"/>
+            <a:ext cx="2133600" cy="273844"/>
+          </a:xfrm>
+          <a:prstGeom prst="rect">
+            <a:avLst/>
+          </a:prstGeom>
+        </p:spPr>
         <p:txBody>
           <a:bodyPr/>
           <a:lstStyle/>
@@ -4677,7 +4212,7 @@
             <a:fld id="{312C6ED6-4AA5-4252-A959-4C650D1A19F8}" type="datetime2">
               <a:rPr kumimoji="1" lang="en-US" altLang="ja-JP" smtClean="0"/>
               <a:pPr/>
-              <a:t>Wednesday, October 01, 2014</a:t>
+              <a:t>Tuesday, October 14, 2014</a:t>
             </a:fld>
             <a:endParaRPr kumimoji="1" lang="ja-JP" altLang="en-US"/>
           </a:p>
@@ -4879,48 +4414,6 @@
               <a:rPr kumimoji="1" lang="ja-JP" altLang="en-US" smtClean="0"/>
               <a:t>レベル</a:t>
             </a:r>
-            <a:endParaRPr kumimoji="1" lang="ja-JP" altLang="en-US"/>
-          </a:p>
-        </p:txBody>
-      </p:sp>
-      <p:sp>
-        <p:nvSpPr>
-          <p:cNvPr id="4" name="日付プレースホルダ 3"/>
-          <p:cNvSpPr>
-            <a:spLocks noGrp="1"/>
-          </p:cNvSpPr>
-          <p:nvPr>
-            <p:ph type="dt" sz="half" idx="2"/>
-          </p:nvPr>
-        </p:nvSpPr>
-        <p:spPr>
-          <a:xfrm>
-            <a:off x="457200" y="4767263"/>
-            <a:ext cx="2133600" cy="273844"/>
-          </a:xfrm>
-          <a:prstGeom prst="rect">
-            <a:avLst/>
-          </a:prstGeom>
-        </p:spPr>
-        <p:txBody>
-          <a:bodyPr vert="horz" lIns="91440" tIns="45720" rIns="91440" bIns="45720" rtlCol="0" anchor="ctr"/>
-          <a:lstStyle>
-            <a:lvl1pPr algn="l">
-              <a:defRPr sz="1200">
-                <a:solidFill>
-                  <a:schemeClr val="tx1">
-                    <a:tint val="75000"/>
-                  </a:schemeClr>
-                </a:solidFill>
-              </a:defRPr>
-            </a:lvl1pPr>
-          </a:lstStyle>
-          <a:p>
-            <a:fld id="{54C61FCD-60E5-462E-93A1-B7DC4EE591FE}" type="datetime2">
-              <a:rPr kumimoji="1" lang="en-US" altLang="ja-JP" smtClean="0"/>
-              <a:pPr/>
-              <a:t>Wednesday, October 01, 2014</a:t>
-            </a:fld>
             <a:endParaRPr kumimoji="1" lang="ja-JP" altLang="en-US"/>
           </a:p>
         </p:txBody>
@@ -5308,14 +4801,16 @@
           <a:p>
             <a:r>
               <a:rPr kumimoji="1" lang="ja-JP" altLang="en-US" dirty="0" smtClean="0">
-                <a:latin typeface="HGP創英角ﾎﾟｯﾌﾟ体" pitchFamily="50" charset="-128"/>
-                <a:ea typeface="HGP創英角ﾎﾟｯﾌﾟ体" pitchFamily="50" charset="-128"/>
+                <a:latin typeface="Meiryo UI" pitchFamily="50" charset="-128"/>
+                <a:ea typeface="Meiryo UI" pitchFamily="50" charset="-128"/>
+                <a:cs typeface="Meiryo UI" pitchFamily="50" charset="-128"/>
               </a:rPr>
-              <a:t>試用期間終了</a:t>
+              <a:t>研修終了プレゼン</a:t>
             </a:r>
             <a:endParaRPr kumimoji="1" lang="ja-JP" altLang="en-US" dirty="0">
-              <a:latin typeface="HGP創英角ﾎﾟｯﾌﾟ体" pitchFamily="50" charset="-128"/>
-              <a:ea typeface="HGP創英角ﾎﾟｯﾌﾟ体" pitchFamily="50" charset="-128"/>
+              <a:latin typeface="Meiryo UI" pitchFamily="50" charset="-128"/>
+              <a:ea typeface="Meiryo UI" pitchFamily="50" charset="-128"/>
+              <a:cs typeface="Meiryo UI" pitchFamily="50" charset="-128"/>
             </a:endParaRPr>
           </a:p>
         </p:txBody>
@@ -5340,30 +4835,6 @@
               <a:t>小山　瑛圭</a:t>
             </a:r>
             <a:endParaRPr kumimoji="1" lang="ja-JP" altLang="en-US" dirty="0"/>
-          </a:p>
-        </p:txBody>
-      </p:sp>
-      <p:sp>
-        <p:nvSpPr>
-          <p:cNvPr id="4" name="日付プレースホルダ 3"/>
-          <p:cNvSpPr>
-            <a:spLocks noGrp="1"/>
-          </p:cNvSpPr>
-          <p:nvPr>
-            <p:ph type="dt" sz="half" idx="10"/>
-          </p:nvPr>
-        </p:nvSpPr>
-        <p:spPr/>
-        <p:txBody>
-          <a:bodyPr/>
-          <a:lstStyle/>
-          <a:p>
-            <a:fld id="{FC7AB2BD-E9B7-45BF-89F9-A3C60FAD2BB8}" type="datetime2">
-              <a:rPr lang="en-US" altLang="ja-JP" smtClean="0"/>
-              <a:pPr/>
-              <a:t>Wednesday, October 01, 2014</a:t>
-            </a:fld>
-            <a:endParaRPr lang="ja-JP" altLang="en-US" dirty="0"/>
           </a:p>
         </p:txBody>
       </p:sp>
@@ -5401,12 +4872,12 @@
       </p:grpSpPr>
       <p:sp>
         <p:nvSpPr>
-          <p:cNvPr id="4" name="日付プレースホルダ 3"/>
+          <p:cNvPr id="12" name="コンテンツ プレースホルダ 11"/>
           <p:cNvSpPr>
             <a:spLocks noGrp="1"/>
           </p:cNvSpPr>
           <p:nvPr>
-            <p:ph type="dt" sz="half" idx="10"/>
+            <p:ph idx="1"/>
           </p:nvPr>
         </p:nvSpPr>
         <p:spPr/>
@@ -5414,113 +4885,67 @@
           <a:bodyPr/>
           <a:lstStyle/>
           <a:p>
-            <a:fld id="{FC7AB2BD-E9B7-45BF-89F9-A3C60FAD2BB8}" type="datetime2">
-              <a:rPr lang="en-US" altLang="ja-JP" smtClean="0"/>
-              <a:pPr/>
-              <a:t>Wednesday, October 01, 2014</a:t>
-            </a:fld>
-            <a:endParaRPr lang="ja-JP" altLang="en-US" dirty="0"/>
-          </a:p>
-        </p:txBody>
-      </p:sp>
-      <p:sp>
-        <p:nvSpPr>
-          <p:cNvPr id="5" name="正方形/長方形 4"/>
-          <p:cNvSpPr/>
+            <a:endParaRPr kumimoji="1" lang="ja-JP" altLang="en-US" dirty="0"/>
+          </a:p>
+        </p:txBody>
+      </p:sp>
+      <p:pic>
+        <p:nvPicPr>
+          <p:cNvPr id="2050" name="Picture 2" descr="C:\Users\a-koyama\Desktop\試用期間終了\tumblr_static_130522_xboxone1.jpg"/>
+          <p:cNvPicPr>
+            <a:picLocks noChangeAspect="1" noChangeArrowheads="1"/>
+          </p:cNvPicPr>
           <p:nvPr/>
-        </p:nvSpPr>
-        <p:spPr>
-          <a:xfrm>
-            <a:off x="0" y="1059582"/>
-            <a:ext cx="3563888" cy="72008"/>
+        </p:nvPicPr>
+        <p:blipFill>
+          <a:blip r:embed="rId2" cstate="print"/>
+          <a:srcRect/>
+          <a:stretch>
+            <a:fillRect/>
+          </a:stretch>
+        </p:blipFill>
+        <p:spPr bwMode="auto">
+          <a:xfrm>
+            <a:off x="1812032" y="1275606"/>
+            <a:ext cx="5519936" cy="3104964"/>
           </a:xfrm>
           <a:prstGeom prst="rect">
             <a:avLst/>
           </a:prstGeom>
           <a:solidFill>
-            <a:schemeClr val="accent1">
-              <a:lumMod val="75000"/>
-            </a:schemeClr>
+            <a:srgbClr val="FFFFFF">
+              <a:shade val="85000"/>
+            </a:srgbClr>
           </a:solidFill>
-          <a:ln>
-            <a:noFill/>
+          <a:ln w="190500" cap="rnd">
+            <a:solidFill>
+              <a:srgbClr val="FFFFFF"/>
+            </a:solidFill>
           </a:ln>
-        </p:spPr>
-        <p:style>
-          <a:lnRef idx="2">
-            <a:schemeClr val="accent1">
-              <a:shade val="50000"/>
-            </a:schemeClr>
-          </a:lnRef>
-          <a:fillRef idx="1">
-            <a:schemeClr val="accent1"/>
-          </a:fillRef>
-          <a:effectRef idx="0">
-            <a:schemeClr val="accent1"/>
-          </a:effectRef>
-          <a:fontRef idx="minor">
-            <a:schemeClr val="lt1"/>
-          </a:fontRef>
-        </p:style>
-        <p:txBody>
-          <a:bodyPr rtlCol="0" anchor="ctr"/>
-          <a:lstStyle/>
-          <a:p>
-            <a:pPr algn="ctr"/>
-            <a:endParaRPr kumimoji="1" lang="ja-JP" altLang="en-US"/>
-          </a:p>
-        </p:txBody>
-      </p:sp>
-      <p:sp>
-        <p:nvSpPr>
-          <p:cNvPr id="12" name="コンテンツ プレースホルダ 11"/>
-          <p:cNvSpPr>
-            <a:spLocks noGrp="1"/>
-          </p:cNvSpPr>
-          <p:nvPr>
-            <p:ph idx="1"/>
-          </p:nvPr>
-        </p:nvSpPr>
-        <p:spPr>
-          <a:xfrm>
-            <a:off x="323528" y="2273622"/>
-            <a:ext cx="8579296" cy="1954312"/>
-          </a:xfrm>
-        </p:spPr>
-        <p:txBody>
-          <a:bodyPr>
-            <a:normAutofit lnSpcReduction="10000"/>
-          </a:bodyPr>
-          <a:lstStyle/>
-          <a:p>
-            <a:pPr algn="ctr">
-              <a:buNone/>
-            </a:pPr>
-            <a:r>
-              <a:rPr kumimoji="1" lang="ja-JP" altLang="en-US" sz="6000" dirty="0" smtClean="0"/>
-              <a:t>ドキュメントを</a:t>
-            </a:r>
-            <a:r>
-              <a:rPr lang="ja-JP" altLang="en-US" sz="6000" dirty="0" smtClean="0"/>
-              <a:t>作って</a:t>
-            </a:r>
-            <a:endParaRPr lang="en-US" altLang="ja-JP" sz="6000" dirty="0" smtClean="0"/>
-          </a:p>
-          <a:p>
-            <a:pPr algn="ctr">
-              <a:buNone/>
-            </a:pPr>
-            <a:r>
-              <a:rPr lang="ja-JP" altLang="en-US" sz="6000" dirty="0" smtClean="0"/>
-              <a:t>共有できるようにする</a:t>
-            </a:r>
-            <a:endParaRPr kumimoji="1" lang="ja-JP" altLang="en-US" sz="6000" dirty="0"/>
-          </a:p>
-        </p:txBody>
-      </p:sp>
-      <p:sp>
-        <p:nvSpPr>
-          <p:cNvPr id="6" name="タイトル 1"/>
+          <a:effectLst>
+            <a:outerShdw blurRad="50000" algn="tl" rotWithShape="0">
+              <a:srgbClr val="000000">
+                <a:alpha val="41000"/>
+              </a:srgbClr>
+            </a:outerShdw>
+          </a:effectLst>
+          <a:scene3d>
+            <a:camera prst="orthographicFront"/>
+            <a:lightRig rig="twoPt" dir="t">
+              <a:rot lat="0" lon="0" rev="7800000"/>
+            </a:lightRig>
+          </a:scene3d>
+          <a:sp3d contourW="6350">
+            <a:bevelT w="50800" h="16510"/>
+            <a:contourClr>
+              <a:srgbClr val="C0C0C0"/>
+            </a:contourClr>
+          </a:sp3d>
+        </p:spPr>
+      </p:pic>
+      <p:sp>
+        <p:nvSpPr>
+          <p:cNvPr id="11" name="タイトル 1"/>
           <p:cNvSpPr txBox="1">
             <a:spLocks/>
           </p:cNvSpPr>
@@ -5528,8 +4953,8 @@
         </p:nvSpPr>
         <p:spPr>
           <a:xfrm>
-            <a:off x="5724128" y="555526"/>
-            <a:ext cx="3312368" cy="507703"/>
+            <a:off x="5929808" y="-28158"/>
+            <a:ext cx="3322712" cy="507703"/>
           </a:xfrm>
           <a:prstGeom prst="rect">
             <a:avLst/>
@@ -5564,7 +4989,7 @@
                   <a:noFill/>
                 </a:ln>
                 <a:solidFill>
-                  <a:schemeClr val="tx1"/>
+                  <a:schemeClr val="bg1"/>
                 </a:solidFill>
                 <a:effectLst/>
                 <a:uLnTx/>
@@ -5573,18 +4998,19 @@
                 <a:ea typeface="+mj-ea"/>
                 <a:cs typeface="+mj-cs"/>
               </a:rPr>
-              <a:t>LS4</a:t>
-            </a:r>
-            <a:r>
-              <a:rPr lang="en-US" altLang="ja-JP" sz="2800" dirty="0" smtClean="0">
-                <a:latin typeface="+mj-lt"/>
-                <a:ea typeface="+mj-ea"/>
-                <a:cs typeface="+mj-cs"/>
-              </a:rPr>
-              <a:t>(</a:t>
-            </a:r>
-            <a:r>
-              <a:rPr lang="en-US" altLang="ja-JP" sz="2800" dirty="0" err="1" smtClean="0">
+              <a:t>LS4(</a:t>
+            </a:r>
+            <a:r>
+              <a:rPr kumimoji="1" lang="en-US" altLang="ja-JP" sz="2800" b="0" i="0" u="none" strike="noStrike" kern="1200" cap="none" spc="0" normalizeH="0" baseline="0" noProof="0" dirty="0" err="1" smtClean="0">
+                <a:ln>
+                  <a:noFill/>
+                </a:ln>
+                <a:solidFill>
+                  <a:schemeClr val="bg1"/>
+                </a:solidFill>
+                <a:effectLst/>
+                <a:uLnTx/>
+                <a:uFillTx/>
                 <a:latin typeface="+mj-lt"/>
                 <a:ea typeface="+mj-ea"/>
                 <a:cs typeface="+mj-cs"/>
@@ -5592,7 +5018,16 @@
               <a:t>SetupXBoxOne</a:t>
             </a:r>
             <a:r>
-              <a:rPr lang="en-US" altLang="ja-JP" sz="2800" dirty="0" smtClean="0">
+              <a:rPr kumimoji="1" lang="en-US" altLang="ja-JP" sz="2800" b="0" i="0" u="none" strike="noStrike" kern="1200" cap="none" spc="0" normalizeH="0" baseline="0" noProof="0" dirty="0" smtClean="0">
+                <a:ln>
+                  <a:noFill/>
+                </a:ln>
+                <a:solidFill>
+                  <a:schemeClr val="bg1"/>
+                </a:solidFill>
+                <a:effectLst/>
+                <a:uLnTx/>
+                <a:uFillTx/>
                 <a:latin typeface="+mj-lt"/>
                 <a:ea typeface="+mj-ea"/>
                 <a:cs typeface="+mj-cs"/>
@@ -5604,7 +5039,7 @@
                 <a:noFill/>
               </a:ln>
               <a:solidFill>
-                <a:schemeClr val="tx1"/>
+                <a:schemeClr val="bg1"/>
               </a:solidFill>
               <a:effectLst/>
               <a:uLnTx/>
@@ -5618,53 +5053,7 @@
       </p:sp>
       <p:sp>
         <p:nvSpPr>
-          <p:cNvPr id="7" name="正方形/長方形 6"/>
-          <p:cNvSpPr/>
-          <p:nvPr/>
-        </p:nvSpPr>
-        <p:spPr>
-          <a:xfrm>
-            <a:off x="5616624" y="1059583"/>
-            <a:ext cx="3527376" cy="72007"/>
-          </a:xfrm>
-          <a:prstGeom prst="rect">
-            <a:avLst/>
-          </a:prstGeom>
-          <a:solidFill>
-            <a:srgbClr val="FFC000"/>
-          </a:solidFill>
-          <a:ln>
-            <a:noFill/>
-          </a:ln>
-        </p:spPr>
-        <p:style>
-          <a:lnRef idx="2">
-            <a:schemeClr val="accent1">
-              <a:shade val="50000"/>
-            </a:schemeClr>
-          </a:lnRef>
-          <a:fillRef idx="1">
-            <a:schemeClr val="accent1"/>
-          </a:fillRef>
-          <a:effectRef idx="0">
-            <a:schemeClr val="accent1"/>
-          </a:effectRef>
-          <a:fontRef idx="minor">
-            <a:schemeClr val="lt1"/>
-          </a:fontRef>
-        </p:style>
-        <p:txBody>
-          <a:bodyPr rtlCol="0" anchor="ctr"/>
-          <a:lstStyle/>
-          <a:p>
-            <a:pPr algn="ctr"/>
-            <a:endParaRPr kumimoji="1" lang="ja-JP" altLang="en-US"/>
-          </a:p>
-        </p:txBody>
-      </p:sp>
-      <p:sp>
-        <p:nvSpPr>
-          <p:cNvPr id="10" name="タイトル 1"/>
+          <p:cNvPr id="14" name="タイトル 1"/>
           <p:cNvSpPr>
             <a:spLocks noGrp="1"/>
           </p:cNvSpPr>
@@ -5674,8 +5063,8 @@
         </p:nvSpPr>
         <p:spPr>
           <a:xfrm>
-            <a:off x="179512" y="555525"/>
-            <a:ext cx="3384376" cy="507703"/>
+            <a:off x="179512" y="-20538"/>
+            <a:ext cx="3528392" cy="507703"/>
           </a:xfrm>
         </p:spPr>
         <p:txBody>
@@ -5686,50 +5075,25 @@
           <a:p>
             <a:pPr algn="l"/>
             <a:r>
-              <a:rPr lang="en-US" altLang="ja-JP" sz="2800" dirty="0" smtClean="0"/>
+              <a:rPr lang="en-US" altLang="ja-JP" sz="2800" dirty="0" smtClean="0">
+                <a:solidFill>
+                  <a:schemeClr val="bg1"/>
+                </a:solidFill>
+              </a:rPr>
               <a:t>1.</a:t>
             </a:r>
             <a:r>
-              <a:rPr lang="ja-JP" altLang="en-US" sz="2800" dirty="0" smtClean="0"/>
+              <a:rPr lang="ja-JP" altLang="en-US" sz="2800" dirty="0" smtClean="0">
+                <a:solidFill>
+                  <a:schemeClr val="bg1"/>
+                </a:solidFill>
+              </a:rPr>
               <a:t>入社からこれまで</a:t>
             </a:r>
-            <a:endParaRPr kumimoji="1" lang="ja-JP" altLang="en-US" sz="2800" dirty="0"/>
-          </a:p>
-        </p:txBody>
-      </p:sp>
-      <p:sp>
-        <p:nvSpPr>
-          <p:cNvPr id="8" name="テキスト ボックス 7"/>
-          <p:cNvSpPr txBox="1"/>
-          <p:nvPr/>
-        </p:nvSpPr>
-        <p:spPr>
-          <a:xfrm>
-            <a:off x="2051720" y="1275606"/>
-            <a:ext cx="5256584" cy="1015663"/>
-          </a:xfrm>
-          <a:prstGeom prst="rect">
-            <a:avLst/>
-          </a:prstGeom>
-          <a:noFill/>
-        </p:spPr>
-        <p:txBody>
-          <a:bodyPr wrap="square" rtlCol="0">
-            <a:spAutoFit/>
-          </a:bodyPr>
-          <a:lstStyle/>
-          <a:p>
-            <a:pPr algn="ctr"/>
-            <a:r>
-              <a:rPr kumimoji="1" lang="ja-JP" altLang="en-US" sz="6000" b="1" dirty="0" smtClean="0">
-                <a:latin typeface="HGP行書体" pitchFamily="66" charset="-128"/>
-                <a:ea typeface="HGP行書体" pitchFamily="66" charset="-128"/>
-              </a:rPr>
-              <a:t>教訓</a:t>
-            </a:r>
-            <a:endParaRPr kumimoji="1" lang="ja-JP" altLang="en-US" sz="6000" b="1" dirty="0">
-              <a:latin typeface="HGP行書体" pitchFamily="66" charset="-128"/>
-              <a:ea typeface="HGP行書体" pitchFamily="66" charset="-128"/>
+            <a:endParaRPr kumimoji="1" lang="ja-JP" altLang="en-US" sz="2800" dirty="0">
+              <a:solidFill>
+                <a:schemeClr val="bg1"/>
+              </a:solidFill>
             </a:endParaRPr>
           </a:p>
         </p:txBody>
@@ -5768,78 +5132,6 @@
       </p:grpSpPr>
       <p:sp>
         <p:nvSpPr>
-          <p:cNvPr id="4" name="日付プレースホルダ 3"/>
-          <p:cNvSpPr>
-            <a:spLocks noGrp="1"/>
-          </p:cNvSpPr>
-          <p:nvPr>
-            <p:ph type="dt" sz="half" idx="10"/>
-          </p:nvPr>
-        </p:nvSpPr>
-        <p:spPr/>
-        <p:txBody>
-          <a:bodyPr/>
-          <a:lstStyle/>
-          <a:p>
-            <a:fld id="{FC7AB2BD-E9B7-45BF-89F9-A3C60FAD2BB8}" type="datetime2">
-              <a:rPr lang="en-US" altLang="ja-JP" smtClean="0"/>
-              <a:pPr/>
-              <a:t>Wednesday, October 01, 2014</a:t>
-            </a:fld>
-            <a:endParaRPr lang="ja-JP" altLang="en-US" dirty="0"/>
-          </a:p>
-        </p:txBody>
-      </p:sp>
-      <p:sp>
-        <p:nvSpPr>
-          <p:cNvPr id="5" name="正方形/長方形 4"/>
-          <p:cNvSpPr/>
-          <p:nvPr/>
-        </p:nvSpPr>
-        <p:spPr>
-          <a:xfrm>
-            <a:off x="0" y="1059582"/>
-            <a:ext cx="3563888" cy="72008"/>
-          </a:xfrm>
-          <a:prstGeom prst="rect">
-            <a:avLst/>
-          </a:prstGeom>
-          <a:solidFill>
-            <a:schemeClr val="accent1">
-              <a:lumMod val="75000"/>
-            </a:schemeClr>
-          </a:solidFill>
-          <a:ln>
-            <a:noFill/>
-          </a:ln>
-        </p:spPr>
-        <p:style>
-          <a:lnRef idx="2">
-            <a:schemeClr val="accent1">
-              <a:shade val="50000"/>
-            </a:schemeClr>
-          </a:lnRef>
-          <a:fillRef idx="1">
-            <a:schemeClr val="accent1"/>
-          </a:fillRef>
-          <a:effectRef idx="0">
-            <a:schemeClr val="accent1"/>
-          </a:effectRef>
-          <a:fontRef idx="minor">
-            <a:schemeClr val="lt1"/>
-          </a:fontRef>
-        </p:style>
-        <p:txBody>
-          <a:bodyPr rtlCol="0" anchor="ctr"/>
-          <a:lstStyle/>
-          <a:p>
-            <a:pPr algn="ctr"/>
-            <a:endParaRPr kumimoji="1" lang="ja-JP" altLang="en-US"/>
-          </a:p>
-        </p:txBody>
-      </p:sp>
-      <p:sp>
-        <p:nvSpPr>
           <p:cNvPr id="12" name="コンテンツ プレースホルダ 11"/>
           <p:cNvSpPr>
             <a:spLocks noGrp="1"/>
@@ -5850,30 +5142,44 @@
         </p:nvSpPr>
         <p:spPr>
           <a:xfrm>
-            <a:off x="4067944" y="2283718"/>
-            <a:ext cx="648072" cy="1008112"/>
+            <a:off x="282352" y="1995686"/>
+            <a:ext cx="8579296" cy="1954312"/>
           </a:xfrm>
         </p:spPr>
         <p:txBody>
           <a:bodyPr>
-            <a:normAutofit fontScale="92500" lnSpcReduction="20000"/>
+            <a:normAutofit lnSpcReduction="10000"/>
           </a:bodyPr>
           <a:lstStyle/>
           <a:p>
-            <a:pPr>
+            <a:pPr algn="ctr">
               <a:buNone/>
             </a:pPr>
             <a:r>
-              <a:rPr lang="en-US" altLang="ja-JP" sz="7200" dirty="0" smtClean="0"/>
-              <a:t>x</a:t>
-            </a:r>
-            <a:endParaRPr kumimoji="1" lang="ja-JP" altLang="en-US" sz="7200" dirty="0"/>
-          </a:p>
-        </p:txBody>
-      </p:sp>
-      <p:sp>
-        <p:nvSpPr>
-          <p:cNvPr id="6" name="タイトル 1"/>
+              <a:rPr kumimoji="1" lang="ja-JP" altLang="en-US" sz="6000" dirty="0" smtClean="0"/>
+              <a:t>ドキュメントを</a:t>
+            </a:r>
+            <a:r>
+              <a:rPr lang="ja-JP" altLang="en-US" sz="6000" dirty="0" smtClean="0"/>
+              <a:t>作って</a:t>
+            </a:r>
+            <a:endParaRPr lang="en-US" altLang="ja-JP" sz="6000" dirty="0" smtClean="0"/>
+          </a:p>
+          <a:p>
+            <a:pPr algn="ctr">
+              <a:buNone/>
+            </a:pPr>
+            <a:r>
+              <a:rPr lang="ja-JP" altLang="en-US" sz="6000" dirty="0" smtClean="0"/>
+              <a:t>共有できるようにする</a:t>
+            </a:r>
+            <a:endParaRPr kumimoji="1" lang="ja-JP" altLang="en-US" sz="6000" dirty="0"/>
+          </a:p>
+        </p:txBody>
+      </p:sp>
+      <p:sp>
+        <p:nvSpPr>
+          <p:cNvPr id="14" name="タイトル 1"/>
           <p:cNvSpPr txBox="1">
             <a:spLocks/>
           </p:cNvSpPr>
@@ -5881,8 +5187,8 @@
         </p:nvSpPr>
         <p:spPr>
           <a:xfrm>
-            <a:off x="5724128" y="555526"/>
-            <a:ext cx="3312368" cy="507703"/>
+            <a:off x="5929808" y="-28158"/>
+            <a:ext cx="3322712" cy="507703"/>
           </a:xfrm>
           <a:prstGeom prst="rect">
             <a:avLst/>
@@ -5917,7 +5223,7 @@
                   <a:noFill/>
                 </a:ln>
                 <a:solidFill>
-                  <a:schemeClr val="tx1"/>
+                  <a:schemeClr val="bg1"/>
                 </a:solidFill>
                 <a:effectLst/>
                 <a:uLnTx/>
@@ -5926,23 +5232,15 @@
                 <a:ea typeface="+mj-ea"/>
                 <a:cs typeface="+mj-cs"/>
               </a:rPr>
-              <a:t>LS4 </a:t>
-            </a:r>
-            <a:r>
-              <a:rPr lang="en-US" altLang="ja-JP" sz="2800" dirty="0" smtClean="0">
-                <a:latin typeface="+mj-lt"/>
-                <a:ea typeface="+mj-ea"/>
-                <a:cs typeface="+mj-cs"/>
-              </a:rPr>
-              <a:t>(</a:t>
-            </a:r>
-            <a:r>
-              <a:rPr kumimoji="1" lang="en-US" altLang="ja-JP" sz="2800" b="0" i="0" u="none" strike="noStrike" kern="1200" cap="none" spc="0" normalizeH="0" noProof="0" dirty="0" err="1" smtClean="0">
+              <a:t>LS4(</a:t>
+            </a:r>
+            <a:r>
+              <a:rPr kumimoji="1" lang="en-US" altLang="ja-JP" sz="2800" b="0" i="0" u="none" strike="noStrike" kern="1200" cap="none" spc="0" normalizeH="0" baseline="0" noProof="0" dirty="0" err="1" smtClean="0">
                 <a:ln>
                   <a:noFill/>
                 </a:ln>
                 <a:solidFill>
-                  <a:schemeClr val="tx1"/>
+                  <a:schemeClr val="bg1"/>
                 </a:solidFill>
                 <a:effectLst/>
                 <a:uLnTx/>
@@ -5951,15 +5249,15 @@
                 <a:ea typeface="+mj-ea"/>
                 <a:cs typeface="+mj-cs"/>
               </a:rPr>
-              <a:t>UnityConsole</a:t>
-            </a:r>
-            <a:r>
-              <a:rPr kumimoji="1" lang="en-US" altLang="ja-JP" sz="2800" b="0" i="0" u="none" strike="noStrike" kern="1200" cap="none" spc="0" normalizeH="0" noProof="0" dirty="0" smtClean="0">
+              <a:t>SetupXBoxOne</a:t>
+            </a:r>
+            <a:r>
+              <a:rPr kumimoji="1" lang="en-US" altLang="ja-JP" sz="2800" b="0" i="0" u="none" strike="noStrike" kern="1200" cap="none" spc="0" normalizeH="0" baseline="0" noProof="0" dirty="0" smtClean="0">
                 <a:ln>
                   <a:noFill/>
                 </a:ln>
                 <a:solidFill>
-                  <a:schemeClr val="tx1"/>
+                  <a:schemeClr val="bg1"/>
                 </a:solidFill>
                 <a:effectLst/>
                 <a:uLnTx/>
@@ -5975,7 +5273,7 @@
                 <a:noFill/>
               </a:ln>
               <a:solidFill>
-                <a:schemeClr val="tx1"/>
+                <a:schemeClr val="bg1"/>
               </a:solidFill>
               <a:effectLst/>
               <a:uLnTx/>
@@ -5989,53 +5287,7 @@
       </p:sp>
       <p:sp>
         <p:nvSpPr>
-          <p:cNvPr id="7" name="正方形/長方形 6"/>
-          <p:cNvSpPr/>
-          <p:nvPr/>
-        </p:nvSpPr>
-        <p:spPr>
-          <a:xfrm>
-            <a:off x="5616624" y="1059583"/>
-            <a:ext cx="3527376" cy="72007"/>
-          </a:xfrm>
-          <a:prstGeom prst="rect">
-            <a:avLst/>
-          </a:prstGeom>
-          <a:solidFill>
-            <a:srgbClr val="FFC000"/>
-          </a:solidFill>
-          <a:ln>
-            <a:noFill/>
-          </a:ln>
-        </p:spPr>
-        <p:style>
-          <a:lnRef idx="2">
-            <a:schemeClr val="accent1">
-              <a:shade val="50000"/>
-            </a:schemeClr>
-          </a:lnRef>
-          <a:fillRef idx="1">
-            <a:schemeClr val="accent1"/>
-          </a:fillRef>
-          <a:effectRef idx="0">
-            <a:schemeClr val="accent1"/>
-          </a:effectRef>
-          <a:fontRef idx="minor">
-            <a:schemeClr val="lt1"/>
-          </a:fontRef>
-        </p:style>
-        <p:txBody>
-          <a:bodyPr rtlCol="0" anchor="ctr"/>
-          <a:lstStyle/>
-          <a:p>
-            <a:pPr algn="ctr"/>
-            <a:endParaRPr kumimoji="1" lang="ja-JP" altLang="en-US"/>
-          </a:p>
-        </p:txBody>
-      </p:sp>
-      <p:sp>
-        <p:nvSpPr>
-          <p:cNvPr id="10" name="タイトル 1"/>
+          <p:cNvPr id="15" name="タイトル 1"/>
           <p:cNvSpPr>
             <a:spLocks noGrp="1"/>
           </p:cNvSpPr>
@@ -6045,8 +5297,8 @@
         </p:nvSpPr>
         <p:spPr>
           <a:xfrm>
-            <a:off x="179512" y="555525"/>
-            <a:ext cx="3384376" cy="507703"/>
+            <a:off x="179512" y="-20538"/>
+            <a:ext cx="3528392" cy="507703"/>
           </a:xfrm>
         </p:spPr>
         <p:txBody>
@@ -6057,14 +5309,393 @@
           <a:p>
             <a:pPr algn="l"/>
             <a:r>
-              <a:rPr lang="en-US" altLang="ja-JP" sz="2800" dirty="0" smtClean="0"/>
+              <a:rPr lang="en-US" altLang="ja-JP" sz="2800" dirty="0" smtClean="0">
+                <a:solidFill>
+                  <a:schemeClr val="bg1"/>
+                </a:solidFill>
+              </a:rPr>
               <a:t>1.</a:t>
             </a:r>
             <a:r>
-              <a:rPr lang="ja-JP" altLang="en-US" sz="2800" dirty="0" smtClean="0"/>
+              <a:rPr lang="ja-JP" altLang="en-US" sz="2800" dirty="0" smtClean="0">
+                <a:solidFill>
+                  <a:schemeClr val="bg1"/>
+                </a:solidFill>
+              </a:rPr>
               <a:t>入社からこれまで</a:t>
             </a:r>
-            <a:endParaRPr kumimoji="1" lang="ja-JP" altLang="en-US" sz="2800" dirty="0"/>
+            <a:endParaRPr kumimoji="1" lang="ja-JP" altLang="en-US" sz="2800" dirty="0">
+              <a:solidFill>
+                <a:schemeClr val="bg1"/>
+              </a:solidFill>
+            </a:endParaRPr>
+          </a:p>
+        </p:txBody>
+      </p:sp>
+      <p:sp>
+        <p:nvSpPr>
+          <p:cNvPr id="16" name="テキスト ボックス 15"/>
+          <p:cNvSpPr txBox="1"/>
+          <p:nvPr/>
+        </p:nvSpPr>
+        <p:spPr>
+          <a:xfrm>
+            <a:off x="1943708" y="699542"/>
+            <a:ext cx="5256584" cy="1015663"/>
+          </a:xfrm>
+          <a:prstGeom prst="rect">
+            <a:avLst/>
+          </a:prstGeom>
+          <a:noFill/>
+        </p:spPr>
+        <p:txBody>
+          <a:bodyPr wrap="square" rtlCol="0">
+            <a:spAutoFit/>
+          </a:bodyPr>
+          <a:lstStyle/>
+          <a:p>
+            <a:pPr algn="ctr"/>
+            <a:r>
+              <a:rPr kumimoji="1" lang="ja-JP" altLang="en-US" sz="6000" b="1" dirty="0" smtClean="0">
+                <a:latin typeface="HGP行書体" pitchFamily="66" charset="-128"/>
+                <a:ea typeface="HGP行書体" pitchFamily="66" charset="-128"/>
+              </a:rPr>
+              <a:t>教訓</a:t>
+            </a:r>
+            <a:endParaRPr kumimoji="1" lang="ja-JP" altLang="en-US" sz="6000" b="1" dirty="0">
+              <a:latin typeface="HGP行書体" pitchFamily="66" charset="-128"/>
+              <a:ea typeface="HGP行書体" pitchFamily="66" charset="-128"/>
+            </a:endParaRPr>
+          </a:p>
+        </p:txBody>
+      </p:sp>
+    </p:spTree>
+  </p:cSld>
+  <p:clrMapOvr>
+    <a:masterClrMapping/>
+  </p:clrMapOvr>
+  <p:timing>
+    <p:tnLst>
+      <p:par>
+        <p:cTn id="1" dur="indefinite" restart="never" nodeType="tmRoot"/>
+      </p:par>
+    </p:tnLst>
+  </p:timing>
+</p:sld>
+</file>
+
+<file path=ppt/slides/slide12.xml><?xml version="1.0" encoding="utf-8"?>
+<p:sld xmlns:a="http://schemas.openxmlformats.org/drawingml/2006/main" xmlns:r="http://schemas.openxmlformats.org/officeDocument/2006/relationships" xmlns:p="http://schemas.openxmlformats.org/presentationml/2006/main">
+  <p:cSld>
+    <p:spTree>
+      <p:nvGrpSpPr>
+        <p:cNvPr id="1" name=""/>
+        <p:cNvGrpSpPr/>
+        <p:nvPr/>
+      </p:nvGrpSpPr>
+      <p:grpSpPr>
+        <a:xfrm>
+          <a:off x="0" y="0"/>
+          <a:ext cx="0" cy="0"/>
+          <a:chOff x="0" y="0"/>
+          <a:chExt cx="0" cy="0"/>
+        </a:xfrm>
+      </p:grpSpPr>
+      <p:sp>
+        <p:nvSpPr>
+          <p:cNvPr id="12" name="コンテンツ プレースホルダ 11"/>
+          <p:cNvSpPr>
+            <a:spLocks noGrp="1"/>
+          </p:cNvSpPr>
+          <p:nvPr>
+            <p:ph idx="1"/>
+          </p:nvPr>
+        </p:nvSpPr>
+        <p:spPr>
+          <a:xfrm>
+            <a:off x="323528" y="2273622"/>
+            <a:ext cx="8579296" cy="1954312"/>
+          </a:xfrm>
+        </p:spPr>
+        <p:txBody>
+          <a:bodyPr>
+            <a:normAutofit/>
+          </a:bodyPr>
+          <a:lstStyle/>
+          <a:p>
+            <a:r>
+              <a:rPr kumimoji="1" lang="ja-JP" altLang="en-US" dirty="0" smtClean="0"/>
+              <a:t>他の人の効率を上げるため</a:t>
+            </a:r>
+            <a:endParaRPr kumimoji="1" lang="en-US" altLang="ja-JP" dirty="0" smtClean="0"/>
+          </a:p>
+          <a:p>
+            <a:r>
+              <a:rPr lang="ja-JP" altLang="en-US" dirty="0" smtClean="0"/>
+              <a:t>自分自身の備忘録に</a:t>
+            </a:r>
+            <a:endParaRPr kumimoji="1" lang="ja-JP" altLang="en-US" dirty="0"/>
+          </a:p>
+        </p:txBody>
+      </p:sp>
+      <p:sp>
+        <p:nvSpPr>
+          <p:cNvPr id="8" name="テキスト ボックス 7"/>
+          <p:cNvSpPr txBox="1"/>
+          <p:nvPr/>
+        </p:nvSpPr>
+        <p:spPr>
+          <a:xfrm>
+            <a:off x="359532" y="1050871"/>
+            <a:ext cx="8424936" cy="584775"/>
+          </a:xfrm>
+          <a:prstGeom prst="rect">
+            <a:avLst/>
+          </a:prstGeom>
+          <a:noFill/>
+        </p:spPr>
+        <p:txBody>
+          <a:bodyPr wrap="square" rtlCol="0">
+            <a:spAutoFit/>
+          </a:bodyPr>
+          <a:lstStyle/>
+          <a:p>
+            <a:pPr algn="ctr">
+              <a:buNone/>
+            </a:pPr>
+            <a:r>
+              <a:rPr lang="ja-JP" altLang="en-US" sz="3200" dirty="0" smtClean="0"/>
+              <a:t>ドキュメントを</a:t>
+            </a:r>
+            <a:r>
+              <a:rPr lang="ja-JP" altLang="en-US" sz="3200" dirty="0" smtClean="0"/>
+              <a:t>作って共有</a:t>
+            </a:r>
+            <a:r>
+              <a:rPr lang="ja-JP" altLang="en-US" sz="3200" dirty="0" smtClean="0"/>
+              <a:t>できるようにする</a:t>
+            </a:r>
+            <a:endParaRPr lang="ja-JP" altLang="en-US" sz="3200" dirty="0"/>
+          </a:p>
+        </p:txBody>
+      </p:sp>
+      <p:sp>
+        <p:nvSpPr>
+          <p:cNvPr id="14" name="タイトル 1"/>
+          <p:cNvSpPr txBox="1">
+            <a:spLocks/>
+          </p:cNvSpPr>
+          <p:nvPr/>
+        </p:nvSpPr>
+        <p:spPr>
+          <a:xfrm>
+            <a:off x="5929808" y="-28158"/>
+            <a:ext cx="3322712" cy="507703"/>
+          </a:xfrm>
+          <a:prstGeom prst="rect">
+            <a:avLst/>
+          </a:prstGeom>
+        </p:spPr>
+        <p:txBody>
+          <a:bodyPr vert="horz" lIns="91440" tIns="45720" rIns="91440" bIns="45720" rtlCol="0" anchor="ctr">
+            <a:noAutofit/>
+          </a:bodyPr>
+          <a:lstStyle/>
+          <a:p>
+            <a:pPr marL="0" marR="0" lvl="0" indent="0" algn="l" defTabSz="914400" rtl="0" eaLnBrk="1" fontAlgn="auto" latinLnBrk="0" hangingPunct="1">
+              <a:lnSpc>
+                <a:spcPct val="100000"/>
+              </a:lnSpc>
+              <a:spcBef>
+                <a:spcPct val="0"/>
+              </a:spcBef>
+              <a:spcAft>
+                <a:spcPts val="0"/>
+              </a:spcAft>
+              <a:buClrTx/>
+              <a:buSzTx/>
+              <a:buFontTx/>
+              <a:buNone/>
+              <a:tabLst/>
+              <a:defRPr/>
+            </a:pPr>
+            <a:r>
+              <a:rPr kumimoji="1" lang="en-US" altLang="ja-JP" sz="2800" b="0" i="0" u="none" strike="noStrike" kern="1200" cap="none" spc="0" normalizeH="0" baseline="0" noProof="0" dirty="0" smtClean="0">
+                <a:ln>
+                  <a:noFill/>
+                </a:ln>
+                <a:solidFill>
+                  <a:schemeClr val="bg1"/>
+                </a:solidFill>
+                <a:effectLst/>
+                <a:uLnTx/>
+                <a:uFillTx/>
+                <a:latin typeface="+mj-lt"/>
+                <a:ea typeface="+mj-ea"/>
+                <a:cs typeface="+mj-cs"/>
+              </a:rPr>
+              <a:t>LS4(</a:t>
+            </a:r>
+            <a:r>
+              <a:rPr kumimoji="1" lang="en-US" altLang="ja-JP" sz="2800" b="0" i="0" u="none" strike="noStrike" kern="1200" cap="none" spc="0" normalizeH="0" baseline="0" noProof="0" dirty="0" err="1" smtClean="0">
+                <a:ln>
+                  <a:noFill/>
+                </a:ln>
+                <a:solidFill>
+                  <a:schemeClr val="bg1"/>
+                </a:solidFill>
+                <a:effectLst/>
+                <a:uLnTx/>
+                <a:uFillTx/>
+                <a:latin typeface="+mj-lt"/>
+                <a:ea typeface="+mj-ea"/>
+                <a:cs typeface="+mj-cs"/>
+              </a:rPr>
+              <a:t>SetupXBoxOne</a:t>
+            </a:r>
+            <a:r>
+              <a:rPr kumimoji="1" lang="en-US" altLang="ja-JP" sz="2800" b="0" i="0" u="none" strike="noStrike" kern="1200" cap="none" spc="0" normalizeH="0" baseline="0" noProof="0" dirty="0" smtClean="0">
+                <a:ln>
+                  <a:noFill/>
+                </a:ln>
+                <a:solidFill>
+                  <a:schemeClr val="bg1"/>
+                </a:solidFill>
+                <a:effectLst/>
+                <a:uLnTx/>
+                <a:uFillTx/>
+                <a:latin typeface="+mj-lt"/>
+                <a:ea typeface="+mj-ea"/>
+                <a:cs typeface="+mj-cs"/>
+              </a:rPr>
+              <a:t>)</a:t>
+            </a:r>
+            <a:endParaRPr kumimoji="1" lang="ja-JP" altLang="en-US" sz="2800" b="0" i="0" u="none" strike="noStrike" kern="1200" cap="none" spc="0" normalizeH="0" baseline="0" noProof="0" dirty="0">
+              <a:ln>
+                <a:noFill/>
+              </a:ln>
+              <a:solidFill>
+                <a:schemeClr val="bg1"/>
+              </a:solidFill>
+              <a:effectLst/>
+              <a:uLnTx/>
+              <a:uFillTx/>
+              <a:latin typeface="+mj-lt"/>
+              <a:ea typeface="+mj-ea"/>
+              <a:cs typeface="+mj-cs"/>
+            </a:endParaRPr>
+          </a:p>
+        </p:txBody>
+      </p:sp>
+      <p:sp>
+        <p:nvSpPr>
+          <p:cNvPr id="15" name="タイトル 1"/>
+          <p:cNvSpPr>
+            <a:spLocks noGrp="1"/>
+          </p:cNvSpPr>
+          <p:nvPr>
+            <p:ph type="title"/>
+          </p:nvPr>
+        </p:nvSpPr>
+        <p:spPr>
+          <a:xfrm>
+            <a:off x="179512" y="-20538"/>
+            <a:ext cx="3528392" cy="507703"/>
+          </a:xfrm>
+        </p:spPr>
+        <p:txBody>
+          <a:bodyPr>
+            <a:noAutofit/>
+          </a:bodyPr>
+          <a:lstStyle/>
+          <a:p>
+            <a:pPr algn="l"/>
+            <a:r>
+              <a:rPr lang="en-US" altLang="ja-JP" sz="2800" dirty="0" smtClean="0">
+                <a:solidFill>
+                  <a:schemeClr val="bg1"/>
+                </a:solidFill>
+              </a:rPr>
+              <a:t>1.</a:t>
+            </a:r>
+            <a:r>
+              <a:rPr lang="ja-JP" altLang="en-US" sz="2800" dirty="0" smtClean="0">
+                <a:solidFill>
+                  <a:schemeClr val="bg1"/>
+                </a:solidFill>
+              </a:rPr>
+              <a:t>入社からこれまで</a:t>
+            </a:r>
+            <a:endParaRPr kumimoji="1" lang="ja-JP" altLang="en-US" sz="2800" dirty="0">
+              <a:solidFill>
+                <a:schemeClr val="bg1"/>
+              </a:solidFill>
+            </a:endParaRPr>
+          </a:p>
+        </p:txBody>
+      </p:sp>
+    </p:spTree>
+  </p:cSld>
+  <p:clrMapOvr>
+    <a:masterClrMapping/>
+  </p:clrMapOvr>
+  <p:timing>
+    <p:tnLst>
+      <p:par>
+        <p:cTn id="1" dur="indefinite" restart="never" nodeType="tmRoot"/>
+      </p:par>
+    </p:tnLst>
+  </p:timing>
+</p:sld>
+</file>
+
+<file path=ppt/slides/slide13.xml><?xml version="1.0" encoding="utf-8"?>
+<p:sld xmlns:a="http://schemas.openxmlformats.org/drawingml/2006/main" xmlns:r="http://schemas.openxmlformats.org/officeDocument/2006/relationships" xmlns:p="http://schemas.openxmlformats.org/presentationml/2006/main">
+  <p:cSld>
+    <p:spTree>
+      <p:nvGrpSpPr>
+        <p:cNvPr id="1" name=""/>
+        <p:cNvGrpSpPr/>
+        <p:nvPr/>
+      </p:nvGrpSpPr>
+      <p:grpSpPr>
+        <a:xfrm>
+          <a:off x="0" y="0"/>
+          <a:ext cx="0" cy="0"/>
+          <a:chOff x="0" y="0"/>
+          <a:chExt cx="0" cy="0"/>
+        </a:xfrm>
+      </p:grpSpPr>
+      <p:sp>
+        <p:nvSpPr>
+          <p:cNvPr id="12" name="コンテンツ プレースホルダ 11"/>
+          <p:cNvSpPr>
+            <a:spLocks noGrp="1"/>
+          </p:cNvSpPr>
+          <p:nvPr>
+            <p:ph idx="1"/>
+          </p:nvPr>
+        </p:nvSpPr>
+        <p:spPr>
+          <a:xfrm>
+            <a:off x="4067944" y="2283718"/>
+            <a:ext cx="648072" cy="1008112"/>
+          </a:xfrm>
+        </p:spPr>
+        <p:txBody>
+          <a:bodyPr>
+            <a:normAutofit fontScale="92500" lnSpcReduction="20000"/>
+          </a:bodyPr>
+          <a:lstStyle/>
+          <a:p>
+            <a:pPr>
+              <a:buNone/>
+            </a:pPr>
+            <a:r>
+              <a:rPr lang="en-US" altLang="ja-JP" sz="7200" dirty="0" smtClean="0"/>
+              <a:t>x</a:t>
+            </a:r>
+            <a:endParaRPr kumimoji="1" lang="ja-JP" altLang="en-US" sz="7200" dirty="0"/>
           </a:p>
         </p:txBody>
       </p:sp>
@@ -6176,6 +5807,141 @@
           </a:sp3d>
         </p:spPr>
       </p:pic>
+      <p:sp>
+        <p:nvSpPr>
+          <p:cNvPr id="13" name="タイトル 1"/>
+          <p:cNvSpPr txBox="1">
+            <a:spLocks/>
+          </p:cNvSpPr>
+          <p:nvPr/>
+        </p:nvSpPr>
+        <p:spPr>
+          <a:xfrm>
+            <a:off x="5713784" y="-24185"/>
+            <a:ext cx="3322712" cy="507703"/>
+          </a:xfrm>
+          <a:prstGeom prst="rect">
+            <a:avLst/>
+          </a:prstGeom>
+        </p:spPr>
+        <p:txBody>
+          <a:bodyPr vert="horz" lIns="91440" tIns="45720" rIns="91440" bIns="45720" rtlCol="0" anchor="ctr">
+            <a:noAutofit/>
+          </a:bodyPr>
+          <a:lstStyle/>
+          <a:p>
+            <a:pPr lvl="0">
+              <a:spcBef>
+                <a:spcPct val="0"/>
+              </a:spcBef>
+              <a:defRPr/>
+            </a:pPr>
+            <a:r>
+              <a:rPr kumimoji="1" lang="en-US" altLang="ja-JP" sz="2800" b="0" i="0" u="none" strike="noStrike" kern="1200" cap="none" spc="0" normalizeH="0" baseline="0" noProof="0" dirty="0" smtClean="0">
+                <a:ln>
+                  <a:noFill/>
+                </a:ln>
+                <a:solidFill>
+                  <a:schemeClr val="bg1"/>
+                </a:solidFill>
+                <a:effectLst/>
+                <a:uLnTx/>
+                <a:uFillTx/>
+                <a:latin typeface="+mj-lt"/>
+                <a:ea typeface="+mj-ea"/>
+                <a:cs typeface="+mj-cs"/>
+              </a:rPr>
+              <a:t>LS4(</a:t>
+            </a:r>
+            <a:r>
+              <a:rPr lang="en-US" altLang="ja-JP" sz="2800" dirty="0" err="1" smtClean="0">
+                <a:solidFill>
+                  <a:schemeClr val="bg1"/>
+                </a:solidFill>
+              </a:rPr>
+              <a:t>UnityConsole</a:t>
+            </a:r>
+            <a:r>
+              <a:rPr kumimoji="1" lang="en-US" altLang="ja-JP" sz="2800" b="0" i="0" u="none" strike="noStrike" kern="1200" cap="none" spc="0" normalizeH="0" baseline="0" noProof="0" dirty="0" smtClean="0">
+                <a:ln>
+                  <a:noFill/>
+                </a:ln>
+                <a:solidFill>
+                  <a:schemeClr val="bg1"/>
+                </a:solidFill>
+                <a:effectLst/>
+                <a:uLnTx/>
+                <a:uFillTx/>
+                <a:latin typeface="+mj-lt"/>
+                <a:ea typeface="+mj-ea"/>
+                <a:cs typeface="+mj-cs"/>
+              </a:rPr>
+              <a:t>)</a:t>
+            </a:r>
+            <a:endParaRPr kumimoji="1" lang="ja-JP" altLang="en-US" sz="2800" b="0" i="0" u="none" strike="noStrike" kern="1200" cap="none" spc="0" normalizeH="0" baseline="0" noProof="0" dirty="0">
+              <a:ln>
+                <a:noFill/>
+              </a:ln>
+              <a:solidFill>
+                <a:schemeClr val="bg1"/>
+              </a:solidFill>
+              <a:effectLst/>
+              <a:uLnTx/>
+              <a:uFillTx/>
+              <a:latin typeface="+mj-lt"/>
+              <a:ea typeface="+mj-ea"/>
+              <a:cs typeface="+mj-cs"/>
+            </a:endParaRPr>
+          </a:p>
+        </p:txBody>
+      </p:sp>
+      <p:sp>
+        <p:nvSpPr>
+          <p:cNvPr id="15" name="タイトル 1"/>
+          <p:cNvSpPr>
+            <a:spLocks noGrp="1"/>
+          </p:cNvSpPr>
+          <p:nvPr>
+            <p:ph type="title"/>
+          </p:nvPr>
+        </p:nvSpPr>
+        <p:spPr>
+          <a:xfrm>
+            <a:off x="179512" y="-20538"/>
+            <a:ext cx="3528392" cy="507703"/>
+          </a:xfrm>
+        </p:spPr>
+        <p:txBody>
+          <a:bodyPr>
+            <a:noAutofit/>
+          </a:bodyPr>
+          <a:lstStyle/>
+          <a:p>
+            <a:pPr algn="l"/>
+            <a:r>
+              <a:rPr lang="en-US" altLang="ja-JP" sz="2800" dirty="0" smtClean="0">
+                <a:solidFill>
+                  <a:schemeClr val="bg1"/>
+                </a:solidFill>
+              </a:rPr>
+              <a:t>1.</a:t>
+            </a:r>
+            <a:r>
+              <a:rPr lang="ja-JP" altLang="en-US" sz="2800" dirty="0" smtClean="0">
+                <a:solidFill>
+                  <a:schemeClr val="bg1"/>
+                </a:solidFill>
+              </a:rPr>
+              <a:t>入社からこれまで</a:t>
+            </a:r>
+            <a:endParaRPr kumimoji="1" lang="ja-JP" altLang="en-US" sz="2800" dirty="0">
+              <a:solidFill>
+                <a:schemeClr val="bg1"/>
+              </a:solidFill>
+            </a:endParaRPr>
+          </a:p>
+        </p:txBody>
+      </p:sp>
     </p:spTree>
   </p:cSld>
   <p:clrMapOvr>
@@ -6191,7 +5957,7 @@
 </p:sld>
 </file>
 
-<file path=ppt/slides/slide12.xml><?xml version="1.0" encoding="utf-8"?>
+<file path=ppt/slides/slide14.xml><?xml version="1.0" encoding="utf-8"?>
 <p:sld xmlns:a="http://schemas.openxmlformats.org/drawingml/2006/main" xmlns:r="http://schemas.openxmlformats.org/officeDocument/2006/relationships" xmlns:p="http://schemas.openxmlformats.org/presentationml/2006/main">
   <p:cSld>
     <p:spTree>
@@ -6210,12 +5976,12 @@
       </p:grpSpPr>
       <p:sp>
         <p:nvSpPr>
-          <p:cNvPr id="4" name="日付プレースホルダ 3"/>
+          <p:cNvPr id="11" name="コンテンツ プレースホルダ 10"/>
           <p:cNvSpPr>
             <a:spLocks noGrp="1"/>
           </p:cNvSpPr>
           <p:nvPr>
-            <p:ph type="dt" sz="half" idx="10"/>
+            <p:ph idx="1"/>
           </p:nvPr>
         </p:nvSpPr>
         <p:spPr/>
@@ -6223,66 +5989,42 @@
           <a:bodyPr/>
           <a:lstStyle/>
           <a:p>
-            <a:fld id="{FC7AB2BD-E9B7-45BF-89F9-A3C60FAD2BB8}" type="datetime2">
-              <a:rPr lang="en-US" altLang="ja-JP" smtClean="0"/>
-              <a:pPr/>
-              <a:t>Wednesday, October 01, 2014</a:t>
-            </a:fld>
-            <a:endParaRPr lang="ja-JP" altLang="en-US" dirty="0"/>
-          </a:p>
-        </p:txBody>
-      </p:sp>
-      <p:sp>
-        <p:nvSpPr>
-          <p:cNvPr id="5" name="正方形/長方形 4"/>
-          <p:cNvSpPr/>
-          <p:nvPr/>
-        </p:nvSpPr>
-        <p:spPr>
-          <a:xfrm>
-            <a:off x="0" y="1059582"/>
-            <a:ext cx="3563888" cy="72008"/>
-          </a:xfrm>
-          <a:prstGeom prst="rect">
-            <a:avLst/>
-          </a:prstGeom>
-          <a:solidFill>
-            <a:schemeClr val="accent1">
-              <a:lumMod val="75000"/>
-            </a:schemeClr>
-          </a:solidFill>
-          <a:ln>
-            <a:noFill/>
-          </a:ln>
-        </p:spPr>
-        <p:style>
-          <a:lnRef idx="2">
-            <a:schemeClr val="accent1">
-              <a:shade val="50000"/>
-            </a:schemeClr>
-          </a:lnRef>
-          <a:fillRef idx="1">
-            <a:schemeClr val="accent1"/>
-          </a:fillRef>
-          <a:effectRef idx="0">
-            <a:schemeClr val="accent1"/>
-          </a:effectRef>
-          <a:fontRef idx="minor">
-            <a:schemeClr val="lt1"/>
-          </a:fontRef>
-        </p:style>
-        <p:txBody>
-          <a:bodyPr rtlCol="0" anchor="ctr"/>
-          <a:lstStyle/>
-          <a:p>
-            <a:pPr algn="ctr"/>
-            <a:endParaRPr kumimoji="1" lang="ja-JP" altLang="en-US"/>
-          </a:p>
-        </p:txBody>
-      </p:sp>
-      <p:sp>
-        <p:nvSpPr>
-          <p:cNvPr id="6" name="タイトル 1"/>
+            <a:r>
+              <a:rPr kumimoji="1" lang="ja-JP" altLang="en-US" dirty="0" smtClean="0"/>
+              <a:t>ほぼ初</a:t>
+            </a:r>
+            <a:r>
+              <a:rPr kumimoji="1" lang="en-US" altLang="ja-JP" dirty="0" smtClean="0"/>
+              <a:t>Unity</a:t>
+            </a:r>
+          </a:p>
+          <a:p>
+            <a:r>
+              <a:rPr kumimoji="1" lang="ja-JP" altLang="en-US" dirty="0" smtClean="0"/>
+              <a:t>初実機開発</a:t>
+            </a:r>
+            <a:endParaRPr kumimoji="1" lang="en-US" altLang="ja-JP" dirty="0" smtClean="0"/>
+          </a:p>
+          <a:p>
+            <a:r>
+              <a:rPr lang="ja-JP" altLang="en-US" dirty="0" smtClean="0"/>
+              <a:t>約</a:t>
+            </a:r>
+            <a:r>
+              <a:rPr lang="en-US" altLang="ja-JP" dirty="0" smtClean="0"/>
+              <a:t>1</a:t>
+            </a:r>
+            <a:r>
+              <a:rPr lang="ja-JP" altLang="en-US" dirty="0" smtClean="0"/>
+              <a:t>ヶ月</a:t>
+            </a:r>
+            <a:endParaRPr kumimoji="1" lang="ja-JP" altLang="en-US" dirty="0"/>
+          </a:p>
+        </p:txBody>
+      </p:sp>
+      <p:sp>
+        <p:nvSpPr>
+          <p:cNvPr id="13" name="タイトル 1"/>
           <p:cNvSpPr txBox="1">
             <a:spLocks/>
           </p:cNvSpPr>
@@ -6290,8 +6032,8 @@
         </p:nvSpPr>
         <p:spPr>
           <a:xfrm>
-            <a:off x="5724128" y="555526"/>
-            <a:ext cx="3312368" cy="507703"/>
+            <a:off x="5713784" y="-24185"/>
+            <a:ext cx="3322712" cy="507703"/>
           </a:xfrm>
           <a:prstGeom prst="rect">
             <a:avLst/>
@@ -6303,21 +6045,10 @@
           </a:bodyPr>
           <a:lstStyle/>
           <a:p>
-            <a:pPr marL="0" marR="0" lvl="0" indent="0" algn="l" defTabSz="914400" rtl="0" eaLnBrk="1" fontAlgn="auto" latinLnBrk="0" hangingPunct="1">
-              <a:lnSpc>
-                <a:spcPct val="100000"/>
-              </a:lnSpc>
+            <a:pPr lvl="0">
               <a:spcBef>
                 <a:spcPct val="0"/>
               </a:spcBef>
-              <a:spcAft>
-                <a:spcPts val="0"/>
-              </a:spcAft>
-              <a:buClrTx/>
-              <a:buSzTx/>
-              <a:buFontTx/>
-              <a:buNone/>
-              <a:tabLst/>
               <a:defRPr/>
             </a:pPr>
             <a:r>
@@ -6326,7 +6057,7 @@
                   <a:noFill/>
                 </a:ln>
                 <a:solidFill>
-                  <a:schemeClr val="tx1"/>
+                  <a:schemeClr val="bg1"/>
                 </a:solidFill>
                 <a:effectLst/>
                 <a:uLnTx/>
@@ -6335,40 +6066,23 @@
                 <a:ea typeface="+mj-ea"/>
                 <a:cs typeface="+mj-cs"/>
               </a:rPr>
-              <a:t>LS4 </a:t>
-            </a:r>
-            <a:r>
-              <a:rPr lang="en-US" altLang="ja-JP" sz="2800" dirty="0" smtClean="0">
-                <a:latin typeface="+mj-lt"/>
-                <a:ea typeface="+mj-ea"/>
-                <a:cs typeface="+mj-cs"/>
+              <a:t>LS4(</a:t>
+            </a:r>
+            <a:r>
+              <a:rPr lang="en-US" altLang="ja-JP" sz="2800" dirty="0" err="1" smtClean="0">
+                <a:solidFill>
+                  <a:schemeClr val="bg1"/>
+                </a:solidFill>
               </a:rPr>
-              <a:t>(</a:t>
-            </a:r>
-            <a:r>
-              <a:rPr kumimoji="1" lang="en-US" altLang="ja-JP" sz="2800" b="0" i="0" u="none" strike="noStrike" kern="1200" cap="none" spc="0" normalizeH="0" noProof="0" dirty="0" err="1" smtClean="0">
+              <a:t>UnityConsole</a:t>
+            </a:r>
+            <a:r>
+              <a:rPr kumimoji="1" lang="en-US" altLang="ja-JP" sz="2800" b="0" i="0" u="none" strike="noStrike" kern="1200" cap="none" spc="0" normalizeH="0" baseline="0" noProof="0" dirty="0" smtClean="0">
                 <a:ln>
                   <a:noFill/>
                 </a:ln>
                 <a:solidFill>
-                  <a:schemeClr val="tx1"/>
-                </a:solidFill>
-                <a:effectLst/>
-                <a:uLnTx/>
-                <a:uFillTx/>
-                <a:latin typeface="+mj-lt"/>
-                <a:ea typeface="+mj-ea"/>
-                <a:cs typeface="+mj-cs"/>
-              </a:rPr>
-              <a:t>UnityConsole</a:t>
-            </a:r>
-            <a:r>
-              <a:rPr kumimoji="1" lang="en-US" altLang="ja-JP" sz="2800" b="0" i="0" u="none" strike="noStrike" kern="1200" cap="none" spc="0" normalizeH="0" noProof="0" dirty="0" smtClean="0">
-                <a:ln>
-                  <a:noFill/>
-                </a:ln>
-                <a:solidFill>
-                  <a:schemeClr val="tx1"/>
+                  <a:schemeClr val="bg1"/>
                 </a:solidFill>
                 <a:effectLst/>
                 <a:uLnTx/>
@@ -6384,7 +6098,7 @@
                 <a:noFill/>
               </a:ln>
               <a:solidFill>
-                <a:schemeClr val="tx1"/>
+                <a:schemeClr val="bg1"/>
               </a:solidFill>
               <a:effectLst/>
               <a:uLnTx/>
@@ -6398,53 +6112,7 @@
       </p:sp>
       <p:sp>
         <p:nvSpPr>
-          <p:cNvPr id="7" name="正方形/長方形 6"/>
-          <p:cNvSpPr/>
-          <p:nvPr/>
-        </p:nvSpPr>
-        <p:spPr>
-          <a:xfrm>
-            <a:off x="5616624" y="1059583"/>
-            <a:ext cx="3527376" cy="72007"/>
-          </a:xfrm>
-          <a:prstGeom prst="rect">
-            <a:avLst/>
-          </a:prstGeom>
-          <a:solidFill>
-            <a:srgbClr val="FFC000"/>
-          </a:solidFill>
-          <a:ln>
-            <a:noFill/>
-          </a:ln>
-        </p:spPr>
-        <p:style>
-          <a:lnRef idx="2">
-            <a:schemeClr val="accent1">
-              <a:shade val="50000"/>
-            </a:schemeClr>
-          </a:lnRef>
-          <a:fillRef idx="1">
-            <a:schemeClr val="accent1"/>
-          </a:fillRef>
-          <a:effectRef idx="0">
-            <a:schemeClr val="accent1"/>
-          </a:effectRef>
-          <a:fontRef idx="minor">
-            <a:schemeClr val="lt1"/>
-          </a:fontRef>
-        </p:style>
-        <p:txBody>
-          <a:bodyPr rtlCol="0" anchor="ctr"/>
-          <a:lstStyle/>
-          <a:p>
-            <a:pPr algn="ctr"/>
-            <a:endParaRPr kumimoji="1" lang="ja-JP" altLang="en-US"/>
-          </a:p>
-        </p:txBody>
-      </p:sp>
-      <p:sp>
-        <p:nvSpPr>
-          <p:cNvPr id="10" name="タイトル 1"/>
+          <p:cNvPr id="14" name="タイトル 1"/>
           <p:cNvSpPr>
             <a:spLocks noGrp="1"/>
           </p:cNvSpPr>
@@ -6454,8 +6122,8 @@
         </p:nvSpPr>
         <p:spPr>
           <a:xfrm>
-            <a:off x="179512" y="555525"/>
-            <a:ext cx="3384376" cy="507703"/>
+            <a:off x="179512" y="-20538"/>
+            <a:ext cx="3528392" cy="507703"/>
           </a:xfrm>
         </p:spPr>
         <p:txBody>
@@ -6466,62 +6134,26 @@
           <a:p>
             <a:pPr algn="l"/>
             <a:r>
-              <a:rPr lang="en-US" altLang="ja-JP" sz="2800" dirty="0" smtClean="0"/>
+              <a:rPr lang="en-US" altLang="ja-JP" sz="2800" dirty="0" smtClean="0">
+                <a:solidFill>
+                  <a:schemeClr val="bg1"/>
+                </a:solidFill>
+              </a:rPr>
               <a:t>1.</a:t>
             </a:r>
             <a:r>
-              <a:rPr lang="ja-JP" altLang="en-US" sz="2800" dirty="0" smtClean="0"/>
+              <a:rPr lang="ja-JP" altLang="en-US" sz="2800" dirty="0" smtClean="0">
+                <a:solidFill>
+                  <a:schemeClr val="bg1"/>
+                </a:solidFill>
+              </a:rPr>
               <a:t>入社からこれまで</a:t>
             </a:r>
-            <a:endParaRPr kumimoji="1" lang="ja-JP" altLang="en-US" sz="2800" dirty="0"/>
-          </a:p>
-        </p:txBody>
-      </p:sp>
-      <p:sp>
-        <p:nvSpPr>
-          <p:cNvPr id="11" name="コンテンツ プレースホルダ 10"/>
-          <p:cNvSpPr>
-            <a:spLocks noGrp="1"/>
-          </p:cNvSpPr>
-          <p:nvPr>
-            <p:ph idx="1"/>
-          </p:nvPr>
-        </p:nvSpPr>
-        <p:spPr/>
-        <p:txBody>
-          <a:bodyPr/>
-          <a:lstStyle/>
-          <a:p>
-            <a:r>
-              <a:rPr kumimoji="1" lang="ja-JP" altLang="en-US" dirty="0" smtClean="0"/>
-              <a:t>ほぼ初</a:t>
-            </a:r>
-            <a:r>
-              <a:rPr kumimoji="1" lang="en-US" altLang="ja-JP" dirty="0" smtClean="0"/>
-              <a:t>Unity</a:t>
-            </a:r>
-          </a:p>
-          <a:p>
-            <a:r>
-              <a:rPr kumimoji="1" lang="ja-JP" altLang="en-US" dirty="0" smtClean="0"/>
-              <a:t>初実機開発</a:t>
-            </a:r>
-            <a:endParaRPr kumimoji="1" lang="en-US" altLang="ja-JP" dirty="0" smtClean="0"/>
-          </a:p>
-          <a:p>
-            <a:r>
-              <a:rPr lang="ja-JP" altLang="en-US" dirty="0" smtClean="0"/>
-              <a:t>約</a:t>
-            </a:r>
-            <a:r>
-              <a:rPr lang="en-US" altLang="ja-JP" dirty="0" smtClean="0"/>
-              <a:t>1</a:t>
-            </a:r>
-            <a:r>
-              <a:rPr lang="ja-JP" altLang="en-US" dirty="0" smtClean="0"/>
-              <a:t>ヶ月</a:t>
-            </a:r>
-            <a:endParaRPr kumimoji="1" lang="ja-JP" altLang="en-US" dirty="0"/>
+            <a:endParaRPr kumimoji="1" lang="ja-JP" altLang="en-US" sz="2800" dirty="0">
+              <a:solidFill>
+                <a:schemeClr val="bg1"/>
+              </a:solidFill>
+            </a:endParaRPr>
           </a:p>
         </p:txBody>
       </p:sp>
@@ -6540,7 +6172,7 @@
 </p:sld>
 </file>
 
-<file path=ppt/slides/slide13.xml><?xml version="1.0" encoding="utf-8"?>
+<file path=ppt/slides/slide15.xml><?xml version="1.0" encoding="utf-8"?>
 <p:sld xmlns:a="http://schemas.openxmlformats.org/drawingml/2006/main" xmlns:r="http://schemas.openxmlformats.org/officeDocument/2006/relationships" xmlns:p="http://schemas.openxmlformats.org/presentationml/2006/main">
   <p:cSld>
     <p:spTree>
@@ -6559,30 +6191,6 @@
       </p:grpSpPr>
       <p:sp>
         <p:nvSpPr>
-          <p:cNvPr id="4" name="日付プレースホルダ 3"/>
-          <p:cNvSpPr>
-            <a:spLocks noGrp="1"/>
-          </p:cNvSpPr>
-          <p:nvPr>
-            <p:ph type="dt" sz="half" idx="10"/>
-          </p:nvPr>
-        </p:nvSpPr>
-        <p:spPr/>
-        <p:txBody>
-          <a:bodyPr/>
-          <a:lstStyle/>
-          <a:p>
-            <a:fld id="{FC7AB2BD-E9B7-45BF-89F9-A3C60FAD2BB8}" type="datetime2">
-              <a:rPr lang="en-US" altLang="ja-JP" smtClean="0"/>
-              <a:pPr/>
-              <a:t>Wednesday, October 01, 2014</a:t>
-            </a:fld>
-            <a:endParaRPr lang="ja-JP" altLang="en-US" dirty="0"/>
-          </a:p>
-        </p:txBody>
-      </p:sp>
-      <p:sp>
-        <p:nvSpPr>
           <p:cNvPr id="12" name="コンテンツ プレースホルダ 11"/>
           <p:cNvSpPr>
             <a:spLocks noGrp="1"/>
@@ -6593,7 +6201,7 @@
         </p:nvSpPr>
         <p:spPr>
           <a:xfrm>
-            <a:off x="0" y="1923678"/>
+            <a:off x="0" y="1707654"/>
             <a:ext cx="9144000" cy="1584176"/>
           </a:xfrm>
         </p:spPr>
@@ -6620,11 +6228,7 @@
             </a:r>
             <a:r>
               <a:rPr lang="ja-JP" altLang="en-US" sz="3000" dirty="0" smtClean="0"/>
-              <a:t>週間ぐらいの時</a:t>
-            </a:r>
-            <a:r>
-              <a:rPr lang="ja-JP" altLang="en-US" sz="3000" dirty="0" smtClean="0"/>
-              <a:t>。</a:t>
+              <a:t>週間ぐらいの時。</a:t>
             </a:r>
             <a:endParaRPr lang="en-US" altLang="ja-JP" sz="3000" dirty="0" smtClean="0"/>
           </a:p>
@@ -6662,11 +6266,7 @@
             </a:r>
             <a:r>
               <a:rPr lang="ja-JP" altLang="en-US" sz="3000" dirty="0" smtClean="0"/>
-              <a:t>くらいには終わらせてみせますよ！</a:t>
-            </a:r>
-            <a:r>
-              <a:rPr lang="ja-JP" altLang="en-US" sz="3000" dirty="0" smtClean="0"/>
-              <a:t>」</a:t>
+              <a:t>くらいには終わらせてみせますよ！」</a:t>
             </a:r>
             <a:endParaRPr lang="en-US" altLang="ja-JP" sz="3000" dirty="0" smtClean="0"/>
           </a:p>
@@ -6676,11 +6276,7 @@
             </a:pPr>
             <a:r>
               <a:rPr lang="ja-JP" altLang="en-US" sz="3000" dirty="0" smtClean="0"/>
-              <a:t>実際</a:t>
-            </a:r>
-            <a:r>
-              <a:rPr lang="ja-JP" altLang="en-US" sz="3000" dirty="0" smtClean="0"/>
-              <a:t>終わったのは</a:t>
+              <a:t>実際終わったのは</a:t>
             </a:r>
             <a:r>
               <a:rPr lang="en-US" altLang="ja-JP" sz="3000" b="1" dirty="0" smtClean="0">
@@ -6708,90 +6304,46 @@
       </p:sp>
       <p:sp>
         <p:nvSpPr>
-          <p:cNvPr id="7" name="正方形/長方形 6"/>
-          <p:cNvSpPr/>
+          <p:cNvPr id="11" name="テキスト ボックス 10"/>
+          <p:cNvSpPr txBox="1"/>
           <p:nvPr/>
         </p:nvSpPr>
         <p:spPr>
           <a:xfrm>
-            <a:off x="0" y="1059582"/>
-            <a:ext cx="3563888" cy="72008"/>
+            <a:off x="1475656" y="3147814"/>
+            <a:ext cx="6408712" cy="1569660"/>
           </a:xfrm>
           <a:prstGeom prst="rect">
             <a:avLst/>
           </a:prstGeom>
-          <a:solidFill>
-            <a:schemeClr val="accent1">
-              <a:lumMod val="75000"/>
-            </a:schemeClr>
-          </a:solidFill>
-          <a:ln>
-            <a:noFill/>
-          </a:ln>
-        </p:spPr>
-        <p:style>
-          <a:lnRef idx="2">
-            <a:schemeClr val="accent1">
-              <a:shade val="50000"/>
-            </a:schemeClr>
-          </a:lnRef>
-          <a:fillRef idx="1">
-            <a:schemeClr val="accent1"/>
-          </a:fillRef>
-          <a:effectRef idx="0">
-            <a:schemeClr val="accent1"/>
-          </a:effectRef>
-          <a:fontRef idx="minor">
-            <a:schemeClr val="lt1"/>
-          </a:fontRef>
-        </p:style>
-        <p:txBody>
-          <a:bodyPr rtlCol="0" anchor="ctr"/>
-          <a:lstStyle/>
-          <a:p>
-            <a:pPr algn="ctr"/>
-            <a:endParaRPr kumimoji="1" lang="ja-JP" altLang="en-US"/>
-          </a:p>
-        </p:txBody>
-      </p:sp>
-      <p:sp>
-        <p:nvSpPr>
-          <p:cNvPr id="8" name="タイトル 1"/>
-          <p:cNvSpPr>
-            <a:spLocks noGrp="1"/>
-          </p:cNvSpPr>
-          <p:nvPr>
-            <p:ph type="title"/>
-          </p:nvPr>
-        </p:nvSpPr>
-        <p:spPr>
-          <a:xfrm>
-            <a:off x="179512" y="555525"/>
-            <a:ext cx="3384376" cy="507703"/>
-          </a:xfrm>
-        </p:spPr>
-        <p:txBody>
-          <a:bodyPr>
-            <a:noAutofit/>
+          <a:noFill/>
+        </p:spPr>
+        <p:txBody>
+          <a:bodyPr wrap="square" rtlCol="0">
+            <a:spAutoFit/>
           </a:bodyPr>
           <a:lstStyle/>
           <a:p>
-            <a:pPr algn="l"/>
-            <a:r>
-              <a:rPr lang="en-US" altLang="ja-JP" sz="2800" dirty="0" smtClean="0"/>
-              <a:t>1.</a:t>
-            </a:r>
-            <a:r>
-              <a:rPr lang="ja-JP" altLang="en-US" sz="2800" dirty="0" smtClean="0"/>
-              <a:t>入社からこれまで</a:t>
-            </a:r>
-            <a:endParaRPr kumimoji="1" lang="ja-JP" altLang="en-US" sz="2800" dirty="0"/>
-          </a:p>
-        </p:txBody>
-      </p:sp>
-      <p:sp>
-        <p:nvSpPr>
-          <p:cNvPr id="9" name="タイトル 1"/>
+            <a:pPr algn="ctr"/>
+            <a:r>
+              <a:rPr kumimoji="1" lang="ja-JP" altLang="en-US" sz="9600" b="1" dirty="0" smtClean="0">
+                <a:solidFill>
+                  <a:srgbClr val="FF0000"/>
+                </a:solidFill>
+              </a:rPr>
+              <a:t>報連相</a:t>
+            </a:r>
+            <a:endParaRPr kumimoji="1" lang="ja-JP" altLang="en-US" sz="9600" b="1" dirty="0">
+              <a:solidFill>
+                <a:srgbClr val="FF0000"/>
+              </a:solidFill>
+            </a:endParaRPr>
+          </a:p>
+        </p:txBody>
+      </p:sp>
+      <p:sp>
+        <p:nvSpPr>
+          <p:cNvPr id="17" name="タイトル 1"/>
           <p:cNvSpPr txBox="1">
             <a:spLocks/>
           </p:cNvSpPr>
@@ -6799,8 +6351,8 @@
         </p:nvSpPr>
         <p:spPr>
           <a:xfrm>
-            <a:off x="5724128" y="555526"/>
-            <a:ext cx="3312368" cy="507703"/>
+            <a:off x="5713784" y="-24185"/>
+            <a:ext cx="3322712" cy="507703"/>
           </a:xfrm>
           <a:prstGeom prst="rect">
             <a:avLst/>
@@ -6812,21 +6364,10 @@
           </a:bodyPr>
           <a:lstStyle/>
           <a:p>
-            <a:pPr marL="0" marR="0" lvl="0" indent="0" algn="l" defTabSz="914400" rtl="0" eaLnBrk="1" fontAlgn="auto" latinLnBrk="0" hangingPunct="1">
-              <a:lnSpc>
-                <a:spcPct val="100000"/>
-              </a:lnSpc>
+            <a:pPr lvl="0">
               <a:spcBef>
                 <a:spcPct val="0"/>
               </a:spcBef>
-              <a:spcAft>
-                <a:spcPts val="0"/>
-              </a:spcAft>
-              <a:buClrTx/>
-              <a:buSzTx/>
-              <a:buFontTx/>
-              <a:buNone/>
-              <a:tabLst/>
               <a:defRPr/>
             </a:pPr>
             <a:r>
@@ -6835,7 +6376,7 @@
                   <a:noFill/>
                 </a:ln>
                 <a:solidFill>
-                  <a:schemeClr val="tx1"/>
+                  <a:schemeClr val="bg1"/>
                 </a:solidFill>
                 <a:effectLst/>
                 <a:uLnTx/>
@@ -6844,40 +6385,23 @@
                 <a:ea typeface="+mj-ea"/>
                 <a:cs typeface="+mj-cs"/>
               </a:rPr>
-              <a:t>LS4 </a:t>
-            </a:r>
-            <a:r>
-              <a:rPr lang="en-US" altLang="ja-JP" sz="2800" dirty="0" smtClean="0">
-                <a:latin typeface="+mj-lt"/>
-                <a:ea typeface="+mj-ea"/>
-                <a:cs typeface="+mj-cs"/>
+              <a:t>LS4(</a:t>
+            </a:r>
+            <a:r>
+              <a:rPr lang="en-US" altLang="ja-JP" sz="2800" dirty="0" err="1" smtClean="0">
+                <a:solidFill>
+                  <a:schemeClr val="bg1"/>
+                </a:solidFill>
               </a:rPr>
-              <a:t>(</a:t>
-            </a:r>
-            <a:r>
-              <a:rPr kumimoji="1" lang="en-US" altLang="ja-JP" sz="2800" b="0" i="0" u="none" strike="noStrike" kern="1200" cap="none" spc="0" normalizeH="0" noProof="0" dirty="0" err="1" smtClean="0">
+              <a:t>UnityConsole</a:t>
+            </a:r>
+            <a:r>
+              <a:rPr kumimoji="1" lang="en-US" altLang="ja-JP" sz="2800" b="0" i="0" u="none" strike="noStrike" kern="1200" cap="none" spc="0" normalizeH="0" baseline="0" noProof="0" dirty="0" smtClean="0">
                 <a:ln>
                   <a:noFill/>
                 </a:ln>
                 <a:solidFill>
-                  <a:schemeClr val="tx1"/>
-                </a:solidFill>
-                <a:effectLst/>
-                <a:uLnTx/>
-                <a:uFillTx/>
-                <a:latin typeface="+mj-lt"/>
-                <a:ea typeface="+mj-ea"/>
-                <a:cs typeface="+mj-cs"/>
-              </a:rPr>
-              <a:t>UnityConsole</a:t>
-            </a:r>
-            <a:r>
-              <a:rPr kumimoji="1" lang="en-US" altLang="ja-JP" sz="2800" b="0" i="0" u="none" strike="noStrike" kern="1200" cap="none" spc="0" normalizeH="0" noProof="0" dirty="0" smtClean="0">
-                <a:ln>
-                  <a:noFill/>
-                </a:ln>
-                <a:solidFill>
-                  <a:schemeClr val="tx1"/>
+                  <a:schemeClr val="bg1"/>
                 </a:solidFill>
                 <a:effectLst/>
                 <a:uLnTx/>
@@ -6893,7 +6417,7 @@
                 <a:noFill/>
               </a:ln>
               <a:solidFill>
-                <a:schemeClr val="tx1"/>
+                <a:schemeClr val="bg1"/>
               </a:solidFill>
               <a:effectLst/>
               <a:uLnTx/>
@@ -6907,98 +6431,60 @@
       </p:sp>
       <p:sp>
         <p:nvSpPr>
-          <p:cNvPr id="10" name="正方形/長方形 9"/>
-          <p:cNvSpPr/>
-          <p:nvPr/>
-        </p:nvSpPr>
-        <p:spPr>
-          <a:xfrm>
-            <a:off x="5616624" y="1059583"/>
-            <a:ext cx="3527376" cy="72007"/>
-          </a:xfrm>
-          <a:prstGeom prst="rect">
-            <a:avLst/>
-          </a:prstGeom>
-          <a:solidFill>
-            <a:srgbClr val="FFC000"/>
-          </a:solidFill>
-          <a:ln>
-            <a:noFill/>
-          </a:ln>
-        </p:spPr>
-        <p:style>
-          <a:lnRef idx="2">
-            <a:schemeClr val="accent1">
-              <a:shade val="50000"/>
-            </a:schemeClr>
-          </a:lnRef>
-          <a:fillRef idx="1">
-            <a:schemeClr val="accent1"/>
-          </a:fillRef>
-          <a:effectRef idx="0">
-            <a:schemeClr val="accent1"/>
-          </a:effectRef>
-          <a:fontRef idx="minor">
-            <a:schemeClr val="lt1"/>
-          </a:fontRef>
-        </p:style>
-        <p:txBody>
-          <a:bodyPr rtlCol="0" anchor="ctr"/>
+          <p:cNvPr id="18" name="タイトル 1"/>
+          <p:cNvSpPr>
+            <a:spLocks noGrp="1"/>
+          </p:cNvSpPr>
+          <p:nvPr>
+            <p:ph type="title"/>
+          </p:nvPr>
+        </p:nvSpPr>
+        <p:spPr>
+          <a:xfrm>
+            <a:off x="179512" y="-20538"/>
+            <a:ext cx="3528392" cy="507703"/>
+          </a:xfrm>
+        </p:spPr>
+        <p:txBody>
+          <a:bodyPr>
+            <a:noAutofit/>
+          </a:bodyPr>
           <a:lstStyle/>
           <a:p>
-            <a:pPr algn="ctr"/>
-            <a:endParaRPr kumimoji="1" lang="ja-JP" altLang="en-US"/>
-          </a:p>
-        </p:txBody>
-      </p:sp>
-      <p:sp>
-        <p:nvSpPr>
-          <p:cNvPr id="11" name="テキスト ボックス 10"/>
+            <a:pPr algn="l"/>
+            <a:r>
+              <a:rPr lang="en-US" altLang="ja-JP" sz="2800" dirty="0" smtClean="0">
+                <a:solidFill>
+                  <a:schemeClr val="bg1"/>
+                </a:solidFill>
+              </a:rPr>
+              <a:t>1.</a:t>
+            </a:r>
+            <a:r>
+              <a:rPr lang="ja-JP" altLang="en-US" sz="2800" dirty="0" smtClean="0">
+                <a:solidFill>
+                  <a:schemeClr val="bg1"/>
+                </a:solidFill>
+              </a:rPr>
+              <a:t>入社からこれまで</a:t>
+            </a:r>
+            <a:endParaRPr kumimoji="1" lang="ja-JP" altLang="en-US" sz="2800" dirty="0">
+              <a:solidFill>
+                <a:schemeClr val="bg1"/>
+              </a:solidFill>
+            </a:endParaRPr>
+          </a:p>
+        </p:txBody>
+      </p:sp>
+      <p:sp>
+        <p:nvSpPr>
+          <p:cNvPr id="19" name="テキスト ボックス 18"/>
           <p:cNvSpPr txBox="1"/>
           <p:nvPr/>
         </p:nvSpPr>
         <p:spPr>
           <a:xfrm>
-            <a:off x="1475656" y="3363838"/>
-            <a:ext cx="6408712" cy="1569660"/>
-          </a:xfrm>
-          <a:prstGeom prst="rect">
-            <a:avLst/>
-          </a:prstGeom>
-          <a:noFill/>
-        </p:spPr>
-        <p:txBody>
-          <a:bodyPr wrap="square" rtlCol="0">
-            <a:spAutoFit/>
-          </a:bodyPr>
-          <a:lstStyle/>
-          <a:p>
-            <a:pPr algn="ctr"/>
-            <a:r>
-              <a:rPr kumimoji="1" lang="ja-JP" altLang="en-US" sz="9600" b="1" dirty="0" smtClean="0">
-                <a:solidFill>
-                  <a:srgbClr val="FF0000"/>
-                </a:solidFill>
-              </a:rPr>
-              <a:t>報連相</a:t>
-            </a:r>
-            <a:endParaRPr kumimoji="1" lang="ja-JP" altLang="en-US" sz="9600" b="1" dirty="0">
-              <a:solidFill>
-                <a:srgbClr val="FF0000"/>
-              </a:solidFill>
-            </a:endParaRPr>
-          </a:p>
-        </p:txBody>
-      </p:sp>
-      <p:sp>
-        <p:nvSpPr>
-          <p:cNvPr id="13" name="テキスト ボックス 12"/>
-          <p:cNvSpPr txBox="1"/>
-          <p:nvPr/>
-        </p:nvSpPr>
-        <p:spPr>
-          <a:xfrm>
-            <a:off x="2051720" y="987574"/>
+            <a:off x="1943708" y="699542"/>
             <a:ext cx="5256584" cy="1015663"/>
           </a:xfrm>
           <a:prstGeom prst="rect">
@@ -7304,7 +6790,7 @@
 </p:sld>
 </file>
 
-<file path=ppt/slides/slide14.xml><?xml version="1.0" encoding="utf-8"?>
+<file path=ppt/slides/slide16.xml><?xml version="1.0" encoding="utf-8"?>
 <p:sld xmlns:a="http://schemas.openxmlformats.org/drawingml/2006/main" xmlns:r="http://schemas.openxmlformats.org/officeDocument/2006/relationships" xmlns:p="http://schemas.openxmlformats.org/presentationml/2006/main">
   <p:cSld>
     <p:spTree>
@@ -7321,113 +6807,6 @@
           <a:chExt cx="0" cy="0"/>
         </a:xfrm>
       </p:grpSpPr>
-      <p:sp>
-        <p:nvSpPr>
-          <p:cNvPr id="2" name="タイトル 1"/>
-          <p:cNvSpPr>
-            <a:spLocks noGrp="1"/>
-          </p:cNvSpPr>
-          <p:nvPr>
-            <p:ph type="title"/>
-          </p:nvPr>
-        </p:nvSpPr>
-        <p:spPr>
-          <a:xfrm>
-            <a:off x="179512" y="555525"/>
-            <a:ext cx="3384376" cy="507703"/>
-          </a:xfrm>
-        </p:spPr>
-        <p:txBody>
-          <a:bodyPr>
-            <a:noAutofit/>
-          </a:bodyPr>
-          <a:lstStyle/>
-          <a:p>
-            <a:pPr algn="l"/>
-            <a:r>
-              <a:rPr lang="en-US" altLang="ja-JP" sz="2800" dirty="0" smtClean="0"/>
-              <a:t>1.</a:t>
-            </a:r>
-            <a:r>
-              <a:rPr lang="ja-JP" altLang="en-US" sz="2800" dirty="0" smtClean="0"/>
-              <a:t>入社からこれまで</a:t>
-            </a:r>
-            <a:endParaRPr kumimoji="1" lang="ja-JP" altLang="en-US" sz="2800" dirty="0"/>
-          </a:p>
-        </p:txBody>
-      </p:sp>
-      <p:sp>
-        <p:nvSpPr>
-          <p:cNvPr id="4" name="日付プレースホルダ 3"/>
-          <p:cNvSpPr>
-            <a:spLocks noGrp="1"/>
-          </p:cNvSpPr>
-          <p:nvPr>
-            <p:ph type="dt" sz="half" idx="10"/>
-          </p:nvPr>
-        </p:nvSpPr>
-        <p:spPr/>
-        <p:txBody>
-          <a:bodyPr/>
-          <a:lstStyle/>
-          <a:p>
-            <a:fld id="{FC7AB2BD-E9B7-45BF-89F9-A3C60FAD2BB8}" type="datetime2">
-              <a:rPr lang="en-US" altLang="ja-JP" smtClean="0"/>
-              <a:pPr/>
-              <a:t>Wednesday, October 01, 2014</a:t>
-            </a:fld>
-            <a:endParaRPr lang="ja-JP" altLang="en-US" dirty="0"/>
-          </a:p>
-        </p:txBody>
-      </p:sp>
-      <p:sp>
-        <p:nvSpPr>
-          <p:cNvPr id="5" name="正方形/長方形 4"/>
-          <p:cNvSpPr/>
-          <p:nvPr/>
-        </p:nvSpPr>
-        <p:spPr>
-          <a:xfrm>
-            <a:off x="0" y="1059582"/>
-            <a:ext cx="3563888" cy="72008"/>
-          </a:xfrm>
-          <a:prstGeom prst="rect">
-            <a:avLst/>
-          </a:prstGeom>
-          <a:solidFill>
-            <a:schemeClr val="accent1">
-              <a:lumMod val="75000"/>
-            </a:schemeClr>
-          </a:solidFill>
-          <a:ln>
-            <a:noFill/>
-          </a:ln>
-        </p:spPr>
-        <p:style>
-          <a:lnRef idx="2">
-            <a:schemeClr val="accent1">
-              <a:shade val="50000"/>
-            </a:schemeClr>
-          </a:lnRef>
-          <a:fillRef idx="1">
-            <a:schemeClr val="accent1"/>
-          </a:fillRef>
-          <a:effectRef idx="0">
-            <a:schemeClr val="accent1"/>
-          </a:effectRef>
-          <a:fontRef idx="minor">
-            <a:schemeClr val="lt1"/>
-          </a:fontRef>
-        </p:style>
-        <p:txBody>
-          <a:bodyPr rtlCol="0" anchor="ctr"/>
-          <a:lstStyle/>
-          <a:p>
-            <a:pPr algn="ctr"/>
-            <a:endParaRPr kumimoji="1" lang="ja-JP" altLang="en-US"/>
-          </a:p>
-        </p:txBody>
-      </p:sp>
       <p:pic>
         <p:nvPicPr>
           <p:cNvPr id="7" name="図 6" descr="screen_02tcm2149947.jpg"/>
@@ -7444,7 +6823,7 @@
         </p:blipFill>
         <p:spPr>
           <a:xfrm>
-            <a:off x="683568" y="1995686"/>
+            <a:off x="683568" y="1491630"/>
             <a:ext cx="4313087" cy="2424797"/>
           </a:xfrm>
           <a:prstGeom prst="rect">
@@ -7497,7 +6876,7 @@
         </p:blipFill>
         <p:spPr>
           <a:xfrm>
-            <a:off x="4572000" y="1635646"/>
+            <a:off x="4572000" y="1131590"/>
             <a:ext cx="4227547" cy="2378217"/>
           </a:xfrm>
           <a:prstGeom prst="rect">
@@ -7534,186 +6913,70 @@
           </a:sp3d>
         </p:spPr>
       </p:pic>
-      <p:grpSp>
-        <p:nvGrpSpPr>
-          <p:cNvPr id="9" name="グループ化 8"/>
-          <p:cNvGrpSpPr/>
+      <p:sp>
+        <p:nvSpPr>
+          <p:cNvPr id="12" name="タイトル 1"/>
+          <p:cNvSpPr txBox="1">
+            <a:spLocks/>
+          </p:cNvSpPr>
           <p:nvPr/>
-        </p:nvGrpSpPr>
-        <p:grpSpPr>
-          <a:xfrm>
-            <a:off x="5364088" y="555526"/>
-            <a:ext cx="3779912" cy="576065"/>
-            <a:chOff x="5364088" y="555526"/>
-            <a:chExt cx="3779912" cy="576065"/>
-          </a:xfrm>
-        </p:grpSpPr>
-        <p:sp>
-          <p:nvSpPr>
-            <p:cNvPr id="11" name="タイトル 1"/>
-            <p:cNvSpPr txBox="1">
-              <a:spLocks/>
-            </p:cNvSpPr>
-            <p:nvPr/>
-          </p:nvSpPr>
-          <p:spPr>
-            <a:xfrm>
-              <a:off x="5364088" y="555526"/>
-              <a:ext cx="3779912" cy="507703"/>
-            </a:xfrm>
-            <a:prstGeom prst="rect">
-              <a:avLst/>
-            </a:prstGeom>
-          </p:spPr>
-          <p:txBody>
-            <a:bodyPr vert="horz" lIns="91440" tIns="45720" rIns="91440" bIns="45720" rtlCol="0" anchor="ctr">
-              <a:noAutofit/>
-            </a:bodyPr>
-            <a:lstStyle/>
-            <a:p>
-              <a:pPr lvl="0">
-                <a:spcBef>
-                  <a:spcPct val="0"/>
-                </a:spcBef>
-                <a:defRPr/>
-              </a:pPr>
-              <a:r>
-                <a:rPr lang="en-US" altLang="ja-JP" sz="2800" dirty="0" smtClean="0"/>
-                <a:t>LS4(</a:t>
-              </a:r>
-              <a:r>
-                <a:rPr kumimoji="1" lang="en-US" altLang="ja-JP" sz="2800" b="0" i="0" u="none" strike="noStrike" kern="1200" cap="none" spc="0" normalizeH="0" baseline="0" noProof="0" dirty="0" err="1" smtClean="0">
-                  <a:ln>
-                    <a:noFill/>
-                  </a:ln>
-                  <a:solidFill>
-                    <a:schemeClr val="tx1"/>
-                  </a:solidFill>
-                  <a:effectLst/>
-                  <a:uLnTx/>
-                  <a:uFillTx/>
-                  <a:latin typeface="+mj-lt"/>
-                  <a:ea typeface="+mj-ea"/>
-                  <a:cs typeface="+mj-cs"/>
-                </a:rPr>
-                <a:t>UbiArtFramework</a:t>
-              </a:r>
-              <a:r>
-                <a:rPr kumimoji="1" lang="en-US" altLang="ja-JP" sz="2800" b="0" i="0" u="none" strike="noStrike" kern="1200" cap="none" spc="0" normalizeH="0" baseline="0" noProof="0" dirty="0" smtClean="0">
-                  <a:ln>
-                    <a:noFill/>
-                  </a:ln>
-                  <a:solidFill>
-                    <a:schemeClr val="tx1"/>
-                  </a:solidFill>
-                  <a:effectLst/>
-                  <a:uLnTx/>
-                  <a:uFillTx/>
-                  <a:latin typeface="+mj-lt"/>
-                  <a:ea typeface="+mj-ea"/>
-                  <a:cs typeface="+mj-cs"/>
-                </a:rPr>
-                <a:t>)</a:t>
-              </a:r>
-              <a:endParaRPr kumimoji="1" lang="ja-JP" altLang="en-US" sz="2800" b="0" i="0" u="none" strike="noStrike" kern="1200" cap="none" spc="0" normalizeH="0" baseline="0" noProof="0" dirty="0">
-                <a:ln>
-                  <a:noFill/>
-                </a:ln>
+        </p:nvSpPr>
+        <p:spPr>
+          <a:xfrm>
+            <a:off x="5148064" y="-20538"/>
+            <a:ext cx="4104456" cy="507703"/>
+          </a:xfrm>
+          <a:prstGeom prst="rect">
+            <a:avLst/>
+          </a:prstGeom>
+        </p:spPr>
+        <p:txBody>
+          <a:bodyPr vert="horz" lIns="91440" tIns="45720" rIns="91440" bIns="45720" rtlCol="0" anchor="ctr">
+            <a:noAutofit/>
+          </a:bodyPr>
+          <a:lstStyle/>
+          <a:p>
+            <a:pPr lvl="0">
+              <a:spcBef>
+                <a:spcPct val="0"/>
+              </a:spcBef>
+              <a:defRPr/>
+            </a:pPr>
+            <a:r>
+              <a:rPr lang="en-US" altLang="ja-JP" sz="2800" dirty="0" smtClean="0">
                 <a:solidFill>
-                  <a:schemeClr val="tx1"/>
+                  <a:schemeClr val="bg1"/>
                 </a:solidFill>
-                <a:effectLst/>
-                <a:uLnTx/>
-                <a:uFillTx/>
-                <a:latin typeface="+mj-lt"/>
-                <a:ea typeface="+mj-ea"/>
-                <a:cs typeface="+mj-cs"/>
-              </a:endParaRPr>
-            </a:p>
-          </p:txBody>
-        </p:sp>
-        <p:sp>
-          <p:nvSpPr>
-            <p:cNvPr id="13" name="正方形/長方形 12"/>
-            <p:cNvSpPr/>
-            <p:nvPr/>
-          </p:nvSpPr>
-          <p:spPr>
-            <a:xfrm>
-              <a:off x="5436096" y="1059583"/>
-              <a:ext cx="3707904" cy="72008"/>
-            </a:xfrm>
-            <a:prstGeom prst="rect">
-              <a:avLst/>
-            </a:prstGeom>
-            <a:solidFill>
-              <a:srgbClr val="FFC000"/>
-            </a:solidFill>
-            <a:ln>
-              <a:noFill/>
-            </a:ln>
-          </p:spPr>
-          <p:style>
-            <a:lnRef idx="2">
-              <a:schemeClr val="accent1">
-                <a:shade val="50000"/>
-              </a:schemeClr>
-            </a:lnRef>
-            <a:fillRef idx="1">
-              <a:schemeClr val="accent1"/>
-            </a:fillRef>
-            <a:effectRef idx="0">
-              <a:schemeClr val="accent1"/>
-            </a:effectRef>
-            <a:fontRef idx="minor">
-              <a:schemeClr val="lt1"/>
-            </a:fontRef>
-          </p:style>
-          <p:txBody>
-            <a:bodyPr rtlCol="0" anchor="ctr"/>
-            <a:lstStyle/>
-            <a:p>
-              <a:pPr algn="ctr"/>
-              <a:endParaRPr kumimoji="1" lang="ja-JP" altLang="en-US"/>
-            </a:p>
-          </p:txBody>
-        </p:sp>
-      </p:grpSp>
-    </p:spTree>
-  </p:cSld>
-  <p:clrMapOvr>
-    <a:masterClrMapping/>
-  </p:clrMapOvr>
-  <p:timing>
-    <p:tnLst>
-      <p:par>
-        <p:cTn id="1" dur="indefinite" restart="never" nodeType="tmRoot"/>
-      </p:par>
-    </p:tnLst>
-  </p:timing>
-</p:sld>
-</file>
-
-<file path=ppt/slides/slide15.xml><?xml version="1.0" encoding="utf-8"?>
-<p:sld xmlns:a="http://schemas.openxmlformats.org/drawingml/2006/main" xmlns:r="http://schemas.openxmlformats.org/officeDocument/2006/relationships" xmlns:p="http://schemas.openxmlformats.org/presentationml/2006/main">
-  <p:cSld>
-    <p:spTree>
-      <p:nvGrpSpPr>
-        <p:cNvPr id="1" name=""/>
-        <p:cNvGrpSpPr/>
-        <p:nvPr/>
-      </p:nvGrpSpPr>
-      <p:grpSpPr>
-        <a:xfrm>
-          <a:off x="0" y="0"/>
-          <a:ext cx="0" cy="0"/>
-          <a:chOff x="0" y="0"/>
-          <a:chExt cx="0" cy="0"/>
-        </a:xfrm>
-      </p:grpSpPr>
-      <p:sp>
-        <p:nvSpPr>
-          <p:cNvPr id="2" name="タイトル 1"/>
+              </a:rPr>
+              <a:t>LS4(</a:t>
+            </a:r>
+            <a:r>
+              <a:rPr lang="en-US" altLang="ja-JP" sz="2800" dirty="0" err="1" smtClean="0">
+                <a:solidFill>
+                  <a:schemeClr val="bg1"/>
+                </a:solidFill>
+              </a:rPr>
+              <a:t>UbiArtFramework</a:t>
+            </a:r>
+            <a:r>
+              <a:rPr lang="en-US" altLang="ja-JP" sz="2800" dirty="0" smtClean="0">
+                <a:solidFill>
+                  <a:schemeClr val="bg1"/>
+                </a:solidFill>
+              </a:rPr>
+              <a:t>)</a:t>
+            </a:r>
+            <a:endParaRPr lang="ja-JP" altLang="en-US" sz="2800" dirty="0">
+              <a:solidFill>
+                <a:schemeClr val="bg1"/>
+              </a:solidFill>
+            </a:endParaRPr>
+          </a:p>
+        </p:txBody>
+      </p:sp>
+      <p:sp>
+        <p:nvSpPr>
+          <p:cNvPr id="15" name="タイトル 1"/>
           <p:cNvSpPr>
             <a:spLocks noGrp="1"/>
           </p:cNvSpPr>
@@ -7723,8 +6986,8 @@
         </p:nvSpPr>
         <p:spPr>
           <a:xfrm>
-            <a:off x="179512" y="555525"/>
-            <a:ext cx="3384376" cy="507703"/>
+            <a:off x="179512" y="-20538"/>
+            <a:ext cx="3528392" cy="507703"/>
           </a:xfrm>
         </p:spPr>
         <p:txBody>
@@ -7735,710 +6998,29 @@
           <a:p>
             <a:pPr algn="l"/>
             <a:r>
-              <a:rPr lang="en-US" altLang="ja-JP" sz="2800" dirty="0" smtClean="0"/>
+              <a:rPr lang="en-US" altLang="ja-JP" sz="2800" dirty="0" smtClean="0">
+                <a:solidFill>
+                  <a:schemeClr val="bg1"/>
+                </a:solidFill>
+              </a:rPr>
               <a:t>1.</a:t>
             </a:r>
             <a:r>
-              <a:rPr lang="ja-JP" altLang="en-US" sz="2800" dirty="0" smtClean="0"/>
+              <a:rPr lang="ja-JP" altLang="en-US" sz="2800" dirty="0" smtClean="0">
+                <a:solidFill>
+                  <a:schemeClr val="bg1"/>
+                </a:solidFill>
+              </a:rPr>
               <a:t>入社からこれまで</a:t>
             </a:r>
-            <a:endParaRPr kumimoji="1" lang="ja-JP" altLang="en-US" sz="2800" dirty="0"/>
-          </a:p>
-        </p:txBody>
-      </p:sp>
-      <p:sp>
-        <p:nvSpPr>
-          <p:cNvPr id="4" name="日付プレースホルダ 3"/>
-          <p:cNvSpPr>
-            <a:spLocks noGrp="1"/>
-          </p:cNvSpPr>
-          <p:nvPr>
-            <p:ph type="dt" sz="half" idx="10"/>
-          </p:nvPr>
-        </p:nvSpPr>
-        <p:spPr/>
-        <p:txBody>
-          <a:bodyPr/>
-          <a:lstStyle/>
-          <a:p>
-            <a:fld id="{FC7AB2BD-E9B7-45BF-89F9-A3C60FAD2BB8}" type="datetime2">
-              <a:rPr lang="en-US" altLang="ja-JP" smtClean="0"/>
-              <a:pPr/>
-              <a:t>Wednesday, October 01, 2014</a:t>
-            </a:fld>
-            <a:endParaRPr lang="ja-JP" altLang="en-US" dirty="0"/>
-          </a:p>
-        </p:txBody>
-      </p:sp>
-      <p:sp>
-        <p:nvSpPr>
-          <p:cNvPr id="5" name="正方形/長方形 4"/>
-          <p:cNvSpPr/>
-          <p:nvPr/>
-        </p:nvSpPr>
-        <p:spPr>
-          <a:xfrm>
-            <a:off x="0" y="1059582"/>
-            <a:ext cx="3563888" cy="72008"/>
-          </a:xfrm>
-          <a:prstGeom prst="rect">
-            <a:avLst/>
-          </a:prstGeom>
-          <a:solidFill>
-            <a:schemeClr val="accent1">
-              <a:lumMod val="75000"/>
-            </a:schemeClr>
-          </a:solidFill>
-          <a:ln>
-            <a:noFill/>
-          </a:ln>
-        </p:spPr>
-        <p:style>
-          <a:lnRef idx="2">
-            <a:schemeClr val="accent1">
-              <a:shade val="50000"/>
-            </a:schemeClr>
-          </a:lnRef>
-          <a:fillRef idx="1">
-            <a:schemeClr val="accent1"/>
-          </a:fillRef>
-          <a:effectRef idx="0">
-            <a:schemeClr val="accent1"/>
-          </a:effectRef>
-          <a:fontRef idx="minor">
-            <a:schemeClr val="lt1"/>
-          </a:fontRef>
-        </p:style>
-        <p:txBody>
-          <a:bodyPr rtlCol="0" anchor="ctr"/>
-          <a:lstStyle/>
-          <a:p>
-            <a:pPr algn="ctr"/>
-            <a:endParaRPr kumimoji="1" lang="ja-JP" altLang="en-US"/>
-          </a:p>
-        </p:txBody>
-      </p:sp>
-      <p:pic>
-        <p:nvPicPr>
-          <p:cNvPr id="9" name="bandicam 2014-09-30 16-25-53-704.avi">
-            <a:hlinkClick r:id="" action="ppaction://media"/>
-          </p:cNvPr>
-          <p:cNvPicPr>
-            <a:picLocks noGrp="1" noRot="1" noChangeAspect="1"/>
-          </p:cNvPicPr>
-          <p:nvPr>
-            <p:ph idx="1"/>
-            <a:videoFile r:link="rId1"/>
-          </p:nvPr>
-        </p:nvPicPr>
-        <p:blipFill>
-          <a:blip r:embed="rId3" cstate="print"/>
-          <a:stretch>
-            <a:fillRect/>
-          </a:stretch>
-        </p:blipFill>
-        <p:spPr>
-          <a:xfrm>
-            <a:off x="1691680" y="1347614"/>
-            <a:ext cx="5591944" cy="3145470"/>
-          </a:xfrm>
-          <a:prstGeom prst="rect">
-            <a:avLst/>
-          </a:prstGeom>
-        </p:spPr>
-      </p:pic>
-      <p:grpSp>
-        <p:nvGrpSpPr>
-          <p:cNvPr id="8" name="グループ化 7"/>
-          <p:cNvGrpSpPr/>
-          <p:nvPr/>
-        </p:nvGrpSpPr>
-        <p:grpSpPr>
-          <a:xfrm>
-            <a:off x="5364088" y="555526"/>
-            <a:ext cx="3779912" cy="576065"/>
-            <a:chOff x="5364088" y="555526"/>
-            <a:chExt cx="3779912" cy="576065"/>
-          </a:xfrm>
-        </p:grpSpPr>
-        <p:sp>
-          <p:nvSpPr>
-            <p:cNvPr id="10" name="タイトル 1"/>
-            <p:cNvSpPr txBox="1">
-              <a:spLocks/>
-            </p:cNvSpPr>
-            <p:nvPr/>
-          </p:nvSpPr>
-          <p:spPr>
-            <a:xfrm>
-              <a:off x="5364088" y="555526"/>
-              <a:ext cx="3779912" cy="507703"/>
-            </a:xfrm>
-            <a:prstGeom prst="rect">
-              <a:avLst/>
-            </a:prstGeom>
-          </p:spPr>
-          <p:txBody>
-            <a:bodyPr vert="horz" lIns="91440" tIns="45720" rIns="91440" bIns="45720" rtlCol="0" anchor="ctr">
-              <a:noAutofit/>
-            </a:bodyPr>
-            <a:lstStyle/>
-            <a:p>
-              <a:pPr lvl="0">
-                <a:spcBef>
-                  <a:spcPct val="0"/>
-                </a:spcBef>
-                <a:defRPr/>
-              </a:pPr>
-              <a:r>
-                <a:rPr lang="en-US" altLang="ja-JP" sz="2800" dirty="0" smtClean="0"/>
-                <a:t>LS4(</a:t>
-              </a:r>
-              <a:r>
-                <a:rPr kumimoji="1" lang="en-US" altLang="ja-JP" sz="2800" b="0" i="0" u="none" strike="noStrike" kern="1200" cap="none" spc="0" normalizeH="0" baseline="0" noProof="0" dirty="0" err="1" smtClean="0">
-                  <a:ln>
-                    <a:noFill/>
-                  </a:ln>
-                  <a:solidFill>
-                    <a:schemeClr val="tx1"/>
-                  </a:solidFill>
-                  <a:effectLst/>
-                  <a:uLnTx/>
-                  <a:uFillTx/>
-                  <a:latin typeface="+mj-lt"/>
-                  <a:ea typeface="+mj-ea"/>
-                  <a:cs typeface="+mj-cs"/>
-                </a:rPr>
-                <a:t>UbiArtFramework</a:t>
-              </a:r>
-              <a:r>
-                <a:rPr kumimoji="1" lang="en-US" altLang="ja-JP" sz="2800" b="0" i="0" u="none" strike="noStrike" kern="1200" cap="none" spc="0" normalizeH="0" baseline="0" noProof="0" dirty="0" smtClean="0">
-                  <a:ln>
-                    <a:noFill/>
-                  </a:ln>
-                  <a:solidFill>
-                    <a:schemeClr val="tx1"/>
-                  </a:solidFill>
-                  <a:effectLst/>
-                  <a:uLnTx/>
-                  <a:uFillTx/>
-                  <a:latin typeface="+mj-lt"/>
-                  <a:ea typeface="+mj-ea"/>
-                  <a:cs typeface="+mj-cs"/>
-                </a:rPr>
-                <a:t>)</a:t>
-              </a:r>
-              <a:endParaRPr kumimoji="1" lang="ja-JP" altLang="en-US" sz="2800" b="0" i="0" u="none" strike="noStrike" kern="1200" cap="none" spc="0" normalizeH="0" baseline="0" noProof="0" dirty="0">
-                <a:ln>
-                  <a:noFill/>
-                </a:ln>
-                <a:solidFill>
-                  <a:schemeClr val="tx1"/>
-                </a:solidFill>
-                <a:effectLst/>
-                <a:uLnTx/>
-                <a:uFillTx/>
-                <a:latin typeface="+mj-lt"/>
-                <a:ea typeface="+mj-ea"/>
-                <a:cs typeface="+mj-cs"/>
-              </a:endParaRPr>
-            </a:p>
-          </p:txBody>
-        </p:sp>
-        <p:sp>
-          <p:nvSpPr>
-            <p:cNvPr id="12" name="正方形/長方形 11"/>
-            <p:cNvSpPr/>
-            <p:nvPr/>
-          </p:nvSpPr>
-          <p:spPr>
-            <a:xfrm>
-              <a:off x="5436096" y="1059583"/>
-              <a:ext cx="3707904" cy="72008"/>
-            </a:xfrm>
-            <a:prstGeom prst="rect">
-              <a:avLst/>
-            </a:prstGeom>
-            <a:solidFill>
-              <a:srgbClr val="FFC000"/>
-            </a:solidFill>
-            <a:ln>
-              <a:noFill/>
-            </a:ln>
-          </p:spPr>
-          <p:style>
-            <a:lnRef idx="2">
-              <a:schemeClr val="accent1">
-                <a:shade val="50000"/>
-              </a:schemeClr>
-            </a:lnRef>
-            <a:fillRef idx="1">
-              <a:schemeClr val="accent1"/>
-            </a:fillRef>
-            <a:effectRef idx="0">
-              <a:schemeClr val="accent1"/>
-            </a:effectRef>
-            <a:fontRef idx="minor">
-              <a:schemeClr val="lt1"/>
-            </a:fontRef>
-          </p:style>
-          <p:txBody>
-            <a:bodyPr rtlCol="0" anchor="ctr"/>
-            <a:lstStyle/>
-            <a:p>
-              <a:pPr algn="ctr"/>
-              <a:endParaRPr kumimoji="1" lang="ja-JP" altLang="en-US"/>
-            </a:p>
-          </p:txBody>
-        </p:sp>
-      </p:grpSp>
-    </p:spTree>
-  </p:cSld>
-  <p:clrMapOvr>
-    <a:masterClrMapping/>
-  </p:clrMapOvr>
-  <p:timing>
-    <p:tnLst>
-      <p:par>
-        <p:cTn id="1" dur="indefinite" restart="never" nodeType="tmRoot">
-          <p:childTnLst>
-            <p:seq concurrent="1" nextAc="seek">
-              <p:cTn id="2" restart="whenNotActive" fill="hold" evtFilter="cancelBubble" nodeType="interactiveSeq">
-                <p:stCondLst>
-                  <p:cond evt="onClick" delay="0">
-                    <p:tgtEl>
-                      <p:spTgt spid="9"/>
-                    </p:tgtEl>
-                  </p:cond>
-                </p:stCondLst>
-                <p:endSync evt="end" delay="0">
-                  <p:rtn val="all"/>
-                </p:endSync>
-                <p:childTnLst>
-                  <p:par>
-                    <p:cTn id="3" fill="hold">
-                      <p:stCondLst>
-                        <p:cond delay="0"/>
-                      </p:stCondLst>
-                      <p:childTnLst>
-                        <p:par>
-                          <p:cTn id="4" fill="hold">
-                            <p:stCondLst>
-                              <p:cond delay="0"/>
-                            </p:stCondLst>
-                            <p:childTnLst>
-                              <p:par>
-                                <p:cTn id="5" presetID="2" presetClass="mediacall" presetSubtype="0" fill="hold" nodeType="clickEffect">
-                                  <p:stCondLst>
-                                    <p:cond delay="0"/>
-                                  </p:stCondLst>
-                                  <p:childTnLst>
-                                    <p:cmd type="call" cmd="togglePause">
-                                      <p:cBhvr>
-                                        <p:cTn id="6" dur="1" fill="hold"/>
-                                        <p:tgtEl>
-                                          <p:spTgt spid="9"/>
-                                        </p:tgtEl>
-                                      </p:cBhvr>
-                                    </p:cmd>
-                                  </p:childTnLst>
-                                </p:cTn>
-                              </p:par>
-                            </p:childTnLst>
-                          </p:cTn>
-                        </p:par>
-                      </p:childTnLst>
-                    </p:cTn>
-                  </p:par>
-                </p:childTnLst>
-              </p:cTn>
-              <p:nextCondLst>
-                <p:cond evt="onClick" delay="0">
-                  <p:tgtEl>
-                    <p:spTgt spid="9"/>
-                  </p:tgtEl>
-                </p:cond>
-              </p:nextCondLst>
-            </p:seq>
-            <p:video>
-              <p:cMediaNode>
-                <p:cTn id="7" fill="hold" display="0">
-                  <p:stCondLst>
-                    <p:cond delay="indefinite"/>
-                  </p:stCondLst>
-                  <p:endCondLst>
-                    <p:cond evt="onNext" delay="0">
-                      <p:tgtEl>
-                        <p:sldTgt/>
-                      </p:tgtEl>
-                    </p:cond>
-                    <p:cond evt="onPrev" delay="0">
-                      <p:tgtEl>
-                        <p:sldTgt/>
-                      </p:tgtEl>
-                    </p:cond>
-                  </p:endCondLst>
-                </p:cTn>
-                <p:tgtEl>
-                  <p:spTgt spid="9"/>
-                </p:tgtEl>
-              </p:cMediaNode>
-            </p:video>
-          </p:childTnLst>
-        </p:cTn>
-      </p:par>
-    </p:tnLst>
-  </p:timing>
-</p:sld>
-</file>
-
-<file path=ppt/slides/slide16.xml><?xml version="1.0" encoding="utf-8"?>
-<p:sld xmlns:a="http://schemas.openxmlformats.org/drawingml/2006/main" xmlns:r="http://schemas.openxmlformats.org/officeDocument/2006/relationships" xmlns:p="http://schemas.openxmlformats.org/presentationml/2006/main">
-  <p:cSld>
-    <p:spTree>
-      <p:nvGrpSpPr>
-        <p:cNvPr id="1" name=""/>
-        <p:cNvGrpSpPr/>
-        <p:nvPr/>
-      </p:nvGrpSpPr>
-      <p:grpSpPr>
-        <a:xfrm>
-          <a:off x="0" y="0"/>
-          <a:ext cx="0" cy="0"/>
-          <a:chOff x="0" y="0"/>
-          <a:chExt cx="0" cy="0"/>
-        </a:xfrm>
-      </p:grpSpPr>
-      <p:sp>
-        <p:nvSpPr>
-          <p:cNvPr id="2" name="タイトル 1"/>
-          <p:cNvSpPr>
-            <a:spLocks noGrp="1"/>
-          </p:cNvSpPr>
-          <p:nvPr>
-            <p:ph type="title"/>
-          </p:nvPr>
-        </p:nvSpPr>
-        <p:spPr>
-          <a:xfrm>
-            <a:off x="179512" y="555525"/>
-            <a:ext cx="3384376" cy="507703"/>
-          </a:xfrm>
-        </p:spPr>
-        <p:txBody>
-          <a:bodyPr>
-            <a:noAutofit/>
-          </a:bodyPr>
-          <a:lstStyle/>
-          <a:p>
-            <a:pPr algn="l"/>
-            <a:r>
-              <a:rPr lang="en-US" altLang="ja-JP" sz="2800" dirty="0" smtClean="0"/>
-              <a:t>1.</a:t>
-            </a:r>
-            <a:r>
-              <a:rPr lang="ja-JP" altLang="en-US" sz="2800" dirty="0" smtClean="0"/>
-              <a:t>入社からこれまで</a:t>
-            </a:r>
-            <a:endParaRPr kumimoji="1" lang="ja-JP" altLang="en-US" sz="2800" dirty="0"/>
-          </a:p>
-        </p:txBody>
-      </p:sp>
-      <p:sp>
-        <p:nvSpPr>
-          <p:cNvPr id="4" name="日付プレースホルダ 3"/>
-          <p:cNvSpPr>
-            <a:spLocks noGrp="1"/>
-          </p:cNvSpPr>
-          <p:nvPr>
-            <p:ph type="dt" sz="half" idx="10"/>
-          </p:nvPr>
-        </p:nvSpPr>
-        <p:spPr/>
-        <p:txBody>
-          <a:bodyPr/>
-          <a:lstStyle/>
-          <a:p>
-            <a:fld id="{FC7AB2BD-E9B7-45BF-89F9-A3C60FAD2BB8}" type="datetime2">
-              <a:rPr lang="en-US" altLang="ja-JP" smtClean="0"/>
-              <a:pPr/>
-              <a:t>Wednesday, October 01, 2014</a:t>
-            </a:fld>
-            <a:endParaRPr lang="ja-JP" altLang="en-US" dirty="0"/>
-          </a:p>
-        </p:txBody>
-      </p:sp>
-      <p:sp>
-        <p:nvSpPr>
-          <p:cNvPr id="5" name="正方形/長方形 4"/>
-          <p:cNvSpPr/>
-          <p:nvPr/>
-        </p:nvSpPr>
-        <p:spPr>
-          <a:xfrm>
-            <a:off x="0" y="1059582"/>
-            <a:ext cx="3563888" cy="72008"/>
-          </a:xfrm>
-          <a:prstGeom prst="rect">
-            <a:avLst/>
-          </a:prstGeom>
-          <a:solidFill>
-            <a:schemeClr val="accent1">
-              <a:lumMod val="75000"/>
-            </a:schemeClr>
-          </a:solidFill>
-          <a:ln>
-            <a:noFill/>
-          </a:ln>
-        </p:spPr>
-        <p:style>
-          <a:lnRef idx="2">
-            <a:schemeClr val="accent1">
-              <a:shade val="50000"/>
-            </a:schemeClr>
-          </a:lnRef>
-          <a:fillRef idx="1">
-            <a:schemeClr val="accent1"/>
-          </a:fillRef>
-          <a:effectRef idx="0">
-            <a:schemeClr val="accent1"/>
-          </a:effectRef>
-          <a:fontRef idx="minor">
-            <a:schemeClr val="lt1"/>
-          </a:fontRef>
-        </p:style>
-        <p:txBody>
-          <a:bodyPr rtlCol="0" anchor="ctr"/>
-          <a:lstStyle/>
-          <a:p>
-            <a:pPr algn="ctr"/>
-            <a:endParaRPr kumimoji="1" lang="ja-JP" altLang="en-US"/>
-          </a:p>
-        </p:txBody>
-      </p:sp>
-      <p:sp>
-        <p:nvSpPr>
-          <p:cNvPr id="8" name="コンテンツ プレースホルダ 7"/>
-          <p:cNvSpPr>
-            <a:spLocks noGrp="1"/>
-          </p:cNvSpPr>
-          <p:nvPr>
-            <p:ph idx="1"/>
-          </p:nvPr>
-        </p:nvSpPr>
-        <p:spPr/>
-        <p:txBody>
-          <a:bodyPr/>
-          <a:lstStyle/>
-          <a:p>
-            <a:r>
-              <a:rPr lang="en-US" altLang="ja-JP" dirty="0" smtClean="0"/>
-              <a:t>Unity</a:t>
-            </a:r>
-            <a:r>
-              <a:rPr lang="ja-JP" altLang="en-US" dirty="0" smtClean="0"/>
-              <a:t>と比べて</a:t>
-            </a:r>
-            <a:r>
-              <a:rPr lang="en-US" altLang="ja-JP" dirty="0" smtClean="0"/>
-              <a:t>UAF</a:t>
-            </a:r>
-            <a:r>
-              <a:rPr lang="ja-JP" altLang="en-US" dirty="0" err="1" smtClean="0"/>
-              <a:t>で</a:t>
-            </a:r>
-            <a:r>
-              <a:rPr lang="ja-JP" altLang="en-US" dirty="0" smtClean="0"/>
-              <a:t>したいこと</a:t>
-            </a:r>
-            <a:endParaRPr lang="en-US" altLang="ja-JP" dirty="0" smtClean="0"/>
-          </a:p>
-          <a:p>
-            <a:pPr lvl="1"/>
-            <a:r>
-              <a:rPr lang="en-US" altLang="ja-JP" dirty="0" smtClean="0"/>
-              <a:t>Tool</a:t>
-            </a:r>
-            <a:r>
-              <a:rPr lang="ja-JP" altLang="en-US" dirty="0" smtClean="0"/>
-              <a:t>安全性上げる。</a:t>
-            </a:r>
-            <a:endParaRPr lang="en-US" altLang="ja-JP" dirty="0" smtClean="0"/>
-          </a:p>
-          <a:p>
-            <a:pPr lvl="1"/>
-            <a:r>
-              <a:rPr lang="ja-JP" altLang="en-US" dirty="0" smtClean="0"/>
-              <a:t>ドキュメントの</a:t>
-            </a:r>
-            <a:r>
-              <a:rPr lang="ja-JP" altLang="en-US" dirty="0" smtClean="0"/>
-              <a:t>充実させる。</a:t>
-            </a:r>
-            <a:endParaRPr lang="en-US" altLang="ja-JP" dirty="0" smtClean="0"/>
-          </a:p>
-          <a:p>
-            <a:pPr lvl="1"/>
-            <a:r>
-              <a:rPr lang="ja-JP" altLang="en-US" dirty="0" smtClean="0"/>
-              <a:t>ヒューマンエラーを減らす。</a:t>
-            </a:r>
-            <a:endParaRPr lang="en-US" altLang="ja-JP" dirty="0" smtClean="0"/>
-          </a:p>
-          <a:p>
-            <a:endParaRPr kumimoji="1" lang="en-US" altLang="ja-JP" dirty="0" smtClean="0"/>
-          </a:p>
-          <a:p>
-            <a:pPr lvl="1"/>
-            <a:endParaRPr kumimoji="1" lang="ja-JP" altLang="en-US" dirty="0"/>
-          </a:p>
-        </p:txBody>
-      </p:sp>
-      <p:grpSp>
-        <p:nvGrpSpPr>
-          <p:cNvPr id="10" name="グループ化 9"/>
-          <p:cNvGrpSpPr/>
-          <p:nvPr/>
-        </p:nvGrpSpPr>
-        <p:grpSpPr>
-          <a:xfrm>
-            <a:off x="5364088" y="555526"/>
-            <a:ext cx="3779912" cy="576065"/>
-            <a:chOff x="5364088" y="555526"/>
-            <a:chExt cx="3779912" cy="576065"/>
-          </a:xfrm>
-        </p:grpSpPr>
-        <p:sp>
-          <p:nvSpPr>
-            <p:cNvPr id="12" name="タイトル 1"/>
-            <p:cNvSpPr txBox="1">
-              <a:spLocks/>
-            </p:cNvSpPr>
-            <p:nvPr/>
-          </p:nvSpPr>
-          <p:spPr>
-            <a:xfrm>
-              <a:off x="5364088" y="555526"/>
-              <a:ext cx="3779912" cy="507703"/>
-            </a:xfrm>
-            <a:prstGeom prst="rect">
-              <a:avLst/>
-            </a:prstGeom>
-          </p:spPr>
-          <p:txBody>
-            <a:bodyPr vert="horz" lIns="91440" tIns="45720" rIns="91440" bIns="45720" rtlCol="0" anchor="ctr">
-              <a:noAutofit/>
-            </a:bodyPr>
-            <a:lstStyle/>
-            <a:p>
-              <a:pPr lvl="0">
-                <a:spcBef>
-                  <a:spcPct val="0"/>
-                </a:spcBef>
-                <a:defRPr/>
-              </a:pPr>
-              <a:r>
-                <a:rPr lang="en-US" altLang="ja-JP" sz="2800" dirty="0" smtClean="0"/>
-                <a:t>LS4(</a:t>
-              </a:r>
-              <a:r>
-                <a:rPr kumimoji="1" lang="en-US" altLang="ja-JP" sz="2800" b="0" i="0" u="none" strike="noStrike" kern="1200" cap="none" spc="0" normalizeH="0" baseline="0" noProof="0" dirty="0" err="1" smtClean="0">
-                  <a:ln>
-                    <a:noFill/>
-                  </a:ln>
-                  <a:solidFill>
-                    <a:schemeClr val="tx1"/>
-                  </a:solidFill>
-                  <a:effectLst/>
-                  <a:uLnTx/>
-                  <a:uFillTx/>
-                  <a:latin typeface="+mj-lt"/>
-                  <a:ea typeface="+mj-ea"/>
-                  <a:cs typeface="+mj-cs"/>
-                </a:rPr>
-                <a:t>UbiArtFramework</a:t>
-              </a:r>
-              <a:r>
-                <a:rPr kumimoji="1" lang="en-US" altLang="ja-JP" sz="2800" b="0" i="0" u="none" strike="noStrike" kern="1200" cap="none" spc="0" normalizeH="0" baseline="0" noProof="0" dirty="0" smtClean="0">
-                  <a:ln>
-                    <a:noFill/>
-                  </a:ln>
-                  <a:solidFill>
-                    <a:schemeClr val="tx1"/>
-                  </a:solidFill>
-                  <a:effectLst/>
-                  <a:uLnTx/>
-                  <a:uFillTx/>
-                  <a:latin typeface="+mj-lt"/>
-                  <a:ea typeface="+mj-ea"/>
-                  <a:cs typeface="+mj-cs"/>
-                </a:rPr>
-                <a:t>)</a:t>
-              </a:r>
-              <a:endParaRPr kumimoji="1" lang="ja-JP" altLang="en-US" sz="2800" b="0" i="0" u="none" strike="noStrike" kern="1200" cap="none" spc="0" normalizeH="0" baseline="0" noProof="0" dirty="0">
-                <a:ln>
-                  <a:noFill/>
-                </a:ln>
-                <a:solidFill>
-                  <a:schemeClr val="tx1"/>
-                </a:solidFill>
-                <a:effectLst/>
-                <a:uLnTx/>
-                <a:uFillTx/>
-                <a:latin typeface="+mj-lt"/>
-                <a:ea typeface="+mj-ea"/>
-                <a:cs typeface="+mj-cs"/>
-              </a:endParaRPr>
-            </a:p>
-          </p:txBody>
-        </p:sp>
-        <p:sp>
-          <p:nvSpPr>
-            <p:cNvPr id="14" name="正方形/長方形 13"/>
-            <p:cNvSpPr/>
-            <p:nvPr/>
-          </p:nvSpPr>
-          <p:spPr>
-            <a:xfrm>
-              <a:off x="5436096" y="1059583"/>
-              <a:ext cx="3707904" cy="72008"/>
-            </a:xfrm>
-            <a:prstGeom prst="rect">
-              <a:avLst/>
-            </a:prstGeom>
-            <a:solidFill>
-              <a:srgbClr val="FFC000"/>
-            </a:solidFill>
-            <a:ln>
-              <a:noFill/>
-            </a:ln>
-          </p:spPr>
-          <p:style>
-            <a:lnRef idx="2">
-              <a:schemeClr val="accent1">
-                <a:shade val="50000"/>
-              </a:schemeClr>
-            </a:lnRef>
-            <a:fillRef idx="1">
-              <a:schemeClr val="accent1"/>
-            </a:fillRef>
-            <a:effectRef idx="0">
-              <a:schemeClr val="accent1"/>
-            </a:effectRef>
-            <a:fontRef idx="minor">
-              <a:schemeClr val="lt1"/>
-            </a:fontRef>
-          </p:style>
-          <p:txBody>
-            <a:bodyPr rtlCol="0" anchor="ctr"/>
-            <a:lstStyle/>
-            <a:p>
-              <a:pPr algn="ctr"/>
-              <a:endParaRPr kumimoji="1" lang="ja-JP" altLang="en-US"/>
-            </a:p>
-          </p:txBody>
-        </p:sp>
-      </p:grpSp>
+            <a:endParaRPr kumimoji="1" lang="ja-JP" altLang="en-US" sz="2800" dirty="0">
+              <a:solidFill>
+                <a:schemeClr val="bg1"/>
+              </a:solidFill>
+            </a:endParaRPr>
+          </a:p>
+        </p:txBody>
+      </p:sp>
     </p:spTree>
   </p:cSld>
   <p:clrMapOvr>
@@ -8471,6 +7053,479 @@
           <a:chExt cx="0" cy="0"/>
         </a:xfrm>
       </p:grpSpPr>
+      <p:pic>
+        <p:nvPicPr>
+          <p:cNvPr id="13" name="uaf.mp4">
+            <a:hlinkClick r:id="" action="ppaction://media"/>
+          </p:cNvPr>
+          <p:cNvPicPr>
+            <a:picLocks noGrp="1" noRot="1" noChangeAspect="1"/>
+          </p:cNvPicPr>
+          <p:nvPr>
+            <p:ph idx="1"/>
+            <a:videoFile r:link="rId1"/>
+          </p:nvPr>
+        </p:nvPicPr>
+        <p:blipFill>
+          <a:blip r:embed="rId3" cstate="print"/>
+          <a:stretch>
+            <a:fillRect/>
+          </a:stretch>
+        </p:blipFill>
+        <p:spPr>
+          <a:xfrm>
+            <a:off x="2369840" y="920130"/>
+            <a:ext cx="4404320" cy="3303240"/>
+          </a:xfrm>
+          <a:prstGeom prst="rect">
+            <a:avLst/>
+          </a:prstGeom>
+        </p:spPr>
+      </p:pic>
+      <p:sp>
+        <p:nvSpPr>
+          <p:cNvPr id="15" name="タイトル 1"/>
+          <p:cNvSpPr txBox="1">
+            <a:spLocks/>
+          </p:cNvSpPr>
+          <p:nvPr/>
+        </p:nvSpPr>
+        <p:spPr>
+          <a:xfrm>
+            <a:off x="5148064" y="-20538"/>
+            <a:ext cx="4104456" cy="507703"/>
+          </a:xfrm>
+          <a:prstGeom prst="rect">
+            <a:avLst/>
+          </a:prstGeom>
+        </p:spPr>
+        <p:txBody>
+          <a:bodyPr vert="horz" lIns="91440" tIns="45720" rIns="91440" bIns="45720" rtlCol="0" anchor="ctr">
+            <a:noAutofit/>
+          </a:bodyPr>
+          <a:lstStyle/>
+          <a:p>
+            <a:pPr lvl="0">
+              <a:spcBef>
+                <a:spcPct val="0"/>
+              </a:spcBef>
+              <a:defRPr/>
+            </a:pPr>
+            <a:r>
+              <a:rPr lang="en-US" altLang="ja-JP" sz="2800" dirty="0" smtClean="0">
+                <a:solidFill>
+                  <a:schemeClr val="bg1"/>
+                </a:solidFill>
+              </a:rPr>
+              <a:t>LS4(</a:t>
+            </a:r>
+            <a:r>
+              <a:rPr lang="en-US" altLang="ja-JP" sz="2800" dirty="0" err="1" smtClean="0">
+                <a:solidFill>
+                  <a:schemeClr val="bg1"/>
+                </a:solidFill>
+              </a:rPr>
+              <a:t>UbiArtFramework</a:t>
+            </a:r>
+            <a:r>
+              <a:rPr lang="en-US" altLang="ja-JP" sz="2800" dirty="0" smtClean="0">
+                <a:solidFill>
+                  <a:schemeClr val="bg1"/>
+                </a:solidFill>
+              </a:rPr>
+              <a:t>)</a:t>
+            </a:r>
+            <a:endParaRPr lang="ja-JP" altLang="en-US" sz="2800" dirty="0">
+              <a:solidFill>
+                <a:schemeClr val="bg1"/>
+              </a:solidFill>
+            </a:endParaRPr>
+          </a:p>
+        </p:txBody>
+      </p:sp>
+      <p:sp>
+        <p:nvSpPr>
+          <p:cNvPr id="16" name="タイトル 1"/>
+          <p:cNvSpPr>
+            <a:spLocks noGrp="1"/>
+          </p:cNvSpPr>
+          <p:nvPr>
+            <p:ph type="title"/>
+          </p:nvPr>
+        </p:nvSpPr>
+        <p:spPr>
+          <a:xfrm>
+            <a:off x="179512" y="-20538"/>
+            <a:ext cx="3528392" cy="507703"/>
+          </a:xfrm>
+        </p:spPr>
+        <p:txBody>
+          <a:bodyPr>
+            <a:noAutofit/>
+          </a:bodyPr>
+          <a:lstStyle/>
+          <a:p>
+            <a:pPr algn="l"/>
+            <a:r>
+              <a:rPr lang="en-US" altLang="ja-JP" sz="2800" dirty="0" smtClean="0">
+                <a:solidFill>
+                  <a:schemeClr val="bg1"/>
+                </a:solidFill>
+              </a:rPr>
+              <a:t>1.</a:t>
+            </a:r>
+            <a:r>
+              <a:rPr lang="ja-JP" altLang="en-US" sz="2800" dirty="0" smtClean="0">
+                <a:solidFill>
+                  <a:schemeClr val="bg1"/>
+                </a:solidFill>
+              </a:rPr>
+              <a:t>入社からこれまで</a:t>
+            </a:r>
+            <a:endParaRPr kumimoji="1" lang="ja-JP" altLang="en-US" sz="2800" dirty="0">
+              <a:solidFill>
+                <a:schemeClr val="bg1"/>
+              </a:solidFill>
+            </a:endParaRPr>
+          </a:p>
+        </p:txBody>
+      </p:sp>
+    </p:spTree>
+  </p:cSld>
+  <p:clrMapOvr>
+    <a:masterClrMapping/>
+  </p:clrMapOvr>
+  <p:timing>
+    <p:tnLst>
+      <p:par>
+        <p:cTn id="1" dur="indefinite" restart="never" nodeType="tmRoot">
+          <p:childTnLst>
+            <p:seq concurrent="1" nextAc="seek">
+              <p:cTn id="2" restart="whenNotActive" fill="hold" evtFilter="cancelBubble" nodeType="interactiveSeq">
+                <p:stCondLst>
+                  <p:cond evt="onClick" delay="0">
+                    <p:tgtEl>
+                      <p:spTgt spid="13"/>
+                    </p:tgtEl>
+                  </p:cond>
+                </p:stCondLst>
+                <p:endSync evt="end" delay="0">
+                  <p:rtn val="all"/>
+                </p:endSync>
+                <p:childTnLst>
+                  <p:par>
+                    <p:cTn id="3" fill="hold">
+                      <p:stCondLst>
+                        <p:cond delay="0"/>
+                      </p:stCondLst>
+                      <p:childTnLst>
+                        <p:par>
+                          <p:cTn id="4" fill="hold">
+                            <p:stCondLst>
+                              <p:cond delay="0"/>
+                            </p:stCondLst>
+                            <p:childTnLst>
+                              <p:par>
+                                <p:cTn id="5" presetID="2" presetClass="mediacall" presetSubtype="0" fill="hold" nodeType="clickEffect">
+                                  <p:stCondLst>
+                                    <p:cond delay="0"/>
+                                  </p:stCondLst>
+                                  <p:childTnLst>
+                                    <p:cmd type="call" cmd="togglePause">
+                                      <p:cBhvr>
+                                        <p:cTn id="6" dur="1" fill="hold"/>
+                                        <p:tgtEl>
+                                          <p:spTgt spid="13"/>
+                                        </p:tgtEl>
+                                      </p:cBhvr>
+                                    </p:cmd>
+                                  </p:childTnLst>
+                                </p:cTn>
+                              </p:par>
+                            </p:childTnLst>
+                          </p:cTn>
+                        </p:par>
+                      </p:childTnLst>
+                    </p:cTn>
+                  </p:par>
+                </p:childTnLst>
+              </p:cTn>
+              <p:nextCondLst>
+                <p:cond evt="onClick" delay="0">
+                  <p:tgtEl>
+                    <p:spTgt spid="13"/>
+                  </p:tgtEl>
+                </p:cond>
+              </p:nextCondLst>
+            </p:seq>
+            <p:video>
+              <p:cMediaNode>
+                <p:cTn id="7" fill="hold" display="0">
+                  <p:stCondLst>
+                    <p:cond delay="indefinite"/>
+                  </p:stCondLst>
+                  <p:endCondLst>
+                    <p:cond evt="onNext" delay="0">
+                      <p:tgtEl>
+                        <p:sldTgt/>
+                      </p:tgtEl>
+                    </p:cond>
+                    <p:cond evt="onPrev" delay="0">
+                      <p:tgtEl>
+                        <p:sldTgt/>
+                      </p:tgtEl>
+                    </p:cond>
+                  </p:endCondLst>
+                </p:cTn>
+                <p:tgtEl>
+                  <p:spTgt spid="13"/>
+                </p:tgtEl>
+              </p:cMediaNode>
+            </p:video>
+          </p:childTnLst>
+        </p:cTn>
+      </p:par>
+    </p:tnLst>
+  </p:timing>
+</p:sld>
+</file>
+
+<file path=ppt/slides/slide18.xml><?xml version="1.0" encoding="utf-8"?>
+<p:sld xmlns:a="http://schemas.openxmlformats.org/drawingml/2006/main" xmlns:r="http://schemas.openxmlformats.org/officeDocument/2006/relationships" xmlns:p="http://schemas.openxmlformats.org/presentationml/2006/main">
+  <p:cSld>
+    <p:spTree>
+      <p:nvGrpSpPr>
+        <p:cNvPr id="1" name=""/>
+        <p:cNvGrpSpPr/>
+        <p:nvPr/>
+      </p:nvGrpSpPr>
+      <p:grpSpPr>
+        <a:xfrm>
+          <a:off x="0" y="0"/>
+          <a:ext cx="0" cy="0"/>
+          <a:chOff x="0" y="0"/>
+          <a:chExt cx="0" cy="0"/>
+        </a:xfrm>
+      </p:grpSpPr>
+      <p:sp>
+        <p:nvSpPr>
+          <p:cNvPr id="8" name="コンテンツ プレースホルダ 7"/>
+          <p:cNvSpPr>
+            <a:spLocks noGrp="1"/>
+          </p:cNvSpPr>
+          <p:nvPr>
+            <p:ph idx="1"/>
+          </p:nvPr>
+        </p:nvSpPr>
+        <p:spPr>
+          <a:xfrm>
+            <a:off x="457200" y="874514"/>
+            <a:ext cx="8229600" cy="3394472"/>
+          </a:xfrm>
+        </p:spPr>
+        <p:txBody>
+          <a:bodyPr/>
+          <a:lstStyle/>
+          <a:p>
+            <a:r>
+              <a:rPr lang="en-US" altLang="ja-JP" dirty="0" smtClean="0"/>
+              <a:t>Unity</a:t>
+            </a:r>
+            <a:r>
+              <a:rPr lang="ja-JP" altLang="en-US" dirty="0" smtClean="0"/>
+              <a:t>と比べて</a:t>
+            </a:r>
+            <a:r>
+              <a:rPr lang="en-US" altLang="ja-JP" dirty="0" smtClean="0"/>
+              <a:t>UAF</a:t>
+            </a:r>
+            <a:r>
+              <a:rPr lang="ja-JP" altLang="en-US" dirty="0" err="1" smtClean="0"/>
+              <a:t>で</a:t>
+            </a:r>
+            <a:r>
+              <a:rPr lang="ja-JP" altLang="en-US" dirty="0" smtClean="0"/>
+              <a:t>したいこと</a:t>
+            </a:r>
+            <a:endParaRPr lang="en-US" altLang="ja-JP" dirty="0" smtClean="0"/>
+          </a:p>
+          <a:p>
+            <a:pPr lvl="1"/>
+            <a:r>
+              <a:rPr lang="en-US" altLang="ja-JP" dirty="0" smtClean="0"/>
+              <a:t>Tool</a:t>
+            </a:r>
+            <a:r>
+              <a:rPr lang="ja-JP" altLang="en-US" dirty="0" smtClean="0"/>
+              <a:t>安全性上げる。</a:t>
+            </a:r>
+            <a:endParaRPr lang="en-US" altLang="ja-JP" dirty="0" smtClean="0"/>
+          </a:p>
+          <a:p>
+            <a:pPr lvl="1"/>
+            <a:r>
+              <a:rPr lang="ja-JP" altLang="en-US" dirty="0" smtClean="0"/>
+              <a:t>ドキュメントの充実させる。</a:t>
+            </a:r>
+            <a:endParaRPr lang="en-US" altLang="ja-JP" dirty="0" smtClean="0"/>
+          </a:p>
+          <a:p>
+            <a:pPr lvl="1"/>
+            <a:r>
+              <a:rPr lang="ja-JP" altLang="en-US" dirty="0" smtClean="0"/>
+              <a:t>ヒューマンエラーを減らす。</a:t>
+            </a:r>
+            <a:endParaRPr lang="en-US" altLang="ja-JP" dirty="0" smtClean="0"/>
+          </a:p>
+          <a:p>
+            <a:endParaRPr kumimoji="1" lang="en-US" altLang="ja-JP" dirty="0" smtClean="0"/>
+          </a:p>
+          <a:p>
+            <a:pPr lvl="1"/>
+            <a:endParaRPr kumimoji="1" lang="ja-JP" altLang="en-US" dirty="0"/>
+          </a:p>
+        </p:txBody>
+      </p:sp>
+      <p:sp>
+        <p:nvSpPr>
+          <p:cNvPr id="15" name="タイトル 1"/>
+          <p:cNvSpPr txBox="1">
+            <a:spLocks/>
+          </p:cNvSpPr>
+          <p:nvPr/>
+        </p:nvSpPr>
+        <p:spPr>
+          <a:xfrm>
+            <a:off x="5148064" y="-20538"/>
+            <a:ext cx="4104456" cy="507703"/>
+          </a:xfrm>
+          <a:prstGeom prst="rect">
+            <a:avLst/>
+          </a:prstGeom>
+        </p:spPr>
+        <p:txBody>
+          <a:bodyPr vert="horz" lIns="91440" tIns="45720" rIns="91440" bIns="45720" rtlCol="0" anchor="ctr">
+            <a:noAutofit/>
+          </a:bodyPr>
+          <a:lstStyle/>
+          <a:p>
+            <a:pPr lvl="0">
+              <a:spcBef>
+                <a:spcPct val="0"/>
+              </a:spcBef>
+              <a:defRPr/>
+            </a:pPr>
+            <a:r>
+              <a:rPr lang="en-US" altLang="ja-JP" sz="2800" dirty="0" smtClean="0">
+                <a:solidFill>
+                  <a:schemeClr val="bg1"/>
+                </a:solidFill>
+              </a:rPr>
+              <a:t>LS4(</a:t>
+            </a:r>
+            <a:r>
+              <a:rPr lang="en-US" altLang="ja-JP" sz="2800" dirty="0" err="1" smtClean="0">
+                <a:solidFill>
+                  <a:schemeClr val="bg1"/>
+                </a:solidFill>
+              </a:rPr>
+              <a:t>UbiArtFramework</a:t>
+            </a:r>
+            <a:r>
+              <a:rPr lang="en-US" altLang="ja-JP" sz="2800" dirty="0" smtClean="0">
+                <a:solidFill>
+                  <a:schemeClr val="bg1"/>
+                </a:solidFill>
+              </a:rPr>
+              <a:t>)</a:t>
+            </a:r>
+            <a:endParaRPr lang="ja-JP" altLang="en-US" sz="2800" dirty="0">
+              <a:solidFill>
+                <a:schemeClr val="bg1"/>
+              </a:solidFill>
+            </a:endParaRPr>
+          </a:p>
+        </p:txBody>
+      </p:sp>
+      <p:sp>
+        <p:nvSpPr>
+          <p:cNvPr id="16" name="タイトル 1"/>
+          <p:cNvSpPr>
+            <a:spLocks noGrp="1"/>
+          </p:cNvSpPr>
+          <p:nvPr>
+            <p:ph type="title"/>
+          </p:nvPr>
+        </p:nvSpPr>
+        <p:spPr>
+          <a:xfrm>
+            <a:off x="179512" y="-20538"/>
+            <a:ext cx="3528392" cy="507703"/>
+          </a:xfrm>
+        </p:spPr>
+        <p:txBody>
+          <a:bodyPr>
+            <a:noAutofit/>
+          </a:bodyPr>
+          <a:lstStyle/>
+          <a:p>
+            <a:pPr algn="l"/>
+            <a:r>
+              <a:rPr lang="en-US" altLang="ja-JP" sz="2800" dirty="0" smtClean="0">
+                <a:solidFill>
+                  <a:schemeClr val="bg1"/>
+                </a:solidFill>
+              </a:rPr>
+              <a:t>1.</a:t>
+            </a:r>
+            <a:r>
+              <a:rPr lang="ja-JP" altLang="en-US" sz="2800" dirty="0" smtClean="0">
+                <a:solidFill>
+                  <a:schemeClr val="bg1"/>
+                </a:solidFill>
+              </a:rPr>
+              <a:t>入社からこれまで</a:t>
+            </a:r>
+            <a:endParaRPr kumimoji="1" lang="ja-JP" altLang="en-US" sz="2800" dirty="0">
+              <a:solidFill>
+                <a:schemeClr val="bg1"/>
+              </a:solidFill>
+            </a:endParaRPr>
+          </a:p>
+        </p:txBody>
+      </p:sp>
+    </p:spTree>
+  </p:cSld>
+  <p:clrMapOvr>
+    <a:masterClrMapping/>
+  </p:clrMapOvr>
+  <p:timing>
+    <p:tnLst>
+      <p:par>
+        <p:cTn id="1" dur="indefinite" restart="never" nodeType="tmRoot"/>
+      </p:par>
+    </p:tnLst>
+  </p:timing>
+</p:sld>
+</file>
+
+<file path=ppt/slides/slide19.xml><?xml version="1.0" encoding="utf-8"?>
+<p:sld xmlns:a="http://schemas.openxmlformats.org/drawingml/2006/main" xmlns:r="http://schemas.openxmlformats.org/officeDocument/2006/relationships" xmlns:p="http://schemas.openxmlformats.org/presentationml/2006/main">
+  <p:cSld>
+    <p:spTree>
+      <p:nvGrpSpPr>
+        <p:cNvPr id="1" name=""/>
+        <p:cNvGrpSpPr/>
+        <p:nvPr/>
+      </p:nvGrpSpPr>
+      <p:grpSpPr>
+        <a:xfrm>
+          <a:off x="0" y="0"/>
+          <a:ext cx="0" cy="0"/>
+          <a:chOff x="0" y="0"/>
+          <a:chExt cx="0" cy="0"/>
+        </a:xfrm>
+      </p:grpSpPr>
       <p:sp>
         <p:nvSpPr>
           <p:cNvPr id="2" name="タイトル 1"/>
@@ -8483,7 +7538,7 @@
         </p:nvSpPr>
         <p:spPr>
           <a:xfrm>
-            <a:off x="179512" y="555525"/>
+            <a:off x="179512" y="-44602"/>
             <a:ext cx="2448272" cy="507703"/>
           </a:xfrm>
         </p:spPr>
@@ -8496,6 +7551,9 @@
             <a:pPr algn="l"/>
             <a:r>
               <a:rPr kumimoji="1" lang="en-US" altLang="ja-JP" dirty="0" smtClean="0">
+                <a:solidFill>
+                  <a:schemeClr val="bg1"/>
+                </a:solidFill>
                 <a:latin typeface="Segoe UI" pitchFamily="34" charset="0"/>
                 <a:ea typeface="Segoe UI" pitchFamily="34" charset="0"/>
                 <a:cs typeface="Segoe UI" pitchFamily="34" charset="0"/>
@@ -8503,6 +7561,9 @@
               <a:t>Contents</a:t>
             </a:r>
             <a:endParaRPr kumimoji="1" lang="ja-JP" altLang="en-US" dirty="0">
+              <a:solidFill>
+                <a:schemeClr val="bg1"/>
+              </a:solidFill>
               <a:latin typeface="Segoe UI" pitchFamily="34" charset="0"/>
               <a:ea typeface="Meiryo UI" pitchFamily="50" charset="-128"/>
               <a:cs typeface="Segoe UI" pitchFamily="34" charset="0"/>
@@ -8522,7 +7583,7 @@
         </p:nvSpPr>
         <p:spPr>
           <a:xfrm>
-            <a:off x="4345632" y="1635646"/>
+            <a:off x="3851920" y="1268958"/>
             <a:ext cx="6131024" cy="2958976"/>
           </a:xfrm>
         </p:spPr>
@@ -8545,6 +7606,12 @@
               <a:rPr lang="ja-JP" altLang="en-US" dirty="0" smtClean="0"/>
               <a:t>まで</a:t>
             </a:r>
+            <a:endParaRPr lang="en-US" altLang="ja-JP" dirty="0" smtClean="0"/>
+          </a:p>
+          <a:p>
+            <a:pPr algn="just">
+              <a:buNone/>
+            </a:pPr>
             <a:endParaRPr kumimoji="1" lang="en-US" altLang="ja-JP" dirty="0" smtClean="0"/>
           </a:p>
           <a:p>
@@ -8573,90 +7640,18 @@
           </a:p>
         </p:txBody>
       </p:sp>
-      <p:sp>
-        <p:nvSpPr>
-          <p:cNvPr id="4" name="日付プレースホルダ 3"/>
-          <p:cNvSpPr>
-            <a:spLocks noGrp="1"/>
-          </p:cNvSpPr>
-          <p:nvPr>
-            <p:ph type="dt" sz="half" idx="10"/>
-          </p:nvPr>
-        </p:nvSpPr>
-        <p:spPr/>
-        <p:txBody>
-          <a:bodyPr/>
-          <a:lstStyle/>
-          <a:p>
-            <a:fld id="{FC7AB2BD-E9B7-45BF-89F9-A3C60FAD2BB8}" type="datetime2">
-              <a:rPr lang="en-US" altLang="ja-JP" smtClean="0"/>
-              <a:pPr/>
-              <a:t>Wednesday, October 01, 2014</a:t>
-            </a:fld>
-            <a:endParaRPr lang="ja-JP" altLang="en-US" dirty="0"/>
-          </a:p>
-        </p:txBody>
-      </p:sp>
-      <p:sp>
-        <p:nvSpPr>
-          <p:cNvPr id="5" name="正方形/長方形 4"/>
-          <p:cNvSpPr/>
-          <p:nvPr/>
-        </p:nvSpPr>
-        <p:spPr>
-          <a:xfrm>
-            <a:off x="0" y="1059582"/>
-            <a:ext cx="2555776" cy="72008"/>
-          </a:xfrm>
-          <a:prstGeom prst="rect">
-            <a:avLst/>
-          </a:prstGeom>
-          <a:solidFill>
-            <a:schemeClr val="accent1">
-              <a:lumMod val="75000"/>
-            </a:schemeClr>
-          </a:solidFill>
-          <a:ln>
-            <a:noFill/>
-          </a:ln>
-        </p:spPr>
-        <p:style>
-          <a:lnRef idx="2">
-            <a:schemeClr val="accent1">
-              <a:shade val="50000"/>
-            </a:schemeClr>
-          </a:lnRef>
-          <a:fillRef idx="1">
-            <a:schemeClr val="accent1"/>
-          </a:fillRef>
-          <a:effectRef idx="0">
-            <a:schemeClr val="accent1"/>
-          </a:effectRef>
-          <a:fontRef idx="minor">
-            <a:schemeClr val="lt1"/>
-          </a:fontRef>
-        </p:style>
-        <p:txBody>
-          <a:bodyPr rtlCol="0" anchor="ctr"/>
-          <a:lstStyle/>
-          <a:p>
-            <a:pPr algn="ctr"/>
-            <a:endParaRPr kumimoji="1" lang="ja-JP" altLang="en-US"/>
-          </a:p>
-        </p:txBody>
-      </p:sp>
       <p:grpSp>
         <p:nvGrpSpPr>
-          <p:cNvPr id="6" name="グループ化 11"/>
+          <p:cNvPr id="4" name="グループ化 11"/>
           <p:cNvGrpSpPr/>
           <p:nvPr/>
         </p:nvGrpSpPr>
         <p:grpSpPr>
           <a:xfrm>
-            <a:off x="4211960" y="2139702"/>
-            <a:ext cx="4943542" cy="1296144"/>
+            <a:off x="3923928" y="1923678"/>
+            <a:ext cx="5220072" cy="1728192"/>
             <a:chOff x="4211960" y="2283718"/>
-            <a:chExt cx="4943542" cy="1296144"/>
+            <a:chExt cx="4943542" cy="1728192"/>
           </a:xfrm>
         </p:grpSpPr>
         <p:sp>
@@ -8713,7 +7708,7 @@
           </p:nvSpPr>
           <p:spPr>
             <a:xfrm>
-              <a:off x="4211960" y="3507854"/>
+              <a:off x="4211960" y="3939902"/>
               <a:ext cx="4943542" cy="72008"/>
             </a:xfrm>
             <a:prstGeom prst="rect">
@@ -8721,770 +7716,6 @@
             </a:prstGeom>
             <a:solidFill>
               <a:srgbClr val="00B0F0"/>
-            </a:solidFill>
-            <a:ln>
-              <a:noFill/>
-            </a:ln>
-          </p:spPr>
-          <p:style>
-            <a:lnRef idx="2">
-              <a:schemeClr val="accent1">
-                <a:shade val="50000"/>
-              </a:schemeClr>
-            </a:lnRef>
-            <a:fillRef idx="1">
-              <a:schemeClr val="accent1"/>
-            </a:fillRef>
-            <a:effectRef idx="0">
-              <a:schemeClr val="accent1"/>
-            </a:effectRef>
-            <a:fontRef idx="minor">
-              <a:schemeClr val="lt1"/>
-            </a:fontRef>
-          </p:style>
-          <p:txBody>
-            <a:bodyPr rtlCol="0" anchor="ctr"/>
-            <a:lstStyle/>
-            <a:p>
-              <a:pPr algn="ctr"/>
-              <a:endParaRPr kumimoji="1" lang="ja-JP" altLang="en-US"/>
-            </a:p>
-          </p:txBody>
-        </p:sp>
-      </p:grpSp>
-    </p:spTree>
-  </p:cSld>
-  <p:clrMapOvr>
-    <a:masterClrMapping/>
-  </p:clrMapOvr>
-  <p:timing>
-    <p:tnLst>
-      <p:par>
-        <p:cTn id="1" dur="indefinite" restart="never" nodeType="tmRoot"/>
-      </p:par>
-    </p:tnLst>
-  </p:timing>
-</p:sld>
-</file>
-
-<file path=ppt/slides/slide18.xml><?xml version="1.0" encoding="utf-8"?>
-<p:sld xmlns:a="http://schemas.openxmlformats.org/drawingml/2006/main" xmlns:r="http://schemas.openxmlformats.org/officeDocument/2006/relationships" xmlns:p="http://schemas.openxmlformats.org/presentationml/2006/main">
-  <p:cSld>
-    <p:spTree>
-      <p:nvGrpSpPr>
-        <p:cNvPr id="1" name=""/>
-        <p:cNvGrpSpPr/>
-        <p:nvPr/>
-      </p:nvGrpSpPr>
-      <p:grpSpPr>
-        <a:xfrm>
-          <a:off x="0" y="0"/>
-          <a:ext cx="0" cy="0"/>
-          <a:chOff x="0" y="0"/>
-          <a:chExt cx="0" cy="0"/>
-        </a:xfrm>
-      </p:grpSpPr>
-      <p:sp>
-        <p:nvSpPr>
-          <p:cNvPr id="4" name="日付プレースホルダ 3"/>
-          <p:cNvSpPr>
-            <a:spLocks noGrp="1"/>
-          </p:cNvSpPr>
-          <p:nvPr>
-            <p:ph type="dt" sz="half" idx="10"/>
-          </p:nvPr>
-        </p:nvSpPr>
-        <p:spPr/>
-        <p:txBody>
-          <a:bodyPr/>
-          <a:lstStyle/>
-          <a:p>
-            <a:fld id="{FC7AB2BD-E9B7-45BF-89F9-A3C60FAD2BB8}" type="datetime2">
-              <a:rPr lang="en-US" altLang="ja-JP" smtClean="0"/>
-              <a:pPr/>
-              <a:t>Wednesday, October 01, 2014</a:t>
-            </a:fld>
-            <a:endParaRPr lang="ja-JP" altLang="en-US" dirty="0"/>
-          </a:p>
-        </p:txBody>
-      </p:sp>
-      <p:sp>
-        <p:nvSpPr>
-          <p:cNvPr id="5" name="正方形/長方形 4"/>
-          <p:cNvSpPr/>
-          <p:nvPr/>
-        </p:nvSpPr>
-        <p:spPr>
-          <a:xfrm>
-            <a:off x="0" y="1059582"/>
-            <a:ext cx="3563888" cy="72008"/>
-          </a:xfrm>
-          <a:prstGeom prst="rect">
-            <a:avLst/>
-          </a:prstGeom>
-          <a:solidFill>
-            <a:schemeClr val="accent1">
-              <a:lumMod val="75000"/>
-            </a:schemeClr>
-          </a:solidFill>
-          <a:ln>
-            <a:noFill/>
-          </a:ln>
-        </p:spPr>
-        <p:style>
-          <a:lnRef idx="2">
-            <a:schemeClr val="accent1">
-              <a:shade val="50000"/>
-            </a:schemeClr>
-          </a:lnRef>
-          <a:fillRef idx="1">
-            <a:schemeClr val="accent1"/>
-          </a:fillRef>
-          <a:effectRef idx="0">
-            <a:schemeClr val="accent1"/>
-          </a:effectRef>
-          <a:fontRef idx="minor">
-            <a:schemeClr val="lt1"/>
-          </a:fontRef>
-        </p:style>
-        <p:txBody>
-          <a:bodyPr rtlCol="0" anchor="ctr"/>
-          <a:lstStyle/>
-          <a:p>
-            <a:pPr algn="ctr"/>
-            <a:endParaRPr kumimoji="1" lang="ja-JP" altLang="en-US"/>
-          </a:p>
-        </p:txBody>
-      </p:sp>
-      <p:sp>
-        <p:nvSpPr>
-          <p:cNvPr id="12" name="コンテンツ プレースホルダ 11"/>
-          <p:cNvSpPr>
-            <a:spLocks noGrp="1"/>
-          </p:cNvSpPr>
-          <p:nvPr>
-            <p:ph idx="1"/>
-          </p:nvPr>
-        </p:nvSpPr>
-        <p:spPr>
-          <a:xfrm>
-            <a:off x="457200" y="1625550"/>
-            <a:ext cx="8229600" cy="3394472"/>
-          </a:xfrm>
-        </p:spPr>
-        <p:txBody>
-          <a:bodyPr/>
-          <a:lstStyle/>
-          <a:p>
-            <a:pPr algn="ctr">
-              <a:buNone/>
-            </a:pPr>
-            <a:r>
-              <a:rPr kumimoji="1" lang="ja-JP" altLang="en-US" sz="4400" b="1" dirty="0" smtClean="0"/>
-              <a:t>ニック</a:t>
-            </a:r>
-            <a:r>
-              <a:rPr kumimoji="1" lang="ja-JP" altLang="en-US" sz="4400" b="1" dirty="0" smtClean="0"/>
-              <a:t>さんの負担を減らす</a:t>
-            </a:r>
-            <a:r>
-              <a:rPr kumimoji="1" lang="ja-JP" altLang="en-US" sz="4400" b="1" dirty="0" smtClean="0"/>
-              <a:t>！</a:t>
-            </a:r>
-            <a:endParaRPr kumimoji="1" lang="en-US" altLang="ja-JP" sz="4400" b="1" dirty="0" smtClean="0"/>
-          </a:p>
-          <a:p>
-            <a:pPr algn="ctr">
-              <a:buNone/>
-            </a:pPr>
-            <a:endParaRPr lang="en-US" altLang="ja-JP" sz="4400" b="1" dirty="0" smtClean="0"/>
-          </a:p>
-          <a:p>
-            <a:pPr algn="ctr">
-              <a:buNone/>
-            </a:pPr>
-            <a:r>
-              <a:rPr lang="ja-JP" altLang="en-US" sz="4400" b="1" dirty="0" smtClean="0"/>
-              <a:t>武器を作る！</a:t>
-            </a:r>
-            <a:endParaRPr kumimoji="1" lang="en-US" altLang="ja-JP" sz="4400" b="1" dirty="0" smtClean="0"/>
-          </a:p>
-        </p:txBody>
-      </p:sp>
-      <p:sp>
-        <p:nvSpPr>
-          <p:cNvPr id="6" name="タイトル 1"/>
-          <p:cNvSpPr txBox="1">
-            <a:spLocks/>
-          </p:cNvSpPr>
-          <p:nvPr/>
-        </p:nvSpPr>
-        <p:spPr>
-          <a:xfrm>
-            <a:off x="179512" y="555525"/>
-            <a:ext cx="3384376" cy="507703"/>
-          </a:xfrm>
-          <a:prstGeom prst="rect">
-            <a:avLst/>
-          </a:prstGeom>
-        </p:spPr>
-        <p:txBody>
-          <a:bodyPr vert="horz" lIns="91440" tIns="45720" rIns="91440" bIns="45720" rtlCol="0" anchor="ctr">
-            <a:noAutofit/>
-          </a:bodyPr>
-          <a:lstStyle/>
-          <a:p>
-            <a:pPr lvl="0">
-              <a:spcBef>
-                <a:spcPct val="0"/>
-              </a:spcBef>
-            </a:pPr>
-            <a:r>
-              <a:rPr lang="en-US" altLang="ja-JP" sz="2800" dirty="0" smtClean="0"/>
-              <a:t>2</a:t>
-            </a:r>
-            <a:r>
-              <a:rPr lang="en-US" altLang="ja-JP" sz="2800" dirty="0" smtClean="0"/>
-              <a:t>.</a:t>
-            </a:r>
-            <a:r>
-              <a:rPr lang="ja-JP" altLang="en-US" sz="2800" dirty="0" smtClean="0"/>
-              <a:t>これからのこと</a:t>
-            </a:r>
-            <a:endParaRPr kumimoji="1" lang="ja-JP" altLang="en-US" sz="2800" b="0" i="0" u="none" strike="noStrike" kern="1200" cap="none" spc="0" normalizeH="0" baseline="0" noProof="0" dirty="0">
-              <a:ln>
-                <a:noFill/>
-              </a:ln>
-              <a:solidFill>
-                <a:schemeClr val="tx1"/>
-              </a:solidFill>
-              <a:effectLst/>
-              <a:uLnTx/>
-              <a:uFillTx/>
-              <a:latin typeface="+mj-lt"/>
-              <a:ea typeface="+mj-ea"/>
-              <a:cs typeface="+mj-cs"/>
-            </a:endParaRPr>
-          </a:p>
-        </p:txBody>
-      </p:sp>
-    </p:spTree>
-  </p:cSld>
-  <p:clrMapOvr>
-    <a:masterClrMapping/>
-  </p:clrMapOvr>
-  <p:timing>
-    <p:tnLst>
-      <p:par>
-        <p:cTn id="1" dur="indefinite" restart="never" nodeType="tmRoot"/>
-      </p:par>
-    </p:tnLst>
-  </p:timing>
-</p:sld>
-</file>
-
-<file path=ppt/slides/slide19.xml><?xml version="1.0" encoding="utf-8"?>
-<p:sld xmlns:a="http://schemas.openxmlformats.org/drawingml/2006/main" xmlns:r="http://schemas.openxmlformats.org/officeDocument/2006/relationships" xmlns:p="http://schemas.openxmlformats.org/presentationml/2006/main">
-  <p:cSld>
-    <p:spTree>
-      <p:nvGrpSpPr>
-        <p:cNvPr id="1" name=""/>
-        <p:cNvGrpSpPr/>
-        <p:nvPr/>
-      </p:nvGrpSpPr>
-      <p:grpSpPr>
-        <a:xfrm>
-          <a:off x="0" y="0"/>
-          <a:ext cx="0" cy="0"/>
-          <a:chOff x="0" y="0"/>
-          <a:chExt cx="0" cy="0"/>
-        </a:xfrm>
-      </p:grpSpPr>
-      <p:sp>
-        <p:nvSpPr>
-          <p:cNvPr id="4" name="日付プレースホルダ 3"/>
-          <p:cNvSpPr>
-            <a:spLocks noGrp="1"/>
-          </p:cNvSpPr>
-          <p:nvPr>
-            <p:ph type="dt" sz="half" idx="10"/>
-          </p:nvPr>
-        </p:nvSpPr>
-        <p:spPr/>
-        <p:txBody>
-          <a:bodyPr/>
-          <a:lstStyle/>
-          <a:p>
-            <a:fld id="{FC7AB2BD-E9B7-45BF-89F9-A3C60FAD2BB8}" type="datetime2">
-              <a:rPr lang="en-US" altLang="ja-JP" smtClean="0"/>
-              <a:pPr/>
-              <a:t>Wednesday, October 01, 2014</a:t>
-            </a:fld>
-            <a:endParaRPr lang="ja-JP" altLang="en-US" dirty="0"/>
-          </a:p>
-        </p:txBody>
-      </p:sp>
-      <p:grpSp>
-        <p:nvGrpSpPr>
-          <p:cNvPr id="21" name="グループ化 20"/>
-          <p:cNvGrpSpPr/>
-          <p:nvPr/>
-        </p:nvGrpSpPr>
-        <p:grpSpPr>
-          <a:xfrm>
-            <a:off x="0" y="555525"/>
-            <a:ext cx="3563888" cy="576065"/>
-            <a:chOff x="0" y="555525"/>
-            <a:chExt cx="3563888" cy="576065"/>
-          </a:xfrm>
-        </p:grpSpPr>
-        <p:sp>
-          <p:nvSpPr>
-            <p:cNvPr id="5" name="正方形/長方形 4"/>
-            <p:cNvSpPr/>
-            <p:nvPr/>
-          </p:nvSpPr>
-          <p:spPr>
-            <a:xfrm>
-              <a:off x="0" y="1059582"/>
-              <a:ext cx="3563888" cy="72008"/>
-            </a:xfrm>
-            <a:prstGeom prst="rect">
-              <a:avLst/>
-            </a:prstGeom>
-            <a:solidFill>
-              <a:schemeClr val="accent1">
-                <a:lumMod val="75000"/>
-              </a:schemeClr>
-            </a:solidFill>
-            <a:ln>
-              <a:noFill/>
-            </a:ln>
-          </p:spPr>
-          <p:style>
-            <a:lnRef idx="2">
-              <a:schemeClr val="accent1">
-                <a:shade val="50000"/>
-              </a:schemeClr>
-            </a:lnRef>
-            <a:fillRef idx="1">
-              <a:schemeClr val="accent1"/>
-            </a:fillRef>
-            <a:effectRef idx="0">
-              <a:schemeClr val="accent1"/>
-            </a:effectRef>
-            <a:fontRef idx="minor">
-              <a:schemeClr val="lt1"/>
-            </a:fontRef>
-          </p:style>
-          <p:txBody>
-            <a:bodyPr rtlCol="0" anchor="ctr"/>
-            <a:lstStyle/>
-            <a:p>
-              <a:pPr algn="ctr"/>
-              <a:endParaRPr kumimoji="1" lang="ja-JP" altLang="en-US"/>
-            </a:p>
-          </p:txBody>
-        </p:sp>
-        <p:sp>
-          <p:nvSpPr>
-            <p:cNvPr id="6" name="タイトル 1"/>
-            <p:cNvSpPr txBox="1">
-              <a:spLocks/>
-            </p:cNvSpPr>
-            <p:nvPr/>
-          </p:nvSpPr>
-          <p:spPr>
-            <a:xfrm>
-              <a:off x="179512" y="555525"/>
-              <a:ext cx="3384376" cy="507703"/>
-            </a:xfrm>
-            <a:prstGeom prst="rect">
-              <a:avLst/>
-            </a:prstGeom>
-          </p:spPr>
-          <p:txBody>
-            <a:bodyPr vert="horz" lIns="91440" tIns="45720" rIns="91440" bIns="45720" rtlCol="0" anchor="ctr">
-              <a:noAutofit/>
-            </a:bodyPr>
-            <a:lstStyle/>
-            <a:p>
-              <a:pPr lvl="0">
-                <a:spcBef>
-                  <a:spcPct val="0"/>
-                </a:spcBef>
-              </a:pPr>
-              <a:r>
-                <a:rPr lang="en-US" altLang="ja-JP" sz="2800" dirty="0" smtClean="0"/>
-                <a:t>2</a:t>
-              </a:r>
-              <a:r>
-                <a:rPr lang="en-US" altLang="ja-JP" sz="2800" dirty="0" smtClean="0"/>
-                <a:t>.</a:t>
-              </a:r>
-              <a:r>
-                <a:rPr lang="ja-JP" altLang="en-US" sz="2800" dirty="0" smtClean="0"/>
-                <a:t>これからのこと</a:t>
-              </a:r>
-              <a:endParaRPr kumimoji="1" lang="ja-JP" altLang="en-US" sz="2800" b="0" i="0" u="none" strike="noStrike" kern="1200" cap="none" spc="0" normalizeH="0" baseline="0" noProof="0" dirty="0">
-                <a:ln>
-                  <a:noFill/>
-                </a:ln>
-                <a:solidFill>
-                  <a:schemeClr val="tx1"/>
-                </a:solidFill>
-                <a:effectLst/>
-                <a:uLnTx/>
-                <a:uFillTx/>
-                <a:latin typeface="+mj-lt"/>
-                <a:ea typeface="+mj-ea"/>
-                <a:cs typeface="+mj-cs"/>
-              </a:endParaRPr>
-            </a:p>
-          </p:txBody>
-        </p:sp>
-      </p:grpSp>
-      <p:grpSp>
-        <p:nvGrpSpPr>
-          <p:cNvPr id="7" name="グループ化 6"/>
-          <p:cNvGrpSpPr/>
-          <p:nvPr/>
-        </p:nvGrpSpPr>
-        <p:grpSpPr>
-          <a:xfrm>
-            <a:off x="5868144" y="555526"/>
-            <a:ext cx="3275856" cy="576065"/>
-            <a:chOff x="5364088" y="555526"/>
-            <a:chExt cx="3779912" cy="576065"/>
-          </a:xfrm>
-        </p:grpSpPr>
-        <p:sp>
-          <p:nvSpPr>
-            <p:cNvPr id="8" name="タイトル 1"/>
-            <p:cNvSpPr txBox="1">
-              <a:spLocks/>
-            </p:cNvSpPr>
-            <p:nvPr/>
-          </p:nvSpPr>
-          <p:spPr>
-            <a:xfrm>
-              <a:off x="5364088" y="555526"/>
-              <a:ext cx="3779912" cy="507703"/>
-            </a:xfrm>
-            <a:prstGeom prst="rect">
-              <a:avLst/>
-            </a:prstGeom>
-          </p:spPr>
-          <p:txBody>
-            <a:bodyPr vert="horz" lIns="91440" tIns="45720" rIns="91440" bIns="45720" rtlCol="0" anchor="ctr">
-              <a:noAutofit/>
-            </a:bodyPr>
-            <a:lstStyle/>
-            <a:p>
-              <a:pPr>
-                <a:spcBef>
-                  <a:spcPct val="0"/>
-                </a:spcBef>
-                <a:defRPr/>
-              </a:pPr>
-              <a:r>
-                <a:rPr lang="ja-JP" altLang="en-US" sz="2800" b="1" dirty="0" smtClean="0"/>
-                <a:t>武器を作る</a:t>
-              </a:r>
-              <a:r>
-                <a:rPr lang="ja-JP" altLang="en-US" sz="2800" b="1" dirty="0" smtClean="0"/>
-                <a:t>！</a:t>
-              </a:r>
-              <a:endParaRPr lang="en-US" altLang="ja-JP" sz="2800" b="1" dirty="0" smtClean="0"/>
-            </a:p>
-          </p:txBody>
-        </p:sp>
-        <p:sp>
-          <p:nvSpPr>
-            <p:cNvPr id="9" name="正方形/長方形 8"/>
-            <p:cNvSpPr/>
-            <p:nvPr/>
-          </p:nvSpPr>
-          <p:spPr>
-            <a:xfrm>
-              <a:off x="5436096" y="1059583"/>
-              <a:ext cx="3707904" cy="72008"/>
-            </a:xfrm>
-            <a:prstGeom prst="rect">
-              <a:avLst/>
-            </a:prstGeom>
-            <a:solidFill>
-              <a:srgbClr val="FFC000"/>
-            </a:solidFill>
-            <a:ln>
-              <a:noFill/>
-            </a:ln>
-          </p:spPr>
-          <p:style>
-            <a:lnRef idx="2">
-              <a:schemeClr val="accent1">
-                <a:shade val="50000"/>
-              </a:schemeClr>
-            </a:lnRef>
-            <a:fillRef idx="1">
-              <a:schemeClr val="accent1"/>
-            </a:fillRef>
-            <a:effectRef idx="0">
-              <a:schemeClr val="accent1"/>
-            </a:effectRef>
-            <a:fontRef idx="minor">
-              <a:schemeClr val="lt1"/>
-            </a:fontRef>
-          </p:style>
-          <p:txBody>
-            <a:bodyPr rtlCol="0" anchor="ctr"/>
-            <a:lstStyle/>
-            <a:p>
-              <a:pPr algn="ctr"/>
-              <a:endParaRPr kumimoji="1" lang="ja-JP" altLang="en-US"/>
-            </a:p>
-          </p:txBody>
-        </p:sp>
-      </p:grpSp>
-      <p:grpSp>
-        <p:nvGrpSpPr>
-          <p:cNvPr id="16" name="グループ化 15"/>
-          <p:cNvGrpSpPr/>
-          <p:nvPr/>
-        </p:nvGrpSpPr>
-        <p:grpSpPr>
-          <a:xfrm>
-            <a:off x="611560" y="1347614"/>
-            <a:ext cx="8280920" cy="1088831"/>
-            <a:chOff x="611560" y="1347614"/>
-            <a:chExt cx="8280920" cy="1088831"/>
-          </a:xfrm>
-        </p:grpSpPr>
-        <p:sp>
-          <p:nvSpPr>
-            <p:cNvPr id="11" name="テキスト ボックス 10"/>
-            <p:cNvSpPr txBox="1"/>
-            <p:nvPr/>
-          </p:nvSpPr>
-          <p:spPr>
-            <a:xfrm>
-              <a:off x="611560" y="1347614"/>
-              <a:ext cx="3240360" cy="461665"/>
-            </a:xfrm>
-            <a:prstGeom prst="rect">
-              <a:avLst/>
-            </a:prstGeom>
-            <a:noFill/>
-            <a:ln w="28575">
-              <a:solidFill>
-                <a:srgbClr val="00B0F0"/>
-              </a:solidFill>
-            </a:ln>
-          </p:spPr>
-          <p:txBody>
-            <a:bodyPr wrap="square" rtlCol="0">
-              <a:spAutoFit/>
-            </a:bodyPr>
-            <a:lstStyle/>
-            <a:p>
-              <a:pPr algn="ctr"/>
-              <a:r>
-                <a:rPr kumimoji="1" lang="ja-JP" altLang="en-US" sz="2400" b="1" dirty="0" smtClean="0"/>
-                <a:t>元々やりたかったこと</a:t>
-              </a:r>
-              <a:endParaRPr kumimoji="1" lang="ja-JP" altLang="en-US" sz="2400" b="1" dirty="0"/>
-            </a:p>
-          </p:txBody>
-        </p:sp>
-        <p:sp>
-          <p:nvSpPr>
-            <p:cNvPr id="13" name="テキスト ボックス 12"/>
-            <p:cNvSpPr txBox="1"/>
-            <p:nvPr/>
-          </p:nvSpPr>
-          <p:spPr>
-            <a:xfrm>
-              <a:off x="899592" y="1851670"/>
-              <a:ext cx="7992888" cy="584775"/>
-            </a:xfrm>
-            <a:prstGeom prst="rect">
-              <a:avLst/>
-            </a:prstGeom>
-            <a:noFill/>
-          </p:spPr>
-          <p:txBody>
-            <a:bodyPr wrap="square" rtlCol="0">
-              <a:spAutoFit/>
-            </a:bodyPr>
-            <a:lstStyle/>
-            <a:p>
-              <a:r>
-                <a:rPr kumimoji="1" lang="ja-JP" altLang="en-US" sz="3200" b="1" dirty="0" smtClean="0"/>
-                <a:t>エンジン</a:t>
-              </a:r>
-              <a:r>
-                <a:rPr kumimoji="1" lang="ja-JP" altLang="en-US" sz="3200" dirty="0" smtClean="0"/>
-                <a:t>側。</a:t>
-              </a:r>
-              <a:r>
-                <a:rPr kumimoji="1" lang="ja-JP" altLang="en-US" sz="3200" b="1" dirty="0" smtClean="0"/>
-                <a:t>特にグラフィクスプログラム</a:t>
-              </a:r>
-              <a:endParaRPr kumimoji="1" lang="ja-JP" altLang="en-US" sz="3200" b="1" dirty="0"/>
-            </a:p>
-          </p:txBody>
-        </p:sp>
-        <p:sp>
-          <p:nvSpPr>
-            <p:cNvPr id="14" name="正方形/長方形 13"/>
-            <p:cNvSpPr/>
-            <p:nvPr/>
-          </p:nvSpPr>
-          <p:spPr>
-            <a:xfrm>
-              <a:off x="971600" y="2355726"/>
-              <a:ext cx="7776864" cy="45719"/>
-            </a:xfrm>
-            <a:prstGeom prst="rect">
-              <a:avLst/>
-            </a:prstGeom>
-            <a:solidFill>
-              <a:srgbClr val="00B0F0"/>
-            </a:solidFill>
-            <a:ln>
-              <a:noFill/>
-            </a:ln>
-          </p:spPr>
-          <p:style>
-            <a:lnRef idx="2">
-              <a:schemeClr val="accent1">
-                <a:shade val="50000"/>
-              </a:schemeClr>
-            </a:lnRef>
-            <a:fillRef idx="1">
-              <a:schemeClr val="accent1"/>
-            </a:fillRef>
-            <a:effectRef idx="0">
-              <a:schemeClr val="accent1"/>
-            </a:effectRef>
-            <a:fontRef idx="minor">
-              <a:schemeClr val="lt1"/>
-            </a:fontRef>
-          </p:style>
-          <p:txBody>
-            <a:bodyPr rtlCol="0" anchor="ctr"/>
-            <a:lstStyle/>
-            <a:p>
-              <a:pPr algn="ctr"/>
-              <a:endParaRPr kumimoji="1" lang="ja-JP" altLang="en-US"/>
-            </a:p>
-          </p:txBody>
-        </p:sp>
-      </p:grpSp>
-      <p:grpSp>
-        <p:nvGrpSpPr>
-          <p:cNvPr id="17" name="グループ化 16"/>
-          <p:cNvGrpSpPr/>
-          <p:nvPr/>
-        </p:nvGrpSpPr>
-        <p:grpSpPr>
-          <a:xfrm>
-            <a:off x="611560" y="2707055"/>
-            <a:ext cx="8280920" cy="1088831"/>
-            <a:chOff x="611560" y="1347614"/>
-            <a:chExt cx="8280920" cy="1088831"/>
-          </a:xfrm>
-        </p:grpSpPr>
-        <p:sp>
-          <p:nvSpPr>
-            <p:cNvPr id="18" name="テキスト ボックス 17"/>
-            <p:cNvSpPr txBox="1"/>
-            <p:nvPr/>
-          </p:nvSpPr>
-          <p:spPr>
-            <a:xfrm>
-              <a:off x="611560" y="1347614"/>
-              <a:ext cx="3240360" cy="461665"/>
-            </a:xfrm>
-            <a:prstGeom prst="rect">
-              <a:avLst/>
-            </a:prstGeom>
-            <a:noFill/>
-            <a:ln w="28575">
-              <a:solidFill>
-                <a:srgbClr val="FFC000"/>
-              </a:solidFill>
-            </a:ln>
-          </p:spPr>
-          <p:txBody>
-            <a:bodyPr wrap="square" rtlCol="0">
-              <a:spAutoFit/>
-            </a:bodyPr>
-            <a:lstStyle/>
-            <a:p>
-              <a:pPr algn="ctr"/>
-              <a:r>
-                <a:rPr kumimoji="1" lang="ja-JP" altLang="en-US" sz="2400" b="1" dirty="0" smtClean="0"/>
-                <a:t>最近やっていること</a:t>
-              </a:r>
-              <a:endParaRPr kumimoji="1" lang="ja-JP" altLang="en-US" sz="2400" b="1" dirty="0"/>
-            </a:p>
-          </p:txBody>
-        </p:sp>
-        <p:sp>
-          <p:nvSpPr>
-            <p:cNvPr id="19" name="テキスト ボックス 18"/>
-            <p:cNvSpPr txBox="1"/>
-            <p:nvPr/>
-          </p:nvSpPr>
-          <p:spPr>
-            <a:xfrm>
-              <a:off x="899592" y="1851670"/>
-              <a:ext cx="7992888" cy="584775"/>
-            </a:xfrm>
-            <a:prstGeom prst="rect">
-              <a:avLst/>
-            </a:prstGeom>
-            <a:noFill/>
-          </p:spPr>
-          <p:txBody>
-            <a:bodyPr wrap="square" rtlCol="0">
-              <a:spAutoFit/>
-            </a:bodyPr>
-            <a:lstStyle/>
-            <a:p>
-              <a:r>
-                <a:rPr kumimoji="1" lang="ja-JP" altLang="en-US" sz="3200" b="1" dirty="0" smtClean="0"/>
-                <a:t>エンジン</a:t>
-              </a:r>
-              <a:r>
-                <a:rPr kumimoji="1" lang="ja-JP" altLang="en-US" sz="3200" dirty="0" smtClean="0"/>
-                <a:t>側。</a:t>
-              </a:r>
-              <a:r>
-                <a:rPr kumimoji="1" lang="ja-JP" altLang="en-US" sz="3200" b="1" dirty="0" smtClean="0"/>
-                <a:t>サウンドプログラム。</a:t>
-              </a:r>
-              <a:endParaRPr kumimoji="1" lang="ja-JP" altLang="en-US" sz="3200" b="1" dirty="0"/>
-            </a:p>
-          </p:txBody>
-        </p:sp>
-        <p:sp>
-          <p:nvSpPr>
-            <p:cNvPr id="20" name="正方形/長方形 19"/>
-            <p:cNvSpPr/>
-            <p:nvPr/>
-          </p:nvSpPr>
-          <p:spPr>
-            <a:xfrm>
-              <a:off x="971600" y="2355726"/>
-              <a:ext cx="7776864" cy="45719"/>
-            </a:xfrm>
-            <a:prstGeom prst="rect">
-              <a:avLst/>
-            </a:prstGeom>
-            <a:solidFill>
-              <a:srgbClr val="FFC000"/>
             </a:solidFill>
             <a:ln>
               <a:noFill/>
@@ -9560,7 +7791,7 @@
         </p:nvSpPr>
         <p:spPr>
           <a:xfrm>
-            <a:off x="179512" y="555525"/>
+            <a:off x="179512" y="-44602"/>
             <a:ext cx="2448272" cy="507703"/>
           </a:xfrm>
         </p:spPr>
@@ -9573,6 +7804,9 @@
             <a:pPr algn="l"/>
             <a:r>
               <a:rPr kumimoji="1" lang="en-US" altLang="ja-JP" dirty="0" smtClean="0">
+                <a:solidFill>
+                  <a:schemeClr val="bg1"/>
+                </a:solidFill>
                 <a:latin typeface="Segoe UI" pitchFamily="34" charset="0"/>
                 <a:ea typeface="Segoe UI" pitchFamily="34" charset="0"/>
                 <a:cs typeface="Segoe UI" pitchFamily="34" charset="0"/>
@@ -9580,6 +7814,9 @@
               <a:t>Contents</a:t>
             </a:r>
             <a:endParaRPr kumimoji="1" lang="ja-JP" altLang="en-US" dirty="0">
+              <a:solidFill>
+                <a:schemeClr val="bg1"/>
+              </a:solidFill>
               <a:latin typeface="Segoe UI" pitchFamily="34" charset="0"/>
               <a:ea typeface="Meiryo UI" pitchFamily="50" charset="-128"/>
               <a:cs typeface="Segoe UI" pitchFamily="34" charset="0"/>
@@ -9599,7 +7836,7 @@
         </p:nvSpPr>
         <p:spPr>
           <a:xfrm>
-            <a:off x="4345632" y="1635646"/>
+            <a:off x="3851920" y="1268958"/>
             <a:ext cx="6131024" cy="2958976"/>
           </a:xfrm>
         </p:spPr>
@@ -9622,6 +7859,12 @@
               <a:rPr lang="ja-JP" altLang="en-US" dirty="0" smtClean="0"/>
               <a:t>まで</a:t>
             </a:r>
+            <a:endParaRPr lang="en-US" altLang="ja-JP" dirty="0" smtClean="0"/>
+          </a:p>
+          <a:p>
+            <a:pPr algn="just">
+              <a:buNone/>
+            </a:pPr>
             <a:endParaRPr kumimoji="1" lang="en-US" altLang="ja-JP" dirty="0" smtClean="0"/>
           </a:p>
           <a:p>
@@ -9647,78 +7890,6 @@
               <a:t>これからのこと</a:t>
             </a:r>
             <a:endParaRPr kumimoji="1" lang="en-US" altLang="ja-JP" dirty="0" smtClean="0"/>
-          </a:p>
-        </p:txBody>
-      </p:sp>
-      <p:sp>
-        <p:nvSpPr>
-          <p:cNvPr id="4" name="日付プレースホルダ 3"/>
-          <p:cNvSpPr>
-            <a:spLocks noGrp="1"/>
-          </p:cNvSpPr>
-          <p:nvPr>
-            <p:ph type="dt" sz="half" idx="10"/>
-          </p:nvPr>
-        </p:nvSpPr>
-        <p:spPr/>
-        <p:txBody>
-          <a:bodyPr/>
-          <a:lstStyle/>
-          <a:p>
-            <a:fld id="{FC7AB2BD-E9B7-45BF-89F9-A3C60FAD2BB8}" type="datetime2">
-              <a:rPr lang="en-US" altLang="ja-JP" smtClean="0"/>
-              <a:pPr/>
-              <a:t>Wednesday, October 01, 2014</a:t>
-            </a:fld>
-            <a:endParaRPr lang="ja-JP" altLang="en-US" dirty="0"/>
-          </a:p>
-        </p:txBody>
-      </p:sp>
-      <p:sp>
-        <p:nvSpPr>
-          <p:cNvPr id="5" name="正方形/長方形 4"/>
-          <p:cNvSpPr/>
-          <p:nvPr/>
-        </p:nvSpPr>
-        <p:spPr>
-          <a:xfrm>
-            <a:off x="0" y="1059582"/>
-            <a:ext cx="2555776" cy="72008"/>
-          </a:xfrm>
-          <a:prstGeom prst="rect">
-            <a:avLst/>
-          </a:prstGeom>
-          <a:solidFill>
-            <a:schemeClr val="accent1">
-              <a:lumMod val="75000"/>
-            </a:schemeClr>
-          </a:solidFill>
-          <a:ln>
-            <a:noFill/>
-          </a:ln>
-        </p:spPr>
-        <p:style>
-          <a:lnRef idx="2">
-            <a:schemeClr val="accent1">
-              <a:shade val="50000"/>
-            </a:schemeClr>
-          </a:lnRef>
-          <a:fillRef idx="1">
-            <a:schemeClr val="accent1"/>
-          </a:fillRef>
-          <a:effectRef idx="0">
-            <a:schemeClr val="accent1"/>
-          </a:effectRef>
-          <a:fontRef idx="minor">
-            <a:schemeClr val="lt1"/>
-          </a:fontRef>
-        </p:style>
-        <p:txBody>
-          <a:bodyPr rtlCol="0" anchor="ctr"/>
-          <a:lstStyle/>
-          <a:p>
-            <a:pPr algn="ctr"/>
-            <a:endParaRPr kumimoji="1" lang="ja-JP" altLang="en-US"/>
           </a:p>
         </p:txBody>
       </p:sp>
@@ -9730,10 +7901,10 @@
         </p:nvGrpSpPr>
         <p:grpSpPr>
           <a:xfrm>
-            <a:off x="4211960" y="2139702"/>
-            <a:ext cx="4943542" cy="1296144"/>
+            <a:off x="3923928" y="1923678"/>
+            <a:ext cx="5220072" cy="1728192"/>
             <a:chOff x="4211960" y="2283718"/>
-            <a:chExt cx="4943542" cy="1296144"/>
+            <a:chExt cx="4943542" cy="1728192"/>
           </a:xfrm>
         </p:grpSpPr>
         <p:sp>
@@ -9790,7 +7961,7 @@
           </p:nvSpPr>
           <p:spPr>
             <a:xfrm>
-              <a:off x="4211960" y="3507854"/>
+              <a:off x="4211960" y="3939902"/>
               <a:ext cx="4943542" cy="72008"/>
             </a:xfrm>
             <a:prstGeom prst="rect">
@@ -9865,152 +8036,252 @@
       </p:grpSpPr>
       <p:sp>
         <p:nvSpPr>
-          <p:cNvPr id="2" name="タイトル 1"/>
+          <p:cNvPr id="12" name="コンテンツ プレースホルダ 11"/>
           <p:cNvSpPr>
             <a:spLocks noGrp="1"/>
           </p:cNvSpPr>
           <p:nvPr>
-            <p:ph type="title"/>
+            <p:ph idx="1"/>
           </p:nvPr>
         </p:nvSpPr>
         <p:spPr>
           <a:xfrm>
-            <a:off x="4247964" y="2644840"/>
-            <a:ext cx="648072" cy="507703"/>
-          </a:xfrm>
-        </p:spPr>
-        <p:txBody>
-          <a:bodyPr>
-            <a:normAutofit fontScale="90000"/>
-          </a:bodyPr>
-          <a:lstStyle/>
-          <a:p>
-            <a:r>
-              <a:rPr kumimoji="1" lang="ja-JP" altLang="en-US" sz="4800" dirty="0" err="1" smtClean="0"/>
-              <a:t>ｘ</a:t>
-            </a:r>
-            <a:endParaRPr kumimoji="1" lang="ja-JP" altLang="en-US" sz="4800" dirty="0"/>
-          </a:p>
-        </p:txBody>
-      </p:sp>
-      <p:sp>
-        <p:nvSpPr>
-          <p:cNvPr id="4" name="日付プレースホルダ 3"/>
-          <p:cNvSpPr>
-            <a:spLocks noGrp="1"/>
-          </p:cNvSpPr>
-          <p:nvPr>
-            <p:ph type="dt" sz="half" idx="10"/>
-          </p:nvPr>
-        </p:nvSpPr>
-        <p:spPr/>
+            <a:off x="457200" y="1203598"/>
+            <a:ext cx="8229600" cy="3394472"/>
+          </a:xfrm>
+        </p:spPr>
         <p:txBody>
           <a:bodyPr/>
           <a:lstStyle/>
           <a:p>
-            <a:fld id="{FC7AB2BD-E9B7-45BF-89F9-A3C60FAD2BB8}" type="datetime2">
-              <a:rPr lang="en-US" altLang="ja-JP" smtClean="0"/>
-              <a:pPr/>
-              <a:t>Wednesday, October 01, 2014</a:t>
-            </a:fld>
-            <a:endParaRPr lang="ja-JP" altLang="en-US" dirty="0"/>
-          </a:p>
-        </p:txBody>
-      </p:sp>
-      <p:sp>
-        <p:nvSpPr>
-          <p:cNvPr id="5" name="テキスト ボックス 4"/>
-          <p:cNvSpPr txBox="1"/>
+            <a:pPr algn="ctr">
+              <a:buNone/>
+            </a:pPr>
+            <a:r>
+              <a:rPr kumimoji="1" lang="ja-JP" altLang="en-US" sz="4400" b="1" dirty="0" smtClean="0"/>
+              <a:t>ニックさんの負担を減らす！</a:t>
+            </a:r>
+            <a:endParaRPr kumimoji="1" lang="en-US" altLang="ja-JP" sz="4400" b="1" dirty="0" smtClean="0"/>
+          </a:p>
+          <a:p>
+            <a:pPr algn="ctr">
+              <a:buNone/>
+            </a:pPr>
+            <a:endParaRPr lang="en-US" altLang="ja-JP" sz="4400" b="1" dirty="0" smtClean="0"/>
+          </a:p>
+          <a:p>
+            <a:pPr algn="ctr">
+              <a:buNone/>
+            </a:pPr>
+            <a:r>
+              <a:rPr lang="ja-JP" altLang="en-US" sz="4400" b="1" dirty="0" smtClean="0"/>
+              <a:t>武器を作る！</a:t>
+            </a:r>
+            <a:endParaRPr kumimoji="1" lang="en-US" altLang="ja-JP" sz="4400" b="1" dirty="0" smtClean="0"/>
+          </a:p>
+        </p:txBody>
+      </p:sp>
+      <p:sp>
+        <p:nvSpPr>
+          <p:cNvPr id="6" name="タイトル 1"/>
+          <p:cNvSpPr txBox="1">
+            <a:spLocks/>
+          </p:cNvSpPr>
           <p:nvPr/>
         </p:nvSpPr>
         <p:spPr>
           <a:xfrm>
-            <a:off x="2269840" y="1524729"/>
-            <a:ext cx="4604320" cy="830997"/>
+            <a:off x="179512" y="-20538"/>
+            <a:ext cx="3384376" cy="507703"/>
           </a:xfrm>
           <a:prstGeom prst="rect">
             <a:avLst/>
           </a:prstGeom>
-          <a:noFill/>
-        </p:spPr>
-        <p:txBody>
-          <a:bodyPr wrap="square" rtlCol="0">
-            <a:spAutoFit/>
+        </p:spPr>
+        <p:txBody>
+          <a:bodyPr vert="horz" lIns="91440" tIns="45720" rIns="91440" bIns="45720" rtlCol="0" anchor="ctr">
+            <a:noAutofit/>
           </a:bodyPr>
           <a:lstStyle/>
           <a:p>
-            <a:pPr algn="ctr"/>
-            <a:r>
-              <a:rPr kumimoji="1" lang="ja-JP" altLang="en-US" sz="4800" b="1" dirty="0" smtClean="0"/>
-              <a:t>グラフィクス</a:t>
-            </a:r>
-            <a:endParaRPr kumimoji="1" lang="ja-JP" altLang="en-US" sz="4800" b="1" dirty="0"/>
-          </a:p>
-        </p:txBody>
-      </p:sp>
-      <p:sp>
-        <p:nvSpPr>
-          <p:cNvPr id="7" name="テキスト ボックス 6"/>
-          <p:cNvSpPr txBox="1"/>
-          <p:nvPr/>
-        </p:nvSpPr>
-        <p:spPr>
-          <a:xfrm>
-            <a:off x="3059832" y="3435846"/>
-            <a:ext cx="3024336" cy="830997"/>
-          </a:xfrm>
-          <a:prstGeom prst="rect">
-            <a:avLst/>
-          </a:prstGeom>
-          <a:noFill/>
-        </p:spPr>
-        <p:txBody>
-          <a:bodyPr wrap="square" rtlCol="0">
-            <a:spAutoFit/>
-          </a:bodyPr>
-          <a:lstStyle/>
-          <a:p>
-            <a:pPr algn="ctr"/>
-            <a:r>
-              <a:rPr lang="ja-JP" altLang="en-US" sz="4800" b="1" dirty="0" smtClean="0"/>
-              <a:t>サウンド</a:t>
-            </a:r>
-            <a:endParaRPr kumimoji="1" lang="ja-JP" altLang="en-US" sz="4800" b="1" dirty="0"/>
-          </a:p>
-        </p:txBody>
-      </p:sp>
+            <a:pPr lvl="0">
+              <a:spcBef>
+                <a:spcPct val="0"/>
+              </a:spcBef>
+            </a:pPr>
+            <a:r>
+              <a:rPr lang="en-US" altLang="ja-JP" sz="2800" dirty="0" smtClean="0">
+                <a:solidFill>
+                  <a:schemeClr val="bg1"/>
+                </a:solidFill>
+              </a:rPr>
+              <a:t>2.</a:t>
+            </a:r>
+            <a:r>
+              <a:rPr lang="ja-JP" altLang="en-US" sz="2800" dirty="0" smtClean="0">
+                <a:solidFill>
+                  <a:schemeClr val="bg1"/>
+                </a:solidFill>
+              </a:rPr>
+              <a:t>これ</a:t>
+            </a:r>
+            <a:r>
+              <a:rPr lang="ja-JP" altLang="en-US" sz="2800" dirty="0" smtClean="0">
+                <a:solidFill>
+                  <a:schemeClr val="bg1"/>
+                </a:solidFill>
+              </a:rPr>
+              <a:t>からのこと</a:t>
+            </a:r>
+            <a:endParaRPr kumimoji="1" lang="ja-JP" altLang="en-US" sz="2800" b="0" i="0" u="none" strike="noStrike" kern="1200" cap="none" spc="0" normalizeH="0" baseline="0" noProof="0" dirty="0">
+              <a:ln>
+                <a:noFill/>
+              </a:ln>
+              <a:solidFill>
+                <a:schemeClr val="bg1"/>
+              </a:solidFill>
+              <a:effectLst/>
+              <a:uLnTx/>
+              <a:uFillTx/>
+              <a:latin typeface="+mj-lt"/>
+              <a:ea typeface="+mj-ea"/>
+              <a:cs typeface="+mj-cs"/>
+            </a:endParaRPr>
+          </a:p>
+        </p:txBody>
+      </p:sp>
+    </p:spTree>
+  </p:cSld>
+  <p:clrMapOvr>
+    <a:masterClrMapping/>
+  </p:clrMapOvr>
+  <p:timing>
+    <p:tnLst>
+      <p:par>
+        <p:cTn id="1" dur="indefinite" restart="never" nodeType="tmRoot"/>
+      </p:par>
+    </p:tnLst>
+  </p:timing>
+</p:sld>
+</file>
+
+<file path=ppt/slides/slide21.xml><?xml version="1.0" encoding="utf-8"?>
+<p:sld xmlns:a="http://schemas.openxmlformats.org/drawingml/2006/main" xmlns:r="http://schemas.openxmlformats.org/officeDocument/2006/relationships" xmlns:p="http://schemas.openxmlformats.org/presentationml/2006/main">
+  <p:cSld>
+    <p:spTree>
+      <p:nvGrpSpPr>
+        <p:cNvPr id="1" name=""/>
+        <p:cNvGrpSpPr/>
+        <p:nvPr/>
+      </p:nvGrpSpPr>
+      <p:grpSpPr>
+        <a:xfrm>
+          <a:off x="0" y="0"/>
+          <a:ext cx="0" cy="0"/>
+          <a:chOff x="0" y="0"/>
+          <a:chExt cx="0" cy="0"/>
+        </a:xfrm>
+      </p:grpSpPr>
       <p:grpSp>
         <p:nvGrpSpPr>
-          <p:cNvPr id="8" name="グループ化 7"/>
+          <p:cNvPr id="16" name="グループ化 15"/>
           <p:cNvGrpSpPr/>
           <p:nvPr/>
         </p:nvGrpSpPr>
         <p:grpSpPr>
           <a:xfrm>
-            <a:off x="0" y="555525"/>
-            <a:ext cx="3563888" cy="576065"/>
-            <a:chOff x="0" y="555525"/>
-            <a:chExt cx="3563888" cy="576065"/>
+            <a:off x="611560" y="987574"/>
+            <a:ext cx="8280920" cy="1088831"/>
+            <a:chOff x="611560" y="1347614"/>
+            <a:chExt cx="8280920" cy="1088831"/>
           </a:xfrm>
         </p:grpSpPr>
         <p:sp>
           <p:nvSpPr>
-            <p:cNvPr id="9" name="正方形/長方形 8"/>
+            <p:cNvPr id="11" name="テキスト ボックス 10"/>
+            <p:cNvSpPr txBox="1"/>
+            <p:nvPr/>
+          </p:nvSpPr>
+          <p:spPr>
+            <a:xfrm>
+              <a:off x="611560" y="1347614"/>
+              <a:ext cx="3240360" cy="461665"/>
+            </a:xfrm>
+            <a:prstGeom prst="rect">
+              <a:avLst/>
+            </a:prstGeom>
+            <a:noFill/>
+            <a:ln w="28575">
+              <a:solidFill>
+                <a:srgbClr val="00B0F0"/>
+              </a:solidFill>
+            </a:ln>
+          </p:spPr>
+          <p:txBody>
+            <a:bodyPr wrap="square" rtlCol="0">
+              <a:spAutoFit/>
+            </a:bodyPr>
+            <a:lstStyle/>
+            <a:p>
+              <a:pPr algn="ctr"/>
+              <a:r>
+                <a:rPr kumimoji="1" lang="ja-JP" altLang="en-US" sz="2400" b="1" dirty="0" smtClean="0"/>
+                <a:t>元々やりたかったこと</a:t>
+              </a:r>
+              <a:endParaRPr kumimoji="1" lang="ja-JP" altLang="en-US" sz="2400" b="1" dirty="0"/>
+            </a:p>
+          </p:txBody>
+        </p:sp>
+        <p:sp>
+          <p:nvSpPr>
+            <p:cNvPr id="13" name="テキスト ボックス 12"/>
+            <p:cNvSpPr txBox="1"/>
+            <p:nvPr/>
+          </p:nvSpPr>
+          <p:spPr>
+            <a:xfrm>
+              <a:off x="899592" y="1851670"/>
+              <a:ext cx="7992888" cy="584775"/>
+            </a:xfrm>
+            <a:prstGeom prst="rect">
+              <a:avLst/>
+            </a:prstGeom>
+            <a:noFill/>
+          </p:spPr>
+          <p:txBody>
+            <a:bodyPr wrap="square" rtlCol="0">
+              <a:spAutoFit/>
+            </a:bodyPr>
+            <a:lstStyle/>
+            <a:p>
+              <a:r>
+                <a:rPr kumimoji="1" lang="ja-JP" altLang="en-US" sz="3200" b="1" dirty="0" smtClean="0"/>
+                <a:t>エンジン側。特に</a:t>
+              </a:r>
+              <a:r>
+                <a:rPr kumimoji="1" lang="ja-JP" altLang="en-US" sz="3200" b="1" dirty="0" smtClean="0"/>
+                <a:t>グラフィクスプログラム</a:t>
+              </a:r>
+              <a:endParaRPr kumimoji="1" lang="ja-JP" altLang="en-US" sz="3200" b="1" dirty="0"/>
+            </a:p>
+          </p:txBody>
+        </p:sp>
+        <p:sp>
+          <p:nvSpPr>
+            <p:cNvPr id="14" name="正方形/長方形 13"/>
             <p:cNvSpPr/>
             <p:nvPr/>
           </p:nvSpPr>
           <p:spPr>
             <a:xfrm>
-              <a:off x="0" y="1059582"/>
-              <a:ext cx="3563888" cy="72008"/>
+              <a:off x="971600" y="2355726"/>
+              <a:ext cx="7776864" cy="45719"/>
             </a:xfrm>
             <a:prstGeom prst="rect">
               <a:avLst/>
             </a:prstGeom>
             <a:solidFill>
-              <a:schemeClr val="accent1">
-                <a:lumMod val="75000"/>
-              </a:schemeClr>
+              <a:srgbClr val="00B0F0"/>
             </a:solidFill>
             <a:ln>
               <a:noFill/>
@@ -10041,129 +8312,101 @@
             </a:p>
           </p:txBody>
         </p:sp>
+      </p:grpSp>
+      <p:grpSp>
+        <p:nvGrpSpPr>
+          <p:cNvPr id="17" name="グループ化 16"/>
+          <p:cNvGrpSpPr/>
+          <p:nvPr/>
+        </p:nvGrpSpPr>
+        <p:grpSpPr>
+          <a:xfrm>
+            <a:off x="611560" y="2707055"/>
+            <a:ext cx="8280920" cy="1088831"/>
+            <a:chOff x="611560" y="1347614"/>
+            <a:chExt cx="8280920" cy="1088831"/>
+          </a:xfrm>
+        </p:grpSpPr>
         <p:sp>
           <p:nvSpPr>
-            <p:cNvPr id="10" name="タイトル 1"/>
-            <p:cNvSpPr txBox="1">
-              <a:spLocks/>
-            </p:cNvSpPr>
+            <p:cNvPr id="18" name="テキスト ボックス 17"/>
+            <p:cNvSpPr txBox="1"/>
             <p:nvPr/>
           </p:nvSpPr>
           <p:spPr>
             <a:xfrm>
-              <a:off x="179512" y="555525"/>
-              <a:ext cx="3384376" cy="507703"/>
+              <a:off x="611560" y="1347614"/>
+              <a:ext cx="3240360" cy="461665"/>
             </a:xfrm>
             <a:prstGeom prst="rect">
               <a:avLst/>
             </a:prstGeom>
+            <a:noFill/>
+            <a:ln w="28575">
+              <a:solidFill>
+                <a:srgbClr val="FFC000"/>
+              </a:solidFill>
+            </a:ln>
           </p:spPr>
           <p:txBody>
-            <a:bodyPr vert="horz" lIns="91440" tIns="45720" rIns="91440" bIns="45720" rtlCol="0" anchor="ctr">
-              <a:noAutofit/>
+            <a:bodyPr wrap="square" rtlCol="0">
+              <a:spAutoFit/>
             </a:bodyPr>
             <a:lstStyle/>
             <a:p>
-              <a:pPr lvl="0">
-                <a:spcBef>
-                  <a:spcPct val="0"/>
-                </a:spcBef>
-              </a:pPr>
+              <a:pPr algn="ctr"/>
               <a:r>
-                <a:rPr lang="en-US" altLang="ja-JP" sz="2800" dirty="0" smtClean="0"/>
-                <a:t>2</a:t>
+                <a:rPr kumimoji="1" lang="ja-JP" altLang="en-US" sz="2400" b="1" dirty="0" smtClean="0"/>
+                <a:t>最近やっていること</a:t>
               </a:r>
-              <a:r>
-                <a:rPr lang="en-US" altLang="ja-JP" sz="2800" dirty="0" smtClean="0"/>
-                <a:t>.</a:t>
-              </a:r>
-              <a:r>
-                <a:rPr lang="ja-JP" altLang="en-US" sz="2800" dirty="0" smtClean="0"/>
-                <a:t>これからのこと</a:t>
-              </a:r>
-              <a:endParaRPr kumimoji="1" lang="ja-JP" altLang="en-US" sz="2800" b="0" i="0" u="none" strike="noStrike" kern="1200" cap="none" spc="0" normalizeH="0" baseline="0" noProof="0" dirty="0">
-                <a:ln>
-                  <a:noFill/>
-                </a:ln>
-                <a:solidFill>
-                  <a:schemeClr val="tx1"/>
-                </a:solidFill>
-                <a:effectLst/>
-                <a:uLnTx/>
-                <a:uFillTx/>
-                <a:latin typeface="+mj-lt"/>
-                <a:ea typeface="+mj-ea"/>
-                <a:cs typeface="+mj-cs"/>
-              </a:endParaRPr>
-            </a:p>
-          </p:txBody>
-        </p:sp>
-      </p:grpSp>
-      <p:grpSp>
-        <p:nvGrpSpPr>
-          <p:cNvPr id="11" name="グループ化 10"/>
-          <p:cNvGrpSpPr/>
-          <p:nvPr/>
-        </p:nvGrpSpPr>
-        <p:grpSpPr>
-          <a:xfrm>
-            <a:off x="5868144" y="555526"/>
-            <a:ext cx="3275856" cy="576065"/>
-            <a:chOff x="5364088" y="555526"/>
-            <a:chExt cx="3779912" cy="576065"/>
-          </a:xfrm>
-        </p:grpSpPr>
-        <p:sp>
-          <p:nvSpPr>
-            <p:cNvPr id="12" name="タイトル 1"/>
-            <p:cNvSpPr txBox="1">
-              <a:spLocks/>
-            </p:cNvSpPr>
-            <p:nvPr/>
-          </p:nvSpPr>
-          <p:spPr>
-            <a:xfrm>
-              <a:off x="5364088" y="555526"/>
-              <a:ext cx="3779912" cy="507703"/>
-            </a:xfrm>
-            <a:prstGeom prst="rect">
-              <a:avLst/>
-            </a:prstGeom>
-          </p:spPr>
-          <p:txBody>
-            <a:bodyPr vert="horz" lIns="91440" tIns="45720" rIns="91440" bIns="45720" rtlCol="0" anchor="ctr">
-              <a:noAutofit/>
-            </a:bodyPr>
-            <a:lstStyle/>
-            <a:p>
-              <a:pPr>
-                <a:spcBef>
-                  <a:spcPct val="0"/>
-                </a:spcBef>
-                <a:defRPr/>
-              </a:pPr>
-              <a:r>
-                <a:rPr lang="ja-JP" altLang="en-US" sz="2800" b="1" dirty="0" smtClean="0"/>
-                <a:t>武器を作る</a:t>
-              </a:r>
-              <a:r>
-                <a:rPr lang="ja-JP" altLang="en-US" sz="2800" b="1" dirty="0" smtClean="0"/>
-                <a:t>！</a:t>
-              </a:r>
-              <a:endParaRPr lang="en-US" altLang="ja-JP" sz="2800" b="1" dirty="0" smtClean="0"/>
+              <a:endParaRPr kumimoji="1" lang="ja-JP" altLang="en-US" sz="2400" b="1" dirty="0"/>
             </a:p>
           </p:txBody>
         </p:sp>
         <p:sp>
           <p:nvSpPr>
-            <p:cNvPr id="13" name="正方形/長方形 12"/>
+            <p:cNvPr id="19" name="テキスト ボックス 18"/>
+            <p:cNvSpPr txBox="1"/>
+            <p:nvPr/>
+          </p:nvSpPr>
+          <p:spPr>
+            <a:xfrm>
+              <a:off x="899592" y="1851670"/>
+              <a:ext cx="7992888" cy="584775"/>
+            </a:xfrm>
+            <a:prstGeom prst="rect">
+              <a:avLst/>
+            </a:prstGeom>
+            <a:noFill/>
+          </p:spPr>
+          <p:txBody>
+            <a:bodyPr wrap="square" rtlCol="0">
+              <a:spAutoFit/>
+            </a:bodyPr>
+            <a:lstStyle/>
+            <a:p>
+              <a:r>
+                <a:rPr kumimoji="1" lang="ja-JP" altLang="en-US" sz="3200" b="1" dirty="0" smtClean="0"/>
+                <a:t>エンジン側。</a:t>
+              </a:r>
+              <a:r>
+                <a:rPr kumimoji="1" lang="ja-JP" altLang="en-US" sz="3200" b="1" dirty="0" smtClean="0"/>
+                <a:t>サウンドプログラム</a:t>
+              </a:r>
+              <a:endParaRPr kumimoji="1" lang="ja-JP" altLang="en-US" sz="3200" b="1" dirty="0"/>
+            </a:p>
+          </p:txBody>
+        </p:sp>
+        <p:sp>
+          <p:nvSpPr>
+            <p:cNvPr id="20" name="正方形/長方形 19"/>
             <p:cNvSpPr/>
             <p:nvPr/>
           </p:nvSpPr>
           <p:spPr>
             <a:xfrm>
-              <a:off x="5436096" y="1059583"/>
-              <a:ext cx="3707904" cy="72008"/>
+              <a:off x="971600" y="2355726"/>
+              <a:ext cx="7776864" cy="45719"/>
             </a:xfrm>
             <a:prstGeom prst="rect">
               <a:avLst/>
@@ -10201,6 +8444,75 @@
           </p:txBody>
         </p:sp>
       </p:grpSp>
+      <p:sp>
+        <p:nvSpPr>
+          <p:cNvPr id="22" name="タイトル 1"/>
+          <p:cNvSpPr txBox="1">
+            <a:spLocks/>
+          </p:cNvSpPr>
+          <p:nvPr/>
+        </p:nvSpPr>
+        <p:spPr>
+          <a:xfrm>
+            <a:off x="179512" y="-20538"/>
+            <a:ext cx="3384376" cy="507703"/>
+          </a:xfrm>
+          <a:prstGeom prst="rect">
+            <a:avLst/>
+          </a:prstGeom>
+        </p:spPr>
+        <p:txBody>
+          <a:bodyPr vert="horz" lIns="91440" tIns="45720" rIns="91440" bIns="45720" rtlCol="0" anchor="ctr">
+            <a:noAutofit/>
+          </a:bodyPr>
+          <a:lstStyle/>
+          <a:p>
+            <a:pPr lvl="0">
+              <a:spcBef>
+                <a:spcPct val="0"/>
+              </a:spcBef>
+            </a:pPr>
+            <a:r>
+              <a:rPr lang="en-US" altLang="ja-JP" sz="2800" dirty="0" smtClean="0">
+                <a:solidFill>
+                  <a:schemeClr val="bg1"/>
+                </a:solidFill>
+              </a:rPr>
+              <a:t>2.</a:t>
+            </a:r>
+            <a:r>
+              <a:rPr lang="ja-JP" altLang="en-US" sz="2800" dirty="0" smtClean="0">
+                <a:solidFill>
+                  <a:schemeClr val="bg1"/>
+                </a:solidFill>
+              </a:rPr>
+              <a:t>これ</a:t>
+            </a:r>
+            <a:r>
+              <a:rPr lang="ja-JP" altLang="en-US" sz="2800" dirty="0" smtClean="0">
+                <a:solidFill>
+                  <a:schemeClr val="bg1"/>
+                </a:solidFill>
+              </a:rPr>
+              <a:t>からのこと</a:t>
+            </a:r>
+            <a:endParaRPr kumimoji="1" lang="ja-JP" altLang="en-US" sz="2800" b="0" i="0" u="none" strike="noStrike" kern="1200" cap="none" spc="0" normalizeH="0" baseline="0" noProof="0" dirty="0">
+              <a:ln>
+                <a:noFill/>
+              </a:ln>
+              <a:solidFill>
+                <a:schemeClr val="bg1"/>
+              </a:solidFill>
+              <a:effectLst/>
+              <a:uLnTx/>
+              <a:uFillTx/>
+              <a:latin typeface="+mj-lt"/>
+              <a:ea typeface="+mj-ea"/>
+              <a:cs typeface="+mj-cs"/>
+            </a:endParaRPr>
+          </a:p>
+        </p:txBody>
+      </p:sp>
     </p:spTree>
   </p:cSld>
   <p:clrMapOvr>
@@ -10216,7 +8528,7 @@
 </p:sld>
 </file>
 
-<file path=ppt/slides/slide21.xml><?xml version="1.0" encoding="utf-8"?>
+<file path=ppt/slides/slide22.xml><?xml version="1.0" encoding="utf-8"?>
 <p:sld xmlns:a="http://schemas.openxmlformats.org/drawingml/2006/main" xmlns:r="http://schemas.openxmlformats.org/officeDocument/2006/relationships" xmlns:p="http://schemas.openxmlformats.org/presentationml/2006/main">
   <p:cSld>
     <p:spTree>
@@ -10245,8 +8557,8 @@
         </p:nvSpPr>
         <p:spPr>
           <a:xfrm>
-            <a:off x="457200" y="2280071"/>
-            <a:ext cx="8229600" cy="507703"/>
+            <a:off x="4247964" y="2317899"/>
+            <a:ext cx="648072" cy="507703"/>
           </a:xfrm>
         </p:spPr>
         <p:txBody>
@@ -10256,34 +8568,203 @@
           <a:lstStyle/>
           <a:p>
             <a:r>
+              <a:rPr kumimoji="1" lang="ja-JP" altLang="en-US" sz="4800" dirty="0" err="1" smtClean="0"/>
+              <a:t>ｘ</a:t>
+            </a:r>
+            <a:endParaRPr kumimoji="1" lang="ja-JP" altLang="en-US" sz="4800" dirty="0"/>
+          </a:p>
+        </p:txBody>
+      </p:sp>
+      <p:sp>
+        <p:nvSpPr>
+          <p:cNvPr id="5" name="テキスト ボックス 4"/>
+          <p:cNvSpPr txBox="1"/>
+          <p:nvPr/>
+        </p:nvSpPr>
+        <p:spPr>
+          <a:xfrm>
+            <a:off x="2269840" y="1020673"/>
+            <a:ext cx="4604320" cy="830997"/>
+          </a:xfrm>
+          <a:prstGeom prst="rect">
+            <a:avLst/>
+          </a:prstGeom>
+          <a:noFill/>
+        </p:spPr>
+        <p:txBody>
+          <a:bodyPr wrap="square" rtlCol="0">
+            <a:spAutoFit/>
+          </a:bodyPr>
+          <a:lstStyle/>
+          <a:p>
+            <a:pPr algn="ctr"/>
+            <a:r>
+              <a:rPr kumimoji="1" lang="ja-JP" altLang="en-US" sz="4800" b="1" dirty="0" smtClean="0"/>
+              <a:t>グラフィクス</a:t>
+            </a:r>
+            <a:endParaRPr kumimoji="1" lang="ja-JP" altLang="en-US" sz="4800" b="1" dirty="0"/>
+          </a:p>
+        </p:txBody>
+      </p:sp>
+      <p:sp>
+        <p:nvSpPr>
+          <p:cNvPr id="7" name="テキスト ボックス 6"/>
+          <p:cNvSpPr txBox="1"/>
+          <p:nvPr/>
+        </p:nvSpPr>
+        <p:spPr>
+          <a:xfrm>
+            <a:off x="3059832" y="3291830"/>
+            <a:ext cx="3024336" cy="830997"/>
+          </a:xfrm>
+          <a:prstGeom prst="rect">
+            <a:avLst/>
+          </a:prstGeom>
+          <a:noFill/>
+        </p:spPr>
+        <p:txBody>
+          <a:bodyPr wrap="square" rtlCol="0">
+            <a:spAutoFit/>
+          </a:bodyPr>
+          <a:lstStyle/>
+          <a:p>
+            <a:pPr algn="ctr"/>
+            <a:r>
+              <a:rPr lang="ja-JP" altLang="en-US" sz="4800" b="1" dirty="0" smtClean="0"/>
+              <a:t>サウンド</a:t>
+            </a:r>
+            <a:endParaRPr kumimoji="1" lang="ja-JP" altLang="en-US" sz="4800" b="1" dirty="0"/>
+          </a:p>
+        </p:txBody>
+      </p:sp>
+      <p:sp>
+        <p:nvSpPr>
+          <p:cNvPr id="14" name="タイトル 1"/>
+          <p:cNvSpPr txBox="1">
+            <a:spLocks/>
+          </p:cNvSpPr>
+          <p:nvPr/>
+        </p:nvSpPr>
+        <p:spPr>
+          <a:xfrm>
+            <a:off x="179512" y="-20538"/>
+            <a:ext cx="3384376" cy="507703"/>
+          </a:xfrm>
+          <a:prstGeom prst="rect">
+            <a:avLst/>
+          </a:prstGeom>
+        </p:spPr>
+        <p:txBody>
+          <a:bodyPr vert="horz" lIns="91440" tIns="45720" rIns="91440" bIns="45720" rtlCol="0" anchor="ctr">
+            <a:noAutofit/>
+          </a:bodyPr>
+          <a:lstStyle/>
+          <a:p>
+            <a:pPr lvl="0">
+              <a:spcBef>
+                <a:spcPct val="0"/>
+              </a:spcBef>
+            </a:pPr>
+            <a:r>
+              <a:rPr lang="en-US" altLang="ja-JP" sz="2800" dirty="0" smtClean="0">
+                <a:solidFill>
+                  <a:schemeClr val="bg1"/>
+                </a:solidFill>
+              </a:rPr>
+              <a:t>2.</a:t>
+            </a:r>
+            <a:r>
+              <a:rPr lang="ja-JP" altLang="en-US" sz="2800" dirty="0" smtClean="0">
+                <a:solidFill>
+                  <a:schemeClr val="bg1"/>
+                </a:solidFill>
+              </a:rPr>
+              <a:t>これ</a:t>
+            </a:r>
+            <a:r>
+              <a:rPr lang="ja-JP" altLang="en-US" sz="2800" dirty="0" smtClean="0">
+                <a:solidFill>
+                  <a:schemeClr val="bg1"/>
+                </a:solidFill>
+              </a:rPr>
+              <a:t>からのこと</a:t>
+            </a:r>
+            <a:endParaRPr kumimoji="1" lang="ja-JP" altLang="en-US" sz="2800" b="0" i="0" u="none" strike="noStrike" kern="1200" cap="none" spc="0" normalizeH="0" baseline="0" noProof="0" dirty="0">
+              <a:ln>
+                <a:noFill/>
+              </a:ln>
+              <a:solidFill>
+                <a:schemeClr val="bg1"/>
+              </a:solidFill>
+              <a:effectLst/>
+              <a:uLnTx/>
+              <a:uFillTx/>
+              <a:latin typeface="+mj-lt"/>
+              <a:ea typeface="+mj-ea"/>
+              <a:cs typeface="+mj-cs"/>
+            </a:endParaRPr>
+          </a:p>
+        </p:txBody>
+      </p:sp>
+    </p:spTree>
+  </p:cSld>
+  <p:clrMapOvr>
+    <a:masterClrMapping/>
+  </p:clrMapOvr>
+  <p:timing>
+    <p:tnLst>
+      <p:par>
+        <p:cTn id="1" dur="indefinite" restart="never" nodeType="tmRoot"/>
+      </p:par>
+    </p:tnLst>
+  </p:timing>
+</p:sld>
+</file>
+
+<file path=ppt/slides/slide23.xml><?xml version="1.0" encoding="utf-8"?>
+<p:sld xmlns:a="http://schemas.openxmlformats.org/drawingml/2006/main" xmlns:r="http://schemas.openxmlformats.org/officeDocument/2006/relationships" xmlns:p="http://schemas.openxmlformats.org/presentationml/2006/main">
+  <p:cSld>
+    <p:spTree>
+      <p:nvGrpSpPr>
+        <p:cNvPr id="1" name=""/>
+        <p:cNvGrpSpPr/>
+        <p:nvPr/>
+      </p:nvGrpSpPr>
+      <p:grpSpPr>
+        <a:xfrm>
+          <a:off x="0" y="0"/>
+          <a:ext cx="0" cy="0"/>
+          <a:chOff x="0" y="0"/>
+          <a:chExt cx="0" cy="0"/>
+        </a:xfrm>
+      </p:grpSpPr>
+      <p:sp>
+        <p:nvSpPr>
+          <p:cNvPr id="2" name="タイトル 1"/>
+          <p:cNvSpPr>
+            <a:spLocks noGrp="1"/>
+          </p:cNvSpPr>
+          <p:nvPr>
+            <p:ph type="title"/>
+          </p:nvPr>
+        </p:nvSpPr>
+        <p:spPr>
+          <a:xfrm>
+            <a:off x="457200" y="2280071"/>
+            <a:ext cx="8229600" cy="507703"/>
+          </a:xfrm>
+        </p:spPr>
+        <p:txBody>
+          <a:bodyPr>
+            <a:normAutofit fontScale="90000"/>
+          </a:bodyPr>
+          <a:lstStyle/>
+          <a:p>
+            <a:r>
               <a:rPr kumimoji="1" lang="ja-JP" altLang="en-US" sz="4800" b="1" dirty="0" smtClean="0"/>
               <a:t>ご静聴ありがとうございました。</a:t>
             </a:r>
             <a:endParaRPr kumimoji="1" lang="ja-JP" altLang="en-US" sz="4800" b="1" dirty="0"/>
-          </a:p>
-        </p:txBody>
-      </p:sp>
-      <p:sp>
-        <p:nvSpPr>
-          <p:cNvPr id="4" name="日付プレースホルダ 3"/>
-          <p:cNvSpPr>
-            <a:spLocks noGrp="1"/>
-          </p:cNvSpPr>
-          <p:nvPr>
-            <p:ph type="dt" sz="half" idx="10"/>
-          </p:nvPr>
-        </p:nvSpPr>
-        <p:spPr/>
-        <p:txBody>
-          <a:bodyPr/>
-          <a:lstStyle/>
-          <a:p>
-            <a:fld id="{FC7AB2BD-E9B7-45BF-89F9-A3C60FAD2BB8}" type="datetime2">
-              <a:rPr lang="en-US" altLang="ja-JP" smtClean="0"/>
-              <a:pPr/>
-              <a:t>Wednesday, October 01, 2014</a:t>
-            </a:fld>
-            <a:endParaRPr lang="ja-JP" altLang="en-US" dirty="0"/>
           </a:p>
         </p:txBody>
       </p:sp>
@@ -10331,7 +8812,7 @@
         </p:nvSpPr>
         <p:spPr>
           <a:xfrm>
-            <a:off x="179512" y="555525"/>
+            <a:off x="179512" y="-20538"/>
             <a:ext cx="3528392" cy="507703"/>
           </a:xfrm>
         </p:spPr>
@@ -10343,86 +8824,26 @@
           <a:p>
             <a:pPr algn="l"/>
             <a:r>
-              <a:rPr lang="en-US" altLang="ja-JP" sz="2800" dirty="0" smtClean="0"/>
+              <a:rPr lang="en-US" altLang="ja-JP" sz="2800" dirty="0" smtClean="0">
+                <a:solidFill>
+                  <a:schemeClr val="bg1"/>
+                </a:solidFill>
+              </a:rPr>
               <a:t>1.</a:t>
             </a:r>
             <a:r>
-              <a:rPr lang="ja-JP" altLang="en-US" sz="2800" dirty="0" smtClean="0"/>
+              <a:rPr lang="ja-JP" altLang="en-US" sz="2800" dirty="0" smtClean="0">
+                <a:solidFill>
+                  <a:schemeClr val="bg1"/>
+                </a:solidFill>
+              </a:rPr>
               <a:t>入社からこれまで</a:t>
             </a:r>
-            <a:endParaRPr kumimoji="1" lang="ja-JP" altLang="en-US" sz="2800" dirty="0"/>
-          </a:p>
-        </p:txBody>
-      </p:sp>
-      <p:sp>
-        <p:nvSpPr>
-          <p:cNvPr id="4" name="日付プレースホルダ 3"/>
-          <p:cNvSpPr>
-            <a:spLocks noGrp="1"/>
-          </p:cNvSpPr>
-          <p:nvPr>
-            <p:ph type="dt" sz="half" idx="10"/>
-          </p:nvPr>
-        </p:nvSpPr>
-        <p:spPr/>
-        <p:txBody>
-          <a:bodyPr/>
-          <a:lstStyle/>
-          <a:p>
-            <a:fld id="{FC7AB2BD-E9B7-45BF-89F9-A3C60FAD2BB8}" type="datetime2">
-              <a:rPr lang="en-US" altLang="ja-JP" smtClean="0"/>
-              <a:pPr/>
-              <a:t>Wednesday, October 01, 2014</a:t>
-            </a:fld>
-            <a:endParaRPr lang="ja-JP" altLang="en-US" dirty="0"/>
-          </a:p>
-        </p:txBody>
-      </p:sp>
-      <p:sp>
-        <p:nvSpPr>
-          <p:cNvPr id="5" name="正方形/長方形 4"/>
-          <p:cNvSpPr/>
-          <p:nvPr/>
-        </p:nvSpPr>
-        <p:spPr>
-          <a:xfrm>
-            <a:off x="0" y="1059582"/>
-            <a:ext cx="3563888" cy="72008"/>
-          </a:xfrm>
-          <a:prstGeom prst="rect">
-            <a:avLst/>
-          </a:prstGeom>
-          <a:solidFill>
-            <a:schemeClr val="accent1">
-              <a:lumMod val="75000"/>
-            </a:schemeClr>
-          </a:solidFill>
-          <a:ln>
-            <a:noFill/>
-          </a:ln>
-        </p:spPr>
-        <p:style>
-          <a:lnRef idx="2">
-            <a:schemeClr val="accent1">
-              <a:shade val="50000"/>
-            </a:schemeClr>
-          </a:lnRef>
-          <a:fillRef idx="1">
-            <a:schemeClr val="accent1"/>
-          </a:fillRef>
-          <a:effectRef idx="0">
-            <a:schemeClr val="accent1"/>
-          </a:effectRef>
-          <a:fontRef idx="minor">
-            <a:schemeClr val="lt1"/>
-          </a:fontRef>
-        </p:style>
-        <p:txBody>
-          <a:bodyPr rtlCol="0" anchor="ctr"/>
-          <a:lstStyle/>
-          <a:p>
-            <a:pPr algn="ctr"/>
-            <a:endParaRPr kumimoji="1" lang="ja-JP" altLang="en-US"/>
+            <a:endParaRPr kumimoji="1" lang="ja-JP" altLang="en-US" sz="2800" dirty="0">
+              <a:solidFill>
+                <a:schemeClr val="bg1"/>
+              </a:solidFill>
+            </a:endParaRPr>
           </a:p>
         </p:txBody>
       </p:sp>
@@ -10438,7 +8859,7 @@
         </p:nvSpPr>
         <p:spPr>
           <a:xfrm>
-            <a:off x="-36512" y="1200151"/>
+            <a:off x="0" y="843558"/>
             <a:ext cx="5554960" cy="3394472"/>
           </a:xfrm>
         </p:spPr>
@@ -10499,11 +8920,7 @@
             </a:r>
             <a:r>
               <a:rPr lang="ja-JP" altLang="en-US" dirty="0" smtClean="0"/>
-              <a:t>仕事の仕方を教える</a:t>
-            </a:r>
-            <a:r>
-              <a:rPr lang="ja-JP" altLang="en-US" dirty="0" smtClean="0"/>
-              <a:t>ため</a:t>
+              <a:t>仕事の仕方を教えるため</a:t>
             </a:r>
             <a:endParaRPr lang="en-US" altLang="ja-JP" dirty="0" smtClean="0"/>
           </a:p>
@@ -10525,11 +8942,7 @@
             </a:r>
             <a:r>
               <a:rPr lang="ja-JP" altLang="en-US" dirty="0" smtClean="0"/>
-              <a:t>岡田</a:t>
-            </a:r>
-            <a:r>
-              <a:rPr lang="ja-JP" altLang="en-US" dirty="0" smtClean="0"/>
-              <a:t>さん</a:t>
+              <a:t>岡田さん</a:t>
             </a:r>
             <a:endParaRPr kumimoji="1" lang="en-US" altLang="ja-JP" dirty="0" smtClean="0"/>
           </a:p>
@@ -10559,11 +8972,7 @@
             </a:r>
             <a:r>
               <a:rPr lang="ja-JP" altLang="en-US" dirty="0" smtClean="0"/>
-              <a:t>月～</a:t>
-            </a:r>
-            <a:r>
-              <a:rPr lang="ja-JP" altLang="en-US" dirty="0" smtClean="0"/>
-              <a:t>６月</a:t>
+              <a:t>月～６月</a:t>
             </a:r>
             <a:endParaRPr lang="en-US" altLang="ja-JP" dirty="0" smtClean="0"/>
           </a:p>
@@ -10579,7 +8988,7 @@
         </p:nvSpPr>
         <p:spPr>
           <a:xfrm>
-            <a:off x="5724128" y="555526"/>
+            <a:off x="7441976" y="-20537"/>
             <a:ext cx="3106688" cy="507703"/>
           </a:xfrm>
           <a:prstGeom prst="rect">
@@ -10615,7 +9024,7 @@
                   <a:noFill/>
                 </a:ln>
                 <a:solidFill>
-                  <a:schemeClr val="tx1"/>
+                  <a:schemeClr val="bg1"/>
                 </a:solidFill>
                 <a:effectLst/>
                 <a:uLnTx/>
@@ -10631,7 +9040,7 @@
                 <a:noFill/>
               </a:ln>
               <a:solidFill>
-                <a:schemeClr val="tx1"/>
+                <a:schemeClr val="bg1"/>
               </a:solidFill>
               <a:effectLst/>
               <a:uLnTx/>
@@ -10640,52 +9049,6 @@
               <a:ea typeface="+mj-ea"/>
               <a:cs typeface="+mj-cs"/>
             </a:endParaRPr>
-          </a:p>
-        </p:txBody>
-      </p:sp>
-      <p:sp>
-        <p:nvSpPr>
-          <p:cNvPr id="14" name="正方形/長方形 13"/>
-          <p:cNvSpPr/>
-          <p:nvPr/>
-        </p:nvSpPr>
-        <p:spPr>
-          <a:xfrm>
-            <a:off x="5616624" y="1059583"/>
-            <a:ext cx="3527376" cy="72007"/>
-          </a:xfrm>
-          <a:prstGeom prst="rect">
-            <a:avLst/>
-          </a:prstGeom>
-          <a:solidFill>
-            <a:srgbClr val="FFC000"/>
-          </a:solidFill>
-          <a:ln>
-            <a:noFill/>
-          </a:ln>
-        </p:spPr>
-        <p:style>
-          <a:lnRef idx="2">
-            <a:schemeClr val="accent1">
-              <a:shade val="50000"/>
-            </a:schemeClr>
-          </a:lnRef>
-          <a:fillRef idx="1">
-            <a:schemeClr val="accent1"/>
-          </a:fillRef>
-          <a:effectRef idx="0">
-            <a:schemeClr val="accent1"/>
-          </a:effectRef>
-          <a:fontRef idx="minor">
-            <a:schemeClr val="lt1"/>
-          </a:fontRef>
-        </p:style>
-        <p:txBody>
-          <a:bodyPr rtlCol="0" anchor="ctr"/>
-          <a:lstStyle/>
-          <a:p>
-            <a:pPr algn="ctr"/>
-            <a:endParaRPr kumimoji="1" lang="ja-JP" altLang="en-US"/>
           </a:p>
         </p:txBody>
       </p:sp>
@@ -10706,7 +9069,7 @@
         </p:blipFill>
         <p:spPr bwMode="auto">
           <a:xfrm>
-            <a:off x="6448888" y="1275606"/>
+            <a:off x="6520896" y="1131590"/>
             <a:ext cx="2371584" cy="1872208"/>
           </a:xfrm>
           <a:prstGeom prst="rect">
@@ -10732,7 +9095,7 @@
         </p:blipFill>
         <p:spPr bwMode="auto">
           <a:xfrm>
-            <a:off x="5224752" y="2499742"/>
+            <a:off x="5296760" y="2355726"/>
             <a:ext cx="2462798" cy="1944216"/>
           </a:xfrm>
           <a:prstGeom prst="rect">
@@ -10773,233 +9136,6 @@
           <a:chExt cx="0" cy="0"/>
         </a:xfrm>
       </p:grpSpPr>
-      <p:sp>
-        <p:nvSpPr>
-          <p:cNvPr id="2" name="タイトル 1"/>
-          <p:cNvSpPr>
-            <a:spLocks noGrp="1"/>
-          </p:cNvSpPr>
-          <p:nvPr>
-            <p:ph type="title"/>
-          </p:nvPr>
-        </p:nvSpPr>
-        <p:spPr>
-          <a:xfrm>
-            <a:off x="179512" y="555525"/>
-            <a:ext cx="3528392" cy="507703"/>
-          </a:xfrm>
-        </p:spPr>
-        <p:txBody>
-          <a:bodyPr>
-            <a:noAutofit/>
-          </a:bodyPr>
-          <a:lstStyle/>
-          <a:p>
-            <a:pPr algn="l"/>
-            <a:r>
-              <a:rPr lang="en-US" altLang="ja-JP" sz="2800" dirty="0" smtClean="0"/>
-              <a:t>1.</a:t>
-            </a:r>
-            <a:r>
-              <a:rPr lang="ja-JP" altLang="en-US" sz="2800" dirty="0" smtClean="0"/>
-              <a:t>入社からこれまで</a:t>
-            </a:r>
-            <a:endParaRPr kumimoji="1" lang="ja-JP" altLang="en-US" sz="2800" dirty="0"/>
-          </a:p>
-        </p:txBody>
-      </p:sp>
-      <p:sp>
-        <p:nvSpPr>
-          <p:cNvPr id="4" name="日付プレースホルダ 3"/>
-          <p:cNvSpPr>
-            <a:spLocks noGrp="1"/>
-          </p:cNvSpPr>
-          <p:nvPr>
-            <p:ph type="dt" sz="half" idx="10"/>
-          </p:nvPr>
-        </p:nvSpPr>
-        <p:spPr/>
-        <p:txBody>
-          <a:bodyPr/>
-          <a:lstStyle/>
-          <a:p>
-            <a:fld id="{FC7AB2BD-E9B7-45BF-89F9-A3C60FAD2BB8}" type="datetime2">
-              <a:rPr lang="en-US" altLang="ja-JP" smtClean="0"/>
-              <a:pPr/>
-              <a:t>Wednesday, October 01, 2014</a:t>
-            </a:fld>
-            <a:endParaRPr lang="ja-JP" altLang="en-US" dirty="0"/>
-          </a:p>
-        </p:txBody>
-      </p:sp>
-      <p:sp>
-        <p:nvSpPr>
-          <p:cNvPr id="5" name="正方形/長方形 4"/>
-          <p:cNvSpPr/>
-          <p:nvPr/>
-        </p:nvSpPr>
-        <p:spPr>
-          <a:xfrm>
-            <a:off x="0" y="1059582"/>
-            <a:ext cx="3563888" cy="72008"/>
-          </a:xfrm>
-          <a:prstGeom prst="rect">
-            <a:avLst/>
-          </a:prstGeom>
-          <a:solidFill>
-            <a:schemeClr val="accent1">
-              <a:lumMod val="75000"/>
-            </a:schemeClr>
-          </a:solidFill>
-          <a:ln>
-            <a:noFill/>
-          </a:ln>
-        </p:spPr>
-        <p:style>
-          <a:lnRef idx="2">
-            <a:schemeClr val="accent1">
-              <a:shade val="50000"/>
-            </a:schemeClr>
-          </a:lnRef>
-          <a:fillRef idx="1">
-            <a:schemeClr val="accent1"/>
-          </a:fillRef>
-          <a:effectRef idx="0">
-            <a:schemeClr val="accent1"/>
-          </a:effectRef>
-          <a:fontRef idx="minor">
-            <a:schemeClr val="lt1"/>
-          </a:fontRef>
-        </p:style>
-        <p:txBody>
-          <a:bodyPr rtlCol="0" anchor="ctr"/>
-          <a:lstStyle/>
-          <a:p>
-            <a:pPr algn="ctr"/>
-            <a:endParaRPr kumimoji="1" lang="ja-JP" altLang="en-US"/>
-          </a:p>
-        </p:txBody>
-      </p:sp>
-      <p:sp>
-        <p:nvSpPr>
-          <p:cNvPr id="13" name="タイトル 1"/>
-          <p:cNvSpPr txBox="1">
-            <a:spLocks/>
-          </p:cNvSpPr>
-          <p:nvPr/>
-        </p:nvSpPr>
-        <p:spPr>
-          <a:xfrm>
-            <a:off x="5724128" y="555526"/>
-            <a:ext cx="3106688" cy="507703"/>
-          </a:xfrm>
-          <a:prstGeom prst="rect">
-            <a:avLst/>
-          </a:prstGeom>
-        </p:spPr>
-        <p:txBody>
-          <a:bodyPr vert="horz" lIns="91440" tIns="45720" rIns="91440" bIns="45720" rtlCol="0" anchor="ctr">
-            <a:noAutofit/>
-          </a:bodyPr>
-          <a:lstStyle/>
-          <a:p>
-            <a:pPr marL="0" marR="0" lvl="0" indent="0" algn="l" defTabSz="914400" rtl="0" eaLnBrk="1" fontAlgn="auto" latinLnBrk="0" hangingPunct="1">
-              <a:lnSpc>
-                <a:spcPct val="100000"/>
-              </a:lnSpc>
-              <a:spcBef>
-                <a:spcPct val="0"/>
-              </a:spcBef>
-              <a:spcAft>
-                <a:spcPts val="0"/>
-              </a:spcAft>
-              <a:buClrTx/>
-              <a:buSzTx/>
-              <a:buFontTx/>
-              <a:buNone/>
-              <a:tabLst/>
-              <a:defRPr/>
-            </a:pPr>
-            <a:r>
-              <a:rPr kumimoji="1" lang="ja-JP" altLang="en-US" sz="2800" b="0" i="0" u="none" strike="noStrike" kern="1200" cap="none" spc="0" normalizeH="0" baseline="0" noProof="0" dirty="0" smtClean="0">
-                <a:ln>
-                  <a:noFill/>
-                </a:ln>
-                <a:solidFill>
-                  <a:schemeClr val="tx1"/>
-                </a:solidFill>
-                <a:effectLst/>
-                <a:uLnTx/>
-                <a:uFillTx/>
-                <a:latin typeface="+mj-lt"/>
-                <a:ea typeface="+mj-ea"/>
-                <a:cs typeface="+mj-cs"/>
-              </a:rPr>
-              <a:t>社内研修</a:t>
-            </a:r>
-            <a:endParaRPr kumimoji="1" lang="ja-JP" altLang="en-US" sz="2800" b="0" i="0" u="none" strike="noStrike" kern="1200" cap="none" spc="0" normalizeH="0" baseline="0" noProof="0" dirty="0">
-              <a:ln>
-                <a:noFill/>
-              </a:ln>
-              <a:solidFill>
-                <a:schemeClr val="tx1"/>
-              </a:solidFill>
-              <a:effectLst/>
-              <a:uLnTx/>
-              <a:uFillTx/>
-              <a:latin typeface="+mj-lt"/>
-              <a:ea typeface="+mj-ea"/>
-              <a:cs typeface="+mj-cs"/>
-            </a:endParaRPr>
-          </a:p>
-        </p:txBody>
-      </p:sp>
-      <p:sp>
-        <p:nvSpPr>
-          <p:cNvPr id="14" name="正方形/長方形 13"/>
-          <p:cNvSpPr/>
-          <p:nvPr/>
-        </p:nvSpPr>
-        <p:spPr>
-          <a:xfrm>
-            <a:off x="5616624" y="1059583"/>
-            <a:ext cx="3527376" cy="72007"/>
-          </a:xfrm>
-          <a:prstGeom prst="rect">
-            <a:avLst/>
-          </a:prstGeom>
-          <a:solidFill>
-            <a:srgbClr val="FFC000"/>
-          </a:solidFill>
-          <a:ln>
-            <a:noFill/>
-          </a:ln>
-        </p:spPr>
-        <p:style>
-          <a:lnRef idx="2">
-            <a:schemeClr val="accent1">
-              <a:shade val="50000"/>
-            </a:schemeClr>
-          </a:lnRef>
-          <a:fillRef idx="1">
-            <a:schemeClr val="accent1"/>
-          </a:fillRef>
-          <a:effectRef idx="0">
-            <a:schemeClr val="accent1"/>
-          </a:effectRef>
-          <a:fontRef idx="minor">
-            <a:schemeClr val="lt1"/>
-          </a:fontRef>
-        </p:style>
-        <p:txBody>
-          <a:bodyPr rtlCol="0" anchor="ctr"/>
-          <a:lstStyle/>
-          <a:p>
-            <a:pPr algn="ctr"/>
-            <a:endParaRPr kumimoji="1" lang="ja-JP" altLang="en-US"/>
-          </a:p>
-        </p:txBody>
-      </p:sp>
       <p:grpSp>
         <p:nvGrpSpPr>
           <p:cNvPr id="6" name="グループ化 10"/>
@@ -11008,10 +9144,10 @@
         </p:nvGrpSpPr>
         <p:grpSpPr>
           <a:xfrm flipH="1">
-            <a:off x="1475656" y="1353630"/>
-            <a:ext cx="360040" cy="3312368"/>
+            <a:off x="1475656" y="987574"/>
+            <a:ext cx="360040" cy="3672408"/>
             <a:chOff x="539552" y="1347614"/>
-            <a:chExt cx="360040" cy="3312368"/>
+            <a:chExt cx="360040" cy="3672408"/>
           </a:xfrm>
         </p:grpSpPr>
         <p:sp>
@@ -11068,8 +9204,8 @@
           </p:nvSpPr>
           <p:spPr>
             <a:xfrm>
-              <a:off x="696712" y="1707654"/>
-              <a:ext cx="45719" cy="2952328"/>
+              <a:off x="683569" y="1707654"/>
+              <a:ext cx="58863" cy="3312368"/>
             </a:xfrm>
             <a:prstGeom prst="rect">
               <a:avLst/>
@@ -11115,7 +9251,7 @@
         </p:nvGrpSpPr>
         <p:grpSpPr>
           <a:xfrm>
-            <a:off x="755576" y="1851670"/>
+            <a:off x="755576" y="1485614"/>
             <a:ext cx="6768752" cy="369332"/>
             <a:chOff x="755576" y="1851670"/>
             <a:chExt cx="6768752" cy="369332"/>
@@ -11191,7 +9327,7 @@
         </p:nvGrpSpPr>
         <p:grpSpPr>
           <a:xfrm>
-            <a:off x="755576" y="2523745"/>
+            <a:off x="755576" y="2252607"/>
             <a:ext cx="6768752" cy="369332"/>
             <a:chOff x="755576" y="2396376"/>
             <a:chExt cx="6768752" cy="369332"/>
@@ -11267,7 +9403,7 @@
         </p:nvGrpSpPr>
         <p:grpSpPr>
           <a:xfrm>
-            <a:off x="755576" y="3195820"/>
+            <a:off x="755576" y="3019600"/>
             <a:ext cx="8280920" cy="369332"/>
             <a:chOff x="755576" y="3147814"/>
             <a:chExt cx="8280920" cy="369332"/>
@@ -11355,7 +9491,7 @@
         </p:nvGrpSpPr>
         <p:grpSpPr>
           <a:xfrm>
-            <a:off x="755576" y="3867894"/>
+            <a:off x="755576" y="3786594"/>
             <a:ext cx="6768752" cy="369332"/>
             <a:chOff x="755576" y="4096692"/>
             <a:chExt cx="6768752" cy="369332"/>
@@ -11423,6 +9559,127 @@
           </p:txBody>
         </p:sp>
       </p:grpSp>
+      <p:sp>
+        <p:nvSpPr>
+          <p:cNvPr id="25" name="タイトル 1"/>
+          <p:cNvSpPr txBox="1">
+            <a:spLocks/>
+          </p:cNvSpPr>
+          <p:nvPr/>
+        </p:nvSpPr>
+        <p:spPr>
+          <a:xfrm>
+            <a:off x="7441976" y="-20537"/>
+            <a:ext cx="3106688" cy="507703"/>
+          </a:xfrm>
+          <a:prstGeom prst="rect">
+            <a:avLst/>
+          </a:prstGeom>
+        </p:spPr>
+        <p:txBody>
+          <a:bodyPr vert="horz" lIns="91440" tIns="45720" rIns="91440" bIns="45720" rtlCol="0" anchor="ctr">
+            <a:noAutofit/>
+          </a:bodyPr>
+          <a:lstStyle/>
+          <a:p>
+            <a:pPr marL="0" marR="0" lvl="0" indent="0" algn="l" defTabSz="914400" rtl="0" eaLnBrk="1" fontAlgn="auto" latinLnBrk="0" hangingPunct="1">
+              <a:lnSpc>
+                <a:spcPct val="100000"/>
+              </a:lnSpc>
+              <a:spcBef>
+                <a:spcPct val="0"/>
+              </a:spcBef>
+              <a:spcAft>
+                <a:spcPts val="0"/>
+              </a:spcAft>
+              <a:buClrTx/>
+              <a:buSzTx/>
+              <a:buFontTx/>
+              <a:buNone/>
+              <a:tabLst/>
+              <a:defRPr/>
+            </a:pPr>
+            <a:r>
+              <a:rPr kumimoji="1" lang="ja-JP" altLang="en-US" sz="2800" b="0" i="0" u="none" strike="noStrike" kern="1200" cap="none" spc="0" normalizeH="0" baseline="0" noProof="0" dirty="0" smtClean="0">
+                <a:ln>
+                  <a:noFill/>
+                </a:ln>
+                <a:solidFill>
+                  <a:schemeClr val="bg1"/>
+                </a:solidFill>
+                <a:effectLst/>
+                <a:uLnTx/>
+                <a:uFillTx/>
+                <a:latin typeface="+mj-lt"/>
+                <a:ea typeface="+mj-ea"/>
+                <a:cs typeface="+mj-cs"/>
+              </a:rPr>
+              <a:t>社内研修</a:t>
+            </a:r>
+            <a:endParaRPr kumimoji="1" lang="ja-JP" altLang="en-US" sz="2800" b="0" i="0" u="none" strike="noStrike" kern="1200" cap="none" spc="0" normalizeH="0" baseline="0" noProof="0" dirty="0">
+              <a:ln>
+                <a:noFill/>
+              </a:ln>
+              <a:solidFill>
+                <a:schemeClr val="bg1"/>
+              </a:solidFill>
+              <a:effectLst/>
+              <a:uLnTx/>
+              <a:uFillTx/>
+              <a:latin typeface="+mj-lt"/>
+              <a:ea typeface="+mj-ea"/>
+              <a:cs typeface="+mj-cs"/>
+            </a:endParaRPr>
+          </a:p>
+        </p:txBody>
+      </p:sp>
+      <p:sp>
+        <p:nvSpPr>
+          <p:cNvPr id="26" name="タイトル 1"/>
+          <p:cNvSpPr>
+            <a:spLocks noGrp="1"/>
+          </p:cNvSpPr>
+          <p:nvPr>
+            <p:ph type="title"/>
+          </p:nvPr>
+        </p:nvSpPr>
+        <p:spPr>
+          <a:xfrm>
+            <a:off x="179512" y="-20538"/>
+            <a:ext cx="3528392" cy="507703"/>
+          </a:xfrm>
+        </p:spPr>
+        <p:txBody>
+          <a:bodyPr>
+            <a:noAutofit/>
+          </a:bodyPr>
+          <a:lstStyle/>
+          <a:p>
+            <a:pPr algn="l"/>
+            <a:r>
+              <a:rPr lang="en-US" altLang="ja-JP" sz="2800" dirty="0" smtClean="0">
+                <a:solidFill>
+                  <a:schemeClr val="bg1"/>
+                </a:solidFill>
+              </a:rPr>
+              <a:t>1.</a:t>
+            </a:r>
+            <a:r>
+              <a:rPr lang="ja-JP" altLang="en-US" sz="2800" dirty="0" smtClean="0">
+                <a:solidFill>
+                  <a:schemeClr val="bg1"/>
+                </a:solidFill>
+              </a:rPr>
+              <a:t>入社からこれまで</a:t>
+            </a:r>
+            <a:endParaRPr kumimoji="1" lang="ja-JP" altLang="en-US" sz="2800" dirty="0">
+              <a:solidFill>
+                <a:schemeClr val="bg1"/>
+              </a:solidFill>
+            </a:endParaRPr>
+          </a:p>
+        </p:txBody>
+      </p:sp>
     </p:spTree>
   </p:cSld>
   <p:clrMapOvr>
@@ -11455,155 +9712,38 @@
           <a:chExt cx="0" cy="0"/>
         </a:xfrm>
       </p:grpSpPr>
-      <p:sp>
-        <p:nvSpPr>
-          <p:cNvPr id="2" name="タイトル 1"/>
-          <p:cNvSpPr>
-            <a:spLocks noGrp="1"/>
-          </p:cNvSpPr>
+      <p:pic>
+        <p:nvPicPr>
+          <p:cNvPr id="8" name="breakout.mp4">
+            <a:hlinkClick r:id="" action="ppaction://media"/>
+          </p:cNvPr>
+          <p:cNvPicPr>
+            <a:picLocks noGrp="1" noRot="1" noChangeAspect="1"/>
+          </p:cNvPicPr>
           <p:nvPr>
-            <p:ph type="title"/>
+            <p:ph idx="1"/>
+            <a:videoFile r:link="rId1"/>
           </p:nvPr>
-        </p:nvSpPr>
-        <p:spPr>
-          <a:xfrm>
-            <a:off x="179512" y="555525"/>
-            <a:ext cx="3528392" cy="507703"/>
-          </a:xfrm>
-        </p:spPr>
-        <p:txBody>
-          <a:bodyPr>
-            <a:noAutofit/>
-          </a:bodyPr>
-          <a:lstStyle/>
-          <a:p>
-            <a:pPr algn="l"/>
-            <a:r>
-              <a:rPr lang="en-US" altLang="ja-JP" sz="2800" dirty="0" smtClean="0"/>
-              <a:t>1.</a:t>
-            </a:r>
-            <a:r>
-              <a:rPr lang="ja-JP" altLang="en-US" sz="2800" dirty="0" smtClean="0"/>
-              <a:t>入社からこれまで</a:t>
-            </a:r>
-            <a:endParaRPr kumimoji="1" lang="ja-JP" altLang="en-US" sz="2800" dirty="0"/>
-          </a:p>
-        </p:txBody>
-      </p:sp>
-      <p:sp>
-        <p:nvSpPr>
-          <p:cNvPr id="4" name="日付プレースホルダ 3"/>
-          <p:cNvSpPr>
-            <a:spLocks noGrp="1"/>
-          </p:cNvSpPr>
-          <p:nvPr>
-            <p:ph type="dt" sz="half" idx="10"/>
-          </p:nvPr>
-        </p:nvSpPr>
-        <p:spPr/>
-        <p:txBody>
-          <a:bodyPr/>
-          <a:lstStyle/>
-          <a:p>
-            <a:fld id="{FC7AB2BD-E9B7-45BF-89F9-A3C60FAD2BB8}" type="datetime2">
-              <a:rPr lang="en-US" altLang="ja-JP" smtClean="0"/>
-              <a:pPr/>
-              <a:t>Wednesday, October 01, 2014</a:t>
-            </a:fld>
-            <a:endParaRPr lang="ja-JP" altLang="en-US" dirty="0"/>
-          </a:p>
-        </p:txBody>
-      </p:sp>
-      <p:sp>
-        <p:nvSpPr>
-          <p:cNvPr id="5" name="正方形/長方形 4"/>
-          <p:cNvSpPr/>
-          <p:nvPr/>
-        </p:nvSpPr>
-        <p:spPr>
-          <a:xfrm>
-            <a:off x="0" y="1059582"/>
-            <a:ext cx="3563888" cy="72008"/>
+        </p:nvPicPr>
+        <p:blipFill>
+          <a:blip r:embed="rId3" cstate="print"/>
+          <a:stretch>
+            <a:fillRect/>
+          </a:stretch>
+        </p:blipFill>
+        <p:spPr>
+          <a:xfrm>
+            <a:off x="2123728" y="915566"/>
+            <a:ext cx="4404320" cy="3303240"/>
           </a:xfrm>
           <a:prstGeom prst="rect">
             <a:avLst/>
           </a:prstGeom>
-          <a:solidFill>
-            <a:schemeClr val="accent1">
-              <a:lumMod val="75000"/>
-            </a:schemeClr>
-          </a:solidFill>
-          <a:ln>
-            <a:noFill/>
-          </a:ln>
-        </p:spPr>
-        <p:style>
-          <a:lnRef idx="2">
-            <a:schemeClr val="accent1">
-              <a:shade val="50000"/>
-            </a:schemeClr>
-          </a:lnRef>
-          <a:fillRef idx="1">
-            <a:schemeClr val="accent1"/>
-          </a:fillRef>
-          <a:effectRef idx="0">
-            <a:schemeClr val="accent1"/>
-          </a:effectRef>
-          <a:fontRef idx="minor">
-            <a:schemeClr val="lt1"/>
-          </a:fontRef>
-        </p:style>
-        <p:txBody>
-          <a:bodyPr rtlCol="0" anchor="ctr"/>
-          <a:lstStyle/>
-          <a:p>
-            <a:pPr algn="ctr"/>
-            <a:endParaRPr kumimoji="1" lang="ja-JP" altLang="en-US"/>
-          </a:p>
-        </p:txBody>
-      </p:sp>
-      <p:sp>
-        <p:nvSpPr>
-          <p:cNvPr id="12" name="コンテンツ プレースホルダ 11"/>
-          <p:cNvSpPr>
-            <a:spLocks noGrp="1"/>
-          </p:cNvSpPr>
-          <p:nvPr>
-            <p:ph idx="1"/>
-          </p:nvPr>
-        </p:nvSpPr>
-        <p:spPr>
-          <a:xfrm>
-            <a:off x="0" y="2427734"/>
-            <a:ext cx="9144000" cy="576064"/>
-          </a:xfrm>
-        </p:spPr>
-        <p:txBody>
-          <a:bodyPr>
-            <a:normAutofit lnSpcReduction="10000"/>
-          </a:bodyPr>
-          <a:lstStyle/>
-          <a:p>
-            <a:pPr algn="ctr">
-              <a:buNone/>
-            </a:pPr>
-            <a:r>
-              <a:rPr lang="ja-JP" altLang="en-US" b="1" dirty="0" smtClean="0">
-                <a:latin typeface="Batang" pitchFamily="18" charset="-127"/>
-                <a:ea typeface="Batang" pitchFamily="18" charset="-127"/>
-              </a:rPr>
-              <a:t>実演</a:t>
-            </a:r>
-            <a:endParaRPr kumimoji="1" lang="en-US" altLang="ja-JP" b="1" dirty="0" smtClean="0">
-              <a:latin typeface="Batang" pitchFamily="18" charset="-127"/>
-              <a:ea typeface="Batang" pitchFamily="18" charset="-127"/>
-            </a:endParaRPr>
-          </a:p>
-        </p:txBody>
-      </p:sp>
-      <p:sp>
-        <p:nvSpPr>
-          <p:cNvPr id="13" name="タイトル 1"/>
+        </p:spPr>
+      </p:pic>
+      <p:sp>
+        <p:nvSpPr>
+          <p:cNvPr id="12" name="タイトル 1"/>
           <p:cNvSpPr txBox="1">
             <a:spLocks/>
           </p:cNvSpPr>
@@ -11611,7 +9751,7 @@
         </p:nvSpPr>
         <p:spPr>
           <a:xfrm>
-            <a:off x="5724128" y="555526"/>
+            <a:off x="7441976" y="-20537"/>
             <a:ext cx="3106688" cy="507703"/>
           </a:xfrm>
           <a:prstGeom prst="rect">
@@ -11647,7 +9787,7 @@
                   <a:noFill/>
                 </a:ln>
                 <a:solidFill>
-                  <a:schemeClr val="tx1"/>
+                  <a:schemeClr val="bg1"/>
                 </a:solidFill>
                 <a:effectLst/>
                 <a:uLnTx/>
@@ -11663,7 +9803,7 @@
                 <a:noFill/>
               </a:ln>
               <a:solidFill>
-                <a:schemeClr val="tx1"/>
+                <a:schemeClr val="bg1"/>
               </a:solidFill>
               <a:effectLst/>
               <a:uLnTx/>
@@ -11677,47 +9817,48 @@
       </p:sp>
       <p:sp>
         <p:nvSpPr>
-          <p:cNvPr id="14" name="正方形/長方形 13"/>
-          <p:cNvSpPr/>
-          <p:nvPr/>
-        </p:nvSpPr>
-        <p:spPr>
-          <a:xfrm>
-            <a:off x="5616624" y="1059583"/>
-            <a:ext cx="3527376" cy="72007"/>
-          </a:xfrm>
-          <a:prstGeom prst="rect">
-            <a:avLst/>
-          </a:prstGeom>
-          <a:solidFill>
-            <a:srgbClr val="FFC000"/>
-          </a:solidFill>
-          <a:ln>
-            <a:noFill/>
-          </a:ln>
-        </p:spPr>
-        <p:style>
-          <a:lnRef idx="2">
-            <a:schemeClr val="accent1">
-              <a:shade val="50000"/>
-            </a:schemeClr>
-          </a:lnRef>
-          <a:fillRef idx="1">
-            <a:schemeClr val="accent1"/>
-          </a:fillRef>
-          <a:effectRef idx="0">
-            <a:schemeClr val="accent1"/>
-          </a:effectRef>
-          <a:fontRef idx="minor">
-            <a:schemeClr val="lt1"/>
-          </a:fontRef>
-        </p:style>
-        <p:txBody>
-          <a:bodyPr rtlCol="0" anchor="ctr"/>
+          <p:cNvPr id="15" name="タイトル 1"/>
+          <p:cNvSpPr>
+            <a:spLocks noGrp="1"/>
+          </p:cNvSpPr>
+          <p:nvPr>
+            <p:ph type="title"/>
+          </p:nvPr>
+        </p:nvSpPr>
+        <p:spPr>
+          <a:xfrm>
+            <a:off x="179512" y="-20538"/>
+            <a:ext cx="3528392" cy="507703"/>
+          </a:xfrm>
+        </p:spPr>
+        <p:txBody>
+          <a:bodyPr>
+            <a:noAutofit/>
+          </a:bodyPr>
           <a:lstStyle/>
           <a:p>
-            <a:pPr algn="ctr"/>
-            <a:endParaRPr kumimoji="1" lang="ja-JP" altLang="en-US"/>
+            <a:pPr algn="l"/>
+            <a:r>
+              <a:rPr lang="en-US" altLang="ja-JP" sz="2800" dirty="0" smtClean="0">
+                <a:solidFill>
+                  <a:schemeClr val="bg1"/>
+                </a:solidFill>
+              </a:rPr>
+              <a:t>1.</a:t>
+            </a:r>
+            <a:r>
+              <a:rPr lang="ja-JP" altLang="en-US" sz="2800" dirty="0" smtClean="0">
+                <a:solidFill>
+                  <a:schemeClr val="bg1"/>
+                </a:solidFill>
+              </a:rPr>
+              <a:t>入社からこれまで</a:t>
+            </a:r>
+            <a:endParaRPr kumimoji="1" lang="ja-JP" altLang="en-US" sz="2800" dirty="0">
+              <a:solidFill>
+                <a:schemeClr val="bg1"/>
+              </a:solidFill>
+            </a:endParaRPr>
           </a:p>
         </p:txBody>
       </p:sp>
@@ -11729,7 +9870,92 @@
   <p:timing>
     <p:tnLst>
       <p:par>
-        <p:cTn id="1" dur="indefinite" restart="never" nodeType="tmRoot"/>
+        <p:cTn id="1" dur="indefinite" restart="never" nodeType="tmRoot">
+          <p:childTnLst>
+            <p:seq concurrent="1" nextAc="seek">
+              <p:cTn id="2" restart="whenNotActive" fill="hold" evtFilter="cancelBubble" nodeType="interactiveSeq">
+                <p:stCondLst>
+                  <p:cond evt="onClick" delay="0">
+                    <p:tgtEl>
+                      <p:spTgt spid="8"/>
+                    </p:tgtEl>
+                  </p:cond>
+                </p:stCondLst>
+                <p:endSync evt="end" delay="0">
+                  <p:rtn val="all"/>
+                </p:endSync>
+                <p:childTnLst>
+                  <p:par>
+                    <p:cTn id="3" fill="hold">
+                      <p:stCondLst>
+                        <p:cond delay="0"/>
+                      </p:stCondLst>
+                      <p:childTnLst>
+                        <p:par>
+                          <p:cTn id="4" fill="hold">
+                            <p:stCondLst>
+                              <p:cond delay="0"/>
+                            </p:stCondLst>
+                            <p:childTnLst>
+                              <p:par>
+                                <p:cTn id="5" presetID="2" presetClass="mediacall" presetSubtype="0" fill="hold" nodeType="clickEffect">
+                                  <p:stCondLst>
+                                    <p:cond delay="0"/>
+                                  </p:stCondLst>
+                                  <p:childTnLst>
+                                    <p:cmd type="call" cmd="togglePause">
+                                      <p:cBhvr>
+                                        <p:cTn id="6" dur="1" fill="hold"/>
+                                        <p:tgtEl>
+                                          <p:spTgt spid="8"/>
+                                        </p:tgtEl>
+                                      </p:cBhvr>
+                                    </p:cmd>
+                                  </p:childTnLst>
+                                </p:cTn>
+                              </p:par>
+                            </p:childTnLst>
+                          </p:cTn>
+                        </p:par>
+                      </p:childTnLst>
+                    </p:cTn>
+                  </p:par>
+                </p:childTnLst>
+              </p:cTn>
+              <p:nextCondLst>
+                <p:cond evt="onClick" delay="0">
+                  <p:tgtEl>
+                    <p:spTgt spid="8"/>
+                  </p:tgtEl>
+                </p:cond>
+              </p:nextCondLst>
+            </p:seq>
+            <p:video>
+              <p:cMediaNode>
+                <p:cTn id="7" fill="hold" display="0">
+                  <p:stCondLst>
+                    <p:cond delay="indefinite"/>
+                  </p:stCondLst>
+                  <p:endCondLst>
+                    <p:cond evt="onNext" delay="0">
+                      <p:tgtEl>
+                        <p:sldTgt/>
+                      </p:tgtEl>
+                    </p:cond>
+                    <p:cond evt="onPrev" delay="0">
+                      <p:tgtEl>
+                        <p:sldTgt/>
+                      </p:tgtEl>
+                    </p:cond>
+                  </p:endCondLst>
+                </p:cTn>
+                <p:tgtEl>
+                  <p:spTgt spid="8"/>
+                </p:tgtEl>
+              </p:cMediaNode>
+            </p:video>
+          </p:childTnLst>
+        </p:cTn>
       </p:par>
     </p:tnLst>
   </p:timing>
@@ -11755,167 +9981,89 @@
       </p:grpSpPr>
       <p:sp>
         <p:nvSpPr>
-          <p:cNvPr id="2" name="タイトル 1"/>
+          <p:cNvPr id="12" name="コンテンツ プレースホルダ 11"/>
           <p:cNvSpPr>
             <a:spLocks noGrp="1"/>
           </p:cNvSpPr>
           <p:nvPr>
-            <p:ph type="title"/>
+            <p:ph idx="1"/>
           </p:nvPr>
         </p:nvSpPr>
         <p:spPr>
           <a:xfrm>
-            <a:off x="179512" y="555525"/>
-            <a:ext cx="3528392" cy="507703"/>
-          </a:xfrm>
-        </p:spPr>
-        <p:txBody>
-          <a:bodyPr>
-            <a:noAutofit/>
-          </a:bodyPr>
-          <a:lstStyle/>
-          <a:p>
-            <a:pPr algn="l"/>
-            <a:r>
-              <a:rPr lang="en-US" altLang="ja-JP" sz="2800" dirty="0" smtClean="0"/>
-              <a:t>1.</a:t>
-            </a:r>
-            <a:r>
-              <a:rPr lang="ja-JP" altLang="en-US" sz="2800" dirty="0" smtClean="0"/>
-              <a:t>入社からこれまで</a:t>
-            </a:r>
-            <a:endParaRPr kumimoji="1" lang="ja-JP" altLang="en-US" sz="2800" dirty="0"/>
-          </a:p>
-        </p:txBody>
-      </p:sp>
-      <p:sp>
-        <p:nvSpPr>
-          <p:cNvPr id="4" name="日付プレースホルダ 3"/>
-          <p:cNvSpPr>
-            <a:spLocks noGrp="1"/>
-          </p:cNvSpPr>
-          <p:nvPr>
-            <p:ph type="dt" sz="half" idx="10"/>
-          </p:nvPr>
-        </p:nvSpPr>
-        <p:spPr/>
+            <a:off x="53752" y="1989037"/>
+            <a:ext cx="9036496" cy="2814961"/>
+          </a:xfrm>
+        </p:spPr>
         <p:txBody>
           <a:bodyPr/>
           <a:lstStyle/>
           <a:p>
-            <a:fld id="{FC7AB2BD-E9B7-45BF-89F9-A3C60FAD2BB8}" type="datetime2">
-              <a:rPr lang="en-US" altLang="ja-JP" smtClean="0"/>
-              <a:pPr/>
-              <a:t>Wednesday, October 01, 2014</a:t>
-            </a:fld>
-            <a:endParaRPr lang="ja-JP" altLang="en-US" dirty="0"/>
-          </a:p>
-        </p:txBody>
-      </p:sp>
-      <p:sp>
-        <p:nvSpPr>
-          <p:cNvPr id="5" name="正方形/長方形 4"/>
-          <p:cNvSpPr/>
+            <a:pPr algn="ctr">
+              <a:buNone/>
+            </a:pPr>
+            <a:r>
+              <a:rPr lang="ja-JP" altLang="en-US" sz="6000" dirty="0" smtClean="0"/>
+              <a:t>説明をするための</a:t>
+            </a:r>
+            <a:endParaRPr lang="en-US" altLang="ja-JP" sz="6000" dirty="0" smtClean="0"/>
+          </a:p>
+          <a:p>
+            <a:pPr algn="ctr">
+              <a:buNone/>
+            </a:pPr>
+            <a:r>
+              <a:rPr lang="ja-JP" altLang="en-US" sz="6000" dirty="0" smtClean="0"/>
+              <a:t>準備をする</a:t>
+            </a:r>
+            <a:r>
+              <a:rPr lang="en-US" altLang="ja-JP" dirty="0" smtClean="0"/>
+              <a:t>	</a:t>
+            </a:r>
+            <a:endParaRPr kumimoji="1" lang="en-US" altLang="ja-JP" dirty="0" smtClean="0"/>
+          </a:p>
+        </p:txBody>
+      </p:sp>
+      <p:sp>
+        <p:nvSpPr>
+          <p:cNvPr id="8" name="テキスト ボックス 7"/>
+          <p:cNvSpPr txBox="1"/>
           <p:nvPr/>
         </p:nvSpPr>
         <p:spPr>
           <a:xfrm>
-            <a:off x="0" y="1059582"/>
-            <a:ext cx="3563888" cy="72008"/>
+            <a:off x="1943708" y="699542"/>
+            <a:ext cx="5256584" cy="1015663"/>
           </a:xfrm>
           <a:prstGeom prst="rect">
             <a:avLst/>
           </a:prstGeom>
-          <a:solidFill>
-            <a:schemeClr val="accent1">
-              <a:lumMod val="75000"/>
-            </a:schemeClr>
-          </a:solidFill>
-          <a:ln>
-            <a:noFill/>
-          </a:ln>
-        </p:spPr>
-        <p:style>
-          <a:lnRef idx="2">
-            <a:schemeClr val="accent1">
-              <a:shade val="50000"/>
-            </a:schemeClr>
-          </a:lnRef>
-          <a:fillRef idx="1">
-            <a:schemeClr val="accent1"/>
-          </a:fillRef>
-          <a:effectRef idx="0">
-            <a:schemeClr val="accent1"/>
-          </a:effectRef>
-          <a:fontRef idx="minor">
-            <a:schemeClr val="lt1"/>
-          </a:fontRef>
-        </p:style>
-        <p:txBody>
-          <a:bodyPr rtlCol="0" anchor="ctr"/>
+          <a:noFill/>
+        </p:spPr>
+        <p:txBody>
+          <a:bodyPr wrap="square" rtlCol="0">
+            <a:spAutoFit/>
+          </a:bodyPr>
           <a:lstStyle/>
           <a:p>
             <a:pPr algn="ctr"/>
-            <a:endParaRPr kumimoji="1" lang="ja-JP" altLang="en-US"/>
-          </a:p>
-        </p:txBody>
-      </p:sp>
-      <p:sp>
-        <p:nvSpPr>
-          <p:cNvPr id="12" name="コンテンツ プレースホルダ 11"/>
-          <p:cNvSpPr>
-            <a:spLocks noGrp="1"/>
-          </p:cNvSpPr>
-          <p:nvPr>
-            <p:ph idx="1"/>
-          </p:nvPr>
-        </p:nvSpPr>
-        <p:spPr>
-          <a:xfrm>
-            <a:off x="0" y="2349077"/>
-            <a:ext cx="9036496" cy="2814961"/>
-          </a:xfrm>
-        </p:spPr>
-        <p:txBody>
-          <a:bodyPr/>
-          <a:lstStyle/>
-          <a:p>
-            <a:pPr algn="ctr">
-              <a:buNone/>
-            </a:pPr>
-            <a:r>
-              <a:rPr lang="ja-JP" altLang="en-US" sz="6000" dirty="0" smtClean="0"/>
-              <a:t>説明</a:t>
-            </a:r>
-            <a:r>
-              <a:rPr lang="ja-JP" altLang="en-US" sz="6000" dirty="0" smtClean="0"/>
-              <a:t>をする</a:t>
-            </a:r>
-            <a:r>
-              <a:rPr lang="ja-JP" altLang="en-US" sz="6000" dirty="0" smtClean="0"/>
-              <a:t>ための</a:t>
-            </a:r>
-            <a:endParaRPr lang="en-US" altLang="ja-JP" sz="6000" dirty="0" smtClean="0"/>
-          </a:p>
-          <a:p>
-            <a:pPr algn="ctr">
-              <a:buNone/>
-            </a:pPr>
-            <a:r>
-              <a:rPr lang="ja-JP" altLang="en-US" sz="6000" dirty="0" smtClean="0"/>
-              <a:t>準備をする</a:t>
-            </a:r>
-            <a:r>
-              <a:rPr lang="en-US" altLang="ja-JP" dirty="0" smtClean="0"/>
-              <a:t>	</a:t>
-            </a:r>
-            <a:endParaRPr kumimoji="1" lang="en-US" altLang="ja-JP" dirty="0" smtClean="0"/>
-          </a:p>
-        </p:txBody>
-      </p:sp>
-      <p:sp>
-        <p:nvSpPr>
-          <p:cNvPr id="13" name="タイトル 1"/>
+            <a:r>
+              <a:rPr kumimoji="1" lang="ja-JP" altLang="en-US" sz="6000" b="1" dirty="0" smtClean="0">
+                <a:latin typeface="HGP行書体" pitchFamily="66" charset="-128"/>
+                <a:ea typeface="HGP行書体" pitchFamily="66" charset="-128"/>
+              </a:rPr>
+              <a:t>教訓</a:t>
+            </a:r>
+            <a:endParaRPr kumimoji="1" lang="ja-JP" altLang="en-US" sz="6000" b="1" dirty="0">
+              <a:latin typeface="HGP行書体" pitchFamily="66" charset="-128"/>
+              <a:ea typeface="HGP行書体" pitchFamily="66" charset="-128"/>
+            </a:endParaRPr>
+          </a:p>
+        </p:txBody>
+      </p:sp>
+      <p:sp>
+        <p:nvSpPr>
+          <p:cNvPr id="15" name="タイトル 1"/>
           <p:cNvSpPr txBox="1">
             <a:spLocks/>
           </p:cNvSpPr>
@@ -11923,7 +10071,7 @@
         </p:nvSpPr>
         <p:spPr>
           <a:xfrm>
-            <a:off x="5724128" y="555526"/>
+            <a:off x="7441976" y="-20537"/>
             <a:ext cx="3106688" cy="507703"/>
           </a:xfrm>
           <a:prstGeom prst="rect">
@@ -11959,7 +10107,7 @@
                   <a:noFill/>
                 </a:ln>
                 <a:solidFill>
-                  <a:schemeClr val="tx1"/>
+                  <a:schemeClr val="bg1"/>
                 </a:solidFill>
                 <a:effectLst/>
                 <a:uLnTx/>
@@ -11975,7 +10123,7 @@
                 <a:noFill/>
               </a:ln>
               <a:solidFill>
-                <a:schemeClr val="tx1"/>
+                <a:schemeClr val="bg1"/>
               </a:solidFill>
               <a:effectLst/>
               <a:uLnTx/>
@@ -11989,83 +10137,47 @@
       </p:sp>
       <p:sp>
         <p:nvSpPr>
-          <p:cNvPr id="14" name="正方形/長方形 13"/>
-          <p:cNvSpPr/>
-          <p:nvPr/>
-        </p:nvSpPr>
-        <p:spPr>
-          <a:xfrm>
-            <a:off x="5616624" y="1059583"/>
-            <a:ext cx="3527376" cy="72007"/>
-          </a:xfrm>
-          <a:prstGeom prst="rect">
-            <a:avLst/>
-          </a:prstGeom>
-          <a:solidFill>
-            <a:srgbClr val="FFC000"/>
-          </a:solidFill>
-          <a:ln>
-            <a:noFill/>
-          </a:ln>
-        </p:spPr>
-        <p:style>
-          <a:lnRef idx="2">
-            <a:schemeClr val="accent1">
-              <a:shade val="50000"/>
-            </a:schemeClr>
-          </a:lnRef>
-          <a:fillRef idx="1">
-            <a:schemeClr val="accent1"/>
-          </a:fillRef>
-          <a:effectRef idx="0">
-            <a:schemeClr val="accent1"/>
-          </a:effectRef>
-          <a:fontRef idx="minor">
-            <a:schemeClr val="lt1"/>
-          </a:fontRef>
-        </p:style>
-        <p:txBody>
-          <a:bodyPr rtlCol="0" anchor="ctr"/>
-          <a:lstStyle/>
-          <a:p>
-            <a:pPr algn="ctr"/>
-            <a:endParaRPr kumimoji="1" lang="ja-JP" altLang="en-US"/>
-          </a:p>
-        </p:txBody>
-      </p:sp>
-      <p:sp>
-        <p:nvSpPr>
-          <p:cNvPr id="8" name="テキスト ボックス 7"/>
-          <p:cNvSpPr txBox="1"/>
-          <p:nvPr/>
-        </p:nvSpPr>
-        <p:spPr>
-          <a:xfrm>
-            <a:off x="2051720" y="1275606"/>
-            <a:ext cx="5256584" cy="1015663"/>
-          </a:xfrm>
-          <a:prstGeom prst="rect">
-            <a:avLst/>
-          </a:prstGeom>
-          <a:noFill/>
-        </p:spPr>
-        <p:txBody>
-          <a:bodyPr wrap="square" rtlCol="0">
-            <a:spAutoFit/>
+          <p:cNvPr id="16" name="タイトル 1"/>
+          <p:cNvSpPr>
+            <a:spLocks noGrp="1"/>
+          </p:cNvSpPr>
+          <p:nvPr>
+            <p:ph type="title"/>
+          </p:nvPr>
+        </p:nvSpPr>
+        <p:spPr>
+          <a:xfrm>
+            <a:off x="179512" y="-20538"/>
+            <a:ext cx="3528392" cy="507703"/>
+          </a:xfrm>
+        </p:spPr>
+        <p:txBody>
+          <a:bodyPr>
+            <a:noAutofit/>
           </a:bodyPr>
           <a:lstStyle/>
           <a:p>
-            <a:pPr algn="ctr"/>
-            <a:r>
-              <a:rPr kumimoji="1" lang="ja-JP" altLang="en-US" sz="6000" b="1" dirty="0" smtClean="0">
-                <a:latin typeface="HGP行書体" pitchFamily="66" charset="-128"/>
-                <a:ea typeface="HGP行書体" pitchFamily="66" charset="-128"/>
+            <a:pPr algn="l"/>
+            <a:r>
+              <a:rPr lang="en-US" altLang="ja-JP" sz="2800" dirty="0" smtClean="0">
+                <a:solidFill>
+                  <a:schemeClr val="bg1"/>
+                </a:solidFill>
               </a:rPr>
-              <a:t>教訓</a:t>
-            </a:r>
-            <a:endParaRPr kumimoji="1" lang="ja-JP" altLang="en-US" sz="6000" b="1" dirty="0">
-              <a:latin typeface="HGP行書体" pitchFamily="66" charset="-128"/>
-              <a:ea typeface="HGP行書体" pitchFamily="66" charset="-128"/>
+              <a:t>1.</a:t>
+            </a:r>
+            <a:r>
+              <a:rPr lang="ja-JP" altLang="en-US" sz="2800" dirty="0" smtClean="0">
+                <a:solidFill>
+                  <a:schemeClr val="bg1"/>
+                </a:solidFill>
+              </a:rPr>
+              <a:t>入社からこれまで</a:t>
+            </a:r>
+            <a:endParaRPr kumimoji="1" lang="ja-JP" altLang="en-US" sz="2800" dirty="0">
+              <a:solidFill>
+                <a:schemeClr val="bg1"/>
+              </a:solidFill>
             </a:endParaRPr>
           </a:p>
         </p:txBody>
@@ -12104,98 +10216,95 @@
       </p:grpSpPr>
       <p:sp>
         <p:nvSpPr>
-          <p:cNvPr id="4" name="日付プレースホルダ 3"/>
+          <p:cNvPr id="12" name="コンテンツ プレースホルダ 11"/>
           <p:cNvSpPr>
             <a:spLocks noGrp="1"/>
           </p:cNvSpPr>
           <p:nvPr>
-            <p:ph type="dt" sz="half" idx="10"/>
+            <p:ph idx="1"/>
           </p:nvPr>
         </p:nvSpPr>
-        <p:spPr/>
-        <p:txBody>
-          <a:bodyPr/>
+        <p:spPr>
+          <a:xfrm>
+            <a:off x="53752" y="2499742"/>
+            <a:ext cx="9036496" cy="1950865"/>
+          </a:xfrm>
+        </p:spPr>
+        <p:txBody>
+          <a:bodyPr>
+            <a:normAutofit/>
+          </a:bodyPr>
           <a:lstStyle/>
           <a:p>
-            <a:fld id="{FC7AB2BD-E9B7-45BF-89F9-A3C60FAD2BB8}" type="datetime2">
-              <a:rPr lang="en-US" altLang="ja-JP" smtClean="0"/>
-              <a:pPr/>
-              <a:t>Wednesday, October 01, 2014</a:t>
-            </a:fld>
-            <a:endParaRPr lang="ja-JP" altLang="en-US" dirty="0"/>
-          </a:p>
-        </p:txBody>
-      </p:sp>
-      <p:sp>
-        <p:nvSpPr>
-          <p:cNvPr id="5" name="正方形/長方形 4"/>
-          <p:cNvSpPr/>
+            <a:r>
+              <a:rPr lang="ja-JP" altLang="en-US" sz="2800" dirty="0" smtClean="0"/>
+              <a:t>自分の書いたものを他の人に理解してもらうため</a:t>
+            </a:r>
+            <a:r>
+              <a:rPr lang="en-US" altLang="ja-JP" sz="2800" dirty="0" smtClean="0"/>
+              <a:t>	</a:t>
+            </a:r>
+          </a:p>
+          <a:p>
+            <a:r>
+              <a:rPr lang="en-US" altLang="ja-JP" sz="2800" dirty="0" err="1" smtClean="0"/>
+              <a:t>LeadProgrammer</a:t>
+            </a:r>
+            <a:r>
+              <a:rPr lang="ja-JP" altLang="en-US" sz="2800" dirty="0" smtClean="0"/>
+              <a:t>のみなさんに見ていただいたときに準備不足で失敗してしまった</a:t>
+            </a:r>
+            <a:endParaRPr lang="en-US" altLang="ja-JP" sz="2800" dirty="0" smtClean="0"/>
+          </a:p>
+        </p:txBody>
+      </p:sp>
+      <p:sp>
+        <p:nvSpPr>
+          <p:cNvPr id="8" name="テキスト ボックス 7"/>
+          <p:cNvSpPr txBox="1"/>
           <p:nvPr/>
         </p:nvSpPr>
         <p:spPr>
           <a:xfrm>
-            <a:off x="0" y="1059582"/>
-            <a:ext cx="3563888" cy="72008"/>
+            <a:off x="539552" y="987574"/>
+            <a:ext cx="8064896" cy="646331"/>
           </a:xfrm>
           <a:prstGeom prst="rect">
             <a:avLst/>
           </a:prstGeom>
-          <a:solidFill>
-            <a:schemeClr val="accent1">
-              <a:lumMod val="75000"/>
-            </a:schemeClr>
-          </a:solidFill>
-          <a:ln>
-            <a:noFill/>
-          </a:ln>
-        </p:spPr>
-        <p:style>
-          <a:lnRef idx="2">
-            <a:schemeClr val="accent1">
-              <a:shade val="50000"/>
-            </a:schemeClr>
-          </a:lnRef>
-          <a:fillRef idx="1">
-            <a:schemeClr val="accent1"/>
-          </a:fillRef>
-          <a:effectRef idx="0">
-            <a:schemeClr val="accent1"/>
-          </a:effectRef>
-          <a:fontRef idx="minor">
-            <a:schemeClr val="lt1"/>
-          </a:fontRef>
-        </p:style>
-        <p:txBody>
-          <a:bodyPr rtlCol="0" anchor="ctr"/>
+          <a:noFill/>
+        </p:spPr>
+        <p:txBody>
+          <a:bodyPr wrap="square" rtlCol="0">
+            <a:spAutoFit/>
+          </a:bodyPr>
           <a:lstStyle/>
           <a:p>
-            <a:pPr algn="ctr"/>
-            <a:endParaRPr kumimoji="1" lang="ja-JP" altLang="en-US"/>
-          </a:p>
-        </p:txBody>
-      </p:sp>
-      <p:sp>
-        <p:nvSpPr>
-          <p:cNvPr id="12" name="コンテンツ プレースホルダ 11"/>
-          <p:cNvSpPr>
-            <a:spLocks noGrp="1"/>
-          </p:cNvSpPr>
-          <p:nvPr>
-            <p:ph idx="1"/>
-          </p:nvPr>
-        </p:nvSpPr>
-        <p:spPr/>
-        <p:txBody>
-          <a:bodyPr/>
-          <a:lstStyle/>
-          <a:p>
-            <a:endParaRPr kumimoji="1" lang="ja-JP" altLang="en-US" dirty="0"/>
-          </a:p>
-        </p:txBody>
-      </p:sp>
-      <p:sp>
-        <p:nvSpPr>
-          <p:cNvPr id="6" name="タイトル 1"/>
+            <a:pPr algn="ctr">
+              <a:buNone/>
+            </a:pPr>
+            <a:r>
+              <a:rPr lang="ja-JP" altLang="en-US" sz="3600" dirty="0" smtClean="0"/>
+              <a:t>説明をするため</a:t>
+            </a:r>
+            <a:r>
+              <a:rPr lang="ja-JP" altLang="en-US" sz="3600" dirty="0" smtClean="0"/>
+              <a:t>の準備</a:t>
+            </a:r>
+            <a:r>
+              <a:rPr lang="ja-JP" altLang="en-US" sz="3600" dirty="0" smtClean="0"/>
+              <a:t>をする</a:t>
+            </a:r>
+            <a:endParaRPr kumimoji="1" lang="ja-JP" altLang="en-US" sz="3600" b="1" dirty="0">
+              <a:latin typeface="HGP行書体" pitchFamily="66" charset="-128"/>
+              <a:ea typeface="HGP行書体" pitchFamily="66" charset="-128"/>
+            </a:endParaRPr>
+          </a:p>
+        </p:txBody>
+      </p:sp>
+      <p:sp>
+        <p:nvSpPr>
+          <p:cNvPr id="15" name="タイトル 1"/>
           <p:cNvSpPr txBox="1">
             <a:spLocks/>
           </p:cNvSpPr>
@@ -12203,8 +10312,8 @@
         </p:nvSpPr>
         <p:spPr>
           <a:xfrm>
-            <a:off x="5724128" y="555526"/>
-            <a:ext cx="3312368" cy="507703"/>
+            <a:off x="7441976" y="-20537"/>
+            <a:ext cx="3106688" cy="507703"/>
           </a:xfrm>
           <a:prstGeom prst="rect">
             <a:avLst/>
@@ -12234,12 +10343,12 @@
               <a:defRPr/>
             </a:pPr>
             <a:r>
-              <a:rPr kumimoji="1" lang="en-US" altLang="ja-JP" sz="2800" b="0" i="0" u="none" strike="noStrike" kern="1200" cap="none" spc="0" normalizeH="0" baseline="0" noProof="0" dirty="0" smtClean="0">
+              <a:rPr kumimoji="1" lang="ja-JP" altLang="en-US" sz="2800" b="0" i="0" u="none" strike="noStrike" kern="1200" cap="none" spc="0" normalizeH="0" baseline="0" noProof="0" dirty="0" smtClean="0">
                 <a:ln>
                   <a:noFill/>
                 </a:ln>
                 <a:solidFill>
-                  <a:schemeClr val="tx1"/>
+                  <a:schemeClr val="bg1"/>
                 </a:solidFill>
                 <a:effectLst/>
                 <a:uLnTx/>
@@ -12248,14 +10357,14 @@
                 <a:ea typeface="+mj-ea"/>
                 <a:cs typeface="+mj-cs"/>
               </a:rPr>
-              <a:t>LS4</a:t>
+              <a:t>社内研修</a:t>
             </a:r>
             <a:endParaRPr kumimoji="1" lang="ja-JP" altLang="en-US" sz="2800" b="0" i="0" u="none" strike="noStrike" kern="1200" cap="none" spc="0" normalizeH="0" baseline="0" noProof="0" dirty="0">
               <a:ln>
                 <a:noFill/>
               </a:ln>
               <a:solidFill>
-                <a:schemeClr val="tx1"/>
+                <a:schemeClr val="bg1"/>
               </a:solidFill>
               <a:effectLst/>
               <a:uLnTx/>
@@ -12269,53 +10378,7 @@
       </p:sp>
       <p:sp>
         <p:nvSpPr>
-          <p:cNvPr id="7" name="正方形/長方形 6"/>
-          <p:cNvSpPr/>
-          <p:nvPr/>
-        </p:nvSpPr>
-        <p:spPr>
-          <a:xfrm>
-            <a:off x="5616624" y="1059583"/>
-            <a:ext cx="3527376" cy="72007"/>
-          </a:xfrm>
-          <a:prstGeom prst="rect">
-            <a:avLst/>
-          </a:prstGeom>
-          <a:solidFill>
-            <a:srgbClr val="FFC000"/>
-          </a:solidFill>
-          <a:ln>
-            <a:noFill/>
-          </a:ln>
-        </p:spPr>
-        <p:style>
-          <a:lnRef idx="2">
-            <a:schemeClr val="accent1">
-              <a:shade val="50000"/>
-            </a:schemeClr>
-          </a:lnRef>
-          <a:fillRef idx="1">
-            <a:schemeClr val="accent1"/>
-          </a:fillRef>
-          <a:effectRef idx="0">
-            <a:schemeClr val="accent1"/>
-          </a:effectRef>
-          <a:fontRef idx="minor">
-            <a:schemeClr val="lt1"/>
-          </a:fontRef>
-        </p:style>
-        <p:txBody>
-          <a:bodyPr rtlCol="0" anchor="ctr"/>
-          <a:lstStyle/>
-          <a:p>
-            <a:pPr algn="ctr"/>
-            <a:endParaRPr kumimoji="1" lang="ja-JP" altLang="en-US"/>
-          </a:p>
-        </p:txBody>
-      </p:sp>
-      <p:sp>
-        <p:nvSpPr>
-          <p:cNvPr id="10" name="タイトル 1"/>
+          <p:cNvPr id="16" name="タイトル 1"/>
           <p:cNvSpPr>
             <a:spLocks noGrp="1"/>
           </p:cNvSpPr>
@@ -12325,8 +10388,8 @@
         </p:nvSpPr>
         <p:spPr>
           <a:xfrm>
-            <a:off x="179512" y="555525"/>
-            <a:ext cx="3384376" cy="507703"/>
+            <a:off x="179512" y="-20538"/>
+            <a:ext cx="3528392" cy="507703"/>
           </a:xfrm>
         </p:spPr>
         <p:txBody>
@@ -12337,14 +10400,77 @@
           <a:p>
             <a:pPr algn="l"/>
             <a:r>
-              <a:rPr lang="en-US" altLang="ja-JP" sz="2800" dirty="0" smtClean="0"/>
+              <a:rPr lang="en-US" altLang="ja-JP" sz="2800" dirty="0" smtClean="0">
+                <a:solidFill>
+                  <a:schemeClr val="bg1"/>
+                </a:solidFill>
+              </a:rPr>
               <a:t>1.</a:t>
             </a:r>
             <a:r>
-              <a:rPr lang="ja-JP" altLang="en-US" sz="2800" dirty="0" smtClean="0"/>
+              <a:rPr lang="ja-JP" altLang="en-US" sz="2800" dirty="0" smtClean="0">
+                <a:solidFill>
+                  <a:schemeClr val="bg1"/>
+                </a:solidFill>
+              </a:rPr>
               <a:t>入社からこれまで</a:t>
             </a:r>
-            <a:endParaRPr kumimoji="1" lang="ja-JP" altLang="en-US" sz="2800" dirty="0"/>
+            <a:endParaRPr kumimoji="1" lang="ja-JP" altLang="en-US" sz="2800" dirty="0">
+              <a:solidFill>
+                <a:schemeClr val="bg1"/>
+              </a:solidFill>
+            </a:endParaRPr>
+          </a:p>
+        </p:txBody>
+      </p:sp>
+    </p:spTree>
+  </p:cSld>
+  <p:clrMapOvr>
+    <a:masterClrMapping/>
+  </p:clrMapOvr>
+  <p:timing>
+    <p:tnLst>
+      <p:par>
+        <p:cTn id="1" dur="indefinite" restart="never" nodeType="tmRoot"/>
+      </p:par>
+    </p:tnLst>
+  </p:timing>
+</p:sld>
+</file>
+
+<file path=ppt/slides/slide8.xml><?xml version="1.0" encoding="utf-8"?>
+<p:sld xmlns:a="http://schemas.openxmlformats.org/drawingml/2006/main" xmlns:r="http://schemas.openxmlformats.org/officeDocument/2006/relationships" xmlns:p="http://schemas.openxmlformats.org/presentationml/2006/main">
+  <p:cSld>
+    <p:spTree>
+      <p:nvGrpSpPr>
+        <p:cNvPr id="1" name=""/>
+        <p:cNvGrpSpPr/>
+        <p:nvPr/>
+      </p:nvGrpSpPr>
+      <p:grpSpPr>
+        <a:xfrm>
+          <a:off x="0" y="0"/>
+          <a:ext cx="0" cy="0"/>
+          <a:chOff x="0" y="0"/>
+          <a:chExt cx="0" cy="0"/>
+        </a:xfrm>
+      </p:grpSpPr>
+      <p:sp>
+        <p:nvSpPr>
+          <p:cNvPr id="12" name="コンテンツ プレースホルダ 11"/>
+          <p:cNvSpPr>
+            <a:spLocks noGrp="1"/>
+          </p:cNvSpPr>
+          <p:nvPr>
+            <p:ph idx="1"/>
+          </p:nvPr>
+        </p:nvSpPr>
+        <p:spPr/>
+        <p:txBody>
+          <a:bodyPr/>
+          <a:lstStyle/>
+          <a:p>
+            <a:endParaRPr kumimoji="1" lang="ja-JP" altLang="en-US" dirty="0"/>
           </a:p>
         </p:txBody>
       </p:sp>
@@ -12364,7 +10490,7 @@
         </p:blipFill>
         <p:spPr>
           <a:xfrm>
-            <a:off x="1547664" y="1275606"/>
+            <a:off x="1547664" y="958912"/>
             <a:ext cx="5796136" cy="3225676"/>
           </a:xfrm>
           <a:prstGeom prst="rect">
@@ -12401,224 +10527,9 @@
           </a:sp3d>
         </p:spPr>
       </p:pic>
-    </p:spTree>
-  </p:cSld>
-  <p:clrMapOvr>
-    <a:masterClrMapping/>
-  </p:clrMapOvr>
-  <p:timing>
-    <p:tnLst>
-      <p:par>
-        <p:cTn id="1" dur="indefinite" restart="never" nodeType="tmRoot"/>
-      </p:par>
-    </p:tnLst>
-  </p:timing>
-</p:sld>
-</file>
-
-<file path=ppt/slides/slide8.xml><?xml version="1.0" encoding="utf-8"?>
-<p:sld xmlns:a="http://schemas.openxmlformats.org/drawingml/2006/main" xmlns:r="http://schemas.openxmlformats.org/officeDocument/2006/relationships" xmlns:p="http://schemas.openxmlformats.org/presentationml/2006/main">
-  <p:cSld>
-    <p:spTree>
-      <p:nvGrpSpPr>
-        <p:cNvPr id="1" name=""/>
-        <p:cNvGrpSpPr/>
-        <p:nvPr/>
-      </p:nvGrpSpPr>
-      <p:grpSpPr>
-        <a:xfrm>
-          <a:off x="0" y="0"/>
-          <a:ext cx="0" cy="0"/>
-          <a:chOff x="0" y="0"/>
-          <a:chExt cx="0" cy="0"/>
-        </a:xfrm>
-      </p:grpSpPr>
-      <p:sp>
-        <p:nvSpPr>
-          <p:cNvPr id="4" name="日付プレースホルダ 3"/>
-          <p:cNvSpPr>
-            <a:spLocks noGrp="1"/>
-          </p:cNvSpPr>
-          <p:nvPr>
-            <p:ph type="dt" sz="half" idx="10"/>
-          </p:nvPr>
-        </p:nvSpPr>
-        <p:spPr/>
-        <p:txBody>
-          <a:bodyPr/>
-          <a:lstStyle/>
-          <a:p>
-            <a:fld id="{FC7AB2BD-E9B7-45BF-89F9-A3C60FAD2BB8}" type="datetime2">
-              <a:rPr lang="en-US" altLang="ja-JP" smtClean="0"/>
-              <a:pPr/>
-              <a:t>Wednesday, October 01, 2014</a:t>
-            </a:fld>
-            <a:endParaRPr lang="ja-JP" altLang="en-US" dirty="0"/>
-          </a:p>
-        </p:txBody>
-      </p:sp>
-      <p:sp>
-        <p:nvSpPr>
-          <p:cNvPr id="5" name="正方形/長方形 4"/>
-          <p:cNvSpPr/>
-          <p:nvPr/>
-        </p:nvSpPr>
-        <p:spPr>
-          <a:xfrm>
-            <a:off x="0" y="1059582"/>
-            <a:ext cx="3563888" cy="72008"/>
-          </a:xfrm>
-          <a:prstGeom prst="rect">
-            <a:avLst/>
-          </a:prstGeom>
-          <a:solidFill>
-            <a:schemeClr val="accent1">
-              <a:lumMod val="75000"/>
-            </a:schemeClr>
-          </a:solidFill>
-          <a:ln>
-            <a:noFill/>
-          </a:ln>
-        </p:spPr>
-        <p:style>
-          <a:lnRef idx="2">
-            <a:schemeClr val="accent1">
-              <a:shade val="50000"/>
-            </a:schemeClr>
-          </a:lnRef>
-          <a:fillRef idx="1">
-            <a:schemeClr val="accent1"/>
-          </a:fillRef>
-          <a:effectRef idx="0">
-            <a:schemeClr val="accent1"/>
-          </a:effectRef>
-          <a:fontRef idx="minor">
-            <a:schemeClr val="lt1"/>
-          </a:fontRef>
-        </p:style>
-        <p:txBody>
-          <a:bodyPr rtlCol="0" anchor="ctr"/>
-          <a:lstStyle/>
-          <a:p>
-            <a:pPr algn="ctr"/>
-            <a:endParaRPr kumimoji="1" lang="ja-JP" altLang="en-US"/>
-          </a:p>
-        </p:txBody>
-      </p:sp>
-      <p:sp>
-        <p:nvSpPr>
-          <p:cNvPr id="12" name="コンテンツ プレースホルダ 11"/>
-          <p:cNvSpPr>
-            <a:spLocks noGrp="1"/>
-          </p:cNvSpPr>
-          <p:nvPr>
-            <p:ph idx="1"/>
-          </p:nvPr>
-        </p:nvSpPr>
-        <p:spPr>
-          <a:xfrm>
-            <a:off x="179512" y="1200151"/>
-            <a:ext cx="8856984" cy="3394472"/>
-          </a:xfrm>
-        </p:spPr>
-        <p:txBody>
-          <a:bodyPr>
-            <a:normAutofit/>
-          </a:bodyPr>
-          <a:lstStyle/>
-          <a:p>
-            <a:pPr>
-              <a:buNone/>
-            </a:pPr>
-            <a:r>
-              <a:rPr lang="ja-JP" altLang="en-US" sz="2800" dirty="0" smtClean="0"/>
-              <a:t>アサイン時期：</a:t>
-            </a:r>
-            <a:r>
-              <a:rPr lang="en-US" altLang="ja-JP" sz="2800" dirty="0" smtClean="0"/>
-              <a:t>6/13</a:t>
-            </a:r>
-          </a:p>
-          <a:p>
-            <a:pPr>
-              <a:buNone/>
-            </a:pPr>
-            <a:endParaRPr lang="en-US" altLang="ja-JP" sz="2800" dirty="0" smtClean="0"/>
-          </a:p>
-          <a:p>
-            <a:pPr>
-              <a:buNone/>
-            </a:pPr>
-            <a:r>
-              <a:rPr lang="ja-JP" altLang="en-US" sz="2800" dirty="0" smtClean="0"/>
-              <a:t>クライアント：</a:t>
-            </a:r>
-            <a:r>
-              <a:rPr lang="en-US" altLang="ja-JP" dirty="0" err="1" smtClean="0"/>
-              <a:t>Ubisoft</a:t>
-            </a:r>
-            <a:endParaRPr lang="en-US" altLang="ja-JP" dirty="0" smtClean="0"/>
-          </a:p>
-          <a:p>
-            <a:pPr>
-              <a:buNone/>
-            </a:pPr>
-            <a:endParaRPr lang="en-US" altLang="ja-JP" dirty="0" smtClean="0"/>
-          </a:p>
-          <a:p>
-            <a:pPr>
-              <a:buNone/>
-            </a:pPr>
-            <a:r>
-              <a:rPr lang="ja-JP" altLang="en-US" dirty="0" smtClean="0"/>
-              <a:t>プラットフォーム</a:t>
-            </a:r>
-            <a:r>
-              <a:rPr lang="ja-JP" altLang="en-US" dirty="0" smtClean="0"/>
-              <a:t>：</a:t>
-            </a:r>
-            <a:endParaRPr lang="en-US" altLang="ja-JP" dirty="0" smtClean="0"/>
-          </a:p>
-          <a:p>
-            <a:pPr>
-              <a:buNone/>
-            </a:pPr>
-            <a:r>
-              <a:rPr lang="en-US" altLang="ja-JP" dirty="0" smtClean="0"/>
-              <a:t>		</a:t>
-            </a:r>
-            <a:r>
-              <a:rPr lang="en-US" altLang="ja-JP" dirty="0" err="1" smtClean="0"/>
-              <a:t>iPhone</a:t>
-            </a:r>
-            <a:r>
-              <a:rPr lang="en-US" altLang="ja-JP" dirty="0" smtClean="0"/>
-              <a:t> </a:t>
-            </a:r>
-            <a:r>
-              <a:rPr lang="en-US" altLang="ja-JP" dirty="0" smtClean="0"/>
-              <a:t>&amp; Android &amp; </a:t>
-            </a:r>
-            <a:r>
-              <a:rPr lang="en-US" altLang="ja-JP" dirty="0" err="1" smtClean="0"/>
-              <a:t>XBoxOne</a:t>
-            </a:r>
-            <a:r>
-              <a:rPr lang="en-US" altLang="ja-JP" dirty="0" smtClean="0"/>
-              <a:t> &amp; PS4</a:t>
-            </a:r>
-          </a:p>
-          <a:p>
-            <a:pPr>
-              <a:buNone/>
-            </a:pPr>
-            <a:endParaRPr lang="en-US" altLang="ja-JP" dirty="0" smtClean="0"/>
-          </a:p>
-        </p:txBody>
-      </p:sp>
-      <p:sp>
-        <p:nvSpPr>
-          <p:cNvPr id="6" name="タイトル 1"/>
+      <p:sp>
+        <p:nvSpPr>
+          <p:cNvPr id="13" name="タイトル 1"/>
           <p:cNvSpPr txBox="1">
             <a:spLocks/>
           </p:cNvSpPr>
@@ -12626,8 +10537,8 @@
         </p:nvSpPr>
         <p:spPr>
           <a:xfrm>
-            <a:off x="5724128" y="555526"/>
-            <a:ext cx="3312368" cy="507703"/>
+            <a:off x="8234064" y="-24185"/>
+            <a:ext cx="3106688" cy="507703"/>
           </a:xfrm>
           <a:prstGeom prst="rect">
             <a:avLst/>
@@ -12662,7 +10573,7 @@
                   <a:noFill/>
                 </a:ln>
                 <a:solidFill>
-                  <a:schemeClr val="tx1"/>
+                  <a:schemeClr val="bg1"/>
                 </a:solidFill>
                 <a:effectLst/>
                 <a:uLnTx/>
@@ -12678,7 +10589,7 @@
                 <a:noFill/>
               </a:ln>
               <a:solidFill>
-                <a:schemeClr val="tx1"/>
+                <a:schemeClr val="bg1"/>
               </a:solidFill>
               <a:effectLst/>
               <a:uLnTx/>
@@ -12692,53 +10603,7 @@
       </p:sp>
       <p:sp>
         <p:nvSpPr>
-          <p:cNvPr id="7" name="正方形/長方形 6"/>
-          <p:cNvSpPr/>
-          <p:nvPr/>
-        </p:nvSpPr>
-        <p:spPr>
-          <a:xfrm>
-            <a:off x="5616624" y="1059583"/>
-            <a:ext cx="3527376" cy="72007"/>
-          </a:xfrm>
-          <a:prstGeom prst="rect">
-            <a:avLst/>
-          </a:prstGeom>
-          <a:solidFill>
-            <a:srgbClr val="FFC000"/>
-          </a:solidFill>
-          <a:ln>
-            <a:noFill/>
-          </a:ln>
-        </p:spPr>
-        <p:style>
-          <a:lnRef idx="2">
-            <a:schemeClr val="accent1">
-              <a:shade val="50000"/>
-            </a:schemeClr>
-          </a:lnRef>
-          <a:fillRef idx="1">
-            <a:schemeClr val="accent1"/>
-          </a:fillRef>
-          <a:effectRef idx="0">
-            <a:schemeClr val="accent1"/>
-          </a:effectRef>
-          <a:fontRef idx="minor">
-            <a:schemeClr val="lt1"/>
-          </a:fontRef>
-        </p:style>
-        <p:txBody>
-          <a:bodyPr rtlCol="0" anchor="ctr"/>
-          <a:lstStyle/>
-          <a:p>
-            <a:pPr algn="ctr"/>
-            <a:endParaRPr kumimoji="1" lang="ja-JP" altLang="en-US"/>
-          </a:p>
-        </p:txBody>
-      </p:sp>
-      <p:sp>
-        <p:nvSpPr>
-          <p:cNvPr id="10" name="タイトル 1"/>
+          <p:cNvPr id="16" name="タイトル 1"/>
           <p:cNvSpPr>
             <a:spLocks noGrp="1"/>
           </p:cNvSpPr>
@@ -12748,8 +10613,8 @@
         </p:nvSpPr>
         <p:spPr>
           <a:xfrm>
-            <a:off x="179512" y="555525"/>
-            <a:ext cx="3384376" cy="507703"/>
+            <a:off x="179512" y="-20538"/>
+            <a:ext cx="3528392" cy="507703"/>
           </a:xfrm>
         </p:spPr>
         <p:txBody>
@@ -12760,14 +10625,26 @@
           <a:p>
             <a:pPr algn="l"/>
             <a:r>
-              <a:rPr lang="en-US" altLang="ja-JP" sz="2800" dirty="0" smtClean="0"/>
+              <a:rPr lang="en-US" altLang="ja-JP" sz="2800" dirty="0" smtClean="0">
+                <a:solidFill>
+                  <a:schemeClr val="bg1"/>
+                </a:solidFill>
+              </a:rPr>
               <a:t>1.</a:t>
             </a:r>
             <a:r>
-              <a:rPr lang="ja-JP" altLang="en-US" sz="2800" dirty="0" smtClean="0"/>
+              <a:rPr lang="ja-JP" altLang="en-US" sz="2800" dirty="0" smtClean="0">
+                <a:solidFill>
+                  <a:schemeClr val="bg1"/>
+                </a:solidFill>
+              </a:rPr>
               <a:t>入社からこれまで</a:t>
             </a:r>
-            <a:endParaRPr kumimoji="1" lang="ja-JP" altLang="en-US" sz="2800" dirty="0"/>
+            <a:endParaRPr kumimoji="1" lang="ja-JP" altLang="en-US" sz="2800" dirty="0">
+              <a:solidFill>
+                <a:schemeClr val="bg1"/>
+              </a:solidFill>
+            </a:endParaRPr>
           </a:p>
         </p:txBody>
       </p:sp>
@@ -12805,78 +10682,6 @@
       </p:grpSpPr>
       <p:sp>
         <p:nvSpPr>
-          <p:cNvPr id="4" name="日付プレースホルダ 3"/>
-          <p:cNvSpPr>
-            <a:spLocks noGrp="1"/>
-          </p:cNvSpPr>
-          <p:nvPr>
-            <p:ph type="dt" sz="half" idx="10"/>
-          </p:nvPr>
-        </p:nvSpPr>
-        <p:spPr/>
-        <p:txBody>
-          <a:bodyPr/>
-          <a:lstStyle/>
-          <a:p>
-            <a:fld id="{FC7AB2BD-E9B7-45BF-89F9-A3C60FAD2BB8}" type="datetime2">
-              <a:rPr lang="en-US" altLang="ja-JP" smtClean="0"/>
-              <a:pPr/>
-              <a:t>Wednesday, October 01, 2014</a:t>
-            </a:fld>
-            <a:endParaRPr lang="ja-JP" altLang="en-US" dirty="0"/>
-          </a:p>
-        </p:txBody>
-      </p:sp>
-      <p:sp>
-        <p:nvSpPr>
-          <p:cNvPr id="5" name="正方形/長方形 4"/>
-          <p:cNvSpPr/>
-          <p:nvPr/>
-        </p:nvSpPr>
-        <p:spPr>
-          <a:xfrm>
-            <a:off x="0" y="1059582"/>
-            <a:ext cx="3563888" cy="72008"/>
-          </a:xfrm>
-          <a:prstGeom prst="rect">
-            <a:avLst/>
-          </a:prstGeom>
-          <a:solidFill>
-            <a:schemeClr val="accent1">
-              <a:lumMod val="75000"/>
-            </a:schemeClr>
-          </a:solidFill>
-          <a:ln>
-            <a:noFill/>
-          </a:ln>
-        </p:spPr>
-        <p:style>
-          <a:lnRef idx="2">
-            <a:schemeClr val="accent1">
-              <a:shade val="50000"/>
-            </a:schemeClr>
-          </a:lnRef>
-          <a:fillRef idx="1">
-            <a:schemeClr val="accent1"/>
-          </a:fillRef>
-          <a:effectRef idx="0">
-            <a:schemeClr val="accent1"/>
-          </a:effectRef>
-          <a:fontRef idx="minor">
-            <a:schemeClr val="lt1"/>
-          </a:fontRef>
-        </p:style>
-        <p:txBody>
-          <a:bodyPr rtlCol="0" anchor="ctr"/>
-          <a:lstStyle/>
-          <a:p>
-            <a:pPr algn="ctr"/>
-            <a:endParaRPr kumimoji="1" lang="ja-JP" altLang="en-US"/>
-          </a:p>
-        </p:txBody>
-      </p:sp>
-      <p:sp>
-        <p:nvSpPr>
           <p:cNvPr id="12" name="コンテンツ プレースホルダ 11"/>
           <p:cNvSpPr>
             <a:spLocks noGrp="1"/>
@@ -12885,18 +10690,102 @@
             <p:ph idx="1"/>
           </p:nvPr>
         </p:nvSpPr>
-        <p:spPr/>
-        <p:txBody>
-          <a:bodyPr/>
+        <p:spPr>
+          <a:xfrm>
+            <a:off x="143508" y="771550"/>
+            <a:ext cx="8856984" cy="3528392"/>
+          </a:xfrm>
+        </p:spPr>
+        <p:txBody>
+          <a:bodyPr>
+            <a:normAutofit/>
+          </a:bodyPr>
           <a:lstStyle/>
           <a:p>
-            <a:endParaRPr kumimoji="1" lang="ja-JP" altLang="en-US" dirty="0"/>
-          </a:p>
-        </p:txBody>
-      </p:sp>
-      <p:sp>
-        <p:nvSpPr>
-          <p:cNvPr id="6" name="タイトル 1"/>
+            <a:pPr>
+              <a:buNone/>
+            </a:pPr>
+            <a:r>
+              <a:rPr lang="ja-JP" altLang="en-US" sz="2800" dirty="0" smtClean="0"/>
+              <a:t>アサイン時期：</a:t>
+            </a:r>
+            <a:r>
+              <a:rPr lang="en-US" altLang="ja-JP" sz="2800" dirty="0" smtClean="0"/>
+              <a:t>6/13</a:t>
+            </a:r>
+          </a:p>
+          <a:p>
+            <a:pPr>
+              <a:buNone/>
+            </a:pPr>
+            <a:endParaRPr lang="en-US" altLang="ja-JP" sz="2800" dirty="0" smtClean="0"/>
+          </a:p>
+          <a:p>
+            <a:pPr>
+              <a:buNone/>
+            </a:pPr>
+            <a:r>
+              <a:rPr lang="ja-JP" altLang="en-US" sz="2800" dirty="0" smtClean="0"/>
+              <a:t>クライアント：</a:t>
+            </a:r>
+            <a:r>
+              <a:rPr lang="en-US" altLang="ja-JP" dirty="0" err="1" smtClean="0"/>
+              <a:t>Ubisoft</a:t>
+            </a:r>
+            <a:endParaRPr lang="en-US" altLang="ja-JP" dirty="0" smtClean="0"/>
+          </a:p>
+          <a:p>
+            <a:pPr>
+              <a:buNone/>
+            </a:pPr>
+            <a:endParaRPr lang="en-US" altLang="ja-JP" dirty="0" smtClean="0"/>
+          </a:p>
+          <a:p>
+            <a:pPr>
+              <a:buNone/>
+            </a:pPr>
+            <a:r>
+              <a:rPr lang="ja-JP" altLang="en-US" dirty="0" smtClean="0"/>
+              <a:t>プラットフォーム：</a:t>
+            </a:r>
+            <a:endParaRPr lang="en-US" altLang="ja-JP" dirty="0" smtClean="0"/>
+          </a:p>
+          <a:p>
+            <a:pPr>
+              <a:buNone/>
+            </a:pPr>
+            <a:r>
+              <a:rPr lang="en-US" altLang="ja-JP" dirty="0" smtClean="0"/>
+              <a:t>		</a:t>
+            </a:r>
+            <a:r>
+              <a:rPr lang="en-US" altLang="ja-JP" dirty="0" err="1" smtClean="0"/>
+              <a:t>iPhone</a:t>
+            </a:r>
+            <a:r>
+              <a:rPr lang="en-US" altLang="ja-JP" dirty="0" smtClean="0"/>
+              <a:t> &amp; Android &amp; </a:t>
+            </a:r>
+            <a:r>
+              <a:rPr lang="en-US" altLang="ja-JP" dirty="0" err="1" smtClean="0"/>
+              <a:t>XBoxOne</a:t>
+            </a:r>
+            <a:r>
+              <a:rPr lang="en-US" altLang="ja-JP" dirty="0" smtClean="0"/>
+              <a:t> &amp; PS4</a:t>
+            </a:r>
+          </a:p>
+          <a:p>
+            <a:pPr>
+              <a:buNone/>
+            </a:pPr>
+            <a:endParaRPr lang="en-US" altLang="ja-JP" dirty="0" smtClean="0"/>
+          </a:p>
+        </p:txBody>
+      </p:sp>
+      <p:sp>
+        <p:nvSpPr>
+          <p:cNvPr id="13" name="タイトル 1"/>
           <p:cNvSpPr txBox="1">
             <a:spLocks/>
           </p:cNvSpPr>
@@ -12904,8 +10793,8 @@
         </p:nvSpPr>
         <p:spPr>
           <a:xfrm>
-            <a:off x="5724128" y="555526"/>
-            <a:ext cx="3312368" cy="507703"/>
+            <a:off x="8234064" y="-24185"/>
+            <a:ext cx="3106688" cy="507703"/>
           </a:xfrm>
           <a:prstGeom prst="rect">
             <a:avLst/>
@@ -12940,7 +10829,7 @@
                   <a:noFill/>
                 </a:ln>
                 <a:solidFill>
-                  <a:schemeClr val="tx1"/>
+                  <a:schemeClr val="bg1"/>
                 </a:solidFill>
                 <a:effectLst/>
                 <a:uLnTx/>
@@ -12951,36 +10840,12 @@
               </a:rPr>
               <a:t>LS4</a:t>
             </a:r>
-            <a:r>
-              <a:rPr lang="en-US" altLang="ja-JP" sz="2800" dirty="0" smtClean="0">
-                <a:latin typeface="+mj-lt"/>
-                <a:ea typeface="+mj-ea"/>
-                <a:cs typeface="+mj-cs"/>
-              </a:rPr>
-              <a:t>(</a:t>
-            </a:r>
-            <a:r>
-              <a:rPr lang="en-US" altLang="ja-JP" sz="2800" dirty="0" err="1" smtClean="0">
-                <a:latin typeface="+mj-lt"/>
-                <a:ea typeface="+mj-ea"/>
-                <a:cs typeface="+mj-cs"/>
-              </a:rPr>
-              <a:t>SetupXBoxOne</a:t>
-            </a:r>
-            <a:r>
-              <a:rPr lang="en-US" altLang="ja-JP" sz="2800" dirty="0" smtClean="0">
-                <a:latin typeface="+mj-lt"/>
-                <a:ea typeface="+mj-ea"/>
-                <a:cs typeface="+mj-cs"/>
-              </a:rPr>
-              <a:t>)</a:t>
-            </a:r>
             <a:endParaRPr kumimoji="1" lang="ja-JP" altLang="en-US" sz="2800" b="0" i="0" u="none" strike="noStrike" kern="1200" cap="none" spc="0" normalizeH="0" baseline="0" noProof="0" dirty="0">
               <a:ln>
                 <a:noFill/>
               </a:ln>
               <a:solidFill>
-                <a:schemeClr val="tx1"/>
+                <a:schemeClr val="bg1"/>
               </a:solidFill>
               <a:effectLst/>
               <a:uLnTx/>
@@ -12994,53 +10859,7 @@
       </p:sp>
       <p:sp>
         <p:nvSpPr>
-          <p:cNvPr id="7" name="正方形/長方形 6"/>
-          <p:cNvSpPr/>
-          <p:nvPr/>
-        </p:nvSpPr>
-        <p:spPr>
-          <a:xfrm>
-            <a:off x="5616624" y="1059583"/>
-            <a:ext cx="3527376" cy="72007"/>
-          </a:xfrm>
-          <a:prstGeom prst="rect">
-            <a:avLst/>
-          </a:prstGeom>
-          <a:solidFill>
-            <a:srgbClr val="FFC000"/>
-          </a:solidFill>
-          <a:ln>
-            <a:noFill/>
-          </a:ln>
-        </p:spPr>
-        <p:style>
-          <a:lnRef idx="2">
-            <a:schemeClr val="accent1">
-              <a:shade val="50000"/>
-            </a:schemeClr>
-          </a:lnRef>
-          <a:fillRef idx="1">
-            <a:schemeClr val="accent1"/>
-          </a:fillRef>
-          <a:effectRef idx="0">
-            <a:schemeClr val="accent1"/>
-          </a:effectRef>
-          <a:fontRef idx="minor">
-            <a:schemeClr val="lt1"/>
-          </a:fontRef>
-        </p:style>
-        <p:txBody>
-          <a:bodyPr rtlCol="0" anchor="ctr"/>
-          <a:lstStyle/>
-          <a:p>
-            <a:pPr algn="ctr"/>
-            <a:endParaRPr kumimoji="1" lang="ja-JP" altLang="en-US"/>
-          </a:p>
-        </p:txBody>
-      </p:sp>
-      <p:sp>
-        <p:nvSpPr>
-          <p:cNvPr id="10" name="タイトル 1"/>
+          <p:cNvPr id="14" name="タイトル 1"/>
           <p:cNvSpPr>
             <a:spLocks noGrp="1"/>
           </p:cNvSpPr>
@@ -13050,8 +10869,8 @@
         </p:nvSpPr>
         <p:spPr>
           <a:xfrm>
-            <a:off x="179512" y="555525"/>
-            <a:ext cx="3384376" cy="507703"/>
+            <a:off x="179512" y="-20538"/>
+            <a:ext cx="3528392" cy="507703"/>
           </a:xfrm>
         </p:spPr>
         <p:txBody>
@@ -13062,71 +10881,29 @@
           <a:p>
             <a:pPr algn="l"/>
             <a:r>
-              <a:rPr lang="en-US" altLang="ja-JP" sz="2800" dirty="0" smtClean="0"/>
+              <a:rPr lang="en-US" altLang="ja-JP" sz="2800" dirty="0" smtClean="0">
+                <a:solidFill>
+                  <a:schemeClr val="bg1"/>
+                </a:solidFill>
+              </a:rPr>
               <a:t>1.</a:t>
             </a:r>
             <a:r>
-              <a:rPr lang="ja-JP" altLang="en-US" sz="2800" dirty="0" smtClean="0"/>
+              <a:rPr lang="ja-JP" altLang="en-US" sz="2800" dirty="0" smtClean="0">
+                <a:solidFill>
+                  <a:schemeClr val="bg1"/>
+                </a:solidFill>
+              </a:rPr>
               <a:t>入社からこれまで</a:t>
             </a:r>
-            <a:endParaRPr kumimoji="1" lang="ja-JP" altLang="en-US" sz="2800" dirty="0"/>
-          </a:p>
-        </p:txBody>
-      </p:sp>
-      <p:pic>
-        <p:nvPicPr>
-          <p:cNvPr id="2050" name="Picture 2" descr="C:\Users\a-koyama\Desktop\試用期間終了\tumblr_static_130522_xboxone1.jpg"/>
-          <p:cNvPicPr>
-            <a:picLocks noChangeAspect="1" noChangeArrowheads="1"/>
-          </p:cNvPicPr>
-          <p:nvPr/>
-        </p:nvPicPr>
-        <p:blipFill>
-          <a:blip r:embed="rId2" cstate="print"/>
-          <a:srcRect/>
-          <a:stretch>
-            <a:fillRect/>
-          </a:stretch>
-        </p:blipFill>
-        <p:spPr bwMode="auto">
-          <a:xfrm>
-            <a:off x="1691680" y="1275606"/>
-            <a:ext cx="5519936" cy="3104964"/>
-          </a:xfrm>
-          <a:prstGeom prst="rect">
-            <a:avLst/>
-          </a:prstGeom>
-          <a:solidFill>
-            <a:srgbClr val="FFFFFF">
-              <a:shade val="85000"/>
-            </a:srgbClr>
-          </a:solidFill>
-          <a:ln w="190500" cap="rnd">
-            <a:solidFill>
-              <a:srgbClr val="FFFFFF"/>
-            </a:solidFill>
-          </a:ln>
-          <a:effectLst>
-            <a:outerShdw blurRad="50000" algn="tl" rotWithShape="0">
-              <a:srgbClr val="000000">
-                <a:alpha val="41000"/>
-              </a:srgbClr>
-            </a:outerShdw>
-          </a:effectLst>
-          <a:scene3d>
-            <a:camera prst="orthographicFront"/>
-            <a:lightRig rig="twoPt" dir="t">
-              <a:rot lat="0" lon="0" rev="7800000"/>
-            </a:lightRig>
-          </a:scene3d>
-          <a:sp3d contourW="6350">
-            <a:bevelT w="50800" h="16510"/>
-            <a:contourClr>
-              <a:srgbClr val="C0C0C0"/>
-            </a:contourClr>
-          </a:sp3d>
-        </p:spPr>
-      </p:pic>
+            <a:endParaRPr kumimoji="1" lang="ja-JP" altLang="en-US" sz="2800" dirty="0">
+              <a:solidFill>
+                <a:schemeClr val="bg1"/>
+              </a:solidFill>
+            </a:endParaRPr>
+          </a:p>
+        </p:txBody>
+      </p:sp>
     </p:spTree>
   </p:cSld>
   <p:clrMapOvr>
